--- a/Assets/Class/Photon Server/PPT Data/Photon Synchronization.pptx
+++ b/Assets/Class/Photon Server/PPT Data/Photon Synchronization.pptx
@@ -2,7 +2,7 @@
 <file path=ppt/presentation.xml><?xml version="1.0" encoding="utf-8"?>
 <p:presentation xmlns:a="http://schemas.openxmlformats.org/drawingml/2006/main" xmlns:r="http://schemas.openxmlformats.org/officeDocument/2006/relationships" xmlns:p="http://schemas.openxmlformats.org/presentationml/2006/main" xmlns:p14="http://schemas.microsoft.com/office/powerpoint/2010/main" saveSubsetFonts="1" firstSlideNum="0">
   <p:sldMasterIdLst>
-    <p:sldMasterId id="2147486769" r:id="rId12"/>
+    <p:sldMasterId id="2147486784" r:id="rId12"/>
   </p:sldMasterIdLst>
   <p:notesMasterIdLst>
     <p:notesMasterId r:id="rId14"/>
@@ -11,6 +11,9 @@
     <p:sldId id="309" r:id="rId16"/>
     <p:sldId id="307" r:id="rId17"/>
     <p:sldId id="310" r:id="rId18"/>
+    <p:sldId id="311" r:id="rId19"/>
+    <p:sldId id="312" r:id="rId20"/>
+    <p:sldId id="313" r:id="rId21"/>
   </p:sldIdLst>
   <p:sldSz cx="12192000" cy="6858000"/>
   <p:notesSz cx="6858000" cy="9144000"/>
@@ -895,6 +898,432 @@
 </p:notes>
 </file>
 
+<file path=ppt/notesSlides/notesSlide4.xml><?xml version="1.0" encoding="utf-8"?>
+<p:notes xmlns:a="http://schemas.openxmlformats.org/drawingml/2006/main" xmlns:r="http://schemas.openxmlformats.org/officeDocument/2006/relationships" xmlns:p="http://schemas.openxmlformats.org/presentationml/2006/main">
+  <p:cSld>
+    <p:spTree>
+      <p:nvGrpSpPr>
+        <p:cNvPr id="1" name=""/>
+        <p:cNvGrpSpPr/>
+        <p:nvPr/>
+      </p:nvGrpSpPr>
+      <p:grpSpPr>
+        <a:xfrm>
+          <a:off x="0" y="0"/>
+          <a:ext cx="0" cy="0"/>
+          <a:chOff x="0" y="0"/>
+          <a:chExt cx="0" cy="0"/>
+        </a:xfrm>
+      </p:grpSpPr>
+      <p:sp>
+        <p:nvSpPr>
+          <p:cNvPr id="2" name="슬라이드 이미지 개체 틀 3"/>
+          <p:cNvSpPr>
+            <a:spLocks noChangeAspect="1"/>
+          </p:cNvSpPr>
+          <p:nvPr>
+            <p:ph type="sldImg" idx="2"/>
+          </p:nvPr>
+        </p:nvSpPr>
+        <p:spPr>
+          <a:xfrm rot="0">
+            <a:off x="685800" y="1143000"/>
+            <a:ext cx="5492750" cy="3092450"/>
+          </a:xfrm>
+          <a:prstGeom prst="rect"/>
+          <a:noFill/>
+          <a:ln w="12700" cap="flat" cmpd="sng">
+            <a:solidFill>
+              <a:srgbClr val="000000">
+                <a:alpha val="100000"/>
+              </a:srgbClr>
+            </a:solidFill>
+            <a:prstDash val="solid"/>
+          </a:ln>
+        </p:spPr>
+        <p:txBody>
+          <a:bodyPr wrap="square" lIns="91440" tIns="45720" rIns="91440" bIns="45720" numCol="1" vert="horz" anchor="ctr">
+            <a:noAutofit/>
+          </a:bodyPr>
+          <a:lstStyle/>
+          <a:p>
+            <a:pPr marL="0" indent="0" latinLnBrk="0">
+              <a:buFontTx/>
+              <a:buNone/>
+            </a:pPr>
+          </a:p>
+        </p:txBody>
+      </p:sp>
+      <p:sp>
+        <p:nvSpPr>
+          <p:cNvPr id="3" name="슬라이드 노트 개체 틀 4"/>
+          <p:cNvSpPr txBox="1">
+            <a:spLocks/>
+          </p:cNvSpPr>
+          <p:nvPr>
+            <p:ph type="body" idx="3"/>
+          </p:nvPr>
+        </p:nvSpPr>
+        <p:spPr>
+          <a:xfrm rot="0">
+            <a:off x="685800" y="4400550"/>
+            <a:ext cx="5492750" cy="3606800"/>
+          </a:xfrm>
+          <a:prstGeom prst="rect"/>
+        </p:spPr>
+        <p:txBody>
+          <a:bodyPr wrap="square" lIns="91440" tIns="45720" rIns="91440" bIns="45720" numCol="1" vert="horz" anchor="t">
+            <a:noAutofit/>
+          </a:bodyPr>
+          <a:lstStyle/>
+          <a:p>
+            <a:pPr marL="0" indent="0" latinLnBrk="0">
+              <a:buFontTx/>
+              <a:buNone/>
+            </a:pPr>
+          </a:p>
+        </p:txBody>
+      </p:sp>
+      <p:sp>
+        <p:nvSpPr>
+          <p:cNvPr id="4" name="슬라이드 번호 개체 틀 6"/>
+          <p:cNvSpPr txBox="1">
+            <a:spLocks/>
+          </p:cNvSpPr>
+          <p:nvPr>
+            <p:ph type="sldNum" idx="5"/>
+          </p:nvPr>
+        </p:nvSpPr>
+        <p:spPr>
+          <a:xfrm rot="0">
+            <a:off x="3884930" y="8685530"/>
+            <a:ext cx="2978150" cy="464820"/>
+          </a:xfrm>
+          <a:prstGeom prst="rect"/>
+        </p:spPr>
+        <p:txBody>
+          <a:bodyPr wrap="square" lIns="91440" tIns="45720" rIns="91440" bIns="45720" numCol="1" vert="horz" anchor="b">
+            <a:noAutofit/>
+          </a:bodyPr>
+          <a:lstStyle>
+            <a:lvl1pPr marL="0" indent="0" algn="r" latinLnBrk="0">
+              <a:buFontTx/>
+              <a:buNone/>
+              <a:defRPr lang="en-GB" altLang="en-US" sz="1200"/>
+            </a:lvl1pPr>
+          </a:lstStyle>
+          <a:p>
+            <a:pPr marL="0" indent="0" latinLnBrk="0">
+              <a:buFontTx/>
+              <a:buNone/>
+            </a:pPr>
+            <a:fld id="{B9320F77-B9A0-41C5-862A-B4B631284C64}" type="slidenum">
+              <a:rPr lang="ko-KR" altLang="en-US"/>
+              <a:t>‹#›</a:t>
+            </a:fld>
+          </a:p>
+        </p:txBody>
+      </p:sp>
+    </p:spTree>
+  </p:cSld>
+  <p:clrMapOvr>
+    <a:masterClrMapping/>
+  </p:clrMapOvr>
+  <mc:AlternateContent xmlns:mc="http://schemas.openxmlformats.org/markup-compatibility/2006">
+    <mc:Choice xmlns:p14="http://schemas.microsoft.com/office/powerpoint/2010/main" Requires="p14">
+      <p:transition spd="slow" p14:dur="0"/>
+    </mc:Choice>
+    <mc:Fallback>
+      <p:transition spd="slow"/>
+    </mc:Fallback>
+  </mc:AlternateContent>
+</p:notes>
+</file>
+
+<file path=ppt/notesSlides/notesSlide5.xml><?xml version="1.0" encoding="utf-8"?>
+<p:notes xmlns:a="http://schemas.openxmlformats.org/drawingml/2006/main" xmlns:r="http://schemas.openxmlformats.org/officeDocument/2006/relationships" xmlns:p="http://schemas.openxmlformats.org/presentationml/2006/main">
+  <p:cSld>
+    <p:spTree>
+      <p:nvGrpSpPr>
+        <p:cNvPr id="1" name=""/>
+        <p:cNvGrpSpPr/>
+        <p:nvPr/>
+      </p:nvGrpSpPr>
+      <p:grpSpPr>
+        <a:xfrm>
+          <a:off x="0" y="0"/>
+          <a:ext cx="0" cy="0"/>
+          <a:chOff x="0" y="0"/>
+          <a:chExt cx="0" cy="0"/>
+        </a:xfrm>
+      </p:grpSpPr>
+      <p:sp>
+        <p:nvSpPr>
+          <p:cNvPr id="2" name="슬라이드 이미지 개체 틀 3"/>
+          <p:cNvSpPr>
+            <a:spLocks noChangeAspect="1"/>
+          </p:cNvSpPr>
+          <p:nvPr>
+            <p:ph type="sldImg" idx="2"/>
+          </p:nvPr>
+        </p:nvSpPr>
+        <p:spPr>
+          <a:xfrm rot="0">
+            <a:off x="685800" y="1143000"/>
+            <a:ext cx="5492750" cy="3092450"/>
+          </a:xfrm>
+          <a:prstGeom prst="rect"/>
+          <a:noFill/>
+          <a:ln w="12700" cap="flat" cmpd="sng">
+            <a:solidFill>
+              <a:srgbClr val="000000">
+                <a:alpha val="100000"/>
+              </a:srgbClr>
+            </a:solidFill>
+            <a:prstDash val="solid"/>
+          </a:ln>
+        </p:spPr>
+        <p:txBody>
+          <a:bodyPr wrap="square" lIns="91440" tIns="45720" rIns="91440" bIns="45720" numCol="1" vert="horz" anchor="ctr">
+            <a:noAutofit/>
+          </a:bodyPr>
+          <a:lstStyle/>
+          <a:p>
+            <a:pPr marL="0" indent="0" latinLnBrk="0">
+              <a:buFontTx/>
+              <a:buNone/>
+            </a:pPr>
+          </a:p>
+        </p:txBody>
+      </p:sp>
+      <p:sp>
+        <p:nvSpPr>
+          <p:cNvPr id="3" name="슬라이드 노트 개체 틀 4"/>
+          <p:cNvSpPr txBox="1">
+            <a:spLocks/>
+          </p:cNvSpPr>
+          <p:nvPr>
+            <p:ph type="body" idx="3"/>
+          </p:nvPr>
+        </p:nvSpPr>
+        <p:spPr>
+          <a:xfrm rot="0">
+            <a:off x="685800" y="4400550"/>
+            <a:ext cx="5492750" cy="3606800"/>
+          </a:xfrm>
+          <a:prstGeom prst="rect"/>
+        </p:spPr>
+        <p:txBody>
+          <a:bodyPr wrap="square" lIns="91440" tIns="45720" rIns="91440" bIns="45720" numCol="1" vert="horz" anchor="t">
+            <a:noAutofit/>
+          </a:bodyPr>
+          <a:lstStyle/>
+          <a:p>
+            <a:pPr marL="0" indent="0" latinLnBrk="0">
+              <a:buFontTx/>
+              <a:buNone/>
+            </a:pPr>
+          </a:p>
+        </p:txBody>
+      </p:sp>
+      <p:sp>
+        <p:nvSpPr>
+          <p:cNvPr id="4" name="슬라이드 번호 개체 틀 6"/>
+          <p:cNvSpPr txBox="1">
+            <a:spLocks/>
+          </p:cNvSpPr>
+          <p:nvPr>
+            <p:ph type="sldNum" idx="5"/>
+          </p:nvPr>
+        </p:nvSpPr>
+        <p:spPr>
+          <a:xfrm rot="0">
+            <a:off x="3884930" y="8685530"/>
+            <a:ext cx="2978150" cy="464820"/>
+          </a:xfrm>
+          <a:prstGeom prst="rect"/>
+        </p:spPr>
+        <p:txBody>
+          <a:bodyPr wrap="square" lIns="91440" tIns="45720" rIns="91440" bIns="45720" numCol="1" vert="horz" anchor="b">
+            <a:noAutofit/>
+          </a:bodyPr>
+          <a:lstStyle>
+            <a:lvl1pPr marL="0" indent="0" algn="r" latinLnBrk="0">
+              <a:buFontTx/>
+              <a:buNone/>
+              <a:defRPr lang="en-GB" altLang="en-US" sz="1200"/>
+            </a:lvl1pPr>
+          </a:lstStyle>
+          <a:p>
+            <a:pPr marL="0" indent="0" latinLnBrk="0">
+              <a:buFontTx/>
+              <a:buNone/>
+            </a:pPr>
+            <a:fld id="{B9320F77-B9A0-41C5-862A-B4B631284C64}" type="slidenum">
+              <a:rPr lang="ko-KR" altLang="en-US"/>
+              <a:t>‹#›</a:t>
+            </a:fld>
+          </a:p>
+        </p:txBody>
+      </p:sp>
+    </p:spTree>
+  </p:cSld>
+  <p:clrMapOvr>
+    <a:masterClrMapping/>
+  </p:clrMapOvr>
+  <mc:AlternateContent xmlns:mc="http://schemas.openxmlformats.org/markup-compatibility/2006">
+    <mc:Choice xmlns:p14="http://schemas.microsoft.com/office/powerpoint/2010/main" Requires="p14">
+      <p:transition spd="slow" p14:dur="0"/>
+    </mc:Choice>
+    <mc:Fallback>
+      <p:transition spd="slow"/>
+    </mc:Fallback>
+  </mc:AlternateContent>
+</p:notes>
+</file>
+
+<file path=ppt/notesSlides/notesSlide6.xml><?xml version="1.0" encoding="utf-8"?>
+<p:notes xmlns:a="http://schemas.openxmlformats.org/drawingml/2006/main" xmlns:r="http://schemas.openxmlformats.org/officeDocument/2006/relationships" xmlns:p="http://schemas.openxmlformats.org/presentationml/2006/main">
+  <p:cSld>
+    <p:spTree>
+      <p:nvGrpSpPr>
+        <p:cNvPr id="1" name=""/>
+        <p:cNvGrpSpPr/>
+        <p:nvPr/>
+      </p:nvGrpSpPr>
+      <p:grpSpPr>
+        <a:xfrm>
+          <a:off x="0" y="0"/>
+          <a:ext cx="0" cy="0"/>
+          <a:chOff x="0" y="0"/>
+          <a:chExt cx="0" cy="0"/>
+        </a:xfrm>
+      </p:grpSpPr>
+      <p:sp>
+        <p:nvSpPr>
+          <p:cNvPr id="2" name="슬라이드 이미지 개체 틀 3"/>
+          <p:cNvSpPr>
+            <a:spLocks noChangeAspect="1"/>
+          </p:cNvSpPr>
+          <p:nvPr>
+            <p:ph type="sldImg" idx="2"/>
+          </p:nvPr>
+        </p:nvSpPr>
+        <p:spPr>
+          <a:xfrm rot="0">
+            <a:off x="685800" y="1143000"/>
+            <a:ext cx="5492750" cy="3092450"/>
+          </a:xfrm>
+          <a:prstGeom prst="rect"/>
+          <a:noFill/>
+          <a:ln w="12700" cap="flat" cmpd="sng">
+            <a:solidFill>
+              <a:srgbClr val="000000">
+                <a:alpha val="100000"/>
+              </a:srgbClr>
+            </a:solidFill>
+            <a:prstDash val="solid"/>
+          </a:ln>
+        </p:spPr>
+        <p:txBody>
+          <a:bodyPr wrap="square" lIns="91440" tIns="45720" rIns="91440" bIns="45720" numCol="1" vert="horz" anchor="ctr">
+            <a:noAutofit/>
+          </a:bodyPr>
+          <a:lstStyle/>
+          <a:p>
+            <a:pPr marL="0" indent="0" latinLnBrk="0">
+              <a:buFontTx/>
+              <a:buNone/>
+            </a:pPr>
+          </a:p>
+        </p:txBody>
+      </p:sp>
+      <p:sp>
+        <p:nvSpPr>
+          <p:cNvPr id="3" name="슬라이드 노트 개체 틀 4"/>
+          <p:cNvSpPr txBox="1">
+            <a:spLocks/>
+          </p:cNvSpPr>
+          <p:nvPr>
+            <p:ph type="body" idx="3"/>
+          </p:nvPr>
+        </p:nvSpPr>
+        <p:spPr>
+          <a:xfrm rot="0">
+            <a:off x="685800" y="4400550"/>
+            <a:ext cx="5492750" cy="3606800"/>
+          </a:xfrm>
+          <a:prstGeom prst="rect"/>
+        </p:spPr>
+        <p:txBody>
+          <a:bodyPr wrap="square" lIns="91440" tIns="45720" rIns="91440" bIns="45720" numCol="1" vert="horz" anchor="t">
+            <a:noAutofit/>
+          </a:bodyPr>
+          <a:lstStyle/>
+          <a:p>
+            <a:pPr marL="0" indent="0" latinLnBrk="0">
+              <a:buFontTx/>
+              <a:buNone/>
+            </a:pPr>
+          </a:p>
+        </p:txBody>
+      </p:sp>
+      <p:sp>
+        <p:nvSpPr>
+          <p:cNvPr id="4" name="슬라이드 번호 개체 틀 6"/>
+          <p:cNvSpPr txBox="1">
+            <a:spLocks/>
+          </p:cNvSpPr>
+          <p:nvPr>
+            <p:ph type="sldNum" idx="5"/>
+          </p:nvPr>
+        </p:nvSpPr>
+        <p:spPr>
+          <a:xfrm rot="0">
+            <a:off x="3884930" y="8685530"/>
+            <a:ext cx="2978150" cy="464820"/>
+          </a:xfrm>
+          <a:prstGeom prst="rect"/>
+        </p:spPr>
+        <p:txBody>
+          <a:bodyPr wrap="square" lIns="91440" tIns="45720" rIns="91440" bIns="45720" numCol="1" vert="horz" anchor="b">
+            <a:noAutofit/>
+          </a:bodyPr>
+          <a:lstStyle>
+            <a:lvl1pPr marL="0" indent="0" algn="r" latinLnBrk="0">
+              <a:buFontTx/>
+              <a:buNone/>
+              <a:defRPr lang="en-GB" altLang="en-US" sz="1200"/>
+            </a:lvl1pPr>
+          </a:lstStyle>
+          <a:p>
+            <a:pPr marL="0" indent="0" latinLnBrk="0">
+              <a:buFontTx/>
+              <a:buNone/>
+            </a:pPr>
+            <a:fld id="{B9320F77-B9A0-41C5-862A-B4B631284C64}" type="slidenum">
+              <a:rPr lang="ko-KR" altLang="en-US"/>
+              <a:t>‹#›</a:t>
+            </a:fld>
+          </a:p>
+        </p:txBody>
+      </p:sp>
+    </p:spTree>
+  </p:cSld>
+  <p:clrMapOvr>
+    <a:masterClrMapping/>
+  </p:clrMapOvr>
+  <mc:AlternateContent xmlns:mc="http://schemas.openxmlformats.org/markup-compatibility/2006">
+    <mc:Choice xmlns:p14="http://schemas.microsoft.com/office/powerpoint/2010/main" Requires="p14">
+      <p:transition spd="slow" p14:dur="0"/>
+    </mc:Choice>
+    <mc:Fallback>
+      <p:transition spd="slow"/>
+    </mc:Fallback>
+  </mc:AlternateContent>
+</p:notes>
+</file>
+
 <file path=ppt/slideLayouts/slideLayout1.xml><?xml version="1.0" encoding="utf-8"?>
 <p:sldLayout xmlns:a="http://schemas.openxmlformats.org/drawingml/2006/main" xmlns:r="http://schemas.openxmlformats.org/officeDocument/2006/relationships" xmlns:p="http://schemas.openxmlformats.org/presentationml/2006/main" type="title">
   <p:cSld name="제목 슬라이드">
@@ -5781,7 +6210,7 @@
 </file>
 
 <file path=ppt/slides/slide1.xml><?xml version="1.0" encoding="utf-8"?>
-<p:sld xmlns:a="http://schemas.openxmlformats.org/drawingml/2006/main" xmlns:r="http://schemas.openxmlformats.org/officeDocument/2006/relationships" xmlns:p="http://schemas.openxmlformats.org/presentationml/2006/main">
+<p:sld xmlns:a="http://schemas.openxmlformats.org/drawingml/2006/main" xmlns:r="http://schemas.openxmlformats.org/officeDocument/2006/relationships" xmlns:p="http://schemas.openxmlformats.org/presentationml/2006/main" xmlns:p14="http://schemas.microsoft.com/office/powerpoint/2010/main">
   <p:cSld>
     <p:spTree>
       <p:nvGrpSpPr>
@@ -5843,7 +6272,7 @@
       </p:sp>
       <p:pic>
         <p:nvPicPr>
-          <p:cNvPr id="24" name="그림 1" descr="C:/Users/Admin1/AppData/Roaming/PolarisOffice/ETemp/18272_9606240/fImage429614041.png"/>
+          <p:cNvPr id="24" name="그림 1"/>
           <p:cNvPicPr>
             <a:picLocks noChangeAspect="1"/>
           </p:cNvPicPr>
@@ -5874,7 +6303,7 @@
       </p:pic>
       <p:pic>
         <p:nvPicPr>
-          <p:cNvPr id="25" name="그림 5" descr="C:/Users/Admin1/AppData/Roaming/PolarisOffice/ETemp/18272_9606240/fImage159781438467.png"/>
+          <p:cNvPr id="25" name="그림 5"/>
           <p:cNvPicPr>
             <a:picLocks noChangeAspect="1"/>
           </p:cNvPicPr>
@@ -6020,7 +6449,7 @@
       </p:sp>
       <p:pic>
         <p:nvPicPr>
-          <p:cNvPr id="27" name="그림 11" descr="C:/Users/Admin1/AppData/Roaming/PolarisOffice/ETemp/18272_9606240/fImage107332741942.png"/>
+          <p:cNvPr id="27" name="그림 11"/>
           <p:cNvPicPr>
             <a:picLocks noChangeAspect="1"/>
           </p:cNvPicPr>
@@ -6051,7 +6480,7 @@
       </p:pic>
       <p:pic>
         <p:nvPicPr>
-          <p:cNvPr id="28" name="그림 12" descr="C:/Users/Admin1/AppData/Roaming/PolarisOffice/ETemp/18272_9606240/fImage89511486334.png"/>
+          <p:cNvPr id="28" name="그림 12"/>
           <p:cNvPicPr>
             <a:picLocks noChangeAspect="1"/>
           </p:cNvPicPr>
@@ -6345,7 +6774,7 @@
       </p:sp>
       <p:pic>
         <p:nvPicPr>
-          <p:cNvPr id="30" name="그림 22" descr="C:/Users/Admin1/AppData/Roaming/PolarisOffice/ETemp/18272_9606240/fImage21881546500.png"/>
+          <p:cNvPr id="30" name="그림 22"/>
           <p:cNvPicPr>
             <a:picLocks noChangeAspect="1"/>
           </p:cNvPicPr>
@@ -6496,7 +6925,7 @@
       </p:sp>
       <p:pic>
         <p:nvPicPr>
-          <p:cNvPr id="29" name="그림 17" descr="C:/Users/Admin1/AppData/Roaming/PolarisOffice/ETemp/18272_9606240/fImage107332741942.png"/>
+          <p:cNvPr id="29" name="그림 17"/>
           <p:cNvPicPr>
             <a:picLocks noChangeAspect="1"/>
           </p:cNvPicPr>
@@ -6527,7 +6956,7 @@
       </p:pic>
       <p:pic>
         <p:nvPicPr>
-          <p:cNvPr id="30" name="그림 18" descr="C:/Users/Admin1/AppData/Roaming/PolarisOffice/ETemp/18272_9606240/fImage58051529169.png"/>
+          <p:cNvPr id="30" name="그림 18"/>
           <p:cNvPicPr>
             <a:picLocks noChangeAspect="1"/>
           </p:cNvPicPr>
@@ -6704,7 +7133,7 @@
       </p:sp>
       <p:pic>
         <p:nvPicPr>
-          <p:cNvPr id="32" name="그림 27" descr="C:/Users/Admin1/AppData/Roaming/PolarisOffice/ETemp/18272_9606240/fImage42981575724.png"/>
+          <p:cNvPr id="32" name="그림 27"/>
           <p:cNvPicPr>
             <a:picLocks noChangeAspect="1"/>
           </p:cNvPicPr>
@@ -6827,7 +7256,7 @@
       </p:sp>
       <p:pic>
         <p:nvPicPr>
-          <p:cNvPr id="34" name="그림 31" descr="C:/Users/Admin1/AppData/Roaming/PolarisOffice/ETemp/18272_9606240/fImage128491591478.png"/>
+          <p:cNvPr id="34" name="그림 31"/>
           <p:cNvPicPr>
             <a:picLocks noChangeAspect="1"/>
           </p:cNvPicPr>
@@ -6944,7 +7373,7 @@
 </file>
 
 <file path=ppt/slides/slide3.xml><?xml version="1.0" encoding="utf-8"?>
-<p:sld xmlns:a="http://schemas.openxmlformats.org/drawingml/2006/main" xmlns:r="http://schemas.openxmlformats.org/officeDocument/2006/relationships" xmlns:p="http://schemas.openxmlformats.org/presentationml/2006/main">
+<p:sld xmlns:a="http://schemas.openxmlformats.org/drawingml/2006/main" xmlns:r="http://schemas.openxmlformats.org/officeDocument/2006/relationships" xmlns:p="http://schemas.openxmlformats.org/presentationml/2006/main" xmlns:p14="http://schemas.microsoft.com/office/powerpoint/2010/main">
   <p:cSld>
     <p:spTree>
       <p:nvGrpSpPr>
@@ -7161,7 +7590,7 @@
       </p:sp>
       <p:pic>
         <p:nvPicPr>
-          <p:cNvPr id="36" name="그림 35" descr="C:/Users/Admin1/AppData/Roaming/PolarisOffice/ETemp/18272_9606240/fImage43391729358.png"/>
+          <p:cNvPr id="36" name="그림 35"/>
           <p:cNvPicPr>
             <a:picLocks noChangeAspect="1"/>
           </p:cNvPicPr>
@@ -7192,7 +7621,7 @@
       </p:pic>
       <p:pic>
         <p:nvPicPr>
-          <p:cNvPr id="37" name="그림 39" descr="C:/Users/Admin1/AppData/Roaming/PolarisOffice/ETemp/18272_9606240/fImage159531756962.png"/>
+          <p:cNvPr id="37" name="그림 39"/>
           <p:cNvPicPr>
             <a:picLocks noChangeAspect="1"/>
           </p:cNvPicPr>
@@ -7223,7 +7652,7 @@
       </p:pic>
       <p:pic>
         <p:nvPicPr>
-          <p:cNvPr id="38" name="그림 40" descr="C:/Users/Admin1/AppData/Roaming/PolarisOffice/ETemp/18272_9606240/fImage59121764464.png"/>
+          <p:cNvPr id="38" name="그림 40"/>
           <p:cNvPicPr>
             <a:picLocks noChangeAspect="1"/>
           </p:cNvPicPr>
@@ -7254,7 +7683,7 @@
       </p:pic>
       <p:pic>
         <p:nvPicPr>
-          <p:cNvPr id="39" name="그림 43" descr="C:/Users/Admin1/AppData/Roaming/PolarisOffice/ETemp/18272_9606240/fImage36791775705.png"/>
+          <p:cNvPr id="39" name="그림 43"/>
           <p:cNvPicPr>
             <a:picLocks noChangeAspect="1"/>
           </p:cNvPicPr>
@@ -7349,7 +7778,7 @@
       </p:sp>
       <p:pic>
         <p:nvPicPr>
-          <p:cNvPr id="42" name="그림 51" descr="C:/Users/Admin1/AppData/Roaming/PolarisOffice/ETemp/18272_9606240/fImage75771818145.png"/>
+          <p:cNvPr id="42" name="그림 51"/>
           <p:cNvPicPr>
             <a:picLocks noChangeAspect="1"/>
           </p:cNvPicPr>
@@ -7380,7 +7809,7 @@
       </p:pic>
       <p:pic>
         <p:nvPicPr>
-          <p:cNvPr id="43" name="그림 54" descr="C:/Users/Admin1/AppData/Roaming/PolarisOffice/ETemp/18272_9606240/fImage43411823281.png"/>
+          <p:cNvPr id="43" name="그림 54"/>
           <p:cNvPicPr>
             <a:picLocks noChangeAspect="1"/>
           </p:cNvPicPr>
@@ -7409,6 +7838,1196 @@
           </a:solidFill>
         </p:spPr>
       </p:pic>
+    </p:spTree>
+  </p:cSld>
+  <p:clrMapOvr>
+    <a:masterClrMapping/>
+  </p:clrMapOvr>
+  <mc:AlternateContent xmlns:mc="http://schemas.openxmlformats.org/markup-compatibility/2006">
+    <mc:Choice xmlns:p14="http://schemas.microsoft.com/office/powerpoint/2010/main" Requires="p14">
+      <p:transition spd="slow" p14:dur="2000"/>
+    </mc:Choice>
+    <mc:Fallback>
+      <p:transition spd="slow"/>
+    </mc:Fallback>
+  </mc:AlternateContent>
+  <p:timing>
+    <p:tnLst>
+      <p:par>
+        <p:cTn id="1" dur="indefinite" restart="never" nodeType="tmRoot"/>
+      </p:par>
+    </p:tnLst>
+  </p:timing>
+</p:sld>
+</file>
+
+<file path=ppt/slides/slide4.xml><?xml version="1.0" encoding="utf-8"?>
+<p:sld xmlns:a="http://schemas.openxmlformats.org/drawingml/2006/main" xmlns:r="http://schemas.openxmlformats.org/officeDocument/2006/relationships" xmlns:p="http://schemas.openxmlformats.org/presentationml/2006/main">
+  <p:cSld>
+    <p:spTree>
+      <p:nvGrpSpPr>
+        <p:cNvPr id="1" name=""/>
+        <p:cNvGrpSpPr/>
+        <p:nvPr/>
+      </p:nvGrpSpPr>
+      <p:grpSpPr>
+        <a:xfrm>
+          <a:off x="0" y="0"/>
+          <a:ext cx="0" cy="0"/>
+          <a:chOff x="0" y="0"/>
+          <a:chExt cx="0" cy="0"/>
+        </a:xfrm>
+      </p:grpSpPr>
+      <p:sp>
+        <p:nvSpPr>
+          <p:cNvPr id="27" name="Rect 0"/>
+          <p:cNvSpPr txBox="1">
+            <a:spLocks/>
+          </p:cNvSpPr>
+          <p:nvPr/>
+        </p:nvSpPr>
+        <p:spPr>
+          <a:xfrm rot="0">
+            <a:off x="4531360" y="407670"/>
+            <a:ext cx="3132455" cy="554990"/>
+          </a:xfrm>
+          <a:prstGeom prst="rect"/>
+          <a:noFill/>
+          <a:ln w="0">
+            <a:noFill/>
+            <a:prstDash/>
+          </a:ln>
+        </p:spPr>
+        <p:txBody>
+          <a:bodyPr wrap="square" lIns="89535" tIns="46355" rIns="89535" bIns="46355" numCol="1" vert="horz" anchor="t">
+            <a:spAutoFit/>
+          </a:bodyPr>
+          <a:lstStyle/>
+          <a:p>
+            <a:pPr marL="0" indent="0" algn="l" latinLnBrk="0" hangingPunct="1">
+              <a:buFontTx/>
+              <a:buNone/>
+            </a:pPr>
+            <a:r>
+              <a:rPr lang="ko-KR" sz="3000" b="1">
+                <a:latin typeface="맑은 고딕" charset="0"/>
+                <a:ea typeface="맑은 고딕" charset="0"/>
+              </a:rPr>
+              <a:t>네</a:t>
+            </a:r>
+            <a:r>
+              <a:rPr lang="ko-KR" sz="3000" b="1">
+                <a:latin typeface="맑은 고딕" charset="0"/>
+                <a:ea typeface="맑은 고딕" charset="0"/>
+              </a:rPr>
+              <a:t> 번째 튜토리얼</a:t>
+            </a:r>
+            <a:endParaRPr lang="ko-KR" altLang="en-US" sz="3000" b="1">
+              <a:latin typeface="맑은 고딕" charset="0"/>
+              <a:ea typeface="맑은 고딕" charset="0"/>
+            </a:endParaRPr>
+          </a:p>
+        </p:txBody>
+      </p:sp>
+      <p:sp>
+        <p:nvSpPr>
+          <p:cNvPr id="31" name="Rect 0"/>
+          <p:cNvSpPr txBox="1">
+            <a:spLocks/>
+          </p:cNvSpPr>
+          <p:nvPr/>
+        </p:nvSpPr>
+        <p:spPr>
+          <a:xfrm rot="0">
+            <a:off x="1478915" y="3204845"/>
+            <a:ext cx="3893820" cy="2892425"/>
+          </a:xfrm>
+          <a:prstGeom prst="rect"/>
+          <a:noFill/>
+          <a:ln w="0">
+            <a:noFill/>
+            <a:prstDash/>
+          </a:ln>
+        </p:spPr>
+        <p:txBody>
+          <a:bodyPr wrap="square" lIns="89535" tIns="46355" rIns="89535" bIns="46355" numCol="1" vert="horz" anchor="t">
+            <a:spAutoFit/>
+          </a:bodyPr>
+          <a:lstStyle/>
+          <a:p>
+            <a:pPr marL="0" indent="0" rtl="0" algn="l" defTabSz="914400" eaLnBrk="1" latinLnBrk="0" hangingPunct="1">
+              <a:buFontTx/>
+              <a:buNone/>
+            </a:pPr>
+            <a:r>
+              <a:rPr lang="ko-KR" sz="2000" b="1">
+                <a:solidFill>
+                  <a:srgbClr val="0611F2"/>
+                </a:solidFill>
+                <a:latin typeface="맑은 고딕" charset="0"/>
+                <a:ea typeface="맑은 고딕" charset="0"/>
+              </a:rPr>
+              <a:t>9</a:t>
+            </a:r>
+            <a:r>
+              <a:rPr sz="2000" b="1">
+                <a:solidFill>
+                  <a:srgbClr val="0611F2"/>
+                </a:solidFill>
+                <a:latin typeface="맑은 고딕" charset="0"/>
+                <a:ea typeface="맑은 고딕" charset="0"/>
+              </a:rPr>
+              <a:t>. </a:t>
+            </a:r>
+            <a:r>
+              <a:rPr lang="ko-KR" sz="1800">
+                <a:latin typeface="맑은 고딕" charset="0"/>
+                <a:ea typeface="맑은 고딕" charset="0"/>
+              </a:rPr>
+              <a:t>그</a:t>
+            </a:r>
+            <a:r>
+              <a:rPr lang="ko-KR" sz="1800">
+                <a:latin typeface="맑은 고딕" charset="0"/>
+                <a:ea typeface="맑은 고딕" charset="0"/>
+              </a:rPr>
+              <a:t>리고 PhotonControl 스크립트는 MonoBehaviourPun 클래스를 상속받도록 설정합니다.</a:t>
+            </a:r>
+            <a:endParaRPr lang="ko-KR" altLang="en-US" sz="1800">
+              <a:latin typeface="맑은 고딕" charset="0"/>
+              <a:ea typeface="맑은 고딕" charset="0"/>
+            </a:endParaRPr>
+          </a:p>
+          <a:p>
+            <a:pPr marL="0" indent="0" rtl="0" algn="l" defTabSz="914400" eaLnBrk="1" latinLnBrk="0" hangingPunct="1">
+              <a:buFontTx/>
+              <a:buNone/>
+            </a:pPr>
+            <a:endParaRPr lang="ko-KR" altLang="en-US" sz="1800">
+              <a:latin typeface="맑은 고딕" charset="0"/>
+              <a:ea typeface="맑은 고딕" charset="0"/>
+            </a:endParaRPr>
+          </a:p>
+          <a:p>
+            <a:pPr marL="0" indent="0" rtl="0" algn="l" defTabSz="914400" eaLnBrk="1" latinLnBrk="0" hangingPunct="1">
+              <a:buFontTx/>
+              <a:buNone/>
+            </a:pPr>
+            <a:r>
+              <a:rPr lang="ko-KR" sz="1800">
+                <a:latin typeface="맑은 고딕" charset="0"/>
+                <a:ea typeface="맑은 고딕" charset="0"/>
+              </a:rPr>
+              <a:t>그런 다음 이동 속도를 조절하는 float 변수와 회전 조절하는 float 변수를 선언합니다.</a:t>
+            </a:r>
+            <a:endParaRPr lang="ko-KR" altLang="en-US" sz="1800">
+              <a:latin typeface="맑은 고딕" charset="0"/>
+              <a:ea typeface="맑은 고딕" charset="0"/>
+            </a:endParaRPr>
+          </a:p>
+          <a:p>
+            <a:pPr marL="0" indent="0" rtl="0" algn="l" defTabSz="914400" eaLnBrk="1" latinLnBrk="0" hangingPunct="1">
+              <a:buFontTx/>
+              <a:buNone/>
+            </a:pPr>
+            <a:endParaRPr lang="ko-KR" altLang="en-US" sz="1800">
+              <a:latin typeface="맑은 고딕" charset="0"/>
+              <a:ea typeface="맑은 고딕" charset="0"/>
+            </a:endParaRPr>
+          </a:p>
+          <a:p>
+            <a:pPr marL="0" indent="0" rtl="0" algn="l" defTabSz="914400" eaLnBrk="1" latinLnBrk="0" hangingPunct="1">
+              <a:buFontTx/>
+              <a:buNone/>
+            </a:pPr>
+            <a:r>
+              <a:rPr lang="ko-KR" sz="1800">
+                <a:latin typeface="맑은 고딕" charset="0"/>
+                <a:ea typeface="맑은 고딕" charset="0"/>
+              </a:rPr>
+              <a:t>마지막으로 Camera 오브젝트 변수를 선언합니다.</a:t>
+            </a:r>
+            <a:endParaRPr lang="ko-KR" altLang="en-US" sz="1800">
+              <a:latin typeface="맑은 고딕" charset="0"/>
+              <a:ea typeface="맑은 고딕" charset="0"/>
+            </a:endParaRPr>
+          </a:p>
+        </p:txBody>
+      </p:sp>
+      <p:sp>
+        <p:nvSpPr>
+          <p:cNvPr id="35" name="Rect 0"/>
+          <p:cNvSpPr txBox="1">
+            <a:spLocks/>
+          </p:cNvSpPr>
+          <p:nvPr/>
+        </p:nvSpPr>
+        <p:spPr>
+          <a:xfrm rot="0">
+            <a:off x="6832600" y="4033520"/>
+            <a:ext cx="4039870" cy="2061845"/>
+          </a:xfrm>
+          <a:prstGeom prst="rect"/>
+          <a:noFill/>
+          <a:ln w="0">
+            <a:noFill/>
+            <a:prstDash/>
+          </a:ln>
+        </p:spPr>
+        <p:txBody>
+          <a:bodyPr wrap="square" lIns="89535" tIns="46355" rIns="89535" bIns="46355" numCol="1" vert="horz" anchor="t">
+            <a:spAutoFit/>
+          </a:bodyPr>
+          <a:lstStyle/>
+          <a:p>
+            <a:pPr marL="0" indent="0" rtl="0" algn="l" defTabSz="914400" eaLnBrk="1" latinLnBrk="0" hangingPunct="1">
+              <a:buFontTx/>
+              <a:buNone/>
+            </a:pPr>
+            <a:r>
+              <a:rPr lang="ko-KR" sz="2000" b="1">
+                <a:solidFill>
+                  <a:srgbClr val="0611F2"/>
+                </a:solidFill>
+                <a:latin typeface="맑은 고딕" charset="0"/>
+                <a:ea typeface="맑은 고딕" charset="0"/>
+              </a:rPr>
+              <a:t>10</a:t>
+            </a:r>
+            <a:r>
+              <a:rPr sz="2000" b="1">
+                <a:solidFill>
+                  <a:srgbClr val="0611F2"/>
+                </a:solidFill>
+                <a:latin typeface="맑은 고딕" charset="0"/>
+                <a:ea typeface="맑은 고딕" charset="0"/>
+              </a:rPr>
+              <a:t>. </a:t>
+            </a:r>
+            <a:r>
+              <a:rPr lang="ko-KR" sz="1800">
+                <a:latin typeface="맑은 고딕" charset="0"/>
+                <a:ea typeface="맑은 고딕" charset="0"/>
+              </a:rPr>
+              <a:t>그다음으로 Start( ) 함수에서 현재 자신의 클라이언트이면 Main Camera를 비활성화하도록 설정합니다.</a:t>
+            </a:r>
+            <a:endParaRPr lang="ko-KR" altLang="en-US" sz="1800">
+              <a:latin typeface="맑은 고딕" charset="0"/>
+              <a:ea typeface="맑은 고딕" charset="0"/>
+            </a:endParaRPr>
+          </a:p>
+          <a:p>
+            <a:pPr marL="0" indent="0" rtl="0" algn="l" defTabSz="914400" eaLnBrk="1" latinLnBrk="0" hangingPunct="1">
+              <a:buFontTx/>
+              <a:buNone/>
+            </a:pPr>
+            <a:endParaRPr lang="ko-KR" altLang="en-US" sz="1800">
+              <a:latin typeface="맑은 고딕" charset="0"/>
+              <a:ea typeface="맑은 고딕" charset="0"/>
+            </a:endParaRPr>
+          </a:p>
+          <a:p>
+            <a:pPr marL="0" indent="0" rtl="0" algn="l" defTabSz="914400" eaLnBrk="1" latinLnBrk="0" hangingPunct="1">
+              <a:buFontTx/>
+              <a:buNone/>
+            </a:pPr>
+            <a:r>
+              <a:rPr lang="ko-KR" sz="1800">
+                <a:latin typeface="맑은 고딕" charset="0"/>
+                <a:ea typeface="맑은 고딕" charset="0"/>
+              </a:rPr>
+              <a:t>만약에 그게 아니라면 가져온 Camera 오브젝트를 비활성화합니다.</a:t>
+            </a:r>
+            <a:endParaRPr lang="ko-KR" altLang="en-US" sz="1800">
+              <a:latin typeface="맑은 고딕" charset="0"/>
+              <a:ea typeface="맑은 고딕" charset="0"/>
+            </a:endParaRPr>
+          </a:p>
+        </p:txBody>
+      </p:sp>
+      <p:pic>
+        <p:nvPicPr>
+          <p:cNvPr id="44" name="그림 1" descr="C:/Users/Admin1/AppData/Roaming/PolarisOffice/ETemp/16592_14860312/fImage440915341.png"/>
+          <p:cNvPicPr>
+            <a:picLocks noChangeAspect="1"/>
+          </p:cNvPicPr>
+          <p:nvPr/>
+        </p:nvPicPr>
+        <p:blipFill rotWithShape="1">
+          <a:blip r:embed="rId2" cstate="print">
+            <a:extLst>
+              <a:ext uri="{28A0092B-C50C-407E-A947-70E740481C1C}">
+                <a14:useLocalDpi xmlns:a14="http://schemas.microsoft.com/office/drawing/2010/main" val="0"/>
+              </a:ext>
+            </a:extLst>
+          </a:blip>
+          <a:stretch>
+            <a:fillRect/>
+          </a:stretch>
+        </p:blipFill>
+        <p:spPr>
+          <a:xfrm rot="0">
+            <a:off x="1489075" y="1391920"/>
+            <a:ext cx="3882390" cy="1722120"/>
+          </a:xfrm>
+          <a:prstGeom prst="rect"/>
+          <a:noFill/>
+        </p:spPr>
+      </p:pic>
+      <p:pic>
+        <p:nvPicPr>
+          <p:cNvPr id="45" name="그림 6" descr="C:/Users/Admin1/AppData/Roaming/PolarisOffice/ETemp/16592_14860312/fImage85511548467.png"/>
+          <p:cNvPicPr>
+            <a:picLocks noChangeAspect="1"/>
+          </p:cNvPicPr>
+          <p:nvPr/>
+        </p:nvPicPr>
+        <p:blipFill rotWithShape="1">
+          <a:blip r:embed="rId3" cstate="print">
+            <a:extLst>
+              <a:ext uri="{28A0092B-C50C-407E-A947-70E740481C1C}">
+                <a14:useLocalDpi xmlns:a14="http://schemas.microsoft.com/office/drawing/2010/main" val="0"/>
+              </a:ext>
+            </a:extLst>
+          </a:blip>
+          <a:stretch>
+            <a:fillRect/>
+          </a:stretch>
+        </p:blipFill>
+        <p:spPr>
+          <a:xfrm rot="0">
+            <a:off x="6832600" y="1387475"/>
+            <a:ext cx="4039870" cy="2470785"/>
+          </a:xfrm>
+          <a:prstGeom prst="rect"/>
+          <a:noFill/>
+        </p:spPr>
+      </p:pic>
+    </p:spTree>
+  </p:cSld>
+  <p:clrMapOvr>
+    <a:masterClrMapping/>
+  </p:clrMapOvr>
+  <mc:AlternateContent xmlns:mc="http://schemas.openxmlformats.org/markup-compatibility/2006">
+    <mc:Choice xmlns:p14="http://schemas.microsoft.com/office/powerpoint/2010/main" Requires="p14">
+      <p:transition spd="slow" p14:dur="2000"/>
+    </mc:Choice>
+    <mc:Fallback>
+      <p:transition spd="slow"/>
+    </mc:Fallback>
+  </mc:AlternateContent>
+  <p:timing>
+    <p:tnLst>
+      <p:par>
+        <p:cTn id="1" dur="indefinite" restart="never" nodeType="tmRoot"/>
+      </p:par>
+    </p:tnLst>
+  </p:timing>
+</p:sld>
+</file>
+
+<file path=ppt/slides/slide5.xml><?xml version="1.0" encoding="utf-8"?>
+<p:sld xmlns:a="http://schemas.openxmlformats.org/drawingml/2006/main" xmlns:r="http://schemas.openxmlformats.org/officeDocument/2006/relationships" xmlns:p="http://schemas.openxmlformats.org/presentationml/2006/main">
+  <p:cSld>
+    <p:spTree>
+      <p:nvGrpSpPr>
+        <p:cNvPr id="1" name=""/>
+        <p:cNvGrpSpPr/>
+        <p:nvPr/>
+      </p:nvGrpSpPr>
+      <p:grpSpPr>
+        <a:xfrm>
+          <a:off x="0" y="0"/>
+          <a:ext cx="0" cy="0"/>
+          <a:chOff x="0" y="0"/>
+          <a:chExt cx="0" cy="0"/>
+        </a:xfrm>
+      </p:grpSpPr>
+      <p:sp>
+        <p:nvSpPr>
+          <p:cNvPr id="27" name="Rect 0"/>
+          <p:cNvSpPr txBox="1">
+            <a:spLocks/>
+          </p:cNvSpPr>
+          <p:nvPr/>
+        </p:nvSpPr>
+        <p:spPr>
+          <a:xfrm rot="0">
+            <a:off x="4350385" y="390525"/>
+            <a:ext cx="3503930" cy="554990"/>
+          </a:xfrm>
+          <a:prstGeom prst="rect"/>
+          <a:noFill/>
+          <a:ln w="0">
+            <a:noFill/>
+            <a:prstDash/>
+          </a:ln>
+        </p:spPr>
+        <p:txBody>
+          <a:bodyPr wrap="square" lIns="89535" tIns="46355" rIns="89535" bIns="46355" numCol="1" vert="horz" anchor="t">
+            <a:spAutoFit/>
+          </a:bodyPr>
+          <a:lstStyle/>
+          <a:p>
+            <a:pPr marL="0" indent="0" algn="l" latinLnBrk="0" hangingPunct="1">
+              <a:buFontTx/>
+              <a:buNone/>
+            </a:pPr>
+            <a:r>
+              <a:rPr lang="ko-KR" sz="3000" b="1">
+                <a:latin typeface="맑은 고딕" charset="0"/>
+                <a:ea typeface="맑은 고딕" charset="0"/>
+              </a:rPr>
+              <a:t>다섯</a:t>
+            </a:r>
+            <a:r>
+              <a:rPr lang="ko-KR" sz="3000" b="1">
+                <a:latin typeface="맑은 고딕" charset="0"/>
+                <a:ea typeface="맑은 고딕" charset="0"/>
+              </a:rPr>
+              <a:t> 번째 튜토리얼</a:t>
+            </a:r>
+            <a:endParaRPr lang="ko-KR" altLang="en-US" sz="3000" b="1">
+              <a:latin typeface="맑은 고딕" charset="0"/>
+              <a:ea typeface="맑은 고딕" charset="0"/>
+            </a:endParaRPr>
+          </a:p>
+        </p:txBody>
+      </p:sp>
+      <p:sp>
+        <p:nvSpPr>
+          <p:cNvPr id="31" name="Rect 0"/>
+          <p:cNvSpPr txBox="1">
+            <a:spLocks/>
+          </p:cNvSpPr>
+          <p:nvPr/>
+        </p:nvSpPr>
+        <p:spPr>
+          <a:xfrm rot="0">
+            <a:off x="1454785" y="4135120"/>
+            <a:ext cx="3909060" cy="2061845"/>
+          </a:xfrm>
+          <a:prstGeom prst="rect"/>
+          <a:noFill/>
+          <a:ln w="0">
+            <a:noFill/>
+            <a:prstDash/>
+          </a:ln>
+        </p:spPr>
+        <p:txBody>
+          <a:bodyPr wrap="square" lIns="89535" tIns="46355" rIns="89535" bIns="46355" numCol="1" vert="horz" anchor="t">
+            <a:spAutoFit/>
+          </a:bodyPr>
+          <a:lstStyle/>
+          <a:p>
+            <a:pPr marL="0" indent="0" rtl="0" algn="l" defTabSz="914400" eaLnBrk="1" latinLnBrk="0" hangingPunct="1">
+              <a:buFontTx/>
+              <a:buNone/>
+            </a:pPr>
+            <a:r>
+              <a:rPr lang="ko-KR" sz="2000" b="1">
+                <a:solidFill>
+                  <a:srgbClr val="0611F2"/>
+                </a:solidFill>
+                <a:latin typeface="맑은 고딕" charset="0"/>
+                <a:ea typeface="맑은 고딕" charset="0"/>
+              </a:rPr>
+              <a:t>11</a:t>
+            </a:r>
+            <a:r>
+              <a:rPr sz="2000" b="1">
+                <a:solidFill>
+                  <a:srgbClr val="0611F2"/>
+                </a:solidFill>
+                <a:latin typeface="맑은 고딕" charset="0"/>
+                <a:ea typeface="맑은 고딕" charset="0"/>
+              </a:rPr>
+              <a:t>. </a:t>
+            </a:r>
+            <a:r>
+              <a:rPr lang="ko-KR" sz="1800">
+                <a:latin typeface="맑은 고딕" charset="0"/>
+                <a:ea typeface="맑은 고딕" charset="0"/>
+              </a:rPr>
+              <a:t>그런 다음 자신의 클라이언트가 아니라면 Update( ) 함수를 실행시키지 않도록 설정합니다.</a:t>
+            </a:r>
+            <a:endParaRPr lang="ko-KR" altLang="en-US" sz="1800">
+              <a:latin typeface="맑은 고딕" charset="0"/>
+              <a:ea typeface="맑은 고딕" charset="0"/>
+            </a:endParaRPr>
+          </a:p>
+          <a:p>
+            <a:pPr marL="0" indent="0" rtl="0" algn="l" defTabSz="914400" eaLnBrk="1" latinLnBrk="0" hangingPunct="1">
+              <a:buFontTx/>
+              <a:buNone/>
+            </a:pPr>
+            <a:endParaRPr lang="ko-KR" altLang="en-US" sz="1800">
+              <a:latin typeface="맑은 고딕" charset="0"/>
+              <a:ea typeface="맑은 고딕" charset="0"/>
+            </a:endParaRPr>
+          </a:p>
+          <a:p>
+            <a:pPr marL="0" indent="0" rtl="0" algn="l" defTabSz="914400" eaLnBrk="1" latinLnBrk="0" hangingPunct="1">
+              <a:buFontTx/>
+              <a:buNone/>
+            </a:pPr>
+            <a:r>
+              <a:rPr lang="ko-KR" sz="1800">
+                <a:latin typeface="맑은 고딕" charset="0"/>
+                <a:ea typeface="맑은 고딕" charset="0"/>
+              </a:rPr>
+              <a:t>이제 키 입력과 마우스 회전에 따라 오브젝트가 이동 및 회전할 수 있도록 설정합니다.</a:t>
+            </a:r>
+            <a:endParaRPr lang="ko-KR" altLang="en-US" sz="1800">
+              <a:latin typeface="맑은 고딕" charset="0"/>
+              <a:ea typeface="맑은 고딕" charset="0"/>
+            </a:endParaRPr>
+          </a:p>
+        </p:txBody>
+      </p:sp>
+      <p:pic>
+        <p:nvPicPr>
+          <p:cNvPr id="46" name="그림 9" descr="C:/Users/Admin1/AppData/Roaming/PolarisOffice/ETemp/16592_14860312/fImage120891656334.png"/>
+          <p:cNvPicPr>
+            <a:picLocks noChangeAspect="1"/>
+          </p:cNvPicPr>
+          <p:nvPr/>
+        </p:nvPicPr>
+        <p:blipFill rotWithShape="1">
+          <a:blip r:embed="rId2" cstate="print">
+            <a:extLst>
+              <a:ext uri="{28A0092B-C50C-407E-A947-70E740481C1C}">
+                <a14:useLocalDpi xmlns:a14="http://schemas.microsoft.com/office/drawing/2010/main" val="0"/>
+              </a:ext>
+            </a:extLst>
+          </a:blip>
+          <a:stretch>
+            <a:fillRect/>
+          </a:stretch>
+        </p:blipFill>
+        <p:spPr>
+          <a:xfrm rot="0">
+            <a:off x="1466215" y="1395095"/>
+            <a:ext cx="3891915" cy="2519680"/>
+          </a:xfrm>
+          <a:prstGeom prst="rect"/>
+          <a:noFill/>
+        </p:spPr>
+      </p:pic>
+      <p:pic>
+        <p:nvPicPr>
+          <p:cNvPr id="47" name="그림 11" descr="C:/Users/Admin1/AppData/Roaming/PolarisOffice/ETemp/16592_14860312/fImage47071666500.png"/>
+          <p:cNvPicPr>
+            <a:picLocks noChangeAspect="1"/>
+          </p:cNvPicPr>
+          <p:nvPr/>
+        </p:nvPicPr>
+        <p:blipFill rotWithShape="1">
+          <a:blip r:embed="rId3" cstate="print">
+            <a:extLst>
+              <a:ext uri="{28A0092B-C50C-407E-A947-70E740481C1C}">
+                <a14:useLocalDpi xmlns:a14="http://schemas.microsoft.com/office/drawing/2010/main" val="0"/>
+              </a:ext>
+            </a:extLst>
+          </a:blip>
+          <a:stretch>
+            <a:fillRect/>
+          </a:stretch>
+        </p:blipFill>
+        <p:spPr>
+          <a:xfrm rot="0">
+            <a:off x="9423400" y="1398270"/>
+            <a:ext cx="1381760" cy="1355725"/>
+          </a:xfrm>
+          <a:prstGeom prst="roundRect"/>
+          <a:solidFill>
+            <a:srgbClr val="EDEDED"/>
+          </a:solidFill>
+        </p:spPr>
+      </p:pic>
+      <p:pic>
+        <p:nvPicPr>
+          <p:cNvPr id="48" name="그림 15" descr="C:/Users/Admin1/AppData/Roaming/PolarisOffice/ETemp/16592_14860312/fImage330251699169.png"/>
+          <p:cNvPicPr>
+            <a:picLocks noChangeAspect="1"/>
+          </p:cNvPicPr>
+          <p:nvPr/>
+        </p:nvPicPr>
+        <p:blipFill rotWithShape="1">
+          <a:blip r:embed="rId4" cstate="hqprint">
+            <a:extLst>
+              <a:ext uri="{28A0092B-C50C-407E-A947-70E740481C1C}">
+                <a14:useLocalDpi xmlns:a14="http://schemas.microsoft.com/office/drawing/2010/main"/>
+              </a:ext>
+            </a:extLst>
+          </a:blip>
+          <a:stretch>
+            <a:fillRect/>
+          </a:stretch>
+        </p:blipFill>
+        <p:spPr>
+          <a:xfrm rot="0">
+            <a:off x="6833235" y="1379855"/>
+            <a:ext cx="2380615" cy="2543175"/>
+          </a:xfrm>
+          <a:prstGeom prst="roundRect"/>
+          <a:solidFill>
+            <a:srgbClr val="EDEDED"/>
+          </a:solidFill>
+        </p:spPr>
+      </p:pic>
+      <p:pic>
+        <p:nvPicPr>
+          <p:cNvPr id="49" name="그림 16" descr="C:/Users/Admin1/AppData/Roaming/PolarisOffice/ETemp/16592_14860312/fImage56051705724.png"/>
+          <p:cNvPicPr>
+            <a:picLocks noChangeAspect="1"/>
+          </p:cNvPicPr>
+          <p:nvPr/>
+        </p:nvPicPr>
+        <p:blipFill rotWithShape="1">
+          <a:blip r:embed="rId5" cstate="print">
+            <a:extLst>
+              <a:ext uri="{28A0092B-C50C-407E-A947-70E740481C1C}">
+                <a14:useLocalDpi xmlns:a14="http://schemas.microsoft.com/office/drawing/2010/main" val="0"/>
+              </a:ext>
+            </a:extLst>
+          </a:blip>
+          <a:stretch>
+            <a:fillRect/>
+          </a:stretch>
+        </p:blipFill>
+        <p:spPr>
+          <a:xfrm rot="0">
+            <a:off x="9707245" y="3221355"/>
+            <a:ext cx="822960" cy="693420"/>
+          </a:xfrm>
+          <a:prstGeom prst="roundRect"/>
+          <a:solidFill>
+            <a:srgbClr val="EDEDED"/>
+          </a:solidFill>
+        </p:spPr>
+      </p:pic>
+      <p:cxnSp>
+        <p:nvCxnSpPr>
+          <p:cNvPr id="50" name="도형 19"/>
+          <p:cNvCxnSpPr>
+            <a:stCxn id="49" idx="0"/>
+          </p:cNvCxnSpPr>
+          <p:nvPr/>
+        </p:nvCxnSpPr>
+        <p:spPr>
+          <a:xfrm rot="0" flipH="1" flipV="1">
+            <a:off x="10113645" y="2753360"/>
+            <a:ext cx="5080" cy="468630"/>
+          </a:xfrm>
+          <a:prstGeom prst="straightConnector1"/>
+          <a:ln w="6350" cap="flat" cmpd="sng">
+            <a:prstDash/>
+            <a:tailEnd type="triangle" w="med" len="med"/>
+          </a:ln>
+        </p:spPr>
+        <p:style>
+          <a:lnRef idx="1">
+            <a:schemeClr val="accent1"/>
+          </a:lnRef>
+          <a:fillRef idx="0">
+            <a:schemeClr val="accent1"/>
+          </a:fillRef>
+          <a:effectRef idx="0">
+            <a:schemeClr val="accent1"/>
+          </a:effectRef>
+          <a:fontRef idx="minor">
+            <a:schemeClr val="tx1"/>
+          </a:fontRef>
+        </p:style>
+      </p:cxnSp>
+      <p:sp>
+        <p:nvSpPr>
+          <p:cNvPr id="51" name="텍스트 상자 20"/>
+          <p:cNvSpPr txBox="1">
+            <a:spLocks/>
+          </p:cNvSpPr>
+          <p:nvPr/>
+        </p:nvSpPr>
+        <p:spPr>
+          <a:xfrm rot="0">
+            <a:off x="6834505" y="4137660"/>
+            <a:ext cx="3973195" cy="2061845"/>
+          </a:xfrm>
+          <a:prstGeom prst="rect"/>
+          <a:noFill/>
+          <a:ln w="0">
+            <a:noFill/>
+            <a:prstDash/>
+          </a:ln>
+        </p:spPr>
+        <p:txBody>
+          <a:bodyPr wrap="square" lIns="89535" tIns="46355" rIns="89535" bIns="46355" numCol="1" vert="horz" anchor="t">
+            <a:spAutoFit/>
+          </a:bodyPr>
+          <a:lstStyle/>
+          <a:p>
+            <a:pPr marL="0" indent="0" rtl="0" algn="l" defTabSz="914400" eaLnBrk="1" latinLnBrk="0" hangingPunct="1">
+              <a:buFontTx/>
+              <a:buNone/>
+            </a:pPr>
+            <a:r>
+              <a:rPr lang="ko-KR" sz="2000" b="1">
+                <a:solidFill>
+                  <a:srgbClr val="0611F2"/>
+                </a:solidFill>
+                <a:latin typeface="맑은 고딕" charset="0"/>
+                <a:ea typeface="맑은 고딕" charset="0"/>
+              </a:rPr>
+              <a:t>12</a:t>
+            </a:r>
+            <a:r>
+              <a:rPr sz="2000" b="1">
+                <a:solidFill>
+                  <a:srgbClr val="0611F2"/>
+                </a:solidFill>
+                <a:latin typeface="맑은 고딕" charset="0"/>
+                <a:ea typeface="맑은 고딕" charset="0"/>
+              </a:rPr>
+              <a:t>. </a:t>
+            </a:r>
+            <a:r>
+              <a:rPr lang="ko-KR" sz="1800">
+                <a:latin typeface="맑은 고딕" charset="0"/>
+                <a:ea typeface="맑은 고딕" charset="0"/>
+              </a:rPr>
+              <a:t>그다음으로 빈 게임 오브젝트를 생성하고 Game Manager라는 이름으로 정의합니다.</a:t>
+            </a:r>
+            <a:endParaRPr lang="ko-KR" altLang="en-US" sz="1800">
+              <a:latin typeface="맑은 고딕" charset="0"/>
+              <a:ea typeface="맑은 고딕" charset="0"/>
+            </a:endParaRPr>
+          </a:p>
+          <a:p>
+            <a:pPr marL="0" indent="0" rtl="0" algn="l" defTabSz="914400" eaLnBrk="1" latinLnBrk="0" hangingPunct="1">
+              <a:buFontTx/>
+              <a:buNone/>
+            </a:pPr>
+            <a:endParaRPr lang="ko-KR" altLang="en-US" sz="1800">
+              <a:latin typeface="맑은 고딕" charset="0"/>
+              <a:ea typeface="맑은 고딕" charset="0"/>
+            </a:endParaRPr>
+          </a:p>
+          <a:p>
+            <a:pPr marL="0" indent="0" rtl="0" algn="l" defTabSz="914400" eaLnBrk="1" latinLnBrk="0" hangingPunct="1">
+              <a:buFontTx/>
+              <a:buNone/>
+            </a:pPr>
+            <a:r>
+              <a:rPr lang="ko-KR" sz="1800">
+                <a:latin typeface="맑은 고딕" charset="0"/>
+                <a:ea typeface="맑은 고딕" charset="0"/>
+              </a:rPr>
+              <a:t>그리고 GameManager 스크립트를 생성하고 GameManager 오브젝트에 넣어줍니다.</a:t>
+            </a:r>
+            <a:endParaRPr lang="ko-KR" altLang="en-US" sz="1800">
+              <a:latin typeface="맑은 고딕" charset="0"/>
+              <a:ea typeface="맑은 고딕" charset="0"/>
+            </a:endParaRPr>
+          </a:p>
+        </p:txBody>
+      </p:sp>
+    </p:spTree>
+  </p:cSld>
+  <p:clrMapOvr>
+    <a:masterClrMapping/>
+  </p:clrMapOvr>
+  <mc:AlternateContent xmlns:mc="http://schemas.openxmlformats.org/markup-compatibility/2006">
+    <mc:Choice xmlns:p14="http://schemas.microsoft.com/office/powerpoint/2010/main" Requires="p14">
+      <p:transition spd="slow" p14:dur="2000"/>
+    </mc:Choice>
+    <mc:Fallback>
+      <p:transition spd="slow"/>
+    </mc:Fallback>
+  </mc:AlternateContent>
+  <p:timing>
+    <p:tnLst>
+      <p:par>
+        <p:cTn id="1" dur="indefinite" restart="never" nodeType="tmRoot"/>
+      </p:par>
+    </p:tnLst>
+  </p:timing>
+</p:sld>
+</file>
+
+<file path=ppt/slides/slide6.xml><?xml version="1.0" encoding="utf-8"?>
+<p:sld xmlns:a="http://schemas.openxmlformats.org/drawingml/2006/main" xmlns:r="http://schemas.openxmlformats.org/officeDocument/2006/relationships" xmlns:p="http://schemas.openxmlformats.org/presentationml/2006/main">
+  <p:cSld>
+    <p:spTree>
+      <p:nvGrpSpPr>
+        <p:cNvPr id="1" name=""/>
+        <p:cNvGrpSpPr/>
+        <p:nvPr/>
+      </p:nvGrpSpPr>
+      <p:grpSpPr>
+        <a:xfrm>
+          <a:off x="0" y="0"/>
+          <a:ext cx="0" cy="0"/>
+          <a:chOff x="0" y="0"/>
+          <a:chExt cx="0" cy="0"/>
+        </a:xfrm>
+      </p:grpSpPr>
+      <p:sp>
+        <p:nvSpPr>
+          <p:cNvPr id="27" name="Rect 0"/>
+          <p:cNvSpPr txBox="1">
+            <a:spLocks/>
+          </p:cNvSpPr>
+          <p:nvPr/>
+        </p:nvSpPr>
+        <p:spPr>
+          <a:xfrm rot="0">
+            <a:off x="4350385" y="390525"/>
+            <a:ext cx="3503930" cy="554990"/>
+          </a:xfrm>
+          <a:prstGeom prst="rect"/>
+          <a:noFill/>
+          <a:ln w="0">
+            <a:noFill/>
+            <a:prstDash/>
+          </a:ln>
+        </p:spPr>
+        <p:txBody>
+          <a:bodyPr wrap="square" lIns="89535" tIns="46355" rIns="89535" bIns="46355" numCol="1" vert="horz" anchor="t">
+            <a:spAutoFit/>
+          </a:bodyPr>
+          <a:lstStyle/>
+          <a:p>
+            <a:pPr marL="0" indent="0" algn="l" latinLnBrk="0" hangingPunct="1">
+              <a:buFontTx/>
+              <a:buNone/>
+            </a:pPr>
+            <a:r>
+              <a:rPr lang="ko-KR" sz="3000" b="1">
+                <a:latin typeface="맑은 고딕" charset="0"/>
+                <a:ea typeface="맑은 고딕" charset="0"/>
+              </a:rPr>
+              <a:t>여섯</a:t>
+            </a:r>
+            <a:r>
+              <a:rPr lang="ko-KR" sz="3000" b="1">
+                <a:latin typeface="맑은 고딕" charset="0"/>
+                <a:ea typeface="맑은 고딕" charset="0"/>
+              </a:rPr>
+              <a:t> 번째 튜토리얼</a:t>
+            </a:r>
+            <a:endParaRPr lang="ko-KR" altLang="en-US" sz="3000" b="1">
+              <a:latin typeface="맑은 고딕" charset="0"/>
+              <a:ea typeface="맑은 고딕" charset="0"/>
+            </a:endParaRPr>
+          </a:p>
+        </p:txBody>
+      </p:sp>
+      <p:sp>
+        <p:nvSpPr>
+          <p:cNvPr id="31" name="Rect 0"/>
+          <p:cNvSpPr txBox="1">
+            <a:spLocks/>
+          </p:cNvSpPr>
+          <p:nvPr/>
+        </p:nvSpPr>
+        <p:spPr>
+          <a:xfrm rot="0">
+            <a:off x="1393825" y="3858260"/>
+            <a:ext cx="3992880" cy="2338705"/>
+          </a:xfrm>
+          <a:prstGeom prst="rect"/>
+          <a:noFill/>
+          <a:ln w="0">
+            <a:noFill/>
+            <a:prstDash/>
+          </a:ln>
+        </p:spPr>
+        <p:txBody>
+          <a:bodyPr wrap="square" lIns="89535" tIns="46355" rIns="89535" bIns="46355" numCol="1" vert="horz" anchor="t">
+            <a:spAutoFit/>
+          </a:bodyPr>
+          <a:lstStyle/>
+          <a:p>
+            <a:pPr marL="0" indent="0" rtl="0" algn="l" defTabSz="914400" eaLnBrk="1" latinLnBrk="0" hangingPunct="1">
+              <a:buFontTx/>
+              <a:buNone/>
+            </a:pPr>
+            <a:r>
+              <a:rPr lang="ko-KR" sz="2000" b="1">
+                <a:solidFill>
+                  <a:srgbClr val="0611F2"/>
+                </a:solidFill>
+                <a:latin typeface="맑은 고딕" charset="0"/>
+                <a:ea typeface="맑은 고딕" charset="0"/>
+              </a:rPr>
+              <a:t>13</a:t>
+            </a:r>
+            <a:r>
+              <a:rPr sz="2000" b="1">
+                <a:solidFill>
+                  <a:srgbClr val="0611F2"/>
+                </a:solidFill>
+                <a:latin typeface="맑은 고딕" charset="0"/>
+                <a:ea typeface="맑은 고딕" charset="0"/>
+              </a:rPr>
+              <a:t>. </a:t>
+            </a:r>
+            <a:r>
+              <a:rPr lang="ko-KR" sz="1800">
+                <a:latin typeface="맑은 고딕" charset="0"/>
+                <a:ea typeface="맑은 고딕" charset="0"/>
+              </a:rPr>
+              <a:t>이제 GameManager 스크립트에서 포톤 객체를 생성하도록 설정합니다.</a:t>
+            </a:r>
+            <a:endParaRPr lang="ko-KR" altLang="en-US" sz="1800">
+              <a:latin typeface="맑은 고딕" charset="0"/>
+              <a:ea typeface="맑은 고딕" charset="0"/>
+            </a:endParaRPr>
+          </a:p>
+          <a:p>
+            <a:pPr marL="0" indent="0" rtl="0" algn="l" defTabSz="914400" eaLnBrk="1" latinLnBrk="0" hangingPunct="1">
+              <a:buFontTx/>
+              <a:buNone/>
+            </a:pPr>
+            <a:endParaRPr lang="ko-KR" altLang="en-US" sz="1800">
+              <a:latin typeface="맑은 고딕" charset="0"/>
+              <a:ea typeface="맑은 고딕" charset="0"/>
+            </a:endParaRPr>
+          </a:p>
+          <a:p>
+            <a:pPr marL="0" indent="0" rtl="0" algn="l" defTabSz="914400" eaLnBrk="1" latinLnBrk="0" hangingPunct="1">
+              <a:buFontTx/>
+              <a:buNone/>
+            </a:pPr>
+            <a:r>
+              <a:rPr lang="ko-KR" sz="1800">
+                <a:latin typeface="맑은 고딕" charset="0"/>
+                <a:ea typeface="맑은 고딕" charset="0"/>
+              </a:rPr>
+              <a:t>포톤 객체는 Resources 라는 폴더에서 불러올 수 있으며, 포톤 객체를 불러오게 되면 포톤 서버에 객체가 올라가게 됩니다.</a:t>
+            </a:r>
+            <a:endParaRPr lang="ko-KR" altLang="en-US" sz="1800">
+              <a:latin typeface="맑은 고딕" charset="0"/>
+              <a:ea typeface="맑은 고딕" charset="0"/>
+            </a:endParaRPr>
+          </a:p>
+        </p:txBody>
+      </p:sp>
+      <p:pic>
+        <p:nvPicPr>
+          <p:cNvPr id="52" name="그림 22" descr="C:/Users/Admin1/AppData/Roaming/PolarisOffice/ETemp/16592_14860312/fImage61771851478.png"/>
+          <p:cNvPicPr>
+            <a:picLocks noChangeAspect="1"/>
+          </p:cNvPicPr>
+          <p:nvPr/>
+        </p:nvPicPr>
+        <p:blipFill rotWithShape="1">
+          <a:blip r:embed="rId2" cstate="print">
+            <a:extLst>
+              <a:ext uri="{28A0092B-C50C-407E-A947-70E740481C1C}">
+                <a14:useLocalDpi xmlns:a14="http://schemas.microsoft.com/office/drawing/2010/main" val="0"/>
+              </a:ext>
+            </a:extLst>
+          </a:blip>
+          <a:stretch>
+            <a:fillRect/>
+          </a:stretch>
+        </p:blipFill>
+        <p:spPr>
+          <a:xfrm rot="0">
+            <a:off x="1394460" y="1378585"/>
+            <a:ext cx="3992245" cy="2345690"/>
+          </a:xfrm>
+          <a:prstGeom prst="rect"/>
+          <a:noFill/>
+        </p:spPr>
+      </p:pic>
+      <p:pic>
+        <p:nvPicPr>
+          <p:cNvPr id="53" name="그림 23" descr="C:/Users/Admin1/AppData/Roaming/PolarisOffice/ETemp/16592_14860312/fImage276691869358.png"/>
+          <p:cNvPicPr>
+            <a:picLocks noChangeAspect="1"/>
+          </p:cNvPicPr>
+          <p:nvPr/>
+        </p:nvPicPr>
+        <p:blipFill rotWithShape="1">
+          <a:blip r:embed="rId3" cstate="print">
+            <a:extLst>
+              <a:ext uri="{28A0092B-C50C-407E-A947-70E740481C1C}">
+                <a14:useLocalDpi xmlns:a14="http://schemas.microsoft.com/office/drawing/2010/main" val="0"/>
+              </a:ext>
+            </a:extLst>
+          </a:blip>
+          <a:stretch>
+            <a:fillRect/>
+          </a:stretch>
+        </p:blipFill>
+        <p:spPr>
+          <a:xfrm rot="0">
+            <a:off x="6823710" y="3136900"/>
+            <a:ext cx="3983990" cy="1172210"/>
+          </a:xfrm>
+          <a:prstGeom prst="roundRect"/>
+          <a:solidFill>
+            <a:srgbClr val="EDEDED"/>
+          </a:solidFill>
+        </p:spPr>
+      </p:pic>
+      <p:pic>
+        <p:nvPicPr>
+          <p:cNvPr id="54" name="그림 26" descr="C:/Users/Admin1/AppData/Roaming/PolarisOffice/ETemp/16592_14860312/fImage48111876962.png"/>
+          <p:cNvPicPr>
+            <a:picLocks noChangeAspect="1"/>
+          </p:cNvPicPr>
+          <p:nvPr/>
+        </p:nvPicPr>
+        <p:blipFill rotWithShape="1">
+          <a:blip r:embed="rId4" cstate="print">
+            <a:extLst>
+              <a:ext uri="{28A0092B-C50C-407E-A947-70E740481C1C}">
+                <a14:useLocalDpi xmlns:a14="http://schemas.microsoft.com/office/drawing/2010/main" val="0"/>
+              </a:ext>
+            </a:extLst>
+          </a:blip>
+          <a:stretch>
+            <a:fillRect/>
+          </a:stretch>
+        </p:blipFill>
+        <p:spPr>
+          <a:xfrm rot="0">
+            <a:off x="6823710" y="1376680"/>
+            <a:ext cx="3975735" cy="1567815"/>
+          </a:xfrm>
+          <a:prstGeom prst="roundRect"/>
+          <a:solidFill>
+            <a:srgbClr val="EDEDED"/>
+          </a:solidFill>
+        </p:spPr>
+      </p:pic>
+      <p:sp>
+        <p:nvSpPr>
+          <p:cNvPr id="55" name="텍스트 상자 29"/>
+          <p:cNvSpPr txBox="1">
+            <a:spLocks/>
+          </p:cNvSpPr>
+          <p:nvPr/>
+        </p:nvSpPr>
+        <p:spPr>
+          <a:xfrm rot="0">
+            <a:off x="6825615" y="4414520"/>
+            <a:ext cx="3992880" cy="1784985"/>
+          </a:xfrm>
+          <a:prstGeom prst="rect"/>
+          <a:noFill/>
+          <a:ln w="0">
+            <a:noFill/>
+            <a:prstDash/>
+          </a:ln>
+        </p:spPr>
+        <p:txBody>
+          <a:bodyPr wrap="square" lIns="89535" tIns="46355" rIns="89535" bIns="46355" numCol="1" vert="horz" anchor="t">
+            <a:spAutoFit/>
+          </a:bodyPr>
+          <a:lstStyle/>
+          <a:p>
+            <a:pPr marL="0" indent="0" rtl="0" algn="l" defTabSz="914400" eaLnBrk="1" latinLnBrk="0" hangingPunct="1">
+              <a:buFontTx/>
+              <a:buNone/>
+            </a:pPr>
+            <a:r>
+              <a:rPr lang="ko-KR" sz="2000" b="1">
+                <a:solidFill>
+                  <a:srgbClr val="0611F2"/>
+                </a:solidFill>
+                <a:latin typeface="맑은 고딕" charset="0"/>
+                <a:ea typeface="맑은 고딕" charset="0"/>
+              </a:rPr>
+              <a:t>14</a:t>
+            </a:r>
+            <a:r>
+              <a:rPr sz="2000" b="1">
+                <a:solidFill>
+                  <a:srgbClr val="0611F2"/>
+                </a:solidFill>
+                <a:latin typeface="맑은 고딕" charset="0"/>
+                <a:ea typeface="맑은 고딕" charset="0"/>
+              </a:rPr>
+              <a:t>. </a:t>
+            </a:r>
+            <a:r>
+              <a:rPr lang="ko-KR" sz="1800">
+                <a:latin typeface="맑은 고딕" charset="0"/>
+                <a:ea typeface="맑은 고딕" charset="0"/>
+              </a:rPr>
+              <a:t>마지막으로 Project 폴더에 있는 Texture 폴더에 Ice_02 텍스처를 선택합니다.</a:t>
+            </a:r>
+            <a:endParaRPr lang="ko-KR" altLang="en-US" sz="1800">
+              <a:latin typeface="맑은 고딕" charset="0"/>
+              <a:ea typeface="맑은 고딕" charset="0"/>
+            </a:endParaRPr>
+          </a:p>
+          <a:p>
+            <a:pPr marL="0" indent="0" rtl="0" algn="l" defTabSz="914400" eaLnBrk="1" latinLnBrk="0" hangingPunct="1">
+              <a:buFontTx/>
+              <a:buNone/>
+            </a:pPr>
+            <a:endParaRPr lang="ko-KR" altLang="en-US" sz="1800">
+              <a:latin typeface="맑은 고딕" charset="0"/>
+              <a:ea typeface="맑은 고딕" charset="0"/>
+            </a:endParaRPr>
+          </a:p>
+          <a:p>
+            <a:pPr marL="0" indent="0" rtl="0" algn="l" defTabSz="914400" eaLnBrk="1" latinLnBrk="0" hangingPunct="1">
+              <a:buFontTx/>
+              <a:buNone/>
+            </a:pPr>
+            <a:r>
+              <a:rPr lang="ko-KR" sz="1800">
+                <a:latin typeface="맑은 고딕" charset="0"/>
+                <a:ea typeface="맑은 고딕" charset="0"/>
+              </a:rPr>
+              <a:t>그리고 Ground 오브젝트에 넣어줍니다.</a:t>
+            </a:r>
+            <a:endParaRPr lang="ko-KR" altLang="en-US" sz="1800">
+              <a:latin typeface="맑은 고딕" charset="0"/>
+              <a:ea typeface="맑은 고딕" charset="0"/>
+            </a:endParaRPr>
+          </a:p>
+        </p:txBody>
+      </p:sp>
+      <p:cxnSp>
+        <p:nvCxnSpPr>
+          <p:cNvPr id="56" name="도형 30"/>
+          <p:cNvCxnSpPr/>
+          <p:nvPr/>
+        </p:nvCxnSpPr>
+        <p:spPr>
+          <a:xfrm rot="0" flipH="1" flipV="1">
+            <a:off x="8633460" y="2597785"/>
+            <a:ext cx="8890" cy="831850"/>
+          </a:xfrm>
+          <a:prstGeom prst="straightConnector1"/>
+          <a:ln w="6350" cap="flat" cmpd="sng">
+            <a:prstDash/>
+            <a:tailEnd type="triangle" w="med" len="med"/>
+          </a:ln>
+        </p:spPr>
+        <p:style>
+          <a:lnRef idx="1">
+            <a:schemeClr val="accent1"/>
+          </a:lnRef>
+          <a:fillRef idx="0">
+            <a:schemeClr val="accent1"/>
+          </a:fillRef>
+          <a:effectRef idx="0">
+            <a:schemeClr val="accent1"/>
+          </a:effectRef>
+          <a:fontRef idx="minor">
+            <a:schemeClr val="tx1"/>
+          </a:fontRef>
+        </p:style>
+      </p:cxnSp>
     </p:spTree>
   </p:cSld>
   <p:clrMapOvr>

--- a/Assets/Class/Photon Server/PPT Data/Photon Synchronization.pptx
+++ b/Assets/Class/Photon Server/PPT Data/Photon Synchronization.pptx
@@ -2,7 +2,7 @@
 <file path=ppt/presentation.xml><?xml version="1.0" encoding="utf-8"?>
 <p:presentation xmlns:a="http://schemas.openxmlformats.org/drawingml/2006/main" xmlns:r="http://schemas.openxmlformats.org/officeDocument/2006/relationships" xmlns:p="http://schemas.openxmlformats.org/presentationml/2006/main" xmlns:p14="http://schemas.microsoft.com/office/powerpoint/2010/main" saveSubsetFonts="1" firstSlideNum="0">
   <p:sldMasterIdLst>
-    <p:sldMasterId id="2147486784" r:id="rId12"/>
+    <p:sldMasterId id="2147486816" r:id="rId12"/>
   </p:sldMasterIdLst>
   <p:notesMasterIdLst>
     <p:notesMasterId r:id="rId14"/>
@@ -14,6 +14,12 @@
     <p:sldId id="311" r:id="rId19"/>
     <p:sldId id="312" r:id="rId20"/>
     <p:sldId id="313" r:id="rId21"/>
+    <p:sldId id="314" r:id="rId22"/>
+    <p:sldId id="315" r:id="rId23"/>
+    <p:sldId id="316" r:id="rId24"/>
+    <p:sldId id="317" r:id="rId25"/>
+    <p:sldId id="318" r:id="rId26"/>
+    <p:sldId id="319" r:id="rId27"/>
   </p:sldIdLst>
   <p:sldSz cx="12192000" cy="6858000"/>
   <p:notesSz cx="6858000" cy="9144000"/>
@@ -614,6 +620,432 @@
 </p:notes>
 </file>
 
+<file path=ppt/notesSlides/notesSlide10.xml><?xml version="1.0" encoding="utf-8"?>
+<p:notes xmlns:a="http://schemas.openxmlformats.org/drawingml/2006/main" xmlns:r="http://schemas.openxmlformats.org/officeDocument/2006/relationships" xmlns:p="http://schemas.openxmlformats.org/presentationml/2006/main">
+  <p:cSld>
+    <p:spTree>
+      <p:nvGrpSpPr>
+        <p:cNvPr id="1" name=""/>
+        <p:cNvGrpSpPr/>
+        <p:nvPr/>
+      </p:nvGrpSpPr>
+      <p:grpSpPr>
+        <a:xfrm>
+          <a:off x="0" y="0"/>
+          <a:ext cx="0" cy="0"/>
+          <a:chOff x="0" y="0"/>
+          <a:chExt cx="0" cy="0"/>
+        </a:xfrm>
+      </p:grpSpPr>
+      <p:sp>
+        <p:nvSpPr>
+          <p:cNvPr id="2" name="슬라이드 이미지 개체 틀 3"/>
+          <p:cNvSpPr>
+            <a:spLocks noChangeAspect="1"/>
+          </p:cNvSpPr>
+          <p:nvPr>
+            <p:ph type="sldImg" idx="2"/>
+          </p:nvPr>
+        </p:nvSpPr>
+        <p:spPr>
+          <a:xfrm rot="0">
+            <a:off x="685800" y="1143000"/>
+            <a:ext cx="5493385" cy="3093085"/>
+          </a:xfrm>
+          <a:prstGeom prst="rect"/>
+          <a:noFill/>
+          <a:ln w="12700" cap="flat" cmpd="sng">
+            <a:solidFill>
+              <a:srgbClr val="000000">
+                <a:alpha val="100000"/>
+              </a:srgbClr>
+            </a:solidFill>
+            <a:prstDash val="solid"/>
+          </a:ln>
+        </p:spPr>
+        <p:txBody>
+          <a:bodyPr wrap="square" lIns="91440" tIns="45720" rIns="91440" bIns="45720" numCol="1" vert="horz" anchor="ctr">
+            <a:noAutofit/>
+          </a:bodyPr>
+          <a:lstStyle/>
+          <a:p>
+            <a:pPr marL="0" indent="0" latinLnBrk="0">
+              <a:buFontTx/>
+              <a:buNone/>
+            </a:pPr>
+          </a:p>
+        </p:txBody>
+      </p:sp>
+      <p:sp>
+        <p:nvSpPr>
+          <p:cNvPr id="3" name="슬라이드 노트 개체 틀 4"/>
+          <p:cNvSpPr txBox="1">
+            <a:spLocks/>
+          </p:cNvSpPr>
+          <p:nvPr>
+            <p:ph type="body" idx="3"/>
+          </p:nvPr>
+        </p:nvSpPr>
+        <p:spPr>
+          <a:xfrm rot="0">
+            <a:off x="685800" y="4400550"/>
+            <a:ext cx="5493385" cy="3607435"/>
+          </a:xfrm>
+          <a:prstGeom prst="rect"/>
+        </p:spPr>
+        <p:txBody>
+          <a:bodyPr wrap="square" lIns="91440" tIns="45720" rIns="91440" bIns="45720" numCol="1" vert="horz" anchor="t">
+            <a:noAutofit/>
+          </a:bodyPr>
+          <a:lstStyle/>
+          <a:p>
+            <a:pPr marL="0" indent="0" latinLnBrk="0">
+              <a:buFontTx/>
+              <a:buNone/>
+            </a:pPr>
+          </a:p>
+        </p:txBody>
+      </p:sp>
+      <p:sp>
+        <p:nvSpPr>
+          <p:cNvPr id="4" name="슬라이드 번호 개체 틀 6"/>
+          <p:cNvSpPr txBox="1">
+            <a:spLocks/>
+          </p:cNvSpPr>
+          <p:nvPr>
+            <p:ph type="sldNum" idx="5"/>
+          </p:nvPr>
+        </p:nvSpPr>
+        <p:spPr>
+          <a:xfrm rot="0">
+            <a:off x="3884930" y="8685530"/>
+            <a:ext cx="2978785" cy="465455"/>
+          </a:xfrm>
+          <a:prstGeom prst="rect"/>
+        </p:spPr>
+        <p:txBody>
+          <a:bodyPr wrap="square" lIns="91440" tIns="45720" rIns="91440" bIns="45720" numCol="1" vert="horz" anchor="b">
+            <a:noAutofit/>
+          </a:bodyPr>
+          <a:lstStyle>
+            <a:lvl1pPr marL="0" indent="0" algn="r" latinLnBrk="0">
+              <a:buFontTx/>
+              <a:buNone/>
+              <a:defRPr lang="en-GB" altLang="en-US" sz="1200"/>
+            </a:lvl1pPr>
+          </a:lstStyle>
+          <a:p>
+            <a:pPr marL="0" indent="0" latinLnBrk="0">
+              <a:buFontTx/>
+              <a:buNone/>
+            </a:pPr>
+            <a:fld id="{B9320F77-B9A0-41C5-862A-B4B631284C64}" type="slidenum">
+              <a:rPr lang="ko-KR" altLang="en-US"/>
+              <a:t>‹#›</a:t>
+            </a:fld>
+          </a:p>
+        </p:txBody>
+      </p:sp>
+    </p:spTree>
+  </p:cSld>
+  <p:clrMapOvr>
+    <a:masterClrMapping/>
+  </p:clrMapOvr>
+  <mc:AlternateContent xmlns:mc="http://schemas.openxmlformats.org/markup-compatibility/2006">
+    <mc:Choice xmlns:p14="http://schemas.microsoft.com/office/powerpoint/2010/main" Requires="p14">
+      <p:transition spd="slow" p14:dur="0"/>
+    </mc:Choice>
+    <mc:Fallback>
+      <p:transition spd="slow"/>
+    </mc:Fallback>
+  </mc:AlternateContent>
+</p:notes>
+</file>
+
+<file path=ppt/notesSlides/notesSlide11.xml><?xml version="1.0" encoding="utf-8"?>
+<p:notes xmlns:a="http://schemas.openxmlformats.org/drawingml/2006/main" xmlns:r="http://schemas.openxmlformats.org/officeDocument/2006/relationships" xmlns:p="http://schemas.openxmlformats.org/presentationml/2006/main">
+  <p:cSld>
+    <p:spTree>
+      <p:nvGrpSpPr>
+        <p:cNvPr id="1" name=""/>
+        <p:cNvGrpSpPr/>
+        <p:nvPr/>
+      </p:nvGrpSpPr>
+      <p:grpSpPr>
+        <a:xfrm>
+          <a:off x="0" y="0"/>
+          <a:ext cx="0" cy="0"/>
+          <a:chOff x="0" y="0"/>
+          <a:chExt cx="0" cy="0"/>
+        </a:xfrm>
+      </p:grpSpPr>
+      <p:sp>
+        <p:nvSpPr>
+          <p:cNvPr id="2" name="슬라이드 이미지 개체 틀 3"/>
+          <p:cNvSpPr>
+            <a:spLocks noChangeAspect="1"/>
+          </p:cNvSpPr>
+          <p:nvPr>
+            <p:ph type="sldImg" idx="2"/>
+          </p:nvPr>
+        </p:nvSpPr>
+        <p:spPr>
+          <a:xfrm rot="0">
+            <a:off x="685800" y="1143000"/>
+            <a:ext cx="5493385" cy="3093085"/>
+          </a:xfrm>
+          <a:prstGeom prst="rect"/>
+          <a:noFill/>
+          <a:ln w="12700" cap="flat" cmpd="sng">
+            <a:solidFill>
+              <a:srgbClr val="000000">
+                <a:alpha val="100000"/>
+              </a:srgbClr>
+            </a:solidFill>
+            <a:prstDash val="solid"/>
+          </a:ln>
+        </p:spPr>
+        <p:txBody>
+          <a:bodyPr wrap="square" lIns="91440" tIns="45720" rIns="91440" bIns="45720" numCol="1" vert="horz" anchor="ctr">
+            <a:noAutofit/>
+          </a:bodyPr>
+          <a:lstStyle/>
+          <a:p>
+            <a:pPr marL="0" indent="0" latinLnBrk="0">
+              <a:buFontTx/>
+              <a:buNone/>
+            </a:pPr>
+          </a:p>
+        </p:txBody>
+      </p:sp>
+      <p:sp>
+        <p:nvSpPr>
+          <p:cNvPr id="3" name="슬라이드 노트 개체 틀 4"/>
+          <p:cNvSpPr txBox="1">
+            <a:spLocks/>
+          </p:cNvSpPr>
+          <p:nvPr>
+            <p:ph type="body" idx="3"/>
+          </p:nvPr>
+        </p:nvSpPr>
+        <p:spPr>
+          <a:xfrm rot="0">
+            <a:off x="685800" y="4400550"/>
+            <a:ext cx="5493385" cy="3607435"/>
+          </a:xfrm>
+          <a:prstGeom prst="rect"/>
+        </p:spPr>
+        <p:txBody>
+          <a:bodyPr wrap="square" lIns="91440" tIns="45720" rIns="91440" bIns="45720" numCol="1" vert="horz" anchor="t">
+            <a:noAutofit/>
+          </a:bodyPr>
+          <a:lstStyle/>
+          <a:p>
+            <a:pPr marL="0" indent="0" latinLnBrk="0">
+              <a:buFontTx/>
+              <a:buNone/>
+            </a:pPr>
+          </a:p>
+        </p:txBody>
+      </p:sp>
+      <p:sp>
+        <p:nvSpPr>
+          <p:cNvPr id="4" name="슬라이드 번호 개체 틀 6"/>
+          <p:cNvSpPr txBox="1">
+            <a:spLocks/>
+          </p:cNvSpPr>
+          <p:nvPr>
+            <p:ph type="sldNum" idx="5"/>
+          </p:nvPr>
+        </p:nvSpPr>
+        <p:spPr>
+          <a:xfrm rot="0">
+            <a:off x="3884930" y="8685530"/>
+            <a:ext cx="2978785" cy="465455"/>
+          </a:xfrm>
+          <a:prstGeom prst="rect"/>
+        </p:spPr>
+        <p:txBody>
+          <a:bodyPr wrap="square" lIns="91440" tIns="45720" rIns="91440" bIns="45720" numCol="1" vert="horz" anchor="b">
+            <a:noAutofit/>
+          </a:bodyPr>
+          <a:lstStyle>
+            <a:lvl1pPr marL="0" indent="0" algn="r" latinLnBrk="0">
+              <a:buFontTx/>
+              <a:buNone/>
+              <a:defRPr lang="en-GB" altLang="en-US" sz="1200"/>
+            </a:lvl1pPr>
+          </a:lstStyle>
+          <a:p>
+            <a:pPr marL="0" indent="0" latinLnBrk="0">
+              <a:buFontTx/>
+              <a:buNone/>
+            </a:pPr>
+            <a:fld id="{B9320F77-B9A0-41C5-862A-B4B631284C64}" type="slidenum">
+              <a:rPr lang="ko-KR" altLang="en-US"/>
+              <a:t>‹#›</a:t>
+            </a:fld>
+          </a:p>
+        </p:txBody>
+      </p:sp>
+    </p:spTree>
+  </p:cSld>
+  <p:clrMapOvr>
+    <a:masterClrMapping/>
+  </p:clrMapOvr>
+  <mc:AlternateContent xmlns:mc="http://schemas.openxmlformats.org/markup-compatibility/2006">
+    <mc:Choice xmlns:p14="http://schemas.microsoft.com/office/powerpoint/2010/main" Requires="p14">
+      <p:transition spd="slow" p14:dur="0"/>
+    </mc:Choice>
+    <mc:Fallback>
+      <p:transition spd="slow"/>
+    </mc:Fallback>
+  </mc:AlternateContent>
+</p:notes>
+</file>
+
+<file path=ppt/notesSlides/notesSlide12.xml><?xml version="1.0" encoding="utf-8"?>
+<p:notes xmlns:a="http://schemas.openxmlformats.org/drawingml/2006/main" xmlns:r="http://schemas.openxmlformats.org/officeDocument/2006/relationships" xmlns:p="http://schemas.openxmlformats.org/presentationml/2006/main">
+  <p:cSld>
+    <p:spTree>
+      <p:nvGrpSpPr>
+        <p:cNvPr id="1" name=""/>
+        <p:cNvGrpSpPr/>
+        <p:nvPr/>
+      </p:nvGrpSpPr>
+      <p:grpSpPr>
+        <a:xfrm>
+          <a:off x="0" y="0"/>
+          <a:ext cx="0" cy="0"/>
+          <a:chOff x="0" y="0"/>
+          <a:chExt cx="0" cy="0"/>
+        </a:xfrm>
+      </p:grpSpPr>
+      <p:sp>
+        <p:nvSpPr>
+          <p:cNvPr id="2" name="슬라이드 이미지 개체 틀 3"/>
+          <p:cNvSpPr>
+            <a:spLocks noChangeAspect="1"/>
+          </p:cNvSpPr>
+          <p:nvPr>
+            <p:ph type="sldImg" idx="2"/>
+          </p:nvPr>
+        </p:nvSpPr>
+        <p:spPr>
+          <a:xfrm rot="0">
+            <a:off x="685800" y="1143000"/>
+            <a:ext cx="5493385" cy="3093085"/>
+          </a:xfrm>
+          <a:prstGeom prst="rect"/>
+          <a:noFill/>
+          <a:ln w="12700" cap="flat" cmpd="sng">
+            <a:solidFill>
+              <a:srgbClr val="000000">
+                <a:alpha val="100000"/>
+              </a:srgbClr>
+            </a:solidFill>
+            <a:prstDash val="solid"/>
+          </a:ln>
+        </p:spPr>
+        <p:txBody>
+          <a:bodyPr wrap="square" lIns="91440" tIns="45720" rIns="91440" bIns="45720" numCol="1" vert="horz" anchor="ctr">
+            <a:noAutofit/>
+          </a:bodyPr>
+          <a:lstStyle/>
+          <a:p>
+            <a:pPr marL="0" indent="0" latinLnBrk="0">
+              <a:buFontTx/>
+              <a:buNone/>
+            </a:pPr>
+          </a:p>
+        </p:txBody>
+      </p:sp>
+      <p:sp>
+        <p:nvSpPr>
+          <p:cNvPr id="3" name="슬라이드 노트 개체 틀 4"/>
+          <p:cNvSpPr txBox="1">
+            <a:spLocks/>
+          </p:cNvSpPr>
+          <p:nvPr>
+            <p:ph type="body" idx="3"/>
+          </p:nvPr>
+        </p:nvSpPr>
+        <p:spPr>
+          <a:xfrm rot="0">
+            <a:off x="685800" y="4400550"/>
+            <a:ext cx="5493385" cy="3607435"/>
+          </a:xfrm>
+          <a:prstGeom prst="rect"/>
+        </p:spPr>
+        <p:txBody>
+          <a:bodyPr wrap="square" lIns="91440" tIns="45720" rIns="91440" bIns="45720" numCol="1" vert="horz" anchor="t">
+            <a:noAutofit/>
+          </a:bodyPr>
+          <a:lstStyle/>
+          <a:p>
+            <a:pPr marL="0" indent="0" latinLnBrk="0">
+              <a:buFontTx/>
+              <a:buNone/>
+            </a:pPr>
+          </a:p>
+        </p:txBody>
+      </p:sp>
+      <p:sp>
+        <p:nvSpPr>
+          <p:cNvPr id="4" name="슬라이드 번호 개체 틀 6"/>
+          <p:cNvSpPr txBox="1">
+            <a:spLocks/>
+          </p:cNvSpPr>
+          <p:nvPr>
+            <p:ph type="sldNum" idx="5"/>
+          </p:nvPr>
+        </p:nvSpPr>
+        <p:spPr>
+          <a:xfrm rot="0">
+            <a:off x="3884930" y="8685530"/>
+            <a:ext cx="2978785" cy="465455"/>
+          </a:xfrm>
+          <a:prstGeom prst="rect"/>
+        </p:spPr>
+        <p:txBody>
+          <a:bodyPr wrap="square" lIns="91440" tIns="45720" rIns="91440" bIns="45720" numCol="1" vert="horz" anchor="b">
+            <a:noAutofit/>
+          </a:bodyPr>
+          <a:lstStyle>
+            <a:lvl1pPr marL="0" indent="0" algn="r" latinLnBrk="0">
+              <a:buFontTx/>
+              <a:buNone/>
+              <a:defRPr lang="en-GB" altLang="en-US" sz="1200"/>
+            </a:lvl1pPr>
+          </a:lstStyle>
+          <a:p>
+            <a:pPr marL="0" indent="0" latinLnBrk="0">
+              <a:buFontTx/>
+              <a:buNone/>
+            </a:pPr>
+            <a:fld id="{B9320F77-B9A0-41C5-862A-B4B631284C64}" type="slidenum">
+              <a:rPr lang="ko-KR" altLang="en-US"/>
+              <a:t>‹#›</a:t>
+            </a:fld>
+          </a:p>
+        </p:txBody>
+      </p:sp>
+    </p:spTree>
+  </p:cSld>
+  <p:clrMapOvr>
+    <a:masterClrMapping/>
+  </p:clrMapOvr>
+  <mc:AlternateContent xmlns:mc="http://schemas.openxmlformats.org/markup-compatibility/2006">
+    <mc:Choice xmlns:p14="http://schemas.microsoft.com/office/powerpoint/2010/main" Requires="p14">
+      <p:transition spd="slow" p14:dur="0"/>
+    </mc:Choice>
+    <mc:Fallback>
+      <p:transition spd="slow"/>
+    </mc:Fallback>
+  </mc:AlternateContent>
+</p:notes>
+</file>
+
 <file path=ppt/notesSlides/notesSlide2.xml><?xml version="1.0" encoding="utf-8"?>
 <p:notes xmlns:a="http://schemas.openxmlformats.org/drawingml/2006/main" xmlns:r="http://schemas.openxmlformats.org/officeDocument/2006/relationships" xmlns:p="http://schemas.openxmlformats.org/presentationml/2006/main">
   <p:cSld>
@@ -1282,6 +1714,432 @@
           <a:xfrm rot="0">
             <a:off x="3884930" y="8685530"/>
             <a:ext cx="2978150" cy="464820"/>
+          </a:xfrm>
+          <a:prstGeom prst="rect"/>
+        </p:spPr>
+        <p:txBody>
+          <a:bodyPr wrap="square" lIns="91440" tIns="45720" rIns="91440" bIns="45720" numCol="1" vert="horz" anchor="b">
+            <a:noAutofit/>
+          </a:bodyPr>
+          <a:lstStyle>
+            <a:lvl1pPr marL="0" indent="0" algn="r" latinLnBrk="0">
+              <a:buFontTx/>
+              <a:buNone/>
+              <a:defRPr lang="en-GB" altLang="en-US" sz="1200"/>
+            </a:lvl1pPr>
+          </a:lstStyle>
+          <a:p>
+            <a:pPr marL="0" indent="0" latinLnBrk="0">
+              <a:buFontTx/>
+              <a:buNone/>
+            </a:pPr>
+            <a:fld id="{B9320F77-B9A0-41C5-862A-B4B631284C64}" type="slidenum">
+              <a:rPr lang="ko-KR" altLang="en-US"/>
+              <a:t>‹#›</a:t>
+            </a:fld>
+          </a:p>
+        </p:txBody>
+      </p:sp>
+    </p:spTree>
+  </p:cSld>
+  <p:clrMapOvr>
+    <a:masterClrMapping/>
+  </p:clrMapOvr>
+  <mc:AlternateContent xmlns:mc="http://schemas.openxmlformats.org/markup-compatibility/2006">
+    <mc:Choice xmlns:p14="http://schemas.microsoft.com/office/powerpoint/2010/main" Requires="p14">
+      <p:transition spd="slow" p14:dur="0"/>
+    </mc:Choice>
+    <mc:Fallback>
+      <p:transition spd="slow"/>
+    </mc:Fallback>
+  </mc:AlternateContent>
+</p:notes>
+</file>
+
+<file path=ppt/notesSlides/notesSlide7.xml><?xml version="1.0" encoding="utf-8"?>
+<p:notes xmlns:a="http://schemas.openxmlformats.org/drawingml/2006/main" xmlns:r="http://schemas.openxmlformats.org/officeDocument/2006/relationships" xmlns:p="http://schemas.openxmlformats.org/presentationml/2006/main">
+  <p:cSld>
+    <p:spTree>
+      <p:nvGrpSpPr>
+        <p:cNvPr id="1" name=""/>
+        <p:cNvGrpSpPr/>
+        <p:nvPr/>
+      </p:nvGrpSpPr>
+      <p:grpSpPr>
+        <a:xfrm>
+          <a:off x="0" y="0"/>
+          <a:ext cx="0" cy="0"/>
+          <a:chOff x="0" y="0"/>
+          <a:chExt cx="0" cy="0"/>
+        </a:xfrm>
+      </p:grpSpPr>
+      <p:sp>
+        <p:nvSpPr>
+          <p:cNvPr id="2" name="슬라이드 이미지 개체 틀 3"/>
+          <p:cNvSpPr>
+            <a:spLocks noChangeAspect="1"/>
+          </p:cNvSpPr>
+          <p:nvPr>
+            <p:ph type="sldImg" idx="2"/>
+          </p:nvPr>
+        </p:nvSpPr>
+        <p:spPr>
+          <a:xfrm rot="0">
+            <a:off x="685800" y="1143000"/>
+            <a:ext cx="5493385" cy="3093085"/>
+          </a:xfrm>
+          <a:prstGeom prst="rect"/>
+          <a:noFill/>
+          <a:ln w="12700" cap="flat" cmpd="sng">
+            <a:solidFill>
+              <a:srgbClr val="000000">
+                <a:alpha val="100000"/>
+              </a:srgbClr>
+            </a:solidFill>
+            <a:prstDash val="solid"/>
+          </a:ln>
+        </p:spPr>
+        <p:txBody>
+          <a:bodyPr wrap="square" lIns="91440" tIns="45720" rIns="91440" bIns="45720" numCol="1" vert="horz" anchor="ctr">
+            <a:noAutofit/>
+          </a:bodyPr>
+          <a:lstStyle/>
+          <a:p>
+            <a:pPr marL="0" indent="0" latinLnBrk="0">
+              <a:buFontTx/>
+              <a:buNone/>
+            </a:pPr>
+          </a:p>
+        </p:txBody>
+      </p:sp>
+      <p:sp>
+        <p:nvSpPr>
+          <p:cNvPr id="3" name="슬라이드 노트 개체 틀 4"/>
+          <p:cNvSpPr txBox="1">
+            <a:spLocks/>
+          </p:cNvSpPr>
+          <p:nvPr>
+            <p:ph type="body" idx="3"/>
+          </p:nvPr>
+        </p:nvSpPr>
+        <p:spPr>
+          <a:xfrm rot="0">
+            <a:off x="685800" y="4400550"/>
+            <a:ext cx="5493385" cy="3607435"/>
+          </a:xfrm>
+          <a:prstGeom prst="rect"/>
+        </p:spPr>
+        <p:txBody>
+          <a:bodyPr wrap="square" lIns="91440" tIns="45720" rIns="91440" bIns="45720" numCol="1" vert="horz" anchor="t">
+            <a:noAutofit/>
+          </a:bodyPr>
+          <a:lstStyle/>
+          <a:p>
+            <a:pPr marL="0" indent="0" latinLnBrk="0">
+              <a:buFontTx/>
+              <a:buNone/>
+            </a:pPr>
+          </a:p>
+        </p:txBody>
+      </p:sp>
+      <p:sp>
+        <p:nvSpPr>
+          <p:cNvPr id="4" name="슬라이드 번호 개체 틀 6"/>
+          <p:cNvSpPr txBox="1">
+            <a:spLocks/>
+          </p:cNvSpPr>
+          <p:nvPr>
+            <p:ph type="sldNum" idx="5"/>
+          </p:nvPr>
+        </p:nvSpPr>
+        <p:spPr>
+          <a:xfrm rot="0">
+            <a:off x="3884930" y="8685530"/>
+            <a:ext cx="2978785" cy="465455"/>
+          </a:xfrm>
+          <a:prstGeom prst="rect"/>
+        </p:spPr>
+        <p:txBody>
+          <a:bodyPr wrap="square" lIns="91440" tIns="45720" rIns="91440" bIns="45720" numCol="1" vert="horz" anchor="b">
+            <a:noAutofit/>
+          </a:bodyPr>
+          <a:lstStyle>
+            <a:lvl1pPr marL="0" indent="0" algn="r" latinLnBrk="0">
+              <a:buFontTx/>
+              <a:buNone/>
+              <a:defRPr lang="en-GB" altLang="en-US" sz="1200"/>
+            </a:lvl1pPr>
+          </a:lstStyle>
+          <a:p>
+            <a:pPr marL="0" indent="0" latinLnBrk="0">
+              <a:buFontTx/>
+              <a:buNone/>
+            </a:pPr>
+            <a:fld id="{B9320F77-B9A0-41C5-862A-B4B631284C64}" type="slidenum">
+              <a:rPr lang="ko-KR" altLang="en-US"/>
+              <a:t>‹#›</a:t>
+            </a:fld>
+          </a:p>
+        </p:txBody>
+      </p:sp>
+    </p:spTree>
+  </p:cSld>
+  <p:clrMapOvr>
+    <a:masterClrMapping/>
+  </p:clrMapOvr>
+  <mc:AlternateContent xmlns:mc="http://schemas.openxmlformats.org/markup-compatibility/2006">
+    <mc:Choice xmlns:p14="http://schemas.microsoft.com/office/powerpoint/2010/main" Requires="p14">
+      <p:transition spd="slow" p14:dur="0"/>
+    </mc:Choice>
+    <mc:Fallback>
+      <p:transition spd="slow"/>
+    </mc:Fallback>
+  </mc:AlternateContent>
+</p:notes>
+</file>
+
+<file path=ppt/notesSlides/notesSlide8.xml><?xml version="1.0" encoding="utf-8"?>
+<p:notes xmlns:a="http://schemas.openxmlformats.org/drawingml/2006/main" xmlns:r="http://schemas.openxmlformats.org/officeDocument/2006/relationships" xmlns:p="http://schemas.openxmlformats.org/presentationml/2006/main">
+  <p:cSld>
+    <p:spTree>
+      <p:nvGrpSpPr>
+        <p:cNvPr id="1" name=""/>
+        <p:cNvGrpSpPr/>
+        <p:nvPr/>
+      </p:nvGrpSpPr>
+      <p:grpSpPr>
+        <a:xfrm>
+          <a:off x="0" y="0"/>
+          <a:ext cx="0" cy="0"/>
+          <a:chOff x="0" y="0"/>
+          <a:chExt cx="0" cy="0"/>
+        </a:xfrm>
+      </p:grpSpPr>
+      <p:sp>
+        <p:nvSpPr>
+          <p:cNvPr id="2" name="슬라이드 이미지 개체 틀 3"/>
+          <p:cNvSpPr>
+            <a:spLocks noChangeAspect="1"/>
+          </p:cNvSpPr>
+          <p:nvPr>
+            <p:ph type="sldImg" idx="2"/>
+          </p:nvPr>
+        </p:nvSpPr>
+        <p:spPr>
+          <a:xfrm rot="0">
+            <a:off x="685800" y="1143000"/>
+            <a:ext cx="5493385" cy="3093085"/>
+          </a:xfrm>
+          <a:prstGeom prst="rect"/>
+          <a:noFill/>
+          <a:ln w="12700" cap="flat" cmpd="sng">
+            <a:solidFill>
+              <a:srgbClr val="000000">
+                <a:alpha val="100000"/>
+              </a:srgbClr>
+            </a:solidFill>
+            <a:prstDash val="solid"/>
+          </a:ln>
+        </p:spPr>
+        <p:txBody>
+          <a:bodyPr wrap="square" lIns="91440" tIns="45720" rIns="91440" bIns="45720" numCol="1" vert="horz" anchor="ctr">
+            <a:noAutofit/>
+          </a:bodyPr>
+          <a:lstStyle/>
+          <a:p>
+            <a:pPr marL="0" indent="0" latinLnBrk="0">
+              <a:buFontTx/>
+              <a:buNone/>
+            </a:pPr>
+          </a:p>
+        </p:txBody>
+      </p:sp>
+      <p:sp>
+        <p:nvSpPr>
+          <p:cNvPr id="3" name="슬라이드 노트 개체 틀 4"/>
+          <p:cNvSpPr txBox="1">
+            <a:spLocks/>
+          </p:cNvSpPr>
+          <p:nvPr>
+            <p:ph type="body" idx="3"/>
+          </p:nvPr>
+        </p:nvSpPr>
+        <p:spPr>
+          <a:xfrm rot="0">
+            <a:off x="685800" y="4400550"/>
+            <a:ext cx="5493385" cy="3607435"/>
+          </a:xfrm>
+          <a:prstGeom prst="rect"/>
+        </p:spPr>
+        <p:txBody>
+          <a:bodyPr wrap="square" lIns="91440" tIns="45720" rIns="91440" bIns="45720" numCol="1" vert="horz" anchor="t">
+            <a:noAutofit/>
+          </a:bodyPr>
+          <a:lstStyle/>
+          <a:p>
+            <a:pPr marL="0" indent="0" latinLnBrk="0">
+              <a:buFontTx/>
+              <a:buNone/>
+            </a:pPr>
+          </a:p>
+        </p:txBody>
+      </p:sp>
+      <p:sp>
+        <p:nvSpPr>
+          <p:cNvPr id="4" name="슬라이드 번호 개체 틀 6"/>
+          <p:cNvSpPr txBox="1">
+            <a:spLocks/>
+          </p:cNvSpPr>
+          <p:nvPr>
+            <p:ph type="sldNum" idx="5"/>
+          </p:nvPr>
+        </p:nvSpPr>
+        <p:spPr>
+          <a:xfrm rot="0">
+            <a:off x="3884930" y="8685530"/>
+            <a:ext cx="2978785" cy="465455"/>
+          </a:xfrm>
+          <a:prstGeom prst="rect"/>
+        </p:spPr>
+        <p:txBody>
+          <a:bodyPr wrap="square" lIns="91440" tIns="45720" rIns="91440" bIns="45720" numCol="1" vert="horz" anchor="b">
+            <a:noAutofit/>
+          </a:bodyPr>
+          <a:lstStyle>
+            <a:lvl1pPr marL="0" indent="0" algn="r" latinLnBrk="0">
+              <a:buFontTx/>
+              <a:buNone/>
+              <a:defRPr lang="en-GB" altLang="en-US" sz="1200"/>
+            </a:lvl1pPr>
+          </a:lstStyle>
+          <a:p>
+            <a:pPr marL="0" indent="0" latinLnBrk="0">
+              <a:buFontTx/>
+              <a:buNone/>
+            </a:pPr>
+            <a:fld id="{B9320F77-B9A0-41C5-862A-B4B631284C64}" type="slidenum">
+              <a:rPr lang="ko-KR" altLang="en-US"/>
+              <a:t>‹#›</a:t>
+            </a:fld>
+          </a:p>
+        </p:txBody>
+      </p:sp>
+    </p:spTree>
+  </p:cSld>
+  <p:clrMapOvr>
+    <a:masterClrMapping/>
+  </p:clrMapOvr>
+  <mc:AlternateContent xmlns:mc="http://schemas.openxmlformats.org/markup-compatibility/2006">
+    <mc:Choice xmlns:p14="http://schemas.microsoft.com/office/powerpoint/2010/main" Requires="p14">
+      <p:transition spd="slow" p14:dur="0"/>
+    </mc:Choice>
+    <mc:Fallback>
+      <p:transition spd="slow"/>
+    </mc:Fallback>
+  </mc:AlternateContent>
+</p:notes>
+</file>
+
+<file path=ppt/notesSlides/notesSlide9.xml><?xml version="1.0" encoding="utf-8"?>
+<p:notes xmlns:a="http://schemas.openxmlformats.org/drawingml/2006/main" xmlns:r="http://schemas.openxmlformats.org/officeDocument/2006/relationships" xmlns:p="http://schemas.openxmlformats.org/presentationml/2006/main">
+  <p:cSld>
+    <p:spTree>
+      <p:nvGrpSpPr>
+        <p:cNvPr id="1" name=""/>
+        <p:cNvGrpSpPr/>
+        <p:nvPr/>
+      </p:nvGrpSpPr>
+      <p:grpSpPr>
+        <a:xfrm>
+          <a:off x="0" y="0"/>
+          <a:ext cx="0" cy="0"/>
+          <a:chOff x="0" y="0"/>
+          <a:chExt cx="0" cy="0"/>
+        </a:xfrm>
+      </p:grpSpPr>
+      <p:sp>
+        <p:nvSpPr>
+          <p:cNvPr id="2" name="슬라이드 이미지 개체 틀 3"/>
+          <p:cNvSpPr>
+            <a:spLocks noChangeAspect="1"/>
+          </p:cNvSpPr>
+          <p:nvPr>
+            <p:ph type="sldImg" idx="2"/>
+          </p:nvPr>
+        </p:nvSpPr>
+        <p:spPr>
+          <a:xfrm rot="0">
+            <a:off x="685800" y="1143000"/>
+            <a:ext cx="5493385" cy="3093085"/>
+          </a:xfrm>
+          <a:prstGeom prst="rect"/>
+          <a:noFill/>
+          <a:ln w="12700" cap="flat" cmpd="sng">
+            <a:solidFill>
+              <a:srgbClr val="000000">
+                <a:alpha val="100000"/>
+              </a:srgbClr>
+            </a:solidFill>
+            <a:prstDash val="solid"/>
+          </a:ln>
+        </p:spPr>
+        <p:txBody>
+          <a:bodyPr wrap="square" lIns="91440" tIns="45720" rIns="91440" bIns="45720" numCol="1" vert="horz" anchor="ctr">
+            <a:noAutofit/>
+          </a:bodyPr>
+          <a:lstStyle/>
+          <a:p>
+            <a:pPr marL="0" indent="0" latinLnBrk="0">
+              <a:buFontTx/>
+              <a:buNone/>
+            </a:pPr>
+          </a:p>
+        </p:txBody>
+      </p:sp>
+      <p:sp>
+        <p:nvSpPr>
+          <p:cNvPr id="3" name="슬라이드 노트 개체 틀 4"/>
+          <p:cNvSpPr txBox="1">
+            <a:spLocks/>
+          </p:cNvSpPr>
+          <p:nvPr>
+            <p:ph type="body" idx="3"/>
+          </p:nvPr>
+        </p:nvSpPr>
+        <p:spPr>
+          <a:xfrm rot="0">
+            <a:off x="685800" y="4400550"/>
+            <a:ext cx="5493385" cy="3607435"/>
+          </a:xfrm>
+          <a:prstGeom prst="rect"/>
+        </p:spPr>
+        <p:txBody>
+          <a:bodyPr wrap="square" lIns="91440" tIns="45720" rIns="91440" bIns="45720" numCol="1" vert="horz" anchor="t">
+            <a:noAutofit/>
+          </a:bodyPr>
+          <a:lstStyle/>
+          <a:p>
+            <a:pPr marL="0" indent="0" latinLnBrk="0">
+              <a:buFontTx/>
+              <a:buNone/>
+            </a:pPr>
+          </a:p>
+        </p:txBody>
+      </p:sp>
+      <p:sp>
+        <p:nvSpPr>
+          <p:cNvPr id="4" name="슬라이드 번호 개체 틀 6"/>
+          <p:cNvSpPr txBox="1">
+            <a:spLocks/>
+          </p:cNvSpPr>
+          <p:nvPr>
+            <p:ph type="sldNum" idx="5"/>
+          </p:nvPr>
+        </p:nvSpPr>
+        <p:spPr>
+          <a:xfrm rot="0">
+            <a:off x="3884930" y="8685530"/>
+            <a:ext cx="2978785" cy="465455"/>
           </a:xfrm>
           <a:prstGeom prst="rect"/>
         </p:spPr>
@@ -6862,6 +7720,1528 @@
 </p:sld>
 </file>
 
+<file path=ppt/slides/slide10.xml><?xml version="1.0" encoding="utf-8"?>
+<p:sld xmlns:a="http://schemas.openxmlformats.org/drawingml/2006/main" xmlns:r="http://schemas.openxmlformats.org/officeDocument/2006/relationships" xmlns:p="http://schemas.openxmlformats.org/presentationml/2006/main">
+  <p:cSld>
+    <p:spTree>
+      <p:nvGrpSpPr>
+        <p:cNvPr id="1" name=""/>
+        <p:cNvGrpSpPr/>
+        <p:nvPr/>
+      </p:nvGrpSpPr>
+      <p:grpSpPr>
+        <a:xfrm>
+          <a:off x="0" y="0"/>
+          <a:ext cx="0" cy="0"/>
+          <a:chOff x="0" y="0"/>
+          <a:chExt cx="0" cy="0"/>
+        </a:xfrm>
+      </p:grpSpPr>
+      <p:sp>
+        <p:nvSpPr>
+          <p:cNvPr id="27" name="Rect 0"/>
+          <p:cNvSpPr txBox="1">
+            <a:spLocks/>
+          </p:cNvSpPr>
+          <p:nvPr/>
+        </p:nvSpPr>
+        <p:spPr>
+          <a:xfrm rot="0">
+            <a:off x="4533265" y="407035"/>
+            <a:ext cx="3131820" cy="554990"/>
+          </a:xfrm>
+          <a:prstGeom prst="rect"/>
+          <a:noFill/>
+          <a:ln w="0">
+            <a:noFill/>
+            <a:prstDash/>
+          </a:ln>
+        </p:spPr>
+        <p:txBody>
+          <a:bodyPr wrap="square" lIns="89535" tIns="46355" rIns="89535" bIns="46355" numCol="1" vert="horz" anchor="t">
+            <a:spAutoFit/>
+          </a:bodyPr>
+          <a:lstStyle/>
+          <a:p>
+            <a:pPr marL="0" indent="0" algn="l" latinLnBrk="0" hangingPunct="1">
+              <a:buFontTx/>
+              <a:buNone/>
+            </a:pPr>
+            <a:r>
+              <a:rPr lang="ko-KR" sz="3000" b="1">
+                <a:latin typeface="맑은 고딕" charset="0"/>
+                <a:ea typeface="맑은 고딕" charset="0"/>
+              </a:rPr>
+              <a:t>열</a:t>
+            </a:r>
+            <a:r>
+              <a:rPr lang="ko-KR" sz="3000" b="1">
+                <a:latin typeface="맑은 고딕" charset="0"/>
+                <a:ea typeface="맑은 고딕" charset="0"/>
+              </a:rPr>
+              <a:t> 번째 튜토리얼</a:t>
+            </a:r>
+            <a:endParaRPr lang="ko-KR" altLang="en-US" sz="3000" b="1">
+              <a:latin typeface="맑은 고딕" charset="0"/>
+              <a:ea typeface="맑은 고딕" charset="0"/>
+            </a:endParaRPr>
+          </a:p>
+        </p:txBody>
+      </p:sp>
+      <p:sp>
+        <p:nvSpPr>
+          <p:cNvPr id="44" name="Rect 0"/>
+          <p:cNvSpPr txBox="1">
+            <a:spLocks/>
+          </p:cNvSpPr>
+          <p:nvPr/>
+        </p:nvSpPr>
+        <p:spPr>
+          <a:xfrm rot="0">
+            <a:off x="6824980" y="3590290"/>
+            <a:ext cx="4248785" cy="2585085"/>
+          </a:xfrm>
+          <a:prstGeom prst="rect"/>
+          <a:noFill/>
+          <a:ln w="0">
+            <a:noFill/>
+            <a:prstDash/>
+          </a:ln>
+        </p:spPr>
+        <p:txBody>
+          <a:bodyPr wrap="square" lIns="89535" tIns="46355" rIns="89535" bIns="46355" vert="horz" anchor="t">
+            <a:spAutoFit/>
+          </a:bodyPr>
+          <a:lstStyle/>
+          <a:p>
+            <a:pPr marL="0" indent="0" rtl="0" algn="l" defTabSz="914400" eaLnBrk="1" latinLnBrk="0" hangingPunct="1">
+              <a:buFontTx/>
+              <a:buNone/>
+            </a:pPr>
+            <a:r>
+              <a:rPr sz="1800" b="1">
+                <a:solidFill>
+                  <a:srgbClr val="0611F2"/>
+                </a:solidFill>
+                <a:latin typeface="맑은 고딕" charset="0"/>
+                <a:ea typeface="맑은 고딕" charset="0"/>
+              </a:rPr>
+              <a:t>2</a:t>
+            </a:r>
+            <a:r>
+              <a:rPr lang="ko-KR" sz="1800" b="1">
+                <a:solidFill>
+                  <a:srgbClr val="0611F2"/>
+                </a:solidFill>
+                <a:latin typeface="맑은 고딕" charset="0"/>
+                <a:ea typeface="맑은 고딕" charset="0"/>
+              </a:rPr>
+              <a:t>3</a:t>
+            </a:r>
+            <a:r>
+              <a:rPr sz="1800" b="1">
+                <a:solidFill>
+                  <a:srgbClr val="0611F2"/>
+                </a:solidFill>
+                <a:latin typeface="맑은 고딕" charset="0"/>
+                <a:ea typeface="맑은 고딕" charset="0"/>
+              </a:rPr>
+              <a:t>.</a:t>
+            </a:r>
+            <a:r>
+              <a:rPr sz="1800">
+                <a:latin typeface="맑은 고딕" charset="0"/>
+                <a:ea typeface="맑은 고딕" charset="0"/>
+              </a:rPr>
+              <a:t> </a:t>
+            </a:r>
+            <a:r>
+              <a:rPr sz="1800">
+                <a:latin typeface="맑은 고딕" charset="0"/>
+                <a:ea typeface="맑은 고딕" charset="0"/>
+              </a:rPr>
+              <a:t>이</a:t>
+            </a:r>
+            <a:r>
+              <a:rPr lang="ko-KR" sz="1800">
+                <a:latin typeface="맑은 고딕" charset="0"/>
+                <a:ea typeface="맑은 고딕" charset="0"/>
+              </a:rPr>
+              <a:t>제 Project 폴더에 있는 Resources 폴더에 Character 오브젝트를 선택한 다음</a:t>
+            </a:r>
+            <a:r>
+              <a:rPr sz="1800">
+                <a:latin typeface="맑은 고딕" charset="0"/>
+                <a:ea typeface="맑은 고딕" charset="0"/>
+              </a:rPr>
+              <a:t> Photon Voice View 컴포넌트를 </a:t>
+            </a:r>
+            <a:r>
+              <a:rPr lang="ko-KR" sz="1800">
+                <a:latin typeface="맑은 고딕" charset="0"/>
+                <a:ea typeface="맑은 고딕" charset="0"/>
+              </a:rPr>
+              <a:t>추가합니다.</a:t>
+            </a:r>
+            <a:endParaRPr lang="ko-KR" altLang="en-US" sz="1800">
+              <a:latin typeface="맑은 고딕" charset="0"/>
+              <a:ea typeface="맑은 고딕" charset="0"/>
+            </a:endParaRPr>
+          </a:p>
+          <a:p>
+            <a:pPr marL="0" indent="0" rtl="0" algn="l" defTabSz="914400" eaLnBrk="1" latinLnBrk="0" hangingPunct="1">
+              <a:buFontTx/>
+              <a:buNone/>
+            </a:pPr>
+            <a:endParaRPr lang="ko-KR" altLang="en-US" sz="1800">
+              <a:latin typeface="맑은 고딕" charset="0"/>
+              <a:ea typeface="맑은 고딕" charset="0"/>
+            </a:endParaRPr>
+          </a:p>
+          <a:p>
+            <a:pPr marL="0" indent="0" rtl="0" algn="l" defTabSz="914400" eaLnBrk="1" latinLnBrk="0" hangingPunct="1">
+              <a:buFontTx/>
+              <a:buNone/>
+            </a:pPr>
+            <a:r>
+              <a:rPr sz="1800">
+                <a:latin typeface="맑은 고딕" charset="0"/>
+                <a:ea typeface="맑은 고딕" charset="0"/>
+              </a:rPr>
+              <a:t>그리</a:t>
+            </a:r>
+            <a:r>
+              <a:rPr lang="ko-KR" sz="1800">
+                <a:latin typeface="맑은 고딕" charset="0"/>
+                <a:ea typeface="맑은 고딕" charset="0"/>
+              </a:rPr>
+              <a:t>고 </a:t>
+            </a:r>
+            <a:r>
+              <a:rPr sz="1800">
+                <a:latin typeface="맑은 고딕" charset="0"/>
+                <a:ea typeface="맑은 고딕" charset="0"/>
+              </a:rPr>
+              <a:t>Photon Voice View</a:t>
+            </a:r>
+            <a:r>
+              <a:rPr sz="1800">
+                <a:latin typeface="맑은 고딕" charset="0"/>
+                <a:ea typeface="맑은 고딕" charset="0"/>
+              </a:rPr>
+              <a:t> 컴포넌</a:t>
+            </a:r>
+            <a:r>
+              <a:rPr lang="ko-KR" sz="1800">
+                <a:latin typeface="맑은 고딕" charset="0"/>
+                <a:ea typeface="맑은 고딕" charset="0"/>
+              </a:rPr>
+              <a:t>트</a:t>
+            </a:r>
+            <a:r>
+              <a:rPr sz="1800">
+                <a:latin typeface="맑은 고딕" charset="0"/>
+                <a:ea typeface="맑은 고딕" charset="0"/>
+              </a:rPr>
+              <a:t>는 네트워크로 연결된 객체의 </a:t>
+            </a:r>
+            <a:r>
+              <a:rPr lang="ko-KR" sz="1800">
+                <a:latin typeface="맑은 고딕" charset="0"/>
+                <a:ea typeface="맑은 고딕" charset="0"/>
+              </a:rPr>
+              <a:t>리</a:t>
+            </a:r>
+            <a:r>
+              <a:rPr sz="1800">
+                <a:latin typeface="맑은 고딕" charset="0"/>
+                <a:ea typeface="맑은 고딕" charset="0"/>
+              </a:rPr>
+              <a:t>코더와 스피커 설정을 담당하는 컴포넌트입니다.</a:t>
+            </a:r>
+            <a:endParaRPr lang="ko-KR" altLang="en-US" sz="1800">
+              <a:latin typeface="맑은 고딕" charset="0"/>
+              <a:ea typeface="맑은 고딕" charset="0"/>
+            </a:endParaRPr>
+          </a:p>
+        </p:txBody>
+      </p:sp>
+      <p:sp>
+        <p:nvSpPr>
+          <p:cNvPr id="46" name="텍스트 상자 79"/>
+          <p:cNvSpPr txBox="1">
+            <a:spLocks/>
+          </p:cNvSpPr>
+          <p:nvPr/>
+        </p:nvSpPr>
+        <p:spPr>
+          <a:xfrm rot="0">
+            <a:off x="1188720" y="2759075"/>
+            <a:ext cx="4190365" cy="3415665"/>
+          </a:xfrm>
+          <a:prstGeom prst="rect"/>
+          <a:noFill/>
+          <a:ln w="0">
+            <a:noFill/>
+            <a:prstDash/>
+          </a:ln>
+        </p:spPr>
+        <p:txBody>
+          <a:bodyPr wrap="square" lIns="89535" tIns="46355" rIns="89535" bIns="46355" vert="horz" anchor="t">
+            <a:spAutoFit/>
+          </a:bodyPr>
+          <a:lstStyle/>
+          <a:p>
+            <a:pPr marL="0" indent="0" rtl="0" algn="l" defTabSz="914400" eaLnBrk="1" latinLnBrk="0" hangingPunct="1">
+              <a:buFontTx/>
+              <a:buNone/>
+            </a:pPr>
+            <a:r>
+              <a:rPr sz="1800">
+                <a:latin typeface="맑은 고딕" charset="0"/>
+                <a:ea typeface="맑은 고딕" charset="0"/>
+              </a:rPr>
+              <a:t>Input Source Type(Microphone)은 마이크가 연결되어 있다면 현재 연결된 마이크의 정보가 나타납니다. </a:t>
+            </a:r>
+            <a:endParaRPr lang="ko-KR" altLang="en-US" sz="1800">
+              <a:latin typeface="맑은 고딕" charset="0"/>
+              <a:ea typeface="맑은 고딕" charset="0"/>
+            </a:endParaRPr>
+          </a:p>
+          <a:p>
+            <a:pPr marL="0" indent="0" rtl="0" algn="l" defTabSz="914400" eaLnBrk="1" latinLnBrk="0" hangingPunct="1">
+              <a:buFontTx/>
+              <a:buNone/>
+            </a:pPr>
+            <a:endParaRPr lang="ko-KR" altLang="en-US" sz="1800">
+              <a:latin typeface="맑은 고딕" charset="0"/>
+              <a:ea typeface="맑은 고딕" charset="0"/>
+            </a:endParaRPr>
+          </a:p>
+          <a:p>
+            <a:pPr marL="0" indent="0" rtl="0" algn="l" defTabSz="914400" eaLnBrk="1" latinLnBrk="0" hangingPunct="1">
+              <a:buFontTx/>
+              <a:buNone/>
+            </a:pPr>
+            <a:r>
+              <a:rPr sz="1800">
+                <a:latin typeface="맑은 고딕" charset="0"/>
+                <a:ea typeface="맑은 고딕" charset="0"/>
+              </a:rPr>
+              <a:t>만약, 연결되지 않았다면 오류 목록이 나타납니다.</a:t>
+            </a:r>
+            <a:endParaRPr lang="ko-KR" altLang="en-US" sz="1800">
+              <a:latin typeface="맑은 고딕" charset="0"/>
+              <a:ea typeface="맑은 고딕" charset="0"/>
+            </a:endParaRPr>
+          </a:p>
+          <a:p>
+            <a:pPr marL="0" indent="0" rtl="0" algn="l" defTabSz="914400" eaLnBrk="1" latinLnBrk="0" hangingPunct="1">
+              <a:buFontTx/>
+              <a:buNone/>
+            </a:pPr>
+            <a:endParaRPr lang="ko-KR" altLang="en-US" sz="1800">
+              <a:latin typeface="맑은 고딕" charset="0"/>
+              <a:ea typeface="맑은 고딕" charset="0"/>
+            </a:endParaRPr>
+          </a:p>
+          <a:p>
+            <a:pPr marL="0" indent="0" rtl="0" algn="l" defTabSz="914400" eaLnBrk="1" latinLnBrk="0" hangingPunct="1">
+              <a:buFontTx/>
+              <a:buNone/>
+            </a:pPr>
+            <a:r>
+              <a:rPr sz="1800">
+                <a:latin typeface="맑은 고딕" charset="0"/>
+                <a:ea typeface="맑은 고딕" charset="0"/>
+              </a:rPr>
+              <a:t>Microphone Device에서 원하는 음성 입력 장치를 선택할 수 있습니다.</a:t>
+            </a:r>
+            <a:endParaRPr lang="ko-KR" altLang="en-US" sz="1800">
+              <a:latin typeface="맑은 고딕" charset="0"/>
+              <a:ea typeface="맑은 고딕" charset="0"/>
+            </a:endParaRPr>
+          </a:p>
+          <a:p>
+            <a:pPr marL="0" indent="0" rtl="0" algn="l" defTabSz="914400" eaLnBrk="1" latinLnBrk="0" hangingPunct="1">
+              <a:buFontTx/>
+              <a:buNone/>
+            </a:pPr>
+            <a:endParaRPr lang="ko-KR" altLang="en-US" sz="1800">
+              <a:latin typeface="맑은 고딕" charset="0"/>
+              <a:ea typeface="맑은 고딕" charset="0"/>
+            </a:endParaRPr>
+          </a:p>
+          <a:p>
+            <a:pPr marL="0" indent="0" rtl="0" algn="l" defTabSz="914400" eaLnBrk="1" latinLnBrk="0" hangingPunct="1">
+              <a:buFontTx/>
+              <a:buNone/>
+            </a:pPr>
+            <a:r>
+              <a:rPr sz="1800">
+                <a:latin typeface="맑은 고딕" charset="0"/>
+                <a:ea typeface="맑은 고딕" charset="0"/>
+              </a:rPr>
+              <a:t>DebugEcho를 활성화하면 내 음성이 들리는지 확인할 수 있습니다.</a:t>
+            </a:r>
+            <a:endParaRPr lang="ko-KR" altLang="en-US" sz="1800">
+              <a:latin typeface="맑은 고딕" charset="0"/>
+              <a:ea typeface="맑은 고딕" charset="0"/>
+            </a:endParaRPr>
+          </a:p>
+        </p:txBody>
+      </p:sp>
+      <p:pic>
+        <p:nvPicPr>
+          <p:cNvPr id="47" name="그림 82" descr="C:/Users/Admin1/AppData/Roaming/PolarisOffice/ETemp/3516_17285360/fImage7007282836827.png"/>
+          <p:cNvPicPr>
+            <a:picLocks noChangeAspect="1"/>
+          </p:cNvPicPr>
+          <p:nvPr/>
+        </p:nvPicPr>
+        <p:blipFill rotWithShape="1">
+          <a:blip r:embed="rId2" cstate="print">
+            <a:extLst>
+              <a:ext uri="{28A0092B-C50C-407E-A947-70E740481C1C}">
+                <a14:useLocalDpi xmlns:a14="http://schemas.microsoft.com/office/drawing/2010/main" val="0"/>
+              </a:ext>
+            </a:extLst>
+          </a:blip>
+          <a:stretch>
+            <a:fillRect/>
+          </a:stretch>
+        </p:blipFill>
+        <p:spPr>
+          <a:xfrm rot="0">
+            <a:off x="1180465" y="1421765"/>
+            <a:ext cx="4198620" cy="1272540"/>
+          </a:xfrm>
+          <a:prstGeom prst="rect"/>
+          <a:noFill/>
+        </p:spPr>
+      </p:pic>
+      <p:pic>
+        <p:nvPicPr>
+          <p:cNvPr id="48" name="그림 83" descr="C:/Users/Admin1/AppData/Roaming/PolarisOffice/ETemp/3516_17285360/fImage59121764464.png"/>
+          <p:cNvPicPr>
+            <a:picLocks noChangeAspect="1"/>
+          </p:cNvPicPr>
+          <p:nvPr/>
+        </p:nvPicPr>
+        <p:blipFill rotWithShape="1">
+          <a:blip r:embed="rId3" cstate="hqprint">
+            <a:extLst>
+              <a:ext uri="{28A0092B-C50C-407E-A947-70E740481C1C}">
+                <a14:useLocalDpi xmlns:a14="http://schemas.microsoft.com/office/drawing/2010/main"/>
+              </a:ext>
+            </a:extLst>
+          </a:blip>
+          <a:stretch>
+            <a:fillRect/>
+          </a:stretch>
+        </p:blipFill>
+        <p:spPr>
+          <a:xfrm rot="0">
+            <a:off x="6808470" y="1430020"/>
+            <a:ext cx="4257040" cy="931545"/>
+          </a:xfrm>
+          <a:prstGeom prst="roundRect"/>
+          <a:solidFill>
+            <a:srgbClr val="EDEDED"/>
+          </a:solidFill>
+        </p:spPr>
+      </p:pic>
+      <p:pic>
+        <p:nvPicPr>
+          <p:cNvPr id="49" name="그림 84" descr="C:/Users/Admin1/AppData/Roaming/PolarisOffice/ETemp/3516_17285360/fImage52992859961.png"/>
+          <p:cNvPicPr>
+            <a:picLocks noChangeAspect="1"/>
+          </p:cNvPicPr>
+          <p:nvPr/>
+        </p:nvPicPr>
+        <p:blipFill rotWithShape="1">
+          <a:blip r:embed="rId4" cstate="print">
+            <a:extLst>
+              <a:ext uri="{28A0092B-C50C-407E-A947-70E740481C1C}">
+                <a14:useLocalDpi xmlns:a14="http://schemas.microsoft.com/office/drawing/2010/main" val="0"/>
+              </a:ext>
+            </a:extLst>
+          </a:blip>
+          <a:stretch>
+            <a:fillRect/>
+          </a:stretch>
+        </p:blipFill>
+        <p:spPr>
+          <a:xfrm rot="0">
+            <a:off x="6822440" y="2486025"/>
+            <a:ext cx="4243070" cy="998220"/>
+          </a:xfrm>
+          <a:prstGeom prst="roundRect"/>
+          <a:solidFill>
+            <a:srgbClr val="EDEDED"/>
+          </a:solidFill>
+        </p:spPr>
+      </p:pic>
+    </p:spTree>
+  </p:cSld>
+  <p:clrMapOvr>
+    <a:masterClrMapping/>
+  </p:clrMapOvr>
+  <mc:AlternateContent xmlns:mc="http://schemas.openxmlformats.org/markup-compatibility/2006">
+    <mc:Choice xmlns:p14="http://schemas.microsoft.com/office/powerpoint/2010/main" Requires="p14">
+      <p:transition spd="slow" p14:dur="2000"/>
+    </mc:Choice>
+    <mc:Fallback>
+      <p:transition spd="slow"/>
+    </mc:Fallback>
+  </mc:AlternateContent>
+  <p:timing>
+    <p:tnLst>
+      <p:par>
+        <p:cTn id="1" dur="indefinite" restart="never" nodeType="tmRoot"/>
+      </p:par>
+    </p:tnLst>
+  </p:timing>
+</p:sld>
+</file>
+
+<file path=ppt/slides/slide11.xml><?xml version="1.0" encoding="utf-8"?>
+<p:sld xmlns:a="http://schemas.openxmlformats.org/drawingml/2006/main" xmlns:r="http://schemas.openxmlformats.org/officeDocument/2006/relationships" xmlns:p="http://schemas.openxmlformats.org/presentationml/2006/main">
+  <p:cSld>
+    <p:spTree>
+      <p:nvGrpSpPr>
+        <p:cNvPr id="1" name=""/>
+        <p:cNvGrpSpPr/>
+        <p:nvPr/>
+      </p:nvGrpSpPr>
+      <p:grpSpPr>
+        <a:xfrm>
+          <a:off x="0" y="0"/>
+          <a:ext cx="0" cy="0"/>
+          <a:chOff x="0" y="0"/>
+          <a:chExt cx="0" cy="0"/>
+        </a:xfrm>
+      </p:grpSpPr>
+      <p:sp>
+        <p:nvSpPr>
+          <p:cNvPr id="27" name="Rect 0"/>
+          <p:cNvSpPr txBox="1">
+            <a:spLocks/>
+          </p:cNvSpPr>
+          <p:nvPr/>
+        </p:nvSpPr>
+        <p:spPr>
+          <a:xfrm rot="0">
+            <a:off x="4339590" y="407035"/>
+            <a:ext cx="3508375" cy="554990"/>
+          </a:xfrm>
+          <a:prstGeom prst="rect"/>
+          <a:noFill/>
+          <a:ln w="0">
+            <a:noFill/>
+            <a:prstDash/>
+          </a:ln>
+        </p:spPr>
+        <p:txBody>
+          <a:bodyPr wrap="square" lIns="89535" tIns="46355" rIns="89535" bIns="46355" numCol="1" vert="horz" anchor="t">
+            <a:spAutoFit/>
+          </a:bodyPr>
+          <a:lstStyle/>
+          <a:p>
+            <a:pPr marL="0" indent="0" algn="l" latinLnBrk="0" hangingPunct="1">
+              <a:buFontTx/>
+              <a:buNone/>
+            </a:pPr>
+            <a:r>
+              <a:rPr lang="ko-KR" sz="3000" b="1">
+                <a:latin typeface="맑은 고딕" charset="0"/>
+                <a:ea typeface="맑은 고딕" charset="0"/>
+              </a:rPr>
+              <a:t>열한</a:t>
+            </a:r>
+            <a:r>
+              <a:rPr lang="ko-KR" sz="3000" b="1">
+                <a:latin typeface="맑은 고딕" charset="0"/>
+                <a:ea typeface="맑은 고딕" charset="0"/>
+              </a:rPr>
+              <a:t> 번째 튜토리얼</a:t>
+            </a:r>
+            <a:endParaRPr lang="ko-KR" altLang="en-US" sz="3000" b="1">
+              <a:latin typeface="맑은 고딕" charset="0"/>
+              <a:ea typeface="맑은 고딕" charset="0"/>
+            </a:endParaRPr>
+          </a:p>
+        </p:txBody>
+      </p:sp>
+      <p:pic>
+        <p:nvPicPr>
+          <p:cNvPr id="50" name="그림 88" descr="C:/Users/Admin1/AppData/Roaming/PolarisOffice/ETemp/3516_17285360/fImage18012297491.png"/>
+          <p:cNvPicPr>
+            <a:picLocks noChangeAspect="1"/>
+          </p:cNvPicPr>
+          <p:nvPr/>
+        </p:nvPicPr>
+        <p:blipFill rotWithShape="1">
+          <a:blip r:embed="rId2" cstate="hqprint">
+            <a:extLst>
+              <a:ext uri="{28A0092B-C50C-407E-A947-70E740481C1C}">
+                <a14:useLocalDpi xmlns:a14="http://schemas.microsoft.com/office/drawing/2010/main"/>
+              </a:ext>
+            </a:extLst>
+          </a:blip>
+          <a:stretch>
+            <a:fillRect/>
+          </a:stretch>
+        </p:blipFill>
+        <p:spPr>
+          <a:xfrm rot="0">
+            <a:off x="1388110" y="1433830"/>
+            <a:ext cx="3990975" cy="1609090"/>
+          </a:xfrm>
+          <a:prstGeom prst="roundRect"/>
+          <a:solidFill>
+            <a:srgbClr val="EDEDED"/>
+          </a:solidFill>
+        </p:spPr>
+      </p:pic>
+      <p:sp>
+        <p:nvSpPr>
+          <p:cNvPr id="51" name="텍스트 상자 89"/>
+          <p:cNvSpPr txBox="1">
+            <a:spLocks/>
+          </p:cNvSpPr>
+          <p:nvPr/>
+        </p:nvSpPr>
+        <p:spPr>
+          <a:xfrm rot="0">
+            <a:off x="1372235" y="4144645"/>
+            <a:ext cx="3997960" cy="2031365"/>
+          </a:xfrm>
+          <a:prstGeom prst="rect"/>
+          <a:noFill/>
+          <a:ln w="0">
+            <a:noFill/>
+            <a:prstDash/>
+          </a:ln>
+        </p:spPr>
+        <p:txBody>
+          <a:bodyPr wrap="square" lIns="89535" tIns="46355" rIns="89535" bIns="46355" vert="horz" anchor="t">
+            <a:spAutoFit/>
+          </a:bodyPr>
+          <a:lstStyle/>
+          <a:p>
+            <a:pPr marL="0" indent="0" rtl="0" algn="l" defTabSz="914400" eaLnBrk="1" latinLnBrk="0" hangingPunct="1">
+              <a:buFontTx/>
+              <a:buNone/>
+            </a:pPr>
+            <a:r>
+              <a:rPr sz="1800" b="1">
+                <a:solidFill>
+                  <a:srgbClr val="0611F2"/>
+                </a:solidFill>
+                <a:latin typeface="맑은 고딕" charset="0"/>
+                <a:ea typeface="맑은 고딕" charset="0"/>
+              </a:rPr>
+              <a:t>24</a:t>
+            </a:r>
+            <a:r>
+              <a:rPr sz="1800" b="1">
+                <a:solidFill>
+                  <a:srgbClr val="0611F2"/>
+                </a:solidFill>
+                <a:latin typeface="맑은 고딕" charset="0"/>
+                <a:ea typeface="맑은 고딕" charset="0"/>
+              </a:rPr>
+              <a:t>.</a:t>
+            </a:r>
+            <a:r>
+              <a:rPr sz="1800">
+                <a:latin typeface="맑은 고딕" charset="0"/>
+                <a:ea typeface="맑은 고딕" charset="0"/>
+              </a:rPr>
+              <a:t> </a:t>
+            </a:r>
+            <a:r>
+              <a:rPr sz="1800">
+                <a:latin typeface="맑은 고딕" charset="0"/>
+                <a:ea typeface="맑은 고딕" charset="0"/>
+              </a:rPr>
+              <a:t>그</a:t>
+            </a:r>
+            <a:r>
+              <a:rPr lang="ko-KR" sz="1800">
+                <a:latin typeface="맑은 고딕" charset="0"/>
+                <a:ea typeface="맑은 고딕" charset="0"/>
+              </a:rPr>
+              <a:t>런 다음</a:t>
+            </a:r>
+            <a:r>
+              <a:rPr sz="1800">
+                <a:latin typeface="맑은 고딕" charset="0"/>
+                <a:ea typeface="맑은 고딕" charset="0"/>
+              </a:rPr>
+              <a:t> </a:t>
+            </a:r>
+            <a:r>
+              <a:rPr sz="1800">
+                <a:latin typeface="맑은 고딕" charset="0"/>
+                <a:ea typeface="맑은 고딕" charset="0"/>
+              </a:rPr>
+              <a:t>Photon Voice View 컴포넌트</a:t>
+            </a:r>
+            <a:r>
+              <a:rPr lang="ko-KR" sz="1800">
+                <a:latin typeface="맑은 고딕" charset="0"/>
+                <a:ea typeface="맑은 고딕" charset="0"/>
+              </a:rPr>
+              <a:t>에 </a:t>
+            </a:r>
+            <a:r>
+              <a:rPr sz="1800">
+                <a:latin typeface="맑은 고딕" charset="0"/>
+                <a:ea typeface="맑은 고딕" charset="0"/>
+              </a:rPr>
+              <a:t>Use Primary Recorder와 Setup Debug Speaker를 활성화</a:t>
+            </a:r>
+            <a:r>
+              <a:rPr sz="1800">
+                <a:latin typeface="맑은 고딕" charset="0"/>
+                <a:ea typeface="맑은 고딕" charset="0"/>
+              </a:rPr>
+              <a:t>합니</a:t>
+            </a:r>
+            <a:r>
+              <a:rPr lang="ko-KR" sz="1800">
+                <a:latin typeface="맑은 고딕" charset="0"/>
+                <a:ea typeface="맑은 고딕" charset="0"/>
+              </a:rPr>
+              <a:t>다.</a:t>
+            </a:r>
+            <a:endParaRPr lang="ko-KR" altLang="en-US" sz="1800">
+              <a:latin typeface="맑은 고딕" charset="0"/>
+              <a:ea typeface="맑은 고딕" charset="0"/>
+            </a:endParaRPr>
+          </a:p>
+          <a:p>
+            <a:pPr marL="0" indent="0" rtl="0" algn="l" defTabSz="914400" eaLnBrk="1" latinLnBrk="0" hangingPunct="1">
+              <a:buFontTx/>
+              <a:buNone/>
+            </a:pPr>
+            <a:endParaRPr lang="ko-KR" altLang="en-US" sz="1800">
+              <a:latin typeface="맑은 고딕" charset="0"/>
+              <a:ea typeface="맑은 고딕" charset="0"/>
+            </a:endParaRPr>
+          </a:p>
+          <a:p>
+            <a:pPr marL="0" indent="0" rtl="0" algn="l" defTabSz="914400" eaLnBrk="1" latinLnBrk="0" hangingPunct="1">
+              <a:buFontTx/>
+              <a:buNone/>
+            </a:pPr>
+            <a:r>
+              <a:rPr lang="ko-KR" sz="1800">
+                <a:latin typeface="맑은 고딕" charset="0"/>
+                <a:ea typeface="맑은 고딕" charset="0"/>
+              </a:rPr>
+              <a:t>그러면</a:t>
+            </a:r>
+            <a:r>
+              <a:rPr sz="1800">
+                <a:latin typeface="맑은 고딕" charset="0"/>
+                <a:ea typeface="맑은 고딕" charset="0"/>
+              </a:rPr>
+              <a:t> 음성 채팅</a:t>
+            </a:r>
+            <a:r>
+              <a:rPr lang="ko-KR" sz="1800">
+                <a:latin typeface="맑은 고딕" charset="0"/>
+                <a:ea typeface="맑은 고딕" charset="0"/>
+              </a:rPr>
+              <a:t>을 </a:t>
+            </a:r>
+            <a:r>
+              <a:rPr sz="1800">
+                <a:latin typeface="맑은 고딕" charset="0"/>
+                <a:ea typeface="맑은 고딕" charset="0"/>
+              </a:rPr>
+              <a:t>할 때 Speaker에 주파수가 나타나게 됩니다.</a:t>
+            </a:r>
+            <a:endParaRPr lang="ko-KR" altLang="en-US" sz="1800">
+              <a:latin typeface="맑은 고딕" charset="0"/>
+              <a:ea typeface="맑은 고딕" charset="0"/>
+            </a:endParaRPr>
+          </a:p>
+        </p:txBody>
+      </p:sp>
+      <p:pic>
+        <p:nvPicPr>
+          <p:cNvPr id="52" name="그림 90" descr="C:/Users/Admin1/AppData/Roaming/PolarisOffice/ETemp/3516_17285360/fImage29452992995.png"/>
+          <p:cNvPicPr>
+            <a:picLocks noChangeAspect="1"/>
+          </p:cNvPicPr>
+          <p:nvPr/>
+        </p:nvPicPr>
+        <p:blipFill rotWithShape="1">
+          <a:blip r:embed="rId3" cstate="hqprint">
+            <a:extLst>
+              <a:ext uri="{28A0092B-C50C-407E-A947-70E740481C1C}">
+                <a14:useLocalDpi xmlns:a14="http://schemas.microsoft.com/office/drawing/2010/main"/>
+              </a:ext>
+            </a:extLst>
+          </a:blip>
+          <a:stretch>
+            <a:fillRect/>
+          </a:stretch>
+        </p:blipFill>
+        <p:spPr>
+          <a:xfrm rot="0">
+            <a:off x="1389380" y="3225165"/>
+            <a:ext cx="3989705" cy="883920"/>
+          </a:xfrm>
+          <a:prstGeom prst="roundRect"/>
+          <a:solidFill>
+            <a:srgbClr val="EDEDED"/>
+          </a:solidFill>
+        </p:spPr>
+      </p:pic>
+      <p:pic>
+        <p:nvPicPr>
+          <p:cNvPr id="53" name="그림 91" descr="C:/Users/Admin1/AppData/Roaming/PolarisOffice/ETemp/3516_17285360/fImage59121764464.png"/>
+          <p:cNvPicPr>
+            <a:picLocks noChangeAspect="1"/>
+          </p:cNvPicPr>
+          <p:nvPr/>
+        </p:nvPicPr>
+        <p:blipFill rotWithShape="1">
+          <a:blip r:embed="rId4" cstate="hqprint">
+            <a:extLst>
+              <a:ext uri="{28A0092B-C50C-407E-A947-70E740481C1C}">
+                <a14:useLocalDpi xmlns:a14="http://schemas.microsoft.com/office/drawing/2010/main"/>
+              </a:ext>
+            </a:extLst>
+          </a:blip>
+          <a:stretch>
+            <a:fillRect/>
+          </a:stretch>
+        </p:blipFill>
+        <p:spPr>
+          <a:xfrm rot="0">
+            <a:off x="6816725" y="1438275"/>
+            <a:ext cx="4248785" cy="1222375"/>
+          </a:xfrm>
+          <a:prstGeom prst="roundRect"/>
+          <a:solidFill>
+            <a:srgbClr val="EDEDED"/>
+          </a:solidFill>
+        </p:spPr>
+      </p:pic>
+      <p:pic>
+        <p:nvPicPr>
+          <p:cNvPr id="54" name="그림 93" descr="C:/Users/Admin1/AppData/Roaming/PolarisOffice/ETemp/3516_17285360/fImage48473031942.png"/>
+          <p:cNvPicPr>
+            <a:picLocks noChangeAspect="1"/>
+          </p:cNvPicPr>
+          <p:nvPr/>
+        </p:nvPicPr>
+        <p:blipFill rotWithShape="1">
+          <a:blip r:embed="rId5" cstate="hqprint">
+            <a:extLst>
+              <a:ext uri="{28A0092B-C50C-407E-A947-70E740481C1C}">
+                <a14:useLocalDpi xmlns:a14="http://schemas.microsoft.com/office/drawing/2010/main"/>
+              </a:ext>
+            </a:extLst>
+          </a:blip>
+          <a:stretch>
+            <a:fillRect/>
+          </a:stretch>
+        </p:blipFill>
+        <p:spPr>
+          <a:xfrm rot="0">
+            <a:off x="6816725" y="2842895"/>
+            <a:ext cx="4248785" cy="1198245"/>
+          </a:xfrm>
+          <a:prstGeom prst="roundRect"/>
+          <a:solidFill>
+            <a:srgbClr val="EDEDED"/>
+          </a:solidFill>
+        </p:spPr>
+      </p:pic>
+      <p:sp>
+        <p:nvSpPr>
+          <p:cNvPr id="55" name="텍스트 상자 94"/>
+          <p:cNvSpPr txBox="1">
+            <a:spLocks/>
+          </p:cNvSpPr>
+          <p:nvPr/>
+        </p:nvSpPr>
+        <p:spPr>
+          <a:xfrm rot="0">
+            <a:off x="6824980" y="4148455"/>
+            <a:ext cx="4240530" cy="2031365"/>
+          </a:xfrm>
+          <a:prstGeom prst="rect"/>
+          <a:noFill/>
+          <a:ln w="0">
+            <a:noFill/>
+            <a:prstDash/>
+          </a:ln>
+        </p:spPr>
+        <p:txBody>
+          <a:bodyPr wrap="square" lIns="89535" tIns="46355" rIns="89535" bIns="46355" vert="horz" anchor="t">
+            <a:spAutoFit/>
+          </a:bodyPr>
+          <a:lstStyle/>
+          <a:p>
+            <a:pPr marL="0" indent="0" rtl="0" algn="l" defTabSz="914400" eaLnBrk="1" latinLnBrk="0" hangingPunct="1">
+              <a:buFontTx/>
+              <a:buNone/>
+            </a:pPr>
+            <a:r>
+              <a:rPr sz="1800" b="1">
+                <a:solidFill>
+                  <a:srgbClr val="0611F2"/>
+                </a:solidFill>
+                <a:latin typeface="맑은 고딕" charset="0"/>
+                <a:ea typeface="맑은 고딕" charset="0"/>
+              </a:rPr>
+              <a:t>25</a:t>
+            </a:r>
+            <a:r>
+              <a:rPr sz="1800" b="1">
+                <a:solidFill>
+                  <a:srgbClr val="0611F2"/>
+                </a:solidFill>
+                <a:latin typeface="맑은 고딕" charset="0"/>
+                <a:ea typeface="맑은 고딕" charset="0"/>
+              </a:rPr>
+              <a:t>.</a:t>
+            </a:r>
+            <a:r>
+              <a:rPr sz="1800">
+                <a:latin typeface="맑은 고딕" charset="0"/>
+                <a:ea typeface="맑은 고딕" charset="0"/>
+              </a:rPr>
+              <a:t> </a:t>
+            </a:r>
+            <a:r>
+              <a:rPr lang="ko-KR" sz="1800">
+                <a:latin typeface="맑은 고딕" charset="0"/>
+                <a:ea typeface="맑은 고딕" charset="0"/>
+              </a:rPr>
+              <a:t>그다음 Project 폴더에 있는 Resources 폴더에 Character 오브젝트를 선택한 다음</a:t>
+            </a:r>
+            <a:r>
+              <a:rPr sz="1800">
+                <a:latin typeface="맑은 고딕" charset="0"/>
+                <a:ea typeface="맑은 고딕" charset="0"/>
+              </a:rPr>
+              <a:t> </a:t>
+            </a:r>
+            <a:r>
+              <a:rPr lang="ko-KR" sz="1800">
+                <a:latin typeface="맑은 고딕" charset="0"/>
+                <a:ea typeface="맑은 고딕" charset="0"/>
+              </a:rPr>
+              <a:t>Speaker</a:t>
+            </a:r>
+            <a:r>
+              <a:rPr sz="1800">
+                <a:latin typeface="맑은 고딕" charset="0"/>
+                <a:ea typeface="맑은 고딕" charset="0"/>
+              </a:rPr>
+              <a:t> 컴포넌트를 </a:t>
+            </a:r>
+            <a:r>
+              <a:rPr lang="ko-KR" sz="1800">
+                <a:latin typeface="맑은 고딕" charset="0"/>
+                <a:ea typeface="맑은 고딕" charset="0"/>
+              </a:rPr>
+              <a:t>추가합니다.</a:t>
+            </a:r>
+            <a:endParaRPr lang="ko-KR" altLang="en-US" sz="1800">
+              <a:latin typeface="맑은 고딕" charset="0"/>
+              <a:ea typeface="맑은 고딕" charset="0"/>
+            </a:endParaRPr>
+          </a:p>
+          <a:p>
+            <a:pPr marL="0" indent="0" rtl="0" algn="l" defTabSz="914400" eaLnBrk="1" latinLnBrk="0" hangingPunct="1">
+              <a:buFontTx/>
+              <a:buNone/>
+            </a:pPr>
+            <a:endParaRPr lang="ko-KR" altLang="en-US" sz="1800">
+              <a:latin typeface="맑은 고딕" charset="0"/>
+              <a:ea typeface="맑은 고딕" charset="0"/>
+            </a:endParaRPr>
+          </a:p>
+          <a:p>
+            <a:pPr marL="0" indent="0" rtl="0" algn="l" defTabSz="914400" eaLnBrk="1" latinLnBrk="0" hangingPunct="1">
+              <a:buFontTx/>
+              <a:buNone/>
+            </a:pPr>
+            <a:r>
+              <a:rPr sz="1800">
+                <a:latin typeface="맑은 고딕" charset="0"/>
+                <a:ea typeface="맑은 고딕" charset="0"/>
+              </a:rPr>
+              <a:t>Speaker는 수신되는 오디오 스트림을 출력하는 컴포넌트입니다.</a:t>
+            </a:r>
+            <a:endParaRPr lang="ko-KR" altLang="en-US" sz="1800">
+              <a:latin typeface="맑은 고딕" charset="0"/>
+              <a:ea typeface="맑은 고딕" charset="0"/>
+            </a:endParaRPr>
+          </a:p>
+        </p:txBody>
+      </p:sp>
+    </p:spTree>
+  </p:cSld>
+  <p:clrMapOvr>
+    <a:masterClrMapping/>
+  </p:clrMapOvr>
+  <mc:AlternateContent xmlns:mc="http://schemas.openxmlformats.org/markup-compatibility/2006">
+    <mc:Choice xmlns:p14="http://schemas.microsoft.com/office/powerpoint/2010/main" Requires="p14">
+      <p:transition spd="slow" p14:dur="2000"/>
+    </mc:Choice>
+    <mc:Fallback>
+      <p:transition spd="slow"/>
+    </mc:Fallback>
+  </mc:AlternateContent>
+  <p:timing>
+    <p:tnLst>
+      <p:par>
+        <p:cTn id="1" dur="indefinite" restart="never" nodeType="tmRoot"/>
+      </p:par>
+    </p:tnLst>
+  </p:timing>
+</p:sld>
+</file>
+
+<file path=ppt/slides/slide12.xml><?xml version="1.0" encoding="utf-8"?>
+<p:sld xmlns:a="http://schemas.openxmlformats.org/drawingml/2006/main" xmlns:r="http://schemas.openxmlformats.org/officeDocument/2006/relationships" xmlns:p="http://schemas.openxmlformats.org/presentationml/2006/main">
+  <p:cSld>
+    <p:spTree>
+      <p:nvGrpSpPr>
+        <p:cNvPr id="1" name=""/>
+        <p:cNvGrpSpPr/>
+        <p:nvPr/>
+      </p:nvGrpSpPr>
+      <p:grpSpPr>
+        <a:xfrm>
+          <a:off x="0" y="0"/>
+          <a:ext cx="0" cy="0"/>
+          <a:chOff x="0" y="0"/>
+          <a:chExt cx="0" cy="0"/>
+        </a:xfrm>
+      </p:grpSpPr>
+      <p:sp>
+        <p:nvSpPr>
+          <p:cNvPr id="27" name="Rect 0"/>
+          <p:cNvSpPr txBox="1">
+            <a:spLocks/>
+          </p:cNvSpPr>
+          <p:nvPr/>
+        </p:nvSpPr>
+        <p:spPr>
+          <a:xfrm rot="0">
+            <a:off x="4339590" y="407035"/>
+            <a:ext cx="3508375" cy="554990"/>
+          </a:xfrm>
+          <a:prstGeom prst="rect"/>
+          <a:noFill/>
+          <a:ln w="0">
+            <a:noFill/>
+            <a:prstDash/>
+          </a:ln>
+        </p:spPr>
+        <p:txBody>
+          <a:bodyPr wrap="square" lIns="89535" tIns="46355" rIns="89535" bIns="46355" numCol="1" vert="horz" anchor="t">
+            <a:spAutoFit/>
+          </a:bodyPr>
+          <a:lstStyle/>
+          <a:p>
+            <a:pPr marL="0" indent="0" algn="l" latinLnBrk="0" hangingPunct="1">
+              <a:buFontTx/>
+              <a:buNone/>
+            </a:pPr>
+            <a:r>
+              <a:rPr lang="ko-KR" sz="3000" b="1">
+                <a:latin typeface="맑은 고딕" charset="0"/>
+                <a:ea typeface="맑은 고딕" charset="0"/>
+              </a:rPr>
+              <a:t>열두</a:t>
+            </a:r>
+            <a:r>
+              <a:rPr lang="ko-KR" sz="3000" b="1">
+                <a:latin typeface="맑은 고딕" charset="0"/>
+                <a:ea typeface="맑은 고딕" charset="0"/>
+              </a:rPr>
+              <a:t> 번째 튜토리얼</a:t>
+            </a:r>
+            <a:endParaRPr lang="ko-KR" altLang="en-US" sz="3000" b="1">
+              <a:latin typeface="맑은 고딕" charset="0"/>
+              <a:ea typeface="맑은 고딕" charset="0"/>
+            </a:endParaRPr>
+          </a:p>
+        </p:txBody>
+      </p:sp>
+      <p:pic>
+        <p:nvPicPr>
+          <p:cNvPr id="57" name="그림 97" descr="C:/Users/Admin1/AppData/Roaming/PolarisOffice/ETemp/3516_17285360/fImage180123184827.png"/>
+          <p:cNvPicPr>
+            <a:picLocks noChangeAspect="1"/>
+          </p:cNvPicPr>
+          <p:nvPr/>
+        </p:nvPicPr>
+        <p:blipFill rotWithShape="1">
+          <a:blip r:embed="rId2" cstate="hqprint">
+            <a:extLst>
+              <a:ext uri="{28A0092B-C50C-407E-A947-70E740481C1C}">
+                <a14:useLocalDpi xmlns:a14="http://schemas.microsoft.com/office/drawing/2010/main"/>
+              </a:ext>
+            </a:extLst>
+          </a:blip>
+          <a:stretch>
+            <a:fillRect/>
+          </a:stretch>
+        </p:blipFill>
+        <p:spPr>
+          <a:xfrm rot="0">
+            <a:off x="1222375" y="3034030"/>
+            <a:ext cx="4224020" cy="1198880"/>
+          </a:xfrm>
+          <a:prstGeom prst="roundRect"/>
+          <a:solidFill>
+            <a:srgbClr val="EDEDED"/>
+          </a:solidFill>
+        </p:spPr>
+      </p:pic>
+      <p:sp>
+        <p:nvSpPr>
+          <p:cNvPr id="59" name="텍스트 상자 99"/>
+          <p:cNvSpPr txBox="1">
+            <a:spLocks/>
+          </p:cNvSpPr>
+          <p:nvPr/>
+        </p:nvSpPr>
+        <p:spPr>
+          <a:xfrm rot="0">
+            <a:off x="1210310" y="4444365"/>
+            <a:ext cx="4244340" cy="1754505"/>
+          </a:xfrm>
+          <a:prstGeom prst="rect"/>
+          <a:noFill/>
+          <a:ln w="0">
+            <a:noFill/>
+            <a:prstDash/>
+          </a:ln>
+        </p:spPr>
+        <p:txBody>
+          <a:bodyPr wrap="square" lIns="89535" tIns="46355" rIns="89535" bIns="46355" vert="horz" anchor="t">
+            <a:spAutoFit/>
+          </a:bodyPr>
+          <a:lstStyle/>
+          <a:p>
+            <a:pPr marL="0" indent="0" rtl="0" algn="l" defTabSz="914400" eaLnBrk="1" latinLnBrk="0" hangingPunct="1">
+              <a:buFontTx/>
+              <a:buNone/>
+            </a:pPr>
+            <a:r>
+              <a:rPr sz="1800" b="1">
+                <a:solidFill>
+                  <a:srgbClr val="0611F2"/>
+                </a:solidFill>
+                <a:latin typeface="맑은 고딕" charset="0"/>
+                <a:ea typeface="맑은 고딕" charset="0"/>
+              </a:rPr>
+              <a:t>26</a:t>
+            </a:r>
+            <a:r>
+              <a:rPr sz="1800" b="1">
+                <a:solidFill>
+                  <a:srgbClr val="0611F2"/>
+                </a:solidFill>
+                <a:latin typeface="맑은 고딕" charset="0"/>
+                <a:ea typeface="맑은 고딕" charset="0"/>
+              </a:rPr>
+              <a:t>.</a:t>
+            </a:r>
+            <a:r>
+              <a:rPr sz="1800">
+                <a:latin typeface="맑은 고딕" charset="0"/>
+                <a:ea typeface="맑은 고딕" charset="0"/>
+              </a:rPr>
+              <a:t> 마지막으로 Character 오브젝트</a:t>
+            </a:r>
+            <a:r>
+              <a:rPr lang="ko-KR" sz="1800">
+                <a:latin typeface="맑은 고딕" charset="0"/>
+                <a:ea typeface="맑은 고딕" charset="0"/>
+              </a:rPr>
+              <a:t>를 선택합니다.</a:t>
+            </a:r>
+            <a:endParaRPr lang="ko-KR" altLang="en-US" sz="1800">
+              <a:latin typeface="맑은 고딕" charset="0"/>
+              <a:ea typeface="맑은 고딕" charset="0"/>
+            </a:endParaRPr>
+          </a:p>
+          <a:p>
+            <a:pPr marL="0" indent="0" rtl="0" algn="l" defTabSz="914400" eaLnBrk="1" latinLnBrk="0" hangingPunct="1">
+              <a:buFontTx/>
+              <a:buNone/>
+            </a:pPr>
+            <a:endParaRPr lang="ko-KR" altLang="en-US" sz="1800">
+              <a:latin typeface="맑은 고딕" charset="0"/>
+              <a:ea typeface="맑은 고딕" charset="0"/>
+            </a:endParaRPr>
+          </a:p>
+          <a:p>
+            <a:pPr marL="0" indent="0" rtl="0" algn="l" defTabSz="914400" eaLnBrk="1" latinLnBrk="0" hangingPunct="1">
+              <a:buFontTx/>
+              <a:buNone/>
+            </a:pPr>
+            <a:r>
+              <a:rPr lang="ko-KR" sz="1800">
+                <a:latin typeface="맑은 고딕" charset="0"/>
+                <a:ea typeface="맑은 고딕" charset="0"/>
+              </a:rPr>
+              <a:t>그리고</a:t>
+            </a:r>
+            <a:r>
+              <a:rPr sz="1800">
+                <a:latin typeface="맑은 고딕" charset="0"/>
+                <a:ea typeface="맑은 고딕" charset="0"/>
+              </a:rPr>
+              <a:t> Photon Voice View</a:t>
+            </a:r>
+            <a:r>
+              <a:rPr sz="1800">
+                <a:latin typeface="맑은 고딕" charset="0"/>
+                <a:ea typeface="맑은 고딕" charset="0"/>
+              </a:rPr>
+              <a:t> 컴포넌트</a:t>
+            </a:r>
+            <a:r>
+              <a:rPr lang="ko-KR" sz="1800">
+                <a:latin typeface="맑은 고딕" charset="0"/>
+                <a:ea typeface="맑은 고딕" charset="0"/>
+              </a:rPr>
+              <a:t>에 있는 </a:t>
+            </a:r>
+            <a:r>
+              <a:rPr sz="1800">
+                <a:latin typeface="맑은 고딕" charset="0"/>
+                <a:ea typeface="맑은 고딕" charset="0"/>
+              </a:rPr>
+              <a:t>Speaker In Use에 </a:t>
+            </a:r>
+            <a:r>
+              <a:rPr lang="ko-KR" sz="1800">
+                <a:latin typeface="맑은 고딕" charset="0"/>
+                <a:ea typeface="맑은 고딕" charset="0"/>
+              </a:rPr>
+              <a:t>Character 오브젝트를 넣어줍니다.</a:t>
+            </a:r>
+            <a:endParaRPr lang="ko-KR" altLang="en-US" sz="1800">
+              <a:latin typeface="맑은 고딕" charset="0"/>
+              <a:ea typeface="맑은 고딕" charset="0"/>
+            </a:endParaRPr>
+          </a:p>
+        </p:txBody>
+      </p:sp>
+      <p:pic>
+        <p:nvPicPr>
+          <p:cNvPr id="60" name="그림 104" descr="C:/Users/Admin1/AppData/Roaming/PolarisOffice/ETemp/3516_17285360/fImage59121764464.png"/>
+          <p:cNvPicPr>
+            <a:picLocks noChangeAspect="1"/>
+          </p:cNvPicPr>
+          <p:nvPr/>
+        </p:nvPicPr>
+        <p:blipFill rotWithShape="1">
+          <a:blip r:embed="rId3" cstate="hqprint">
+            <a:extLst>
+              <a:ext uri="{28A0092B-C50C-407E-A947-70E740481C1C}">
+                <a14:useLocalDpi xmlns:a14="http://schemas.microsoft.com/office/drawing/2010/main"/>
+              </a:ext>
+            </a:extLst>
+          </a:blip>
+          <a:stretch>
+            <a:fillRect/>
+          </a:stretch>
+        </p:blipFill>
+        <p:spPr>
+          <a:xfrm rot="0">
+            <a:off x="1219200" y="1396365"/>
+            <a:ext cx="4226560" cy="1386205"/>
+          </a:xfrm>
+          <a:prstGeom prst="roundRect"/>
+          <a:solidFill>
+            <a:srgbClr val="EDEDED"/>
+          </a:solidFill>
+        </p:spPr>
+      </p:pic>
+      <p:cxnSp>
+        <p:nvCxnSpPr>
+          <p:cNvPr id="58" name="도형 98"/>
+          <p:cNvCxnSpPr/>
+          <p:nvPr/>
+        </p:nvCxnSpPr>
+        <p:spPr>
+          <a:xfrm rot="0">
+            <a:off x="2502535" y="2743200"/>
+            <a:ext cx="2801620" cy="948690"/>
+          </a:xfrm>
+          <a:prstGeom prst="straightConnector1"/>
+          <a:ln w="6350" cap="flat" cmpd="sng">
+            <a:prstDash/>
+            <a:tailEnd type="triangle" w="med" len="med"/>
+          </a:ln>
+        </p:spPr>
+        <p:style>
+          <a:lnRef idx="1">
+            <a:schemeClr val="accent1"/>
+          </a:lnRef>
+          <a:fillRef idx="0">
+            <a:schemeClr val="accent1"/>
+          </a:fillRef>
+          <a:effectRef idx="0">
+            <a:schemeClr val="accent1"/>
+          </a:effectRef>
+          <a:fontRef idx="minor">
+            <a:schemeClr val="tx1"/>
+          </a:fontRef>
+        </p:style>
+      </p:cxnSp>
+      <p:pic>
+        <p:nvPicPr>
+          <p:cNvPr id="61" name="그림 105" descr="C:/Users/Admin1/AppData/Roaming/PolarisOffice/ETemp/3516_17285360/fImage89153225436.png"/>
+          <p:cNvPicPr>
+            <a:picLocks noChangeAspect="1"/>
+          </p:cNvPicPr>
+          <p:nvPr/>
+        </p:nvPicPr>
+        <p:blipFill rotWithShape="1">
+          <a:blip r:embed="rId4" cstate="print">
+            <a:extLst>
+              <a:ext uri="{28A0092B-C50C-407E-A947-70E740481C1C}">
+                <a14:useLocalDpi xmlns:a14="http://schemas.microsoft.com/office/drawing/2010/main" val="0"/>
+              </a:ext>
+            </a:extLst>
+          </a:blip>
+          <a:stretch>
+            <a:fillRect/>
+          </a:stretch>
+        </p:blipFill>
+        <p:spPr>
+          <a:xfrm rot="0">
+            <a:off x="6808470" y="2464435"/>
+            <a:ext cx="4248785" cy="1515110"/>
+          </a:xfrm>
+          <a:prstGeom prst="roundRect"/>
+          <a:solidFill>
+            <a:srgbClr val="EDEDED"/>
+          </a:solidFill>
+        </p:spPr>
+      </p:pic>
+      <p:pic>
+        <p:nvPicPr>
+          <p:cNvPr id="62" name="그림 108" descr="C:/Users/Admin1/AppData/Roaming/PolarisOffice/ETemp/3516_17285360/fImage43503232391.png"/>
+          <p:cNvPicPr>
+            <a:picLocks noChangeAspect="1"/>
+          </p:cNvPicPr>
+          <p:nvPr/>
+        </p:nvPicPr>
+        <p:blipFill rotWithShape="1">
+          <a:blip r:embed="rId5" cstate="print">
+            <a:extLst>
+              <a:ext uri="{28A0092B-C50C-407E-A947-70E740481C1C}">
+                <a14:useLocalDpi xmlns:a14="http://schemas.microsoft.com/office/drawing/2010/main" val="0"/>
+              </a:ext>
+            </a:extLst>
+          </a:blip>
+          <a:stretch>
+            <a:fillRect/>
+          </a:stretch>
+        </p:blipFill>
+        <p:spPr>
+          <a:xfrm rot="0">
+            <a:off x="6800215" y="1396365"/>
+            <a:ext cx="4257040" cy="873760"/>
+          </a:xfrm>
+          <a:prstGeom prst="roundRect"/>
+          <a:solidFill>
+            <a:srgbClr val="EDEDED"/>
+          </a:solidFill>
+        </p:spPr>
+      </p:pic>
+      <p:sp>
+        <p:nvSpPr>
+          <p:cNvPr id="63" name="텍스트 상자 111"/>
+          <p:cNvSpPr txBox="1">
+            <a:spLocks/>
+          </p:cNvSpPr>
+          <p:nvPr/>
+        </p:nvSpPr>
+        <p:spPr>
+          <a:xfrm rot="0">
+            <a:off x="6818630" y="4166870"/>
+            <a:ext cx="4244340" cy="2031365"/>
+          </a:xfrm>
+          <a:prstGeom prst="rect"/>
+          <a:noFill/>
+          <a:ln w="0">
+            <a:noFill/>
+            <a:prstDash/>
+          </a:ln>
+        </p:spPr>
+        <p:txBody>
+          <a:bodyPr wrap="square" lIns="89535" tIns="46355" rIns="89535" bIns="46355" vert="horz" anchor="t">
+            <a:spAutoFit/>
+          </a:bodyPr>
+          <a:lstStyle/>
+          <a:p>
+            <a:pPr marL="0" indent="0" rtl="0" algn="l" defTabSz="914400" eaLnBrk="1" latinLnBrk="0" hangingPunct="1">
+              <a:buFontTx/>
+              <a:buNone/>
+            </a:pPr>
+            <a:r>
+              <a:rPr sz="1800" b="1">
+                <a:solidFill>
+                  <a:srgbClr val="0611F2"/>
+                </a:solidFill>
+                <a:latin typeface="맑은 고딕" charset="0"/>
+                <a:ea typeface="맑은 고딕" charset="0"/>
+              </a:rPr>
+              <a:t>2</a:t>
+            </a:r>
+            <a:r>
+              <a:rPr lang="ko-KR" sz="1800" b="1">
+                <a:solidFill>
+                  <a:srgbClr val="0611F2"/>
+                </a:solidFill>
+                <a:latin typeface="맑은 고딕" charset="0"/>
+                <a:ea typeface="맑은 고딕" charset="0"/>
+              </a:rPr>
+              <a:t>7</a:t>
+            </a:r>
+            <a:r>
+              <a:rPr sz="1800" b="1">
+                <a:solidFill>
+                  <a:srgbClr val="0611F2"/>
+                </a:solidFill>
+                <a:latin typeface="맑은 고딕" charset="0"/>
+                <a:ea typeface="맑은 고딕" charset="0"/>
+              </a:rPr>
+              <a:t>.</a:t>
+            </a:r>
+            <a:r>
+              <a:rPr sz="1800">
+                <a:latin typeface="맑은 고딕" charset="0"/>
+                <a:ea typeface="맑은 고딕" charset="0"/>
+              </a:rPr>
+              <a:t> </a:t>
+            </a:r>
+            <a:r>
+              <a:rPr sz="1800">
+                <a:latin typeface="맑은 고딕" charset="0"/>
+                <a:ea typeface="맑은 고딕" charset="0"/>
+              </a:rPr>
+              <a:t>그</a:t>
+            </a:r>
+            <a:r>
+              <a:rPr lang="ko-KR" sz="1800">
+                <a:latin typeface="맑은 고딕" charset="0"/>
+                <a:ea typeface="맑은 고딕" charset="0"/>
+              </a:rPr>
+              <a:t>런 다음 Character를 선택하고 Prefab 씬에서 PhotonControl 스크립트에 있는 Speed와 Angle Speed를 넣어줍니다. </a:t>
+            </a:r>
+            <a:endParaRPr lang="ko-KR" altLang="en-US" sz="1800">
+              <a:latin typeface="맑은 고딕" charset="0"/>
+              <a:ea typeface="맑은 고딕" charset="0"/>
+            </a:endParaRPr>
+          </a:p>
+          <a:p>
+            <a:pPr marL="0" indent="0" rtl="0" algn="l" defTabSz="914400" eaLnBrk="1" latinLnBrk="0" hangingPunct="1">
+              <a:buFontTx/>
+              <a:buNone/>
+            </a:pPr>
+            <a:endParaRPr lang="ko-KR" altLang="en-US" sz="1800">
+              <a:latin typeface="맑은 고딕" charset="0"/>
+              <a:ea typeface="맑은 고딕" charset="0"/>
+            </a:endParaRPr>
+          </a:p>
+          <a:p>
+            <a:pPr marL="0" indent="0" rtl="0" algn="l" defTabSz="914400" eaLnBrk="1" latinLnBrk="0" hangingPunct="1">
+              <a:buFontTx/>
+              <a:buNone/>
+            </a:pPr>
+            <a:r>
+              <a:rPr lang="ko-KR" sz="1800">
+                <a:latin typeface="맑은 고딕" charset="0"/>
+                <a:ea typeface="맑은 고딕" charset="0"/>
+              </a:rPr>
+              <a:t>그다음 Character 오브젝트 하위에 있는 Camera 오브젝트를 넣어줍니다.</a:t>
+            </a:r>
+            <a:endParaRPr lang="ko-KR" altLang="en-US" sz="1800">
+              <a:latin typeface="맑은 고딕" charset="0"/>
+              <a:ea typeface="맑은 고딕" charset="0"/>
+            </a:endParaRPr>
+          </a:p>
+        </p:txBody>
+      </p:sp>
+      <p:cxnSp>
+        <p:nvCxnSpPr>
+          <p:cNvPr id="64" name="도형 112"/>
+          <p:cNvCxnSpPr/>
+          <p:nvPr/>
+        </p:nvCxnSpPr>
+        <p:spPr>
+          <a:xfrm rot="0">
+            <a:off x="7948930" y="2243455"/>
+            <a:ext cx="2941955" cy="1513840"/>
+          </a:xfrm>
+          <a:prstGeom prst="straightConnector1"/>
+          <a:ln w="6350" cap="flat" cmpd="sng">
+            <a:prstDash/>
+            <a:headEnd type="none" w="med" len="med"/>
+            <a:tailEnd type="triangle" w="med" len="med"/>
+          </a:ln>
+        </p:spPr>
+        <p:style>
+          <a:lnRef idx="1">
+            <a:schemeClr val="accent1"/>
+          </a:lnRef>
+          <a:fillRef idx="0">
+            <a:schemeClr val="accent1"/>
+          </a:fillRef>
+          <a:effectRef idx="0">
+            <a:schemeClr val="accent1"/>
+          </a:effectRef>
+          <a:fontRef idx="minor">
+            <a:schemeClr val="tx1"/>
+          </a:fontRef>
+        </p:style>
+      </p:cxnSp>
+    </p:spTree>
+  </p:cSld>
+  <p:clrMapOvr>
+    <a:masterClrMapping/>
+  </p:clrMapOvr>
+  <mc:AlternateContent xmlns:mc="http://schemas.openxmlformats.org/markup-compatibility/2006">
+    <mc:Choice xmlns:p14="http://schemas.microsoft.com/office/powerpoint/2010/main" Requires="p14">
+      <p:transition spd="slow" p14:dur="2000"/>
+    </mc:Choice>
+    <mc:Fallback>
+      <p:transition spd="slow"/>
+    </mc:Fallback>
+  </mc:AlternateContent>
+  <p:timing>
+    <p:tnLst>
+      <p:par>
+        <p:cTn id="1" dur="indefinite" restart="never" nodeType="tmRoot"/>
+      </p:par>
+    </p:tnLst>
+  </p:timing>
+</p:sld>
+</file>
+
 <file path=ppt/slides/slide2.xml><?xml version="1.0" encoding="utf-8"?>
 <p:sld xmlns:a="http://schemas.openxmlformats.org/drawingml/2006/main" xmlns:r="http://schemas.openxmlformats.org/officeDocument/2006/relationships" xmlns:p="http://schemas.openxmlformats.org/presentationml/2006/main" xmlns:p14="http://schemas.microsoft.com/office/powerpoint/2010/main">
   <p:cSld>
@@ -7862,7 +10242,7 @@
 </file>
 
 <file path=ppt/slides/slide4.xml><?xml version="1.0" encoding="utf-8"?>
-<p:sld xmlns:a="http://schemas.openxmlformats.org/drawingml/2006/main" xmlns:r="http://schemas.openxmlformats.org/officeDocument/2006/relationships" xmlns:p="http://schemas.openxmlformats.org/presentationml/2006/main">
+<p:sld xmlns:a="http://schemas.openxmlformats.org/drawingml/2006/main" xmlns:r="http://schemas.openxmlformats.org/officeDocument/2006/relationships" xmlns:p="http://schemas.openxmlformats.org/presentationml/2006/main" xmlns:p14="http://schemas.microsoft.com/office/powerpoint/2010/main">
   <p:cSld>
     <p:spTree>
       <p:nvGrpSpPr>
@@ -8147,7 +10527,7 @@
       </p:sp>
       <p:pic>
         <p:nvPicPr>
-          <p:cNvPr id="44" name="그림 1" descr="C:/Users/Admin1/AppData/Roaming/PolarisOffice/ETemp/16592_14860312/fImage440915341.png"/>
+          <p:cNvPr id="44" name="그림 1"/>
           <p:cNvPicPr>
             <a:picLocks noChangeAspect="1"/>
           </p:cNvPicPr>
@@ -8176,7 +10556,7 @@
       </p:pic>
       <p:pic>
         <p:nvPicPr>
-          <p:cNvPr id="45" name="그림 6" descr="C:/Users/Admin1/AppData/Roaming/PolarisOffice/ETemp/16592_14860312/fImage85511548467.png"/>
+          <p:cNvPr id="45" name="그림 6"/>
           <p:cNvPicPr>
             <a:picLocks noChangeAspect="1"/>
           </p:cNvPicPr>
@@ -8227,7 +10607,7 @@
 </file>
 
 <file path=ppt/slides/slide5.xml><?xml version="1.0" encoding="utf-8"?>
-<p:sld xmlns:a="http://schemas.openxmlformats.org/drawingml/2006/main" xmlns:r="http://schemas.openxmlformats.org/officeDocument/2006/relationships" xmlns:p="http://schemas.openxmlformats.org/presentationml/2006/main">
+<p:sld xmlns:a="http://schemas.openxmlformats.org/drawingml/2006/main" xmlns:r="http://schemas.openxmlformats.org/officeDocument/2006/relationships" xmlns:p="http://schemas.openxmlformats.org/presentationml/2006/main" xmlns:p14="http://schemas.microsoft.com/office/powerpoint/2010/main">
   <p:cSld>
     <p:spTree>
       <p:nvGrpSpPr>
@@ -8387,7 +10767,7 @@
       </p:sp>
       <p:pic>
         <p:nvPicPr>
-          <p:cNvPr id="46" name="그림 9" descr="C:/Users/Admin1/AppData/Roaming/PolarisOffice/ETemp/16592_14860312/fImage120891656334.png"/>
+          <p:cNvPr id="46" name="그림 9"/>
           <p:cNvPicPr>
             <a:picLocks noChangeAspect="1"/>
           </p:cNvPicPr>
@@ -8416,7 +10796,7 @@
       </p:pic>
       <p:pic>
         <p:nvPicPr>
-          <p:cNvPr id="47" name="그림 11" descr="C:/Users/Admin1/AppData/Roaming/PolarisOffice/ETemp/16592_14860312/fImage47071666500.png"/>
+          <p:cNvPr id="47" name="그림 11"/>
           <p:cNvPicPr>
             <a:picLocks noChangeAspect="1"/>
           </p:cNvPicPr>
@@ -8447,7 +10827,7 @@
       </p:pic>
       <p:pic>
         <p:nvPicPr>
-          <p:cNvPr id="48" name="그림 15" descr="C:/Users/Admin1/AppData/Roaming/PolarisOffice/ETemp/16592_14860312/fImage330251699169.png"/>
+          <p:cNvPr id="48" name="그림 15"/>
           <p:cNvPicPr>
             <a:picLocks noChangeAspect="1"/>
           </p:cNvPicPr>
@@ -8478,7 +10858,7 @@
       </p:pic>
       <p:pic>
         <p:nvPicPr>
-          <p:cNvPr id="49" name="그림 16" descr="C:/Users/Admin1/AppData/Roaming/PolarisOffice/ETemp/16592_14860312/fImage56051705724.png"/>
+          <p:cNvPr id="49" name="그림 16"/>
           <p:cNvPicPr>
             <a:picLocks noChangeAspect="1"/>
           </p:cNvPicPr>
@@ -8656,7 +11036,7 @@
 </file>
 
 <file path=ppt/slides/slide6.xml><?xml version="1.0" encoding="utf-8"?>
-<p:sld xmlns:a="http://schemas.openxmlformats.org/drawingml/2006/main" xmlns:r="http://schemas.openxmlformats.org/officeDocument/2006/relationships" xmlns:p="http://schemas.openxmlformats.org/presentationml/2006/main">
+<p:sld xmlns:a="http://schemas.openxmlformats.org/drawingml/2006/main" xmlns:r="http://schemas.openxmlformats.org/officeDocument/2006/relationships" xmlns:p="http://schemas.openxmlformats.org/presentationml/2006/main" xmlns:p14="http://schemas.microsoft.com/office/powerpoint/2010/main">
   <p:cSld>
     <p:spTree>
       <p:nvGrpSpPr>
@@ -8816,7 +11196,7 @@
       </p:sp>
       <p:pic>
         <p:nvPicPr>
-          <p:cNvPr id="52" name="그림 22" descr="C:/Users/Admin1/AppData/Roaming/PolarisOffice/ETemp/16592_14860312/fImage61771851478.png"/>
+          <p:cNvPr id="52" name="그림 22"/>
           <p:cNvPicPr>
             <a:picLocks noChangeAspect="1"/>
           </p:cNvPicPr>
@@ -8845,7 +11225,7 @@
       </p:pic>
       <p:pic>
         <p:nvPicPr>
-          <p:cNvPr id="53" name="그림 23" descr="C:/Users/Admin1/AppData/Roaming/PolarisOffice/ETemp/16592_14860312/fImage276691869358.png"/>
+          <p:cNvPr id="53" name="그림 23"/>
           <p:cNvPicPr>
             <a:picLocks noChangeAspect="1"/>
           </p:cNvPicPr>
@@ -8876,7 +11256,7 @@
       </p:pic>
       <p:pic>
         <p:nvPicPr>
-          <p:cNvPr id="54" name="그림 26" descr="C:/Users/Admin1/AppData/Roaming/PolarisOffice/ETemp/16592_14860312/fImage48111876962.png"/>
+          <p:cNvPr id="54" name="그림 26"/>
           <p:cNvPicPr>
             <a:picLocks noChangeAspect="1"/>
           </p:cNvPicPr>
@@ -9028,6 +11408,1702 @@
           </a:fontRef>
         </p:style>
       </p:cxnSp>
+    </p:spTree>
+  </p:cSld>
+  <p:clrMapOvr>
+    <a:masterClrMapping/>
+  </p:clrMapOvr>
+  <mc:AlternateContent xmlns:mc="http://schemas.openxmlformats.org/markup-compatibility/2006">
+    <mc:Choice xmlns:p14="http://schemas.microsoft.com/office/powerpoint/2010/main" Requires="p14">
+      <p:transition spd="slow" p14:dur="2000"/>
+    </mc:Choice>
+    <mc:Fallback>
+      <p:transition spd="slow"/>
+    </mc:Fallback>
+  </mc:AlternateContent>
+  <p:timing>
+    <p:tnLst>
+      <p:par>
+        <p:cTn id="1" dur="indefinite" restart="never" nodeType="tmRoot"/>
+      </p:par>
+    </p:tnLst>
+  </p:timing>
+</p:sld>
+</file>
+
+<file path=ppt/slides/slide7.xml><?xml version="1.0" encoding="utf-8"?>
+<p:sld xmlns:a="http://schemas.openxmlformats.org/drawingml/2006/main" xmlns:r="http://schemas.openxmlformats.org/officeDocument/2006/relationships" xmlns:p="http://schemas.openxmlformats.org/presentationml/2006/main">
+  <p:cSld>
+    <p:spTree>
+      <p:nvGrpSpPr>
+        <p:cNvPr id="1" name=""/>
+        <p:cNvGrpSpPr/>
+        <p:nvPr/>
+      </p:nvGrpSpPr>
+      <p:grpSpPr>
+        <a:xfrm>
+          <a:off x="0" y="0"/>
+          <a:ext cx="0" cy="0"/>
+          <a:chOff x="0" y="0"/>
+          <a:chExt cx="0" cy="0"/>
+        </a:xfrm>
+      </p:grpSpPr>
+      <p:sp>
+        <p:nvSpPr>
+          <p:cNvPr id="27" name="Rect 0"/>
+          <p:cNvSpPr txBox="1">
+            <a:spLocks/>
+          </p:cNvSpPr>
+          <p:nvPr/>
+        </p:nvSpPr>
+        <p:spPr>
+          <a:xfrm rot="0">
+            <a:off x="4350385" y="390525"/>
+            <a:ext cx="3504565" cy="554990"/>
+          </a:xfrm>
+          <a:prstGeom prst="rect"/>
+          <a:noFill/>
+          <a:ln w="0">
+            <a:noFill/>
+            <a:prstDash/>
+          </a:ln>
+        </p:spPr>
+        <p:txBody>
+          <a:bodyPr wrap="square" lIns="89535" tIns="46355" rIns="89535" bIns="46355" numCol="1" vert="horz" anchor="t">
+            <a:spAutoFit/>
+          </a:bodyPr>
+          <a:lstStyle/>
+          <a:p>
+            <a:pPr marL="0" indent="0" algn="l" latinLnBrk="0" hangingPunct="1">
+              <a:buFontTx/>
+              <a:buNone/>
+            </a:pPr>
+            <a:r>
+              <a:rPr lang="ko-KR" sz="3000" b="1">
+                <a:latin typeface="맑은 고딕" charset="0"/>
+                <a:ea typeface="맑은 고딕" charset="0"/>
+              </a:rPr>
+              <a:t>일곱</a:t>
+            </a:r>
+            <a:r>
+              <a:rPr lang="ko-KR" sz="3000" b="1">
+                <a:latin typeface="맑은 고딕" charset="0"/>
+                <a:ea typeface="맑은 고딕" charset="0"/>
+              </a:rPr>
+              <a:t> 번째 튜토리얼</a:t>
+            </a:r>
+            <a:endParaRPr lang="ko-KR" altLang="en-US" sz="3000" b="1">
+              <a:latin typeface="맑은 고딕" charset="0"/>
+              <a:ea typeface="맑은 고딕" charset="0"/>
+            </a:endParaRPr>
+          </a:p>
+        </p:txBody>
+      </p:sp>
+      <p:sp>
+        <p:nvSpPr>
+          <p:cNvPr id="28" name="텍스트 상자 13"/>
+          <p:cNvSpPr txBox="1">
+            <a:spLocks/>
+          </p:cNvSpPr>
+          <p:nvPr/>
+        </p:nvSpPr>
+        <p:spPr>
+          <a:xfrm rot="0">
+            <a:off x="6899275" y="2674620"/>
+            <a:ext cx="4149725" cy="647065"/>
+          </a:xfrm>
+          <a:prstGeom prst="rect"/>
+          <a:noFill/>
+          <a:ln w="0">
+            <a:noFill/>
+            <a:prstDash/>
+          </a:ln>
+        </p:spPr>
+        <p:txBody>
+          <a:bodyPr wrap="square" lIns="89535" tIns="46355" rIns="89535" bIns="46355" vert="horz" anchor="t">
+            <a:spAutoFit/>
+          </a:bodyPr>
+          <a:lstStyle/>
+          <a:p>
+            <a:pPr marL="0" indent="0" rtl="0" algn="l" defTabSz="914400" eaLnBrk="1" latinLnBrk="0" hangingPunct="1">
+              <a:buFontTx/>
+              <a:buNone/>
+            </a:pPr>
+            <a:r>
+              <a:rPr sz="1800" b="1">
+                <a:solidFill>
+                  <a:srgbClr val="0611F2"/>
+                </a:solidFill>
+                <a:latin typeface="맑은 고딕" charset="0"/>
+                <a:ea typeface="맑은 고딕" charset="0"/>
+              </a:rPr>
+              <a:t>1</a:t>
+            </a:r>
+            <a:r>
+              <a:rPr lang="ko-KR" sz="1800" b="1">
+                <a:solidFill>
+                  <a:srgbClr val="0611F2"/>
+                </a:solidFill>
+                <a:latin typeface="맑은 고딕" charset="0"/>
+                <a:ea typeface="맑은 고딕" charset="0"/>
+              </a:rPr>
+              <a:t>6</a:t>
+            </a:r>
+            <a:r>
+              <a:rPr sz="1800" b="1">
+                <a:solidFill>
+                  <a:srgbClr val="0611F2"/>
+                </a:solidFill>
+                <a:latin typeface="맑은 고딕" charset="0"/>
+                <a:ea typeface="맑은 고딕" charset="0"/>
+              </a:rPr>
+              <a:t>.</a:t>
+            </a:r>
+            <a:r>
+              <a:rPr sz="1800">
+                <a:latin typeface="맑은 고딕" charset="0"/>
+                <a:ea typeface="맑은 고딕" charset="0"/>
+              </a:rPr>
+              <a:t> </a:t>
+            </a:r>
+            <a:r>
+              <a:rPr sz="1800">
+                <a:latin typeface="맑은 고딕" charset="0"/>
+                <a:ea typeface="맑은 고딕" charset="0"/>
+              </a:rPr>
+              <a:t>그</a:t>
+            </a:r>
+            <a:r>
+              <a:rPr lang="ko-KR" sz="1800">
+                <a:latin typeface="맑은 고딕" charset="0"/>
+                <a:ea typeface="맑은 고딕" charset="0"/>
+              </a:rPr>
+              <a:t>런 다음</a:t>
+            </a:r>
+            <a:r>
+              <a:rPr sz="1800">
+                <a:latin typeface="맑은 고딕" charset="0"/>
+                <a:ea typeface="맑은 고딕" charset="0"/>
+              </a:rPr>
+              <a:t> 포톤 사이트에서 </a:t>
+            </a:r>
+            <a:r>
+              <a:rPr lang="ko-KR" sz="1800">
+                <a:latin typeface="맑은 고딕" charset="0"/>
+                <a:ea typeface="맑은 고딕" charset="0"/>
+              </a:rPr>
+              <a:t>새 어플리케이션 만들기를</a:t>
+            </a:r>
+            <a:r>
+              <a:rPr sz="1800">
+                <a:latin typeface="맑은 고딕" charset="0"/>
+                <a:ea typeface="맑은 고딕" charset="0"/>
+              </a:rPr>
+              <a:t> </a:t>
+            </a:r>
+            <a:r>
+              <a:rPr sz="1800">
+                <a:latin typeface="맑은 고딕" charset="0"/>
+                <a:ea typeface="맑은 고딕" charset="0"/>
+              </a:rPr>
+              <a:t>선</a:t>
+            </a:r>
+            <a:r>
+              <a:rPr lang="ko-KR" sz="1800">
+                <a:latin typeface="맑은 고딕" charset="0"/>
+                <a:ea typeface="맑은 고딕" charset="0"/>
+              </a:rPr>
+              <a:t>택</a:t>
+            </a:r>
+            <a:r>
+              <a:rPr sz="1800">
+                <a:latin typeface="맑은 고딕" charset="0"/>
+                <a:ea typeface="맑은 고딕" charset="0"/>
+              </a:rPr>
+              <a:t>합니</a:t>
+            </a:r>
+            <a:r>
+              <a:rPr lang="ko-KR" sz="1800">
+                <a:latin typeface="맑은 고딕" charset="0"/>
+                <a:ea typeface="맑은 고딕" charset="0"/>
+              </a:rPr>
+              <a:t>다.</a:t>
+            </a:r>
+            <a:endParaRPr lang="ko-KR" altLang="en-US" sz="1800">
+              <a:latin typeface="맑은 고딕" charset="0"/>
+              <a:ea typeface="맑은 고딕" charset="0"/>
+            </a:endParaRPr>
+          </a:p>
+        </p:txBody>
+      </p:sp>
+      <p:pic>
+        <p:nvPicPr>
+          <p:cNvPr id="29" name="그림 14" descr="C:/Users/Admin1/AppData/Roaming/PolarisOffice/ETemp/3516_17285360/fImage2556320341.png"/>
+          <p:cNvPicPr>
+            <a:picLocks noChangeAspect="1"/>
+          </p:cNvPicPr>
+          <p:nvPr/>
+        </p:nvPicPr>
+        <p:blipFill rotWithShape="1">
+          <a:blip r:embed="rId2" cstate="hqprint">
+            <a:extLst>
+              <a:ext uri="{28A0092B-C50C-407E-A947-70E740481C1C}">
+                <a14:useLocalDpi xmlns:a14="http://schemas.microsoft.com/office/drawing/2010/main"/>
+              </a:ext>
+            </a:extLst>
+          </a:blip>
+          <a:stretch>
+            <a:fillRect/>
+          </a:stretch>
+        </p:blipFill>
+        <p:spPr>
+          <a:xfrm rot="0">
+            <a:off x="6901180" y="1403350"/>
+            <a:ext cx="4156075" cy="1176655"/>
+          </a:xfrm>
+          <a:prstGeom prst="roundRect"/>
+          <a:solidFill>
+            <a:srgbClr val="EDEDED"/>
+          </a:solidFill>
+        </p:spPr>
+      </p:pic>
+      <p:pic>
+        <p:nvPicPr>
+          <p:cNvPr id="30" name="그림 23" descr="C:/Users/Admin1/AppData/Roaming/PolarisOffice/ETemp/3516_17285360/fImage201172098467.png"/>
+          <p:cNvPicPr>
+            <a:picLocks noChangeAspect="1"/>
+          </p:cNvPicPr>
+          <p:nvPr/>
+        </p:nvPicPr>
+        <p:blipFill rotWithShape="1">
+          <a:blip r:embed="rId3" cstate="hqprint">
+            <a:extLst>
+              <a:ext uri="{28A0092B-C50C-407E-A947-70E740481C1C}">
+                <a14:useLocalDpi xmlns:a14="http://schemas.microsoft.com/office/drawing/2010/main"/>
+              </a:ext>
+            </a:extLst>
+          </a:blip>
+          <a:stretch>
+            <a:fillRect/>
+          </a:stretch>
+        </p:blipFill>
+        <p:spPr>
+          <a:xfrm rot="0">
+            <a:off x="6898640" y="3470910"/>
+            <a:ext cx="4152265" cy="1725295"/>
+          </a:xfrm>
+          <a:prstGeom prst="rect"/>
+          <a:noFill/>
+        </p:spPr>
+      </p:pic>
+      <p:sp>
+        <p:nvSpPr>
+          <p:cNvPr id="31" name="텍스트 상자 26"/>
+          <p:cNvSpPr txBox="1">
+            <a:spLocks/>
+          </p:cNvSpPr>
+          <p:nvPr/>
+        </p:nvSpPr>
+        <p:spPr>
+          <a:xfrm rot="0">
+            <a:off x="6908165" y="5318760"/>
+            <a:ext cx="4142105" cy="923925"/>
+          </a:xfrm>
+          <a:prstGeom prst="rect"/>
+          <a:noFill/>
+          <a:ln w="0">
+            <a:noFill/>
+            <a:prstDash/>
+          </a:ln>
+        </p:spPr>
+        <p:txBody>
+          <a:bodyPr wrap="square" lIns="89535" tIns="46355" rIns="89535" bIns="46355" vert="horz" anchor="t">
+            <a:spAutoFit/>
+          </a:bodyPr>
+          <a:lstStyle/>
+          <a:p>
+            <a:pPr marL="0" indent="0" rtl="0" algn="l" defTabSz="914400" eaLnBrk="1" latinLnBrk="0" hangingPunct="1">
+              <a:buFontTx/>
+              <a:buNone/>
+            </a:pPr>
+            <a:r>
+              <a:rPr sz="1800" b="1">
+                <a:solidFill>
+                  <a:srgbClr val="0611F2"/>
+                </a:solidFill>
+                <a:latin typeface="맑은 고딕" charset="0"/>
+                <a:ea typeface="맑은 고딕" charset="0"/>
+              </a:rPr>
+              <a:t>1</a:t>
+            </a:r>
+            <a:r>
+              <a:rPr lang="ko-KR" sz="1800" b="1">
+                <a:solidFill>
+                  <a:srgbClr val="0611F2"/>
+                </a:solidFill>
+                <a:latin typeface="맑은 고딕" charset="0"/>
+                <a:ea typeface="맑은 고딕" charset="0"/>
+              </a:rPr>
+              <a:t>7</a:t>
+            </a:r>
+            <a:r>
+              <a:rPr sz="1800" b="1">
+                <a:solidFill>
+                  <a:srgbClr val="0611F2"/>
+                </a:solidFill>
+                <a:latin typeface="맑은 고딕" charset="0"/>
+                <a:ea typeface="맑은 고딕" charset="0"/>
+              </a:rPr>
+              <a:t>.</a:t>
+            </a:r>
+            <a:r>
+              <a:rPr sz="1800">
+                <a:latin typeface="맑은 고딕" charset="0"/>
+                <a:ea typeface="맑은 고딕" charset="0"/>
+              </a:rPr>
+              <a:t> </a:t>
+            </a:r>
+            <a:r>
+              <a:rPr sz="1800">
+                <a:latin typeface="맑은 고딕" charset="0"/>
+                <a:ea typeface="맑은 고딕" charset="0"/>
+              </a:rPr>
+              <a:t>그</a:t>
+            </a:r>
+            <a:r>
+              <a:rPr lang="ko-KR" sz="1800">
+                <a:latin typeface="맑은 고딕" charset="0"/>
+                <a:ea typeface="맑은 고딕" charset="0"/>
+              </a:rPr>
+              <a:t>다음으로</a:t>
+            </a:r>
+            <a:r>
+              <a:rPr sz="1800">
+                <a:latin typeface="맑은 고딕" charset="0"/>
+                <a:ea typeface="맑은 고딕" charset="0"/>
+              </a:rPr>
+              <a:t> </a:t>
+            </a:r>
+            <a:r>
+              <a:rPr sz="1800">
+                <a:latin typeface="맑은 고딕" charset="0"/>
+                <a:ea typeface="맑은 고딕" charset="0"/>
+              </a:rPr>
+              <a:t>Photon 종류</a:t>
+            </a:r>
+            <a:r>
+              <a:rPr lang="ko-KR" sz="1800">
+                <a:latin typeface="맑은 고딕" charset="0"/>
+                <a:ea typeface="맑은 고딕" charset="0"/>
+              </a:rPr>
+              <a:t>를 Voice로 선택하고 이름을 정의한 다음 작성하기를 선택합니다.</a:t>
+            </a:r>
+            <a:endParaRPr lang="ko-KR" altLang="en-US" sz="1800">
+              <a:latin typeface="맑은 고딕" charset="0"/>
+              <a:ea typeface="맑은 고딕" charset="0"/>
+            </a:endParaRPr>
+          </a:p>
+        </p:txBody>
+      </p:sp>
+      <p:pic>
+        <p:nvPicPr>
+          <p:cNvPr id="32" name="그림 29" descr="C:/Users/Admin1/AppData/Roaming/PolarisOffice/ETemp/3516_17285360/fImage57462116334.png"/>
+          <p:cNvPicPr>
+            <a:picLocks noChangeAspect="1"/>
+          </p:cNvPicPr>
+          <p:nvPr/>
+        </p:nvPicPr>
+        <p:blipFill rotWithShape="1">
+          <a:blip r:embed="rId4" cstate="print">
+            <a:extLst>
+              <a:ext uri="{28A0092B-C50C-407E-A947-70E740481C1C}">
+                <a14:useLocalDpi xmlns:a14="http://schemas.microsoft.com/office/drawing/2010/main" val="0"/>
+              </a:ext>
+            </a:extLst>
+          </a:blip>
+          <a:stretch>
+            <a:fillRect/>
+          </a:stretch>
+        </p:blipFill>
+        <p:spPr>
+          <a:xfrm rot="0">
+            <a:off x="3745230" y="1417955"/>
+            <a:ext cx="1643380" cy="1733550"/>
+          </a:xfrm>
+          <a:prstGeom prst="roundRect"/>
+          <a:solidFill>
+            <a:srgbClr val="EDEDED"/>
+          </a:solidFill>
+        </p:spPr>
+      </p:pic>
+      <p:pic>
+        <p:nvPicPr>
+          <p:cNvPr id="33" name="그림 31" descr="C:/Users/Admin1/AppData/Roaming/PolarisOffice/ETemp/3516_17285360/fImage330252146500.png"/>
+          <p:cNvPicPr>
+            <a:picLocks noChangeAspect="1"/>
+          </p:cNvPicPr>
+          <p:nvPr/>
+        </p:nvPicPr>
+        <p:blipFill rotWithShape="1">
+          <a:blip r:embed="rId5" cstate="hqprint">
+            <a:extLst>
+              <a:ext uri="{28A0092B-C50C-407E-A947-70E740481C1C}">
+                <a14:useLocalDpi xmlns:a14="http://schemas.microsoft.com/office/drawing/2010/main"/>
+              </a:ext>
+            </a:extLst>
+          </a:blip>
+          <a:stretch>
+            <a:fillRect/>
+          </a:stretch>
+        </p:blipFill>
+        <p:spPr>
+          <a:xfrm rot="0">
+            <a:off x="1258570" y="1417320"/>
+            <a:ext cx="2339975" cy="1725295"/>
+          </a:xfrm>
+          <a:prstGeom prst="roundRect"/>
+          <a:solidFill>
+            <a:srgbClr val="EDEDED"/>
+          </a:solidFill>
+        </p:spPr>
+      </p:pic>
+      <p:sp>
+        <p:nvSpPr>
+          <p:cNvPr id="34" name="텍스트 상자 36"/>
+          <p:cNvSpPr txBox="1">
+            <a:spLocks/>
+          </p:cNvSpPr>
+          <p:nvPr/>
+        </p:nvSpPr>
+        <p:spPr>
+          <a:xfrm rot="0">
+            <a:off x="1257300" y="4480560"/>
+            <a:ext cx="4130040" cy="1754505"/>
+          </a:xfrm>
+          <a:prstGeom prst="rect"/>
+          <a:noFill/>
+          <a:ln w="0">
+            <a:noFill/>
+            <a:prstDash/>
+          </a:ln>
+        </p:spPr>
+        <p:txBody>
+          <a:bodyPr wrap="square" lIns="89535" tIns="46355" rIns="89535" bIns="46355" vert="horz" anchor="t">
+            <a:spAutoFit/>
+          </a:bodyPr>
+          <a:lstStyle/>
+          <a:p>
+            <a:pPr marL="0" indent="0" rtl="0" algn="l" defTabSz="914400" eaLnBrk="1" latinLnBrk="0" hangingPunct="1">
+              <a:buFontTx/>
+              <a:buNone/>
+            </a:pPr>
+            <a:r>
+              <a:rPr sz="1800" b="1">
+                <a:solidFill>
+                  <a:srgbClr val="0611F2"/>
+                </a:solidFill>
+                <a:latin typeface="맑은 고딕" charset="0"/>
+                <a:ea typeface="맑은 고딕" charset="0"/>
+              </a:rPr>
+              <a:t>1</a:t>
+            </a:r>
+            <a:r>
+              <a:rPr sz="1800" b="1">
+                <a:solidFill>
+                  <a:srgbClr val="0611F2"/>
+                </a:solidFill>
+                <a:latin typeface="맑은 고딕" charset="0"/>
+                <a:ea typeface="맑은 고딕" charset="0"/>
+              </a:rPr>
+              <a:t>5</a:t>
+            </a:r>
+            <a:r>
+              <a:rPr sz="1800" b="1">
+                <a:solidFill>
+                  <a:srgbClr val="0611F2"/>
+                </a:solidFill>
+                <a:latin typeface="맑은 고딕" charset="0"/>
+                <a:ea typeface="맑은 고딕" charset="0"/>
+              </a:rPr>
+              <a:t>.</a:t>
+            </a:r>
+            <a:r>
+              <a:rPr sz="1800">
+                <a:latin typeface="맑은 고딕" charset="0"/>
+                <a:ea typeface="맑은 고딕" charset="0"/>
+              </a:rPr>
+              <a:t> </a:t>
+            </a:r>
+            <a:r>
+              <a:rPr sz="1800">
+                <a:latin typeface="맑은 고딕" charset="0"/>
+                <a:ea typeface="맑은 고딕" charset="0"/>
+              </a:rPr>
+              <a:t>그리</a:t>
+            </a:r>
+            <a:r>
+              <a:rPr lang="ko-KR" sz="1800">
+                <a:latin typeface="맑은 고딕" charset="0"/>
+                <a:ea typeface="맑은 고딕" charset="0"/>
+              </a:rPr>
+              <a:t>고</a:t>
+            </a:r>
+            <a:r>
+              <a:rPr sz="1800">
+                <a:latin typeface="맑은 고딕" charset="0"/>
+                <a:ea typeface="맑은 고딕" charset="0"/>
+              </a:rPr>
+              <a:t> </a:t>
+            </a:r>
+            <a:r>
+              <a:rPr lang="ko-KR" sz="1800">
+                <a:latin typeface="맑은 고딕" charset="0"/>
+                <a:ea typeface="맑은 고딕" charset="0"/>
+              </a:rPr>
+              <a:t>빈 게임 오브젝트를 생성하고 Network Voice Manager라는 이름으로 정의합니다.</a:t>
+            </a:r>
+            <a:endParaRPr lang="ko-KR" altLang="en-US" sz="1800">
+              <a:latin typeface="맑은 고딕" charset="0"/>
+              <a:ea typeface="맑은 고딕" charset="0"/>
+            </a:endParaRPr>
+          </a:p>
+          <a:p>
+            <a:pPr marL="0" indent="0" rtl="0" algn="l" defTabSz="914400" eaLnBrk="1" latinLnBrk="0" hangingPunct="1">
+              <a:buFontTx/>
+              <a:buNone/>
+            </a:pPr>
+            <a:endParaRPr lang="ko-KR" altLang="en-US" sz="1800">
+              <a:latin typeface="맑은 고딕" charset="0"/>
+              <a:ea typeface="맑은 고딕" charset="0"/>
+            </a:endParaRPr>
+          </a:p>
+          <a:p>
+            <a:pPr marL="0" indent="0" rtl="0" algn="l" defTabSz="914400" eaLnBrk="1" latinLnBrk="0" hangingPunct="1">
+              <a:buFontTx/>
+              <a:buNone/>
+            </a:pPr>
+            <a:r>
+              <a:rPr lang="ko-KR" sz="1800">
+                <a:latin typeface="맑은 고딕" charset="0"/>
+                <a:ea typeface="맑은 고딕" charset="0"/>
+              </a:rPr>
+              <a:t>그다음 Photon Voice Network 컴포넌트를 추가합니다.</a:t>
+            </a:r>
+            <a:endParaRPr lang="ko-KR" altLang="en-US" sz="1800">
+              <a:latin typeface="맑은 고딕" charset="0"/>
+              <a:ea typeface="맑은 고딕" charset="0"/>
+            </a:endParaRPr>
+          </a:p>
+        </p:txBody>
+      </p:sp>
+      <p:pic>
+        <p:nvPicPr>
+          <p:cNvPr id="36" name="그림 45" descr="C:/Users/Admin1/AppData/Roaming/PolarisOffice/ETemp/3516_17285360/fImage57722359169.png"/>
+          <p:cNvPicPr>
+            <a:picLocks noChangeAspect="1"/>
+          </p:cNvPicPr>
+          <p:nvPr/>
+        </p:nvPicPr>
+        <p:blipFill rotWithShape="1">
+          <a:blip r:embed="rId6" cstate="hqprint">
+            <a:extLst>
+              <a:ext uri="{28A0092B-C50C-407E-A947-70E740481C1C}">
+                <a14:useLocalDpi xmlns:a14="http://schemas.microsoft.com/office/drawing/2010/main"/>
+              </a:ext>
+            </a:extLst>
+          </a:blip>
+          <a:stretch>
+            <a:fillRect/>
+          </a:stretch>
+        </p:blipFill>
+        <p:spPr>
+          <a:xfrm rot="0">
+            <a:off x="1263650" y="3291840"/>
+            <a:ext cx="4131310" cy="1040130"/>
+          </a:xfrm>
+          <a:prstGeom prst="roundRect"/>
+          <a:solidFill>
+            <a:srgbClr val="EDEDED"/>
+          </a:solidFill>
+        </p:spPr>
+      </p:pic>
+    </p:spTree>
+  </p:cSld>
+  <p:clrMapOvr>
+    <a:masterClrMapping/>
+  </p:clrMapOvr>
+  <mc:AlternateContent xmlns:mc="http://schemas.openxmlformats.org/markup-compatibility/2006">
+    <mc:Choice xmlns:p14="http://schemas.microsoft.com/office/powerpoint/2010/main" Requires="p14">
+      <p:transition spd="slow" p14:dur="2000"/>
+    </mc:Choice>
+    <mc:Fallback>
+      <p:transition spd="slow"/>
+    </mc:Fallback>
+  </mc:AlternateContent>
+  <p:timing>
+    <p:tnLst>
+      <p:par>
+        <p:cTn id="1" dur="indefinite" restart="never" nodeType="tmRoot"/>
+      </p:par>
+    </p:tnLst>
+  </p:timing>
+</p:sld>
+</file>
+
+<file path=ppt/slides/slide8.xml><?xml version="1.0" encoding="utf-8"?>
+<p:sld xmlns:a="http://schemas.openxmlformats.org/drawingml/2006/main" xmlns:r="http://schemas.openxmlformats.org/officeDocument/2006/relationships" xmlns:p="http://schemas.openxmlformats.org/presentationml/2006/main">
+  <p:cSld>
+    <p:spTree>
+      <p:nvGrpSpPr>
+        <p:cNvPr id="1" name=""/>
+        <p:cNvGrpSpPr/>
+        <p:nvPr/>
+      </p:nvGrpSpPr>
+      <p:grpSpPr>
+        <a:xfrm>
+          <a:off x="0" y="0"/>
+          <a:ext cx="0" cy="0"/>
+          <a:chOff x="0" y="0"/>
+          <a:chExt cx="0" cy="0"/>
+        </a:xfrm>
+      </p:grpSpPr>
+      <p:sp>
+        <p:nvSpPr>
+          <p:cNvPr id="27" name="Rect 0"/>
+          <p:cNvSpPr txBox="1">
+            <a:spLocks/>
+          </p:cNvSpPr>
+          <p:nvPr/>
+        </p:nvSpPr>
+        <p:spPr>
+          <a:xfrm rot="0">
+            <a:off x="4350385" y="390525"/>
+            <a:ext cx="3504565" cy="554990"/>
+          </a:xfrm>
+          <a:prstGeom prst="rect"/>
+          <a:noFill/>
+          <a:ln w="0">
+            <a:noFill/>
+            <a:prstDash/>
+          </a:ln>
+        </p:spPr>
+        <p:txBody>
+          <a:bodyPr wrap="square" lIns="89535" tIns="46355" rIns="89535" bIns="46355" numCol="1" vert="horz" anchor="t">
+            <a:spAutoFit/>
+          </a:bodyPr>
+          <a:lstStyle/>
+          <a:p>
+            <a:pPr marL="0" indent="0" algn="l" latinLnBrk="0" hangingPunct="1">
+              <a:buFontTx/>
+              <a:buNone/>
+            </a:pPr>
+            <a:r>
+              <a:rPr lang="ko-KR" sz="3000" b="1">
+                <a:latin typeface="맑은 고딕" charset="0"/>
+                <a:ea typeface="맑은 고딕" charset="0"/>
+              </a:rPr>
+              <a:t>여덟</a:t>
+            </a:r>
+            <a:r>
+              <a:rPr lang="ko-KR" sz="3000" b="1">
+                <a:latin typeface="맑은 고딕" charset="0"/>
+                <a:ea typeface="맑은 고딕" charset="0"/>
+              </a:rPr>
+              <a:t> 번째 튜토리얼</a:t>
+            </a:r>
+            <a:endParaRPr lang="ko-KR" altLang="en-US" sz="3000" b="1">
+              <a:latin typeface="맑은 고딕" charset="0"/>
+              <a:ea typeface="맑은 고딕" charset="0"/>
+            </a:endParaRPr>
+          </a:p>
+        </p:txBody>
+      </p:sp>
+      <p:sp>
+        <p:nvSpPr>
+          <p:cNvPr id="28" name="Rect 0"/>
+          <p:cNvSpPr txBox="1">
+            <a:spLocks/>
+          </p:cNvSpPr>
+          <p:nvPr/>
+        </p:nvSpPr>
+        <p:spPr>
+          <a:xfrm rot="0">
+            <a:off x="1254125" y="4678680"/>
+            <a:ext cx="4117340" cy="1477645"/>
+          </a:xfrm>
+          <a:prstGeom prst="rect"/>
+          <a:noFill/>
+          <a:ln w="0">
+            <a:noFill/>
+            <a:prstDash/>
+          </a:ln>
+        </p:spPr>
+        <p:txBody>
+          <a:bodyPr wrap="square" lIns="89535" tIns="46355" rIns="89535" bIns="46355" vert="horz" anchor="t">
+            <a:spAutoFit/>
+          </a:bodyPr>
+          <a:lstStyle/>
+          <a:p>
+            <a:pPr marL="0" indent="0" rtl="0" algn="l" defTabSz="914400" eaLnBrk="1" latinLnBrk="0" hangingPunct="1">
+              <a:buFontTx/>
+              <a:buNone/>
+            </a:pPr>
+            <a:r>
+              <a:rPr sz="1800" b="1">
+                <a:solidFill>
+                  <a:srgbClr val="0611F2"/>
+                </a:solidFill>
+                <a:latin typeface="맑은 고딕" charset="0"/>
+                <a:ea typeface="맑은 고딕" charset="0"/>
+              </a:rPr>
+              <a:t>1</a:t>
+            </a:r>
+            <a:r>
+              <a:rPr lang="ko-KR" sz="1800" b="1">
+                <a:solidFill>
+                  <a:srgbClr val="0611F2"/>
+                </a:solidFill>
+                <a:latin typeface="맑은 고딕" charset="0"/>
+                <a:ea typeface="맑은 고딕" charset="0"/>
+              </a:rPr>
+              <a:t>8</a:t>
+            </a:r>
+            <a:r>
+              <a:rPr sz="1800" b="1">
+                <a:solidFill>
+                  <a:srgbClr val="0611F2"/>
+                </a:solidFill>
+                <a:latin typeface="맑은 고딕" charset="0"/>
+                <a:ea typeface="맑은 고딕" charset="0"/>
+              </a:rPr>
+              <a:t>.</a:t>
+            </a:r>
+            <a:r>
+              <a:rPr sz="1800">
+                <a:latin typeface="맑은 고딕" charset="0"/>
+                <a:ea typeface="맑은 고딕" charset="0"/>
+              </a:rPr>
+              <a:t> </a:t>
+            </a:r>
+            <a:r>
+              <a:rPr sz="1800">
+                <a:latin typeface="맑은 고딕" charset="0"/>
+                <a:ea typeface="맑은 고딕" charset="0"/>
+              </a:rPr>
+              <a:t>이</a:t>
+            </a:r>
+            <a:r>
+              <a:rPr lang="ko-KR" sz="1800">
+                <a:latin typeface="맑은 고딕" charset="0"/>
+                <a:ea typeface="맑은 고딕" charset="0"/>
+              </a:rPr>
+              <a:t>제</a:t>
+            </a:r>
+            <a:r>
+              <a:rPr sz="1800">
+                <a:latin typeface="맑은 고딕" charset="0"/>
+                <a:ea typeface="맑은 고딕" charset="0"/>
+              </a:rPr>
+              <a:t> Window에서 Photon Unity Networking을 선택합니다.</a:t>
+            </a:r>
+            <a:endParaRPr lang="ko-KR" altLang="en-US" sz="1800">
+              <a:latin typeface="맑은 고딕" charset="0"/>
+              <a:ea typeface="맑은 고딕" charset="0"/>
+            </a:endParaRPr>
+          </a:p>
+          <a:p>
+            <a:pPr marL="0" indent="0" rtl="0" algn="l" defTabSz="914400" eaLnBrk="1" latinLnBrk="0" hangingPunct="1">
+              <a:buFontTx/>
+              <a:buNone/>
+            </a:pPr>
+            <a:endParaRPr lang="ko-KR" altLang="en-US" sz="1800">
+              <a:latin typeface="맑은 고딕" charset="0"/>
+              <a:ea typeface="맑은 고딕" charset="0"/>
+            </a:endParaRPr>
+          </a:p>
+          <a:p>
+            <a:pPr marL="0" indent="0" rtl="0" algn="l" defTabSz="914400" eaLnBrk="1" latinLnBrk="0" hangingPunct="1">
+              <a:buFontTx/>
+              <a:buNone/>
+            </a:pPr>
+            <a:r>
+              <a:rPr sz="1800">
+                <a:latin typeface="맑은 고딕" charset="0"/>
+                <a:ea typeface="맑은 고딕" charset="0"/>
+              </a:rPr>
+              <a:t>그다음 Highlight Server Settings를 선택합니다.</a:t>
+            </a:r>
+            <a:endParaRPr lang="ko-KR" altLang="en-US" sz="1800">
+              <a:latin typeface="맑은 고딕" charset="0"/>
+              <a:ea typeface="맑은 고딕" charset="0"/>
+            </a:endParaRPr>
+          </a:p>
+        </p:txBody>
+      </p:sp>
+      <p:sp>
+        <p:nvSpPr>
+          <p:cNvPr id="31" name="Rect 0"/>
+          <p:cNvSpPr txBox="1">
+            <a:spLocks/>
+          </p:cNvSpPr>
+          <p:nvPr/>
+        </p:nvSpPr>
+        <p:spPr>
+          <a:xfrm rot="0">
+            <a:off x="6808470" y="3197225"/>
+            <a:ext cx="4257040" cy="647065"/>
+          </a:xfrm>
+          <a:prstGeom prst="rect"/>
+          <a:noFill/>
+          <a:ln w="0">
+            <a:noFill/>
+            <a:prstDash/>
+          </a:ln>
+        </p:spPr>
+        <p:txBody>
+          <a:bodyPr wrap="square" lIns="89535" tIns="46355" rIns="89535" bIns="46355" vert="horz" anchor="t">
+            <a:spAutoFit/>
+          </a:bodyPr>
+          <a:lstStyle/>
+          <a:p>
+            <a:pPr marL="0" indent="0" rtl="0" algn="l" defTabSz="914400" eaLnBrk="1" latinLnBrk="0" hangingPunct="1">
+              <a:buFontTx/>
+              <a:buNone/>
+            </a:pPr>
+            <a:r>
+              <a:rPr sz="1800" b="1">
+                <a:solidFill>
+                  <a:srgbClr val="0611F2"/>
+                </a:solidFill>
+                <a:latin typeface="맑은 고딕" charset="0"/>
+                <a:ea typeface="맑은 고딕" charset="0"/>
+              </a:rPr>
+              <a:t>1</a:t>
+            </a:r>
+            <a:r>
+              <a:rPr lang="ko-KR" sz="1800" b="1">
+                <a:solidFill>
+                  <a:srgbClr val="0611F2"/>
+                </a:solidFill>
+                <a:latin typeface="맑은 고딕" charset="0"/>
+                <a:ea typeface="맑은 고딕" charset="0"/>
+              </a:rPr>
+              <a:t>9</a:t>
+            </a:r>
+            <a:r>
+              <a:rPr sz="1800" b="1">
+                <a:solidFill>
+                  <a:srgbClr val="0611F2"/>
+                </a:solidFill>
+                <a:latin typeface="맑은 고딕" charset="0"/>
+                <a:ea typeface="맑은 고딕" charset="0"/>
+              </a:rPr>
+              <a:t>.</a:t>
+            </a:r>
+            <a:r>
+              <a:rPr sz="1800">
+                <a:latin typeface="맑은 고딕" charset="0"/>
+                <a:ea typeface="맑은 고딕" charset="0"/>
+              </a:rPr>
+              <a:t> </a:t>
+            </a:r>
+            <a:r>
+              <a:rPr sz="1800">
+                <a:latin typeface="맑은 고딕" charset="0"/>
+                <a:ea typeface="맑은 고딕" charset="0"/>
+              </a:rPr>
+              <a:t>그</a:t>
+            </a:r>
+            <a:r>
+              <a:rPr lang="ko-KR" sz="1800">
+                <a:latin typeface="맑은 고딕" charset="0"/>
+                <a:ea typeface="맑은 고딕" charset="0"/>
+              </a:rPr>
+              <a:t>런 다음</a:t>
+            </a:r>
+            <a:r>
+              <a:rPr sz="1800">
+                <a:latin typeface="맑은 고딕" charset="0"/>
+                <a:ea typeface="맑은 고딕" charset="0"/>
+              </a:rPr>
+              <a:t> 포톤 클라우드 설정에서 보이스 앱 ID를 넣어주면 됩니다.</a:t>
+            </a:r>
+            <a:endParaRPr lang="ko-KR" altLang="en-US" sz="1800">
+              <a:latin typeface="맑은 고딕" charset="0"/>
+              <a:ea typeface="맑은 고딕" charset="0"/>
+            </a:endParaRPr>
+          </a:p>
+        </p:txBody>
+      </p:sp>
+      <p:pic>
+        <p:nvPicPr>
+          <p:cNvPr id="32" name="그림 38" descr="C:/Users/Admin1/AppData/Roaming/PolarisOffice/ETemp/3516_17285360/fImage234722315724.png"/>
+          <p:cNvPicPr>
+            <a:picLocks noChangeAspect="1"/>
+          </p:cNvPicPr>
+          <p:nvPr/>
+        </p:nvPicPr>
+        <p:blipFill rotWithShape="1">
+          <a:blip r:embed="rId2" cstate="hqprint">
+            <a:extLst>
+              <a:ext uri="{28A0092B-C50C-407E-A947-70E740481C1C}">
+                <a14:useLocalDpi xmlns:a14="http://schemas.microsoft.com/office/drawing/2010/main"/>
+              </a:ext>
+            </a:extLst>
+          </a:blip>
+          <a:stretch>
+            <a:fillRect/>
+          </a:stretch>
+        </p:blipFill>
+        <p:spPr>
+          <a:xfrm rot="0">
+            <a:off x="1254125" y="1413510"/>
+            <a:ext cx="4117340" cy="3145155"/>
+          </a:xfrm>
+          <a:prstGeom prst="rect"/>
+          <a:noFill/>
+        </p:spPr>
+      </p:pic>
+      <p:pic>
+        <p:nvPicPr>
+          <p:cNvPr id="33" name="그림 51" descr="C:/Users/Admin1/AppData/Roaming/PolarisOffice/ETemp/3516_17285360/fImage195862381478.png"/>
+          <p:cNvPicPr>
+            <a:picLocks noChangeAspect="1"/>
+          </p:cNvPicPr>
+          <p:nvPr/>
+        </p:nvPicPr>
+        <p:blipFill rotWithShape="1">
+          <a:blip r:embed="rId3" cstate="hqprint">
+            <a:extLst>
+              <a:ext uri="{28A0092B-C50C-407E-A947-70E740481C1C}">
+                <a14:useLocalDpi xmlns:a14="http://schemas.microsoft.com/office/drawing/2010/main"/>
+              </a:ext>
+            </a:extLst>
+          </a:blip>
+          <a:stretch>
+            <a:fillRect/>
+          </a:stretch>
+        </p:blipFill>
+        <p:spPr>
+          <a:xfrm rot="0">
+            <a:off x="6800215" y="1421765"/>
+            <a:ext cx="4265930" cy="1687830"/>
+          </a:xfrm>
+          <a:prstGeom prst="roundRect"/>
+          <a:solidFill>
+            <a:srgbClr val="EDEDED"/>
+          </a:solidFill>
+        </p:spPr>
+      </p:pic>
+      <p:pic>
+        <p:nvPicPr>
+          <p:cNvPr id="34" name="그림 53" descr="C:/Users/Admin1/AppData/Roaming/PolarisOffice/ETemp/3516_17285360/fImage47782419358.png"/>
+          <p:cNvPicPr>
+            <a:picLocks noChangeAspect="1"/>
+          </p:cNvPicPr>
+          <p:nvPr/>
+        </p:nvPicPr>
+        <p:blipFill rotWithShape="1">
+          <a:blip r:embed="rId4" cstate="hqprint">
+            <a:extLst>
+              <a:ext uri="{28A0092B-C50C-407E-A947-70E740481C1C}">
+                <a14:useLocalDpi xmlns:a14="http://schemas.microsoft.com/office/drawing/2010/main"/>
+              </a:ext>
+            </a:extLst>
+          </a:blip>
+          <a:stretch>
+            <a:fillRect/>
+          </a:stretch>
+        </p:blipFill>
+        <p:spPr>
+          <a:xfrm rot="0">
+            <a:off x="8421370" y="3973830"/>
+            <a:ext cx="2644140" cy="1155700"/>
+          </a:xfrm>
+          <a:prstGeom prst="roundRect"/>
+          <a:solidFill>
+            <a:srgbClr val="EDEDED"/>
+          </a:solidFill>
+        </p:spPr>
+      </p:pic>
+      <p:pic>
+        <p:nvPicPr>
+          <p:cNvPr id="35" name="그림 54" descr="C:/Users/Admin1/AppData/Roaming/PolarisOffice/ETemp/3516_17285360/fImage57462426962.png"/>
+          <p:cNvPicPr>
+            <a:picLocks noChangeAspect="1"/>
+          </p:cNvPicPr>
+          <p:nvPr/>
+        </p:nvPicPr>
+        <p:blipFill rotWithShape="1">
+          <a:blip r:embed="rId5" cstate="print">
+            <a:extLst>
+              <a:ext uri="{28A0092B-C50C-407E-A947-70E740481C1C}">
+                <a14:useLocalDpi xmlns:a14="http://schemas.microsoft.com/office/drawing/2010/main" val="0"/>
+              </a:ext>
+            </a:extLst>
+          </a:blip>
+          <a:stretch>
+            <a:fillRect/>
+          </a:stretch>
+        </p:blipFill>
+        <p:spPr>
+          <a:xfrm rot="0">
+            <a:off x="6796405" y="3982085"/>
+            <a:ext cx="1417320" cy="1155700"/>
+          </a:xfrm>
+          <a:prstGeom prst="roundRect"/>
+          <a:solidFill>
+            <a:srgbClr val="EDEDED"/>
+          </a:solidFill>
+        </p:spPr>
+      </p:pic>
+      <p:sp>
+        <p:nvSpPr>
+          <p:cNvPr id="36" name="텍스트 상자 55"/>
+          <p:cNvSpPr txBox="1">
+            <a:spLocks/>
+          </p:cNvSpPr>
+          <p:nvPr/>
+        </p:nvSpPr>
+        <p:spPr>
+          <a:xfrm rot="0">
+            <a:off x="6805295" y="5231130"/>
+            <a:ext cx="4260215" cy="923925"/>
+          </a:xfrm>
+          <a:prstGeom prst="rect"/>
+          <a:noFill/>
+          <a:ln w="0">
+            <a:noFill/>
+            <a:prstDash/>
+          </a:ln>
+        </p:spPr>
+        <p:txBody>
+          <a:bodyPr wrap="square" lIns="89535" tIns="46355" rIns="89535" bIns="46355" vert="horz" anchor="t">
+            <a:spAutoFit/>
+          </a:bodyPr>
+          <a:lstStyle/>
+          <a:p>
+            <a:pPr marL="0" indent="0" rtl="0" algn="l" defTabSz="914400" eaLnBrk="1" latinLnBrk="0" hangingPunct="1">
+              <a:buFontTx/>
+              <a:buNone/>
+            </a:pPr>
+            <a:r>
+              <a:rPr sz="1800" b="1">
+                <a:solidFill>
+                  <a:srgbClr val="0611F2"/>
+                </a:solidFill>
+                <a:latin typeface="맑은 고딕" charset="0"/>
+                <a:ea typeface="맑은 고딕" charset="0"/>
+              </a:rPr>
+              <a:t>20</a:t>
+            </a:r>
+            <a:r>
+              <a:rPr sz="1800" b="1">
+                <a:solidFill>
+                  <a:srgbClr val="0611F2"/>
+                </a:solidFill>
+                <a:latin typeface="맑은 고딕" charset="0"/>
+                <a:ea typeface="맑은 고딕" charset="0"/>
+              </a:rPr>
+              <a:t>.</a:t>
+            </a:r>
+            <a:r>
+              <a:rPr sz="1800">
+                <a:latin typeface="맑은 고딕" charset="0"/>
+                <a:ea typeface="맑은 고딕" charset="0"/>
+              </a:rPr>
+              <a:t> </a:t>
+            </a:r>
+            <a:r>
+              <a:rPr sz="1800">
+                <a:latin typeface="맑은 고딕" charset="0"/>
+                <a:ea typeface="맑은 고딕" charset="0"/>
+              </a:rPr>
+              <a:t>그</a:t>
+            </a:r>
+            <a:r>
+              <a:rPr lang="ko-KR" sz="1800">
+                <a:latin typeface="맑은 고딕" charset="0"/>
+                <a:ea typeface="맑은 고딕" charset="0"/>
+              </a:rPr>
+              <a:t>리고 Network Voice Manager 오브젝트에 Recorder 컴포넌트를 추가합니다.</a:t>
+            </a:r>
+            <a:endParaRPr lang="ko-KR" altLang="en-US" sz="1800">
+              <a:latin typeface="맑은 고딕" charset="0"/>
+              <a:ea typeface="맑은 고딕" charset="0"/>
+            </a:endParaRPr>
+          </a:p>
+        </p:txBody>
+      </p:sp>
+    </p:spTree>
+  </p:cSld>
+  <p:clrMapOvr>
+    <a:masterClrMapping/>
+  </p:clrMapOvr>
+  <mc:AlternateContent xmlns:mc="http://schemas.openxmlformats.org/markup-compatibility/2006">
+    <mc:Choice xmlns:p14="http://schemas.microsoft.com/office/powerpoint/2010/main" Requires="p14">
+      <p:transition spd="slow" p14:dur="2000"/>
+    </mc:Choice>
+    <mc:Fallback>
+      <p:transition spd="slow"/>
+    </mc:Fallback>
+  </mc:AlternateContent>
+  <p:timing>
+    <p:tnLst>
+      <p:par>
+        <p:cTn id="1" dur="indefinite" restart="never" nodeType="tmRoot"/>
+      </p:par>
+    </p:tnLst>
+  </p:timing>
+</p:sld>
+</file>
+
+<file path=ppt/slides/slide9.xml><?xml version="1.0" encoding="utf-8"?>
+<p:sld xmlns:a="http://schemas.openxmlformats.org/drawingml/2006/main" xmlns:r="http://schemas.openxmlformats.org/officeDocument/2006/relationships" xmlns:p="http://schemas.openxmlformats.org/presentationml/2006/main">
+  <p:cSld>
+    <p:spTree>
+      <p:nvGrpSpPr>
+        <p:cNvPr id="1" name=""/>
+        <p:cNvGrpSpPr/>
+        <p:nvPr/>
+      </p:nvGrpSpPr>
+      <p:grpSpPr>
+        <a:xfrm>
+          <a:off x="0" y="0"/>
+          <a:ext cx="0" cy="0"/>
+          <a:chOff x="0" y="0"/>
+          <a:chExt cx="0" cy="0"/>
+        </a:xfrm>
+      </p:grpSpPr>
+      <p:sp>
+        <p:nvSpPr>
+          <p:cNvPr id="27" name="Rect 0"/>
+          <p:cNvSpPr txBox="1">
+            <a:spLocks/>
+          </p:cNvSpPr>
+          <p:nvPr/>
+        </p:nvSpPr>
+        <p:spPr>
+          <a:xfrm rot="0">
+            <a:off x="4350385" y="390525"/>
+            <a:ext cx="3504565" cy="554990"/>
+          </a:xfrm>
+          <a:prstGeom prst="rect"/>
+          <a:noFill/>
+          <a:ln w="0">
+            <a:noFill/>
+            <a:prstDash/>
+          </a:ln>
+        </p:spPr>
+        <p:txBody>
+          <a:bodyPr wrap="square" lIns="89535" tIns="46355" rIns="89535" bIns="46355" numCol="1" vert="horz" anchor="t">
+            <a:spAutoFit/>
+          </a:bodyPr>
+          <a:lstStyle/>
+          <a:p>
+            <a:pPr marL="0" indent="0" algn="l" latinLnBrk="0" hangingPunct="1">
+              <a:buFontTx/>
+              <a:buNone/>
+            </a:pPr>
+            <a:r>
+              <a:rPr lang="ko-KR" sz="3000" b="1">
+                <a:latin typeface="맑은 고딕" charset="0"/>
+                <a:ea typeface="맑은 고딕" charset="0"/>
+              </a:rPr>
+              <a:t>아홉</a:t>
+            </a:r>
+            <a:r>
+              <a:rPr lang="ko-KR" sz="3000" b="1">
+                <a:latin typeface="맑은 고딕" charset="0"/>
+                <a:ea typeface="맑은 고딕" charset="0"/>
+              </a:rPr>
+              <a:t> 번째 튜토리얼</a:t>
+            </a:r>
+            <a:endParaRPr lang="ko-KR" altLang="en-US" sz="3000" b="1">
+              <a:latin typeface="맑은 고딕" charset="0"/>
+              <a:ea typeface="맑은 고딕" charset="0"/>
+            </a:endParaRPr>
+          </a:p>
+        </p:txBody>
+      </p:sp>
+      <p:sp>
+        <p:nvSpPr>
+          <p:cNvPr id="37" name="텍스트 상자 56"/>
+          <p:cNvSpPr txBox="1">
+            <a:spLocks/>
+          </p:cNvSpPr>
+          <p:nvPr/>
+        </p:nvSpPr>
+        <p:spPr>
+          <a:xfrm rot="0">
+            <a:off x="1172210" y="4396105"/>
+            <a:ext cx="4223385" cy="1754505"/>
+          </a:xfrm>
+          <a:prstGeom prst="rect"/>
+          <a:noFill/>
+          <a:ln w="0">
+            <a:noFill/>
+            <a:prstDash/>
+          </a:ln>
+        </p:spPr>
+        <p:txBody>
+          <a:bodyPr wrap="square" lIns="89535" tIns="46355" rIns="89535" bIns="46355" vert="horz" anchor="t">
+            <a:spAutoFit/>
+          </a:bodyPr>
+          <a:lstStyle/>
+          <a:p>
+            <a:pPr marL="0" indent="0" rtl="0" algn="l" defTabSz="914400" eaLnBrk="1" latinLnBrk="0" hangingPunct="1">
+              <a:buFontTx/>
+              <a:buNone/>
+            </a:pPr>
+            <a:r>
+              <a:rPr sz="1800" b="1">
+                <a:solidFill>
+                  <a:srgbClr val="0611F2"/>
+                </a:solidFill>
+                <a:latin typeface="맑은 고딕" charset="0"/>
+                <a:ea typeface="맑은 고딕" charset="0"/>
+              </a:rPr>
+              <a:t>21</a:t>
+            </a:r>
+            <a:r>
+              <a:rPr sz="1800" b="1">
+                <a:solidFill>
+                  <a:srgbClr val="0611F2"/>
+                </a:solidFill>
+                <a:latin typeface="맑은 고딕" charset="0"/>
+                <a:ea typeface="맑은 고딕" charset="0"/>
+              </a:rPr>
+              <a:t>.</a:t>
+            </a:r>
+            <a:r>
+              <a:rPr sz="1800">
+                <a:latin typeface="맑은 고딕" charset="0"/>
+                <a:ea typeface="맑은 고딕" charset="0"/>
+              </a:rPr>
+              <a:t> </a:t>
+            </a:r>
+            <a:r>
+              <a:rPr sz="1800">
+                <a:latin typeface="맑은 고딕" charset="0"/>
+                <a:ea typeface="맑은 고딕" charset="0"/>
+              </a:rPr>
+              <a:t>이</a:t>
+            </a:r>
+            <a:r>
+              <a:rPr lang="ko-KR" sz="1800">
+                <a:latin typeface="맑은 고딕" charset="0"/>
+                <a:ea typeface="맑은 고딕" charset="0"/>
+              </a:rPr>
+              <a:t>제 Photon Voice Network 컴포넌트를 선택합니다.</a:t>
+            </a:r>
+            <a:endParaRPr lang="ko-KR" altLang="en-US" sz="1800">
+              <a:latin typeface="맑은 고딕" charset="0"/>
+              <a:ea typeface="맑은 고딕" charset="0"/>
+            </a:endParaRPr>
+          </a:p>
+          <a:p>
+            <a:pPr marL="0" indent="0" rtl="0" algn="l" defTabSz="914400" eaLnBrk="1" latinLnBrk="0" hangingPunct="1">
+              <a:buFontTx/>
+              <a:buNone/>
+            </a:pPr>
+            <a:endParaRPr lang="ko-KR" altLang="en-US" sz="1800">
+              <a:latin typeface="맑은 고딕" charset="0"/>
+              <a:ea typeface="맑은 고딕" charset="0"/>
+            </a:endParaRPr>
+          </a:p>
+          <a:p>
+            <a:pPr marL="0" indent="0" rtl="0" algn="l" defTabSz="914400" eaLnBrk="1" latinLnBrk="0" hangingPunct="1">
+              <a:buFontTx/>
+              <a:buNone/>
+            </a:pPr>
+            <a:r>
+              <a:rPr lang="ko-KR" sz="1800">
+                <a:latin typeface="맑은 고딕" charset="0"/>
+                <a:ea typeface="맑은 고딕" charset="0"/>
+              </a:rPr>
+              <a:t>그다음으로 </a:t>
+            </a:r>
+            <a:r>
+              <a:rPr sz="1800">
+                <a:latin typeface="맑은 고딕" charset="0"/>
+                <a:ea typeface="맑은 고딕" charset="0"/>
+              </a:rPr>
+              <a:t>Primary Recorder</a:t>
+            </a:r>
+            <a:r>
+              <a:rPr lang="ko-KR" sz="1800">
+                <a:latin typeface="맑은 고딕" charset="0"/>
+                <a:ea typeface="맑은 고딕" charset="0"/>
+              </a:rPr>
+              <a:t>에</a:t>
+            </a:r>
+            <a:r>
+              <a:rPr sz="1800">
+                <a:latin typeface="맑은 고딕" charset="0"/>
+                <a:ea typeface="맑은 고딕" charset="0"/>
+              </a:rPr>
+              <a:t> 현재 Recorder 컴포넌트가 추가</a:t>
+            </a:r>
+            <a:r>
+              <a:rPr lang="ko-KR" sz="1800">
+                <a:latin typeface="맑은 고딕" charset="0"/>
+                <a:ea typeface="맑은 고딕" charset="0"/>
+              </a:rPr>
+              <a:t>된 Network Voice Manager</a:t>
+            </a:r>
+            <a:r>
+              <a:rPr sz="1800">
+                <a:latin typeface="맑은 고딕" charset="0"/>
+                <a:ea typeface="맑은 고딕" charset="0"/>
+              </a:rPr>
+              <a:t> 오브젝트를 넣</a:t>
+            </a:r>
+            <a:r>
+              <a:rPr sz="1800">
+                <a:latin typeface="맑은 고딕" charset="0"/>
+                <a:ea typeface="맑은 고딕" charset="0"/>
+              </a:rPr>
+              <a:t>어줍니</a:t>
+            </a:r>
+            <a:r>
+              <a:rPr lang="ko-KR" sz="1800">
+                <a:latin typeface="맑은 고딕" charset="0"/>
+                <a:ea typeface="맑은 고딕" charset="0"/>
+              </a:rPr>
+              <a:t>다.</a:t>
+            </a:r>
+            <a:endParaRPr lang="ko-KR" altLang="en-US" sz="1800">
+              <a:latin typeface="맑은 고딕" charset="0"/>
+              <a:ea typeface="맑은 고딕" charset="0"/>
+            </a:endParaRPr>
+          </a:p>
+        </p:txBody>
+      </p:sp>
+      <p:pic>
+        <p:nvPicPr>
+          <p:cNvPr id="38" name="그림 57" descr="C:/Users/Admin1/AppData/Roaming/PolarisOffice/ETemp/3516_17285360/fImage318592564464.png"/>
+          <p:cNvPicPr>
+            <a:picLocks noChangeAspect="1"/>
+          </p:cNvPicPr>
+          <p:nvPr/>
+        </p:nvPicPr>
+        <p:blipFill rotWithShape="1">
+          <a:blip r:embed="rId2" cstate="hqprint">
+            <a:extLst>
+              <a:ext uri="{28A0092B-C50C-407E-A947-70E740481C1C}">
+                <a14:useLocalDpi xmlns:a14="http://schemas.microsoft.com/office/drawing/2010/main"/>
+              </a:ext>
+            </a:extLst>
+          </a:blip>
+          <a:stretch>
+            <a:fillRect/>
+          </a:stretch>
+        </p:blipFill>
+        <p:spPr>
+          <a:xfrm rot="0">
+            <a:off x="2876550" y="1421765"/>
+            <a:ext cx="2519045" cy="2868295"/>
+          </a:xfrm>
+          <a:prstGeom prst="rect"/>
+          <a:noFill/>
+        </p:spPr>
+      </p:pic>
+      <p:pic>
+        <p:nvPicPr>
+          <p:cNvPr id="41" name="그림 61" descr="C:/Users/Admin1/AppData/Roaming/PolarisOffice/ETemp/3516_17285360/fImage57462595705.png"/>
+          <p:cNvPicPr>
+            <a:picLocks noChangeAspect="1"/>
+          </p:cNvPicPr>
+          <p:nvPr/>
+        </p:nvPicPr>
+        <p:blipFill rotWithShape="1">
+          <a:blip r:embed="rId3" cstate="print">
+            <a:extLst>
+              <a:ext uri="{28A0092B-C50C-407E-A947-70E740481C1C}">
+                <a14:useLocalDpi xmlns:a14="http://schemas.microsoft.com/office/drawing/2010/main" val="0"/>
+              </a:ext>
+            </a:extLst>
+          </a:blip>
+          <a:stretch>
+            <a:fillRect/>
+          </a:stretch>
+        </p:blipFill>
+        <p:spPr>
+          <a:xfrm rot="0">
+            <a:off x="1173480" y="1820545"/>
+            <a:ext cx="1417320" cy="2054225"/>
+          </a:xfrm>
+          <a:prstGeom prst="rect"/>
+          <a:noFill/>
+        </p:spPr>
+      </p:pic>
+      <p:cxnSp>
+        <p:nvCxnSpPr>
+          <p:cNvPr id="40" name="도형 59"/>
+          <p:cNvCxnSpPr/>
+          <p:nvPr/>
+        </p:nvCxnSpPr>
+        <p:spPr>
+          <a:xfrm rot="0" flipV="1">
+            <a:off x="2577465" y="3300095"/>
+            <a:ext cx="2710180" cy="333375"/>
+          </a:xfrm>
+          <a:prstGeom prst="straightConnector1"/>
+          <a:ln w="6350" cap="flat" cmpd="sng">
+            <a:prstDash/>
+            <a:tailEnd type="triangle" w="med" len="med"/>
+          </a:ln>
+        </p:spPr>
+        <p:style>
+          <a:lnRef idx="1">
+            <a:schemeClr val="accent1"/>
+          </a:lnRef>
+          <a:fillRef idx="0">
+            <a:schemeClr val="accent1"/>
+          </a:fillRef>
+          <a:effectRef idx="0">
+            <a:schemeClr val="accent1"/>
+          </a:effectRef>
+          <a:fontRef idx="minor">
+            <a:schemeClr val="tx1"/>
+          </a:fontRef>
+        </p:style>
+      </p:cxnSp>
+      <p:pic>
+        <p:nvPicPr>
+          <p:cNvPr id="43" name="그림 70" descr="C:/Users/Admin1/AppData/Roaming/PolarisOffice/ETemp/3516_17285360/fImage376762648145.png"/>
+          <p:cNvPicPr>
+            <a:picLocks noChangeAspect="1"/>
+          </p:cNvPicPr>
+          <p:nvPr/>
+        </p:nvPicPr>
+        <p:blipFill rotWithShape="1">
+          <a:blip r:embed="rId4" cstate="hqprint">
+            <a:extLst>
+              <a:ext uri="{28A0092B-C50C-407E-A947-70E740481C1C}">
+                <a14:useLocalDpi xmlns:a14="http://schemas.microsoft.com/office/drawing/2010/main"/>
+              </a:ext>
+            </a:extLst>
+          </a:blip>
+          <a:stretch>
+            <a:fillRect/>
+          </a:stretch>
+        </p:blipFill>
+        <p:spPr>
+          <a:xfrm rot="0">
+            <a:off x="8437880" y="1421130"/>
+            <a:ext cx="2428240" cy="2303780"/>
+          </a:xfrm>
+          <a:prstGeom prst="rect"/>
+          <a:noFill/>
+        </p:spPr>
+      </p:pic>
+      <p:sp>
+        <p:nvSpPr>
+          <p:cNvPr id="44" name="텍스트 상자 71"/>
+          <p:cNvSpPr txBox="1">
+            <a:spLocks/>
+          </p:cNvSpPr>
+          <p:nvPr/>
+        </p:nvSpPr>
+        <p:spPr>
+          <a:xfrm rot="0">
+            <a:off x="6816725" y="3872865"/>
+            <a:ext cx="4059555" cy="2308225"/>
+          </a:xfrm>
+          <a:prstGeom prst="rect"/>
+          <a:noFill/>
+          <a:ln w="0">
+            <a:noFill/>
+            <a:prstDash/>
+          </a:ln>
+        </p:spPr>
+        <p:txBody>
+          <a:bodyPr wrap="square" lIns="89535" tIns="46355" rIns="89535" bIns="46355" vert="horz" anchor="t">
+            <a:spAutoFit/>
+          </a:bodyPr>
+          <a:lstStyle/>
+          <a:p>
+            <a:pPr marL="0" indent="0" rtl="0" algn="l" defTabSz="914400" eaLnBrk="1" latinLnBrk="0" hangingPunct="1">
+              <a:buFontTx/>
+              <a:buNone/>
+            </a:pPr>
+            <a:r>
+              <a:rPr sz="1800" b="1">
+                <a:solidFill>
+                  <a:srgbClr val="0611F2"/>
+                </a:solidFill>
+                <a:latin typeface="맑은 고딕" charset="0"/>
+                <a:ea typeface="맑은 고딕" charset="0"/>
+              </a:rPr>
+              <a:t>22</a:t>
+            </a:r>
+            <a:r>
+              <a:rPr sz="1800" b="1">
+                <a:solidFill>
+                  <a:srgbClr val="0611F2"/>
+                </a:solidFill>
+                <a:latin typeface="맑은 고딕" charset="0"/>
+                <a:ea typeface="맑은 고딕" charset="0"/>
+              </a:rPr>
+              <a:t>.</a:t>
+            </a:r>
+            <a:r>
+              <a:rPr sz="1800">
+                <a:latin typeface="맑은 고딕" charset="0"/>
+                <a:ea typeface="맑은 고딕" charset="0"/>
+              </a:rPr>
+              <a:t> </a:t>
+            </a:r>
+            <a:r>
+              <a:rPr sz="1800">
+                <a:latin typeface="맑은 고딕" charset="0"/>
+                <a:ea typeface="맑은 고딕" charset="0"/>
+              </a:rPr>
+              <a:t>그</a:t>
+            </a:r>
+            <a:r>
+              <a:rPr lang="ko-KR" sz="1800">
+                <a:latin typeface="맑은 고딕" charset="0"/>
+                <a:ea typeface="맑은 고딕" charset="0"/>
+              </a:rPr>
+              <a:t>런 다음 Recoder 컴포넌트를 선택합니다.</a:t>
+            </a:r>
+            <a:endParaRPr lang="ko-KR" altLang="en-US" sz="1800">
+              <a:latin typeface="맑은 고딕" charset="0"/>
+              <a:ea typeface="맑은 고딕" charset="0"/>
+            </a:endParaRPr>
+          </a:p>
+          <a:p>
+            <a:pPr marL="0" indent="0" rtl="0" algn="l" defTabSz="914400" eaLnBrk="1" latinLnBrk="0" hangingPunct="1">
+              <a:buFontTx/>
+              <a:buNone/>
+            </a:pPr>
+            <a:endParaRPr lang="ko-KR" altLang="en-US" sz="1800">
+              <a:latin typeface="맑은 고딕" charset="0"/>
+              <a:ea typeface="맑은 고딕" charset="0"/>
+            </a:endParaRPr>
+          </a:p>
+          <a:p>
+            <a:pPr marL="0" indent="0" rtl="0" algn="l" defTabSz="914400" eaLnBrk="1" latinLnBrk="0" hangingPunct="1">
+              <a:buFontTx/>
+              <a:buNone/>
+            </a:pPr>
+            <a:r>
+              <a:rPr lang="ko-KR" sz="1800">
+                <a:latin typeface="맑은 고딕" charset="0"/>
+                <a:ea typeface="맑은 고딕" charset="0"/>
+              </a:rPr>
+              <a:t>그리고 T</a:t>
+            </a:r>
+            <a:r>
+              <a:rPr sz="1800">
+                <a:latin typeface="맑은 고딕" charset="0"/>
+                <a:ea typeface="맑은 고딕" charset="0"/>
+              </a:rPr>
+              <a:t>ransmit Enabled</a:t>
+            </a:r>
+            <a:r>
+              <a:rPr lang="ko-KR" sz="1800">
+                <a:latin typeface="맑은 고딕" charset="0"/>
+                <a:ea typeface="맑은 고딕" charset="0"/>
+              </a:rPr>
+              <a:t>와 Debug Echo</a:t>
+            </a:r>
+            <a:r>
+              <a:rPr sz="1800">
+                <a:latin typeface="맑은 고딕" charset="0"/>
+                <a:ea typeface="맑은 고딕" charset="0"/>
+              </a:rPr>
+              <a:t> </a:t>
+            </a:r>
+            <a:r>
+              <a:rPr lang="ko-KR" sz="1800">
+                <a:latin typeface="맑은 고딕" charset="0"/>
+                <a:ea typeface="맑은 고딕" charset="0"/>
+              </a:rPr>
+              <a:t>활성화합니다.</a:t>
+            </a:r>
+            <a:endParaRPr lang="ko-KR" altLang="en-US" sz="1800">
+              <a:latin typeface="맑은 고딕" charset="0"/>
+              <a:ea typeface="맑은 고딕" charset="0"/>
+            </a:endParaRPr>
+          </a:p>
+          <a:p>
+            <a:pPr marL="0" indent="0" rtl="0" algn="l" defTabSz="914400" eaLnBrk="1" latinLnBrk="0" hangingPunct="1">
+              <a:buFontTx/>
+              <a:buNone/>
+            </a:pPr>
+            <a:endParaRPr lang="ko-KR" altLang="en-US" sz="1800">
+              <a:latin typeface="맑은 고딕" charset="0"/>
+              <a:ea typeface="맑은 고딕" charset="0"/>
+            </a:endParaRPr>
+          </a:p>
+          <a:p>
+            <a:pPr marL="0" indent="0" rtl="0" algn="l" defTabSz="914400" eaLnBrk="1" latinLnBrk="0" hangingPunct="1">
+              <a:buFontTx/>
+              <a:buNone/>
+            </a:pPr>
+            <a:r>
+              <a:rPr lang="ko-KR" sz="1800">
+                <a:latin typeface="맑은 고딕" charset="0"/>
+                <a:ea typeface="맑은 고딕" charset="0"/>
+              </a:rPr>
+              <a:t>그러면 </a:t>
+            </a:r>
+            <a:r>
+              <a:rPr sz="1800">
+                <a:latin typeface="맑은 고딕" charset="0"/>
+                <a:ea typeface="맑은 고딕" charset="0"/>
+              </a:rPr>
+              <a:t>녹음된 오디오의 전송 여부</a:t>
+            </a:r>
+            <a:r>
+              <a:rPr lang="ko-KR" sz="1800">
+                <a:latin typeface="맑은 고딕" charset="0"/>
+                <a:ea typeface="맑은 고딕" charset="0"/>
+              </a:rPr>
+              <a:t>가 활성화됩니다.</a:t>
+            </a:r>
+            <a:endParaRPr lang="ko-KR" altLang="en-US" sz="1800">
+              <a:latin typeface="맑은 고딕" charset="0"/>
+              <a:ea typeface="맑은 고딕" charset="0"/>
+            </a:endParaRPr>
+          </a:p>
+        </p:txBody>
+      </p:sp>
+      <p:pic>
+        <p:nvPicPr>
+          <p:cNvPr id="45" name="그림 74" descr="C:/Users/Admin1/AppData/Roaming/PolarisOffice/ETemp/3516_17285360/fImage57462663281.png"/>
+          <p:cNvPicPr>
+            <a:picLocks noChangeAspect="1"/>
+          </p:cNvPicPr>
+          <p:nvPr/>
+        </p:nvPicPr>
+        <p:blipFill rotWithShape="1">
+          <a:blip r:embed="rId5" cstate="print">
+            <a:extLst>
+              <a:ext uri="{28A0092B-C50C-407E-A947-70E740481C1C}">
+                <a14:useLocalDpi xmlns:a14="http://schemas.microsoft.com/office/drawing/2010/main" val="0"/>
+              </a:ext>
+            </a:extLst>
+          </a:blip>
+          <a:stretch>
+            <a:fillRect/>
+          </a:stretch>
+        </p:blipFill>
+        <p:spPr>
+          <a:xfrm rot="0">
+            <a:off x="6806565" y="1828800"/>
+            <a:ext cx="1417320" cy="1480185"/>
+          </a:xfrm>
+          <a:prstGeom prst="roundRect"/>
+          <a:solidFill>
+            <a:srgbClr val="EDEDED"/>
+          </a:solidFill>
+        </p:spPr>
+      </p:pic>
     </p:spTree>
   </p:cSld>
   <p:clrMapOvr>

--- a/Assets/Class/Photon Server/PPT Data/Photon Synchronization.pptx
+++ b/Assets/Class/Photon Server/PPT Data/Photon Synchronization.pptx
@@ -2,24 +2,27 @@
 <file path=ppt/presentation.xml><?xml version="1.0" encoding="utf-8"?>
 <p:presentation xmlns:a="http://schemas.openxmlformats.org/drawingml/2006/main" xmlns:r="http://schemas.openxmlformats.org/officeDocument/2006/relationships" xmlns:p="http://schemas.openxmlformats.org/presentationml/2006/main" xmlns:p14="http://schemas.microsoft.com/office/powerpoint/2010/main" saveSubsetFonts="1" firstSlideNum="0">
   <p:sldMasterIdLst>
-    <p:sldMasterId id="2147486816" r:id="rId12"/>
+    <p:sldMasterId id="2147486834" r:id="rId12"/>
   </p:sldMasterIdLst>
   <p:notesMasterIdLst>
     <p:notesMasterId r:id="rId14"/>
   </p:notesMasterIdLst>
   <p:sldIdLst>
     <p:sldId id="309" r:id="rId16"/>
-    <p:sldId id="307" r:id="rId17"/>
-    <p:sldId id="310" r:id="rId18"/>
-    <p:sldId id="311" r:id="rId19"/>
-    <p:sldId id="312" r:id="rId20"/>
-    <p:sldId id="313" r:id="rId21"/>
-    <p:sldId id="314" r:id="rId22"/>
-    <p:sldId id="315" r:id="rId23"/>
-    <p:sldId id="316" r:id="rId24"/>
-    <p:sldId id="317" r:id="rId25"/>
-    <p:sldId id="318" r:id="rId26"/>
-    <p:sldId id="319" r:id="rId27"/>
+    <p:sldId id="307" r:id="rId18"/>
+    <p:sldId id="310" r:id="rId20"/>
+    <p:sldId id="311" r:id="rId22"/>
+    <p:sldId id="312" r:id="rId24"/>
+    <p:sldId id="313" r:id="rId26"/>
+    <p:sldId id="314" r:id="rId28"/>
+    <p:sldId id="315" r:id="rId30"/>
+    <p:sldId id="316" r:id="rId32"/>
+    <p:sldId id="317" r:id="rId34"/>
+    <p:sldId id="318" r:id="rId36"/>
+    <p:sldId id="319" r:id="rId38"/>
+    <p:sldId id="320" r:id="rId40"/>
+    <p:sldId id="321" r:id="rId42"/>
+    <p:sldId id="322" r:id="rId43"/>
   </p:sldIdLst>
   <p:sldSz cx="12192000" cy="6858000"/>
   <p:notesSz cx="6858000" cy="9144000"/>
@@ -1046,6 +1049,432 @@
 </p:notes>
 </file>
 
+<file path=ppt/notesSlides/notesSlide13.xml><?xml version="1.0" encoding="utf-8"?>
+<p:notes xmlns:a="http://schemas.openxmlformats.org/drawingml/2006/main" xmlns:r="http://schemas.openxmlformats.org/officeDocument/2006/relationships" xmlns:p="http://schemas.openxmlformats.org/presentationml/2006/main">
+  <p:cSld>
+    <p:spTree>
+      <p:nvGrpSpPr>
+        <p:cNvPr id="1" name=""/>
+        <p:cNvGrpSpPr/>
+        <p:nvPr/>
+      </p:nvGrpSpPr>
+      <p:grpSpPr>
+        <a:xfrm>
+          <a:off x="0" y="0"/>
+          <a:ext cx="0" cy="0"/>
+          <a:chOff x="0" y="0"/>
+          <a:chExt cx="0" cy="0"/>
+        </a:xfrm>
+      </p:grpSpPr>
+      <p:sp>
+        <p:nvSpPr>
+          <p:cNvPr id="2" name="슬라이드 이미지 개체 틀 3"/>
+          <p:cNvSpPr>
+            <a:spLocks noChangeAspect="1"/>
+          </p:cNvSpPr>
+          <p:nvPr>
+            <p:ph type="sldImg" idx="2"/>
+          </p:nvPr>
+        </p:nvSpPr>
+        <p:spPr>
+          <a:xfrm rot="0">
+            <a:off x="685800" y="1143000"/>
+            <a:ext cx="5494020" cy="3093720"/>
+          </a:xfrm>
+          <a:prstGeom prst="rect"/>
+          <a:noFill/>
+          <a:ln w="12700" cap="flat" cmpd="sng">
+            <a:solidFill>
+              <a:srgbClr val="000000">
+                <a:alpha val="100000"/>
+              </a:srgbClr>
+            </a:solidFill>
+            <a:prstDash val="solid"/>
+          </a:ln>
+        </p:spPr>
+        <p:txBody>
+          <a:bodyPr wrap="square" lIns="91440" tIns="45720" rIns="91440" bIns="45720" numCol="1" vert="horz" anchor="ctr">
+            <a:noAutofit/>
+          </a:bodyPr>
+          <a:lstStyle/>
+          <a:p>
+            <a:pPr marL="0" indent="0" latinLnBrk="0">
+              <a:buFontTx/>
+              <a:buNone/>
+            </a:pPr>
+          </a:p>
+        </p:txBody>
+      </p:sp>
+      <p:sp>
+        <p:nvSpPr>
+          <p:cNvPr id="3" name="슬라이드 노트 개체 틀 4"/>
+          <p:cNvSpPr txBox="1">
+            <a:spLocks/>
+          </p:cNvSpPr>
+          <p:nvPr>
+            <p:ph type="body" idx="3"/>
+          </p:nvPr>
+        </p:nvSpPr>
+        <p:spPr>
+          <a:xfrm rot="0">
+            <a:off x="685800" y="4400550"/>
+            <a:ext cx="5494020" cy="3608070"/>
+          </a:xfrm>
+          <a:prstGeom prst="rect"/>
+        </p:spPr>
+        <p:txBody>
+          <a:bodyPr wrap="square" lIns="91440" tIns="45720" rIns="91440" bIns="45720" numCol="1" vert="horz" anchor="t">
+            <a:noAutofit/>
+          </a:bodyPr>
+          <a:lstStyle/>
+          <a:p>
+            <a:pPr marL="0" indent="0" latinLnBrk="0">
+              <a:buFontTx/>
+              <a:buNone/>
+            </a:pPr>
+          </a:p>
+        </p:txBody>
+      </p:sp>
+      <p:sp>
+        <p:nvSpPr>
+          <p:cNvPr id="4" name="슬라이드 번호 개체 틀 6"/>
+          <p:cNvSpPr txBox="1">
+            <a:spLocks/>
+          </p:cNvSpPr>
+          <p:nvPr>
+            <p:ph type="sldNum" idx="5"/>
+          </p:nvPr>
+        </p:nvSpPr>
+        <p:spPr>
+          <a:xfrm rot="0">
+            <a:off x="3884930" y="8685530"/>
+            <a:ext cx="2979420" cy="466090"/>
+          </a:xfrm>
+          <a:prstGeom prst="rect"/>
+        </p:spPr>
+        <p:txBody>
+          <a:bodyPr wrap="square" lIns="91440" tIns="45720" rIns="91440" bIns="45720" numCol="1" vert="horz" anchor="b">
+            <a:noAutofit/>
+          </a:bodyPr>
+          <a:lstStyle>
+            <a:lvl1pPr marL="0" indent="0" algn="r" latinLnBrk="0">
+              <a:buFontTx/>
+              <a:buNone/>
+              <a:defRPr lang="en-GB" altLang="en-US" sz="1200"/>
+            </a:lvl1pPr>
+          </a:lstStyle>
+          <a:p>
+            <a:pPr marL="0" indent="0" latinLnBrk="0">
+              <a:buFontTx/>
+              <a:buNone/>
+            </a:pPr>
+            <a:fld id="{B9320F77-B9A0-41C5-862A-B4B631284C64}" type="slidenum">
+              <a:rPr lang="ko-KR" altLang="en-US"/>
+              <a:t>‹#›</a:t>
+            </a:fld>
+          </a:p>
+        </p:txBody>
+      </p:sp>
+    </p:spTree>
+  </p:cSld>
+  <p:clrMapOvr>
+    <a:masterClrMapping/>
+  </p:clrMapOvr>
+  <mc:AlternateContent xmlns:mc="http://schemas.openxmlformats.org/markup-compatibility/2006">
+    <mc:Choice xmlns:p14="http://schemas.microsoft.com/office/powerpoint/2010/main" Requires="p14">
+      <p:transition spd="slow" p14:dur="0"/>
+    </mc:Choice>
+    <mc:Fallback>
+      <p:transition spd="slow"/>
+    </mc:Fallback>
+  </mc:AlternateContent>
+</p:notes>
+</file>
+
+<file path=ppt/notesSlides/notesSlide14.xml><?xml version="1.0" encoding="utf-8"?>
+<p:notes xmlns:a="http://schemas.openxmlformats.org/drawingml/2006/main" xmlns:r="http://schemas.openxmlformats.org/officeDocument/2006/relationships" xmlns:p="http://schemas.openxmlformats.org/presentationml/2006/main">
+  <p:cSld>
+    <p:spTree>
+      <p:nvGrpSpPr>
+        <p:cNvPr id="1" name=""/>
+        <p:cNvGrpSpPr/>
+        <p:nvPr/>
+      </p:nvGrpSpPr>
+      <p:grpSpPr>
+        <a:xfrm>
+          <a:off x="0" y="0"/>
+          <a:ext cx="0" cy="0"/>
+          <a:chOff x="0" y="0"/>
+          <a:chExt cx="0" cy="0"/>
+        </a:xfrm>
+      </p:grpSpPr>
+      <p:sp>
+        <p:nvSpPr>
+          <p:cNvPr id="2" name="슬라이드 이미지 개체 틀 3"/>
+          <p:cNvSpPr>
+            <a:spLocks noChangeAspect="1"/>
+          </p:cNvSpPr>
+          <p:nvPr>
+            <p:ph type="sldImg" idx="2"/>
+          </p:nvPr>
+        </p:nvSpPr>
+        <p:spPr>
+          <a:xfrm rot="0">
+            <a:off x="685800" y="1143000"/>
+            <a:ext cx="5494020" cy="3093720"/>
+          </a:xfrm>
+          <a:prstGeom prst="rect"/>
+          <a:noFill/>
+          <a:ln w="12700" cap="flat" cmpd="sng">
+            <a:solidFill>
+              <a:srgbClr val="000000">
+                <a:alpha val="100000"/>
+              </a:srgbClr>
+            </a:solidFill>
+            <a:prstDash val="solid"/>
+          </a:ln>
+        </p:spPr>
+        <p:txBody>
+          <a:bodyPr wrap="square" lIns="91440" tIns="45720" rIns="91440" bIns="45720" numCol="1" vert="horz" anchor="ctr">
+            <a:noAutofit/>
+          </a:bodyPr>
+          <a:lstStyle/>
+          <a:p>
+            <a:pPr marL="0" indent="0" latinLnBrk="0">
+              <a:buFontTx/>
+              <a:buNone/>
+            </a:pPr>
+          </a:p>
+        </p:txBody>
+      </p:sp>
+      <p:sp>
+        <p:nvSpPr>
+          <p:cNvPr id="3" name="슬라이드 노트 개체 틀 4"/>
+          <p:cNvSpPr txBox="1">
+            <a:spLocks/>
+          </p:cNvSpPr>
+          <p:nvPr>
+            <p:ph type="body" idx="3"/>
+          </p:nvPr>
+        </p:nvSpPr>
+        <p:spPr>
+          <a:xfrm rot="0">
+            <a:off x="685800" y="4400550"/>
+            <a:ext cx="5494020" cy="3608070"/>
+          </a:xfrm>
+          <a:prstGeom prst="rect"/>
+        </p:spPr>
+        <p:txBody>
+          <a:bodyPr wrap="square" lIns="91440" tIns="45720" rIns="91440" bIns="45720" numCol="1" vert="horz" anchor="t">
+            <a:noAutofit/>
+          </a:bodyPr>
+          <a:lstStyle/>
+          <a:p>
+            <a:pPr marL="0" indent="0" latinLnBrk="0">
+              <a:buFontTx/>
+              <a:buNone/>
+            </a:pPr>
+          </a:p>
+        </p:txBody>
+      </p:sp>
+      <p:sp>
+        <p:nvSpPr>
+          <p:cNvPr id="4" name="슬라이드 번호 개체 틀 6"/>
+          <p:cNvSpPr txBox="1">
+            <a:spLocks/>
+          </p:cNvSpPr>
+          <p:nvPr>
+            <p:ph type="sldNum" idx="5"/>
+          </p:nvPr>
+        </p:nvSpPr>
+        <p:spPr>
+          <a:xfrm rot="0">
+            <a:off x="3884930" y="8685530"/>
+            <a:ext cx="2979420" cy="466090"/>
+          </a:xfrm>
+          <a:prstGeom prst="rect"/>
+        </p:spPr>
+        <p:txBody>
+          <a:bodyPr wrap="square" lIns="91440" tIns="45720" rIns="91440" bIns="45720" numCol="1" vert="horz" anchor="b">
+            <a:noAutofit/>
+          </a:bodyPr>
+          <a:lstStyle>
+            <a:lvl1pPr marL="0" indent="0" algn="r" latinLnBrk="0">
+              <a:buFontTx/>
+              <a:buNone/>
+              <a:defRPr lang="en-GB" altLang="en-US" sz="1200"/>
+            </a:lvl1pPr>
+          </a:lstStyle>
+          <a:p>
+            <a:pPr marL="0" indent="0" latinLnBrk="0">
+              <a:buFontTx/>
+              <a:buNone/>
+            </a:pPr>
+            <a:fld id="{B9320F77-B9A0-41C5-862A-B4B631284C64}" type="slidenum">
+              <a:rPr lang="ko-KR" altLang="en-US"/>
+              <a:t>‹#›</a:t>
+            </a:fld>
+          </a:p>
+        </p:txBody>
+      </p:sp>
+    </p:spTree>
+  </p:cSld>
+  <p:clrMapOvr>
+    <a:masterClrMapping/>
+  </p:clrMapOvr>
+  <mc:AlternateContent xmlns:mc="http://schemas.openxmlformats.org/markup-compatibility/2006">
+    <mc:Choice xmlns:p14="http://schemas.microsoft.com/office/powerpoint/2010/main" Requires="p14">
+      <p:transition spd="slow" p14:dur="0"/>
+    </mc:Choice>
+    <mc:Fallback>
+      <p:transition spd="slow"/>
+    </mc:Fallback>
+  </mc:AlternateContent>
+</p:notes>
+</file>
+
+<file path=ppt/notesSlides/notesSlide15.xml><?xml version="1.0" encoding="utf-8"?>
+<p:notes xmlns:a="http://schemas.openxmlformats.org/drawingml/2006/main" xmlns:r="http://schemas.openxmlformats.org/officeDocument/2006/relationships" xmlns:p="http://schemas.openxmlformats.org/presentationml/2006/main">
+  <p:cSld>
+    <p:spTree>
+      <p:nvGrpSpPr>
+        <p:cNvPr id="1" name=""/>
+        <p:cNvGrpSpPr/>
+        <p:nvPr/>
+      </p:nvGrpSpPr>
+      <p:grpSpPr>
+        <a:xfrm>
+          <a:off x="0" y="0"/>
+          <a:ext cx="0" cy="0"/>
+          <a:chOff x="0" y="0"/>
+          <a:chExt cx="0" cy="0"/>
+        </a:xfrm>
+      </p:grpSpPr>
+      <p:sp>
+        <p:nvSpPr>
+          <p:cNvPr id="2" name="슬라이드 이미지 개체 틀 3"/>
+          <p:cNvSpPr>
+            <a:spLocks noChangeAspect="1"/>
+          </p:cNvSpPr>
+          <p:nvPr>
+            <p:ph type="sldImg" idx="2"/>
+          </p:nvPr>
+        </p:nvSpPr>
+        <p:spPr>
+          <a:xfrm rot="0">
+            <a:off x="685800" y="1143000"/>
+            <a:ext cx="5494020" cy="3093720"/>
+          </a:xfrm>
+          <a:prstGeom prst="rect"/>
+          <a:noFill/>
+          <a:ln w="12700" cap="flat" cmpd="sng">
+            <a:solidFill>
+              <a:srgbClr val="000000">
+                <a:alpha val="100000"/>
+              </a:srgbClr>
+            </a:solidFill>
+            <a:prstDash val="solid"/>
+          </a:ln>
+        </p:spPr>
+        <p:txBody>
+          <a:bodyPr wrap="square" lIns="91440" tIns="45720" rIns="91440" bIns="45720" numCol="1" vert="horz" anchor="ctr">
+            <a:noAutofit/>
+          </a:bodyPr>
+          <a:lstStyle/>
+          <a:p>
+            <a:pPr marL="0" indent="0" latinLnBrk="0">
+              <a:buFontTx/>
+              <a:buNone/>
+            </a:pPr>
+          </a:p>
+        </p:txBody>
+      </p:sp>
+      <p:sp>
+        <p:nvSpPr>
+          <p:cNvPr id="3" name="슬라이드 노트 개체 틀 4"/>
+          <p:cNvSpPr txBox="1">
+            <a:spLocks/>
+          </p:cNvSpPr>
+          <p:nvPr>
+            <p:ph type="body" idx="3"/>
+          </p:nvPr>
+        </p:nvSpPr>
+        <p:spPr>
+          <a:xfrm rot="0">
+            <a:off x="685800" y="4400550"/>
+            <a:ext cx="5494020" cy="3608070"/>
+          </a:xfrm>
+          <a:prstGeom prst="rect"/>
+        </p:spPr>
+        <p:txBody>
+          <a:bodyPr wrap="square" lIns="91440" tIns="45720" rIns="91440" bIns="45720" numCol="1" vert="horz" anchor="t">
+            <a:noAutofit/>
+          </a:bodyPr>
+          <a:lstStyle/>
+          <a:p>
+            <a:pPr marL="0" indent="0" latinLnBrk="0">
+              <a:buFontTx/>
+              <a:buNone/>
+            </a:pPr>
+          </a:p>
+        </p:txBody>
+      </p:sp>
+      <p:sp>
+        <p:nvSpPr>
+          <p:cNvPr id="4" name="슬라이드 번호 개체 틀 6"/>
+          <p:cNvSpPr txBox="1">
+            <a:spLocks/>
+          </p:cNvSpPr>
+          <p:nvPr>
+            <p:ph type="sldNum" idx="5"/>
+          </p:nvPr>
+        </p:nvSpPr>
+        <p:spPr>
+          <a:xfrm rot="0">
+            <a:off x="3884930" y="8685530"/>
+            <a:ext cx="2979420" cy="466090"/>
+          </a:xfrm>
+          <a:prstGeom prst="rect"/>
+        </p:spPr>
+        <p:txBody>
+          <a:bodyPr wrap="square" lIns="91440" tIns="45720" rIns="91440" bIns="45720" numCol="1" vert="horz" anchor="b">
+            <a:noAutofit/>
+          </a:bodyPr>
+          <a:lstStyle>
+            <a:lvl1pPr marL="0" indent="0" algn="r" latinLnBrk="0">
+              <a:buFontTx/>
+              <a:buNone/>
+              <a:defRPr lang="en-GB" altLang="en-US" sz="1200"/>
+            </a:lvl1pPr>
+          </a:lstStyle>
+          <a:p>
+            <a:pPr marL="0" indent="0" latinLnBrk="0">
+              <a:buFontTx/>
+              <a:buNone/>
+            </a:pPr>
+            <a:fld id="{B9320F77-B9A0-41C5-862A-B4B631284C64}" type="slidenum">
+              <a:rPr lang="ko-KR" altLang="en-US"/>
+              <a:t>‹#›</a:t>
+            </a:fld>
+          </a:p>
+        </p:txBody>
+      </p:sp>
+    </p:spTree>
+  </p:cSld>
+  <p:clrMapOvr>
+    <a:masterClrMapping/>
+  </p:clrMapOvr>
+  <mc:AlternateContent xmlns:mc="http://schemas.openxmlformats.org/markup-compatibility/2006">
+    <mc:Choice xmlns:p14="http://schemas.microsoft.com/office/powerpoint/2010/main" Requires="p14">
+      <p:transition spd="slow" p14:dur="0"/>
+    </mc:Choice>
+    <mc:Fallback>
+      <p:transition spd="slow"/>
+    </mc:Fallback>
+  </mc:AlternateContent>
+</p:notes>
+</file>
+
 <file path=ppt/notesSlides/notesSlide2.xml><?xml version="1.0" encoding="utf-8"?>
 <p:notes xmlns:a="http://schemas.openxmlformats.org/drawingml/2006/main" xmlns:r="http://schemas.openxmlformats.org/officeDocument/2006/relationships" xmlns:p="http://schemas.openxmlformats.org/presentationml/2006/main">
   <p:cSld>
@@ -7721,7 +8150,7 @@
 </file>
 
 <file path=ppt/slides/slide10.xml><?xml version="1.0" encoding="utf-8"?>
-<p:sld xmlns:a="http://schemas.openxmlformats.org/drawingml/2006/main" xmlns:r="http://schemas.openxmlformats.org/officeDocument/2006/relationships" xmlns:p="http://schemas.openxmlformats.org/presentationml/2006/main">
+<p:sld xmlns:a="http://schemas.openxmlformats.org/drawingml/2006/main" xmlns:r="http://schemas.openxmlformats.org/officeDocument/2006/relationships" xmlns:p="http://schemas.openxmlformats.org/presentationml/2006/main" xmlns:p14="http://schemas.microsoft.com/office/powerpoint/2010/main">
   <p:cSld>
     <p:spTree>
       <p:nvGrpSpPr>
@@ -8093,7 +8522,7 @@
       </p:sp>
       <p:pic>
         <p:nvPicPr>
-          <p:cNvPr id="47" name="그림 82" descr="C:/Users/Admin1/AppData/Roaming/PolarisOffice/ETemp/3516_17285360/fImage7007282836827.png"/>
+          <p:cNvPr id="47" name="그림 82"/>
           <p:cNvPicPr>
             <a:picLocks noChangeAspect="1"/>
           </p:cNvPicPr>
@@ -8122,7 +8551,7 @@
       </p:pic>
       <p:pic>
         <p:nvPicPr>
-          <p:cNvPr id="48" name="그림 83" descr="C:/Users/Admin1/AppData/Roaming/PolarisOffice/ETemp/3516_17285360/fImage59121764464.png"/>
+          <p:cNvPr id="48" name="그림 83"/>
           <p:cNvPicPr>
             <a:picLocks noChangeAspect="1"/>
           </p:cNvPicPr>
@@ -8153,7 +8582,7 @@
       </p:pic>
       <p:pic>
         <p:nvPicPr>
-          <p:cNvPr id="49" name="그림 84" descr="C:/Users/Admin1/AppData/Roaming/PolarisOffice/ETemp/3516_17285360/fImage52992859961.png"/>
+          <p:cNvPr id="49" name="그림 84"/>
           <p:cNvPicPr>
             <a:picLocks noChangeAspect="1"/>
           </p:cNvPicPr>
@@ -8206,7 +8635,7 @@
 </file>
 
 <file path=ppt/slides/slide11.xml><?xml version="1.0" encoding="utf-8"?>
-<p:sld xmlns:a="http://schemas.openxmlformats.org/drawingml/2006/main" xmlns:r="http://schemas.openxmlformats.org/officeDocument/2006/relationships" xmlns:p="http://schemas.openxmlformats.org/presentationml/2006/main">
+<p:sld xmlns:a="http://schemas.openxmlformats.org/drawingml/2006/main" xmlns:r="http://schemas.openxmlformats.org/officeDocument/2006/relationships" xmlns:p="http://schemas.openxmlformats.org/presentationml/2006/main" xmlns:p14="http://schemas.microsoft.com/office/powerpoint/2010/main">
   <p:cSld>
     <p:spTree>
       <p:nvGrpSpPr>
@@ -8275,7 +8704,7 @@
       </p:sp>
       <p:pic>
         <p:nvPicPr>
-          <p:cNvPr id="50" name="그림 88" descr="C:/Users/Admin1/AppData/Roaming/PolarisOffice/ETemp/3516_17285360/fImage18012297491.png"/>
+          <p:cNvPr id="50" name="그림 88"/>
           <p:cNvPicPr>
             <a:picLocks noChangeAspect="1"/>
           </p:cNvPicPr>
@@ -8474,7 +8903,7 @@
       </p:sp>
       <p:pic>
         <p:nvPicPr>
-          <p:cNvPr id="52" name="그림 90" descr="C:/Users/Admin1/AppData/Roaming/PolarisOffice/ETemp/3516_17285360/fImage29452992995.png"/>
+          <p:cNvPr id="52" name="그림 90"/>
           <p:cNvPicPr>
             <a:picLocks noChangeAspect="1"/>
           </p:cNvPicPr>
@@ -8505,7 +8934,7 @@
       </p:pic>
       <p:pic>
         <p:nvPicPr>
-          <p:cNvPr id="53" name="그림 91" descr="C:/Users/Admin1/AppData/Roaming/PolarisOffice/ETemp/3516_17285360/fImage59121764464.png"/>
+          <p:cNvPr id="53" name="그림 91"/>
           <p:cNvPicPr>
             <a:picLocks noChangeAspect="1"/>
           </p:cNvPicPr>
@@ -8536,7 +8965,7 @@
       </p:pic>
       <p:pic>
         <p:nvPicPr>
-          <p:cNvPr id="54" name="그림 93" descr="C:/Users/Admin1/AppData/Roaming/PolarisOffice/ETemp/3516_17285360/fImage48473031942.png"/>
+          <p:cNvPr id="54" name="그림 93"/>
           <p:cNvPicPr>
             <a:picLocks noChangeAspect="1"/>
           </p:cNvPicPr>
@@ -8715,7 +9144,7 @@
 </file>
 
 <file path=ppt/slides/slide12.xml><?xml version="1.0" encoding="utf-8"?>
-<p:sld xmlns:a="http://schemas.openxmlformats.org/drawingml/2006/main" xmlns:r="http://schemas.openxmlformats.org/officeDocument/2006/relationships" xmlns:p="http://schemas.openxmlformats.org/presentationml/2006/main">
+<p:sld xmlns:a="http://schemas.openxmlformats.org/drawingml/2006/main" xmlns:r="http://schemas.openxmlformats.org/officeDocument/2006/relationships" xmlns:p="http://schemas.openxmlformats.org/presentationml/2006/main" xmlns:p14="http://schemas.microsoft.com/office/powerpoint/2010/main">
   <p:cSld>
     <p:spTree>
       <p:nvGrpSpPr>
@@ -8784,7 +9213,7 @@
       </p:sp>
       <p:pic>
         <p:nvPicPr>
-          <p:cNvPr id="57" name="그림 97" descr="C:/Users/Admin1/AppData/Roaming/PolarisOffice/ETemp/3516_17285360/fImage180123184827.png"/>
+          <p:cNvPr id="57" name="그림 97"/>
           <p:cNvPicPr>
             <a:picLocks noChangeAspect="1"/>
           </p:cNvPicPr>
@@ -8948,7 +9377,7 @@
       </p:sp>
       <p:pic>
         <p:nvPicPr>
-          <p:cNvPr id="60" name="그림 104" descr="C:/Users/Admin1/AppData/Roaming/PolarisOffice/ETemp/3516_17285360/fImage59121764464.png"/>
+          <p:cNvPr id="60" name="그림 104"/>
           <p:cNvPicPr>
             <a:picLocks noChangeAspect="1"/>
           </p:cNvPicPr>
@@ -9011,7 +9440,7 @@
       </p:cxnSp>
       <p:pic>
         <p:nvPicPr>
-          <p:cNvPr id="61" name="그림 105" descr="C:/Users/Admin1/AppData/Roaming/PolarisOffice/ETemp/3516_17285360/fImage89153225436.png"/>
+          <p:cNvPr id="61" name="그림 105"/>
           <p:cNvPicPr>
             <a:picLocks noChangeAspect="1"/>
           </p:cNvPicPr>
@@ -9042,7 +9471,7 @@
       </p:pic>
       <p:pic>
         <p:nvPicPr>
-          <p:cNvPr id="62" name="그림 108" descr="C:/Users/Admin1/AppData/Roaming/PolarisOffice/ETemp/3516_17285360/fImage43503232391.png"/>
+          <p:cNvPr id="62" name="그림 108"/>
           <p:cNvPicPr>
             <a:picLocks noChangeAspect="1"/>
           </p:cNvPicPr>
@@ -9219,6 +9648,1469 @@
           </a:fontRef>
         </p:style>
       </p:cxnSp>
+    </p:spTree>
+  </p:cSld>
+  <p:clrMapOvr>
+    <a:masterClrMapping/>
+  </p:clrMapOvr>
+  <mc:AlternateContent xmlns:mc="http://schemas.openxmlformats.org/markup-compatibility/2006">
+    <mc:Choice xmlns:p14="http://schemas.microsoft.com/office/powerpoint/2010/main" Requires="p14">
+      <p:transition spd="slow" p14:dur="2000"/>
+    </mc:Choice>
+    <mc:Fallback>
+      <p:transition spd="slow"/>
+    </mc:Fallback>
+  </mc:AlternateContent>
+  <p:timing>
+    <p:tnLst>
+      <p:par>
+        <p:cTn id="1" dur="indefinite" restart="never" nodeType="tmRoot"/>
+      </p:par>
+    </p:tnLst>
+  </p:timing>
+</p:sld>
+</file>
+
+<file path=ppt/slides/slide13.xml><?xml version="1.0" encoding="utf-8"?>
+<p:sld xmlns:a="http://schemas.openxmlformats.org/drawingml/2006/main" xmlns:r="http://schemas.openxmlformats.org/officeDocument/2006/relationships" xmlns:p="http://schemas.openxmlformats.org/presentationml/2006/main">
+  <p:cSld>
+    <p:spTree>
+      <p:nvGrpSpPr>
+        <p:cNvPr id="1" name=""/>
+        <p:cNvGrpSpPr/>
+        <p:nvPr/>
+      </p:nvGrpSpPr>
+      <p:grpSpPr>
+        <a:xfrm>
+          <a:off x="0" y="0"/>
+          <a:ext cx="0" cy="0"/>
+          <a:chOff x="0" y="0"/>
+          <a:chExt cx="0" cy="0"/>
+        </a:xfrm>
+      </p:grpSpPr>
+      <p:sp>
+        <p:nvSpPr>
+          <p:cNvPr id="27" name="Rect 0"/>
+          <p:cNvSpPr txBox="1">
+            <a:spLocks/>
+          </p:cNvSpPr>
+          <p:nvPr/>
+        </p:nvSpPr>
+        <p:spPr>
+          <a:xfrm rot="0">
+            <a:off x="4339590" y="407035"/>
+            <a:ext cx="3509010" cy="554990"/>
+          </a:xfrm>
+          <a:prstGeom prst="rect"/>
+          <a:noFill/>
+          <a:ln w="0">
+            <a:noFill/>
+            <a:prstDash/>
+          </a:ln>
+        </p:spPr>
+        <p:txBody>
+          <a:bodyPr wrap="square" lIns="89535" tIns="46355" rIns="89535" bIns="46355" numCol="1" vert="horz" anchor="t">
+            <a:spAutoFit/>
+          </a:bodyPr>
+          <a:lstStyle/>
+          <a:p>
+            <a:pPr marL="0" indent="0" algn="l" latinLnBrk="0" hangingPunct="1">
+              <a:buFontTx/>
+              <a:buNone/>
+            </a:pPr>
+            <a:r>
+              <a:rPr lang="ko-KR" sz="3000" b="1">
+                <a:latin typeface="맑은 고딕" charset="0"/>
+                <a:ea typeface="맑은 고딕" charset="0"/>
+              </a:rPr>
+              <a:t>열</a:t>
+            </a:r>
+            <a:r>
+              <a:rPr lang="ko-KR" sz="3000" b="1">
+                <a:latin typeface="맑은 고딕" charset="0"/>
+                <a:ea typeface="맑은 고딕" charset="0"/>
+              </a:rPr>
+              <a:t>세</a:t>
+            </a:r>
+            <a:r>
+              <a:rPr lang="ko-KR" sz="3000" b="1">
+                <a:latin typeface="맑은 고딕" charset="0"/>
+                <a:ea typeface="맑은 고딕" charset="0"/>
+              </a:rPr>
+              <a:t> 번째 튜토리얼</a:t>
+            </a:r>
+            <a:endParaRPr lang="ko-KR" altLang="en-US" sz="3000" b="1">
+              <a:latin typeface="맑은 고딕" charset="0"/>
+              <a:ea typeface="맑은 고딕" charset="0"/>
+            </a:endParaRPr>
+          </a:p>
+        </p:txBody>
+      </p:sp>
+      <p:sp>
+        <p:nvSpPr>
+          <p:cNvPr id="59" name="Rect 0"/>
+          <p:cNvSpPr txBox="1">
+            <a:spLocks/>
+          </p:cNvSpPr>
+          <p:nvPr/>
+        </p:nvSpPr>
+        <p:spPr>
+          <a:xfrm rot="0">
+            <a:off x="1366520" y="4557395"/>
+            <a:ext cx="4013835" cy="1477645"/>
+          </a:xfrm>
+          <a:prstGeom prst="rect"/>
+          <a:noFill/>
+          <a:ln w="0">
+            <a:noFill/>
+            <a:prstDash/>
+          </a:ln>
+        </p:spPr>
+        <p:txBody>
+          <a:bodyPr wrap="square" lIns="89535" tIns="46355" rIns="89535" bIns="46355" numCol="1" vert="horz" anchor="t">
+            <a:spAutoFit/>
+          </a:bodyPr>
+          <a:lstStyle/>
+          <a:p>
+            <a:pPr marL="0" indent="0" rtl="0" algn="l" defTabSz="914400" eaLnBrk="1" latinLnBrk="0" hangingPunct="1">
+              <a:buFontTx/>
+              <a:buNone/>
+            </a:pPr>
+            <a:r>
+              <a:rPr sz="1800" b="1">
+                <a:solidFill>
+                  <a:srgbClr val="0611F2"/>
+                </a:solidFill>
+                <a:latin typeface="맑은 고딕" charset="0"/>
+                <a:ea typeface="맑은 고딕" charset="0"/>
+              </a:rPr>
+              <a:t>2</a:t>
+            </a:r>
+            <a:r>
+              <a:rPr sz="1800" b="1">
+                <a:solidFill>
+                  <a:srgbClr val="0611F2"/>
+                </a:solidFill>
+                <a:latin typeface="맑은 고딕" charset="0"/>
+                <a:ea typeface="맑은 고딕" charset="0"/>
+              </a:rPr>
+              <a:t>8</a:t>
+            </a:r>
+            <a:r>
+              <a:rPr sz="1800" b="1">
+                <a:solidFill>
+                  <a:srgbClr val="0611F2"/>
+                </a:solidFill>
+                <a:latin typeface="맑은 고딕" charset="0"/>
+                <a:ea typeface="맑은 고딕" charset="0"/>
+              </a:rPr>
+              <a:t>.</a:t>
+            </a:r>
+            <a:r>
+              <a:rPr sz="1800">
+                <a:latin typeface="맑은 고딕" charset="0"/>
+                <a:ea typeface="맑은 고딕" charset="0"/>
+              </a:rPr>
+              <a:t> </a:t>
+            </a:r>
+            <a:r>
+              <a:rPr lang="ko-KR" sz="1800">
+                <a:latin typeface="맑은 고딕" charset="0"/>
+                <a:ea typeface="맑은 고딕" charset="0"/>
+              </a:rPr>
+              <a:t>이제 Character 오브젝트에서 UI를 선택한 다음 Text를 생성합니다.</a:t>
+            </a:r>
+            <a:endParaRPr lang="ko-KR" altLang="en-US" sz="1800">
+              <a:latin typeface="맑은 고딕" charset="0"/>
+              <a:ea typeface="맑은 고딕" charset="0"/>
+            </a:endParaRPr>
+          </a:p>
+          <a:p>
+            <a:pPr marL="0" indent="0" rtl="0" algn="l" defTabSz="914400" eaLnBrk="1" latinLnBrk="0" hangingPunct="1">
+              <a:buFontTx/>
+              <a:buNone/>
+            </a:pPr>
+            <a:endParaRPr lang="ko-KR" altLang="en-US" sz="1800">
+              <a:latin typeface="맑은 고딕" charset="0"/>
+              <a:ea typeface="맑은 고딕" charset="0"/>
+            </a:endParaRPr>
+          </a:p>
+          <a:p>
+            <a:pPr marL="0" indent="0" rtl="0" algn="l" defTabSz="914400" eaLnBrk="1" latinLnBrk="0" hangingPunct="1">
+              <a:buFontTx/>
+              <a:buNone/>
+            </a:pPr>
+            <a:r>
+              <a:rPr lang="ko-KR" sz="1800">
+                <a:latin typeface="맑은 고딕" charset="0"/>
+                <a:ea typeface="맑은 고딕" charset="0"/>
+              </a:rPr>
+              <a:t>그리고 Billboard 스크립트를 생성하고 Canvas에 넣어줍니다.</a:t>
+            </a:r>
+            <a:endParaRPr lang="ko-KR" altLang="en-US" sz="1800">
+              <a:latin typeface="맑은 고딕" charset="0"/>
+              <a:ea typeface="맑은 고딕" charset="0"/>
+            </a:endParaRPr>
+          </a:p>
+        </p:txBody>
+      </p:sp>
+      <p:sp>
+        <p:nvSpPr>
+          <p:cNvPr id="63" name="Rect 0"/>
+          <p:cNvSpPr txBox="1">
+            <a:spLocks/>
+          </p:cNvSpPr>
+          <p:nvPr/>
+        </p:nvSpPr>
+        <p:spPr>
+          <a:xfrm rot="0">
+            <a:off x="6827520" y="2713990"/>
+            <a:ext cx="4244975" cy="923925"/>
+          </a:xfrm>
+          <a:prstGeom prst="rect"/>
+          <a:noFill/>
+          <a:ln w="0">
+            <a:noFill/>
+            <a:prstDash/>
+          </a:ln>
+        </p:spPr>
+        <p:txBody>
+          <a:bodyPr wrap="square" lIns="89535" tIns="46355" rIns="89535" bIns="46355" numCol="1" vert="horz" anchor="t">
+            <a:spAutoFit/>
+          </a:bodyPr>
+          <a:lstStyle/>
+          <a:p>
+            <a:pPr marL="0" indent="0" rtl="0" algn="l" defTabSz="914400" eaLnBrk="1" latinLnBrk="0" hangingPunct="1">
+              <a:buFontTx/>
+              <a:buNone/>
+            </a:pPr>
+            <a:r>
+              <a:rPr sz="1800" b="1">
+                <a:solidFill>
+                  <a:srgbClr val="0611F2"/>
+                </a:solidFill>
+                <a:latin typeface="맑은 고딕" charset="0"/>
+                <a:ea typeface="맑은 고딕" charset="0"/>
+              </a:rPr>
+              <a:t>2</a:t>
+            </a:r>
+            <a:r>
+              <a:rPr lang="ko-KR" sz="1800" b="1">
+                <a:solidFill>
+                  <a:srgbClr val="0611F2"/>
+                </a:solidFill>
+                <a:latin typeface="맑은 고딕" charset="0"/>
+                <a:ea typeface="맑은 고딕" charset="0"/>
+              </a:rPr>
+              <a:t>9</a:t>
+            </a:r>
+            <a:r>
+              <a:rPr sz="1800" b="1">
+                <a:solidFill>
+                  <a:srgbClr val="0611F2"/>
+                </a:solidFill>
+                <a:latin typeface="맑은 고딕" charset="0"/>
+                <a:ea typeface="맑은 고딕" charset="0"/>
+              </a:rPr>
+              <a:t>.</a:t>
+            </a:r>
+            <a:r>
+              <a:rPr sz="1800">
+                <a:latin typeface="맑은 고딕" charset="0"/>
+                <a:ea typeface="맑은 고딕" charset="0"/>
+              </a:rPr>
+              <a:t> 그</a:t>
+            </a:r>
+            <a:r>
+              <a:rPr lang="ko-KR" sz="1800">
+                <a:latin typeface="맑은 고딕" charset="0"/>
+                <a:ea typeface="맑은 고딕" charset="0"/>
+              </a:rPr>
+              <a:t>런 다음</a:t>
+            </a:r>
+            <a:r>
+              <a:rPr lang="ko-KR" sz="1800">
+                <a:latin typeface="맑은 고딕" charset="0"/>
+                <a:ea typeface="맑은 고딕" charset="0"/>
+              </a:rPr>
+              <a:t> Canvas를 3차원 공간에서 표시하기 위해 Rener Mode를 World Space로 변경합니다.</a:t>
+            </a:r>
+            <a:endParaRPr lang="ko-KR" altLang="en-US" sz="1800">
+              <a:latin typeface="맑은 고딕" charset="0"/>
+              <a:ea typeface="맑은 고딕" charset="0"/>
+            </a:endParaRPr>
+          </a:p>
+        </p:txBody>
+      </p:sp>
+      <p:pic>
+        <p:nvPicPr>
+          <p:cNvPr id="64" name="그림 4" descr="C:/Users/Admin1/AppData/Roaming/PolarisOffice/ETemp/11744_8568704/fImage217262668467.png"/>
+          <p:cNvPicPr>
+            <a:picLocks noChangeAspect="1"/>
+          </p:cNvPicPr>
+          <p:nvPr/>
+        </p:nvPicPr>
+        <p:blipFill rotWithShape="1">
+          <a:blip r:embed="rId2" cstate="print">
+            <a:extLst>
+              <a:ext uri="{28A0092B-C50C-407E-A947-70E740481C1C}">
+                <a14:useLocalDpi xmlns:a14="http://schemas.microsoft.com/office/drawing/2010/main" val="0"/>
+              </a:ext>
+            </a:extLst>
+          </a:blip>
+          <a:stretch>
+            <a:fillRect/>
+          </a:stretch>
+        </p:blipFill>
+        <p:spPr>
+          <a:xfrm rot="0">
+            <a:off x="1365885" y="1340485"/>
+            <a:ext cx="2837815" cy="3079750"/>
+          </a:xfrm>
+          <a:prstGeom prst="roundRect"/>
+          <a:solidFill>
+            <a:srgbClr val="EDEDED"/>
+          </a:solidFill>
+        </p:spPr>
+      </p:pic>
+      <p:pic>
+        <p:nvPicPr>
+          <p:cNvPr id="65" name="그림 11" descr="C:/Users/Admin1/AppData/Roaming/PolarisOffice/ETemp/11744_8568704/fImage21742696334.png"/>
+          <p:cNvPicPr>
+            <a:picLocks noChangeAspect="1"/>
+          </p:cNvPicPr>
+          <p:nvPr/>
+        </p:nvPicPr>
+        <p:blipFill rotWithShape="1">
+          <a:blip r:embed="rId3" cstate="print">
+            <a:extLst>
+              <a:ext uri="{28A0092B-C50C-407E-A947-70E740481C1C}">
+                <a14:useLocalDpi xmlns:a14="http://schemas.microsoft.com/office/drawing/2010/main" val="0"/>
+              </a:ext>
+            </a:extLst>
+          </a:blip>
+          <a:stretch>
+            <a:fillRect/>
+          </a:stretch>
+        </p:blipFill>
+        <p:spPr>
+          <a:xfrm rot="0">
+            <a:off x="4497705" y="3417570"/>
+            <a:ext cx="718185" cy="731520"/>
+          </a:xfrm>
+          <a:prstGeom prst="roundRect"/>
+          <a:solidFill>
+            <a:srgbClr val="EDEDED"/>
+          </a:solidFill>
+        </p:spPr>
+      </p:pic>
+      <p:pic>
+        <p:nvPicPr>
+          <p:cNvPr id="66" name="그림 12" descr="C:/Users/Admin1/AppData/Roaming/PolarisOffice/ETemp/11744_8568704/fImage32922706500.png"/>
+          <p:cNvPicPr>
+            <a:picLocks noChangeAspect="1"/>
+          </p:cNvPicPr>
+          <p:nvPr/>
+        </p:nvPicPr>
+        <p:blipFill rotWithShape="1">
+          <a:blip r:embed="rId4" cstate="print">
+            <a:extLst>
+              <a:ext uri="{28A0092B-C50C-407E-A947-70E740481C1C}">
+                <a14:useLocalDpi xmlns:a14="http://schemas.microsoft.com/office/drawing/2010/main" val="0"/>
+              </a:ext>
+            </a:extLst>
+          </a:blip>
+          <a:stretch>
+            <a:fillRect/>
+          </a:stretch>
+        </p:blipFill>
+        <p:spPr>
+          <a:xfrm rot="0">
+            <a:off x="4339590" y="1696085"/>
+            <a:ext cx="1031875" cy="1323975"/>
+          </a:xfrm>
+          <a:prstGeom prst="roundRect"/>
+          <a:solidFill>
+            <a:srgbClr val="EDEDED"/>
+          </a:solidFill>
+        </p:spPr>
+      </p:pic>
+      <p:cxnSp>
+        <p:nvCxnSpPr>
+          <p:cNvPr id="67" name="도형 17"/>
+          <p:cNvCxnSpPr/>
+          <p:nvPr/>
+        </p:nvCxnSpPr>
+        <p:spPr>
+          <a:xfrm rot="0" flipV="1">
+            <a:off x="4856480" y="2621280"/>
+            <a:ext cx="5080" cy="796925"/>
+          </a:xfrm>
+          <a:prstGeom prst="straightConnector1"/>
+          <a:ln w="6350" cap="flat" cmpd="sng">
+            <a:prstDash/>
+            <a:headEnd type="none" w="med" len="med"/>
+            <a:tailEnd type="triangle" w="med" len="med"/>
+          </a:ln>
+        </p:spPr>
+        <p:style>
+          <a:lnRef idx="1">
+            <a:schemeClr val="accent1"/>
+          </a:lnRef>
+          <a:fillRef idx="0">
+            <a:schemeClr val="accent1"/>
+          </a:fillRef>
+          <a:effectRef idx="0">
+            <a:schemeClr val="accent1"/>
+          </a:effectRef>
+          <a:fontRef idx="minor">
+            <a:schemeClr val="tx1"/>
+          </a:fontRef>
+        </p:style>
+      </p:cxnSp>
+      <p:pic>
+        <p:nvPicPr>
+          <p:cNvPr id="68" name="그림 18" descr="C:/Users/Admin1/AppData/Roaming/PolarisOffice/ETemp/11744_8568704/fImage168562729169.png"/>
+          <p:cNvPicPr>
+            <a:picLocks noChangeAspect="1"/>
+          </p:cNvPicPr>
+          <p:nvPr/>
+        </p:nvPicPr>
+        <p:blipFill rotWithShape="1">
+          <a:blip r:embed="rId5" cstate="print">
+            <a:extLst>
+              <a:ext uri="{28A0092B-C50C-407E-A947-70E740481C1C}">
+                <a14:useLocalDpi xmlns:a14="http://schemas.microsoft.com/office/drawing/2010/main" val="0"/>
+              </a:ext>
+            </a:extLst>
+          </a:blip>
+          <a:stretch>
+            <a:fillRect/>
+          </a:stretch>
+        </p:blipFill>
+        <p:spPr>
+          <a:xfrm rot="0">
+            <a:off x="6817995" y="1332230"/>
+            <a:ext cx="4253230" cy="1280160"/>
+          </a:xfrm>
+          <a:prstGeom prst="roundRect"/>
+          <a:solidFill>
+            <a:srgbClr val="EDEDED"/>
+          </a:solidFill>
+        </p:spPr>
+      </p:pic>
+      <p:pic>
+        <p:nvPicPr>
+          <p:cNvPr id="69" name="그림 21" descr="C:/Users/Admin1/AppData/Roaming/PolarisOffice/ETemp/11744_8568704/fImage119622735724.png"/>
+          <p:cNvPicPr>
+            <a:picLocks noChangeAspect="1"/>
+          </p:cNvPicPr>
+          <p:nvPr/>
+        </p:nvPicPr>
+        <p:blipFill rotWithShape="1">
+          <a:blip r:embed="rId6" cstate="print">
+            <a:extLst>
+              <a:ext uri="{28A0092B-C50C-407E-A947-70E740481C1C}">
+                <a14:useLocalDpi xmlns:a14="http://schemas.microsoft.com/office/drawing/2010/main" val="0"/>
+              </a:ext>
+            </a:extLst>
+          </a:blip>
+          <a:stretch>
+            <a:fillRect/>
+          </a:stretch>
+        </p:blipFill>
+        <p:spPr>
+          <a:xfrm rot="0">
+            <a:off x="6822440" y="3790315"/>
+            <a:ext cx="4239895" cy="1425575"/>
+          </a:xfrm>
+          <a:prstGeom prst="roundRect"/>
+          <a:solidFill>
+            <a:srgbClr val="EDEDED"/>
+          </a:solidFill>
+        </p:spPr>
+      </p:pic>
+      <p:sp>
+        <p:nvSpPr>
+          <p:cNvPr id="70" name="텍스트 상자 24"/>
+          <p:cNvSpPr txBox="1">
+            <a:spLocks/>
+          </p:cNvSpPr>
+          <p:nvPr/>
+        </p:nvSpPr>
+        <p:spPr>
+          <a:xfrm rot="0">
+            <a:off x="6835140" y="5390515"/>
+            <a:ext cx="4244975" cy="647065"/>
+          </a:xfrm>
+          <a:prstGeom prst="rect"/>
+          <a:noFill/>
+          <a:ln w="0">
+            <a:noFill/>
+            <a:prstDash/>
+          </a:ln>
+        </p:spPr>
+        <p:txBody>
+          <a:bodyPr wrap="square" lIns="89535" tIns="46355" rIns="89535" bIns="46355" numCol="1" vert="horz" anchor="t">
+            <a:spAutoFit/>
+          </a:bodyPr>
+          <a:lstStyle/>
+          <a:p>
+            <a:pPr marL="0" indent="0" rtl="0" algn="l" defTabSz="914400" eaLnBrk="1" latinLnBrk="0" hangingPunct="1">
+              <a:buFontTx/>
+              <a:buNone/>
+            </a:pPr>
+            <a:r>
+              <a:rPr sz="1800" b="1">
+                <a:solidFill>
+                  <a:srgbClr val="0611F2"/>
+                </a:solidFill>
+                <a:latin typeface="맑은 고딕" charset="0"/>
+                <a:ea typeface="맑은 고딕" charset="0"/>
+              </a:rPr>
+              <a:t>30</a:t>
+            </a:r>
+            <a:r>
+              <a:rPr sz="1800" b="1">
+                <a:solidFill>
+                  <a:srgbClr val="0611F2"/>
+                </a:solidFill>
+                <a:latin typeface="맑은 고딕" charset="0"/>
+                <a:ea typeface="맑은 고딕" charset="0"/>
+              </a:rPr>
+              <a:t>.</a:t>
+            </a:r>
+            <a:r>
+              <a:rPr sz="1800">
+                <a:latin typeface="맑은 고딕" charset="0"/>
+                <a:ea typeface="맑은 고딕" charset="0"/>
+              </a:rPr>
+              <a:t> </a:t>
+            </a:r>
+            <a:r>
+              <a:rPr lang="ko-KR" sz="1800">
+                <a:latin typeface="맑은 고딕" charset="0"/>
+                <a:ea typeface="맑은 고딕" charset="0"/>
+              </a:rPr>
+              <a:t>그다음 Canvas의 크기와 위치를 0으로 초기화합니다.</a:t>
+            </a:r>
+            <a:endParaRPr lang="ko-KR" altLang="en-US" sz="1800">
+              <a:latin typeface="맑은 고딕" charset="0"/>
+              <a:ea typeface="맑은 고딕" charset="0"/>
+            </a:endParaRPr>
+          </a:p>
+        </p:txBody>
+      </p:sp>
+    </p:spTree>
+  </p:cSld>
+  <p:clrMapOvr>
+    <a:masterClrMapping/>
+  </p:clrMapOvr>
+  <mc:AlternateContent xmlns:mc="http://schemas.openxmlformats.org/markup-compatibility/2006">
+    <mc:Choice xmlns:p14="http://schemas.microsoft.com/office/powerpoint/2010/main" Requires="p14">
+      <p:transition spd="slow" p14:dur="2000"/>
+    </mc:Choice>
+    <mc:Fallback>
+      <p:transition spd="slow"/>
+    </mc:Fallback>
+  </mc:AlternateContent>
+  <p:timing>
+    <p:tnLst>
+      <p:par>
+        <p:cTn id="1" dur="indefinite" restart="never" nodeType="tmRoot"/>
+      </p:par>
+    </p:tnLst>
+  </p:timing>
+</p:sld>
+</file>
+
+<file path=ppt/slides/slide14.xml><?xml version="1.0" encoding="utf-8"?>
+<p:sld xmlns:a="http://schemas.openxmlformats.org/drawingml/2006/main" xmlns:r="http://schemas.openxmlformats.org/officeDocument/2006/relationships" xmlns:p="http://schemas.openxmlformats.org/presentationml/2006/main" xmlns:p14="http://schemas.microsoft.com/office/powerpoint/2010/main">
+  <p:cSld>
+    <p:spTree>
+      <p:nvGrpSpPr>
+        <p:cNvPr id="1" name=""/>
+        <p:cNvGrpSpPr/>
+        <p:nvPr/>
+      </p:nvGrpSpPr>
+      <p:grpSpPr>
+        <a:xfrm>
+          <a:off x="0" y="0"/>
+          <a:ext cx="0" cy="0"/>
+          <a:chOff x="0" y="0"/>
+          <a:chExt cx="0" cy="0"/>
+        </a:xfrm>
+      </p:grpSpPr>
+      <p:sp>
+        <p:nvSpPr>
+          <p:cNvPr id="27" name="Rect 0"/>
+          <p:cNvSpPr txBox="1">
+            <a:spLocks/>
+          </p:cNvSpPr>
+          <p:nvPr/>
+        </p:nvSpPr>
+        <p:spPr>
+          <a:xfrm rot="0">
+            <a:off x="4339590" y="407035"/>
+            <a:ext cx="3509010" cy="554990"/>
+          </a:xfrm>
+          <a:prstGeom prst="rect"/>
+          <a:noFill/>
+          <a:ln w="0">
+            <a:noFill/>
+            <a:prstDash/>
+          </a:ln>
+        </p:spPr>
+        <p:txBody>
+          <a:bodyPr wrap="square" lIns="89535" tIns="46355" rIns="89535" bIns="46355" numCol="1" vert="horz" anchor="t">
+            <a:spAutoFit/>
+          </a:bodyPr>
+          <a:lstStyle/>
+          <a:p>
+            <a:pPr marL="0" indent="0" algn="l" latinLnBrk="0" hangingPunct="1">
+              <a:buFontTx/>
+              <a:buNone/>
+            </a:pPr>
+            <a:r>
+              <a:rPr lang="ko-KR" sz="3000" b="1">
+                <a:latin typeface="맑은 고딕" charset="0"/>
+                <a:ea typeface="맑은 고딕" charset="0"/>
+              </a:rPr>
+              <a:t>열</a:t>
+            </a:r>
+            <a:r>
+              <a:rPr lang="ko-KR" sz="3000" b="1">
+                <a:latin typeface="맑은 고딕" charset="0"/>
+                <a:ea typeface="맑은 고딕" charset="0"/>
+              </a:rPr>
+              <a:t>네</a:t>
+            </a:r>
+            <a:r>
+              <a:rPr lang="ko-KR" sz="3000" b="1">
+                <a:latin typeface="맑은 고딕" charset="0"/>
+                <a:ea typeface="맑은 고딕" charset="0"/>
+              </a:rPr>
+              <a:t> 번째 튜토리얼</a:t>
+            </a:r>
+            <a:endParaRPr lang="ko-KR" altLang="en-US" sz="3000" b="1">
+              <a:latin typeface="맑은 고딕" charset="0"/>
+              <a:ea typeface="맑은 고딕" charset="0"/>
+            </a:endParaRPr>
+          </a:p>
+        </p:txBody>
+      </p:sp>
+      <p:sp>
+        <p:nvSpPr>
+          <p:cNvPr id="70" name="Rect 0"/>
+          <p:cNvSpPr txBox="1">
+            <a:spLocks/>
+          </p:cNvSpPr>
+          <p:nvPr/>
+        </p:nvSpPr>
+        <p:spPr>
+          <a:xfrm rot="0">
+            <a:off x="6844030" y="4932045"/>
+            <a:ext cx="4245610" cy="1200785"/>
+          </a:xfrm>
+          <a:prstGeom prst="rect"/>
+          <a:noFill/>
+          <a:ln w="0">
+            <a:noFill/>
+            <a:prstDash/>
+          </a:ln>
+        </p:spPr>
+        <p:txBody>
+          <a:bodyPr wrap="square" lIns="89535" tIns="46355" rIns="89535" bIns="46355" numCol="1" vert="horz" anchor="t">
+            <a:spAutoFit/>
+          </a:bodyPr>
+          <a:lstStyle/>
+          <a:p>
+            <a:pPr marL="0" indent="0" rtl="0" algn="l" defTabSz="914400" eaLnBrk="1" latinLnBrk="0" hangingPunct="1">
+              <a:buFontTx/>
+              <a:buNone/>
+            </a:pPr>
+            <a:r>
+              <a:rPr sz="1800" b="1">
+                <a:solidFill>
+                  <a:srgbClr val="0611F2"/>
+                </a:solidFill>
+                <a:latin typeface="맑은 고딕" charset="0"/>
+                <a:ea typeface="맑은 고딕" charset="0"/>
+              </a:rPr>
+              <a:t>3</a:t>
+            </a:r>
+            <a:r>
+              <a:rPr lang="ko-KR" sz="1800" b="1">
+                <a:solidFill>
+                  <a:srgbClr val="0611F2"/>
+                </a:solidFill>
+                <a:latin typeface="맑은 고딕" charset="0"/>
+                <a:ea typeface="맑은 고딕" charset="0"/>
+              </a:rPr>
+              <a:t>2</a:t>
+            </a:r>
+            <a:r>
+              <a:rPr sz="1800" b="1">
+                <a:solidFill>
+                  <a:srgbClr val="0611F2"/>
+                </a:solidFill>
+                <a:latin typeface="맑은 고딕" charset="0"/>
+                <a:ea typeface="맑은 고딕" charset="0"/>
+              </a:rPr>
+              <a:t>.</a:t>
+            </a:r>
+            <a:r>
+              <a:rPr sz="1800">
+                <a:latin typeface="맑은 고딕" charset="0"/>
+                <a:ea typeface="맑은 고딕" charset="0"/>
+              </a:rPr>
+              <a:t> </a:t>
+            </a:r>
+            <a:r>
+              <a:rPr lang="ko-KR" sz="1800">
+                <a:latin typeface="맑은 고딕" charset="0"/>
+                <a:ea typeface="맑은 고딕" charset="0"/>
+              </a:rPr>
+              <a:t>이제</a:t>
+            </a:r>
+            <a:r>
+              <a:rPr lang="ko-KR" sz="1800">
+                <a:latin typeface="맑은 고딕" charset="0"/>
+                <a:ea typeface="맑은 고딕" charset="0"/>
+              </a:rPr>
+              <a:t> Text에 Font Size와 Alignment를 설정한 다음 Horizontal Overflow와 Vertical Overflow를 Overflow로 설정합니다.</a:t>
+            </a:r>
+            <a:endParaRPr lang="ko-KR" altLang="en-US" sz="1800">
+              <a:latin typeface="맑은 고딕" charset="0"/>
+              <a:ea typeface="맑은 고딕" charset="0"/>
+            </a:endParaRPr>
+          </a:p>
+        </p:txBody>
+      </p:sp>
+      <p:pic>
+        <p:nvPicPr>
+          <p:cNvPr id="72" name="그림 28" descr="C:/Users/Admin1/AppData/Roaming/PolarisOffice/ETemp/7964_20879944/fImage191682899358.png"/>
+          <p:cNvPicPr>
+            <a:picLocks noChangeAspect="1"/>
+          </p:cNvPicPr>
+          <p:nvPr/>
+        </p:nvPicPr>
+        <p:blipFill rotWithShape="1">
+          <a:blip r:embed="rId3" cstate="hqprint">
+            <a:extLst>
+              <a:ext uri="{28A0092B-C50C-407E-A947-70E740481C1C}">
+                <a14:useLocalDpi xmlns:a14="http://schemas.microsoft.com/office/drawing/2010/main"/>
+              </a:ext>
+            </a:extLst>
+          </a:blip>
+          <a:stretch>
+            <a:fillRect/>
+          </a:stretch>
+        </p:blipFill>
+        <p:spPr>
+          <a:xfrm rot="0">
+            <a:off x="6832600" y="1375410"/>
+            <a:ext cx="4256405" cy="3425190"/>
+          </a:xfrm>
+          <a:prstGeom prst="rect"/>
+          <a:noFill/>
+        </p:spPr>
+      </p:pic>
+      <p:sp>
+        <p:nvSpPr>
+          <p:cNvPr id="73" name="텍스트 상자 3"/>
+          <p:cNvSpPr txBox="1">
+            <a:spLocks/>
+          </p:cNvSpPr>
+          <p:nvPr/>
+        </p:nvSpPr>
+        <p:spPr>
+          <a:xfrm rot="0">
+            <a:off x="1366520" y="3536950"/>
+            <a:ext cx="4005580" cy="2585085"/>
+          </a:xfrm>
+          <a:prstGeom prst="rect"/>
+          <a:noFill/>
+          <a:ln w="0">
+            <a:noFill/>
+            <a:prstDash/>
+          </a:ln>
+        </p:spPr>
+        <p:txBody>
+          <a:bodyPr wrap="square" lIns="89535" tIns="46355" rIns="89535" bIns="46355" numCol="1" vert="horz" anchor="t">
+            <a:spAutoFit/>
+          </a:bodyPr>
+          <a:lstStyle/>
+          <a:p>
+            <a:pPr marL="0" indent="0" rtl="0" algn="l" defTabSz="914400" eaLnBrk="1" latinLnBrk="0" hangingPunct="1">
+              <a:buFontTx/>
+              <a:buNone/>
+            </a:pPr>
+            <a:r>
+              <a:rPr sz="1800" b="1">
+                <a:solidFill>
+                  <a:srgbClr val="0611F2"/>
+                </a:solidFill>
+                <a:latin typeface="맑은 고딕" charset="0"/>
+                <a:ea typeface="맑은 고딕" charset="0"/>
+              </a:rPr>
+              <a:t>3</a:t>
+            </a:r>
+            <a:r>
+              <a:rPr lang="ko-KR" sz="1800" b="1">
+                <a:solidFill>
+                  <a:srgbClr val="0611F2"/>
+                </a:solidFill>
+                <a:latin typeface="맑은 고딕" charset="0"/>
+                <a:ea typeface="맑은 고딕" charset="0"/>
+              </a:rPr>
+              <a:t>1</a:t>
+            </a:r>
+            <a:r>
+              <a:rPr sz="1800" b="1">
+                <a:solidFill>
+                  <a:srgbClr val="0611F2"/>
+                </a:solidFill>
+                <a:latin typeface="맑은 고딕" charset="0"/>
+                <a:ea typeface="맑은 고딕" charset="0"/>
+              </a:rPr>
+              <a:t>.</a:t>
+            </a:r>
+            <a:r>
+              <a:rPr sz="1800">
+                <a:latin typeface="맑은 고딕" charset="0"/>
+                <a:ea typeface="맑은 고딕" charset="0"/>
+              </a:rPr>
+              <a:t> </a:t>
+            </a:r>
+            <a:r>
+              <a:rPr lang="ko-KR" sz="1800">
+                <a:latin typeface="맑은 고딕" charset="0"/>
+                <a:ea typeface="맑은 고딕" charset="0"/>
+              </a:rPr>
+              <a:t>그런 다음 Billboard 스크립트에서 text 변수를 선언합니다.</a:t>
+            </a:r>
+            <a:endParaRPr lang="ko-KR" altLang="en-US" sz="1800">
+              <a:latin typeface="맑은 고딕" charset="0"/>
+              <a:ea typeface="맑은 고딕" charset="0"/>
+            </a:endParaRPr>
+          </a:p>
+          <a:p>
+            <a:pPr marL="0" indent="0" rtl="0" algn="l" defTabSz="914400" eaLnBrk="1" latinLnBrk="0" hangingPunct="1">
+              <a:buFontTx/>
+              <a:buNone/>
+            </a:pPr>
+            <a:endParaRPr lang="ko-KR" altLang="en-US" sz="1800">
+              <a:latin typeface="맑은 고딕" charset="0"/>
+              <a:ea typeface="맑은 고딕" charset="0"/>
+            </a:endParaRPr>
+          </a:p>
+          <a:p>
+            <a:pPr marL="0" indent="0" rtl="0" algn="l" defTabSz="914400" eaLnBrk="1" latinLnBrk="0" hangingPunct="1">
+              <a:buFontTx/>
+              <a:buNone/>
+            </a:pPr>
+            <a:r>
+              <a:rPr lang="ko-KR" sz="1800">
+                <a:latin typeface="맑은 고딕" charset="0"/>
+                <a:ea typeface="맑은 고딕" charset="0"/>
+              </a:rPr>
+              <a:t>그리고 text 변수에 자신의 닉네임을 넣어줍니다.</a:t>
+            </a:r>
+            <a:endParaRPr lang="ko-KR" altLang="en-US" sz="1800">
+              <a:latin typeface="맑은 고딕" charset="0"/>
+              <a:ea typeface="맑은 고딕" charset="0"/>
+            </a:endParaRPr>
+          </a:p>
+          <a:p>
+            <a:pPr marL="0" indent="0" rtl="0" algn="l" defTabSz="914400" eaLnBrk="1" latinLnBrk="0" hangingPunct="1">
+              <a:buFontTx/>
+              <a:buNone/>
+            </a:pPr>
+            <a:endParaRPr lang="ko-KR" altLang="en-US" sz="1800">
+              <a:latin typeface="맑은 고딕" charset="0"/>
+              <a:ea typeface="맑은 고딕" charset="0"/>
+            </a:endParaRPr>
+          </a:p>
+          <a:p>
+            <a:pPr marL="0" indent="0" rtl="0" algn="l" defTabSz="914400" eaLnBrk="1" latinLnBrk="0" hangingPunct="1">
+              <a:buFontTx/>
+              <a:buNone/>
+            </a:pPr>
+            <a:r>
+              <a:rPr lang="ko-KR" sz="1800">
+                <a:latin typeface="맑은 고딕" charset="0"/>
+                <a:ea typeface="맑은 고딕" charset="0"/>
+              </a:rPr>
+              <a:t>그다음 자기 앞의 방향에 카메라의 앞 방향을 지정하여 바라볼 수 있도록 설정합니다.</a:t>
+            </a:r>
+            <a:endParaRPr lang="ko-KR" altLang="en-US" sz="1800">
+              <a:latin typeface="맑은 고딕" charset="0"/>
+              <a:ea typeface="맑은 고딕" charset="0"/>
+            </a:endParaRPr>
+          </a:p>
+        </p:txBody>
+      </p:sp>
+      <p:pic>
+        <p:nvPicPr>
+          <p:cNvPr id="74" name="그림 4" descr="C:/Users/Admin1/AppData/Roaming/PolarisOffice/ETemp/7964_20879944/fImage133412986962.png"/>
+          <p:cNvPicPr>
+            <a:picLocks noChangeAspect="1"/>
+          </p:cNvPicPr>
+          <p:nvPr/>
+        </p:nvPicPr>
+        <p:blipFill rotWithShape="1">
+          <a:blip r:embed="rId5" cstate="hqprint">
+            <a:extLst>
+              <a:ext uri="{28A0092B-C50C-407E-A947-70E740481C1C}">
+                <a14:useLocalDpi xmlns:a14="http://schemas.microsoft.com/office/drawing/2010/main"/>
+              </a:ext>
+            </a:extLst>
+          </a:blip>
+          <a:stretch>
+            <a:fillRect/>
+          </a:stretch>
+        </p:blipFill>
+        <p:spPr>
+          <a:xfrm rot="0">
+            <a:off x="1364615" y="1366520"/>
+            <a:ext cx="4007485" cy="2007870"/>
+          </a:xfrm>
+          <a:prstGeom prst="roundRect"/>
+          <a:solidFill>
+            <a:srgbClr val="EDEDED"/>
+          </a:solidFill>
+        </p:spPr>
+      </p:pic>
+    </p:spTree>
+  </p:cSld>
+  <p:clrMapOvr>
+    <a:masterClrMapping/>
+  </p:clrMapOvr>
+  <mc:AlternateContent xmlns:mc="http://schemas.openxmlformats.org/markup-compatibility/2006">
+    <mc:Choice xmlns:p14="http://schemas.microsoft.com/office/powerpoint/2010/main" Requires="p14">
+      <p:transition spd="slow" p14:dur="2000"/>
+    </mc:Choice>
+    <mc:Fallback>
+      <p:transition spd="slow"/>
+    </mc:Fallback>
+  </mc:AlternateContent>
+  <p:timing>
+    <p:tnLst>
+      <p:par>
+        <p:cTn id="1" dur="indefinite" restart="never" nodeType="tmRoot"/>
+      </p:par>
+    </p:tnLst>
+  </p:timing>
+</p:sld>
+</file>
+
+<file path=ppt/slides/slide15.xml><?xml version="1.0" encoding="utf-8"?>
+<p:sld xmlns:a="http://schemas.openxmlformats.org/drawingml/2006/main" xmlns:r="http://schemas.openxmlformats.org/officeDocument/2006/relationships" xmlns:p="http://schemas.openxmlformats.org/presentationml/2006/main" xmlns:p14="http://schemas.microsoft.com/office/powerpoint/2010/main">
+  <p:cSld>
+    <p:spTree>
+      <p:nvGrpSpPr>
+        <p:cNvPr id="1" name=""/>
+        <p:cNvGrpSpPr/>
+        <p:nvPr/>
+      </p:nvGrpSpPr>
+      <p:grpSpPr>
+        <a:xfrm>
+          <a:off x="0" y="0"/>
+          <a:ext cx="0" cy="0"/>
+          <a:chOff x="0" y="0"/>
+          <a:chExt cx="0" cy="0"/>
+        </a:xfrm>
+      </p:grpSpPr>
+      <p:sp>
+        <p:nvSpPr>
+          <p:cNvPr id="27" name="Rect 0"/>
+          <p:cNvSpPr txBox="1">
+            <a:spLocks/>
+          </p:cNvSpPr>
+          <p:nvPr/>
+        </p:nvSpPr>
+        <p:spPr>
+          <a:xfrm rot="0">
+            <a:off x="4339590" y="407035"/>
+            <a:ext cx="3509010" cy="554990"/>
+          </a:xfrm>
+          <a:prstGeom prst="rect"/>
+          <a:noFill/>
+          <a:ln w="0">
+            <a:noFill/>
+            <a:prstDash/>
+          </a:ln>
+        </p:spPr>
+        <p:txBody>
+          <a:bodyPr wrap="square" lIns="89535" tIns="46355" rIns="89535" bIns="46355" numCol="1" vert="horz" anchor="t">
+            <a:spAutoFit/>
+          </a:bodyPr>
+          <a:lstStyle/>
+          <a:p>
+            <a:pPr marL="0" indent="0" algn="l" latinLnBrk="0" hangingPunct="1">
+              <a:buFontTx/>
+              <a:buNone/>
+            </a:pPr>
+            <a:r>
+              <a:rPr lang="ko-KR" sz="3000" b="1">
+                <a:latin typeface="맑은 고딕" charset="0"/>
+                <a:ea typeface="맑은 고딕" charset="0"/>
+              </a:rPr>
+              <a:t>열</a:t>
+            </a:r>
+            <a:r>
+              <a:rPr lang="ko-KR" sz="3000" b="1">
+                <a:latin typeface="맑은 고딕" charset="0"/>
+                <a:ea typeface="맑은 고딕" charset="0"/>
+              </a:rPr>
+              <a:t>네</a:t>
+            </a:r>
+            <a:r>
+              <a:rPr lang="ko-KR" sz="3000" b="1">
+                <a:latin typeface="맑은 고딕" charset="0"/>
+                <a:ea typeface="맑은 고딕" charset="0"/>
+              </a:rPr>
+              <a:t> 번째 튜토리얼</a:t>
+            </a:r>
+            <a:endParaRPr lang="ko-KR" altLang="en-US" sz="3000" b="1">
+              <a:latin typeface="맑은 고딕" charset="0"/>
+              <a:ea typeface="맑은 고딕" charset="0"/>
+            </a:endParaRPr>
+          </a:p>
+        </p:txBody>
+      </p:sp>
+      <p:sp>
+        <p:nvSpPr>
+          <p:cNvPr id="74" name="텍스트 상자 1"/>
+          <p:cNvSpPr txBox="1">
+            <a:spLocks/>
+          </p:cNvSpPr>
+          <p:nvPr/>
+        </p:nvSpPr>
+        <p:spPr>
+          <a:xfrm rot="0">
+            <a:off x="1384300" y="3013075"/>
+            <a:ext cx="4004310" cy="647065"/>
+          </a:xfrm>
+          <a:prstGeom prst="rect"/>
+          <a:noFill/>
+          <a:ln w="0">
+            <a:noFill/>
+            <a:prstDash/>
+          </a:ln>
+        </p:spPr>
+        <p:txBody>
+          <a:bodyPr wrap="square" lIns="89535" tIns="46355" rIns="89535" bIns="46355" numCol="1" vert="horz" anchor="t">
+            <a:spAutoFit/>
+          </a:bodyPr>
+          <a:lstStyle/>
+          <a:p>
+            <a:pPr marL="0" indent="0" rtl="0" algn="l" defTabSz="914400" eaLnBrk="1" latinLnBrk="0" hangingPunct="1">
+              <a:buFontTx/>
+              <a:buNone/>
+            </a:pPr>
+            <a:r>
+              <a:rPr sz="1800" b="1">
+                <a:solidFill>
+                  <a:srgbClr val="0611F2"/>
+                </a:solidFill>
+                <a:latin typeface="맑은 고딕" charset="0"/>
+                <a:ea typeface="맑은 고딕" charset="0"/>
+              </a:rPr>
+              <a:t>3</a:t>
+            </a:r>
+            <a:r>
+              <a:rPr sz="1800" b="1">
+                <a:solidFill>
+                  <a:srgbClr val="0611F2"/>
+                </a:solidFill>
+                <a:latin typeface="맑은 고딕" charset="0"/>
+                <a:ea typeface="맑은 고딕" charset="0"/>
+              </a:rPr>
+              <a:t>3</a:t>
+            </a:r>
+            <a:r>
+              <a:rPr sz="1800" b="1">
+                <a:solidFill>
+                  <a:srgbClr val="0611F2"/>
+                </a:solidFill>
+                <a:latin typeface="맑은 고딕" charset="0"/>
+                <a:ea typeface="맑은 고딕" charset="0"/>
+              </a:rPr>
+              <a:t>.</a:t>
+            </a:r>
+            <a:r>
+              <a:rPr sz="1800">
+                <a:latin typeface="맑은 고딕" charset="0"/>
+                <a:ea typeface="맑은 고딕" charset="0"/>
+              </a:rPr>
+              <a:t> </a:t>
+            </a:r>
+            <a:r>
+              <a:rPr lang="ko-KR" sz="1800">
+                <a:latin typeface="맑은 고딕" charset="0"/>
+                <a:ea typeface="맑은 고딕" charset="0"/>
+              </a:rPr>
+              <a:t>마지막으로</a:t>
+            </a:r>
+            <a:r>
+              <a:rPr lang="ko-KR" sz="1800">
+                <a:latin typeface="맑은 고딕" charset="0"/>
+                <a:ea typeface="맑은 고딕" charset="0"/>
+              </a:rPr>
+              <a:t> NickName Text의 위치와 크기를 설정합니다.</a:t>
+            </a:r>
+            <a:endParaRPr lang="ko-KR" altLang="en-US" sz="1800">
+              <a:latin typeface="맑은 고딕" charset="0"/>
+              <a:ea typeface="맑은 고딕" charset="0"/>
+            </a:endParaRPr>
+          </a:p>
+        </p:txBody>
+      </p:sp>
+      <p:pic>
+        <p:nvPicPr>
+          <p:cNvPr id="75" name="그림 2" descr="C:/Users/Admin1/AppData/Roaming/PolarisOffice/ETemp/7964_20879944/fImage136812881478.png"/>
+          <p:cNvPicPr>
+            <a:picLocks noChangeAspect="1"/>
+          </p:cNvPicPr>
+          <p:nvPr/>
+        </p:nvPicPr>
+        <p:blipFill rotWithShape="1">
+          <a:blip r:embed="rId4" cstate="hqprint">
+            <a:extLst>
+              <a:ext uri="{28A0092B-C50C-407E-A947-70E740481C1C}">
+                <a14:useLocalDpi xmlns:a14="http://schemas.microsoft.com/office/drawing/2010/main"/>
+              </a:ext>
+            </a:extLst>
+          </a:blip>
+          <a:stretch>
+            <a:fillRect/>
+          </a:stretch>
+        </p:blipFill>
+        <p:spPr>
+          <a:xfrm rot="0">
+            <a:off x="1378585" y="1418590"/>
+            <a:ext cx="4010025" cy="1487805"/>
+          </a:xfrm>
+          <a:prstGeom prst="roundRect"/>
+          <a:solidFill>
+            <a:srgbClr val="EDEDED"/>
+          </a:solidFill>
+        </p:spPr>
+      </p:pic>
+      <p:pic>
+        <p:nvPicPr>
+          <p:cNvPr id="76" name="그림 14" descr="C:/Users/Admin1/AppData/Roaming/PolarisOffice/ETemp/7964_20879944/fImage747921941.png"/>
+          <p:cNvPicPr>
+            <a:picLocks noChangeAspect="1"/>
+          </p:cNvPicPr>
+          <p:nvPr/>
+        </p:nvPicPr>
+        <p:blipFill rotWithShape="1">
+          <a:blip r:embed="rId5" cstate="print">
+            <a:extLst>
+              <a:ext uri="{28A0092B-C50C-407E-A947-70E740481C1C}">
+                <a14:useLocalDpi xmlns:a14="http://schemas.microsoft.com/office/drawing/2010/main" val="0"/>
+              </a:ext>
+            </a:extLst>
+          </a:blip>
+          <a:stretch>
+            <a:fillRect/>
+          </a:stretch>
+        </p:blipFill>
+        <p:spPr>
+          <a:xfrm rot="0">
+            <a:off x="6815455" y="1409700"/>
+            <a:ext cx="4169410" cy="1151255"/>
+          </a:xfrm>
+          <a:prstGeom prst="roundRect"/>
+          <a:solidFill>
+            <a:srgbClr val="EDEDED"/>
+          </a:solidFill>
+        </p:spPr>
+      </p:pic>
+      <p:pic>
+        <p:nvPicPr>
+          <p:cNvPr id="77" name="그림 17" descr="C:/Users/Admin1/AppData/Roaming/PolarisOffice/ETemp/7964_20879944/fImage51412208467.png"/>
+          <p:cNvPicPr>
+            <a:picLocks noChangeAspect="1"/>
+          </p:cNvPicPr>
+          <p:nvPr/>
+        </p:nvPicPr>
+        <p:blipFill rotWithShape="1">
+          <a:blip r:embed="rId6" cstate="print">
+            <a:extLst>
+              <a:ext uri="{28A0092B-C50C-407E-A947-70E740481C1C}">
+                <a14:useLocalDpi xmlns:a14="http://schemas.microsoft.com/office/drawing/2010/main" val="0"/>
+              </a:ext>
+            </a:extLst>
+          </a:blip>
+          <a:stretch>
+            <a:fillRect/>
+          </a:stretch>
+        </p:blipFill>
+        <p:spPr>
+          <a:xfrm rot="0">
+            <a:off x="6811010" y="2758440"/>
+            <a:ext cx="4182110" cy="1454150"/>
+          </a:xfrm>
+          <a:prstGeom prst="roundRect"/>
+          <a:solidFill>
+            <a:srgbClr val="EDEDED"/>
+          </a:solidFill>
+        </p:spPr>
+      </p:pic>
+      <p:cxnSp>
+        <p:nvCxnSpPr>
+          <p:cNvPr id="78" name="도형 20"/>
+          <p:cNvCxnSpPr/>
+          <p:nvPr/>
+        </p:nvCxnSpPr>
+        <p:spPr>
+          <a:xfrm rot="0" flipV="1">
+            <a:off x="8173085" y="2291715"/>
+            <a:ext cx="2725420" cy="1609725"/>
+          </a:xfrm>
+          <a:prstGeom prst="straightConnector1"/>
+          <a:ln w="6350" cap="flat" cmpd="sng">
+            <a:prstDash/>
+            <a:headEnd type="none" w="med" len="med"/>
+            <a:tailEnd type="triangle" w="med" len="med"/>
+          </a:ln>
+        </p:spPr>
+        <p:style>
+          <a:lnRef idx="1">
+            <a:schemeClr val="accent1"/>
+          </a:lnRef>
+          <a:fillRef idx="0">
+            <a:schemeClr val="accent1"/>
+          </a:fillRef>
+          <a:effectRef idx="0">
+            <a:schemeClr val="accent1"/>
+          </a:effectRef>
+          <a:fontRef idx="minor">
+            <a:schemeClr val="tx1"/>
+          </a:fontRef>
+        </p:style>
+      </p:cxnSp>
+      <p:sp>
+        <p:nvSpPr>
+          <p:cNvPr id="79" name="텍스트 상자 21"/>
+          <p:cNvSpPr txBox="1">
+            <a:spLocks/>
+          </p:cNvSpPr>
+          <p:nvPr/>
+        </p:nvSpPr>
+        <p:spPr>
+          <a:xfrm rot="0">
+            <a:off x="6818630" y="4335780"/>
+            <a:ext cx="4166235" cy="1754505"/>
+          </a:xfrm>
+          <a:prstGeom prst="rect"/>
+          <a:noFill/>
+          <a:ln w="0">
+            <a:noFill/>
+            <a:prstDash/>
+          </a:ln>
+        </p:spPr>
+        <p:txBody>
+          <a:bodyPr wrap="square" lIns="89535" tIns="46355" rIns="89535" bIns="46355" numCol="1" vert="horz" anchor="t">
+            <a:spAutoFit/>
+          </a:bodyPr>
+          <a:lstStyle/>
+          <a:p>
+            <a:pPr marL="0" indent="0" rtl="0" algn="l" defTabSz="914400" eaLnBrk="1" latinLnBrk="0" hangingPunct="1">
+              <a:buFontTx/>
+              <a:buNone/>
+            </a:pPr>
+            <a:r>
+              <a:rPr sz="1800" b="1">
+                <a:solidFill>
+                  <a:srgbClr val="0611F2"/>
+                </a:solidFill>
+                <a:latin typeface="맑은 고딕" charset="0"/>
+                <a:ea typeface="맑은 고딕" charset="0"/>
+              </a:rPr>
+              <a:t>3</a:t>
+            </a:r>
+            <a:r>
+              <a:rPr lang="ko-KR" sz="1800" b="1">
+                <a:solidFill>
+                  <a:srgbClr val="0611F2"/>
+                </a:solidFill>
+                <a:latin typeface="맑은 고딕" charset="0"/>
+                <a:ea typeface="맑은 고딕" charset="0"/>
+              </a:rPr>
+              <a:t>5</a:t>
+            </a:r>
+            <a:r>
+              <a:rPr sz="1800" b="1">
+                <a:solidFill>
+                  <a:srgbClr val="0611F2"/>
+                </a:solidFill>
+                <a:latin typeface="맑은 고딕" charset="0"/>
+                <a:ea typeface="맑은 고딕" charset="0"/>
+              </a:rPr>
+              <a:t>.</a:t>
+            </a:r>
+            <a:r>
+              <a:rPr sz="1800">
+                <a:latin typeface="맑은 고딕" charset="0"/>
+                <a:ea typeface="맑은 고딕" charset="0"/>
+              </a:rPr>
+              <a:t> </a:t>
+            </a:r>
+            <a:r>
+              <a:rPr lang="ko-KR" sz="1800">
+                <a:latin typeface="맑은 고딕" charset="0"/>
+                <a:ea typeface="맑은 고딕" charset="0"/>
+              </a:rPr>
+              <a:t>그다음으로 Character 오브젝트에 있는 Billboard 스크립트를 선택합니다.</a:t>
+            </a:r>
+            <a:endParaRPr lang="ko-KR" altLang="en-US" sz="1800">
+              <a:latin typeface="맑은 고딕" charset="0"/>
+              <a:ea typeface="맑은 고딕" charset="0"/>
+            </a:endParaRPr>
+          </a:p>
+          <a:p>
+            <a:pPr marL="0" indent="0" rtl="0" algn="l" defTabSz="914400" eaLnBrk="1" latinLnBrk="0" hangingPunct="1">
+              <a:buFontTx/>
+              <a:buNone/>
+            </a:pPr>
+            <a:endParaRPr lang="ko-KR" altLang="en-US" sz="1800">
+              <a:latin typeface="맑은 고딕" charset="0"/>
+              <a:ea typeface="맑은 고딕" charset="0"/>
+            </a:endParaRPr>
+          </a:p>
+          <a:p>
+            <a:pPr marL="0" indent="0" rtl="0" algn="l" defTabSz="914400" eaLnBrk="1" latinLnBrk="0" hangingPunct="1">
+              <a:buFontTx/>
+              <a:buNone/>
+            </a:pPr>
+            <a:r>
+              <a:rPr lang="ko-KR" sz="1800">
+                <a:latin typeface="맑은 고딕" charset="0"/>
+                <a:ea typeface="맑은 고딕" charset="0"/>
+              </a:rPr>
+              <a:t>그리고 NickName에 현재 자신의 하위 오브젝트에 있는 NickName Text를 넣어줍니다.</a:t>
+            </a:r>
+            <a:endParaRPr lang="ko-KR" altLang="en-US" sz="1800">
+              <a:latin typeface="맑은 고딕" charset="0"/>
+              <a:ea typeface="맑은 고딕" charset="0"/>
+            </a:endParaRPr>
+          </a:p>
+        </p:txBody>
+      </p:sp>
+      <p:pic>
+        <p:nvPicPr>
+          <p:cNvPr id="80" name="그림 23" descr="C:/Users/Admin1/AppData/Roaming/PolarisOffice/ETemp/7964_20879944/fImage47032256334.png"/>
+          <p:cNvPicPr>
+            <a:picLocks noChangeAspect="1"/>
+          </p:cNvPicPr>
+          <p:nvPr/>
+        </p:nvPicPr>
+        <p:blipFill rotWithShape="1">
+          <a:blip r:embed="rId7" cstate="hqprint">
+            <a:extLst>
+              <a:ext uri="{28A0092B-C50C-407E-A947-70E740481C1C}">
+                <a14:useLocalDpi xmlns:a14="http://schemas.microsoft.com/office/drawing/2010/main"/>
+              </a:ext>
+            </a:extLst>
+          </a:blip>
+          <a:stretch>
+            <a:fillRect/>
+          </a:stretch>
+        </p:blipFill>
+        <p:spPr>
+          <a:xfrm rot="0">
+            <a:off x="1377315" y="3789045"/>
+            <a:ext cx="4014470" cy="1350645"/>
+          </a:xfrm>
+          <a:prstGeom prst="roundRect"/>
+          <a:solidFill>
+            <a:srgbClr val="EDEDED"/>
+          </a:solidFill>
+        </p:spPr>
+      </p:pic>
+      <p:sp>
+        <p:nvSpPr>
+          <p:cNvPr id="81" name="텍스트 상자 24"/>
+          <p:cNvSpPr txBox="1">
+            <a:spLocks/>
+          </p:cNvSpPr>
+          <p:nvPr/>
+        </p:nvSpPr>
+        <p:spPr>
+          <a:xfrm rot="0">
+            <a:off x="1378585" y="5271135"/>
+            <a:ext cx="3996055" cy="677545"/>
+          </a:xfrm>
+          <a:prstGeom prst="rect"/>
+          <a:noFill/>
+          <a:ln w="0">
+            <a:noFill/>
+            <a:prstDash/>
+          </a:ln>
+        </p:spPr>
+        <p:txBody>
+          <a:bodyPr wrap="square" lIns="89535" tIns="46355" rIns="89535" bIns="46355" vert="horz" anchor="t">
+            <a:spAutoFit/>
+          </a:bodyPr>
+          <a:lstStyle/>
+          <a:p>
+            <a:pPr marL="0" indent="0" rtl="0" algn="l" defTabSz="914400" eaLnBrk="1" latinLnBrk="0" hangingPunct="1">
+              <a:buFontTx/>
+              <a:buNone/>
+            </a:pPr>
+            <a:r>
+              <a:rPr lang="ko-KR" sz="2000" b="1">
+                <a:solidFill>
+                  <a:srgbClr val="0611F2"/>
+                </a:solidFill>
+                <a:latin typeface="맑은 고딕" charset="0"/>
+                <a:ea typeface="맑은 고딕" charset="0"/>
+              </a:rPr>
+              <a:t>34</a:t>
+            </a:r>
+            <a:r>
+              <a:rPr sz="2000" b="1">
+                <a:solidFill>
+                  <a:srgbClr val="0611F2"/>
+                </a:solidFill>
+                <a:latin typeface="맑은 고딕" charset="0"/>
+                <a:ea typeface="맑은 고딕" charset="0"/>
+              </a:rPr>
+              <a:t>. </a:t>
+            </a:r>
+            <a:r>
+              <a:rPr sz="1800">
+                <a:latin typeface="맑은 고딕" charset="0"/>
+                <a:ea typeface="맑은 고딕" charset="0"/>
+              </a:rPr>
+              <a:t>그</a:t>
+            </a:r>
+            <a:r>
+              <a:rPr lang="ko-KR" sz="1800">
+                <a:latin typeface="맑은 고딕" charset="0"/>
+                <a:ea typeface="맑은 고딕" charset="0"/>
+              </a:rPr>
+              <a:t>런 다음</a:t>
+            </a:r>
+            <a:r>
+              <a:rPr sz="1800">
+                <a:latin typeface="맑은 고딕" charset="0"/>
+                <a:ea typeface="맑은 고딕" charset="0"/>
+              </a:rPr>
+              <a:t> Character 오브젝트에 Rigidbody 컴포넌트를 추가합니다. </a:t>
+            </a:r>
+            <a:endParaRPr lang="ko-KR" altLang="en-US" sz="1800">
+              <a:latin typeface="맑은 고딕" charset="0"/>
+              <a:ea typeface="맑은 고딕" charset="0"/>
+            </a:endParaRPr>
+          </a:p>
+        </p:txBody>
+      </p:sp>
     </p:spTree>
   </p:cSld>
   <p:clrMapOvr>
@@ -10767,35 +12659,6 @@
       </p:sp>
       <p:pic>
         <p:nvPicPr>
-          <p:cNvPr id="46" name="그림 9"/>
-          <p:cNvPicPr>
-            <a:picLocks noChangeAspect="1"/>
-          </p:cNvPicPr>
-          <p:nvPr/>
-        </p:nvPicPr>
-        <p:blipFill rotWithShape="1">
-          <a:blip r:embed="rId2" cstate="print">
-            <a:extLst>
-              <a:ext uri="{28A0092B-C50C-407E-A947-70E740481C1C}">
-                <a14:useLocalDpi xmlns:a14="http://schemas.microsoft.com/office/drawing/2010/main" val="0"/>
-              </a:ext>
-            </a:extLst>
-          </a:blip>
-          <a:stretch>
-            <a:fillRect/>
-          </a:stretch>
-        </p:blipFill>
-        <p:spPr>
-          <a:xfrm rot="0">
-            <a:off x="1466215" y="1395095"/>
-            <a:ext cx="3891915" cy="2519680"/>
-          </a:xfrm>
-          <a:prstGeom prst="rect"/>
-          <a:noFill/>
-        </p:spPr>
-      </p:pic>
-      <p:pic>
-        <p:nvPicPr>
           <p:cNvPr id="47" name="그림 11"/>
           <p:cNvPicPr>
             <a:picLocks noChangeAspect="1"/>
@@ -11012,6 +12875,35 @@
           </a:p>
         </p:txBody>
       </p:sp>
+      <p:pic>
+        <p:nvPicPr>
+          <p:cNvPr id="52" name="그림 3" descr="C:/Users/Admin1/AppData/Roaming/PolarisOffice/ETemp/11744_8568704/fImage1175918141.png"/>
+          <p:cNvPicPr>
+            <a:picLocks noChangeAspect="1"/>
+          </p:cNvPicPr>
+          <p:nvPr/>
+        </p:nvPicPr>
+        <p:blipFill rotWithShape="1">
+          <a:blip r:embed="rId7" cstate="print">
+            <a:extLst>
+              <a:ext uri="{28A0092B-C50C-407E-A947-70E740481C1C}">
+                <a14:useLocalDpi xmlns:a14="http://schemas.microsoft.com/office/drawing/2010/main" val="0"/>
+              </a:ext>
+            </a:extLst>
+          </a:blip>
+          <a:stretch>
+            <a:fillRect/>
+          </a:stretch>
+        </p:blipFill>
+        <p:spPr>
+          <a:xfrm rot="0">
+            <a:off x="1519555" y="1383665"/>
+            <a:ext cx="3877945" cy="2543810"/>
+          </a:xfrm>
+          <a:prstGeom prst="rect"/>
+          <a:noFill/>
+        </p:spPr>
+      </p:pic>
     </p:spTree>
   </p:cSld>
   <p:clrMapOvr>
@@ -11432,7 +13324,7 @@
 </file>
 
 <file path=ppt/slides/slide7.xml><?xml version="1.0" encoding="utf-8"?>
-<p:sld xmlns:a="http://schemas.openxmlformats.org/drawingml/2006/main" xmlns:r="http://schemas.openxmlformats.org/officeDocument/2006/relationships" xmlns:p="http://schemas.openxmlformats.org/presentationml/2006/main">
+<p:sld xmlns:a="http://schemas.openxmlformats.org/drawingml/2006/main" xmlns:r="http://schemas.openxmlformats.org/officeDocument/2006/relationships" xmlns:p="http://schemas.openxmlformats.org/presentationml/2006/main" xmlns:p14="http://schemas.microsoft.com/office/powerpoint/2010/main">
   <p:cSld>
     <p:spTree>
       <p:nvGrpSpPr>
@@ -11638,7 +13530,7 @@
       </p:sp>
       <p:pic>
         <p:nvPicPr>
-          <p:cNvPr id="29" name="그림 14" descr="C:/Users/Admin1/AppData/Roaming/PolarisOffice/ETemp/3516_17285360/fImage2556320341.png"/>
+          <p:cNvPr id="29" name="그림 14"/>
           <p:cNvPicPr>
             <a:picLocks noChangeAspect="1"/>
           </p:cNvPicPr>
@@ -11669,7 +13561,7 @@
       </p:pic>
       <p:pic>
         <p:nvPicPr>
-          <p:cNvPr id="30" name="그림 23" descr="C:/Users/Admin1/AppData/Roaming/PolarisOffice/ETemp/3516_17285360/fImage201172098467.png"/>
+          <p:cNvPr id="30" name="그림 23"/>
           <p:cNvPicPr>
             <a:picLocks noChangeAspect="1"/>
           </p:cNvPicPr>
@@ -11807,7 +13699,7 @@
       </p:sp>
       <p:pic>
         <p:nvPicPr>
-          <p:cNvPr id="32" name="그림 29" descr="C:/Users/Admin1/AppData/Roaming/PolarisOffice/ETemp/3516_17285360/fImage57462116334.png"/>
+          <p:cNvPr id="32" name="그림 29"/>
           <p:cNvPicPr>
             <a:picLocks noChangeAspect="1"/>
           </p:cNvPicPr>
@@ -11838,7 +13730,7 @@
       </p:pic>
       <p:pic>
         <p:nvPicPr>
-          <p:cNvPr id="33" name="그림 31" descr="C:/Users/Admin1/AppData/Roaming/PolarisOffice/ETemp/3516_17285360/fImage330252146500.png"/>
+          <p:cNvPr id="33" name="그림 31"/>
           <p:cNvPicPr>
             <a:picLocks noChangeAspect="1"/>
           </p:cNvPicPr>
@@ -11998,7 +13890,7 @@
       </p:sp>
       <p:pic>
         <p:nvPicPr>
-          <p:cNvPr id="36" name="그림 45" descr="C:/Users/Admin1/AppData/Roaming/PolarisOffice/ETemp/3516_17285360/fImage57722359169.png"/>
+          <p:cNvPr id="36" name="그림 45"/>
           <p:cNvPicPr>
             <a:picLocks noChangeAspect="1"/>
           </p:cNvPicPr>
@@ -12051,7 +13943,7 @@
 </file>
 
 <file path=ppt/slides/slide8.xml><?xml version="1.0" encoding="utf-8"?>
-<p:sld xmlns:a="http://schemas.openxmlformats.org/drawingml/2006/main" xmlns:r="http://schemas.openxmlformats.org/officeDocument/2006/relationships" xmlns:p="http://schemas.openxmlformats.org/presentationml/2006/main">
+<p:sld xmlns:a="http://schemas.openxmlformats.org/drawingml/2006/main" xmlns:r="http://schemas.openxmlformats.org/officeDocument/2006/relationships" xmlns:p="http://schemas.openxmlformats.org/presentationml/2006/main" xmlns:p14="http://schemas.microsoft.com/office/powerpoint/2010/main">
   <p:cSld>
     <p:spTree>
       <p:nvGrpSpPr>
@@ -12337,7 +14229,7 @@
       </p:sp>
       <p:pic>
         <p:nvPicPr>
-          <p:cNvPr id="32" name="그림 38" descr="C:/Users/Admin1/AppData/Roaming/PolarisOffice/ETemp/3516_17285360/fImage234722315724.png"/>
+          <p:cNvPr id="32" name="그림 38"/>
           <p:cNvPicPr>
             <a:picLocks noChangeAspect="1"/>
           </p:cNvPicPr>
@@ -12366,7 +14258,7 @@
       </p:pic>
       <p:pic>
         <p:nvPicPr>
-          <p:cNvPr id="33" name="그림 51" descr="C:/Users/Admin1/AppData/Roaming/PolarisOffice/ETemp/3516_17285360/fImage195862381478.png"/>
+          <p:cNvPr id="33" name="그림 51"/>
           <p:cNvPicPr>
             <a:picLocks noChangeAspect="1"/>
           </p:cNvPicPr>
@@ -12397,7 +14289,7 @@
       </p:pic>
       <p:pic>
         <p:nvPicPr>
-          <p:cNvPr id="34" name="그림 53" descr="C:/Users/Admin1/AppData/Roaming/PolarisOffice/ETemp/3516_17285360/fImage47782419358.png"/>
+          <p:cNvPr id="34" name="그림 53"/>
           <p:cNvPicPr>
             <a:picLocks noChangeAspect="1"/>
           </p:cNvPicPr>
@@ -12428,7 +14320,7 @@
       </p:pic>
       <p:pic>
         <p:nvPicPr>
-          <p:cNvPr id="35" name="그림 54" descr="C:/Users/Admin1/AppData/Roaming/PolarisOffice/ETemp/3516_17285360/fImage57462426962.png"/>
+          <p:cNvPr id="35" name="그림 54"/>
           <p:cNvPicPr>
             <a:picLocks noChangeAspect="1"/>
           </p:cNvPicPr>
@@ -12559,7 +14451,7 @@
 </file>
 
 <file path=ppt/slides/slide9.xml><?xml version="1.0" encoding="utf-8"?>
-<p:sld xmlns:a="http://schemas.openxmlformats.org/drawingml/2006/main" xmlns:r="http://schemas.openxmlformats.org/officeDocument/2006/relationships" xmlns:p="http://schemas.openxmlformats.org/presentationml/2006/main">
+<p:sld xmlns:a="http://schemas.openxmlformats.org/drawingml/2006/main" xmlns:r="http://schemas.openxmlformats.org/officeDocument/2006/relationships" xmlns:p="http://schemas.openxmlformats.org/presentationml/2006/main" xmlns:p14="http://schemas.microsoft.com/office/powerpoint/2010/main">
   <p:cSld>
     <p:spTree>
       <p:nvGrpSpPr>
@@ -12782,7 +14674,7 @@
       </p:sp>
       <p:pic>
         <p:nvPicPr>
-          <p:cNvPr id="38" name="그림 57" descr="C:/Users/Admin1/AppData/Roaming/PolarisOffice/ETemp/3516_17285360/fImage318592564464.png"/>
+          <p:cNvPr id="38" name="그림 57"/>
           <p:cNvPicPr>
             <a:picLocks noChangeAspect="1"/>
           </p:cNvPicPr>
@@ -12811,7 +14703,7 @@
       </p:pic>
       <p:pic>
         <p:nvPicPr>
-          <p:cNvPr id="41" name="그림 61" descr="C:/Users/Admin1/AppData/Roaming/PolarisOffice/ETemp/3516_17285360/fImage57462595705.png"/>
+          <p:cNvPr id="41" name="그림 61"/>
           <p:cNvPicPr>
             <a:picLocks noChangeAspect="1"/>
           </p:cNvPicPr>
@@ -12872,7 +14764,7 @@
       </p:cxnSp>
       <p:pic>
         <p:nvPicPr>
-          <p:cNvPr id="43" name="그림 70" descr="C:/Users/Admin1/AppData/Roaming/PolarisOffice/ETemp/3516_17285360/fImage376762648145.png"/>
+          <p:cNvPr id="43" name="그림 70"/>
           <p:cNvPicPr>
             <a:picLocks noChangeAspect="1"/>
           </p:cNvPicPr>
@@ -13075,7 +14967,7 @@
       </p:sp>
       <p:pic>
         <p:nvPicPr>
-          <p:cNvPr id="45" name="그림 74" descr="C:/Users/Admin1/AppData/Roaming/PolarisOffice/ETemp/3516_17285360/fImage57462663281.png"/>
+          <p:cNvPr id="45" name="그림 74"/>
           <p:cNvPicPr>
             <a:picLocks noChangeAspect="1"/>
           </p:cNvPicPr>

--- a/Assets/Class/Photon Server/PPT Data/Photon Synchronization.pptx
+++ b/Assets/Class/Photon Server/PPT Data/Photon Synchronization.pptx
@@ -2,27 +2,27 @@
 <file path=ppt/presentation.xml><?xml version="1.0" encoding="utf-8"?>
 <p:presentation xmlns:a="http://schemas.openxmlformats.org/drawingml/2006/main" xmlns:r="http://schemas.openxmlformats.org/officeDocument/2006/relationships" xmlns:p="http://schemas.openxmlformats.org/presentationml/2006/main" xmlns:p14="http://schemas.microsoft.com/office/powerpoint/2010/main" saveSubsetFonts="1" firstSlideNum="0">
   <p:sldMasterIdLst>
-    <p:sldMasterId id="2147486834" r:id="rId12"/>
+    <p:sldMasterId id="2147486856" r:id="rId12"/>
   </p:sldMasterIdLst>
   <p:notesMasterIdLst>
     <p:notesMasterId r:id="rId14"/>
   </p:notesMasterIdLst>
   <p:sldIdLst>
     <p:sldId id="309" r:id="rId16"/>
-    <p:sldId id="307" r:id="rId18"/>
-    <p:sldId id="310" r:id="rId20"/>
-    <p:sldId id="311" r:id="rId22"/>
-    <p:sldId id="312" r:id="rId24"/>
-    <p:sldId id="313" r:id="rId26"/>
-    <p:sldId id="314" r:id="rId28"/>
-    <p:sldId id="315" r:id="rId30"/>
-    <p:sldId id="316" r:id="rId32"/>
-    <p:sldId id="317" r:id="rId34"/>
-    <p:sldId id="318" r:id="rId36"/>
-    <p:sldId id="319" r:id="rId38"/>
-    <p:sldId id="320" r:id="rId40"/>
-    <p:sldId id="321" r:id="rId42"/>
-    <p:sldId id="322" r:id="rId43"/>
+    <p:sldId id="307" r:id="rId17"/>
+    <p:sldId id="310" r:id="rId18"/>
+    <p:sldId id="311" r:id="rId19"/>
+    <p:sldId id="312" r:id="rId20"/>
+    <p:sldId id="313" r:id="rId21"/>
+    <p:sldId id="314" r:id="rId22"/>
+    <p:sldId id="315" r:id="rId24"/>
+    <p:sldId id="316" r:id="rId26"/>
+    <p:sldId id="317" r:id="rId28"/>
+    <p:sldId id="318" r:id="rId30"/>
+    <p:sldId id="319" r:id="rId32"/>
+    <p:sldId id="320" r:id="rId34"/>
+    <p:sldId id="321" r:id="rId36"/>
+    <p:sldId id="322" r:id="rId38"/>
   </p:sldIdLst>
   <p:sldSz cx="12192000" cy="6858000"/>
   <p:notesSz cx="6858000" cy="9144000"/>
@@ -7557,16 +7557,292 @@
           </a:p>
         </p:txBody>
       </p:sp>
+      <p:sp>
+        <p:nvSpPr>
+          <p:cNvPr id="26" name="텍스트 상자 6"/>
+          <p:cNvSpPr txBox="1">
+            <a:spLocks/>
+          </p:cNvSpPr>
+          <p:nvPr/>
+        </p:nvSpPr>
+        <p:spPr>
+          <a:xfrm rot="0">
+            <a:off x="1454150" y="2653665"/>
+            <a:ext cx="3924935" cy="954405"/>
+          </a:xfrm>
+          <a:prstGeom prst="rect"/>
+          <a:noFill/>
+          <a:ln w="0">
+            <a:noFill/>
+            <a:prstDash/>
+          </a:ln>
+        </p:spPr>
+        <p:txBody>
+          <a:bodyPr wrap="square" lIns="89535" tIns="46355" rIns="89535" bIns="46355" numCol="1" vert="horz" anchor="t">
+            <a:spAutoFit/>
+          </a:bodyPr>
+          <a:lstStyle/>
+          <a:p>
+            <a:pPr marL="0" indent="0" rtl="0" algn="l" defTabSz="914400" eaLnBrk="1" latinLnBrk="0" hangingPunct="1">
+              <a:buFontTx/>
+              <a:buNone/>
+            </a:pPr>
+            <a:r>
+              <a:rPr sz="2000" b="1">
+                <a:solidFill>
+                  <a:srgbClr val="0611F2"/>
+                </a:solidFill>
+                <a:latin typeface="맑은 고딕" charset="0"/>
+                <a:ea typeface="맑은 고딕" charset="0"/>
+              </a:rPr>
+              <a:t>1. </a:t>
+            </a:r>
+            <a:r>
+              <a:rPr sz="1800">
+                <a:latin typeface="맑은 고딕" charset="0"/>
+                <a:ea typeface="맑은 고딕" charset="0"/>
+              </a:rPr>
+              <a:t>첫 번째로 </a:t>
+            </a:r>
+            <a:r>
+              <a:rPr sz="1800">
+                <a:latin typeface="맑은 고딕" charset="0"/>
+                <a:ea typeface="맑은 고딕" charset="0"/>
+              </a:rPr>
+              <a:t>Project 폴더</a:t>
+            </a:r>
+            <a:r>
+              <a:rPr lang="ko-KR" sz="1800">
+                <a:latin typeface="맑은 고딕" charset="0"/>
+                <a:ea typeface="맑은 고딕" charset="0"/>
+              </a:rPr>
+              <a:t>에 있는 Model 폴더 character 오브젝트를</a:t>
+            </a:r>
+            <a:r>
+              <a:rPr sz="1800">
+                <a:latin typeface="맑은 고딕" charset="0"/>
+                <a:ea typeface="맑은 고딕" charset="0"/>
+              </a:rPr>
+              <a:t> </a:t>
+            </a:r>
+            <a:r>
+              <a:rPr sz="1800">
+                <a:latin typeface="맑은 고딕" charset="0"/>
+                <a:ea typeface="맑은 고딕" charset="0"/>
+              </a:rPr>
+              <a:t>월</a:t>
+            </a:r>
+            <a:r>
+              <a:rPr lang="ko-KR" sz="1800">
+                <a:latin typeface="맑은 고딕" charset="0"/>
+                <a:ea typeface="맑은 고딕" charset="0"/>
+              </a:rPr>
+              <a:t>드 공간에 배치합니다.</a:t>
+            </a:r>
+            <a:endParaRPr lang="ko-KR" altLang="en-US" sz="1800">
+              <a:latin typeface="맑은 고딕" charset="0"/>
+              <a:ea typeface="맑은 고딕" charset="0"/>
+            </a:endParaRPr>
+          </a:p>
+        </p:txBody>
+      </p:sp>
       <p:pic>
         <p:nvPicPr>
-          <p:cNvPr id="24" name="그림 1"/>
+          <p:cNvPr id="28" name="그림 12" descr="C:/Users/Admin1/AppData/Roaming/PolarisOffice/ETemp/1892_13668960/fImage89511486334.png"/>
           <p:cNvPicPr>
             <a:picLocks noChangeAspect="1"/>
           </p:cNvPicPr>
           <p:nvPr/>
         </p:nvPicPr>
         <p:blipFill rotWithShape="1">
-          <a:blip r:embed="rId2" cstate="print">
+          <a:blip r:embed="rId5" cstate="hqprint">
+            <a:extLst>
+              <a:ext uri="{28A0092B-C50C-407E-A947-70E740481C1C}">
+                <a14:useLocalDpi xmlns:a14="http://schemas.microsoft.com/office/drawing/2010/main"/>
+              </a:ext>
+            </a:extLst>
+          </a:blip>
+          <a:stretch>
+            <a:fillRect/>
+          </a:stretch>
+        </p:blipFill>
+        <p:spPr>
+          <a:xfrm rot="0">
+            <a:off x="6816725" y="1398905"/>
+            <a:ext cx="3900805" cy="1837055"/>
+          </a:xfrm>
+          <a:prstGeom prst="roundRect"/>
+          <a:solidFill>
+            <a:srgbClr val="EDEDED"/>
+          </a:solidFill>
+        </p:spPr>
+      </p:pic>
+      <p:sp>
+        <p:nvSpPr>
+          <p:cNvPr id="29" name="텍스트 상자 13"/>
+          <p:cNvSpPr txBox="1">
+            <a:spLocks/>
+          </p:cNvSpPr>
+          <p:nvPr/>
+        </p:nvSpPr>
+        <p:spPr>
+          <a:xfrm>
+            <a:off x="6813550" y="3277235"/>
+            <a:ext cx="3903980" cy="2892425"/>
+          </a:xfrm>
+          <a:prstGeom prst="rect"/>
+          <a:noFill/>
+          <a:ln w="0">
+            <a:noFill/>
+            <a:prstDash/>
+          </a:ln>
+        </p:spPr>
+        <p:txBody>
+          <a:bodyPr wrap="square" lIns="89535" tIns="46355" rIns="89535" bIns="46355" numCol="1" vert="horz" anchor="t">
+            <a:spAutoFit/>
+          </a:bodyPr>
+          <a:lstStyle/>
+          <a:p>
+            <a:pPr marL="0" indent="0" rtl="0" algn="l" defTabSz="914400" eaLnBrk="1" latinLnBrk="0" hangingPunct="1">
+              <a:buFontTx/>
+              <a:buNone/>
+            </a:pPr>
+            <a:r>
+              <a:rPr sz="2000" b="1">
+                <a:solidFill>
+                  <a:srgbClr val="0611F2"/>
+                </a:solidFill>
+                <a:latin typeface="맑은 고딕" charset="0"/>
+                <a:ea typeface="맑은 고딕" charset="0"/>
+              </a:rPr>
+              <a:t>3</a:t>
+            </a:r>
+            <a:r>
+              <a:rPr sz="2000" b="1">
+                <a:solidFill>
+                  <a:srgbClr val="0611F2"/>
+                </a:solidFill>
+                <a:latin typeface="맑은 고딕" charset="0"/>
+                <a:ea typeface="맑은 고딕" charset="0"/>
+              </a:rPr>
+              <a:t> </a:t>
+            </a:r>
+            <a:r>
+              <a:rPr sz="1800">
+                <a:latin typeface="맑은 고딕" charset="0"/>
+                <a:ea typeface="맑은 고딕" charset="0"/>
+              </a:rPr>
+              <a:t>그리</a:t>
+            </a:r>
+            <a:r>
+              <a:rPr lang="ko-KR" sz="1800">
+                <a:latin typeface="맑은 고딕" charset="0"/>
+                <a:ea typeface="맑은 고딕" charset="0"/>
+              </a:rPr>
+              <a:t>고 Character 오브젝트에 Photon View 컴포넌트를 추가합니다.</a:t>
+            </a:r>
+            <a:endParaRPr lang="ko-KR" altLang="en-US" sz="1800">
+              <a:latin typeface="맑은 고딕" charset="0"/>
+              <a:ea typeface="맑은 고딕" charset="0"/>
+            </a:endParaRPr>
+          </a:p>
+          <a:p>
+            <a:pPr marL="0" indent="0" rtl="0" algn="l" defTabSz="914400" eaLnBrk="1" latinLnBrk="0" hangingPunct="1">
+              <a:buFontTx/>
+              <a:buNone/>
+            </a:pPr>
+            <a:endParaRPr lang="ko-KR" altLang="en-US" sz="1800">
+              <a:latin typeface="맑은 고딕" charset="0"/>
+              <a:ea typeface="맑은 고딕" charset="0"/>
+            </a:endParaRPr>
+          </a:p>
+          <a:p>
+            <a:pPr marL="0" indent="0" algn="l" latinLnBrk="0" hangingPunct="1">
+              <a:buFontTx/>
+              <a:buNone/>
+            </a:pPr>
+            <a:r>
+              <a:rPr lang="ko-KR" sz="1800">
+                <a:latin typeface="맑은 고딕" charset="0"/>
+                <a:ea typeface="맑은 고딕" charset="0"/>
+              </a:rPr>
+              <a:t>Photon View를 추가하게 되면 포톤 네트워크에 연결(동기화)될 수 있는 객체가 됩니다.</a:t>
+            </a:r>
+            <a:endParaRPr lang="ko-KR" altLang="en-US" sz="1800">
+              <a:latin typeface="맑은 고딕" charset="0"/>
+              <a:ea typeface="맑은 고딕" charset="0"/>
+            </a:endParaRPr>
+          </a:p>
+          <a:p>
+            <a:pPr marL="0" indent="0" algn="l" latinLnBrk="0" hangingPunct="1">
+              <a:buFontTx/>
+              <a:buNone/>
+            </a:pPr>
+            <a:endParaRPr lang="ko-KR" altLang="en-US" sz="1800">
+              <a:latin typeface="맑은 고딕" charset="0"/>
+              <a:ea typeface="맑은 고딕" charset="0"/>
+            </a:endParaRPr>
+          </a:p>
+          <a:p>
+            <a:pPr marL="0" indent="0" algn="l" latinLnBrk="0" hangingPunct="1">
+              <a:buFontTx/>
+              <a:buNone/>
+            </a:pPr>
+            <a:r>
+              <a:rPr lang="ko-KR" sz="1800">
+                <a:latin typeface="맑은 고딕" charset="0"/>
+                <a:ea typeface="맑은 고딕" charset="0"/>
+              </a:rPr>
+              <a:t>네트워크 객체로 인식되면 네트워크에서 불러올 수 있습니다.</a:t>
+            </a:r>
+            <a:endParaRPr lang="ko-KR" altLang="en-US" sz="1800">
+              <a:latin typeface="맑은 고딕" charset="0"/>
+              <a:ea typeface="맑은 고딕" charset="0"/>
+            </a:endParaRPr>
+          </a:p>
+        </p:txBody>
+      </p:sp>
+      <p:pic>
+        <p:nvPicPr>
+          <p:cNvPr id="31" name="그림 4" descr="C:/Users/Admin1/AppData/Roaming/PolarisOffice/ETemp/1892_13668960/fImage542022141.png"/>
+          <p:cNvPicPr>
+            <a:picLocks noChangeAspect="1"/>
+          </p:cNvPicPr>
+          <p:nvPr/>
+        </p:nvPicPr>
+        <p:blipFill rotWithShape="1">
+          <a:blip r:embed="rId8" cstate="hqprint">
+            <a:extLst>
+              <a:ext uri="{28A0092B-C50C-407E-A947-70E740481C1C}">
+                <a14:useLocalDpi xmlns:a14="http://schemas.microsoft.com/office/drawing/2010/main"/>
+              </a:ext>
+            </a:extLst>
+          </a:blip>
+          <a:stretch>
+            <a:fillRect/>
+          </a:stretch>
+        </p:blipFill>
+        <p:spPr>
+          <a:xfrm rot="0">
+            <a:off x="3075940" y="1404620"/>
+            <a:ext cx="2303145" cy="1081405"/>
+          </a:xfrm>
+          <a:prstGeom prst="roundRect"/>
+          <a:solidFill>
+            <a:srgbClr val="EDEDED"/>
+          </a:solidFill>
+        </p:spPr>
+      </p:pic>
+      <p:pic>
+        <p:nvPicPr>
+          <p:cNvPr id="32" name="그림 5" descr="C:/Users/Admin1/AppData/Roaming/PolarisOffice/ETemp/1892_13668960/fImage51452228467.png"/>
+          <p:cNvPicPr>
+            <a:picLocks noChangeAspect="1"/>
+          </p:cNvPicPr>
+          <p:nvPr/>
+        </p:nvPicPr>
+        <p:blipFill rotWithShape="1">
+          <a:blip r:embed="rId9" cstate="print">
             <a:extLst>
               <a:ext uri="{28A0092B-C50C-407E-A947-70E740481C1C}">
                 <a14:useLocalDpi xmlns:a14="http://schemas.microsoft.com/office/drawing/2010/main" val="0"/>
@@ -7579,8 +7855,8 @@
         </p:blipFill>
         <p:spPr>
           <a:xfrm rot="0">
-            <a:off x="4107815" y="1400810"/>
-            <a:ext cx="1237615" cy="978535"/>
+            <a:off x="1453515" y="1411605"/>
+            <a:ext cx="1506855" cy="1074420"/>
           </a:xfrm>
           <a:prstGeom prst="roundRect"/>
           <a:solidFill>
@@ -7590,14 +7866,76 @@
       </p:pic>
       <p:pic>
         <p:nvPicPr>
-          <p:cNvPr id="25" name="그림 5"/>
+          <p:cNvPr id="33" name="그림 9" descr="C:/Users/Admin1/AppData/Roaming/PolarisOffice/ETemp/1892_13668960/fImage22052236334.png"/>
           <p:cNvPicPr>
             <a:picLocks noChangeAspect="1"/>
           </p:cNvPicPr>
           <p:nvPr/>
         </p:nvPicPr>
         <p:blipFill rotWithShape="1">
-          <a:blip r:embed="rId3" cstate="hqprint">
+          <a:blip r:embed="rId10" cstate="print">
+            <a:extLst>
+              <a:ext uri="{28A0092B-C50C-407E-A947-70E740481C1C}">
+                <a14:useLocalDpi xmlns:a14="http://schemas.microsoft.com/office/drawing/2010/main" val="0"/>
+              </a:ext>
+            </a:extLst>
+          </a:blip>
+          <a:stretch>
+            <a:fillRect/>
+          </a:stretch>
+        </p:blipFill>
+        <p:spPr>
+          <a:xfrm rot="0">
+            <a:off x="4563745" y="4015105"/>
+            <a:ext cx="815340" cy="848360"/>
+          </a:xfrm>
+          <a:prstGeom prst="roundRect"/>
+          <a:solidFill>
+            <a:srgbClr val="EDEDED"/>
+          </a:solidFill>
+        </p:spPr>
+      </p:pic>
+      <p:pic>
+        <p:nvPicPr>
+          <p:cNvPr id="34" name="그림 12" descr="C:/Users/Admin1/AppData/Roaming/PolarisOffice/ETemp/1892_13668960/fImage51452246500.png"/>
+          <p:cNvPicPr>
+            <a:picLocks noChangeAspect="1"/>
+          </p:cNvPicPr>
+          <p:nvPr/>
+        </p:nvPicPr>
+        <p:blipFill rotWithShape="1">
+          <a:blip r:embed="rId11" cstate="print">
+            <a:extLst>
+              <a:ext uri="{28A0092B-C50C-407E-A947-70E740481C1C}">
+                <a14:useLocalDpi xmlns:a14="http://schemas.microsoft.com/office/drawing/2010/main" val="0"/>
+              </a:ext>
+            </a:extLst>
+          </a:blip>
+          <a:stretch>
+            <a:fillRect/>
+          </a:stretch>
+        </p:blipFill>
+        <p:spPr>
+          <a:xfrm rot="0">
+            <a:off x="1458595" y="3802380"/>
+            <a:ext cx="2814955" cy="1277620"/>
+          </a:xfrm>
+          <a:prstGeom prst="roundRect"/>
+          <a:solidFill>
+            <a:srgbClr val="EDEDED"/>
+          </a:solidFill>
+        </p:spPr>
+      </p:pic>
+      <p:pic>
+        <p:nvPicPr>
+          <p:cNvPr id="35" name="그림 14" descr="C:/Users/Admin1/AppData/Roaming/PolarisOffice/ETemp/1892_13668960/fImage2242172279169.png"/>
+          <p:cNvPicPr>
+            <a:picLocks noChangeAspect="1"/>
+          </p:cNvPicPr>
+          <p:nvPr/>
+        </p:nvPicPr>
+        <p:blipFill rotWithShape="1">
+          <a:blip r:embed="rId12" cstate="hqprint">
             <a:extLst>
               <a:ext uri="{28A0092B-C50C-407E-A947-70E740481C1C}">
                 <a14:useLocalDpi xmlns:a14="http://schemas.microsoft.com/office/drawing/2010/main"/>
@@ -7609,141 +7947,24 @@
           </a:stretch>
         </p:blipFill>
         <p:spPr>
-          <a:xfrm rot="0">
-            <a:off x="1473200" y="1399540"/>
-            <a:ext cx="2436495" cy="2069465"/>
-          </a:xfrm>
-          <a:prstGeom prst="roundRect"/>
-          <a:solidFill>
-            <a:srgbClr val="EDEDED"/>
-          </a:solidFill>
+          <a:xfrm rot="10800000">
+            <a:off x="2677160" y="1771015"/>
+            <a:ext cx="624840" cy="351155"/>
+          </a:xfrm>
+          <a:prstGeom prst="rect"/>
+          <a:noFill/>
         </p:spPr>
       </p:pic>
-      <p:sp>
-        <p:nvSpPr>
-          <p:cNvPr id="26" name="텍스트 상자 6"/>
-          <p:cNvSpPr txBox="1">
-            <a:spLocks/>
-          </p:cNvSpPr>
-          <p:nvPr/>
-        </p:nvSpPr>
-        <p:spPr>
-          <a:xfrm rot="0">
-            <a:off x="1456055" y="3550920"/>
-            <a:ext cx="3891915" cy="2615565"/>
-          </a:xfrm>
-          <a:prstGeom prst="rect"/>
-          <a:noFill/>
-          <a:ln w="0">
-            <a:noFill/>
-            <a:prstDash/>
-          </a:ln>
-        </p:spPr>
-        <p:txBody>
-          <a:bodyPr wrap="square" lIns="89535" tIns="46355" rIns="89535" bIns="46355" vert="horz" anchor="t">
-            <a:spAutoFit/>
-          </a:bodyPr>
-          <a:lstStyle/>
-          <a:p>
-            <a:pPr marL="0" indent="0" rtl="0" algn="l" defTabSz="914400" eaLnBrk="1" latinLnBrk="0" hangingPunct="1">
-              <a:buFontTx/>
-              <a:buNone/>
-            </a:pPr>
-            <a:r>
-              <a:rPr sz="2000" b="1">
-                <a:solidFill>
-                  <a:srgbClr val="0611F2"/>
-                </a:solidFill>
-                <a:latin typeface="맑은 고딕" charset="0"/>
-                <a:ea typeface="맑은 고딕" charset="0"/>
-              </a:rPr>
-              <a:t>1. </a:t>
-            </a:r>
-            <a:r>
-              <a:rPr sz="1800">
-                <a:latin typeface="맑은 고딕" charset="0"/>
-                <a:ea typeface="맑은 고딕" charset="0"/>
-              </a:rPr>
-              <a:t>첫 번째로 먼저 Capsule 게임 오브젝트를 생성합니다.</a:t>
-            </a:r>
-            <a:endParaRPr lang="ko-KR" altLang="en-US" sz="1800">
-              <a:latin typeface="맑은 고딕" charset="0"/>
-              <a:ea typeface="맑은 고딕" charset="0"/>
-            </a:endParaRPr>
-          </a:p>
-          <a:p>
-            <a:pPr marL="0" indent="0" rtl="0" algn="l" defTabSz="914400" eaLnBrk="1" latinLnBrk="0" hangingPunct="1">
-              <a:buFontTx/>
-              <a:buNone/>
-            </a:pPr>
-            <a:endParaRPr lang="ko-KR" altLang="en-US" sz="1800">
-              <a:latin typeface="맑은 고딕" charset="0"/>
-              <a:ea typeface="맑은 고딕" charset="0"/>
-            </a:endParaRPr>
-          </a:p>
-          <a:p>
-            <a:pPr marL="0" indent="0" rtl="0" algn="l" defTabSz="914400" eaLnBrk="1" latinLnBrk="0" hangingPunct="1">
-              <a:buFontTx/>
-              <a:buNone/>
-            </a:pPr>
-            <a:r>
-              <a:rPr sz="1800">
-                <a:latin typeface="맑은 고딕" charset="0"/>
-                <a:ea typeface="맑은 고딕" charset="0"/>
-              </a:rPr>
-              <a:t>그다음 게임 오브젝트의 이름을 Character로 정의합니다.</a:t>
-            </a:r>
-            <a:endParaRPr lang="ko-KR" altLang="en-US" sz="1800">
-              <a:latin typeface="맑은 고딕" charset="0"/>
-              <a:ea typeface="맑은 고딕" charset="0"/>
-            </a:endParaRPr>
-          </a:p>
-          <a:p>
-            <a:pPr marL="0" indent="0" rtl="0" algn="l" defTabSz="914400" eaLnBrk="1" latinLnBrk="0" hangingPunct="1">
-              <a:buFontTx/>
-              <a:buNone/>
-            </a:pPr>
-            <a:endParaRPr lang="ko-KR" altLang="en-US" sz="1800">
-              <a:latin typeface="맑은 고딕" charset="0"/>
-              <a:ea typeface="맑은 고딕" charset="0"/>
-            </a:endParaRPr>
-          </a:p>
-          <a:p>
-            <a:pPr marL="0" indent="0" rtl="0" algn="l" defTabSz="914400" eaLnBrk="1" latinLnBrk="0" hangingPunct="1">
-              <a:buFontTx/>
-              <a:buNone/>
-            </a:pPr>
-            <a:r>
-              <a:rPr sz="1800">
-                <a:latin typeface="맑은 고딕" charset="0"/>
-                <a:ea typeface="맑은 고딕" charset="0"/>
-              </a:rPr>
-              <a:t>그</a:t>
-            </a:r>
-            <a:r>
-              <a:rPr lang="ko-KR" sz="1800">
-                <a:latin typeface="맑은 고딕" charset="0"/>
-                <a:ea typeface="맑은 고딕" charset="0"/>
-              </a:rPr>
-              <a:t>런 다음 PhotonControl 스크립트를 생성하고 Character 오브젝트에 넣어줍니다.</a:t>
-            </a:r>
-            <a:endParaRPr lang="ko-KR" altLang="en-US" sz="1800">
-              <a:latin typeface="맑은 고딕" charset="0"/>
-              <a:ea typeface="맑은 고딕" charset="0"/>
-            </a:endParaRPr>
-          </a:p>
-        </p:txBody>
-      </p:sp>
       <p:pic>
         <p:nvPicPr>
-          <p:cNvPr id="27" name="그림 11"/>
+          <p:cNvPr id="36" name="그림 15" descr="C:/Users/Admin1/AppData/Roaming/PolarisOffice/ETemp/1892_13668960/fImage2242172285724.png"/>
           <p:cNvPicPr>
             <a:picLocks noChangeAspect="1"/>
           </p:cNvPicPr>
           <p:nvPr/>
         </p:nvPicPr>
         <p:blipFill rotWithShape="1">
-          <a:blip r:embed="rId4" cstate="hqprint">
+          <a:blip r:embed="rId13" cstate="hqprint">
             <a:extLst>
               <a:ext uri="{28A0092B-C50C-407E-A947-70E740481C1C}">
                 <a14:useLocalDpi xmlns:a14="http://schemas.microsoft.com/office/drawing/2010/main"/>
@@ -7755,48 +7976,17 @@
           </a:stretch>
         </p:blipFill>
         <p:spPr>
-          <a:xfrm rot="0">
-            <a:off x="6815455" y="1403350"/>
-            <a:ext cx="1453515" cy="1823085"/>
-          </a:xfrm>
-          <a:prstGeom prst="roundRect"/>
-          <a:solidFill>
-            <a:srgbClr val="EDEDED"/>
-          </a:solidFill>
+          <a:xfrm rot="10800000">
+            <a:off x="3987800" y="4262120"/>
+            <a:ext cx="710565" cy="351155"/>
+          </a:xfrm>
+          <a:prstGeom prst="rect"/>
+          <a:noFill/>
         </p:spPr>
       </p:pic>
-      <p:pic>
-        <p:nvPicPr>
-          <p:cNvPr id="28" name="그림 12"/>
-          <p:cNvPicPr>
-            <a:picLocks noChangeAspect="1"/>
-          </p:cNvPicPr>
-          <p:nvPr/>
-        </p:nvPicPr>
-        <p:blipFill rotWithShape="1">
-          <a:blip r:embed="rId5" cstate="print">
-            <a:extLst>
-              <a:ext uri="{28A0092B-C50C-407E-A947-70E740481C1C}">
-                <a14:useLocalDpi xmlns:a14="http://schemas.microsoft.com/office/drawing/2010/main" val="0"/>
-              </a:ext>
-            </a:extLst>
-          </a:blip>
-          <a:stretch>
-            <a:fillRect/>
-          </a:stretch>
-        </p:blipFill>
-        <p:spPr>
-          <a:xfrm rot="0">
-            <a:off x="8467090" y="1398905"/>
-            <a:ext cx="2249805" cy="1836420"/>
-          </a:xfrm>
-          <a:prstGeom prst="rect"/>
-          <a:noFill/>
-        </p:spPr>
-      </p:pic>
-      <p:sp>
-        <p:nvSpPr>
-          <p:cNvPr id="29" name="텍스트 상자 13"/>
+      <p:sp>
+        <p:nvSpPr>
+          <p:cNvPr id="37" name="텍스트 상자 16"/>
           <p:cNvSpPr txBox="1">
             <a:spLocks/>
           </p:cNvSpPr>
@@ -7804,8 +7994,8 @@
         </p:nvSpPr>
         <p:spPr>
           <a:xfrm rot="0">
-            <a:off x="6813550" y="3277235"/>
-            <a:ext cx="3903345" cy="2892425"/>
+            <a:off x="1450975" y="5210810"/>
+            <a:ext cx="3924935" cy="954405"/>
           </a:xfrm>
           <a:prstGeom prst="rect"/>
           <a:noFill/>
@@ -7815,7 +8005,7 @@
           </a:ln>
         </p:spPr>
         <p:txBody>
-          <a:bodyPr wrap="square" lIns="89535" tIns="46355" rIns="89535" bIns="46355" vert="horz" anchor="t">
+          <a:bodyPr wrap="square" lIns="89535" tIns="46355" rIns="89535" bIns="46355" numCol="1" vert="horz" anchor="t">
             <a:spAutoFit/>
           </a:bodyPr>
           <a:lstStyle/>
@@ -7849,283 +8039,36 @@
                 <a:latin typeface="맑은 고딕" charset="0"/>
                 <a:ea typeface="맑은 고딕" charset="0"/>
               </a:rPr>
-              <a:t>그리</a:t>
+              <a:t>그</a:t>
             </a:r>
             <a:r>
               <a:rPr lang="ko-KR" sz="1800">
                 <a:latin typeface="맑은 고딕" charset="0"/>
                 <a:ea typeface="맑은 고딕" charset="0"/>
               </a:rPr>
-              <a:t>고 Character 오브젝트에 Photon View 컴포넌트를 추가합니다.</a:t>
+              <a:t>런 다음</a:t>
+            </a:r>
+            <a:r>
+              <a:rPr sz="1800">
+                <a:latin typeface="맑은 고딕" charset="0"/>
+                <a:ea typeface="맑은 고딕" charset="0"/>
+              </a:rPr>
+              <a:t> </a:t>
+            </a:r>
+            <a:r>
+              <a:rPr lang="ko-KR" sz="1800">
+                <a:latin typeface="맑은 고딕" charset="0"/>
+                <a:ea typeface="맑은 고딕" charset="0"/>
+              </a:rPr>
+              <a:t>CharacterSystem 스크립트를 생성하고 character 오브젝트에 넣어줍니다.</a:t>
             </a:r>
             <a:endParaRPr lang="ko-KR" altLang="en-US" sz="1800">
               <a:latin typeface="맑은 고딕" charset="0"/>
               <a:ea typeface="맑은 고딕" charset="0"/>
             </a:endParaRPr>
           </a:p>
-          <a:p>
-            <a:pPr marL="0" indent="0" rtl="0" algn="l" defTabSz="914400" eaLnBrk="1" latinLnBrk="0" hangingPunct="1">
-              <a:buFontTx/>
-              <a:buNone/>
-            </a:pPr>
-            <a:endParaRPr lang="ko-KR" altLang="en-US" sz="1800">
-              <a:latin typeface="맑은 고딕" charset="0"/>
-              <a:ea typeface="맑은 고딕" charset="0"/>
-            </a:endParaRPr>
-          </a:p>
-          <a:p>
-            <a:pPr marL="0" indent="0" algn="l" latinLnBrk="0" hangingPunct="1">
-              <a:buFontTx/>
-              <a:buNone/>
-            </a:pPr>
-            <a:r>
-              <a:rPr lang="ko-KR" sz="1800">
-                <a:latin typeface="맑은 고딕" charset="0"/>
-                <a:ea typeface="맑은 고딕" charset="0"/>
-              </a:rPr>
-              <a:t>Photon</a:t>
-            </a:r>
-            <a:r>
-              <a:rPr lang="ko-KR" sz="1800">
-                <a:latin typeface="맑은 고딕" charset="0"/>
-                <a:ea typeface="맑은 고딕" charset="0"/>
-              </a:rPr>
-              <a:t> </a:t>
-            </a:r>
-            <a:r>
-              <a:rPr lang="ko-KR" sz="1800">
-                <a:latin typeface="맑은 고딕" charset="0"/>
-                <a:ea typeface="맑은 고딕" charset="0"/>
-              </a:rPr>
-              <a:t>View</a:t>
-            </a:r>
-            <a:r>
-              <a:rPr lang="ko-KR" sz="1800">
-                <a:latin typeface="맑은 고딕" charset="0"/>
-                <a:ea typeface="맑은 고딕" charset="0"/>
-              </a:rPr>
-              <a:t>를</a:t>
-            </a:r>
-            <a:r>
-              <a:rPr lang="ko-KR" sz="1800">
-                <a:latin typeface="맑은 고딕" charset="0"/>
-                <a:ea typeface="맑은 고딕" charset="0"/>
-              </a:rPr>
-              <a:t> </a:t>
-            </a:r>
-            <a:r>
-              <a:rPr lang="ko-KR" sz="1800">
-                <a:latin typeface="맑은 고딕" charset="0"/>
-                <a:ea typeface="맑은 고딕" charset="0"/>
-              </a:rPr>
-              <a:t>추가하</a:t>
-            </a:r>
-            <a:r>
-              <a:rPr lang="ko-KR" sz="1800">
-                <a:latin typeface="맑은 고딕" charset="0"/>
-                <a:ea typeface="맑은 고딕" charset="0"/>
-              </a:rPr>
-              <a:t>게 되면</a:t>
-            </a:r>
-            <a:r>
-              <a:rPr lang="ko-KR" sz="1800">
-                <a:latin typeface="맑은 고딕" charset="0"/>
-                <a:ea typeface="맑은 고딕" charset="0"/>
-              </a:rPr>
-              <a:t> </a:t>
-            </a:r>
-            <a:r>
-              <a:rPr lang="ko-KR" sz="1800">
-                <a:latin typeface="맑은 고딕" charset="0"/>
-                <a:ea typeface="맑은 고딕" charset="0"/>
-              </a:rPr>
-              <a:t>포톤</a:t>
-            </a:r>
-            <a:r>
-              <a:rPr lang="ko-KR" sz="1800">
-                <a:latin typeface="맑은 고딕" charset="0"/>
-                <a:ea typeface="맑은 고딕" charset="0"/>
-              </a:rPr>
-              <a:t> </a:t>
-            </a:r>
-            <a:r>
-              <a:rPr lang="ko-KR" sz="1800">
-                <a:latin typeface="맑은 고딕" charset="0"/>
-                <a:ea typeface="맑은 고딕" charset="0"/>
-              </a:rPr>
-              <a:t>네트워크에</a:t>
-            </a:r>
-            <a:r>
-              <a:rPr lang="ko-KR" sz="1800">
-                <a:latin typeface="맑은 고딕" charset="0"/>
-                <a:ea typeface="맑은 고딕" charset="0"/>
-              </a:rPr>
-              <a:t> </a:t>
-            </a:r>
-            <a:r>
-              <a:rPr lang="ko-KR" sz="1800">
-                <a:latin typeface="맑은 고딕" charset="0"/>
-                <a:ea typeface="맑은 고딕" charset="0"/>
-              </a:rPr>
-              <a:t>연결(동기화)될</a:t>
-            </a:r>
-            <a:r>
-              <a:rPr lang="ko-KR" sz="1800">
-                <a:latin typeface="맑은 고딕" charset="0"/>
-                <a:ea typeface="맑은 고딕" charset="0"/>
-              </a:rPr>
-              <a:t> </a:t>
-            </a:r>
-            <a:r>
-              <a:rPr lang="ko-KR" sz="1800">
-                <a:latin typeface="맑은 고딕" charset="0"/>
-                <a:ea typeface="맑은 고딕" charset="0"/>
-              </a:rPr>
-              <a:t>수</a:t>
-            </a:r>
-            <a:r>
-              <a:rPr lang="ko-KR" sz="1800">
-                <a:latin typeface="맑은 고딕" charset="0"/>
-                <a:ea typeface="맑은 고딕" charset="0"/>
-              </a:rPr>
-              <a:t> </a:t>
-            </a:r>
-            <a:r>
-              <a:rPr lang="ko-KR" sz="1800">
-                <a:latin typeface="맑은 고딕" charset="0"/>
-                <a:ea typeface="맑은 고딕" charset="0"/>
-              </a:rPr>
-              <a:t>있는</a:t>
-            </a:r>
-            <a:r>
-              <a:rPr lang="ko-KR" sz="1800">
-                <a:latin typeface="맑은 고딕" charset="0"/>
-                <a:ea typeface="맑은 고딕" charset="0"/>
-              </a:rPr>
-              <a:t> </a:t>
-            </a:r>
-            <a:r>
-              <a:rPr lang="ko-KR" sz="1800">
-                <a:latin typeface="맑은 고딕" charset="0"/>
-                <a:ea typeface="맑은 고딕" charset="0"/>
-              </a:rPr>
-              <a:t>객체가</a:t>
-            </a:r>
-            <a:r>
-              <a:rPr lang="ko-KR" sz="1800">
-                <a:latin typeface="맑은 고딕" charset="0"/>
-                <a:ea typeface="맑은 고딕" charset="0"/>
-              </a:rPr>
-              <a:t> </a:t>
-            </a:r>
-            <a:r>
-              <a:rPr lang="ko-KR" sz="1800">
-                <a:latin typeface="맑은 고딕" charset="0"/>
-                <a:ea typeface="맑은 고딕" charset="0"/>
-              </a:rPr>
-              <a:t>됩니다.</a:t>
-            </a:r>
-            <a:endParaRPr lang="ko-KR" altLang="en-US" sz="1800">
-              <a:latin typeface="맑은 고딕" charset="0"/>
-              <a:ea typeface="맑은 고딕" charset="0"/>
-            </a:endParaRPr>
-          </a:p>
-          <a:p>
-            <a:pPr marL="0" indent="0" algn="l" latinLnBrk="0" hangingPunct="1">
-              <a:buFontTx/>
-              <a:buNone/>
-            </a:pPr>
-            <a:endParaRPr lang="ko-KR" altLang="en-US" sz="1800">
-              <a:latin typeface="맑은 고딕" charset="0"/>
-              <a:ea typeface="맑은 고딕" charset="0"/>
-            </a:endParaRPr>
-          </a:p>
-          <a:p>
-            <a:pPr marL="0" indent="0" algn="l" latinLnBrk="0" hangingPunct="1">
-              <a:buFontTx/>
-              <a:buNone/>
-            </a:pPr>
-            <a:r>
-              <a:rPr lang="ko-KR" sz="1800">
-                <a:latin typeface="맑은 고딕" charset="0"/>
-                <a:ea typeface="맑은 고딕" charset="0"/>
-              </a:rPr>
-              <a:t>네트워크 객체로 인식되면 네트워크에서 불러올 수 있습니다.</a:t>
-            </a:r>
-            <a:endParaRPr lang="ko-KR" altLang="en-US" sz="1800">
-              <a:latin typeface="맑은 고딕" charset="0"/>
-              <a:ea typeface="맑은 고딕" charset="0"/>
-            </a:endParaRPr>
-          </a:p>
-        </p:txBody>
-      </p:sp>
-      <p:pic>
-        <p:nvPicPr>
-          <p:cNvPr id="30" name="그림 22"/>
-          <p:cNvPicPr>
-            <a:picLocks noChangeAspect="1"/>
-          </p:cNvPicPr>
-          <p:nvPr/>
-        </p:nvPicPr>
-        <p:blipFill rotWithShape="1">
-          <a:blip r:embed="rId6" cstate="print">
-            <a:extLst>
-              <a:ext uri="{28A0092B-C50C-407E-A947-70E740481C1C}">
-                <a14:useLocalDpi xmlns:a14="http://schemas.microsoft.com/office/drawing/2010/main" val="0"/>
-              </a:ext>
-            </a:extLst>
-          </a:blip>
-          <a:stretch>
-            <a:fillRect/>
-          </a:stretch>
-        </p:blipFill>
-        <p:spPr>
-          <a:xfrm rot="0">
-            <a:off x="4339590" y="2795905"/>
-            <a:ext cx="762635" cy="681990"/>
-          </a:xfrm>
-          <a:prstGeom prst="roundRect"/>
-          <a:solidFill>
-            <a:srgbClr val="EDEDED"/>
-          </a:solidFill>
-        </p:spPr>
-      </p:pic>
-      <p:cxnSp>
-        <p:nvCxnSpPr>
-          <p:cNvPr id="31" name="도형 25"/>
-          <p:cNvCxnSpPr>
-            <a:stCxn id="30" idx="0"/>
-            <a:endCxn id="24" idx="2"/>
-          </p:cNvCxnSpPr>
-          <p:nvPr/>
-        </p:nvCxnSpPr>
-        <p:spPr>
-          <a:xfrm rot="0" flipV="1">
-            <a:off x="4720590" y="2378710"/>
-            <a:ext cx="6350" cy="417830"/>
-          </a:xfrm>
-          <a:prstGeom prst="straightConnector1"/>
-          <a:ln w="6350" cap="flat" cmpd="sng">
-            <a:prstDash/>
-            <a:headEnd type="none" w="med" len="med"/>
-            <a:tailEnd type="triangle" w="med" len="med"/>
-          </a:ln>
-        </p:spPr>
-        <p:style>
-          <a:lnRef idx="1">
-            <a:schemeClr val="accent1"/>
-          </a:lnRef>
-          <a:fillRef idx="0">
-            <a:schemeClr val="accent1"/>
-          </a:fillRef>
-          <a:effectRef idx="0">
-            <a:schemeClr val="accent1"/>
-          </a:effectRef>
-          <a:fontRef idx="minor">
-            <a:schemeClr val="tx1"/>
-          </a:fontRef>
-        </p:style>
-      </p:cxnSp>
+        </p:txBody>
+      </p:sp>
     </p:spTree>
   </p:cSld>
   <p:clrMapOvr>
@@ -11197,14 +11140,14 @@
       </p:sp>
       <p:pic>
         <p:nvPicPr>
-          <p:cNvPr id="29" name="그림 17"/>
+          <p:cNvPr id="30" name="그림 18" descr="C:/Users/Admin1/AppData/Roaming/PolarisOffice/ETemp/1892_13668960/fImage58051529169.png"/>
           <p:cNvPicPr>
             <a:picLocks noChangeAspect="1"/>
           </p:cNvPicPr>
           <p:nvPr/>
         </p:nvPicPr>
         <p:blipFill rotWithShape="1">
-          <a:blip r:embed="rId2" cstate="hqprint">
+          <a:blip r:embed="rId8" cstate="hqprint">
             <a:extLst>
               <a:ext uri="{28A0092B-C50C-407E-A947-70E740481C1C}">
                 <a14:useLocalDpi xmlns:a14="http://schemas.microsoft.com/office/drawing/2010/main"/>
@@ -11217,8 +11160,8 @@
         </p:blipFill>
         <p:spPr>
           <a:xfrm rot="0">
-            <a:off x="1490345" y="1405890"/>
-            <a:ext cx="1104900" cy="1301750"/>
+            <a:off x="1496695" y="1412875"/>
+            <a:ext cx="3875405" cy="1304290"/>
           </a:xfrm>
           <a:prstGeom prst="roundRect"/>
           <a:solidFill>
@@ -11226,16 +11169,247 @@
           </a:solidFill>
         </p:spPr>
       </p:pic>
+      <p:sp>
+        <p:nvSpPr>
+          <p:cNvPr id="31" name="텍스트 상자 21"/>
+          <p:cNvSpPr txBox="1">
+            <a:spLocks/>
+          </p:cNvSpPr>
+          <p:nvPr/>
+        </p:nvSpPr>
+        <p:spPr>
+          <a:xfrm>
+            <a:off x="1490980" y="2893695"/>
+            <a:ext cx="3872865" cy="3169285"/>
+          </a:xfrm>
+          <a:prstGeom prst="rect"/>
+          <a:noFill/>
+          <a:ln w="0">
+            <a:noFill/>
+            <a:prstDash/>
+          </a:ln>
+        </p:spPr>
+        <p:txBody>
+          <a:bodyPr wrap="square" lIns="89535" tIns="46355" rIns="89535" bIns="46355" numCol="1" vert="horz" anchor="t">
+            <a:spAutoFit/>
+          </a:bodyPr>
+          <a:lstStyle/>
+          <a:p>
+            <a:pPr marL="0" indent="0" rtl="0" algn="l" defTabSz="914400" eaLnBrk="1" latinLnBrk="0" hangingPunct="1">
+              <a:buFontTx/>
+              <a:buNone/>
+            </a:pPr>
+            <a:r>
+              <a:rPr sz="2000" b="1">
+                <a:solidFill>
+                  <a:srgbClr val="0611F2"/>
+                </a:solidFill>
+                <a:latin typeface="맑은 고딕" charset="0"/>
+                <a:ea typeface="맑은 고딕" charset="0"/>
+              </a:rPr>
+              <a:t>4</a:t>
+            </a:r>
+            <a:r>
+              <a:rPr sz="2000" b="1">
+                <a:solidFill>
+                  <a:srgbClr val="0611F2"/>
+                </a:solidFill>
+                <a:latin typeface="맑은 고딕" charset="0"/>
+                <a:ea typeface="맑은 고딕" charset="0"/>
+              </a:rPr>
+              <a:t>. </a:t>
+            </a:r>
+            <a:r>
+              <a:rPr sz="1800">
+                <a:latin typeface="맑은 고딕" charset="0"/>
+                <a:ea typeface="맑은 고딕" charset="0"/>
+              </a:rPr>
+              <a:t>그다</a:t>
+            </a:r>
+            <a:r>
+              <a:rPr lang="ko-KR" sz="1800">
+                <a:latin typeface="맑은 고딕" charset="0"/>
+                <a:ea typeface="맑은 고딕" charset="0"/>
+              </a:rPr>
+              <a:t>음</a:t>
+            </a:r>
+            <a:r>
+              <a:rPr lang="ko-KR" sz="1800">
+                <a:latin typeface="맑은 고딕" charset="0"/>
+                <a:ea typeface="맑은 고딕" charset="0"/>
+              </a:rPr>
+              <a:t> Character 오브젝트에 Photon Transform View 컴포넌트를 추가힙니다. </a:t>
+            </a:r>
+            <a:endParaRPr lang="ko-KR" altLang="en-US" sz="1800">
+              <a:latin typeface="맑은 고딕" charset="0"/>
+              <a:ea typeface="맑은 고딕" charset="0"/>
+            </a:endParaRPr>
+          </a:p>
+          <a:p>
+            <a:pPr marL="0" indent="0" rtl="0" algn="l" defTabSz="914400" eaLnBrk="1" latinLnBrk="0" hangingPunct="1">
+              <a:buFontTx/>
+              <a:buNone/>
+            </a:pPr>
+            <a:endParaRPr lang="ko-KR" altLang="en-US" sz="1800">
+              <a:latin typeface="맑은 고딕" charset="0"/>
+              <a:ea typeface="맑은 고딕" charset="0"/>
+            </a:endParaRPr>
+          </a:p>
+          <a:p>
+            <a:pPr marL="0" indent="0" algn="l" latinLnBrk="0" hangingPunct="1">
+              <a:buFontTx/>
+              <a:buNone/>
+            </a:pPr>
+            <a:r>
+              <a:rPr lang="ko-KR" sz="1800">
+                <a:latin typeface="맑은 고딕" charset="0"/>
+                <a:ea typeface="맑은 고딕" charset="0"/>
+              </a:rPr>
+              <a:t>Photon Transform View는 서로 각자의 게임 오브젝트를 조작하기 위해 자기 자신일 때만 동작할 수 있도록 설정할 수 있습니다.</a:t>
+            </a:r>
+            <a:endParaRPr lang="ko-KR" altLang="en-US" sz="1800">
+              <a:latin typeface="맑은 고딕" charset="0"/>
+              <a:ea typeface="맑은 고딕" charset="0"/>
+            </a:endParaRPr>
+          </a:p>
+          <a:p>
+            <a:pPr marL="0" indent="0" algn="l" latinLnBrk="0" hangingPunct="1">
+              <a:buFontTx/>
+              <a:buNone/>
+            </a:pPr>
+            <a:endParaRPr lang="ko-KR" altLang="en-US" sz="1800">
+              <a:latin typeface="맑은 고딕" charset="0"/>
+              <a:ea typeface="맑은 고딕" charset="0"/>
+            </a:endParaRPr>
+          </a:p>
+          <a:p>
+            <a:pPr marL="0" indent="0" algn="l" latinLnBrk="0" hangingPunct="1">
+              <a:buFontTx/>
+              <a:buNone/>
+            </a:pPr>
+            <a:r>
+              <a:rPr lang="ko-KR" sz="1800">
+                <a:latin typeface="맑은 고딕" charset="0"/>
+                <a:ea typeface="맑은 고딕" charset="0"/>
+              </a:rPr>
+              <a:t>그리고 서로 각자의 화면에 이동과 회전의 정보를 반영합니다.</a:t>
+            </a:r>
+            <a:endParaRPr lang="ko-KR" altLang="en-US" sz="1800">
+              <a:latin typeface="맑은 고딕" charset="0"/>
+              <a:ea typeface="맑은 고딕" charset="0"/>
+            </a:endParaRPr>
+          </a:p>
+        </p:txBody>
+      </p:sp>
+      <p:sp>
+        <p:nvSpPr>
+          <p:cNvPr id="33" name="텍스트 상자 30"/>
+          <p:cNvSpPr txBox="1">
+            <a:spLocks/>
+          </p:cNvSpPr>
+          <p:nvPr/>
+        </p:nvSpPr>
+        <p:spPr>
+          <a:xfrm rot="0">
+            <a:off x="6816725" y="2807335"/>
+            <a:ext cx="4140835" cy="1231265"/>
+          </a:xfrm>
+          <a:prstGeom prst="rect"/>
+          <a:noFill/>
+          <a:ln w="0">
+            <a:noFill/>
+            <a:prstDash/>
+          </a:ln>
+        </p:spPr>
+        <p:txBody>
+          <a:bodyPr wrap="square" lIns="89535" tIns="46355" rIns="89535" bIns="46355" numCol="1" vert="horz" anchor="t">
+            <a:spAutoFit/>
+          </a:bodyPr>
+          <a:lstStyle/>
+          <a:p>
+            <a:pPr marL="0" indent="0" rtl="0" algn="l" defTabSz="914400" eaLnBrk="1" latinLnBrk="0" hangingPunct="1">
+              <a:buFontTx/>
+              <a:buNone/>
+            </a:pPr>
+            <a:r>
+              <a:rPr sz="2000" b="1">
+                <a:solidFill>
+                  <a:srgbClr val="0611F2"/>
+                </a:solidFill>
+                <a:latin typeface="맑은 고딕" charset="0"/>
+                <a:ea typeface="맑은 고딕" charset="0"/>
+              </a:rPr>
+              <a:t>5</a:t>
+            </a:r>
+            <a:r>
+              <a:rPr sz="2000" b="1">
+                <a:solidFill>
+                  <a:srgbClr val="0611F2"/>
+                </a:solidFill>
+                <a:latin typeface="맑은 고딕" charset="0"/>
+                <a:ea typeface="맑은 고딕" charset="0"/>
+              </a:rPr>
+              <a:t>. </a:t>
+            </a:r>
+            <a:r>
+              <a:rPr sz="1800">
+                <a:latin typeface="맑은 고딕" charset="0"/>
+                <a:ea typeface="맑은 고딕" charset="0"/>
+              </a:rPr>
+              <a:t>이</a:t>
+            </a:r>
+            <a:r>
+              <a:rPr lang="ko-KR" sz="1800">
+                <a:latin typeface="맑은 고딕" charset="0"/>
+                <a:ea typeface="맑은 고딕" charset="0"/>
+              </a:rPr>
+              <a:t>제</a:t>
+            </a:r>
+            <a:r>
+              <a:rPr sz="1800">
+                <a:latin typeface="맑은 고딕" charset="0"/>
+                <a:ea typeface="맑은 고딕" charset="0"/>
+              </a:rPr>
+              <a:t> </a:t>
+            </a:r>
+            <a:r>
+              <a:rPr sz="1800">
+                <a:latin typeface="맑은 고딕" charset="0"/>
+                <a:ea typeface="맑은 고딕" charset="0"/>
+              </a:rPr>
+              <a:t>c</a:t>
+            </a:r>
+            <a:r>
+              <a:rPr lang="ko-KR" sz="1800">
+                <a:latin typeface="맑은 고딕" charset="0"/>
+                <a:ea typeface="맑은 고딕" charset="0"/>
+              </a:rPr>
+              <a:t>haracter 오브젝트 하위에 Main Cameara 오브젝트를 넣어</a:t>
+            </a:r>
+            <a:r>
+              <a:rPr lang="ko-KR" sz="1800">
+                <a:latin typeface="맑은 고딕" charset="0"/>
+                <a:ea typeface="맑은 고딕" charset="0"/>
+              </a:rPr>
+              <a:t>준 다음 Main Camera 오브젝트의 위치를 변경합니다.</a:t>
+            </a:r>
+            <a:endParaRPr lang="ko-KR" altLang="en-US" sz="1800">
+              <a:latin typeface="맑은 고딕" charset="0"/>
+              <a:ea typeface="맑은 고딕" charset="0"/>
+            </a:endParaRPr>
+          </a:p>
+        </p:txBody>
+      </p:sp>
       <p:pic>
         <p:nvPicPr>
-          <p:cNvPr id="30" name="그림 18"/>
+          <p:cNvPr id="36" name="그림 17" descr="C:/Users/Admin1/AppData/Roaming/PolarisOffice/ETemp/1892_13668960/fImage120802301478.png"/>
           <p:cNvPicPr>
             <a:picLocks noChangeAspect="1"/>
           </p:cNvPicPr>
           <p:nvPr/>
         </p:nvPicPr>
         <p:blipFill rotWithShape="1">
-          <a:blip r:embed="rId8" cstate="print">
+          <a:blip r:embed="rId11" cstate="print">
             <a:extLst>
               <a:ext uri="{28A0092B-C50C-407E-A947-70E740481C1C}">
                 <a14:useLocalDpi xmlns:a14="http://schemas.microsoft.com/office/drawing/2010/main" val="0"/>
@@ -11248,8 +11422,8 @@
         </p:blipFill>
         <p:spPr>
           <a:xfrm rot="0">
-            <a:off x="2802255" y="1412875"/>
-            <a:ext cx="2569210" cy="1303655"/>
+            <a:off x="6816725" y="1404620"/>
+            <a:ext cx="1397000" cy="1314450"/>
           </a:xfrm>
           <a:prstGeom prst="roundRect"/>
           <a:solidFill>
@@ -11257,162 +11431,16 @@
           </a:solidFill>
         </p:spPr>
       </p:pic>
-      <p:sp>
-        <p:nvSpPr>
-          <p:cNvPr id="31" name="텍스트 상자 21"/>
-          <p:cNvSpPr txBox="1">
-            <a:spLocks/>
-          </p:cNvSpPr>
-          <p:nvPr/>
-        </p:nvSpPr>
-        <p:spPr>
-          <a:xfrm rot="0">
-            <a:off x="1490980" y="2893695"/>
-            <a:ext cx="3872230" cy="3169285"/>
-          </a:xfrm>
-          <a:prstGeom prst="rect"/>
-          <a:noFill/>
-          <a:ln w="0">
-            <a:noFill/>
-            <a:prstDash/>
-          </a:ln>
-        </p:spPr>
-        <p:txBody>
-          <a:bodyPr wrap="square" lIns="89535" tIns="46355" rIns="89535" bIns="46355" vert="horz" anchor="t">
-            <a:spAutoFit/>
-          </a:bodyPr>
-          <a:lstStyle/>
-          <a:p>
-            <a:pPr marL="0" indent="0" rtl="0" algn="l" defTabSz="914400" eaLnBrk="1" latinLnBrk="0" hangingPunct="1">
-              <a:buFontTx/>
-              <a:buNone/>
-            </a:pPr>
-            <a:r>
-              <a:rPr sz="2000" b="1">
-                <a:solidFill>
-                  <a:srgbClr val="0611F2"/>
-                </a:solidFill>
-                <a:latin typeface="맑은 고딕" charset="0"/>
-                <a:ea typeface="맑은 고딕" charset="0"/>
-              </a:rPr>
-              <a:t>3</a:t>
-            </a:r>
-            <a:r>
-              <a:rPr sz="2000" b="1">
-                <a:solidFill>
-                  <a:srgbClr val="0611F2"/>
-                </a:solidFill>
-                <a:latin typeface="맑은 고딕" charset="0"/>
-                <a:ea typeface="맑은 고딕" charset="0"/>
-              </a:rPr>
-              <a:t>. </a:t>
-            </a:r>
-            <a:r>
-              <a:rPr sz="1800">
-                <a:latin typeface="맑은 고딕" charset="0"/>
-                <a:ea typeface="맑은 고딕" charset="0"/>
-              </a:rPr>
-              <a:t>이</a:t>
-            </a:r>
-            <a:r>
-              <a:rPr lang="ko-KR" sz="1800">
-                <a:latin typeface="맑은 고딕" charset="0"/>
-                <a:ea typeface="맑은 고딕" charset="0"/>
-              </a:rPr>
-              <a:t>제 Character 오브젝트에 Photon Transform View 컴포넌트를 추가힙니다. </a:t>
-            </a:r>
-            <a:endParaRPr lang="ko-KR" altLang="en-US" sz="1800">
-              <a:latin typeface="맑은 고딕" charset="0"/>
-              <a:ea typeface="맑은 고딕" charset="0"/>
-            </a:endParaRPr>
-          </a:p>
-          <a:p>
-            <a:pPr marL="0" indent="0" rtl="0" algn="l" defTabSz="914400" eaLnBrk="1" latinLnBrk="0" hangingPunct="1">
-              <a:buFontTx/>
-              <a:buNone/>
-            </a:pPr>
-            <a:endParaRPr lang="ko-KR" altLang="en-US" sz="1800">
-              <a:latin typeface="맑은 고딕" charset="0"/>
-              <a:ea typeface="맑은 고딕" charset="0"/>
-            </a:endParaRPr>
-          </a:p>
-          <a:p>
-            <a:pPr marL="0" indent="0" algn="l" latinLnBrk="0" hangingPunct="1">
-              <a:buFontTx/>
-              <a:buNone/>
-            </a:pPr>
-            <a:r>
-              <a:rPr lang="ko-KR" sz="1800">
-                <a:latin typeface="맑은 고딕" charset="0"/>
-                <a:ea typeface="맑은 고딕" charset="0"/>
-              </a:rPr>
-              <a:t>Photon Transform View는 </a:t>
-            </a:r>
-            <a:r>
-              <a:rPr lang="ko-KR" sz="1800">
-                <a:latin typeface="맑은 고딕" charset="0"/>
-                <a:ea typeface="맑은 고딕" charset="0"/>
-              </a:rPr>
-              <a:t>서로 각자의 게임 오브젝트를 조작하기 위해 자기 자신일 때만 동작할 수 있도록 설정</a:t>
-            </a:r>
-            <a:r>
-              <a:rPr lang="ko-KR" sz="1800">
-                <a:latin typeface="맑은 고딕" charset="0"/>
-                <a:ea typeface="맑은 고딕" charset="0"/>
-              </a:rPr>
-              <a:t>할 수 있습니다.</a:t>
-            </a:r>
-            <a:endParaRPr lang="ko-KR" altLang="en-US" sz="1800">
-              <a:latin typeface="맑은 고딕" charset="0"/>
-              <a:ea typeface="맑은 고딕" charset="0"/>
-            </a:endParaRPr>
-          </a:p>
-          <a:p>
-            <a:pPr marL="0" indent="0" algn="l" latinLnBrk="0" hangingPunct="1">
-              <a:buFontTx/>
-              <a:buNone/>
-            </a:pPr>
-            <a:endParaRPr lang="ko-KR" altLang="en-US" sz="1800">
-              <a:latin typeface="맑은 고딕" charset="0"/>
-              <a:ea typeface="맑은 고딕" charset="0"/>
-            </a:endParaRPr>
-          </a:p>
-          <a:p>
-            <a:pPr marL="0" indent="0" algn="l" latinLnBrk="0" hangingPunct="1">
-              <a:buFontTx/>
-              <a:buNone/>
-            </a:pPr>
-            <a:r>
-              <a:rPr lang="ko-KR" sz="1800">
-                <a:latin typeface="맑은 고딕" charset="0"/>
-                <a:ea typeface="맑은 고딕" charset="0"/>
-              </a:rPr>
-              <a:t>그리고 서로 각자의 화면에 이동과 회전의 정보를 반영</a:t>
-            </a:r>
-            <a:r>
-              <a:rPr lang="ko-KR" sz="1800">
-                <a:latin typeface="맑은 고딕" charset="0"/>
-                <a:ea typeface="맑은 고딕" charset="0"/>
-              </a:rPr>
-              <a:t>합니다.</a:t>
-            </a:r>
-            <a:endParaRPr lang="ko-KR" altLang="en-US" sz="1800">
-              <a:latin typeface="맑은 고딕" charset="0"/>
-              <a:ea typeface="맑은 고딕" charset="0"/>
-            </a:endParaRPr>
-          </a:p>
-        </p:txBody>
-      </p:sp>
       <p:pic>
         <p:nvPicPr>
-          <p:cNvPr id="32" name="그림 27"/>
+          <p:cNvPr id="37" name="그림 19" descr="C:/Users/Admin1/AppData/Roaming/PolarisOffice/ETemp/1892_13668960/fImage121462319358.png"/>
           <p:cNvPicPr>
             <a:picLocks noChangeAspect="1"/>
           </p:cNvPicPr>
           <p:nvPr/>
         </p:nvPicPr>
         <p:blipFill rotWithShape="1">
-          <a:blip r:embed="rId9" cstate="print">
+          <a:blip r:embed="rId12" cstate="print">
             <a:extLst>
               <a:ext uri="{28A0092B-C50C-407E-A947-70E740481C1C}">
                 <a14:useLocalDpi xmlns:a14="http://schemas.microsoft.com/office/drawing/2010/main" val="0"/>
@@ -11425,8 +11453,8 @@
         </p:blipFill>
         <p:spPr>
           <a:xfrm rot="0">
-            <a:off x="6837045" y="1407795"/>
-            <a:ext cx="3870960" cy="1230630"/>
+            <a:off x="8346440" y="1412875"/>
+            <a:ext cx="2619375" cy="1314450"/>
           </a:xfrm>
           <a:prstGeom prst="roundRect"/>
           <a:solidFill>
@@ -11434,108 +11462,16 @@
           </a:solidFill>
         </p:spPr>
       </p:pic>
-      <p:sp>
-        <p:nvSpPr>
-          <p:cNvPr id="33" name="텍스트 상자 30"/>
-          <p:cNvSpPr txBox="1">
-            <a:spLocks/>
-          </p:cNvSpPr>
-          <p:nvPr/>
-        </p:nvSpPr>
-        <p:spPr>
-          <a:xfrm rot="0">
-            <a:off x="6838950" y="2707640"/>
-            <a:ext cx="3878580" cy="954405"/>
-          </a:xfrm>
-          <a:prstGeom prst="rect"/>
-          <a:noFill/>
-          <a:ln w="0">
-            <a:noFill/>
-            <a:prstDash/>
-          </a:ln>
-        </p:spPr>
-        <p:txBody>
-          <a:bodyPr wrap="square" lIns="89535" tIns="46355" rIns="89535" bIns="46355" vert="horz" anchor="t">
-            <a:spAutoFit/>
-          </a:bodyPr>
-          <a:lstStyle/>
-          <a:p>
-            <a:pPr marL="0" indent="0" rtl="0" algn="l" defTabSz="914400" eaLnBrk="1" latinLnBrk="0" hangingPunct="1">
-              <a:buFontTx/>
-              <a:buNone/>
-            </a:pPr>
-            <a:r>
-              <a:rPr sz="2000" b="1">
-                <a:solidFill>
-                  <a:srgbClr val="0611F2"/>
-                </a:solidFill>
-                <a:latin typeface="맑은 고딕" charset="0"/>
-                <a:ea typeface="맑은 고딕" charset="0"/>
-              </a:rPr>
-              <a:t>4</a:t>
-            </a:r>
-            <a:r>
-              <a:rPr sz="2000" b="1">
-                <a:solidFill>
-                  <a:srgbClr val="0611F2"/>
-                </a:solidFill>
-                <a:latin typeface="맑은 고딕" charset="0"/>
-                <a:ea typeface="맑은 고딕" charset="0"/>
-              </a:rPr>
-              <a:t>. </a:t>
-            </a:r>
-            <a:r>
-              <a:rPr sz="1800">
-                <a:latin typeface="맑은 고딕" charset="0"/>
-                <a:ea typeface="맑은 고딕" charset="0"/>
-              </a:rPr>
-              <a:t>그</a:t>
-            </a:r>
-            <a:r>
-              <a:rPr sz="1800">
-                <a:latin typeface="맑은 고딕" charset="0"/>
-                <a:ea typeface="맑은 고딕" charset="0"/>
-              </a:rPr>
-              <a:t>다</a:t>
-            </a:r>
-            <a:r>
-              <a:rPr lang="ko-KR" sz="1800">
-                <a:latin typeface="맑은 고딕" charset="0"/>
-                <a:ea typeface="맑은 고딕" charset="0"/>
-              </a:rPr>
-              <a:t>음</a:t>
-            </a:r>
-            <a:r>
-              <a:rPr sz="1800">
-                <a:latin typeface="맑은 고딕" charset="0"/>
-                <a:ea typeface="맑은 고딕" charset="0"/>
-              </a:rPr>
-              <a:t> C</a:t>
-            </a:r>
-            <a:r>
-              <a:rPr lang="ko-KR" sz="1800">
-                <a:latin typeface="맑은 고딕" charset="0"/>
-                <a:ea typeface="맑은 고딕" charset="0"/>
-              </a:rPr>
-              <a:t>haracter 오브젝트 하위에 Main Cameara 오브젝트를 넣어줍니다.</a:t>
-            </a:r>
-            <a:endParaRPr lang="ko-KR" altLang="en-US" sz="1800">
-              <a:latin typeface="맑은 고딕" charset="0"/>
-              <a:ea typeface="맑은 고딕" charset="0"/>
-            </a:endParaRPr>
-          </a:p>
-        </p:txBody>
-      </p:sp>
       <p:pic>
         <p:nvPicPr>
-          <p:cNvPr id="34" name="그림 31"/>
+          <p:cNvPr id="38" name="그림 23" descr="C:/Users/Admin1/AppData/Roaming/PolarisOffice/ETemp/1892_13668960/fImage68982326962.png"/>
           <p:cNvPicPr>
             <a:picLocks noChangeAspect="1"/>
           </p:cNvPicPr>
           <p:nvPr/>
         </p:nvPicPr>
         <p:blipFill rotWithShape="1">
-          <a:blip r:embed="rId10" cstate="print">
+          <a:blip r:embed="rId13" cstate="print">
             <a:extLst>
               <a:ext uri="{28A0092B-C50C-407E-A947-70E740481C1C}">
                 <a14:useLocalDpi xmlns:a14="http://schemas.microsoft.com/office/drawing/2010/main" val="0"/>
@@ -11548,8 +11484,8 @@
         </p:blipFill>
         <p:spPr>
           <a:xfrm rot="0">
-            <a:off x="6841490" y="3745230"/>
-            <a:ext cx="3867150" cy="1539875"/>
+            <a:off x="8335645" y="4159885"/>
+            <a:ext cx="2620010" cy="1144270"/>
           </a:xfrm>
           <a:prstGeom prst="roundRect"/>
           <a:solidFill>
@@ -11557,9 +11493,40 @@
           </a:solidFill>
         </p:spPr>
       </p:pic>
-      <p:sp>
-        <p:nvSpPr>
-          <p:cNvPr id="35" name="텍스트 상자 34"/>
+      <p:pic>
+        <p:nvPicPr>
+          <p:cNvPr id="39" name="그림 26" descr="C:/Users/Admin1/AppData/Roaming/PolarisOffice/ETemp/1892_13668960/fImage44642334464.png"/>
+          <p:cNvPicPr>
+            <a:picLocks noChangeAspect="1"/>
+          </p:cNvPicPr>
+          <p:nvPr/>
+        </p:nvPicPr>
+        <p:blipFill rotWithShape="1">
+          <a:blip r:embed="rId14" cstate="print">
+            <a:extLst>
+              <a:ext uri="{28A0092B-C50C-407E-A947-70E740481C1C}">
+                <a14:useLocalDpi xmlns:a14="http://schemas.microsoft.com/office/drawing/2010/main" val="0"/>
+              </a:ext>
+            </a:extLst>
+          </a:blip>
+          <a:stretch>
+            <a:fillRect/>
+          </a:stretch>
+        </p:blipFill>
+        <p:spPr>
+          <a:xfrm rot="0">
+            <a:off x="6814185" y="4164965"/>
+            <a:ext cx="1391285" cy="1127760"/>
+          </a:xfrm>
+          <a:prstGeom prst="roundRect"/>
+          <a:solidFill>
+            <a:srgbClr val="EDEDED"/>
+          </a:solidFill>
+        </p:spPr>
+      </p:pic>
+      <p:sp>
+        <p:nvSpPr>
+          <p:cNvPr id="40" name="텍스트 상자 29"/>
           <p:cNvSpPr txBox="1">
             <a:spLocks/>
           </p:cNvSpPr>
@@ -11567,8 +11534,8 @@
         </p:nvSpPr>
         <p:spPr>
           <a:xfrm rot="0">
-            <a:off x="6832600" y="5382260"/>
-            <a:ext cx="3878580" cy="677545"/>
+            <a:off x="6813550" y="5381625"/>
+            <a:ext cx="4140835" cy="677545"/>
           </a:xfrm>
           <a:prstGeom prst="rect"/>
           <a:noFill/>
@@ -11578,7 +11545,7 @@
           </a:ln>
         </p:spPr>
         <p:txBody>
-          <a:bodyPr wrap="square" lIns="89535" tIns="46355" rIns="89535" bIns="46355" vert="horz" anchor="t">
+          <a:bodyPr wrap="square" lIns="89535" tIns="46355" rIns="89535" bIns="46355" numCol="1" vert="horz" anchor="t">
             <a:spAutoFit/>
           </a:bodyPr>
           <a:lstStyle/>
@@ -11595,7 +11562,7 @@
                 <a:latin typeface="맑은 고딕" charset="0"/>
                 <a:ea typeface="맑은 고딕" charset="0"/>
               </a:rPr>
-              <a:t>5</a:t>
+              <a:t>6</a:t>
             </a:r>
             <a:r>
               <a:rPr sz="2000" b="1">
@@ -11612,7 +11579,35 @@
                 <a:latin typeface="맑은 고딕" charset="0"/>
                 <a:ea typeface="맑은 고딕" charset="0"/>
               </a:rPr>
-              <a:t>이제 Main Camera 오브젝트의 위치를 변경합니다.</a:t>
+              <a:t>그런 다음</a:t>
+            </a:r>
+            <a:r>
+              <a:rPr sz="1800">
+                <a:latin typeface="맑은 고딕" charset="0"/>
+                <a:ea typeface="맑은 고딕" charset="0"/>
+              </a:rPr>
+              <a:t> </a:t>
+            </a:r>
+            <a:r>
+              <a:rPr sz="1800">
+                <a:latin typeface="맑은 고딕" charset="0"/>
+                <a:ea typeface="맑은 고딕" charset="0"/>
+              </a:rPr>
+              <a:t>c</a:t>
+            </a:r>
+            <a:r>
+              <a:rPr lang="ko-KR" sz="1800">
+                <a:latin typeface="맑은 고딕" charset="0"/>
+                <a:ea typeface="맑은 고딕" charset="0"/>
+              </a:rPr>
+              <a:t>haracter</a:t>
+            </a:r>
+            <a:r>
+              <a:rPr lang="ko-KR" sz="1800">
+                <a:latin typeface="맑은 고딕" charset="0"/>
+                <a:ea typeface="맑은 고딕" charset="0"/>
+              </a:rPr>
+              <a:t> 오브젝트를 Resources 폴더에 넣어줍니다.</a:t>
             </a:r>
             <a:endParaRPr lang="ko-KR" altLang="en-US" sz="1800">
               <a:latin typeface="맑은 고딕" charset="0"/>
@@ -11715,8 +11710,8 @@
         </p:nvSpPr>
         <p:spPr>
           <a:xfrm rot="0">
-            <a:off x="1490980" y="4675505"/>
-            <a:ext cx="3872230" cy="1508125"/>
+            <a:off x="1238885" y="5506720"/>
+            <a:ext cx="4123690" cy="677545"/>
           </a:xfrm>
           <a:prstGeom prst="rect"/>
           <a:noFill/>
@@ -11726,7 +11721,7 @@
           </a:ln>
         </p:spPr>
         <p:txBody>
-          <a:bodyPr wrap="square" lIns="89535" tIns="46355" rIns="89535" bIns="46355" vert="horz" anchor="t">
+          <a:bodyPr wrap="square" lIns="89535" tIns="46355" rIns="89535" bIns="46355" numCol="1" vert="horz" anchor="t">
             <a:spAutoFit/>
           </a:bodyPr>
           <a:lstStyle/>
@@ -11743,7 +11738,7 @@
                 <a:latin typeface="맑은 고딕" charset="0"/>
                 <a:ea typeface="맑은 고딕" charset="0"/>
               </a:rPr>
-              <a:t>6</a:t>
+              <a:t>8</a:t>
             </a:r>
             <a:r>
               <a:rPr sz="2000" b="1">
@@ -11760,116 +11755,56 @@
                 <a:latin typeface="맑은 고딕" charset="0"/>
                 <a:ea typeface="맑은 고딕" charset="0"/>
               </a:rPr>
-              <a:t>그런 다음 3D Object를 선택하고 Plane을 생성합니다.</a:t>
+              <a:t>그다음 Camera 오브젝트의 위치와 회전값을 설정합니다.</a:t>
             </a:r>
             <a:endParaRPr lang="ko-KR" altLang="en-US" sz="1800">
               <a:latin typeface="맑은 고딕" charset="0"/>
               <a:ea typeface="맑은 고딕" charset="0"/>
             </a:endParaRPr>
           </a:p>
-          <a:p>
-            <a:pPr marL="0" indent="0" rtl="0" algn="l" defTabSz="914400" eaLnBrk="1" latinLnBrk="0" hangingPunct="1">
-              <a:buFontTx/>
-              <a:buNone/>
-            </a:pPr>
-            <a:endParaRPr lang="ko-KR" altLang="en-US" sz="1800">
-              <a:latin typeface="맑은 고딕" charset="0"/>
-              <a:ea typeface="맑은 고딕" charset="0"/>
-            </a:endParaRPr>
-          </a:p>
-          <a:p>
-            <a:pPr marL="0" indent="0" rtl="0" algn="l" defTabSz="914400" eaLnBrk="1" latinLnBrk="0" hangingPunct="1">
-              <a:buFontTx/>
-              <a:buNone/>
-            </a:pPr>
-            <a:r>
-              <a:rPr lang="ko-KR" sz="1800">
-                <a:latin typeface="맑은 고딕" charset="0"/>
-                <a:ea typeface="맑은 고딕" charset="0"/>
-              </a:rPr>
-              <a:t>그리고 Ground 라는 이름으로 정의합니다.</a:t>
-            </a:r>
-            <a:endParaRPr lang="ko-KR" altLang="en-US" sz="1800">
-              <a:latin typeface="맑은 고딕" charset="0"/>
-              <a:ea typeface="맑은 고딕" charset="0"/>
-            </a:endParaRPr>
-          </a:p>
-        </p:txBody>
-      </p:sp>
-      <p:sp>
-        <p:nvSpPr>
-          <p:cNvPr id="35" name="Rect 0"/>
-          <p:cNvSpPr txBox="1">
-            <a:spLocks/>
-          </p:cNvSpPr>
-          <p:nvPr/>
-        </p:nvSpPr>
-        <p:spPr>
-          <a:xfrm rot="0">
-            <a:off x="6832600" y="5503545"/>
-            <a:ext cx="3878580" cy="677545"/>
-          </a:xfrm>
-          <a:prstGeom prst="rect"/>
-          <a:noFill/>
-          <a:ln w="0">
-            <a:noFill/>
-            <a:prstDash/>
-          </a:ln>
-        </p:spPr>
-        <p:txBody>
-          <a:bodyPr wrap="square" lIns="89535" tIns="46355" rIns="89535" bIns="46355" vert="horz" anchor="t">
-            <a:spAutoFit/>
-          </a:bodyPr>
-          <a:lstStyle/>
-          <a:p>
-            <a:pPr marL="0" indent="0" rtl="0" algn="l" defTabSz="914400" eaLnBrk="1" latinLnBrk="0" hangingPunct="1">
-              <a:buFontTx/>
-              <a:buNone/>
-            </a:pPr>
-            <a:r>
-              <a:rPr lang="ko-KR" sz="2000" b="1">
-                <a:solidFill>
-                  <a:srgbClr val="0611F2"/>
-                </a:solidFill>
-                <a:latin typeface="맑은 고딕" charset="0"/>
-                <a:ea typeface="맑은 고딕" charset="0"/>
-              </a:rPr>
-              <a:t>8</a:t>
-            </a:r>
-            <a:r>
-              <a:rPr sz="2000" b="1">
-                <a:solidFill>
-                  <a:srgbClr val="0611F2"/>
-                </a:solidFill>
-                <a:latin typeface="맑은 고딕" charset="0"/>
-                <a:ea typeface="맑은 고딕" charset="0"/>
-              </a:rPr>
-              <a:t>. </a:t>
-            </a:r>
-            <a:r>
-              <a:rPr lang="ko-KR" sz="1800">
-                <a:latin typeface="맑은 고딕" charset="0"/>
-                <a:ea typeface="맑은 고딕" charset="0"/>
-              </a:rPr>
-              <a:t>이제 Camera 오브젝트를 다시 생성합니다.</a:t>
-            </a:r>
-            <a:endParaRPr lang="ko-KR" altLang="en-US" sz="1800">
-              <a:latin typeface="맑은 고딕" charset="0"/>
-              <a:ea typeface="맑은 고딕" charset="0"/>
-            </a:endParaRPr>
-          </a:p>
         </p:txBody>
       </p:sp>
       <p:pic>
         <p:nvPicPr>
-          <p:cNvPr id="36" name="그림 35"/>
+          <p:cNvPr id="45" name="그림 35" descr="C:/Users/Admin1/AppData/Roaming/PolarisOffice/ETemp/1892_13668960/fImage75692385705.png"/>
           <p:cNvPicPr>
             <a:picLocks noChangeAspect="1"/>
           </p:cNvPicPr>
           <p:nvPr/>
         </p:nvPicPr>
         <p:blipFill rotWithShape="1">
-          <a:blip r:embed="rId2" cstate="print">
+          <a:blip r:embed="rId9" cstate="hqprint">
+            <a:extLst>
+              <a:ext uri="{28A0092B-C50C-407E-A947-70E740481C1C}">
+                <a14:useLocalDpi xmlns:a14="http://schemas.microsoft.com/office/drawing/2010/main"/>
+              </a:ext>
+            </a:extLst>
+          </a:blip>
+          <a:stretch>
+            <a:fillRect/>
+          </a:stretch>
+        </p:blipFill>
+        <p:spPr>
+          <a:xfrm rot="0">
+            <a:off x="1247140" y="1397000"/>
+            <a:ext cx="1405255" cy="1679575"/>
+          </a:xfrm>
+          <a:prstGeom prst="roundRect"/>
+          <a:solidFill>
+            <a:srgbClr val="EDEDED"/>
+          </a:solidFill>
+        </p:spPr>
+      </p:pic>
+      <p:pic>
+        <p:nvPicPr>
+          <p:cNvPr id="46" name="그림 36" descr="C:/Users/Admin1/AppData/Roaming/PolarisOffice/ETemp/1892_13668960/fImage123222398145.png"/>
+          <p:cNvPicPr>
+            <a:picLocks noChangeAspect="1"/>
+          </p:cNvPicPr>
+          <p:nvPr/>
+        </p:nvPicPr>
+        <p:blipFill rotWithShape="1">
+          <a:blip r:embed="rId10" cstate="print">
             <a:extLst>
               <a:ext uri="{28A0092B-C50C-407E-A947-70E740481C1C}">
                 <a14:useLocalDpi xmlns:a14="http://schemas.microsoft.com/office/drawing/2010/main" val="0"/>
@@ -11882,8 +11817,8 @@
         </p:blipFill>
         <p:spPr>
           <a:xfrm rot="0">
-            <a:off x="3909060" y="2136140"/>
-            <a:ext cx="1454150" cy="1730375"/>
+            <a:off x="1250950" y="3898900"/>
+            <a:ext cx="4111625" cy="1546225"/>
           </a:xfrm>
           <a:prstGeom prst="roundRect"/>
           <a:solidFill>
@@ -11893,14 +11828,123 @@
       </p:pic>
       <p:pic>
         <p:nvPicPr>
-          <p:cNvPr id="37" name="그림 39"/>
+          <p:cNvPr id="47" name="그림 39" descr="C:/Users/Admin1/AppData/Roaming/PolarisOffice/ETemp/1892_13668960/fImage50392403281.png"/>
           <p:cNvPicPr>
             <a:picLocks noChangeAspect="1"/>
           </p:cNvPicPr>
           <p:nvPr/>
         </p:nvPicPr>
         <p:blipFill rotWithShape="1">
-          <a:blip r:embed="rId3" cstate="hqprint">
+          <a:blip r:embed="rId11" cstate="print">
+            <a:extLst>
+              <a:ext uri="{28A0092B-C50C-407E-A947-70E740481C1C}">
+                <a14:useLocalDpi xmlns:a14="http://schemas.microsoft.com/office/drawing/2010/main" val="0"/>
+              </a:ext>
+            </a:extLst>
+          </a:blip>
+          <a:stretch>
+            <a:fillRect/>
+          </a:stretch>
+        </p:blipFill>
+        <p:spPr>
+          <a:xfrm rot="0">
+            <a:off x="2809875" y="1396365"/>
+            <a:ext cx="2552700" cy="1680210"/>
+          </a:xfrm>
+          <a:prstGeom prst="roundRect"/>
+          <a:solidFill>
+            <a:srgbClr val="EDEDED"/>
+          </a:solidFill>
+        </p:spPr>
+      </p:pic>
+      <p:sp>
+        <p:nvSpPr>
+          <p:cNvPr id="48" name="텍스트 상자 42"/>
+          <p:cNvSpPr txBox="1">
+            <a:spLocks/>
+          </p:cNvSpPr>
+          <p:nvPr/>
+        </p:nvSpPr>
+        <p:spPr>
+          <a:xfrm rot="0">
+            <a:off x="1238885" y="3141980"/>
+            <a:ext cx="4131945" cy="677545"/>
+          </a:xfrm>
+          <a:prstGeom prst="rect"/>
+          <a:noFill/>
+          <a:ln w="0">
+            <a:noFill/>
+            <a:prstDash/>
+          </a:ln>
+        </p:spPr>
+        <p:txBody>
+          <a:bodyPr wrap="square" lIns="89535" tIns="46355" rIns="89535" bIns="46355" numCol="1" vert="horz" anchor="t">
+            <a:spAutoFit/>
+          </a:bodyPr>
+          <a:lstStyle/>
+          <a:p>
+            <a:pPr marL="0" indent="0" rtl="0" algn="l" defTabSz="914400" eaLnBrk="1" latinLnBrk="0" hangingPunct="1">
+              <a:buFontTx/>
+              <a:buNone/>
+            </a:pPr>
+            <a:r>
+              <a:rPr lang="ko-KR" sz="2000" b="1">
+                <a:solidFill>
+                  <a:srgbClr val="0611F2"/>
+                </a:solidFill>
+                <a:latin typeface="맑은 고딕" charset="0"/>
+                <a:ea typeface="맑은 고딕" charset="0"/>
+              </a:rPr>
+              <a:t>7</a:t>
+            </a:r>
+            <a:r>
+              <a:rPr sz="2000" b="1">
+                <a:solidFill>
+                  <a:srgbClr val="0611F2"/>
+                </a:solidFill>
+                <a:latin typeface="맑은 고딕" charset="0"/>
+                <a:ea typeface="맑은 고딕" charset="0"/>
+              </a:rPr>
+              <a:t>. </a:t>
+            </a:r>
+            <a:r>
+              <a:rPr lang="ko-KR" sz="1800">
+                <a:latin typeface="맑은 고딕" charset="0"/>
+                <a:ea typeface="맑은 고딕" charset="0"/>
+              </a:rPr>
+              <a:t>그리고</a:t>
+            </a:r>
+            <a:r>
+              <a:rPr lang="ko-KR" sz="1800">
+                <a:latin typeface="맑은 고딕" charset="0"/>
+                <a:ea typeface="맑은 고딕" charset="0"/>
+              </a:rPr>
+              <a:t> </a:t>
+            </a:r>
+            <a:r>
+              <a:rPr lang="ko-KR" sz="1800">
+                <a:latin typeface="맑은 고딕" charset="0"/>
+                <a:ea typeface="맑은 고딕" charset="0"/>
+              </a:rPr>
+              <a:t>Camera 오브젝트를 생성합니다.</a:t>
+            </a:r>
+            <a:endParaRPr lang="ko-KR" altLang="en-US" sz="1800">
+              <a:latin typeface="맑은 고딕" charset="0"/>
+              <a:ea typeface="맑은 고딕" charset="0"/>
+            </a:endParaRPr>
+          </a:p>
+        </p:txBody>
+      </p:sp>
+      <p:pic>
+        <p:nvPicPr>
+          <p:cNvPr id="49" name="그림 50" descr="C:/Users/Admin1/AppData/Roaming/PolarisOffice/ETemp/1892_13668960/fImage330251699169.png"/>
+          <p:cNvPicPr>
+            <a:picLocks noChangeAspect="1"/>
+          </p:cNvPicPr>
+          <p:nvPr/>
+        </p:nvPicPr>
+        <p:blipFill rotWithShape="1">
+          <a:blip r:embed="rId12" cstate="hqprint">
             <a:extLst>
               <a:ext uri="{28A0092B-C50C-407E-A947-70E740481C1C}">
                 <a14:useLocalDpi xmlns:a14="http://schemas.microsoft.com/office/drawing/2010/main"/>
@@ -11913,8 +11957,8 @@
         </p:blipFill>
         <p:spPr>
           <a:xfrm rot="0">
-            <a:off x="1490980" y="1397000"/>
-            <a:ext cx="2298065" cy="3187700"/>
+            <a:off x="6833235" y="1388110"/>
+            <a:ext cx="2381250" cy="2535555"/>
           </a:xfrm>
           <a:prstGeom prst="roundRect"/>
           <a:solidFill>
@@ -11924,14 +11968,164 @@
       </p:pic>
       <p:pic>
         <p:nvPicPr>
-          <p:cNvPr id="38" name="그림 40"/>
+          <p:cNvPr id="50" name="그림 51" descr="C:/Users/Admin1/AppData/Roaming/PolarisOffice/ETemp/1892_13668960/fImage56051705724.png"/>
           <p:cNvPicPr>
             <a:picLocks noChangeAspect="1"/>
           </p:cNvPicPr>
           <p:nvPr/>
         </p:nvPicPr>
         <p:blipFill rotWithShape="1">
-          <a:blip r:embed="rId4" cstate="print">
+          <a:blip r:embed="rId13" cstate="hqprint">
+            <a:extLst>
+              <a:ext uri="{28A0092B-C50C-407E-A947-70E740481C1C}">
+                <a14:useLocalDpi xmlns:a14="http://schemas.microsoft.com/office/drawing/2010/main"/>
+              </a:ext>
+            </a:extLst>
+          </a:blip>
+          <a:stretch>
+            <a:fillRect/>
+          </a:stretch>
+        </p:blipFill>
+        <p:spPr>
+          <a:xfrm rot="0">
+            <a:off x="9748520" y="3229610"/>
+            <a:ext cx="734695" cy="694055"/>
+          </a:xfrm>
+          <a:prstGeom prst="roundRect"/>
+          <a:solidFill>
+            <a:srgbClr val="EDEDED"/>
+          </a:solidFill>
+        </p:spPr>
+      </p:pic>
+      <p:sp>
+        <p:nvSpPr>
+          <p:cNvPr id="51" name="텍스트 상자 52"/>
+          <p:cNvSpPr txBox="1">
+            <a:spLocks/>
+          </p:cNvSpPr>
+          <p:nvPr/>
+        </p:nvSpPr>
+        <p:spPr>
+          <a:xfrm rot="0">
+            <a:off x="6834505" y="4137660"/>
+            <a:ext cx="3973830" cy="2061845"/>
+          </a:xfrm>
+          <a:prstGeom prst="rect"/>
+          <a:noFill/>
+          <a:ln w="0">
+            <a:noFill/>
+            <a:prstDash/>
+          </a:ln>
+        </p:spPr>
+        <p:txBody>
+          <a:bodyPr wrap="square" lIns="89535" tIns="46355" rIns="89535" bIns="46355" numCol="1" vert="horz" anchor="t">
+            <a:spAutoFit/>
+          </a:bodyPr>
+          <a:lstStyle/>
+          <a:p>
+            <a:pPr marL="0" indent="0" rtl="0" algn="l" defTabSz="914400" eaLnBrk="1" latinLnBrk="0" hangingPunct="1">
+              <a:buFontTx/>
+              <a:buNone/>
+            </a:pPr>
+            <a:r>
+              <a:rPr lang="ko-KR" sz="2000" b="1">
+                <a:solidFill>
+                  <a:srgbClr val="0611F2"/>
+                </a:solidFill>
+                <a:latin typeface="맑은 고딕" charset="0"/>
+                <a:ea typeface="맑은 고딕" charset="0"/>
+              </a:rPr>
+              <a:t>9</a:t>
+            </a:r>
+            <a:r>
+              <a:rPr sz="2000" b="1">
+                <a:solidFill>
+                  <a:srgbClr val="0611F2"/>
+                </a:solidFill>
+                <a:latin typeface="맑은 고딕" charset="0"/>
+                <a:ea typeface="맑은 고딕" charset="0"/>
+              </a:rPr>
+              <a:t>. </a:t>
+            </a:r>
+            <a:r>
+              <a:rPr lang="ko-KR" sz="1800">
+                <a:latin typeface="맑은 고딕" charset="0"/>
+                <a:ea typeface="맑은 고딕" charset="0"/>
+              </a:rPr>
+              <a:t>마지막으로</a:t>
+            </a:r>
+            <a:r>
+              <a:rPr lang="ko-KR" sz="1800">
+                <a:latin typeface="맑은 고딕" charset="0"/>
+                <a:ea typeface="맑은 고딕" charset="0"/>
+              </a:rPr>
+              <a:t> 빈 게임 오브젝트를 생성하고 Game Manager라는 이름으로 정의합니다.</a:t>
+            </a:r>
+            <a:endParaRPr lang="ko-KR" altLang="en-US" sz="1800">
+              <a:latin typeface="맑은 고딕" charset="0"/>
+              <a:ea typeface="맑은 고딕" charset="0"/>
+            </a:endParaRPr>
+          </a:p>
+          <a:p>
+            <a:pPr marL="0" indent="0" rtl="0" algn="l" defTabSz="914400" eaLnBrk="1" latinLnBrk="0" hangingPunct="1">
+              <a:buFontTx/>
+              <a:buNone/>
+            </a:pPr>
+            <a:endParaRPr lang="ko-KR" altLang="en-US" sz="1800">
+              <a:latin typeface="맑은 고딕" charset="0"/>
+              <a:ea typeface="맑은 고딕" charset="0"/>
+            </a:endParaRPr>
+          </a:p>
+          <a:p>
+            <a:pPr marL="0" indent="0" rtl="0" algn="l" defTabSz="914400" eaLnBrk="1" latinLnBrk="0" hangingPunct="1">
+              <a:buFontTx/>
+              <a:buNone/>
+            </a:pPr>
+            <a:r>
+              <a:rPr lang="ko-KR" sz="1800">
+                <a:latin typeface="맑은 고딕" charset="0"/>
+                <a:ea typeface="맑은 고딕" charset="0"/>
+              </a:rPr>
+              <a:t>이제</a:t>
+            </a:r>
+            <a:r>
+              <a:rPr lang="ko-KR" sz="1800">
+                <a:latin typeface="맑은 고딕" charset="0"/>
+                <a:ea typeface="맑은 고딕" charset="0"/>
+              </a:rPr>
+              <a:t> GameManager 스크립트를 생성하고 Game</a:t>
+            </a:r>
+            <a:r>
+              <a:rPr lang="ko-KR" sz="1800">
+                <a:latin typeface="맑은 고딕" charset="0"/>
+                <a:ea typeface="맑은 고딕" charset="0"/>
+              </a:rPr>
+              <a:t> </a:t>
+            </a:r>
+            <a:r>
+              <a:rPr lang="ko-KR" sz="1800">
+                <a:latin typeface="맑은 고딕" charset="0"/>
+                <a:ea typeface="맑은 고딕" charset="0"/>
+              </a:rPr>
+              <a:t>Manager 오브젝트에 넣어줍니다.</a:t>
+            </a:r>
+            <a:endParaRPr lang="ko-KR" altLang="en-US" sz="1800">
+              <a:latin typeface="맑은 고딕" charset="0"/>
+              <a:ea typeface="맑은 고딕" charset="0"/>
+            </a:endParaRPr>
+          </a:p>
+        </p:txBody>
+      </p:sp>
+      <p:pic>
+        <p:nvPicPr>
+          <p:cNvPr id="52" name="그림 53" descr="C:/Users/Admin1/AppData/Roaming/PolarisOffice/ETemp/1892_13668960/fImage41652486827.png"/>
+          <p:cNvPicPr>
+            <a:picLocks noChangeAspect="1"/>
+          </p:cNvPicPr>
+          <p:nvPr/>
+        </p:nvPicPr>
+        <p:blipFill rotWithShape="1">
+          <a:blip r:embed="rId14" cstate="print">
             <a:extLst>
               <a:ext uri="{28A0092B-C50C-407E-A947-70E740481C1C}">
                 <a14:useLocalDpi xmlns:a14="http://schemas.microsoft.com/office/drawing/2010/main" val="0"/>
@@ -11944,8 +12138,8 @@
         </p:blipFill>
         <p:spPr>
           <a:xfrm rot="0">
-            <a:off x="8432800" y="1402080"/>
-            <a:ext cx="2277110" cy="1096010"/>
+            <a:off x="9443085" y="1379855"/>
+            <a:ext cx="1353185" cy="1405890"/>
           </a:xfrm>
           <a:prstGeom prst="roundRect"/>
           <a:solidFill>
@@ -11953,163 +12147,42 @@
           </a:solidFill>
         </p:spPr>
       </p:pic>
-      <p:pic>
-        <p:nvPicPr>
-          <p:cNvPr id="39" name="그림 43"/>
-          <p:cNvPicPr>
-            <a:picLocks noChangeAspect="1"/>
-          </p:cNvPicPr>
+      <p:cxnSp>
+        <p:nvCxnSpPr>
+          <p:cNvPr id="53" name="도형 56"/>
+          <p:cNvCxnSpPr>
+            <a:stCxn id="50" idx="0"/>
+            <a:endCxn id="52" idx="2"/>
+          </p:cNvCxnSpPr>
           <p:nvPr/>
-        </p:nvPicPr>
-        <p:blipFill rotWithShape="1">
-          <a:blip r:embed="rId5" cstate="print">
-            <a:extLst>
-              <a:ext uri="{28A0092B-C50C-407E-A947-70E740481C1C}">
-                <a14:useLocalDpi xmlns:a14="http://schemas.microsoft.com/office/drawing/2010/main" val="0"/>
-              </a:ext>
-            </a:extLst>
-          </a:blip>
-          <a:stretch>
-            <a:fillRect/>
-          </a:stretch>
-        </p:blipFill>
-        <p:spPr>
-          <a:xfrm rot="0">
-            <a:off x="6841490" y="1409700"/>
-            <a:ext cx="1315085" cy="1082040"/>
-          </a:xfrm>
-          <a:prstGeom prst="roundRect"/>
-          <a:solidFill>
-            <a:srgbClr val="EDEDED"/>
-          </a:solidFill>
-        </p:spPr>
-      </p:pic>
-      <p:sp>
-        <p:nvSpPr>
-          <p:cNvPr id="41" name="텍스트 상자 47"/>
-          <p:cNvSpPr txBox="1">
-            <a:spLocks/>
-          </p:cNvSpPr>
-          <p:nvPr/>
-        </p:nvSpPr>
-        <p:spPr>
-          <a:xfrm rot="0">
-            <a:off x="6844030" y="2608580"/>
-            <a:ext cx="3863975" cy="954405"/>
-          </a:xfrm>
-          <a:prstGeom prst="rect"/>
-          <a:noFill/>
-          <a:ln w="0">
-            <a:noFill/>
+        </p:nvCxnSpPr>
+        <p:spPr>
+          <a:xfrm rot="0" flipV="1">
+            <a:off x="10115550" y="2785110"/>
+            <a:ext cx="4445" cy="445135"/>
+          </a:xfrm>
+          <a:prstGeom prst="straightConnector1"/>
+          <a:ln w="6350" cap="flat" cmpd="sng">
             <a:prstDash/>
+            <a:headEnd type="none" w="med" len="med"/>
+            <a:tailEnd type="triangle" w="med" len="med"/>
           </a:ln>
         </p:spPr>
-        <p:txBody>
-          <a:bodyPr wrap="square" lIns="89535" tIns="46355" rIns="89535" bIns="46355" vert="horz" anchor="t">
-            <a:spAutoFit/>
-          </a:bodyPr>
-          <a:lstStyle/>
-          <a:p>
-            <a:pPr marL="0" indent="0" rtl="0" algn="l" defTabSz="914400" eaLnBrk="1" latinLnBrk="0" hangingPunct="1">
-              <a:buFontTx/>
-              <a:buNone/>
-            </a:pPr>
-            <a:r>
-              <a:rPr lang="ko-KR" sz="2000" b="1">
-                <a:solidFill>
-                  <a:srgbClr val="0611F2"/>
-                </a:solidFill>
-                <a:latin typeface="맑은 고딕" charset="0"/>
-                <a:ea typeface="맑은 고딕" charset="0"/>
-              </a:rPr>
-              <a:t>7</a:t>
-            </a:r>
-            <a:r>
-              <a:rPr sz="2000" b="1">
-                <a:solidFill>
-                  <a:srgbClr val="0611F2"/>
-                </a:solidFill>
-                <a:latin typeface="맑은 고딕" charset="0"/>
-                <a:ea typeface="맑은 고딕" charset="0"/>
-              </a:rPr>
-              <a:t>. </a:t>
-            </a:r>
-            <a:r>
-              <a:rPr lang="ko-KR" sz="1800">
-                <a:latin typeface="맑은 고딕" charset="0"/>
-                <a:ea typeface="맑은 고딕" charset="0"/>
-              </a:rPr>
-              <a:t>그다음으로 Character 오브젝트를 Project 폴더에 있는 Resources 폴더에 넣어줍니다.</a:t>
-            </a:r>
-            <a:endParaRPr lang="ko-KR" altLang="en-US" sz="1800">
-              <a:latin typeface="맑은 고딕" charset="0"/>
-              <a:ea typeface="맑은 고딕" charset="0"/>
-            </a:endParaRPr>
-          </a:p>
-        </p:txBody>
-      </p:sp>
-      <p:pic>
-        <p:nvPicPr>
-          <p:cNvPr id="42" name="그림 51"/>
-          <p:cNvPicPr>
-            <a:picLocks noChangeAspect="1"/>
-          </p:cNvPicPr>
-          <p:nvPr/>
-        </p:nvPicPr>
-        <p:blipFill rotWithShape="1">
-          <a:blip r:embed="rId6" cstate="print">
-            <a:extLst>
-              <a:ext uri="{28A0092B-C50C-407E-A947-70E740481C1C}">
-                <a14:useLocalDpi xmlns:a14="http://schemas.microsoft.com/office/drawing/2010/main" val="0"/>
-              </a:ext>
-            </a:extLst>
-          </a:blip>
-          <a:stretch>
-            <a:fillRect/>
-          </a:stretch>
-        </p:blipFill>
-        <p:spPr>
-          <a:xfrm rot="0">
-            <a:off x="6864350" y="3735070"/>
-            <a:ext cx="1577340" cy="1637030"/>
-          </a:xfrm>
-          <a:prstGeom prst="roundRect"/>
-          <a:solidFill>
-            <a:srgbClr val="EDEDED"/>
-          </a:solidFill>
-        </p:spPr>
-      </p:pic>
-      <p:pic>
-        <p:nvPicPr>
-          <p:cNvPr id="43" name="그림 54"/>
-          <p:cNvPicPr>
-            <a:picLocks noChangeAspect="1"/>
-          </p:cNvPicPr>
-          <p:nvPr/>
-        </p:nvPicPr>
-        <p:blipFill rotWithShape="1">
-          <a:blip r:embed="rId7" cstate="print">
-            <a:extLst>
-              <a:ext uri="{28A0092B-C50C-407E-A947-70E740481C1C}">
-                <a14:useLocalDpi xmlns:a14="http://schemas.microsoft.com/office/drawing/2010/main" val="0"/>
-              </a:ext>
-            </a:extLst>
-          </a:blip>
-          <a:stretch>
-            <a:fillRect/>
-          </a:stretch>
-        </p:blipFill>
-        <p:spPr>
-          <a:xfrm rot="0">
-            <a:off x="8613775" y="3735705"/>
-            <a:ext cx="2125345" cy="1661795"/>
-          </a:xfrm>
-          <a:prstGeom prst="roundRect"/>
-          <a:solidFill>
-            <a:srgbClr val="EDEDED"/>
-          </a:solidFill>
-        </p:spPr>
-      </p:pic>
+        <p:style>
+          <a:lnRef idx="1">
+            <a:schemeClr val="accent1"/>
+          </a:lnRef>
+          <a:fillRef idx="0">
+            <a:schemeClr val="accent1"/>
+          </a:fillRef>
+          <a:effectRef idx="0">
+            <a:schemeClr val="accent1"/>
+          </a:effectRef>
+          <a:fontRef idx="minor">
+            <a:schemeClr val="tx1"/>
+          </a:fontRef>
+        </p:style>
+      </p:cxnSp>
     </p:spTree>
   </p:cSld>
   <p:clrMapOvr>
@@ -12211,8 +12284,8 @@
         </p:nvSpPr>
         <p:spPr>
           <a:xfrm rot="0">
-            <a:off x="1478915" y="3204845"/>
-            <a:ext cx="3893820" cy="2892425"/>
+            <a:off x="1238885" y="3263265"/>
+            <a:ext cx="4142740" cy="2892425"/>
           </a:xfrm>
           <a:prstGeom prst="rect"/>
           <a:noFill/>
@@ -12239,7 +12312,7 @@
                 <a:latin typeface="맑은 고딕" charset="0"/>
                 <a:ea typeface="맑은 고딕" charset="0"/>
               </a:rPr>
-              <a:t>9</a:t>
+              <a:t>10</a:t>
             </a:r>
             <a:r>
               <a:rPr sz="2000" b="1">
@@ -12256,14 +12329,21 @@
                 <a:latin typeface="맑은 고딕" charset="0"/>
                 <a:ea typeface="맑은 고딕" charset="0"/>
               </a:rPr>
-              <a:t>그</a:t>
+              <a:t>그리고 Photon</a:t>
             </a:r>
             <a:r>
               <a:rPr lang="ko-KR" sz="1800">
                 <a:latin typeface="맑은 고딕" charset="0"/>
                 <a:ea typeface="맑은 고딕" charset="0"/>
               </a:rPr>
-              <a:t>리고 PhotonControl 스크립트는 MonoBehaviourPun 클래스를 상속받도록 설정합니다.</a:t>
+              <a:t>System</a:t>
+            </a:r>
+            <a:r>
+              <a:rPr lang="ko-KR" sz="1800">
+                <a:latin typeface="맑은 고딕" charset="0"/>
+                <a:ea typeface="맑은 고딕" charset="0"/>
+              </a:rPr>
+              <a:t> 스크립트는 MonoBehaviourPun 클래스를 상속받도록 설정합니다.</a:t>
             </a:r>
             <a:endParaRPr lang="ko-KR" altLang="en-US" sz="1800">
               <a:latin typeface="맑은 고딕" charset="0"/>
@@ -12336,8 +12416,8 @@
         </p:nvSpPr>
         <p:spPr>
           <a:xfrm rot="0">
-            <a:off x="6832600" y="4033520"/>
-            <a:ext cx="4039870" cy="2061845"/>
+            <a:off x="6840855" y="4366260"/>
+            <a:ext cx="4116705" cy="1784985"/>
           </a:xfrm>
           <a:prstGeom prst="rect"/>
           <a:noFill/>
@@ -12364,7 +12444,17 @@
                 <a:latin typeface="맑은 고딕" charset="0"/>
                 <a:ea typeface="맑은 고딕" charset="0"/>
               </a:rPr>
-              <a:t>10</a:t>
+              <a:t>1</a:t>
+            </a:r>
+            <a:r>
+              <a:rPr lang="ko-KR" sz="2000" b="1">
+                <a:solidFill>
+                  <a:srgbClr val="0611F2"/>
+                </a:solidFill>
+                <a:latin typeface="맑은 고딕" charset="0"/>
+                <a:ea typeface="맑은 고딕" charset="0"/>
+              </a:rPr>
+              <a:t>1</a:t>
             </a:r>
             <a:r>
               <a:rPr sz="2000" b="1">
@@ -12419,14 +12509,14 @@
       </p:sp>
       <p:pic>
         <p:nvPicPr>
-          <p:cNvPr id="44" name="그림 1"/>
+          <p:cNvPr id="46" name="그림 43" descr="C:/Users/Admin1/AppData/Roaming/PolarisOffice/ETemp/1892_13668960/fImage71392429961.png"/>
           <p:cNvPicPr>
             <a:picLocks noChangeAspect="1"/>
           </p:cNvPicPr>
           <p:nvPr/>
         </p:nvPicPr>
         <p:blipFill rotWithShape="1">
-          <a:blip r:embed="rId2" cstate="print">
+          <a:blip r:embed="rId5" cstate="print">
             <a:extLst>
               <a:ext uri="{28A0092B-C50C-407E-A947-70E740481C1C}">
                 <a14:useLocalDpi xmlns:a14="http://schemas.microsoft.com/office/drawing/2010/main" val="0"/>
@@ -12439,23 +12529,25 @@
         </p:blipFill>
         <p:spPr>
           <a:xfrm rot="0">
-            <a:off x="1489075" y="1391920"/>
-            <a:ext cx="3882390" cy="1722120"/>
-          </a:xfrm>
-          <a:prstGeom prst="rect"/>
-          <a:noFill/>
+            <a:off x="1238885" y="1394460"/>
+            <a:ext cx="4135755" cy="1723390"/>
+          </a:xfrm>
+          <a:prstGeom prst="roundRect"/>
+          <a:solidFill>
+            <a:srgbClr val="EDEDED"/>
+          </a:solidFill>
         </p:spPr>
       </p:pic>
       <p:pic>
         <p:nvPicPr>
-          <p:cNvPr id="45" name="그림 6"/>
+          <p:cNvPr id="47" name="그림 47" descr="C:/Users/Admin1/AppData/Roaming/PolarisOffice/ETemp/1892_13668960/fImage6758244491.png"/>
           <p:cNvPicPr>
             <a:picLocks noChangeAspect="1"/>
           </p:cNvPicPr>
           <p:nvPr/>
         </p:nvPicPr>
         <p:blipFill rotWithShape="1">
-          <a:blip r:embed="rId3" cstate="print">
+          <a:blip r:embed="rId6" cstate="print">
             <a:extLst>
               <a:ext uri="{28A0092B-C50C-407E-A947-70E740481C1C}">
                 <a14:useLocalDpi xmlns:a14="http://schemas.microsoft.com/office/drawing/2010/main" val="0"/>
@@ -12468,11 +12560,13 @@
         </p:blipFill>
         <p:spPr>
           <a:xfrm rot="0">
-            <a:off x="6832600" y="1387475"/>
-            <a:ext cx="4039870" cy="2470785"/>
-          </a:xfrm>
-          <a:prstGeom prst="rect"/>
-          <a:noFill/>
+            <a:off x="6833235" y="1405890"/>
+            <a:ext cx="4115435" cy="2834640"/>
+          </a:xfrm>
+          <a:prstGeom prst="roundRect"/>
+          <a:solidFill>
+            <a:srgbClr val="EDEDED"/>
+          </a:solidFill>
         </p:spPr>
       </p:pic>
     </p:spTree>
@@ -12575,9 +12669,9 @@
           <p:nvPr/>
         </p:nvSpPr>
         <p:spPr>
-          <a:xfrm rot="0">
+          <a:xfrm>
             <a:off x="1454785" y="4135120"/>
-            <a:ext cx="3909060" cy="2061845"/>
+            <a:ext cx="3909695" cy="2061845"/>
           </a:xfrm>
           <a:prstGeom prst="rect"/>
           <a:noFill/>
@@ -12604,7 +12698,17 @@
                 <a:latin typeface="맑은 고딕" charset="0"/>
                 <a:ea typeface="맑은 고딕" charset="0"/>
               </a:rPr>
-              <a:t>11</a:t>
+              <a:t>1</a:t>
+            </a:r>
+            <a:r>
+              <a:rPr lang="ko-KR" sz="2000" b="1">
+                <a:solidFill>
+                  <a:srgbClr val="0611F2"/>
+                </a:solidFill>
+                <a:latin typeface="맑은 고딕" charset="0"/>
+                <a:ea typeface="맑은 고딕" charset="0"/>
+              </a:rPr>
+              <a:t>2</a:t>
             </a:r>
             <a:r>
               <a:rPr sz="2000" b="1">
@@ -12659,14 +12763,14 @@
       </p:sp>
       <p:pic>
         <p:nvPicPr>
-          <p:cNvPr id="47" name="그림 11"/>
+          <p:cNvPr id="32" name="그림 57" descr="C:/Users/Admin1/AppData/Roaming/PolarisOffice/ETemp/1892_13668960/fImage101552502995.png"/>
           <p:cNvPicPr>
             <a:picLocks noChangeAspect="1"/>
           </p:cNvPicPr>
           <p:nvPr/>
         </p:nvPicPr>
         <p:blipFill rotWithShape="1">
-          <a:blip r:embed="rId3" cstate="print">
+          <a:blip r:embed="rId8" cstate="print">
             <a:extLst>
               <a:ext uri="{28A0092B-C50C-407E-A947-70E740481C1C}">
                 <a14:useLocalDpi xmlns:a14="http://schemas.microsoft.com/office/drawing/2010/main" val="0"/>
@@ -12679,8 +12783,8 @@
         </p:blipFill>
         <p:spPr>
           <a:xfrm rot="0">
-            <a:off x="9423400" y="1398270"/>
-            <a:ext cx="1381760" cy="1355725"/>
+            <a:off x="1454785" y="1446530"/>
+            <a:ext cx="3907790" cy="2593975"/>
           </a:xfrm>
           <a:prstGeom prst="roundRect"/>
           <a:solidFill>
@@ -12688,16 +12792,117 @@
           </a:solidFill>
         </p:spPr>
       </p:pic>
+      <p:sp>
+        <p:nvSpPr>
+          <p:cNvPr id="33" name="텍스트 상자 62"/>
+          <p:cNvSpPr txBox="1">
+            <a:spLocks/>
+          </p:cNvSpPr>
+          <p:nvPr/>
+        </p:nvSpPr>
+        <p:spPr>
+          <a:xfrm rot="0">
+            <a:off x="6831965" y="3924935"/>
+            <a:ext cx="4125595" cy="2338705"/>
+          </a:xfrm>
+          <a:prstGeom prst="rect"/>
+          <a:noFill/>
+          <a:ln w="0">
+            <a:noFill/>
+            <a:prstDash/>
+          </a:ln>
+        </p:spPr>
+        <p:txBody>
+          <a:bodyPr wrap="square" lIns="89535" tIns="46355" rIns="89535" bIns="46355" numCol="1" vert="horz" anchor="t">
+            <a:spAutoFit/>
+          </a:bodyPr>
+          <a:lstStyle/>
+          <a:p>
+            <a:pPr marL="0" indent="0" rtl="0" algn="l" defTabSz="914400" eaLnBrk="1" latinLnBrk="0" hangingPunct="1">
+              <a:buFontTx/>
+              <a:buNone/>
+            </a:pPr>
+            <a:r>
+              <a:rPr lang="ko-KR" sz="2000" b="1">
+                <a:solidFill>
+                  <a:srgbClr val="0611F2"/>
+                </a:solidFill>
+                <a:latin typeface="맑은 고딕" charset="0"/>
+                <a:ea typeface="맑은 고딕" charset="0"/>
+              </a:rPr>
+              <a:t>1</a:t>
+            </a:r>
+            <a:r>
+              <a:rPr lang="ko-KR" sz="2000" b="1">
+                <a:solidFill>
+                  <a:srgbClr val="0611F2"/>
+                </a:solidFill>
+                <a:latin typeface="맑은 고딕" charset="0"/>
+                <a:ea typeface="맑은 고딕" charset="0"/>
+              </a:rPr>
+              <a:t>3</a:t>
+            </a:r>
+            <a:r>
+              <a:rPr sz="2000" b="1">
+                <a:solidFill>
+                  <a:srgbClr val="0611F2"/>
+                </a:solidFill>
+                <a:latin typeface="맑은 고딕" charset="0"/>
+                <a:ea typeface="맑은 고딕" charset="0"/>
+              </a:rPr>
+              <a:t>. </a:t>
+            </a:r>
+            <a:r>
+              <a:rPr lang="ko-KR" sz="1800">
+                <a:latin typeface="맑은 고딕" charset="0"/>
+                <a:ea typeface="맑은 고딕" charset="0"/>
+              </a:rPr>
+              <a:t>이제 GameManager 스크립트에서 포톤 객체를 생성하도록 설정합니다.</a:t>
+            </a:r>
+            <a:endParaRPr lang="ko-KR" altLang="en-US" sz="1800">
+              <a:latin typeface="맑은 고딕" charset="0"/>
+              <a:ea typeface="맑은 고딕" charset="0"/>
+            </a:endParaRPr>
+          </a:p>
+          <a:p>
+            <a:pPr marL="0" indent="0" rtl="0" algn="l" defTabSz="914400" eaLnBrk="1" latinLnBrk="0" hangingPunct="1">
+              <a:buFontTx/>
+              <a:buNone/>
+            </a:pPr>
+            <a:endParaRPr lang="ko-KR" altLang="en-US" sz="1800">
+              <a:latin typeface="맑은 고딕" charset="0"/>
+              <a:ea typeface="맑은 고딕" charset="0"/>
+            </a:endParaRPr>
+          </a:p>
+          <a:p>
+            <a:pPr marL="0" indent="0" rtl="0" algn="l" defTabSz="914400" eaLnBrk="1" latinLnBrk="0" hangingPunct="1">
+              <a:buFontTx/>
+              <a:buNone/>
+            </a:pPr>
+            <a:r>
+              <a:rPr lang="ko-KR" sz="1800">
+                <a:latin typeface="맑은 고딕" charset="0"/>
+                <a:ea typeface="맑은 고딕" charset="0"/>
+              </a:rPr>
+              <a:t>포톤 객체는 Resources 라는 폴더에서 불러올 수 있으며, 포톤 객체를 불러오게 되면 포톤 서버에 객체가 올라가게 됩니다.</a:t>
+            </a:r>
+            <a:endParaRPr lang="ko-KR" altLang="en-US" sz="1800">
+              <a:latin typeface="맑은 고딕" charset="0"/>
+              <a:ea typeface="맑은 고딕" charset="0"/>
+            </a:endParaRPr>
+          </a:p>
+        </p:txBody>
+      </p:sp>
       <p:pic>
         <p:nvPicPr>
-          <p:cNvPr id="48" name="그림 15"/>
+          <p:cNvPr id="34" name="그림 63" descr="C:/Users/Admin1/AppData/Roaming/PolarisOffice/ETemp/1892_13668960/fImage61771851478.png"/>
           <p:cNvPicPr>
             <a:picLocks noChangeAspect="1"/>
           </p:cNvPicPr>
           <p:nvPr/>
         </p:nvPicPr>
         <p:blipFill rotWithShape="1">
-          <a:blip r:embed="rId4" cstate="hqprint">
+          <a:blip r:embed="rId9" cstate="hqprint">
             <a:extLst>
               <a:ext uri="{28A0092B-C50C-407E-A947-70E740481C1C}">
                 <a14:useLocalDpi xmlns:a14="http://schemas.microsoft.com/office/drawing/2010/main"/>
@@ -12710,198 +12915,13 @@
         </p:blipFill>
         <p:spPr>
           <a:xfrm rot="0">
-            <a:off x="6833235" y="1379855"/>
-            <a:ext cx="2380615" cy="2543175"/>
+            <a:off x="6833235" y="1437640"/>
+            <a:ext cx="4124325" cy="2353945"/>
           </a:xfrm>
           <a:prstGeom prst="roundRect"/>
           <a:solidFill>
             <a:srgbClr val="EDEDED"/>
           </a:solidFill>
-        </p:spPr>
-      </p:pic>
-      <p:pic>
-        <p:nvPicPr>
-          <p:cNvPr id="49" name="그림 16"/>
-          <p:cNvPicPr>
-            <a:picLocks noChangeAspect="1"/>
-          </p:cNvPicPr>
-          <p:nvPr/>
-        </p:nvPicPr>
-        <p:blipFill rotWithShape="1">
-          <a:blip r:embed="rId5" cstate="print">
-            <a:extLst>
-              <a:ext uri="{28A0092B-C50C-407E-A947-70E740481C1C}">
-                <a14:useLocalDpi xmlns:a14="http://schemas.microsoft.com/office/drawing/2010/main" val="0"/>
-              </a:ext>
-            </a:extLst>
-          </a:blip>
-          <a:stretch>
-            <a:fillRect/>
-          </a:stretch>
-        </p:blipFill>
-        <p:spPr>
-          <a:xfrm rot="0">
-            <a:off x="9707245" y="3221355"/>
-            <a:ext cx="822960" cy="693420"/>
-          </a:xfrm>
-          <a:prstGeom prst="roundRect"/>
-          <a:solidFill>
-            <a:srgbClr val="EDEDED"/>
-          </a:solidFill>
-        </p:spPr>
-      </p:pic>
-      <p:cxnSp>
-        <p:nvCxnSpPr>
-          <p:cNvPr id="50" name="도형 19"/>
-          <p:cNvCxnSpPr>
-            <a:stCxn id="49" idx="0"/>
-          </p:cNvCxnSpPr>
-          <p:nvPr/>
-        </p:nvCxnSpPr>
-        <p:spPr>
-          <a:xfrm rot="0" flipH="1" flipV="1">
-            <a:off x="10113645" y="2753360"/>
-            <a:ext cx="5080" cy="468630"/>
-          </a:xfrm>
-          <a:prstGeom prst="straightConnector1"/>
-          <a:ln w="6350" cap="flat" cmpd="sng">
-            <a:prstDash/>
-            <a:tailEnd type="triangle" w="med" len="med"/>
-          </a:ln>
-        </p:spPr>
-        <p:style>
-          <a:lnRef idx="1">
-            <a:schemeClr val="accent1"/>
-          </a:lnRef>
-          <a:fillRef idx="0">
-            <a:schemeClr val="accent1"/>
-          </a:fillRef>
-          <a:effectRef idx="0">
-            <a:schemeClr val="accent1"/>
-          </a:effectRef>
-          <a:fontRef idx="minor">
-            <a:schemeClr val="tx1"/>
-          </a:fontRef>
-        </p:style>
-      </p:cxnSp>
-      <p:sp>
-        <p:nvSpPr>
-          <p:cNvPr id="51" name="텍스트 상자 20"/>
-          <p:cNvSpPr txBox="1">
-            <a:spLocks/>
-          </p:cNvSpPr>
-          <p:nvPr/>
-        </p:nvSpPr>
-        <p:spPr>
-          <a:xfrm rot="0">
-            <a:off x="6834505" y="4137660"/>
-            <a:ext cx="3973195" cy="2061845"/>
-          </a:xfrm>
-          <a:prstGeom prst="rect"/>
-          <a:noFill/>
-          <a:ln w="0">
-            <a:noFill/>
-            <a:prstDash/>
-          </a:ln>
-        </p:spPr>
-        <p:txBody>
-          <a:bodyPr wrap="square" lIns="89535" tIns="46355" rIns="89535" bIns="46355" numCol="1" vert="horz" anchor="t">
-            <a:spAutoFit/>
-          </a:bodyPr>
-          <a:lstStyle/>
-          <a:p>
-            <a:pPr marL="0" indent="0" rtl="0" algn="l" defTabSz="914400" eaLnBrk="1" latinLnBrk="0" hangingPunct="1">
-              <a:buFontTx/>
-              <a:buNone/>
-            </a:pPr>
-            <a:r>
-              <a:rPr lang="ko-KR" sz="2000" b="1">
-                <a:solidFill>
-                  <a:srgbClr val="0611F2"/>
-                </a:solidFill>
-                <a:latin typeface="맑은 고딕" charset="0"/>
-                <a:ea typeface="맑은 고딕" charset="0"/>
-              </a:rPr>
-              <a:t>12</a:t>
-            </a:r>
-            <a:r>
-              <a:rPr sz="2000" b="1">
-                <a:solidFill>
-                  <a:srgbClr val="0611F2"/>
-                </a:solidFill>
-                <a:latin typeface="맑은 고딕" charset="0"/>
-                <a:ea typeface="맑은 고딕" charset="0"/>
-              </a:rPr>
-              <a:t>. </a:t>
-            </a:r>
-            <a:r>
-              <a:rPr lang="ko-KR" sz="1800">
-                <a:latin typeface="맑은 고딕" charset="0"/>
-                <a:ea typeface="맑은 고딕" charset="0"/>
-              </a:rPr>
-              <a:t>그다음으로 빈 게임 오브젝트를 생성하고 Game Manager라는 이름으로 정의합니다.</a:t>
-            </a:r>
-            <a:endParaRPr lang="ko-KR" altLang="en-US" sz="1800">
-              <a:latin typeface="맑은 고딕" charset="0"/>
-              <a:ea typeface="맑은 고딕" charset="0"/>
-            </a:endParaRPr>
-          </a:p>
-          <a:p>
-            <a:pPr marL="0" indent="0" rtl="0" algn="l" defTabSz="914400" eaLnBrk="1" latinLnBrk="0" hangingPunct="1">
-              <a:buFontTx/>
-              <a:buNone/>
-            </a:pPr>
-            <a:endParaRPr lang="ko-KR" altLang="en-US" sz="1800">
-              <a:latin typeface="맑은 고딕" charset="0"/>
-              <a:ea typeface="맑은 고딕" charset="0"/>
-            </a:endParaRPr>
-          </a:p>
-          <a:p>
-            <a:pPr marL="0" indent="0" rtl="0" algn="l" defTabSz="914400" eaLnBrk="1" latinLnBrk="0" hangingPunct="1">
-              <a:buFontTx/>
-              <a:buNone/>
-            </a:pPr>
-            <a:r>
-              <a:rPr lang="ko-KR" sz="1800">
-                <a:latin typeface="맑은 고딕" charset="0"/>
-                <a:ea typeface="맑은 고딕" charset="0"/>
-              </a:rPr>
-              <a:t>그리고 GameManager 스크립트를 생성하고 GameManager 오브젝트에 넣어줍니다.</a:t>
-            </a:r>
-            <a:endParaRPr lang="ko-KR" altLang="en-US" sz="1800">
-              <a:latin typeface="맑은 고딕" charset="0"/>
-              <a:ea typeface="맑은 고딕" charset="0"/>
-            </a:endParaRPr>
-          </a:p>
-        </p:txBody>
-      </p:sp>
-      <p:pic>
-        <p:nvPicPr>
-          <p:cNvPr id="52" name="그림 3" descr="C:/Users/Admin1/AppData/Roaming/PolarisOffice/ETemp/11744_8568704/fImage1175918141.png"/>
-          <p:cNvPicPr>
-            <a:picLocks noChangeAspect="1"/>
-          </p:cNvPicPr>
-          <p:nvPr/>
-        </p:nvPicPr>
-        <p:blipFill rotWithShape="1">
-          <a:blip r:embed="rId7" cstate="print">
-            <a:extLst>
-              <a:ext uri="{28A0092B-C50C-407E-A947-70E740481C1C}">
-                <a14:useLocalDpi xmlns:a14="http://schemas.microsoft.com/office/drawing/2010/main" val="0"/>
-              </a:ext>
-            </a:extLst>
-          </a:blip>
-          <a:stretch>
-            <a:fillRect/>
-          </a:stretch>
-        </p:blipFill>
-        <p:spPr>
-          <a:xfrm rot="0">
-            <a:off x="1519555" y="1383665"/>
-            <a:ext cx="3877945" cy="2543810"/>
-          </a:xfrm>
-          <a:prstGeom prst="rect"/>
-          <a:noFill/>
         </p:spPr>
       </p:pic>
     </p:spTree>
@@ -12995,311 +13015,6 @@
           </a:p>
         </p:txBody>
       </p:sp>
-      <p:sp>
-        <p:nvSpPr>
-          <p:cNvPr id="31" name="Rect 0"/>
-          <p:cNvSpPr txBox="1">
-            <a:spLocks/>
-          </p:cNvSpPr>
-          <p:nvPr/>
-        </p:nvSpPr>
-        <p:spPr>
-          <a:xfrm rot="0">
-            <a:off x="1393825" y="3858260"/>
-            <a:ext cx="3992880" cy="2338705"/>
-          </a:xfrm>
-          <a:prstGeom prst="rect"/>
-          <a:noFill/>
-          <a:ln w="0">
-            <a:noFill/>
-            <a:prstDash/>
-          </a:ln>
-        </p:spPr>
-        <p:txBody>
-          <a:bodyPr wrap="square" lIns="89535" tIns="46355" rIns="89535" bIns="46355" numCol="1" vert="horz" anchor="t">
-            <a:spAutoFit/>
-          </a:bodyPr>
-          <a:lstStyle/>
-          <a:p>
-            <a:pPr marL="0" indent="0" rtl="0" algn="l" defTabSz="914400" eaLnBrk="1" latinLnBrk="0" hangingPunct="1">
-              <a:buFontTx/>
-              <a:buNone/>
-            </a:pPr>
-            <a:r>
-              <a:rPr lang="ko-KR" sz="2000" b="1">
-                <a:solidFill>
-                  <a:srgbClr val="0611F2"/>
-                </a:solidFill>
-                <a:latin typeface="맑은 고딕" charset="0"/>
-                <a:ea typeface="맑은 고딕" charset="0"/>
-              </a:rPr>
-              <a:t>13</a:t>
-            </a:r>
-            <a:r>
-              <a:rPr sz="2000" b="1">
-                <a:solidFill>
-                  <a:srgbClr val="0611F2"/>
-                </a:solidFill>
-                <a:latin typeface="맑은 고딕" charset="0"/>
-                <a:ea typeface="맑은 고딕" charset="0"/>
-              </a:rPr>
-              <a:t>. </a:t>
-            </a:r>
-            <a:r>
-              <a:rPr lang="ko-KR" sz="1800">
-                <a:latin typeface="맑은 고딕" charset="0"/>
-                <a:ea typeface="맑은 고딕" charset="0"/>
-              </a:rPr>
-              <a:t>이제 GameManager 스크립트에서 포톤 객체를 생성하도록 설정합니다.</a:t>
-            </a:r>
-            <a:endParaRPr lang="ko-KR" altLang="en-US" sz="1800">
-              <a:latin typeface="맑은 고딕" charset="0"/>
-              <a:ea typeface="맑은 고딕" charset="0"/>
-            </a:endParaRPr>
-          </a:p>
-          <a:p>
-            <a:pPr marL="0" indent="0" rtl="0" algn="l" defTabSz="914400" eaLnBrk="1" latinLnBrk="0" hangingPunct="1">
-              <a:buFontTx/>
-              <a:buNone/>
-            </a:pPr>
-            <a:endParaRPr lang="ko-KR" altLang="en-US" sz="1800">
-              <a:latin typeface="맑은 고딕" charset="0"/>
-              <a:ea typeface="맑은 고딕" charset="0"/>
-            </a:endParaRPr>
-          </a:p>
-          <a:p>
-            <a:pPr marL="0" indent="0" rtl="0" algn="l" defTabSz="914400" eaLnBrk="1" latinLnBrk="0" hangingPunct="1">
-              <a:buFontTx/>
-              <a:buNone/>
-            </a:pPr>
-            <a:r>
-              <a:rPr lang="ko-KR" sz="1800">
-                <a:latin typeface="맑은 고딕" charset="0"/>
-                <a:ea typeface="맑은 고딕" charset="0"/>
-              </a:rPr>
-              <a:t>포톤 객체는 Resources 라는 폴더에서 불러올 수 있으며, 포톤 객체를 불러오게 되면 포톤 서버에 객체가 올라가게 됩니다.</a:t>
-            </a:r>
-            <a:endParaRPr lang="ko-KR" altLang="en-US" sz="1800">
-              <a:latin typeface="맑은 고딕" charset="0"/>
-              <a:ea typeface="맑은 고딕" charset="0"/>
-            </a:endParaRPr>
-          </a:p>
-        </p:txBody>
-      </p:sp>
-      <p:pic>
-        <p:nvPicPr>
-          <p:cNvPr id="52" name="그림 22"/>
-          <p:cNvPicPr>
-            <a:picLocks noChangeAspect="1"/>
-          </p:cNvPicPr>
-          <p:nvPr/>
-        </p:nvPicPr>
-        <p:blipFill rotWithShape="1">
-          <a:blip r:embed="rId2" cstate="print">
-            <a:extLst>
-              <a:ext uri="{28A0092B-C50C-407E-A947-70E740481C1C}">
-                <a14:useLocalDpi xmlns:a14="http://schemas.microsoft.com/office/drawing/2010/main" val="0"/>
-              </a:ext>
-            </a:extLst>
-          </a:blip>
-          <a:stretch>
-            <a:fillRect/>
-          </a:stretch>
-        </p:blipFill>
-        <p:spPr>
-          <a:xfrm rot="0">
-            <a:off x="1394460" y="1378585"/>
-            <a:ext cx="3992245" cy="2345690"/>
-          </a:xfrm>
-          <a:prstGeom prst="rect"/>
-          <a:noFill/>
-        </p:spPr>
-      </p:pic>
-      <p:pic>
-        <p:nvPicPr>
-          <p:cNvPr id="53" name="그림 23"/>
-          <p:cNvPicPr>
-            <a:picLocks noChangeAspect="1"/>
-          </p:cNvPicPr>
-          <p:nvPr/>
-        </p:nvPicPr>
-        <p:blipFill rotWithShape="1">
-          <a:blip r:embed="rId3" cstate="print">
-            <a:extLst>
-              <a:ext uri="{28A0092B-C50C-407E-A947-70E740481C1C}">
-                <a14:useLocalDpi xmlns:a14="http://schemas.microsoft.com/office/drawing/2010/main" val="0"/>
-              </a:ext>
-            </a:extLst>
-          </a:blip>
-          <a:stretch>
-            <a:fillRect/>
-          </a:stretch>
-        </p:blipFill>
-        <p:spPr>
-          <a:xfrm rot="0">
-            <a:off x="6823710" y="3136900"/>
-            <a:ext cx="3983990" cy="1172210"/>
-          </a:xfrm>
-          <a:prstGeom prst="roundRect"/>
-          <a:solidFill>
-            <a:srgbClr val="EDEDED"/>
-          </a:solidFill>
-        </p:spPr>
-      </p:pic>
-      <p:pic>
-        <p:nvPicPr>
-          <p:cNvPr id="54" name="그림 26"/>
-          <p:cNvPicPr>
-            <a:picLocks noChangeAspect="1"/>
-          </p:cNvPicPr>
-          <p:nvPr/>
-        </p:nvPicPr>
-        <p:blipFill rotWithShape="1">
-          <a:blip r:embed="rId4" cstate="print">
-            <a:extLst>
-              <a:ext uri="{28A0092B-C50C-407E-A947-70E740481C1C}">
-                <a14:useLocalDpi xmlns:a14="http://schemas.microsoft.com/office/drawing/2010/main" val="0"/>
-              </a:ext>
-            </a:extLst>
-          </a:blip>
-          <a:stretch>
-            <a:fillRect/>
-          </a:stretch>
-        </p:blipFill>
-        <p:spPr>
-          <a:xfrm rot="0">
-            <a:off x="6823710" y="1376680"/>
-            <a:ext cx="3975735" cy="1567815"/>
-          </a:xfrm>
-          <a:prstGeom prst="roundRect"/>
-          <a:solidFill>
-            <a:srgbClr val="EDEDED"/>
-          </a:solidFill>
-        </p:spPr>
-      </p:pic>
-      <p:sp>
-        <p:nvSpPr>
-          <p:cNvPr id="55" name="텍스트 상자 29"/>
-          <p:cNvSpPr txBox="1">
-            <a:spLocks/>
-          </p:cNvSpPr>
-          <p:nvPr/>
-        </p:nvSpPr>
-        <p:spPr>
-          <a:xfrm rot="0">
-            <a:off x="6825615" y="4414520"/>
-            <a:ext cx="3992880" cy="1784985"/>
-          </a:xfrm>
-          <a:prstGeom prst="rect"/>
-          <a:noFill/>
-          <a:ln w="0">
-            <a:noFill/>
-            <a:prstDash/>
-          </a:ln>
-        </p:spPr>
-        <p:txBody>
-          <a:bodyPr wrap="square" lIns="89535" tIns="46355" rIns="89535" bIns="46355" numCol="1" vert="horz" anchor="t">
-            <a:spAutoFit/>
-          </a:bodyPr>
-          <a:lstStyle/>
-          <a:p>
-            <a:pPr marL="0" indent="0" rtl="0" algn="l" defTabSz="914400" eaLnBrk="1" latinLnBrk="0" hangingPunct="1">
-              <a:buFontTx/>
-              <a:buNone/>
-            </a:pPr>
-            <a:r>
-              <a:rPr lang="ko-KR" sz="2000" b="1">
-                <a:solidFill>
-                  <a:srgbClr val="0611F2"/>
-                </a:solidFill>
-                <a:latin typeface="맑은 고딕" charset="0"/>
-                <a:ea typeface="맑은 고딕" charset="0"/>
-              </a:rPr>
-              <a:t>14</a:t>
-            </a:r>
-            <a:r>
-              <a:rPr sz="2000" b="1">
-                <a:solidFill>
-                  <a:srgbClr val="0611F2"/>
-                </a:solidFill>
-                <a:latin typeface="맑은 고딕" charset="0"/>
-                <a:ea typeface="맑은 고딕" charset="0"/>
-              </a:rPr>
-              <a:t>. </a:t>
-            </a:r>
-            <a:r>
-              <a:rPr lang="ko-KR" sz="1800">
-                <a:latin typeface="맑은 고딕" charset="0"/>
-                <a:ea typeface="맑은 고딕" charset="0"/>
-              </a:rPr>
-              <a:t>마지막으로 Project 폴더에 있는 Texture 폴더에 Ice_02 텍스처를 선택합니다.</a:t>
-            </a:r>
-            <a:endParaRPr lang="ko-KR" altLang="en-US" sz="1800">
-              <a:latin typeface="맑은 고딕" charset="0"/>
-              <a:ea typeface="맑은 고딕" charset="0"/>
-            </a:endParaRPr>
-          </a:p>
-          <a:p>
-            <a:pPr marL="0" indent="0" rtl="0" algn="l" defTabSz="914400" eaLnBrk="1" latinLnBrk="0" hangingPunct="1">
-              <a:buFontTx/>
-              <a:buNone/>
-            </a:pPr>
-            <a:endParaRPr lang="ko-KR" altLang="en-US" sz="1800">
-              <a:latin typeface="맑은 고딕" charset="0"/>
-              <a:ea typeface="맑은 고딕" charset="0"/>
-            </a:endParaRPr>
-          </a:p>
-          <a:p>
-            <a:pPr marL="0" indent="0" rtl="0" algn="l" defTabSz="914400" eaLnBrk="1" latinLnBrk="0" hangingPunct="1">
-              <a:buFontTx/>
-              <a:buNone/>
-            </a:pPr>
-            <a:r>
-              <a:rPr lang="ko-KR" sz="1800">
-                <a:latin typeface="맑은 고딕" charset="0"/>
-                <a:ea typeface="맑은 고딕" charset="0"/>
-              </a:rPr>
-              <a:t>그리고 Ground 오브젝트에 넣어줍니다.</a:t>
-            </a:r>
-            <a:endParaRPr lang="ko-KR" altLang="en-US" sz="1800">
-              <a:latin typeface="맑은 고딕" charset="0"/>
-              <a:ea typeface="맑은 고딕" charset="0"/>
-            </a:endParaRPr>
-          </a:p>
-        </p:txBody>
-      </p:sp>
-      <p:cxnSp>
-        <p:nvCxnSpPr>
-          <p:cNvPr id="56" name="도형 30"/>
-          <p:cNvCxnSpPr/>
-          <p:nvPr/>
-        </p:nvCxnSpPr>
-        <p:spPr>
-          <a:xfrm rot="0" flipH="1" flipV="1">
-            <a:off x="8633460" y="2597785"/>
-            <a:ext cx="8890" cy="831850"/>
-          </a:xfrm>
-          <a:prstGeom prst="straightConnector1"/>
-          <a:ln w="6350" cap="flat" cmpd="sng">
-            <a:prstDash/>
-            <a:tailEnd type="triangle" w="med" len="med"/>
-          </a:ln>
-        </p:spPr>
-        <p:style>
-          <a:lnRef idx="1">
-            <a:schemeClr val="accent1"/>
-          </a:lnRef>
-          <a:fillRef idx="0">
-            <a:schemeClr val="accent1"/>
-          </a:fillRef>
-          <a:effectRef idx="0">
-            <a:schemeClr val="accent1"/>
-          </a:effectRef>
-          <a:fontRef idx="minor">
-            <a:schemeClr val="tx1"/>
-          </a:fontRef>
-        </p:style>
-      </p:cxnSp>
     </p:spTree>
   </p:cSld>
   <p:clrMapOvr>

--- a/Assets/Class/Photon Server/PPT Data/Photon Synchronization.pptx
+++ b/Assets/Class/Photon Server/PPT Data/Photon Synchronization.pptx
@@ -2,7 +2,7 @@
 <file path=ppt/presentation.xml><?xml version="1.0" encoding="utf-8"?>
 <p:presentation xmlns:a="http://schemas.openxmlformats.org/drawingml/2006/main" xmlns:r="http://schemas.openxmlformats.org/officeDocument/2006/relationships" xmlns:p="http://schemas.openxmlformats.org/presentationml/2006/main" xmlns:p14="http://schemas.microsoft.com/office/powerpoint/2010/main" saveSubsetFonts="1" firstSlideNum="0">
   <p:sldMasterIdLst>
-    <p:sldMasterId id="2147486856" r:id="rId12"/>
+    <p:sldMasterId id="2147486888" r:id="rId12"/>
   </p:sldMasterIdLst>
   <p:notesMasterIdLst>
     <p:notesMasterId r:id="rId14"/>
@@ -14,15 +14,16 @@
     <p:sldId id="311" r:id="rId19"/>
     <p:sldId id="312" r:id="rId20"/>
     <p:sldId id="313" r:id="rId21"/>
-    <p:sldId id="314" r:id="rId22"/>
+    <p:sldId id="323" r:id="rId22"/>
+    <p:sldId id="314" r:id="rId23"/>
     <p:sldId id="315" r:id="rId24"/>
-    <p:sldId id="316" r:id="rId26"/>
-    <p:sldId id="317" r:id="rId28"/>
-    <p:sldId id="318" r:id="rId30"/>
-    <p:sldId id="319" r:id="rId32"/>
-    <p:sldId id="320" r:id="rId34"/>
-    <p:sldId id="321" r:id="rId36"/>
-    <p:sldId id="322" r:id="rId38"/>
+    <p:sldId id="316" r:id="rId25"/>
+    <p:sldId id="317" r:id="rId26"/>
+    <p:sldId id="318" r:id="rId27"/>
+    <p:sldId id="319" r:id="rId28"/>
+    <p:sldId id="320" r:id="rId29"/>
+    <p:sldId id="321" r:id="rId30"/>
+    <p:sldId id="322" r:id="rId31"/>
   </p:sldIdLst>
   <p:sldSz cx="12192000" cy="6858000"/>
   <p:notesSz cx="6858000" cy="9144000"/>
@@ -1079,7 +1080,7 @@
         <p:spPr>
           <a:xfrm rot="0">
             <a:off x="685800" y="1143000"/>
-            <a:ext cx="5494020" cy="3093720"/>
+            <a:ext cx="5493385" cy="3093085"/>
           </a:xfrm>
           <a:prstGeom prst="rect"/>
           <a:noFill/>
@@ -1118,7 +1119,7 @@
         <p:spPr>
           <a:xfrm rot="0">
             <a:off x="685800" y="4400550"/>
-            <a:ext cx="5494020" cy="3608070"/>
+            <a:ext cx="5493385" cy="3607435"/>
           </a:xfrm>
           <a:prstGeom prst="rect"/>
         </p:spPr>
@@ -1148,7 +1149,7 @@
         <p:spPr>
           <a:xfrm rot="0">
             <a:off x="3884930" y="8685530"/>
-            <a:ext cx="2979420" cy="466090"/>
+            <a:ext cx="2978785" cy="465455"/>
           </a:xfrm>
           <a:prstGeom prst="rect"/>
         </p:spPr>
@@ -1334,6 +1335,148 @@
 </file>
 
 <file path=ppt/notesSlides/notesSlide15.xml><?xml version="1.0" encoding="utf-8"?>
+<p:notes xmlns:a="http://schemas.openxmlformats.org/drawingml/2006/main" xmlns:r="http://schemas.openxmlformats.org/officeDocument/2006/relationships" xmlns:p="http://schemas.openxmlformats.org/presentationml/2006/main">
+  <p:cSld>
+    <p:spTree>
+      <p:nvGrpSpPr>
+        <p:cNvPr id="1" name=""/>
+        <p:cNvGrpSpPr/>
+        <p:nvPr/>
+      </p:nvGrpSpPr>
+      <p:grpSpPr>
+        <a:xfrm>
+          <a:off x="0" y="0"/>
+          <a:ext cx="0" cy="0"/>
+          <a:chOff x="0" y="0"/>
+          <a:chExt cx="0" cy="0"/>
+        </a:xfrm>
+      </p:grpSpPr>
+      <p:sp>
+        <p:nvSpPr>
+          <p:cNvPr id="2" name="슬라이드 이미지 개체 틀 3"/>
+          <p:cNvSpPr>
+            <a:spLocks noChangeAspect="1"/>
+          </p:cNvSpPr>
+          <p:nvPr>
+            <p:ph type="sldImg" idx="2"/>
+          </p:nvPr>
+        </p:nvSpPr>
+        <p:spPr>
+          <a:xfrm rot="0">
+            <a:off x="685800" y="1143000"/>
+            <a:ext cx="5494020" cy="3093720"/>
+          </a:xfrm>
+          <a:prstGeom prst="rect"/>
+          <a:noFill/>
+          <a:ln w="12700" cap="flat" cmpd="sng">
+            <a:solidFill>
+              <a:srgbClr val="000000">
+                <a:alpha val="100000"/>
+              </a:srgbClr>
+            </a:solidFill>
+            <a:prstDash val="solid"/>
+          </a:ln>
+        </p:spPr>
+        <p:txBody>
+          <a:bodyPr wrap="square" lIns="91440" tIns="45720" rIns="91440" bIns="45720" numCol="1" vert="horz" anchor="ctr">
+            <a:noAutofit/>
+          </a:bodyPr>
+          <a:lstStyle/>
+          <a:p>
+            <a:pPr marL="0" indent="0" latinLnBrk="0">
+              <a:buFontTx/>
+              <a:buNone/>
+            </a:pPr>
+          </a:p>
+        </p:txBody>
+      </p:sp>
+      <p:sp>
+        <p:nvSpPr>
+          <p:cNvPr id="3" name="슬라이드 노트 개체 틀 4"/>
+          <p:cNvSpPr txBox="1">
+            <a:spLocks/>
+          </p:cNvSpPr>
+          <p:nvPr>
+            <p:ph type="body" idx="3"/>
+          </p:nvPr>
+        </p:nvSpPr>
+        <p:spPr>
+          <a:xfrm rot="0">
+            <a:off x="685800" y="4400550"/>
+            <a:ext cx="5494020" cy="3608070"/>
+          </a:xfrm>
+          <a:prstGeom prst="rect"/>
+        </p:spPr>
+        <p:txBody>
+          <a:bodyPr wrap="square" lIns="91440" tIns="45720" rIns="91440" bIns="45720" numCol="1" vert="horz" anchor="t">
+            <a:noAutofit/>
+          </a:bodyPr>
+          <a:lstStyle/>
+          <a:p>
+            <a:pPr marL="0" indent="0" latinLnBrk="0">
+              <a:buFontTx/>
+              <a:buNone/>
+            </a:pPr>
+          </a:p>
+        </p:txBody>
+      </p:sp>
+      <p:sp>
+        <p:nvSpPr>
+          <p:cNvPr id="4" name="슬라이드 번호 개체 틀 6"/>
+          <p:cNvSpPr txBox="1">
+            <a:spLocks/>
+          </p:cNvSpPr>
+          <p:nvPr>
+            <p:ph type="sldNum" idx="5"/>
+          </p:nvPr>
+        </p:nvSpPr>
+        <p:spPr>
+          <a:xfrm rot="0">
+            <a:off x="3884930" y="8685530"/>
+            <a:ext cx="2979420" cy="466090"/>
+          </a:xfrm>
+          <a:prstGeom prst="rect"/>
+        </p:spPr>
+        <p:txBody>
+          <a:bodyPr wrap="square" lIns="91440" tIns="45720" rIns="91440" bIns="45720" numCol="1" vert="horz" anchor="b">
+            <a:noAutofit/>
+          </a:bodyPr>
+          <a:lstStyle>
+            <a:lvl1pPr marL="0" indent="0" algn="r" latinLnBrk="0">
+              <a:buFontTx/>
+              <a:buNone/>
+              <a:defRPr lang="en-GB" altLang="en-US" sz="1200"/>
+            </a:lvl1pPr>
+          </a:lstStyle>
+          <a:p>
+            <a:pPr marL="0" indent="0" latinLnBrk="0">
+              <a:buFontTx/>
+              <a:buNone/>
+            </a:pPr>
+            <a:fld id="{B9320F77-B9A0-41C5-862A-B4B631284C64}" type="slidenum">
+              <a:rPr lang="ko-KR" altLang="en-US"/>
+              <a:t>‹#›</a:t>
+            </a:fld>
+          </a:p>
+        </p:txBody>
+      </p:sp>
+    </p:spTree>
+  </p:cSld>
+  <p:clrMapOvr>
+    <a:masterClrMapping/>
+  </p:clrMapOvr>
+  <mc:AlternateContent xmlns:mc="http://schemas.openxmlformats.org/markup-compatibility/2006">
+    <mc:Choice xmlns:p14="http://schemas.microsoft.com/office/powerpoint/2010/main" Requires="p14">
+      <p:transition spd="slow" p14:dur="0"/>
+    </mc:Choice>
+    <mc:Fallback>
+      <p:transition spd="slow"/>
+    </mc:Fallback>
+  </mc:AlternateContent>
+</p:notes>
+</file>
+
+<file path=ppt/notesSlides/notesSlide16.xml><?xml version="1.0" encoding="utf-8"?>
 <p:notes xmlns:a="http://schemas.openxmlformats.org/drawingml/2006/main" xmlns:r="http://schemas.openxmlformats.org/officeDocument/2006/relationships" xmlns:p="http://schemas.openxmlformats.org/presentationml/2006/main">
   <p:cSld>
     <p:spTree>
@@ -7648,7 +7791,7 @@
       </p:sp>
       <p:pic>
         <p:nvPicPr>
-          <p:cNvPr id="28" name="그림 12" descr="C:/Users/Admin1/AppData/Roaming/PolarisOffice/ETemp/1892_13668960/fImage89511486334.png"/>
+          <p:cNvPr id="28" name="그림 12"/>
           <p:cNvPicPr>
             <a:picLocks noChangeAspect="1"/>
           </p:cNvPicPr>
@@ -7804,7 +7947,7 @@
       </p:sp>
       <p:pic>
         <p:nvPicPr>
-          <p:cNvPr id="31" name="그림 4" descr="C:/Users/Admin1/AppData/Roaming/PolarisOffice/ETemp/1892_13668960/fImage542022141.png"/>
+          <p:cNvPr id="31" name="그림 4"/>
           <p:cNvPicPr>
             <a:picLocks noChangeAspect="1"/>
           </p:cNvPicPr>
@@ -7835,7 +7978,7 @@
       </p:pic>
       <p:pic>
         <p:nvPicPr>
-          <p:cNvPr id="32" name="그림 5" descr="C:/Users/Admin1/AppData/Roaming/PolarisOffice/ETemp/1892_13668960/fImage51452228467.png"/>
+          <p:cNvPr id="32" name="그림 5"/>
           <p:cNvPicPr>
             <a:picLocks noChangeAspect="1"/>
           </p:cNvPicPr>
@@ -7866,7 +8009,7 @@
       </p:pic>
       <p:pic>
         <p:nvPicPr>
-          <p:cNvPr id="33" name="그림 9" descr="C:/Users/Admin1/AppData/Roaming/PolarisOffice/ETemp/1892_13668960/fImage22052236334.png"/>
+          <p:cNvPr id="33" name="그림 9"/>
           <p:cNvPicPr>
             <a:picLocks noChangeAspect="1"/>
           </p:cNvPicPr>
@@ -7897,7 +8040,7 @@
       </p:pic>
       <p:pic>
         <p:nvPicPr>
-          <p:cNvPr id="34" name="그림 12" descr="C:/Users/Admin1/AppData/Roaming/PolarisOffice/ETemp/1892_13668960/fImage51452246500.png"/>
+          <p:cNvPr id="34" name="그림 12"/>
           <p:cNvPicPr>
             <a:picLocks noChangeAspect="1"/>
           </p:cNvPicPr>
@@ -7928,7 +8071,7 @@
       </p:pic>
       <p:pic>
         <p:nvPicPr>
-          <p:cNvPr id="35" name="그림 14" descr="C:/Users/Admin1/AppData/Roaming/PolarisOffice/ETemp/1892_13668960/fImage2242172279169.png"/>
+          <p:cNvPr id="35" name="그림 14"/>
           <p:cNvPicPr>
             <a:picLocks noChangeAspect="1"/>
           </p:cNvPicPr>
@@ -7957,7 +8100,7 @@
       </p:pic>
       <p:pic>
         <p:nvPicPr>
-          <p:cNvPr id="36" name="그림 15" descr="C:/Users/Admin1/AppData/Roaming/PolarisOffice/ETemp/1892_13668960/fImage2242172285724.png"/>
+          <p:cNvPr id="36" name="그림 15"/>
           <p:cNvPicPr>
             <a:picLocks noChangeAspect="1"/>
           </p:cNvPicPr>
@@ -8119,8 +8262,8 @@
         </p:nvSpPr>
         <p:spPr>
           <a:xfrm rot="0">
-            <a:off x="4533265" y="407035"/>
-            <a:ext cx="3131820" cy="554990"/>
+            <a:off x="4464685" y="390525"/>
+            <a:ext cx="3260725" cy="554990"/>
           </a:xfrm>
           <a:prstGeom prst="rect"/>
           <a:noFill/>
@@ -8162,16 +8305,16 @@
       </p:sp>
       <p:sp>
         <p:nvSpPr>
-          <p:cNvPr id="44" name="Rect 0"/>
+          <p:cNvPr id="37" name="텍스트 상자 56"/>
           <p:cNvSpPr txBox="1">
             <a:spLocks/>
           </p:cNvSpPr>
           <p:nvPr/>
         </p:nvSpPr>
         <p:spPr>
-          <a:xfrm rot="0">
-            <a:off x="6824980" y="3590290"/>
-            <a:ext cx="4248785" cy="2585085"/>
+          <a:xfrm>
+            <a:off x="1172210" y="4396105"/>
+            <a:ext cx="4224020" cy="1754505"/>
           </a:xfrm>
           <a:prstGeom prst="rect"/>
           <a:noFill/>
@@ -8181,7 +8324,7 @@
           </a:ln>
         </p:spPr>
         <p:txBody>
-          <a:bodyPr wrap="square" lIns="89535" tIns="46355" rIns="89535" bIns="46355" vert="horz" anchor="t">
+          <a:bodyPr wrap="square" lIns="89535" tIns="46355" rIns="89535" bIns="46355" numCol="1" vert="horz" anchor="t">
             <a:spAutoFit/>
           </a:bodyPr>
           <a:lstStyle/>
@@ -8201,16 +8344,6 @@
               <a:t>2</a:t>
             </a:r>
             <a:r>
-              <a:rPr lang="ko-KR" sz="1800" b="1">
-                <a:solidFill>
-                  <a:srgbClr val="0611F2"/>
-                </a:solidFill>
-                <a:latin typeface="맑은 고딕" charset="0"/>
-                <a:ea typeface="맑은 고딕" charset="0"/>
-              </a:rPr>
-              <a:t>3</a:t>
-            </a:r>
-            <a:r>
               <a:rPr sz="1800" b="1">
                 <a:solidFill>
                   <a:srgbClr val="0611F2"/>
@@ -8218,6 +8351,16 @@
                 <a:latin typeface="맑은 고딕" charset="0"/>
                 <a:ea typeface="맑은 고딕" charset="0"/>
               </a:rPr>
+              <a:t>5</a:t>
+            </a:r>
+            <a:r>
+              <a:rPr sz="1800" b="1">
+                <a:solidFill>
+                  <a:srgbClr val="0611F2"/>
+                </a:solidFill>
+                <a:latin typeface="맑은 고딕" charset="0"/>
+                <a:ea typeface="맑은 고딕" charset="0"/>
+              </a:rPr>
               <a:t>.</a:t>
             </a:r>
             <a:r>
@@ -8225,35 +8368,14 @@
                 <a:latin typeface="맑은 고딕" charset="0"/>
                 <a:ea typeface="맑은 고딕" charset="0"/>
               </a:rPr>
-              <a:t> </a:t>
-            </a:r>
-            <a:r>
-              <a:rPr sz="1800">
-                <a:latin typeface="맑은 고딕" charset="0"/>
-                <a:ea typeface="맑은 고딕" charset="0"/>
-              </a:rPr>
-              <a:t>이</a:t>
+              <a:t> 이</a:t>
             </a:r>
             <a:r>
               <a:rPr lang="ko-KR" sz="1800">
                 <a:latin typeface="맑은 고딕" charset="0"/>
                 <a:ea typeface="맑은 고딕" charset="0"/>
               </a:rPr>
-              <a:t>제 Project 폴더에 있는 Resources 폴더에 Character 오브젝트를 선택한 다음</a:t>
-            </a:r>
-            <a:r>
-              <a:rPr sz="1800">
-                <a:latin typeface="맑은 고딕" charset="0"/>
-                <a:ea typeface="맑은 고딕" charset="0"/>
-              </a:rPr>
-              <a:t> Photon Voice View 컴포넌트를 </a:t>
-            </a:r>
-            <a:r>
-              <a:rPr lang="ko-KR" sz="1800">
-                <a:latin typeface="맑은 고딕" charset="0"/>
-                <a:ea typeface="맑은 고딕" charset="0"/>
-              </a:rPr>
-              <a:t>추가합니다.</a:t>
+              <a:t>제 Photon Voice Network 컴포넌트를 선택합니다.</a:t>
             </a:r>
             <a:endParaRPr lang="ko-KR" altLang="en-US" sz="1800">
               <a:latin typeface="맑은 고딕" charset="0"/>
@@ -8276,60 +8398,53 @@
               <a:buNone/>
             </a:pPr>
             <a:r>
+              <a:rPr lang="ko-KR" sz="1800">
+                <a:latin typeface="맑은 고딕" charset="0"/>
+                <a:ea typeface="맑은 고딕" charset="0"/>
+              </a:rPr>
+              <a:t>그다음으로 </a:t>
+            </a:r>
+            <a:r>
               <a:rPr sz="1800">
                 <a:latin typeface="맑은 고딕" charset="0"/>
                 <a:ea typeface="맑은 고딕" charset="0"/>
               </a:rPr>
-              <a:t>그리</a:t>
+              <a:t>Primary Recorder</a:t>
             </a:r>
             <a:r>
               <a:rPr lang="ko-KR" sz="1800">
                 <a:latin typeface="맑은 고딕" charset="0"/>
                 <a:ea typeface="맑은 고딕" charset="0"/>
               </a:rPr>
-              <a:t>고 </a:t>
+              <a:t>에</a:t>
             </a:r>
             <a:r>
               <a:rPr sz="1800">
                 <a:latin typeface="맑은 고딕" charset="0"/>
                 <a:ea typeface="맑은 고딕" charset="0"/>
               </a:rPr>
-              <a:t>Photon Voice View</a:t>
+              <a:t> 현재 Recorder 컴포넌트가 추가</a:t>
+            </a:r>
+            <a:r>
+              <a:rPr lang="ko-KR" sz="1800">
+                <a:latin typeface="맑은 고딕" charset="0"/>
+                <a:ea typeface="맑은 고딕" charset="0"/>
+              </a:rPr>
+              <a:t>된 Network Voice Manager</a:t>
             </a:r>
             <a:r>
               <a:rPr sz="1800">
                 <a:latin typeface="맑은 고딕" charset="0"/>
                 <a:ea typeface="맑은 고딕" charset="0"/>
               </a:rPr>
-              <a:t> 컴포넌</a:t>
+              <a:t> 오브젝트를 넣어줍니</a:t>
             </a:r>
             <a:r>
               <a:rPr lang="ko-KR" sz="1800">
                 <a:latin typeface="맑은 고딕" charset="0"/>
                 <a:ea typeface="맑은 고딕" charset="0"/>
               </a:rPr>
-              <a:t>트</a:t>
-            </a:r>
-            <a:r>
-              <a:rPr sz="1800">
-                <a:latin typeface="맑은 고딕" charset="0"/>
-                <a:ea typeface="맑은 고딕" charset="0"/>
-              </a:rPr>
-              <a:t>는 네트워크로 연결된 객체의 </a:t>
-            </a:r>
-            <a:r>
-              <a:rPr lang="ko-KR" sz="1800">
-                <a:latin typeface="맑은 고딕" charset="0"/>
-                <a:ea typeface="맑은 고딕" charset="0"/>
-              </a:rPr>
-              <a:t>리</a:t>
-            </a:r>
-            <a:r>
-              <a:rPr sz="1800">
-                <a:latin typeface="맑은 고딕" charset="0"/>
-                <a:ea typeface="맑은 고딕" charset="0"/>
-              </a:rPr>
-              <a:t>코더와 스피커 설정을 담당하는 컴포넌트입니다.</a:t>
+              <a:t>다.</a:t>
             </a:r>
             <a:endParaRPr lang="ko-KR" altLang="en-US" sz="1800">
               <a:latin typeface="맑은 고딕" charset="0"/>
@@ -8338,141 +8453,210 @@
           </a:p>
         </p:txBody>
       </p:sp>
-      <p:sp>
-        <p:nvSpPr>
-          <p:cNvPr id="46" name="텍스트 상자 79"/>
-          <p:cNvSpPr txBox="1">
-            <a:spLocks/>
-          </p:cNvSpPr>
-          <p:nvPr/>
-        </p:nvSpPr>
-        <p:spPr>
-          <a:xfrm rot="0">
-            <a:off x="1188720" y="2759075"/>
-            <a:ext cx="4190365" cy="3415665"/>
-          </a:xfrm>
-          <a:prstGeom prst="rect"/>
-          <a:noFill/>
-          <a:ln w="0">
-            <a:noFill/>
-            <a:prstDash/>
-          </a:ln>
-        </p:spPr>
-        <p:txBody>
-          <a:bodyPr wrap="square" lIns="89535" tIns="46355" rIns="89535" bIns="46355" vert="horz" anchor="t">
-            <a:spAutoFit/>
-          </a:bodyPr>
-          <a:lstStyle/>
-          <a:p>
-            <a:pPr marL="0" indent="0" rtl="0" algn="l" defTabSz="914400" eaLnBrk="1" latinLnBrk="0" hangingPunct="1">
-              <a:buFontTx/>
-              <a:buNone/>
-            </a:pPr>
-            <a:r>
-              <a:rPr sz="1800">
-                <a:latin typeface="맑은 고딕" charset="0"/>
-                <a:ea typeface="맑은 고딕" charset="0"/>
-              </a:rPr>
-              <a:t>Input Source Type(Microphone)은 마이크가 연결되어 있다면 현재 연결된 마이크의 정보가 나타납니다. </a:t>
-            </a:r>
-            <a:endParaRPr lang="ko-KR" altLang="en-US" sz="1800">
-              <a:latin typeface="맑은 고딕" charset="0"/>
-              <a:ea typeface="맑은 고딕" charset="0"/>
-            </a:endParaRPr>
-          </a:p>
-          <a:p>
-            <a:pPr marL="0" indent="0" rtl="0" algn="l" defTabSz="914400" eaLnBrk="1" latinLnBrk="0" hangingPunct="1">
-              <a:buFontTx/>
-              <a:buNone/>
-            </a:pPr>
-            <a:endParaRPr lang="ko-KR" altLang="en-US" sz="1800">
-              <a:latin typeface="맑은 고딕" charset="0"/>
-              <a:ea typeface="맑은 고딕" charset="0"/>
-            </a:endParaRPr>
-          </a:p>
-          <a:p>
-            <a:pPr marL="0" indent="0" rtl="0" algn="l" defTabSz="914400" eaLnBrk="1" latinLnBrk="0" hangingPunct="1">
-              <a:buFontTx/>
-              <a:buNone/>
-            </a:pPr>
-            <a:r>
-              <a:rPr sz="1800">
-                <a:latin typeface="맑은 고딕" charset="0"/>
-                <a:ea typeface="맑은 고딕" charset="0"/>
-              </a:rPr>
-              <a:t>만약, 연결되지 않았다면 오류 목록이 나타납니다.</a:t>
-            </a:r>
-            <a:endParaRPr lang="ko-KR" altLang="en-US" sz="1800">
-              <a:latin typeface="맑은 고딕" charset="0"/>
-              <a:ea typeface="맑은 고딕" charset="0"/>
-            </a:endParaRPr>
-          </a:p>
-          <a:p>
-            <a:pPr marL="0" indent="0" rtl="0" algn="l" defTabSz="914400" eaLnBrk="1" latinLnBrk="0" hangingPunct="1">
-              <a:buFontTx/>
-              <a:buNone/>
-            </a:pPr>
-            <a:endParaRPr lang="ko-KR" altLang="en-US" sz="1800">
-              <a:latin typeface="맑은 고딕" charset="0"/>
-              <a:ea typeface="맑은 고딕" charset="0"/>
-            </a:endParaRPr>
-          </a:p>
-          <a:p>
-            <a:pPr marL="0" indent="0" rtl="0" algn="l" defTabSz="914400" eaLnBrk="1" latinLnBrk="0" hangingPunct="1">
-              <a:buFontTx/>
-              <a:buNone/>
-            </a:pPr>
-            <a:r>
-              <a:rPr sz="1800">
-                <a:latin typeface="맑은 고딕" charset="0"/>
-                <a:ea typeface="맑은 고딕" charset="0"/>
-              </a:rPr>
-              <a:t>Microphone Device에서 원하는 음성 입력 장치를 선택할 수 있습니다.</a:t>
-            </a:r>
-            <a:endParaRPr lang="ko-KR" altLang="en-US" sz="1800">
-              <a:latin typeface="맑은 고딕" charset="0"/>
-              <a:ea typeface="맑은 고딕" charset="0"/>
-            </a:endParaRPr>
-          </a:p>
-          <a:p>
-            <a:pPr marL="0" indent="0" rtl="0" algn="l" defTabSz="914400" eaLnBrk="1" latinLnBrk="0" hangingPunct="1">
-              <a:buFontTx/>
-              <a:buNone/>
-            </a:pPr>
-            <a:endParaRPr lang="ko-KR" altLang="en-US" sz="1800">
-              <a:latin typeface="맑은 고딕" charset="0"/>
-              <a:ea typeface="맑은 고딕" charset="0"/>
-            </a:endParaRPr>
-          </a:p>
-          <a:p>
-            <a:pPr marL="0" indent="0" rtl="0" algn="l" defTabSz="914400" eaLnBrk="1" latinLnBrk="0" hangingPunct="1">
-              <a:buFontTx/>
-              <a:buNone/>
-            </a:pPr>
-            <a:r>
-              <a:rPr sz="1800">
-                <a:latin typeface="맑은 고딕" charset="0"/>
-                <a:ea typeface="맑은 고딕" charset="0"/>
-              </a:rPr>
-              <a:t>DebugEcho를 활성화하면 내 음성이 들리는지 확인할 수 있습니다.</a:t>
-            </a:r>
-            <a:endParaRPr lang="ko-KR" altLang="en-US" sz="1800">
-              <a:latin typeface="맑은 고딕" charset="0"/>
-              <a:ea typeface="맑은 고딕" charset="0"/>
-            </a:endParaRPr>
-          </a:p>
-        </p:txBody>
-      </p:sp>
       <p:pic>
         <p:nvPicPr>
-          <p:cNvPr id="47" name="그림 82"/>
+          <p:cNvPr id="38" name="그림 57" descr="C:/Users/Admin1/AppData/Roaming/PolarisOffice/ETemp/7276_13419048/fImage318592564464.png"/>
           <p:cNvPicPr>
             <a:picLocks noChangeAspect="1"/>
           </p:cNvPicPr>
           <p:nvPr/>
         </p:nvPicPr>
         <p:blipFill rotWithShape="1">
-          <a:blip r:embed="rId2" cstate="print">
+          <a:blip r:embed="rId2" cstate="hqprint">
+            <a:extLst>
+              <a:ext uri="{28A0092B-C50C-407E-A947-70E740481C1C}">
+                <a14:useLocalDpi xmlns:a14="http://schemas.microsoft.com/office/drawing/2010/main"/>
+              </a:ext>
+            </a:extLst>
+          </a:blip>
+          <a:stretch>
+            <a:fillRect/>
+          </a:stretch>
+        </p:blipFill>
+        <p:spPr>
+          <a:xfrm rot="0">
+            <a:off x="2876550" y="1412240"/>
+            <a:ext cx="2519680" cy="2868930"/>
+          </a:xfrm>
+          <a:prstGeom prst="rect"/>
+          <a:noFill/>
+        </p:spPr>
+      </p:pic>
+      <p:pic>
+        <p:nvPicPr>
+          <p:cNvPr id="43" name="그림 70" descr="C:/Users/Admin1/AppData/Roaming/PolarisOffice/ETemp/7276_13419048/fImage376762648145.png"/>
+          <p:cNvPicPr>
+            <a:picLocks noChangeAspect="1"/>
+          </p:cNvPicPr>
+          <p:nvPr/>
+        </p:nvPicPr>
+        <p:blipFill rotWithShape="1">
+          <a:blip r:embed="rId4" cstate="hqprint">
+            <a:extLst>
+              <a:ext uri="{28A0092B-C50C-407E-A947-70E740481C1C}">
+                <a14:useLocalDpi xmlns:a14="http://schemas.microsoft.com/office/drawing/2010/main"/>
+              </a:ext>
+            </a:extLst>
+          </a:blip>
+          <a:stretch>
+            <a:fillRect/>
+          </a:stretch>
+        </p:blipFill>
+        <p:spPr>
+          <a:xfrm rot="0">
+            <a:off x="8315325" y="1399540"/>
+            <a:ext cx="2629535" cy="3020695"/>
+          </a:xfrm>
+          <a:prstGeom prst="rect"/>
+          <a:noFill/>
+        </p:spPr>
+      </p:pic>
+      <p:sp>
+        <p:nvSpPr>
+          <p:cNvPr id="44" name="텍스트 상자 71"/>
+          <p:cNvSpPr txBox="1">
+            <a:spLocks/>
+          </p:cNvSpPr>
+          <p:nvPr/>
+        </p:nvSpPr>
+        <p:spPr>
+          <a:xfrm rot="0">
+            <a:off x="6838950" y="4672965"/>
+            <a:ext cx="4115435" cy="1477645"/>
+          </a:xfrm>
+          <a:prstGeom prst="rect"/>
+          <a:noFill/>
+          <a:ln w="0">
+            <a:noFill/>
+            <a:prstDash/>
+          </a:ln>
+        </p:spPr>
+        <p:txBody>
+          <a:bodyPr wrap="square" lIns="89535" tIns="46355" rIns="89535" bIns="46355" numCol="1" vert="horz" anchor="t">
+            <a:spAutoFit/>
+          </a:bodyPr>
+          <a:lstStyle/>
+          <a:p>
+            <a:pPr marL="0" indent="0" rtl="0" algn="l" defTabSz="914400" eaLnBrk="1" latinLnBrk="0" hangingPunct="1">
+              <a:buFontTx/>
+              <a:buNone/>
+            </a:pPr>
+            <a:r>
+              <a:rPr sz="1800" b="1">
+                <a:solidFill>
+                  <a:srgbClr val="0611F2"/>
+                </a:solidFill>
+                <a:latin typeface="맑은 고딕" charset="0"/>
+                <a:ea typeface="맑은 고딕" charset="0"/>
+              </a:rPr>
+              <a:t>2</a:t>
+            </a:r>
+            <a:r>
+              <a:rPr sz="1800" b="1">
+                <a:solidFill>
+                  <a:srgbClr val="0611F2"/>
+                </a:solidFill>
+                <a:latin typeface="맑은 고딕" charset="0"/>
+                <a:ea typeface="맑은 고딕" charset="0"/>
+              </a:rPr>
+              <a:t>6</a:t>
+            </a:r>
+            <a:r>
+              <a:rPr sz="1800" b="1">
+                <a:solidFill>
+                  <a:srgbClr val="0611F2"/>
+                </a:solidFill>
+                <a:latin typeface="맑은 고딕" charset="0"/>
+                <a:ea typeface="맑은 고딕" charset="0"/>
+              </a:rPr>
+              <a:t>.</a:t>
+            </a:r>
+            <a:r>
+              <a:rPr sz="1800">
+                <a:latin typeface="맑은 고딕" charset="0"/>
+                <a:ea typeface="맑은 고딕" charset="0"/>
+              </a:rPr>
+              <a:t> 그</a:t>
+            </a:r>
+            <a:r>
+              <a:rPr lang="ko-KR" sz="1800">
+                <a:latin typeface="맑은 고딕" charset="0"/>
+                <a:ea typeface="맑은 고딕" charset="0"/>
+              </a:rPr>
+              <a:t>런 다음 Recoder 컴포넌트를 선택합니다.</a:t>
+            </a:r>
+            <a:endParaRPr lang="ko-KR" altLang="en-US" sz="1800">
+              <a:latin typeface="맑은 고딕" charset="0"/>
+              <a:ea typeface="맑은 고딕" charset="0"/>
+            </a:endParaRPr>
+          </a:p>
+          <a:p>
+            <a:pPr marL="0" indent="0" rtl="0" algn="l" defTabSz="914400" eaLnBrk="1" latinLnBrk="0" hangingPunct="1">
+              <a:buFontTx/>
+              <a:buNone/>
+            </a:pPr>
+            <a:endParaRPr lang="ko-KR" altLang="en-US" sz="1800">
+              <a:latin typeface="맑은 고딕" charset="0"/>
+              <a:ea typeface="맑은 고딕" charset="0"/>
+            </a:endParaRPr>
+          </a:p>
+          <a:p>
+            <a:pPr marL="0" indent="0" rtl="0" algn="l" defTabSz="914400" eaLnBrk="1" latinLnBrk="0" hangingPunct="1">
+              <a:buFontTx/>
+              <a:buNone/>
+            </a:pPr>
+            <a:r>
+              <a:rPr lang="ko-KR" sz="1800">
+                <a:latin typeface="맑은 고딕" charset="0"/>
+                <a:ea typeface="맑은 고딕" charset="0"/>
+              </a:rPr>
+              <a:t>그리고 T</a:t>
+            </a:r>
+            <a:r>
+              <a:rPr sz="1800">
+                <a:latin typeface="맑은 고딕" charset="0"/>
+                <a:ea typeface="맑은 고딕" charset="0"/>
+              </a:rPr>
+              <a:t>ransmit Enabled</a:t>
+            </a:r>
+            <a:r>
+              <a:rPr lang="ko-KR" sz="1800">
+                <a:latin typeface="맑은 고딕" charset="0"/>
+                <a:ea typeface="맑은 고딕" charset="0"/>
+              </a:rPr>
+              <a:t>와 Debug Echo</a:t>
+            </a:r>
+            <a:r>
+              <a:rPr sz="1800">
+                <a:latin typeface="맑은 고딕" charset="0"/>
+                <a:ea typeface="맑은 고딕" charset="0"/>
+              </a:rPr>
+              <a:t> </a:t>
+            </a:r>
+            <a:r>
+              <a:rPr lang="ko-KR" sz="1800">
+                <a:latin typeface="맑은 고딕" charset="0"/>
+                <a:ea typeface="맑은 고딕" charset="0"/>
+              </a:rPr>
+              <a:t>활성화합니다.</a:t>
+            </a:r>
+            <a:endParaRPr lang="ko-KR" altLang="en-US" sz="1800">
+              <a:latin typeface="맑은 고딕" charset="0"/>
+              <a:ea typeface="맑은 고딕" charset="0"/>
+            </a:endParaRPr>
+          </a:p>
+        </p:txBody>
+      </p:sp>
+      <p:pic>
+        <p:nvPicPr>
+          <p:cNvPr id="46" name="그림 34" descr="C:/Users/Admin1/AppData/Roaming/PolarisOffice/ETemp/7276_13419048/fImage71093116962.png"/>
+          <p:cNvPicPr>
+            <a:picLocks noChangeAspect="1"/>
+          </p:cNvPicPr>
+          <p:nvPr/>
+        </p:nvPicPr>
+        <p:blipFill rotWithShape="1">
+          <a:blip r:embed="rId7" cstate="print">
             <a:extLst>
               <a:ext uri="{28A0092B-C50C-407E-A947-70E740481C1C}">
                 <a14:useLocalDpi xmlns:a14="http://schemas.microsoft.com/office/drawing/2010/main" val="0"/>
@@ -8485,54 +8669,57 @@
         </p:blipFill>
         <p:spPr>
           <a:xfrm rot="0">
-            <a:off x="1180465" y="1421765"/>
-            <a:ext cx="4198620" cy="1272540"/>
-          </a:xfrm>
-          <a:prstGeom prst="rect"/>
-          <a:noFill/>
+            <a:off x="1171575" y="1847850"/>
+            <a:ext cx="1496060" cy="1991360"/>
+          </a:xfrm>
+          <a:prstGeom prst="roundRect"/>
+          <a:solidFill>
+            <a:srgbClr val="EDEDED"/>
+          </a:solidFill>
         </p:spPr>
       </p:pic>
+      <p:cxnSp>
+        <p:nvCxnSpPr>
+          <p:cNvPr id="40" name="도형 59"/>
+          <p:cNvCxnSpPr/>
+          <p:nvPr/>
+        </p:nvCxnSpPr>
+        <p:spPr>
+          <a:xfrm rot="0" flipV="1">
+            <a:off x="2647950" y="3300095"/>
+            <a:ext cx="2640330" cy="310515"/>
+          </a:xfrm>
+          <a:prstGeom prst="straightConnector1"/>
+          <a:ln w="6350" cap="flat" cmpd="sng">
+            <a:prstDash/>
+            <a:tailEnd type="triangle" w="med" len="med"/>
+          </a:ln>
+        </p:spPr>
+        <p:style>
+          <a:lnRef idx="1">
+            <a:schemeClr val="accent1"/>
+          </a:lnRef>
+          <a:fillRef idx="0">
+            <a:schemeClr val="accent1"/>
+          </a:fillRef>
+          <a:effectRef idx="0">
+            <a:schemeClr val="accent1"/>
+          </a:effectRef>
+          <a:fontRef idx="minor">
+            <a:schemeClr val="tx1"/>
+          </a:fontRef>
+        </p:style>
+      </p:cxnSp>
       <p:pic>
         <p:nvPicPr>
-          <p:cNvPr id="48" name="그림 83"/>
+          <p:cNvPr id="47" name="그림 35" descr="C:/Users/Admin1/AppData/Roaming/PolarisOffice/ETemp/7276_13419048/fImage71093124464.png"/>
           <p:cNvPicPr>
             <a:picLocks noChangeAspect="1"/>
           </p:cNvPicPr>
           <p:nvPr/>
         </p:nvPicPr>
         <p:blipFill rotWithShape="1">
-          <a:blip r:embed="rId3" cstate="hqprint">
-            <a:extLst>
-              <a:ext uri="{28A0092B-C50C-407E-A947-70E740481C1C}">
-                <a14:useLocalDpi xmlns:a14="http://schemas.microsoft.com/office/drawing/2010/main"/>
-              </a:ext>
-            </a:extLst>
-          </a:blip>
-          <a:stretch>
-            <a:fillRect/>
-          </a:stretch>
-        </p:blipFill>
-        <p:spPr>
-          <a:xfrm rot="0">
-            <a:off x="6808470" y="1430020"/>
-            <a:ext cx="4257040" cy="931545"/>
-          </a:xfrm>
-          <a:prstGeom prst="roundRect"/>
-          <a:solidFill>
-            <a:srgbClr val="EDEDED"/>
-          </a:solidFill>
-        </p:spPr>
-      </p:pic>
-      <p:pic>
-        <p:nvPicPr>
-          <p:cNvPr id="49" name="그림 84"/>
-          <p:cNvPicPr>
-            <a:picLocks noChangeAspect="1"/>
-          </p:cNvPicPr>
-          <p:nvPr/>
-        </p:nvPicPr>
-        <p:blipFill rotWithShape="1">
-          <a:blip r:embed="rId4" cstate="print">
+          <a:blip r:embed="rId8" cstate="print">
             <a:extLst>
               <a:ext uri="{28A0092B-C50C-407E-A947-70E740481C1C}">
                 <a14:useLocalDpi xmlns:a14="http://schemas.microsoft.com/office/drawing/2010/main" val="0"/>
@@ -8545,8 +8732,8 @@
         </p:blipFill>
         <p:spPr>
           <a:xfrm rot="0">
-            <a:off x="6822440" y="2486025"/>
-            <a:ext cx="4243070" cy="998220"/>
+            <a:off x="6848475" y="2000250"/>
+            <a:ext cx="1324610" cy="1819910"/>
           </a:xfrm>
           <a:prstGeom prst="roundRect"/>
           <a:solidFill>
@@ -8604,8 +8791,8 @@
         </p:nvSpPr>
         <p:spPr>
           <a:xfrm rot="0">
-            <a:off x="4339590" y="407035"/>
-            <a:ext cx="3508375" cy="554990"/>
+            <a:off x="4333240" y="407035"/>
+            <a:ext cx="3535045" cy="554990"/>
           </a:xfrm>
           <a:prstGeom prst="rect"/>
           <a:noFill/>
@@ -8629,7 +8816,14 @@
                 <a:latin typeface="맑은 고딕" charset="0"/>
                 <a:ea typeface="맑은 고딕" charset="0"/>
               </a:rPr>
-              <a:t>열한</a:t>
+              <a:t>열</a:t>
+            </a:r>
+            <a:r>
+              <a:rPr lang="ko-KR" sz="3000" b="1">
+                <a:latin typeface="맑은 고딕" charset="0"/>
+                <a:ea typeface="맑은 고딕" charset="0"/>
+              </a:rPr>
+              <a:t>한</a:t>
             </a:r>
             <a:r>
               <a:rPr lang="ko-KR" sz="3000" b="1">
@@ -8645,19 +8839,308 @@
           </a:p>
         </p:txBody>
       </p:sp>
+      <p:sp>
+        <p:nvSpPr>
+          <p:cNvPr id="44" name="Rect 0"/>
+          <p:cNvSpPr txBox="1">
+            <a:spLocks/>
+          </p:cNvSpPr>
+          <p:nvPr/>
+        </p:nvSpPr>
+        <p:spPr>
+          <a:xfrm>
+            <a:off x="6824980" y="3590290"/>
+            <a:ext cx="4249420" cy="2585085"/>
+          </a:xfrm>
+          <a:prstGeom prst="rect"/>
+          <a:noFill/>
+          <a:ln w="0">
+            <a:noFill/>
+            <a:prstDash/>
+          </a:ln>
+        </p:spPr>
+        <p:txBody>
+          <a:bodyPr wrap="square" lIns="89535" tIns="46355" rIns="89535" bIns="46355" numCol="1" vert="horz" anchor="t">
+            <a:spAutoFit/>
+          </a:bodyPr>
+          <a:lstStyle/>
+          <a:p>
+            <a:pPr marL="0" indent="0" rtl="0" algn="l" defTabSz="914400" eaLnBrk="1" latinLnBrk="0" hangingPunct="1">
+              <a:buFontTx/>
+              <a:buNone/>
+            </a:pPr>
+            <a:r>
+              <a:rPr sz="1800" b="1">
+                <a:solidFill>
+                  <a:srgbClr val="0611F2"/>
+                </a:solidFill>
+                <a:latin typeface="맑은 고딕" charset="0"/>
+                <a:ea typeface="맑은 고딕" charset="0"/>
+              </a:rPr>
+              <a:t>2</a:t>
+            </a:r>
+            <a:r>
+              <a:rPr lang="ko-KR" sz="1800" b="1">
+                <a:solidFill>
+                  <a:srgbClr val="0611F2"/>
+                </a:solidFill>
+                <a:latin typeface="맑은 고딕" charset="0"/>
+                <a:ea typeface="맑은 고딕" charset="0"/>
+              </a:rPr>
+              <a:t>7</a:t>
+            </a:r>
+            <a:r>
+              <a:rPr sz="1800" b="1">
+                <a:solidFill>
+                  <a:srgbClr val="0611F2"/>
+                </a:solidFill>
+                <a:latin typeface="맑은 고딕" charset="0"/>
+                <a:ea typeface="맑은 고딕" charset="0"/>
+              </a:rPr>
+              <a:t>.</a:t>
+            </a:r>
+            <a:r>
+              <a:rPr sz="1800">
+                <a:latin typeface="맑은 고딕" charset="0"/>
+                <a:ea typeface="맑은 고딕" charset="0"/>
+              </a:rPr>
+              <a:t> 이</a:t>
+            </a:r>
+            <a:r>
+              <a:rPr lang="ko-KR" sz="1800">
+                <a:latin typeface="맑은 고딕" charset="0"/>
+                <a:ea typeface="맑은 고딕" charset="0"/>
+              </a:rPr>
+              <a:t>제 Project 폴더에 있는 Resources 폴더에 Character 오브젝트를 선택한 다음</a:t>
+            </a:r>
+            <a:r>
+              <a:rPr sz="1800">
+                <a:latin typeface="맑은 고딕" charset="0"/>
+                <a:ea typeface="맑은 고딕" charset="0"/>
+              </a:rPr>
+              <a:t> Photon Voice View 컴포넌트를 </a:t>
+            </a:r>
+            <a:r>
+              <a:rPr lang="ko-KR" sz="1800">
+                <a:latin typeface="맑은 고딕" charset="0"/>
+                <a:ea typeface="맑은 고딕" charset="0"/>
+              </a:rPr>
+              <a:t>추가합니다.</a:t>
+            </a:r>
+            <a:endParaRPr lang="ko-KR" altLang="en-US" sz="1800">
+              <a:latin typeface="맑은 고딕" charset="0"/>
+              <a:ea typeface="맑은 고딕" charset="0"/>
+            </a:endParaRPr>
+          </a:p>
+          <a:p>
+            <a:pPr marL="0" indent="0" rtl="0" algn="l" defTabSz="914400" eaLnBrk="1" latinLnBrk="0" hangingPunct="1">
+              <a:buFontTx/>
+              <a:buNone/>
+            </a:pPr>
+            <a:endParaRPr lang="ko-KR" altLang="en-US" sz="1800">
+              <a:latin typeface="맑은 고딕" charset="0"/>
+              <a:ea typeface="맑은 고딕" charset="0"/>
+            </a:endParaRPr>
+          </a:p>
+          <a:p>
+            <a:pPr marL="0" indent="0" rtl="0" algn="l" defTabSz="914400" eaLnBrk="1" latinLnBrk="0" hangingPunct="1">
+              <a:buFontTx/>
+              <a:buNone/>
+            </a:pPr>
+            <a:r>
+              <a:rPr sz="1800">
+                <a:latin typeface="맑은 고딕" charset="0"/>
+                <a:ea typeface="맑은 고딕" charset="0"/>
+              </a:rPr>
+              <a:t>그리</a:t>
+            </a:r>
+            <a:r>
+              <a:rPr lang="ko-KR" sz="1800">
+                <a:latin typeface="맑은 고딕" charset="0"/>
+                <a:ea typeface="맑은 고딕" charset="0"/>
+              </a:rPr>
+              <a:t>고 </a:t>
+            </a:r>
+            <a:r>
+              <a:rPr sz="1800">
+                <a:latin typeface="맑은 고딕" charset="0"/>
+                <a:ea typeface="맑은 고딕" charset="0"/>
+              </a:rPr>
+              <a:t>Photon Voice View 컴포넌</a:t>
+            </a:r>
+            <a:r>
+              <a:rPr lang="ko-KR" sz="1800">
+                <a:latin typeface="맑은 고딕" charset="0"/>
+                <a:ea typeface="맑은 고딕" charset="0"/>
+              </a:rPr>
+              <a:t>트</a:t>
+            </a:r>
+            <a:r>
+              <a:rPr sz="1800">
+                <a:latin typeface="맑은 고딕" charset="0"/>
+                <a:ea typeface="맑은 고딕" charset="0"/>
+              </a:rPr>
+              <a:t>는 네트워크로 연결된 객체의 </a:t>
+            </a:r>
+            <a:r>
+              <a:rPr lang="ko-KR" sz="1800">
+                <a:latin typeface="맑은 고딕" charset="0"/>
+                <a:ea typeface="맑은 고딕" charset="0"/>
+              </a:rPr>
+              <a:t>리</a:t>
+            </a:r>
+            <a:r>
+              <a:rPr sz="1800">
+                <a:latin typeface="맑은 고딕" charset="0"/>
+                <a:ea typeface="맑은 고딕" charset="0"/>
+              </a:rPr>
+              <a:t>코더와 스피커 설정을 담당하는 컴포넌트입니다.</a:t>
+            </a:r>
+            <a:endParaRPr lang="ko-KR" altLang="en-US" sz="1800">
+              <a:latin typeface="맑은 고딕" charset="0"/>
+              <a:ea typeface="맑은 고딕" charset="0"/>
+            </a:endParaRPr>
+          </a:p>
+        </p:txBody>
+      </p:sp>
+      <p:sp>
+        <p:nvSpPr>
+          <p:cNvPr id="46" name="텍스트 상자 79"/>
+          <p:cNvSpPr txBox="1">
+            <a:spLocks/>
+          </p:cNvSpPr>
+          <p:nvPr/>
+        </p:nvSpPr>
+        <p:spPr>
+          <a:xfrm rot="0">
+            <a:off x="1188720" y="2759075"/>
+            <a:ext cx="4190365" cy="3415665"/>
+          </a:xfrm>
+          <a:prstGeom prst="rect"/>
+          <a:noFill/>
+          <a:ln w="0">
+            <a:noFill/>
+            <a:prstDash/>
+          </a:ln>
+        </p:spPr>
+        <p:txBody>
+          <a:bodyPr wrap="square" lIns="89535" tIns="46355" rIns="89535" bIns="46355" vert="horz" anchor="t">
+            <a:spAutoFit/>
+          </a:bodyPr>
+          <a:lstStyle/>
+          <a:p>
+            <a:pPr marL="0" indent="0" rtl="0" algn="l" defTabSz="914400" eaLnBrk="1" latinLnBrk="0" hangingPunct="1">
+              <a:buFontTx/>
+              <a:buNone/>
+            </a:pPr>
+            <a:r>
+              <a:rPr sz="1800">
+                <a:latin typeface="맑은 고딕" charset="0"/>
+                <a:ea typeface="맑은 고딕" charset="0"/>
+              </a:rPr>
+              <a:t>Input Source Type(Microphone)은 마이크가 연결되어 있다면 현재 연결된 마이크의 정보가 나타납니다. </a:t>
+            </a:r>
+            <a:endParaRPr lang="ko-KR" altLang="en-US" sz="1800">
+              <a:latin typeface="맑은 고딕" charset="0"/>
+              <a:ea typeface="맑은 고딕" charset="0"/>
+            </a:endParaRPr>
+          </a:p>
+          <a:p>
+            <a:pPr marL="0" indent="0" rtl="0" algn="l" defTabSz="914400" eaLnBrk="1" latinLnBrk="0" hangingPunct="1">
+              <a:buFontTx/>
+              <a:buNone/>
+            </a:pPr>
+            <a:endParaRPr lang="ko-KR" altLang="en-US" sz="1800">
+              <a:latin typeface="맑은 고딕" charset="0"/>
+              <a:ea typeface="맑은 고딕" charset="0"/>
+            </a:endParaRPr>
+          </a:p>
+          <a:p>
+            <a:pPr marL="0" indent="0" rtl="0" algn="l" defTabSz="914400" eaLnBrk="1" latinLnBrk="0" hangingPunct="1">
+              <a:buFontTx/>
+              <a:buNone/>
+            </a:pPr>
+            <a:r>
+              <a:rPr sz="1800">
+                <a:latin typeface="맑은 고딕" charset="0"/>
+                <a:ea typeface="맑은 고딕" charset="0"/>
+              </a:rPr>
+              <a:t>만약, 연결되지 않았다면 오류 목록이 나타납니다.</a:t>
+            </a:r>
+            <a:endParaRPr lang="ko-KR" altLang="en-US" sz="1800">
+              <a:latin typeface="맑은 고딕" charset="0"/>
+              <a:ea typeface="맑은 고딕" charset="0"/>
+            </a:endParaRPr>
+          </a:p>
+          <a:p>
+            <a:pPr marL="0" indent="0" rtl="0" algn="l" defTabSz="914400" eaLnBrk="1" latinLnBrk="0" hangingPunct="1">
+              <a:buFontTx/>
+              <a:buNone/>
+            </a:pPr>
+            <a:endParaRPr lang="ko-KR" altLang="en-US" sz="1800">
+              <a:latin typeface="맑은 고딕" charset="0"/>
+              <a:ea typeface="맑은 고딕" charset="0"/>
+            </a:endParaRPr>
+          </a:p>
+          <a:p>
+            <a:pPr marL="0" indent="0" rtl="0" algn="l" defTabSz="914400" eaLnBrk="1" latinLnBrk="0" hangingPunct="1">
+              <a:buFontTx/>
+              <a:buNone/>
+            </a:pPr>
+            <a:r>
+              <a:rPr sz="1800">
+                <a:latin typeface="맑은 고딕" charset="0"/>
+                <a:ea typeface="맑은 고딕" charset="0"/>
+              </a:rPr>
+              <a:t>Microphone Device에서 원하는 음성 입력 장치를 선택할 수 있습니다.</a:t>
+            </a:r>
+            <a:endParaRPr lang="ko-KR" altLang="en-US" sz="1800">
+              <a:latin typeface="맑은 고딕" charset="0"/>
+              <a:ea typeface="맑은 고딕" charset="0"/>
+            </a:endParaRPr>
+          </a:p>
+          <a:p>
+            <a:pPr marL="0" indent="0" rtl="0" algn="l" defTabSz="914400" eaLnBrk="1" latinLnBrk="0" hangingPunct="1">
+              <a:buFontTx/>
+              <a:buNone/>
+            </a:pPr>
+            <a:endParaRPr lang="ko-KR" altLang="en-US" sz="1800">
+              <a:latin typeface="맑은 고딕" charset="0"/>
+              <a:ea typeface="맑은 고딕" charset="0"/>
+            </a:endParaRPr>
+          </a:p>
+          <a:p>
+            <a:pPr marL="0" indent="0" rtl="0" algn="l" defTabSz="914400" eaLnBrk="1" latinLnBrk="0" hangingPunct="1">
+              <a:buFontTx/>
+              <a:buNone/>
+            </a:pPr>
+            <a:r>
+              <a:rPr sz="1800">
+                <a:latin typeface="맑은 고딕" charset="0"/>
+                <a:ea typeface="맑은 고딕" charset="0"/>
+              </a:rPr>
+              <a:t>DebugEcho를 활성화하면 내 음성이 들리는지 확인할 수 있습니다.</a:t>
+            </a:r>
+            <a:endParaRPr lang="ko-KR" altLang="en-US" sz="1800">
+              <a:latin typeface="맑은 고딕" charset="0"/>
+              <a:ea typeface="맑은 고딕" charset="0"/>
+            </a:endParaRPr>
+          </a:p>
+        </p:txBody>
+      </p:sp>
       <p:pic>
         <p:nvPicPr>
-          <p:cNvPr id="50" name="그림 88"/>
+          <p:cNvPr id="47" name="그림 82"/>
           <p:cNvPicPr>
             <a:picLocks noChangeAspect="1"/>
           </p:cNvPicPr>
           <p:nvPr/>
         </p:nvPicPr>
         <p:blipFill rotWithShape="1">
-          <a:blip r:embed="rId2" cstate="hqprint">
+          <a:blip r:embed="rId2" cstate="print">
             <a:extLst>
               <a:ext uri="{28A0092B-C50C-407E-A947-70E740481C1C}">
-                <a14:useLocalDpi xmlns:a14="http://schemas.microsoft.com/office/drawing/2010/main"/>
+                <a14:useLocalDpi xmlns:a14="http://schemas.microsoft.com/office/drawing/2010/main" val="0"/>
               </a:ext>
             </a:extLst>
           </a:blip>
@@ -8667,217 +9150,16 @@
         </p:blipFill>
         <p:spPr>
           <a:xfrm rot="0">
-            <a:off x="1388110" y="1433830"/>
-            <a:ext cx="3990975" cy="1609090"/>
-          </a:xfrm>
-          <a:prstGeom prst="roundRect"/>
-          <a:solidFill>
-            <a:srgbClr val="EDEDED"/>
-          </a:solidFill>
-        </p:spPr>
-      </p:pic>
-      <p:sp>
-        <p:nvSpPr>
-          <p:cNvPr id="51" name="텍스트 상자 89"/>
-          <p:cNvSpPr txBox="1">
-            <a:spLocks/>
-          </p:cNvSpPr>
-          <p:nvPr/>
-        </p:nvSpPr>
-        <p:spPr>
-          <a:xfrm rot="0">
-            <a:off x="1372235" y="4144645"/>
-            <a:ext cx="3997960" cy="2031365"/>
+            <a:off x="1180465" y="1421765"/>
+            <a:ext cx="4198620" cy="1272540"/>
           </a:xfrm>
           <a:prstGeom prst="rect"/>
           <a:noFill/>
-          <a:ln w="0">
-            <a:noFill/>
-            <a:prstDash/>
-          </a:ln>
-        </p:spPr>
-        <p:txBody>
-          <a:bodyPr wrap="square" lIns="89535" tIns="46355" rIns="89535" bIns="46355" vert="horz" anchor="t">
-            <a:spAutoFit/>
-          </a:bodyPr>
-          <a:lstStyle/>
-          <a:p>
-            <a:pPr marL="0" indent="0" rtl="0" algn="l" defTabSz="914400" eaLnBrk="1" latinLnBrk="0" hangingPunct="1">
-              <a:buFontTx/>
-              <a:buNone/>
-            </a:pPr>
-            <a:r>
-              <a:rPr sz="1800" b="1">
-                <a:solidFill>
-                  <a:srgbClr val="0611F2"/>
-                </a:solidFill>
-                <a:latin typeface="맑은 고딕" charset="0"/>
-                <a:ea typeface="맑은 고딕" charset="0"/>
-              </a:rPr>
-              <a:t>24</a:t>
-            </a:r>
-            <a:r>
-              <a:rPr sz="1800" b="1">
-                <a:solidFill>
-                  <a:srgbClr val="0611F2"/>
-                </a:solidFill>
-                <a:latin typeface="맑은 고딕" charset="0"/>
-                <a:ea typeface="맑은 고딕" charset="0"/>
-              </a:rPr>
-              <a:t>.</a:t>
-            </a:r>
-            <a:r>
-              <a:rPr sz="1800">
-                <a:latin typeface="맑은 고딕" charset="0"/>
-                <a:ea typeface="맑은 고딕" charset="0"/>
-              </a:rPr>
-              <a:t> </a:t>
-            </a:r>
-            <a:r>
-              <a:rPr sz="1800">
-                <a:latin typeface="맑은 고딕" charset="0"/>
-                <a:ea typeface="맑은 고딕" charset="0"/>
-              </a:rPr>
-              <a:t>그</a:t>
-            </a:r>
-            <a:r>
-              <a:rPr lang="ko-KR" sz="1800">
-                <a:latin typeface="맑은 고딕" charset="0"/>
-                <a:ea typeface="맑은 고딕" charset="0"/>
-              </a:rPr>
-              <a:t>런 다음</a:t>
-            </a:r>
-            <a:r>
-              <a:rPr sz="1800">
-                <a:latin typeface="맑은 고딕" charset="0"/>
-                <a:ea typeface="맑은 고딕" charset="0"/>
-              </a:rPr>
-              <a:t> </a:t>
-            </a:r>
-            <a:r>
-              <a:rPr sz="1800">
-                <a:latin typeface="맑은 고딕" charset="0"/>
-                <a:ea typeface="맑은 고딕" charset="0"/>
-              </a:rPr>
-              <a:t>Photon Voice View 컴포넌트</a:t>
-            </a:r>
-            <a:r>
-              <a:rPr lang="ko-KR" sz="1800">
-                <a:latin typeface="맑은 고딕" charset="0"/>
-                <a:ea typeface="맑은 고딕" charset="0"/>
-              </a:rPr>
-              <a:t>에 </a:t>
-            </a:r>
-            <a:r>
-              <a:rPr sz="1800">
-                <a:latin typeface="맑은 고딕" charset="0"/>
-                <a:ea typeface="맑은 고딕" charset="0"/>
-              </a:rPr>
-              <a:t>Use Primary Recorder와 Setup Debug Speaker를 활성화</a:t>
-            </a:r>
-            <a:r>
-              <a:rPr sz="1800">
-                <a:latin typeface="맑은 고딕" charset="0"/>
-                <a:ea typeface="맑은 고딕" charset="0"/>
-              </a:rPr>
-              <a:t>합니</a:t>
-            </a:r>
-            <a:r>
-              <a:rPr lang="ko-KR" sz="1800">
-                <a:latin typeface="맑은 고딕" charset="0"/>
-                <a:ea typeface="맑은 고딕" charset="0"/>
-              </a:rPr>
-              <a:t>다.</a:t>
-            </a:r>
-            <a:endParaRPr lang="ko-KR" altLang="en-US" sz="1800">
-              <a:latin typeface="맑은 고딕" charset="0"/>
-              <a:ea typeface="맑은 고딕" charset="0"/>
-            </a:endParaRPr>
-          </a:p>
-          <a:p>
-            <a:pPr marL="0" indent="0" rtl="0" algn="l" defTabSz="914400" eaLnBrk="1" latinLnBrk="0" hangingPunct="1">
-              <a:buFontTx/>
-              <a:buNone/>
-            </a:pPr>
-            <a:endParaRPr lang="ko-KR" altLang="en-US" sz="1800">
-              <a:latin typeface="맑은 고딕" charset="0"/>
-              <a:ea typeface="맑은 고딕" charset="0"/>
-            </a:endParaRPr>
-          </a:p>
-          <a:p>
-            <a:pPr marL="0" indent="0" rtl="0" algn="l" defTabSz="914400" eaLnBrk="1" latinLnBrk="0" hangingPunct="1">
-              <a:buFontTx/>
-              <a:buNone/>
-            </a:pPr>
-            <a:r>
-              <a:rPr lang="ko-KR" sz="1800">
-                <a:latin typeface="맑은 고딕" charset="0"/>
-                <a:ea typeface="맑은 고딕" charset="0"/>
-              </a:rPr>
-              <a:t>그러면</a:t>
-            </a:r>
-            <a:r>
-              <a:rPr sz="1800">
-                <a:latin typeface="맑은 고딕" charset="0"/>
-                <a:ea typeface="맑은 고딕" charset="0"/>
-              </a:rPr>
-              <a:t> 음성 채팅</a:t>
-            </a:r>
-            <a:r>
-              <a:rPr lang="ko-KR" sz="1800">
-                <a:latin typeface="맑은 고딕" charset="0"/>
-                <a:ea typeface="맑은 고딕" charset="0"/>
-              </a:rPr>
-              <a:t>을 </a:t>
-            </a:r>
-            <a:r>
-              <a:rPr sz="1800">
-                <a:latin typeface="맑은 고딕" charset="0"/>
-                <a:ea typeface="맑은 고딕" charset="0"/>
-              </a:rPr>
-              <a:t>할 때 Speaker에 주파수가 나타나게 됩니다.</a:t>
-            </a:r>
-            <a:endParaRPr lang="ko-KR" altLang="en-US" sz="1800">
-              <a:latin typeface="맑은 고딕" charset="0"/>
-              <a:ea typeface="맑은 고딕" charset="0"/>
-            </a:endParaRPr>
-          </a:p>
-        </p:txBody>
-      </p:sp>
-      <p:pic>
-        <p:nvPicPr>
-          <p:cNvPr id="52" name="그림 90"/>
-          <p:cNvPicPr>
-            <a:picLocks noChangeAspect="1"/>
-          </p:cNvPicPr>
-          <p:nvPr/>
-        </p:nvPicPr>
-        <p:blipFill rotWithShape="1">
-          <a:blip r:embed="rId3" cstate="hqprint">
-            <a:extLst>
-              <a:ext uri="{28A0092B-C50C-407E-A947-70E740481C1C}">
-                <a14:useLocalDpi xmlns:a14="http://schemas.microsoft.com/office/drawing/2010/main"/>
-              </a:ext>
-            </a:extLst>
-          </a:blip>
-          <a:stretch>
-            <a:fillRect/>
-          </a:stretch>
-        </p:blipFill>
-        <p:spPr>
-          <a:xfrm rot="0">
-            <a:off x="1389380" y="3225165"/>
-            <a:ext cx="3989705" cy="883920"/>
-          </a:xfrm>
-          <a:prstGeom prst="roundRect"/>
-          <a:solidFill>
-            <a:srgbClr val="EDEDED"/>
-          </a:solidFill>
         </p:spPr>
       </p:pic>
       <p:pic>
         <p:nvPicPr>
-          <p:cNvPr id="53" name="그림 91"/>
+          <p:cNvPr id="49" name="그림 84" descr="C:/Users/Admin1/AppData/Roaming/PolarisOffice/ETemp/7276_13419048/fImage52992859961.png"/>
           <p:cNvPicPr>
             <a:picLocks noChangeAspect="1"/>
           </p:cNvPicPr>
@@ -8897,8 +9179,8 @@
         </p:blipFill>
         <p:spPr>
           <a:xfrm rot="0">
-            <a:off x="6816725" y="1438275"/>
-            <a:ext cx="4248785" cy="1222375"/>
+            <a:off x="6831965" y="2571750"/>
+            <a:ext cx="4243705" cy="932180"/>
           </a:xfrm>
           <a:prstGeom prst="roundRect"/>
           <a:solidFill>
@@ -8908,14 +9190,14 @@
       </p:pic>
       <p:pic>
         <p:nvPicPr>
-          <p:cNvPr id="54" name="그림 93"/>
+          <p:cNvPr id="50" name="그림 38" descr="C:/Users/Admin1/AppData/Roaming/PolarisOffice/ETemp/7276_13419048/fImage68982326962.png"/>
           <p:cNvPicPr>
             <a:picLocks noChangeAspect="1"/>
           </p:cNvPicPr>
           <p:nvPr/>
         </p:nvPicPr>
         <p:blipFill rotWithShape="1">
-          <a:blip r:embed="rId5" cstate="hqprint">
+          <a:blip r:embed="rId6" cstate="hqprint">
             <a:extLst>
               <a:ext uri="{28A0092B-C50C-407E-A947-70E740481C1C}">
                 <a14:useLocalDpi xmlns:a14="http://schemas.microsoft.com/office/drawing/2010/main"/>
@@ -8928,8 +9210,8 @@
         </p:blipFill>
         <p:spPr>
           <a:xfrm rot="0">
-            <a:off x="6816725" y="2842895"/>
-            <a:ext cx="4248785" cy="1198245"/>
+            <a:off x="6830695" y="1416685"/>
+            <a:ext cx="4247515" cy="1031875"/>
           </a:xfrm>
           <a:prstGeom prst="roundRect"/>
           <a:solidFill>
@@ -8937,132 +9219,6 @@
           </a:solidFill>
         </p:spPr>
       </p:pic>
-      <p:sp>
-        <p:nvSpPr>
-          <p:cNvPr id="55" name="텍스트 상자 94"/>
-          <p:cNvSpPr txBox="1">
-            <a:spLocks/>
-          </p:cNvSpPr>
-          <p:nvPr/>
-        </p:nvSpPr>
-        <p:spPr>
-          <a:xfrm rot="0">
-            <a:off x="6824980" y="4148455"/>
-            <a:ext cx="4240530" cy="2031365"/>
-          </a:xfrm>
-          <a:prstGeom prst="rect"/>
-          <a:noFill/>
-          <a:ln w="0">
-            <a:noFill/>
-            <a:prstDash/>
-          </a:ln>
-        </p:spPr>
-        <p:txBody>
-          <a:bodyPr wrap="square" lIns="89535" tIns="46355" rIns="89535" bIns="46355" vert="horz" anchor="t">
-            <a:spAutoFit/>
-          </a:bodyPr>
-          <a:lstStyle/>
-          <a:p>
-            <a:pPr marL="0" indent="0" rtl="0" algn="l" defTabSz="914400" eaLnBrk="1" latinLnBrk="0" hangingPunct="1">
-              <a:buFontTx/>
-              <a:buNone/>
-            </a:pPr>
-            <a:r>
-              <a:rPr sz="1800" b="1">
-                <a:solidFill>
-                  <a:srgbClr val="0611F2"/>
-                </a:solidFill>
-                <a:latin typeface="맑은 고딕" charset="0"/>
-                <a:ea typeface="맑은 고딕" charset="0"/>
-              </a:rPr>
-              <a:t>25</a:t>
-            </a:r>
-            <a:r>
-              <a:rPr sz="1800" b="1">
-                <a:solidFill>
-                  <a:srgbClr val="0611F2"/>
-                </a:solidFill>
-                <a:latin typeface="맑은 고딕" charset="0"/>
-                <a:ea typeface="맑은 고딕" charset="0"/>
-              </a:rPr>
-              <a:t>.</a:t>
-            </a:r>
-            <a:r>
-              <a:rPr sz="1800">
-                <a:latin typeface="맑은 고딕" charset="0"/>
-                <a:ea typeface="맑은 고딕" charset="0"/>
-              </a:rPr>
-              <a:t> </a:t>
-            </a:r>
-            <a:r>
-              <a:rPr lang="ko-KR" sz="1800">
-                <a:latin typeface="맑은 고딕" charset="0"/>
-                <a:ea typeface="맑은 고딕" charset="0"/>
-              </a:rPr>
-              <a:t>그다음 Project 폴더에 있는 Resources 폴더에 Character 오브젝트를 선택한 다음</a:t>
-            </a:r>
-            <a:r>
-              <a:rPr sz="1800">
-                <a:latin typeface="맑은 고딕" charset="0"/>
-                <a:ea typeface="맑은 고딕" charset="0"/>
-              </a:rPr>
-              <a:t> </a:t>
-            </a:r>
-            <a:r>
-              <a:rPr lang="ko-KR" sz="1800">
-                <a:latin typeface="맑은 고딕" charset="0"/>
-                <a:ea typeface="맑은 고딕" charset="0"/>
-              </a:rPr>
-              <a:t>Speaker</a:t>
-            </a:r>
-            <a:r>
-              <a:rPr sz="1800">
-                <a:latin typeface="맑은 고딕" charset="0"/>
-                <a:ea typeface="맑은 고딕" charset="0"/>
-              </a:rPr>
-              <a:t> 컴포넌트를 </a:t>
-            </a:r>
-            <a:r>
-              <a:rPr lang="ko-KR" sz="1800">
-                <a:latin typeface="맑은 고딕" charset="0"/>
-                <a:ea typeface="맑은 고딕" charset="0"/>
-              </a:rPr>
-              <a:t>추가합니다.</a:t>
-            </a:r>
-            <a:endParaRPr lang="ko-KR" altLang="en-US" sz="1800">
-              <a:latin typeface="맑은 고딕" charset="0"/>
-              <a:ea typeface="맑은 고딕" charset="0"/>
-            </a:endParaRPr>
-          </a:p>
-          <a:p>
-            <a:pPr marL="0" indent="0" rtl="0" algn="l" defTabSz="914400" eaLnBrk="1" latinLnBrk="0" hangingPunct="1">
-              <a:buFontTx/>
-              <a:buNone/>
-            </a:pPr>
-            <a:endParaRPr lang="ko-KR" altLang="en-US" sz="1800">
-              <a:latin typeface="맑은 고딕" charset="0"/>
-              <a:ea typeface="맑은 고딕" charset="0"/>
-            </a:endParaRPr>
-          </a:p>
-          <a:p>
-            <a:pPr marL="0" indent="0" rtl="0" algn="l" defTabSz="914400" eaLnBrk="1" latinLnBrk="0" hangingPunct="1">
-              <a:buFontTx/>
-              <a:buNone/>
-            </a:pPr>
-            <a:r>
-              <a:rPr sz="1800">
-                <a:latin typeface="맑은 고딕" charset="0"/>
-                <a:ea typeface="맑은 고딕" charset="0"/>
-              </a:rPr>
-              <a:t>Speaker는 수신되는 오디오 스트림을 출력하는 컴포넌트입니다.</a:t>
-            </a:r>
-            <a:endParaRPr lang="ko-KR" altLang="en-US" sz="1800">
-              <a:latin typeface="맑은 고딕" charset="0"/>
-              <a:ea typeface="맑은 고딕" charset="0"/>
-            </a:endParaRPr>
-          </a:p>
-        </p:txBody>
-      </p:sp>
     </p:spTree>
   </p:cSld>
   <p:clrMapOvr>
@@ -9112,9 +9268,9 @@
           <p:nvPr/>
         </p:nvSpPr>
         <p:spPr>
-          <a:xfrm rot="0">
+          <a:xfrm>
             <a:off x="4339590" y="407035"/>
-            <a:ext cx="3508375" cy="554990"/>
+            <a:ext cx="3509010" cy="554990"/>
           </a:xfrm>
           <a:prstGeom prst="rect"/>
           <a:noFill/>
@@ -9138,7 +9294,14 @@
                 <a:latin typeface="맑은 고딕" charset="0"/>
                 <a:ea typeface="맑은 고딕" charset="0"/>
               </a:rPr>
-              <a:t>열두</a:t>
+              <a:t>열</a:t>
+            </a:r>
+            <a:r>
+              <a:rPr lang="ko-KR" sz="3000" b="1">
+                <a:latin typeface="맑은 고딕" charset="0"/>
+                <a:ea typeface="맑은 고딕" charset="0"/>
+              </a:rPr>
+              <a:t>두</a:t>
             </a:r>
             <a:r>
               <a:rPr lang="ko-KR" sz="3000" b="1">
@@ -9156,7 +9319,7 @@
       </p:sp>
       <p:pic>
         <p:nvPicPr>
-          <p:cNvPr id="57" name="그림 97"/>
+          <p:cNvPr id="50" name="그림 88"/>
           <p:cNvPicPr>
             <a:picLocks noChangeAspect="1"/>
           </p:cNvPicPr>
@@ -9176,8 +9339,8 @@
         </p:blipFill>
         <p:spPr>
           <a:xfrm rot="0">
-            <a:off x="1222375" y="3034030"/>
-            <a:ext cx="4224020" cy="1198880"/>
+            <a:off x="1388110" y="1433830"/>
+            <a:ext cx="3990975" cy="1609090"/>
           </a:xfrm>
           <a:prstGeom prst="roundRect"/>
           <a:solidFill>
@@ -9187,16 +9350,16 @@
       </p:pic>
       <p:sp>
         <p:nvSpPr>
-          <p:cNvPr id="59" name="텍스트 상자 99"/>
+          <p:cNvPr id="51" name="텍스트 상자 89"/>
           <p:cNvSpPr txBox="1">
             <a:spLocks/>
           </p:cNvSpPr>
           <p:nvPr/>
         </p:nvSpPr>
         <p:spPr>
-          <a:xfrm rot="0">
-            <a:off x="1210310" y="4444365"/>
-            <a:ext cx="4244340" cy="1754505"/>
+          <a:xfrm>
+            <a:off x="1372235" y="4144645"/>
+            <a:ext cx="3998595" cy="2031365"/>
           </a:xfrm>
           <a:prstGeom prst="rect"/>
           <a:noFill/>
@@ -9206,7 +9369,7 @@
           </a:ln>
         </p:spPr>
         <p:txBody>
-          <a:bodyPr wrap="square" lIns="89535" tIns="46355" rIns="89535" bIns="46355" vert="horz" anchor="t">
+          <a:bodyPr wrap="square" lIns="89535" tIns="46355" rIns="89535" bIns="46355" numCol="1" vert="horz" anchor="t">
             <a:spAutoFit/>
           </a:bodyPr>
           <a:lstStyle/>
@@ -9223,7 +9386,7 @@
                 <a:latin typeface="맑은 고딕" charset="0"/>
                 <a:ea typeface="맑은 고딕" charset="0"/>
               </a:rPr>
-              <a:t>26</a:t>
+              <a:t>2</a:t>
             </a:r>
             <a:r>
               <a:rPr sz="1800" b="1">
@@ -9233,6 +9396,16 @@
                 <a:latin typeface="맑은 고딕" charset="0"/>
                 <a:ea typeface="맑은 고딕" charset="0"/>
               </a:rPr>
+              <a:t>8</a:t>
+            </a:r>
+            <a:r>
+              <a:rPr sz="1800" b="1">
+                <a:solidFill>
+                  <a:srgbClr val="0611F2"/>
+                </a:solidFill>
+                <a:latin typeface="맑은 고딕" charset="0"/>
+                <a:ea typeface="맑은 고딕" charset="0"/>
+              </a:rPr>
               <a:t>.</a:t>
             </a:r>
             <a:r>
@@ -9240,14 +9413,42 @@
                 <a:latin typeface="맑은 고딕" charset="0"/>
                 <a:ea typeface="맑은 고딕" charset="0"/>
               </a:rPr>
-              <a:t> 마지막으로 Character 오브젝트</a:t>
+              <a:t> 그</a:t>
             </a:r>
             <a:r>
               <a:rPr lang="ko-KR" sz="1800">
                 <a:latin typeface="맑은 고딕" charset="0"/>
                 <a:ea typeface="맑은 고딕" charset="0"/>
               </a:rPr>
-              <a:t>를 선택합니다.</a:t>
+              <a:t>런 다음</a:t>
+            </a:r>
+            <a:r>
+              <a:rPr sz="1800">
+                <a:latin typeface="맑은 고딕" charset="0"/>
+                <a:ea typeface="맑은 고딕" charset="0"/>
+              </a:rPr>
+              <a:t> Photon Voice View 컴포넌트</a:t>
+            </a:r>
+            <a:r>
+              <a:rPr lang="ko-KR" sz="1800">
+                <a:latin typeface="맑은 고딕" charset="0"/>
+                <a:ea typeface="맑은 고딕" charset="0"/>
+              </a:rPr>
+              <a:t>에 </a:t>
+            </a:r>
+            <a:r>
+              <a:rPr sz="1800">
+                <a:latin typeface="맑은 고딕" charset="0"/>
+                <a:ea typeface="맑은 고딕" charset="0"/>
+              </a:rPr>
+              <a:t>Use Primary Recorder와 Setup Debug Speaker를 활성화합니</a:t>
+            </a:r>
+            <a:r>
+              <a:rPr lang="ko-KR" sz="1800">
+                <a:latin typeface="맑은 고딕" charset="0"/>
+                <a:ea typeface="맑은 고딕" charset="0"/>
+              </a:rPr>
+              <a:t>다.</a:t>
             </a:r>
             <a:endParaRPr lang="ko-KR" altLang="en-US" sz="1800">
               <a:latin typeface="맑은 고딕" charset="0"/>
@@ -9274,42 +9475,28 @@
                 <a:latin typeface="맑은 고딕" charset="0"/>
                 <a:ea typeface="맑은 고딕" charset="0"/>
               </a:rPr>
-              <a:t>그리고</a:t>
+              <a:t>그러면</a:t>
             </a:r>
             <a:r>
               <a:rPr sz="1800">
                 <a:latin typeface="맑은 고딕" charset="0"/>
                 <a:ea typeface="맑은 고딕" charset="0"/>
               </a:rPr>
-              <a:t> Photon Voice View</a:t>
+              <a:t> 음성 채팅</a:t>
+            </a:r>
+            <a:r>
+              <a:rPr lang="ko-KR" sz="1800">
+                <a:latin typeface="맑은 고딕" charset="0"/>
+                <a:ea typeface="맑은 고딕" charset="0"/>
+              </a:rPr>
+              <a:t>을 </a:t>
             </a:r>
             <a:r>
               <a:rPr sz="1800">
                 <a:latin typeface="맑은 고딕" charset="0"/>
                 <a:ea typeface="맑은 고딕" charset="0"/>
               </a:rPr>
-              <a:t> 컴포넌트</a:t>
-            </a:r>
-            <a:r>
-              <a:rPr lang="ko-KR" sz="1800">
-                <a:latin typeface="맑은 고딕" charset="0"/>
-                <a:ea typeface="맑은 고딕" charset="0"/>
-              </a:rPr>
-              <a:t>에 있는 </a:t>
-            </a:r>
-            <a:r>
-              <a:rPr sz="1800">
-                <a:latin typeface="맑은 고딕" charset="0"/>
-                <a:ea typeface="맑은 고딕" charset="0"/>
-              </a:rPr>
-              <a:t>Speaker In Use에 </a:t>
-            </a:r>
-            <a:r>
-              <a:rPr lang="ko-KR" sz="1800">
-                <a:latin typeface="맑은 고딕" charset="0"/>
-                <a:ea typeface="맑은 고딕" charset="0"/>
-              </a:rPr>
-              <a:t>Character 오브젝트를 넣어줍니다.</a:t>
+              <a:t>할 때 Speaker에 주파수가 나타나게 됩니다.</a:t>
             </a:r>
             <a:endParaRPr lang="ko-KR" altLang="en-US" sz="1800">
               <a:latin typeface="맑은 고딕" charset="0"/>
@@ -9320,7 +9507,7 @@
       </p:sp>
       <p:pic>
         <p:nvPicPr>
-          <p:cNvPr id="60" name="그림 104"/>
+          <p:cNvPr id="52" name="그림 90"/>
           <p:cNvPicPr>
             <a:picLocks noChangeAspect="1"/>
           </p:cNvPicPr>
@@ -9340,8 +9527,8 @@
         </p:blipFill>
         <p:spPr>
           <a:xfrm rot="0">
-            <a:off x="1219200" y="1396365"/>
-            <a:ext cx="4226560" cy="1386205"/>
+            <a:off x="1389380" y="3225165"/>
+            <a:ext cx="3989705" cy="883920"/>
           </a:xfrm>
           <a:prstGeom prst="roundRect"/>
           <a:solidFill>
@@ -9349,51 +9536,19 @@
           </a:solidFill>
         </p:spPr>
       </p:pic>
-      <p:cxnSp>
-        <p:nvCxnSpPr>
-          <p:cNvPr id="58" name="도형 98"/>
-          <p:cNvCxnSpPr/>
-          <p:nvPr/>
-        </p:nvCxnSpPr>
-        <p:spPr>
-          <a:xfrm rot="0">
-            <a:off x="2502535" y="2743200"/>
-            <a:ext cx="2801620" cy="948690"/>
-          </a:xfrm>
-          <a:prstGeom prst="straightConnector1"/>
-          <a:ln w="6350" cap="flat" cmpd="sng">
-            <a:prstDash/>
-            <a:tailEnd type="triangle" w="med" len="med"/>
-          </a:ln>
-        </p:spPr>
-        <p:style>
-          <a:lnRef idx="1">
-            <a:schemeClr val="accent1"/>
-          </a:lnRef>
-          <a:fillRef idx="0">
-            <a:schemeClr val="accent1"/>
-          </a:fillRef>
-          <a:effectRef idx="0">
-            <a:schemeClr val="accent1"/>
-          </a:effectRef>
-          <a:fontRef idx="minor">
-            <a:schemeClr val="tx1"/>
-          </a:fontRef>
-        </p:style>
-      </p:cxnSp>
       <p:pic>
         <p:nvPicPr>
-          <p:cNvPr id="61" name="그림 105"/>
+          <p:cNvPr id="54" name="그림 93" descr="C:/Users/Admin1/AppData/Roaming/PolarisOffice/ETemp/7276_13419048/fImage48473031942.png"/>
           <p:cNvPicPr>
             <a:picLocks noChangeAspect="1"/>
           </p:cNvPicPr>
           <p:nvPr/>
         </p:nvPicPr>
         <p:blipFill rotWithShape="1">
-          <a:blip r:embed="rId4" cstate="print">
+          <a:blip r:embed="rId5" cstate="hqprint">
             <a:extLst>
               <a:ext uri="{28A0092B-C50C-407E-A947-70E740481C1C}">
-                <a14:useLocalDpi xmlns:a14="http://schemas.microsoft.com/office/drawing/2010/main" val="0"/>
+                <a14:useLocalDpi xmlns:a14="http://schemas.microsoft.com/office/drawing/2010/main"/>
               </a:ext>
             </a:extLst>
           </a:blip>
@@ -9403,8 +9558,8 @@
         </p:blipFill>
         <p:spPr>
           <a:xfrm rot="0">
-            <a:off x="6808470" y="2464435"/>
-            <a:ext cx="4248785" cy="1515110"/>
+            <a:off x="6829425" y="2814320"/>
+            <a:ext cx="4246245" cy="1198880"/>
           </a:xfrm>
           <a:prstGeom prst="roundRect"/>
           <a:solidFill>
@@ -9412,19 +9567,162 @@
           </a:solidFill>
         </p:spPr>
       </p:pic>
+      <p:sp>
+        <p:nvSpPr>
+          <p:cNvPr id="55" name="텍스트 상자 94"/>
+          <p:cNvSpPr txBox="1">
+            <a:spLocks/>
+          </p:cNvSpPr>
+          <p:nvPr/>
+        </p:nvSpPr>
+        <p:spPr>
+          <a:xfrm rot="0">
+            <a:off x="6824980" y="4148455"/>
+            <a:ext cx="4253230" cy="2031365"/>
+          </a:xfrm>
+          <a:prstGeom prst="rect"/>
+          <a:noFill/>
+          <a:ln w="0">
+            <a:noFill/>
+            <a:prstDash/>
+          </a:ln>
+        </p:spPr>
+        <p:txBody>
+          <a:bodyPr wrap="square" lIns="89535" tIns="46355" rIns="89535" bIns="46355" numCol="1" vert="horz" anchor="t">
+            <a:spAutoFit/>
+          </a:bodyPr>
+          <a:lstStyle/>
+          <a:p>
+            <a:pPr marL="0" indent="0" rtl="0" algn="l" defTabSz="914400" eaLnBrk="1" latinLnBrk="0" hangingPunct="1">
+              <a:buFontTx/>
+              <a:buNone/>
+            </a:pPr>
+            <a:r>
+              <a:rPr sz="1800" b="1">
+                <a:solidFill>
+                  <a:srgbClr val="0611F2"/>
+                </a:solidFill>
+                <a:latin typeface="맑은 고딕" charset="0"/>
+                <a:ea typeface="맑은 고딕" charset="0"/>
+              </a:rPr>
+              <a:t>2</a:t>
+            </a:r>
+            <a:r>
+              <a:rPr sz="1800" b="1">
+                <a:solidFill>
+                  <a:srgbClr val="0611F2"/>
+                </a:solidFill>
+                <a:latin typeface="맑은 고딕" charset="0"/>
+                <a:ea typeface="맑은 고딕" charset="0"/>
+              </a:rPr>
+              <a:t>9</a:t>
+            </a:r>
+            <a:r>
+              <a:rPr sz="1800" b="1">
+                <a:solidFill>
+                  <a:srgbClr val="0611F2"/>
+                </a:solidFill>
+                <a:latin typeface="맑은 고딕" charset="0"/>
+                <a:ea typeface="맑은 고딕" charset="0"/>
+              </a:rPr>
+              <a:t>.</a:t>
+            </a:r>
+            <a:r>
+              <a:rPr sz="1800">
+                <a:latin typeface="맑은 고딕" charset="0"/>
+                <a:ea typeface="맑은 고딕" charset="0"/>
+              </a:rPr>
+              <a:t> </a:t>
+            </a:r>
+            <a:r>
+              <a:rPr lang="ko-KR" sz="1800">
+                <a:latin typeface="맑은 고딕" charset="0"/>
+                <a:ea typeface="맑은 고딕" charset="0"/>
+              </a:rPr>
+              <a:t>마지막으로</a:t>
+            </a:r>
+            <a:r>
+              <a:rPr lang="ko-KR" sz="1800">
+                <a:latin typeface="맑은 고딕" charset="0"/>
+                <a:ea typeface="맑은 고딕" charset="0"/>
+              </a:rPr>
+              <a:t> Project 폴더에 있는 Resources 폴더에 Character 오브젝트를 선택한 다음</a:t>
+            </a:r>
+            <a:r>
+              <a:rPr sz="1800">
+                <a:latin typeface="맑은 고딕" charset="0"/>
+                <a:ea typeface="맑은 고딕" charset="0"/>
+              </a:rPr>
+              <a:t> </a:t>
+            </a:r>
+            <a:r>
+              <a:rPr lang="ko-KR" sz="1800">
+                <a:latin typeface="맑은 고딕" charset="0"/>
+                <a:ea typeface="맑은 고딕" charset="0"/>
+              </a:rPr>
+              <a:t>Speaker</a:t>
+            </a:r>
+            <a:r>
+              <a:rPr sz="1800">
+                <a:latin typeface="맑은 고딕" charset="0"/>
+                <a:ea typeface="맑은 고딕" charset="0"/>
+              </a:rPr>
+              <a:t> 컴포넌트를 </a:t>
+            </a:r>
+            <a:r>
+              <a:rPr lang="ko-KR" sz="1800">
+                <a:latin typeface="맑은 고딕" charset="0"/>
+                <a:ea typeface="맑은 고딕" charset="0"/>
+              </a:rPr>
+              <a:t>추가합니다.</a:t>
+            </a:r>
+            <a:endParaRPr lang="ko-KR" altLang="en-US" sz="1800">
+              <a:latin typeface="맑은 고딕" charset="0"/>
+              <a:ea typeface="맑은 고딕" charset="0"/>
+            </a:endParaRPr>
+          </a:p>
+          <a:p>
+            <a:pPr marL="0" indent="0" rtl="0" algn="l" defTabSz="914400" eaLnBrk="1" latinLnBrk="0" hangingPunct="1">
+              <a:buFontTx/>
+              <a:buNone/>
+            </a:pPr>
+            <a:endParaRPr lang="ko-KR" altLang="en-US" sz="1800">
+              <a:latin typeface="맑은 고딕" charset="0"/>
+              <a:ea typeface="맑은 고딕" charset="0"/>
+            </a:endParaRPr>
+          </a:p>
+          <a:p>
+            <a:pPr marL="0" indent="0" rtl="0" algn="l" defTabSz="914400" eaLnBrk="1" latinLnBrk="0" hangingPunct="1">
+              <a:buFontTx/>
+              <a:buNone/>
+            </a:pPr>
+            <a:r>
+              <a:rPr sz="1800">
+                <a:latin typeface="맑은 고딕" charset="0"/>
+                <a:ea typeface="맑은 고딕" charset="0"/>
+              </a:rPr>
+              <a:t>Speaker는 수신되는 오디오 스트림을 출력하는 컴포넌트입니다.</a:t>
+            </a:r>
+            <a:endParaRPr lang="ko-KR" altLang="en-US" sz="1800">
+              <a:latin typeface="맑은 고딕" charset="0"/>
+              <a:ea typeface="맑은 고딕" charset="0"/>
+            </a:endParaRPr>
+          </a:p>
+        </p:txBody>
+      </p:sp>
       <p:pic>
         <p:nvPicPr>
-          <p:cNvPr id="62" name="그림 108"/>
+          <p:cNvPr id="56" name="그림 39" descr="C:/Users/Admin1/AppData/Roaming/PolarisOffice/ETemp/7276_13419048/fImage68982326962.png"/>
           <p:cNvPicPr>
             <a:picLocks noChangeAspect="1"/>
           </p:cNvPicPr>
           <p:nvPr/>
         </p:nvPicPr>
         <p:blipFill rotWithShape="1">
-          <a:blip r:embed="rId5" cstate="print">
+          <a:blip r:embed="rId7" cstate="hqprint">
             <a:extLst>
               <a:ext uri="{28A0092B-C50C-407E-A947-70E740481C1C}">
-                <a14:useLocalDpi xmlns:a14="http://schemas.microsoft.com/office/drawing/2010/main" val="0"/>
+                <a14:useLocalDpi xmlns:a14="http://schemas.microsoft.com/office/drawing/2010/main"/>
               </a:ext>
             </a:extLst>
           </a:blip>
@@ -9434,8 +9732,8 @@
         </p:blipFill>
         <p:spPr>
           <a:xfrm rot="0">
-            <a:off x="6800215" y="1396365"/>
-            <a:ext cx="4257040" cy="873760"/>
+            <a:off x="6829425" y="1435735"/>
+            <a:ext cx="4248785" cy="1212850"/>
           </a:xfrm>
           <a:prstGeom prst="roundRect"/>
           <a:solidFill>
@@ -9443,154 +9741,6 @@
           </a:solidFill>
         </p:spPr>
       </p:pic>
-      <p:sp>
-        <p:nvSpPr>
-          <p:cNvPr id="63" name="텍스트 상자 111"/>
-          <p:cNvSpPr txBox="1">
-            <a:spLocks/>
-          </p:cNvSpPr>
-          <p:nvPr/>
-        </p:nvSpPr>
-        <p:spPr>
-          <a:xfrm rot="0">
-            <a:off x="6818630" y="4166870"/>
-            <a:ext cx="4244340" cy="2031365"/>
-          </a:xfrm>
-          <a:prstGeom prst="rect"/>
-          <a:noFill/>
-          <a:ln w="0">
-            <a:noFill/>
-            <a:prstDash/>
-          </a:ln>
-        </p:spPr>
-        <p:txBody>
-          <a:bodyPr wrap="square" lIns="89535" tIns="46355" rIns="89535" bIns="46355" vert="horz" anchor="t">
-            <a:spAutoFit/>
-          </a:bodyPr>
-          <a:lstStyle/>
-          <a:p>
-            <a:pPr marL="0" indent="0" rtl="0" algn="l" defTabSz="914400" eaLnBrk="1" latinLnBrk="0" hangingPunct="1">
-              <a:buFontTx/>
-              <a:buNone/>
-            </a:pPr>
-            <a:r>
-              <a:rPr sz="1800" b="1">
-                <a:solidFill>
-                  <a:srgbClr val="0611F2"/>
-                </a:solidFill>
-                <a:latin typeface="맑은 고딕" charset="0"/>
-                <a:ea typeface="맑은 고딕" charset="0"/>
-              </a:rPr>
-              <a:t>2</a:t>
-            </a:r>
-            <a:r>
-              <a:rPr lang="ko-KR" sz="1800" b="1">
-                <a:solidFill>
-                  <a:srgbClr val="0611F2"/>
-                </a:solidFill>
-                <a:latin typeface="맑은 고딕" charset="0"/>
-                <a:ea typeface="맑은 고딕" charset="0"/>
-              </a:rPr>
-              <a:t>7</a:t>
-            </a:r>
-            <a:r>
-              <a:rPr sz="1800" b="1">
-                <a:solidFill>
-                  <a:srgbClr val="0611F2"/>
-                </a:solidFill>
-                <a:latin typeface="맑은 고딕" charset="0"/>
-                <a:ea typeface="맑은 고딕" charset="0"/>
-              </a:rPr>
-              <a:t>.</a:t>
-            </a:r>
-            <a:r>
-              <a:rPr sz="1800">
-                <a:latin typeface="맑은 고딕" charset="0"/>
-                <a:ea typeface="맑은 고딕" charset="0"/>
-              </a:rPr>
-              <a:t> </a:t>
-            </a:r>
-            <a:r>
-              <a:rPr sz="1800">
-                <a:latin typeface="맑은 고딕" charset="0"/>
-                <a:ea typeface="맑은 고딕" charset="0"/>
-              </a:rPr>
-              <a:t>그</a:t>
-            </a:r>
-            <a:r>
-              <a:rPr lang="ko-KR" sz="1800">
-                <a:latin typeface="맑은 고딕" charset="0"/>
-                <a:ea typeface="맑은 고딕" charset="0"/>
-              </a:rPr>
-              <a:t>런 다음 Character를 선택하고 Prefab 씬에서 PhotonControl 스크립트에 있는 Speed와 Angle Speed를 넣어줍니다. </a:t>
-            </a:r>
-            <a:endParaRPr lang="ko-KR" altLang="en-US" sz="1800">
-              <a:latin typeface="맑은 고딕" charset="0"/>
-              <a:ea typeface="맑은 고딕" charset="0"/>
-            </a:endParaRPr>
-          </a:p>
-          <a:p>
-            <a:pPr marL="0" indent="0" rtl="0" algn="l" defTabSz="914400" eaLnBrk="1" latinLnBrk="0" hangingPunct="1">
-              <a:buFontTx/>
-              <a:buNone/>
-            </a:pPr>
-            <a:endParaRPr lang="ko-KR" altLang="en-US" sz="1800">
-              <a:latin typeface="맑은 고딕" charset="0"/>
-              <a:ea typeface="맑은 고딕" charset="0"/>
-            </a:endParaRPr>
-          </a:p>
-          <a:p>
-            <a:pPr marL="0" indent="0" rtl="0" algn="l" defTabSz="914400" eaLnBrk="1" latinLnBrk="0" hangingPunct="1">
-              <a:buFontTx/>
-              <a:buNone/>
-            </a:pPr>
-            <a:r>
-              <a:rPr lang="ko-KR" sz="1800">
-                <a:latin typeface="맑은 고딕" charset="0"/>
-                <a:ea typeface="맑은 고딕" charset="0"/>
-              </a:rPr>
-              <a:t>그다음 Character 오브젝트 하위에 있는 Camera 오브젝트를 넣어줍니다.</a:t>
-            </a:r>
-            <a:endParaRPr lang="ko-KR" altLang="en-US" sz="1800">
-              <a:latin typeface="맑은 고딕" charset="0"/>
-              <a:ea typeface="맑은 고딕" charset="0"/>
-            </a:endParaRPr>
-          </a:p>
-        </p:txBody>
-      </p:sp>
-      <p:cxnSp>
-        <p:nvCxnSpPr>
-          <p:cNvPr id="64" name="도형 112"/>
-          <p:cNvCxnSpPr/>
-          <p:nvPr/>
-        </p:nvCxnSpPr>
-        <p:spPr>
-          <a:xfrm rot="0">
-            <a:off x="7948930" y="2243455"/>
-            <a:ext cx="2941955" cy="1513840"/>
-          </a:xfrm>
-          <a:prstGeom prst="straightConnector1"/>
-          <a:ln w="6350" cap="flat" cmpd="sng">
-            <a:prstDash/>
-            <a:headEnd type="none" w="med" len="med"/>
-            <a:tailEnd type="triangle" w="med" len="med"/>
-          </a:ln>
-        </p:spPr>
-        <p:style>
-          <a:lnRef idx="1">
-            <a:schemeClr val="accent1"/>
-          </a:lnRef>
-          <a:fillRef idx="0">
-            <a:schemeClr val="accent1"/>
-          </a:fillRef>
-          <a:effectRef idx="0">
-            <a:schemeClr val="accent1"/>
-          </a:effectRef>
-          <a:fontRef idx="minor">
-            <a:schemeClr val="tx1"/>
-          </a:fontRef>
-        </p:style>
-      </p:cxnSp>
     </p:spTree>
   </p:cSld>
   <p:clrMapOvr>
@@ -9615,7 +9765,7 @@
 </file>
 
 <file path=ppt/slides/slide13.xml><?xml version="1.0" encoding="utf-8"?>
-<p:sld xmlns:a="http://schemas.openxmlformats.org/drawingml/2006/main" xmlns:r="http://schemas.openxmlformats.org/officeDocument/2006/relationships" xmlns:p="http://schemas.openxmlformats.org/presentationml/2006/main">
+<p:sld xmlns:a="http://schemas.openxmlformats.org/drawingml/2006/main" xmlns:r="http://schemas.openxmlformats.org/officeDocument/2006/relationships" xmlns:p="http://schemas.openxmlformats.org/presentationml/2006/main" xmlns:p14="http://schemas.microsoft.com/office/powerpoint/2010/main">
   <p:cSld>
     <p:spTree>
       <p:nvGrpSpPr>
@@ -9640,7 +9790,7 @@
           <p:nvPr/>
         </p:nvSpPr>
         <p:spPr>
-          <a:xfrm rot="0">
+          <a:xfrm>
             <a:off x="4339590" y="407035"/>
             <a:ext cx="3509010" cy="554990"/>
           </a:xfrm>
@@ -9689,215 +9839,19 @@
           </a:p>
         </p:txBody>
       </p:sp>
-      <p:sp>
-        <p:nvSpPr>
-          <p:cNvPr id="59" name="Rect 0"/>
-          <p:cNvSpPr txBox="1">
-            <a:spLocks/>
-          </p:cNvSpPr>
-          <p:nvPr/>
-        </p:nvSpPr>
-        <p:spPr>
-          <a:xfrm rot="0">
-            <a:off x="1366520" y="4557395"/>
-            <a:ext cx="4013835" cy="1477645"/>
-          </a:xfrm>
-          <a:prstGeom prst="rect"/>
-          <a:noFill/>
-          <a:ln w="0">
-            <a:noFill/>
-            <a:prstDash/>
-          </a:ln>
-        </p:spPr>
-        <p:txBody>
-          <a:bodyPr wrap="square" lIns="89535" tIns="46355" rIns="89535" bIns="46355" numCol="1" vert="horz" anchor="t">
-            <a:spAutoFit/>
-          </a:bodyPr>
-          <a:lstStyle/>
-          <a:p>
-            <a:pPr marL="0" indent="0" rtl="0" algn="l" defTabSz="914400" eaLnBrk="1" latinLnBrk="0" hangingPunct="1">
-              <a:buFontTx/>
-              <a:buNone/>
-            </a:pPr>
-            <a:r>
-              <a:rPr sz="1800" b="1">
-                <a:solidFill>
-                  <a:srgbClr val="0611F2"/>
-                </a:solidFill>
-                <a:latin typeface="맑은 고딕" charset="0"/>
-                <a:ea typeface="맑은 고딕" charset="0"/>
-              </a:rPr>
-              <a:t>2</a:t>
-            </a:r>
-            <a:r>
-              <a:rPr sz="1800" b="1">
-                <a:solidFill>
-                  <a:srgbClr val="0611F2"/>
-                </a:solidFill>
-                <a:latin typeface="맑은 고딕" charset="0"/>
-                <a:ea typeface="맑은 고딕" charset="0"/>
-              </a:rPr>
-              <a:t>8</a:t>
-            </a:r>
-            <a:r>
-              <a:rPr sz="1800" b="1">
-                <a:solidFill>
-                  <a:srgbClr val="0611F2"/>
-                </a:solidFill>
-                <a:latin typeface="맑은 고딕" charset="0"/>
-                <a:ea typeface="맑은 고딕" charset="0"/>
-              </a:rPr>
-              <a:t>.</a:t>
-            </a:r>
-            <a:r>
-              <a:rPr sz="1800">
-                <a:latin typeface="맑은 고딕" charset="0"/>
-                <a:ea typeface="맑은 고딕" charset="0"/>
-              </a:rPr>
-              <a:t> </a:t>
-            </a:r>
-            <a:r>
-              <a:rPr lang="ko-KR" sz="1800">
-                <a:latin typeface="맑은 고딕" charset="0"/>
-                <a:ea typeface="맑은 고딕" charset="0"/>
-              </a:rPr>
-              <a:t>이제 Character 오브젝트에서 UI를 선택한 다음 Text를 생성합니다.</a:t>
-            </a:r>
-            <a:endParaRPr lang="ko-KR" altLang="en-US" sz="1800">
-              <a:latin typeface="맑은 고딕" charset="0"/>
-              <a:ea typeface="맑은 고딕" charset="0"/>
-            </a:endParaRPr>
-          </a:p>
-          <a:p>
-            <a:pPr marL="0" indent="0" rtl="0" algn="l" defTabSz="914400" eaLnBrk="1" latinLnBrk="0" hangingPunct="1">
-              <a:buFontTx/>
-              <a:buNone/>
-            </a:pPr>
-            <a:endParaRPr lang="ko-KR" altLang="en-US" sz="1800">
-              <a:latin typeface="맑은 고딕" charset="0"/>
-              <a:ea typeface="맑은 고딕" charset="0"/>
-            </a:endParaRPr>
-          </a:p>
-          <a:p>
-            <a:pPr marL="0" indent="0" rtl="0" algn="l" defTabSz="914400" eaLnBrk="1" latinLnBrk="0" hangingPunct="1">
-              <a:buFontTx/>
-              <a:buNone/>
-            </a:pPr>
-            <a:r>
-              <a:rPr lang="ko-KR" sz="1800">
-                <a:latin typeface="맑은 고딕" charset="0"/>
-                <a:ea typeface="맑은 고딕" charset="0"/>
-              </a:rPr>
-              <a:t>그리고 Billboard 스크립트를 생성하고 Canvas에 넣어줍니다.</a:t>
-            </a:r>
-            <a:endParaRPr lang="ko-KR" altLang="en-US" sz="1800">
-              <a:latin typeface="맑은 고딕" charset="0"/>
-              <a:ea typeface="맑은 고딕" charset="0"/>
-            </a:endParaRPr>
-          </a:p>
-        </p:txBody>
-      </p:sp>
-      <p:sp>
-        <p:nvSpPr>
-          <p:cNvPr id="63" name="Rect 0"/>
-          <p:cNvSpPr txBox="1">
-            <a:spLocks/>
-          </p:cNvSpPr>
-          <p:nvPr/>
-        </p:nvSpPr>
-        <p:spPr>
-          <a:xfrm rot="0">
-            <a:off x="6827520" y="2713990"/>
-            <a:ext cx="4244975" cy="923925"/>
-          </a:xfrm>
-          <a:prstGeom prst="rect"/>
-          <a:noFill/>
-          <a:ln w="0">
-            <a:noFill/>
-            <a:prstDash/>
-          </a:ln>
-        </p:spPr>
-        <p:txBody>
-          <a:bodyPr wrap="square" lIns="89535" tIns="46355" rIns="89535" bIns="46355" numCol="1" vert="horz" anchor="t">
-            <a:spAutoFit/>
-          </a:bodyPr>
-          <a:lstStyle/>
-          <a:p>
-            <a:pPr marL="0" indent="0" rtl="0" algn="l" defTabSz="914400" eaLnBrk="1" latinLnBrk="0" hangingPunct="1">
-              <a:buFontTx/>
-              <a:buNone/>
-            </a:pPr>
-            <a:r>
-              <a:rPr sz="1800" b="1">
-                <a:solidFill>
-                  <a:srgbClr val="0611F2"/>
-                </a:solidFill>
-                <a:latin typeface="맑은 고딕" charset="0"/>
-                <a:ea typeface="맑은 고딕" charset="0"/>
-              </a:rPr>
-              <a:t>2</a:t>
-            </a:r>
-            <a:r>
-              <a:rPr lang="ko-KR" sz="1800" b="1">
-                <a:solidFill>
-                  <a:srgbClr val="0611F2"/>
-                </a:solidFill>
-                <a:latin typeface="맑은 고딕" charset="0"/>
-                <a:ea typeface="맑은 고딕" charset="0"/>
-              </a:rPr>
-              <a:t>9</a:t>
-            </a:r>
-            <a:r>
-              <a:rPr sz="1800" b="1">
-                <a:solidFill>
-                  <a:srgbClr val="0611F2"/>
-                </a:solidFill>
-                <a:latin typeface="맑은 고딕" charset="0"/>
-                <a:ea typeface="맑은 고딕" charset="0"/>
-              </a:rPr>
-              <a:t>.</a:t>
-            </a:r>
-            <a:r>
-              <a:rPr sz="1800">
-                <a:latin typeface="맑은 고딕" charset="0"/>
-                <a:ea typeface="맑은 고딕" charset="0"/>
-              </a:rPr>
-              <a:t> 그</a:t>
-            </a:r>
-            <a:r>
-              <a:rPr lang="ko-KR" sz="1800">
-                <a:latin typeface="맑은 고딕" charset="0"/>
-                <a:ea typeface="맑은 고딕" charset="0"/>
-              </a:rPr>
-              <a:t>런 다음</a:t>
-            </a:r>
-            <a:r>
-              <a:rPr lang="ko-KR" sz="1800">
-                <a:latin typeface="맑은 고딕" charset="0"/>
-                <a:ea typeface="맑은 고딕" charset="0"/>
-              </a:rPr>
-              <a:t> Canvas를 3차원 공간에서 표시하기 위해 Rener Mode를 World Space로 변경합니다.</a:t>
-            </a:r>
-            <a:endParaRPr lang="ko-KR" altLang="en-US" sz="1800">
-              <a:latin typeface="맑은 고딕" charset="0"/>
-              <a:ea typeface="맑은 고딕" charset="0"/>
-            </a:endParaRPr>
-          </a:p>
-        </p:txBody>
-      </p:sp>
       <p:pic>
         <p:nvPicPr>
-          <p:cNvPr id="64" name="그림 4" descr="C:/Users/Admin1/AppData/Roaming/PolarisOffice/ETemp/11744_8568704/fImage217262668467.png"/>
+          <p:cNvPr id="57" name="그림 97"/>
           <p:cNvPicPr>
             <a:picLocks noChangeAspect="1"/>
           </p:cNvPicPr>
           <p:nvPr/>
         </p:nvPicPr>
         <p:blipFill rotWithShape="1">
-          <a:blip r:embed="rId2" cstate="print">
+          <a:blip r:embed="rId2" cstate="hqprint">
             <a:extLst>
               <a:ext uri="{28A0092B-C50C-407E-A947-70E740481C1C}">
-                <a14:useLocalDpi xmlns:a14="http://schemas.microsoft.com/office/drawing/2010/main" val="0"/>
+                <a14:useLocalDpi xmlns:a14="http://schemas.microsoft.com/office/drawing/2010/main"/>
               </a:ext>
             </a:extLst>
           </a:blip>
@@ -9907,8 +9861,8 @@
         </p:blipFill>
         <p:spPr>
           <a:xfrm rot="0">
-            <a:off x="1365885" y="1340485"/>
-            <a:ext cx="2837815" cy="3079750"/>
+            <a:off x="1222375" y="3034030"/>
+            <a:ext cx="4224020" cy="1198880"/>
           </a:xfrm>
           <a:prstGeom prst="roundRect"/>
           <a:solidFill>
@@ -9916,19 +9870,145 @@
           </a:solidFill>
         </p:spPr>
       </p:pic>
+      <p:sp>
+        <p:nvSpPr>
+          <p:cNvPr id="59" name="텍스트 상자 99"/>
+          <p:cNvSpPr txBox="1">
+            <a:spLocks/>
+          </p:cNvSpPr>
+          <p:nvPr/>
+        </p:nvSpPr>
+        <p:spPr>
+          <a:xfrm>
+            <a:off x="1210310" y="4444365"/>
+            <a:ext cx="4244975" cy="1754505"/>
+          </a:xfrm>
+          <a:prstGeom prst="rect"/>
+          <a:noFill/>
+          <a:ln w="0">
+            <a:noFill/>
+            <a:prstDash/>
+          </a:ln>
+        </p:spPr>
+        <p:txBody>
+          <a:bodyPr wrap="square" lIns="89535" tIns="46355" rIns="89535" bIns="46355" numCol="1" vert="horz" anchor="t">
+            <a:spAutoFit/>
+          </a:bodyPr>
+          <a:lstStyle/>
+          <a:p>
+            <a:pPr marL="0" indent="0" rtl="0" algn="l" defTabSz="914400" eaLnBrk="1" latinLnBrk="0" hangingPunct="1">
+              <a:buFontTx/>
+              <a:buNone/>
+            </a:pPr>
+            <a:r>
+              <a:rPr sz="1800" b="1">
+                <a:solidFill>
+                  <a:srgbClr val="0611F2"/>
+                </a:solidFill>
+                <a:latin typeface="맑은 고딕" charset="0"/>
+                <a:ea typeface="맑은 고딕" charset="0"/>
+              </a:rPr>
+              <a:t>30</a:t>
+            </a:r>
+            <a:r>
+              <a:rPr sz="1800" b="1">
+                <a:solidFill>
+                  <a:srgbClr val="0611F2"/>
+                </a:solidFill>
+                <a:latin typeface="맑은 고딕" charset="0"/>
+                <a:ea typeface="맑은 고딕" charset="0"/>
+              </a:rPr>
+              <a:t>.</a:t>
+            </a:r>
+            <a:r>
+              <a:rPr sz="1800">
+                <a:latin typeface="맑은 고딕" charset="0"/>
+                <a:ea typeface="맑은 고딕" charset="0"/>
+              </a:rPr>
+              <a:t> 마지막으로 Character 오브젝트</a:t>
+            </a:r>
+            <a:r>
+              <a:rPr lang="ko-KR" sz="1800">
+                <a:latin typeface="맑은 고딕" charset="0"/>
+                <a:ea typeface="맑은 고딕" charset="0"/>
+              </a:rPr>
+              <a:t>를 선택합니다.</a:t>
+            </a:r>
+            <a:endParaRPr lang="ko-KR" altLang="en-US" sz="1800">
+              <a:latin typeface="맑은 고딕" charset="0"/>
+              <a:ea typeface="맑은 고딕" charset="0"/>
+            </a:endParaRPr>
+          </a:p>
+          <a:p>
+            <a:pPr marL="0" indent="0" rtl="0" algn="l" defTabSz="914400" eaLnBrk="1" latinLnBrk="0" hangingPunct="1">
+              <a:buFontTx/>
+              <a:buNone/>
+            </a:pPr>
+            <a:endParaRPr lang="ko-KR" altLang="en-US" sz="1800">
+              <a:latin typeface="맑은 고딕" charset="0"/>
+              <a:ea typeface="맑은 고딕" charset="0"/>
+            </a:endParaRPr>
+          </a:p>
+          <a:p>
+            <a:pPr marL="0" indent="0" rtl="0" algn="l" defTabSz="914400" eaLnBrk="1" latinLnBrk="0" hangingPunct="1">
+              <a:buFontTx/>
+              <a:buNone/>
+            </a:pPr>
+            <a:r>
+              <a:rPr lang="ko-KR" sz="1800">
+                <a:latin typeface="맑은 고딕" charset="0"/>
+                <a:ea typeface="맑은 고딕" charset="0"/>
+              </a:rPr>
+              <a:t>그리고</a:t>
+            </a:r>
+            <a:r>
+              <a:rPr sz="1800">
+                <a:latin typeface="맑은 고딕" charset="0"/>
+                <a:ea typeface="맑은 고딕" charset="0"/>
+              </a:rPr>
+              <a:t> Photon Voice View 컴포넌트</a:t>
+            </a:r>
+            <a:r>
+              <a:rPr lang="ko-KR" sz="1800">
+                <a:latin typeface="맑은 고딕" charset="0"/>
+                <a:ea typeface="맑은 고딕" charset="0"/>
+              </a:rPr>
+              <a:t>에 있는 </a:t>
+            </a:r>
+            <a:r>
+              <a:rPr sz="1800">
+                <a:latin typeface="맑은 고딕" charset="0"/>
+                <a:ea typeface="맑은 고딕" charset="0"/>
+              </a:rPr>
+              <a:t>Speaker In Use에 </a:t>
+            </a:r>
+            <a:r>
+              <a:rPr lang="ko-KR" sz="1800">
+                <a:latin typeface="맑은 고딕" charset="0"/>
+                <a:ea typeface="맑은 고딕" charset="0"/>
+              </a:rPr>
+              <a:t>Character 오브젝트를 넣어줍니다.</a:t>
+            </a:r>
+            <a:endParaRPr lang="ko-KR" altLang="en-US" sz="1800">
+              <a:latin typeface="맑은 고딕" charset="0"/>
+              <a:ea typeface="맑은 고딕" charset="0"/>
+            </a:endParaRPr>
+          </a:p>
+        </p:txBody>
+      </p:sp>
       <p:pic>
         <p:nvPicPr>
-          <p:cNvPr id="65" name="그림 11" descr="C:/Users/Admin1/AppData/Roaming/PolarisOffice/ETemp/11744_8568704/fImage21742696334.png"/>
+          <p:cNvPr id="61" name="그림 105" descr="C:/Users/Admin1/AppData/Roaming/PolarisOffice/ETemp/7276_13419048/fImage89153225436.png"/>
           <p:cNvPicPr>
             <a:picLocks noChangeAspect="1"/>
           </p:cNvPicPr>
           <p:nvPr/>
         </p:nvPicPr>
         <p:blipFill rotWithShape="1">
-          <a:blip r:embed="rId3" cstate="print">
+          <a:blip r:embed="rId4" cstate="hqprint">
             <a:extLst>
               <a:ext uri="{28A0092B-C50C-407E-A947-70E740481C1C}">
-                <a14:useLocalDpi xmlns:a14="http://schemas.microsoft.com/office/drawing/2010/main" val="0"/>
+                <a14:useLocalDpi xmlns:a14="http://schemas.microsoft.com/office/drawing/2010/main"/>
               </a:ext>
             </a:extLst>
           </a:blip>
@@ -9938,8 +10018,8 @@
         </p:blipFill>
         <p:spPr>
           <a:xfrm rot="0">
-            <a:off x="4497705" y="3417570"/>
-            <a:ext cx="718185" cy="731520"/>
+            <a:off x="8429625" y="1330960"/>
+            <a:ext cx="2552065" cy="1584325"/>
           </a:xfrm>
           <a:prstGeom prst="roundRect"/>
           <a:solidFill>
@@ -9947,19 +10027,221 @@
           </a:solidFill>
         </p:spPr>
       </p:pic>
+      <p:sp>
+        <p:nvSpPr>
+          <p:cNvPr id="63" name="텍스트 상자 111"/>
+          <p:cNvSpPr txBox="1">
+            <a:spLocks/>
+          </p:cNvSpPr>
+          <p:nvPr/>
+        </p:nvSpPr>
+        <p:spPr>
+          <a:xfrm rot="0">
+            <a:off x="6818630" y="3061970"/>
+            <a:ext cx="4164330" cy="3138805"/>
+          </a:xfrm>
+          <a:prstGeom prst="rect"/>
+          <a:noFill/>
+          <a:ln w="0">
+            <a:noFill/>
+            <a:prstDash/>
+          </a:ln>
+        </p:spPr>
+        <p:txBody>
+          <a:bodyPr wrap="square" lIns="89535" tIns="46355" rIns="89535" bIns="46355" numCol="1" vert="horz" anchor="t">
+            <a:spAutoFit/>
+          </a:bodyPr>
+          <a:lstStyle/>
+          <a:p>
+            <a:pPr marL="0" indent="0" rtl="0" algn="l" defTabSz="914400" eaLnBrk="1" latinLnBrk="0" hangingPunct="1">
+              <a:buFontTx/>
+              <a:buNone/>
+            </a:pPr>
+            <a:r>
+              <a:rPr sz="1800" b="1">
+                <a:solidFill>
+                  <a:srgbClr val="0611F2"/>
+                </a:solidFill>
+                <a:latin typeface="맑은 고딕" charset="0"/>
+                <a:ea typeface="맑은 고딕" charset="0"/>
+              </a:rPr>
+              <a:t>31</a:t>
+            </a:r>
+            <a:r>
+              <a:rPr sz="1800" b="1">
+                <a:solidFill>
+                  <a:srgbClr val="0611F2"/>
+                </a:solidFill>
+                <a:latin typeface="맑은 고딕" charset="0"/>
+                <a:ea typeface="맑은 고딕" charset="0"/>
+              </a:rPr>
+              <a:t>.</a:t>
+            </a:r>
+            <a:r>
+              <a:rPr sz="1800">
+                <a:latin typeface="맑은 고딕" charset="0"/>
+                <a:ea typeface="맑은 고딕" charset="0"/>
+              </a:rPr>
+              <a:t> </a:t>
+            </a:r>
+            <a:r>
+              <a:rPr sz="1800">
+                <a:latin typeface="맑은 고딕" charset="0"/>
+                <a:ea typeface="맑은 고딕" charset="0"/>
+              </a:rPr>
+              <a:t>이</a:t>
+            </a:r>
+            <a:r>
+              <a:rPr lang="ko-KR" sz="1800">
+                <a:latin typeface="맑은 고딕" charset="0"/>
+                <a:ea typeface="맑은 고딕" charset="0"/>
+              </a:rPr>
+              <a:t>제</a:t>
+            </a:r>
+            <a:r>
+              <a:rPr lang="ko-KR" sz="1800">
+                <a:latin typeface="맑은 고딕" charset="0"/>
+                <a:ea typeface="맑은 고딕" charset="0"/>
+              </a:rPr>
+              <a:t> Character</a:t>
+            </a:r>
+            <a:r>
+              <a:rPr lang="ko-KR" sz="1800">
+                <a:latin typeface="맑은 고딕" charset="0"/>
+                <a:ea typeface="맑은 고딕" charset="0"/>
+              </a:rPr>
+              <a:t> 오브젝트</a:t>
+            </a:r>
+            <a:r>
+              <a:rPr lang="ko-KR" sz="1800">
+                <a:latin typeface="맑은 고딕" charset="0"/>
+                <a:ea typeface="맑은 고딕" charset="0"/>
+              </a:rPr>
+              <a:t>를 선택</a:t>
+            </a:r>
+            <a:r>
+              <a:rPr lang="ko-KR" sz="1800">
+                <a:latin typeface="맑은 고딕" charset="0"/>
+                <a:ea typeface="맑은 고딕" charset="0"/>
+              </a:rPr>
+              <a:t>합니다.</a:t>
+            </a:r>
+            <a:endParaRPr lang="ko-KR" altLang="en-US" sz="1800">
+              <a:latin typeface="맑은 고딕" charset="0"/>
+              <a:ea typeface="맑은 고딕" charset="0"/>
+            </a:endParaRPr>
+          </a:p>
+          <a:p>
+            <a:pPr marL="0" indent="0" rtl="0" algn="l" defTabSz="914400" eaLnBrk="1" latinLnBrk="0" hangingPunct="1">
+              <a:buFontTx/>
+              <a:buNone/>
+            </a:pPr>
+            <a:endParaRPr lang="ko-KR" altLang="en-US" sz="1800">
+              <a:latin typeface="맑은 고딕" charset="0"/>
+              <a:ea typeface="맑은 고딕" charset="0"/>
+            </a:endParaRPr>
+          </a:p>
+          <a:p>
+            <a:pPr marL="0" indent="0" rtl="0" algn="l" defTabSz="914400" eaLnBrk="1" latinLnBrk="0" hangingPunct="1">
+              <a:buFontTx/>
+              <a:buNone/>
+            </a:pPr>
+            <a:r>
+              <a:rPr lang="ko-KR" sz="1800">
+                <a:latin typeface="맑은 고딕" charset="0"/>
+                <a:ea typeface="맑은 고딕" charset="0"/>
+              </a:rPr>
+              <a:t>그런 다음</a:t>
+            </a:r>
+            <a:r>
+              <a:rPr lang="ko-KR" sz="1800">
+                <a:latin typeface="맑은 고딕" charset="0"/>
+                <a:ea typeface="맑은 고딕" charset="0"/>
+              </a:rPr>
+              <a:t> Prefab 씬에서 PhotonControl 스크립트에 있는 Speed와 Angle Speed</a:t>
+            </a:r>
+            <a:r>
+              <a:rPr lang="ko-KR" sz="1800">
+                <a:latin typeface="맑은 고딕" charset="0"/>
+                <a:ea typeface="맑은 고딕" charset="0"/>
+              </a:rPr>
+              <a:t>의 값을 설정합니다.</a:t>
+            </a:r>
+            <a:endParaRPr lang="ko-KR" altLang="en-US" sz="1800">
+              <a:latin typeface="맑은 고딕" charset="0"/>
+              <a:ea typeface="맑은 고딕" charset="0"/>
+            </a:endParaRPr>
+          </a:p>
+          <a:p>
+            <a:pPr marL="0" indent="0" rtl="0" algn="l" defTabSz="914400" eaLnBrk="1" latinLnBrk="0" hangingPunct="1">
+              <a:buFontTx/>
+              <a:buNone/>
+            </a:pPr>
+            <a:endParaRPr lang="ko-KR" altLang="en-US" sz="1800">
+              <a:latin typeface="맑은 고딕" charset="0"/>
+              <a:ea typeface="맑은 고딕" charset="0"/>
+            </a:endParaRPr>
+          </a:p>
+          <a:p>
+            <a:pPr marL="0" indent="0" rtl="0" algn="l" defTabSz="914400" eaLnBrk="1" latinLnBrk="0" hangingPunct="1">
+              <a:buFontTx/>
+              <a:buNone/>
+            </a:pPr>
+            <a:r>
+              <a:rPr lang="ko-KR" sz="1800">
+                <a:latin typeface="맑은 고딕" charset="0"/>
+                <a:ea typeface="맑은 고딕" charset="0"/>
+              </a:rPr>
+              <a:t>그다음</a:t>
+            </a:r>
+            <a:r>
+              <a:rPr lang="ko-KR" sz="1800">
+                <a:latin typeface="맑은 고딕" charset="0"/>
+                <a:ea typeface="맑은 고딕" charset="0"/>
+              </a:rPr>
+              <a:t>으로</a:t>
+            </a:r>
+            <a:r>
+              <a:rPr lang="ko-KR" sz="1800">
+                <a:latin typeface="맑은 고딕" charset="0"/>
+                <a:ea typeface="맑은 고딕" charset="0"/>
+              </a:rPr>
+              <a:t> Character 오브젝트 하위에 있는 </a:t>
+            </a:r>
+            <a:r>
+              <a:rPr lang="ko-KR" sz="1800">
+                <a:latin typeface="맑은 고딕" charset="0"/>
+                <a:ea typeface="맑은 고딕" charset="0"/>
+              </a:rPr>
+              <a:t>Main </a:t>
+            </a:r>
+            <a:r>
+              <a:rPr lang="ko-KR" sz="1800">
+                <a:latin typeface="맑은 고딕" charset="0"/>
+                <a:ea typeface="맑은 고딕" charset="0"/>
+              </a:rPr>
+              <a:t>Camera 오브젝트를 넣어줍니다.</a:t>
+            </a:r>
+            <a:endParaRPr lang="ko-KR" altLang="en-US" sz="1800">
+              <a:latin typeface="맑은 고딕" charset="0"/>
+              <a:ea typeface="맑은 고딕" charset="0"/>
+            </a:endParaRPr>
+          </a:p>
+        </p:txBody>
+      </p:sp>
       <p:pic>
         <p:nvPicPr>
-          <p:cNvPr id="66" name="그림 12" descr="C:/Users/Admin1/AppData/Roaming/PolarisOffice/ETemp/11744_8568704/fImage32922706500.png"/>
+          <p:cNvPr id="65" name="그림 44" descr="C:/Users/Admin1/AppData/Roaming/PolarisOffice/ETemp/7276_13419048/fImage68982326962.png"/>
           <p:cNvPicPr>
             <a:picLocks noChangeAspect="1"/>
           </p:cNvPicPr>
           <p:nvPr/>
         </p:nvPicPr>
         <p:blipFill rotWithShape="1">
-          <a:blip r:embed="rId4" cstate="print">
+          <a:blip r:embed="rId7" cstate="hqprint">
             <a:extLst>
               <a:ext uri="{28A0092B-C50C-407E-A947-70E740481C1C}">
-                <a14:useLocalDpi xmlns:a14="http://schemas.microsoft.com/office/drawing/2010/main" val="0"/>
+                <a14:useLocalDpi xmlns:a14="http://schemas.microsoft.com/office/drawing/2010/main"/>
               </a:ext>
             </a:extLst>
           </a:blip>
@@ -9969,8 +10251,8 @@
         </p:blipFill>
         <p:spPr>
           <a:xfrm rot="0">
-            <a:off x="4339590" y="1696085"/>
-            <a:ext cx="1031875" cy="1323975"/>
+            <a:off x="1220470" y="1397635"/>
+            <a:ext cx="4247515" cy="1441450"/>
           </a:xfrm>
           <a:prstGeom prst="roundRect"/>
           <a:solidFill>
@@ -9980,19 +10262,18 @@
       </p:pic>
       <p:cxnSp>
         <p:nvCxnSpPr>
-          <p:cNvPr id="67" name="도형 17"/>
+          <p:cNvPr id="58" name="도형 98"/>
           <p:cNvCxnSpPr/>
           <p:nvPr/>
         </p:nvCxnSpPr>
         <p:spPr>
-          <a:xfrm rot="0" flipV="1">
-            <a:off x="4856480" y="2621280"/>
-            <a:ext cx="5080" cy="796925"/>
+          <a:xfrm rot="0">
+            <a:off x="2495550" y="2771775"/>
+            <a:ext cx="2809240" cy="920750"/>
           </a:xfrm>
           <a:prstGeom prst="straightConnector1"/>
           <a:ln w="6350" cap="flat" cmpd="sng">
             <a:prstDash/>
-            <a:headEnd type="none" w="med" len="med"/>
             <a:tailEnd type="triangle" w="med" len="med"/>
           </a:ln>
         </p:spPr>
@@ -10013,14 +10294,14 @@
       </p:cxnSp>
       <p:pic>
         <p:nvPicPr>
-          <p:cNvPr id="68" name="그림 18" descr="C:/Users/Admin1/AppData/Roaming/PolarisOffice/ETemp/11744_8568704/fImage168562729169.png"/>
+          <p:cNvPr id="66" name="그림 45" descr="C:/Users/Admin1/AppData/Roaming/PolarisOffice/ETemp/7276_13419048/fImage81063165705.png"/>
           <p:cNvPicPr>
             <a:picLocks noChangeAspect="1"/>
           </p:cNvPicPr>
           <p:nvPr/>
         </p:nvPicPr>
         <p:blipFill rotWithShape="1">
-          <a:blip r:embed="rId5" cstate="print">
+          <a:blip r:embed="rId8" cstate="print">
             <a:extLst>
               <a:ext uri="{28A0092B-C50C-407E-A947-70E740481C1C}">
                 <a14:useLocalDpi xmlns:a14="http://schemas.microsoft.com/office/drawing/2010/main" val="0"/>
@@ -10033,8 +10314,8 @@
         </p:blipFill>
         <p:spPr>
           <a:xfrm rot="0">
-            <a:off x="6817995" y="1332230"/>
-            <a:ext cx="4253230" cy="1280160"/>
+            <a:off x="6819900" y="1337945"/>
+            <a:ext cx="1505585" cy="1574165"/>
           </a:xfrm>
           <a:prstGeom prst="roundRect"/>
           <a:solidFill>
@@ -10042,108 +10323,38 @@
           </a:solidFill>
         </p:spPr>
       </p:pic>
-      <p:pic>
-        <p:nvPicPr>
-          <p:cNvPr id="69" name="그림 21" descr="C:/Users/Admin1/AppData/Roaming/PolarisOffice/ETemp/11744_8568704/fImage119622735724.png"/>
-          <p:cNvPicPr>
-            <a:picLocks noChangeAspect="1"/>
-          </p:cNvPicPr>
+      <p:cxnSp>
+        <p:nvCxnSpPr>
+          <p:cNvPr id="64" name="도형 112"/>
+          <p:cNvCxnSpPr/>
           <p:nvPr/>
-        </p:nvPicPr>
-        <p:blipFill rotWithShape="1">
-          <a:blip r:embed="rId6" cstate="print">
-            <a:extLst>
-              <a:ext uri="{28A0092B-C50C-407E-A947-70E740481C1C}">
-                <a14:useLocalDpi xmlns:a14="http://schemas.microsoft.com/office/drawing/2010/main" val="0"/>
-              </a:ext>
-            </a:extLst>
-          </a:blip>
-          <a:stretch>
-            <a:fillRect/>
-          </a:stretch>
-        </p:blipFill>
-        <p:spPr>
-          <a:xfrm rot="0">
-            <a:off x="6822440" y="3790315"/>
-            <a:ext cx="4239895" cy="1425575"/>
-          </a:xfrm>
-          <a:prstGeom prst="roundRect"/>
-          <a:solidFill>
-            <a:srgbClr val="EDEDED"/>
-          </a:solidFill>
-        </p:spPr>
-      </p:pic>
-      <p:sp>
-        <p:nvSpPr>
-          <p:cNvPr id="70" name="텍스트 상자 24"/>
-          <p:cNvSpPr txBox="1">
-            <a:spLocks/>
-          </p:cNvSpPr>
-          <p:nvPr/>
-        </p:nvSpPr>
-        <p:spPr>
-          <a:xfrm rot="0">
-            <a:off x="6835140" y="5390515"/>
-            <a:ext cx="4244975" cy="647065"/>
-          </a:xfrm>
-          <a:prstGeom prst="rect"/>
-          <a:noFill/>
-          <a:ln w="0">
-            <a:noFill/>
+        </p:nvCxnSpPr>
+        <p:spPr>
+          <a:xfrm rot="0" flipV="1">
+            <a:off x="8039100" y="2676525"/>
+            <a:ext cx="2848610" cy="143510"/>
+          </a:xfrm>
+          <a:prstGeom prst="straightConnector1"/>
+          <a:ln w="6350" cap="flat" cmpd="sng">
             <a:prstDash/>
+            <a:tailEnd type="triangle" w="med" len="med"/>
           </a:ln>
         </p:spPr>
-        <p:txBody>
-          <a:bodyPr wrap="square" lIns="89535" tIns="46355" rIns="89535" bIns="46355" numCol="1" vert="horz" anchor="t">
-            <a:spAutoFit/>
-          </a:bodyPr>
-          <a:lstStyle/>
-          <a:p>
-            <a:pPr marL="0" indent="0" rtl="0" algn="l" defTabSz="914400" eaLnBrk="1" latinLnBrk="0" hangingPunct="1">
-              <a:buFontTx/>
-              <a:buNone/>
-            </a:pPr>
-            <a:r>
-              <a:rPr sz="1800" b="1">
-                <a:solidFill>
-                  <a:srgbClr val="0611F2"/>
-                </a:solidFill>
-                <a:latin typeface="맑은 고딕" charset="0"/>
-                <a:ea typeface="맑은 고딕" charset="0"/>
-              </a:rPr>
-              <a:t>30</a:t>
-            </a:r>
-            <a:r>
-              <a:rPr sz="1800" b="1">
-                <a:solidFill>
-                  <a:srgbClr val="0611F2"/>
-                </a:solidFill>
-                <a:latin typeface="맑은 고딕" charset="0"/>
-                <a:ea typeface="맑은 고딕" charset="0"/>
-              </a:rPr>
-              <a:t>.</a:t>
-            </a:r>
-            <a:r>
-              <a:rPr sz="1800">
-                <a:latin typeface="맑은 고딕" charset="0"/>
-                <a:ea typeface="맑은 고딕" charset="0"/>
-              </a:rPr>
-              <a:t> </a:t>
-            </a:r>
-            <a:r>
-              <a:rPr lang="ko-KR" sz="1800">
-                <a:latin typeface="맑은 고딕" charset="0"/>
-                <a:ea typeface="맑은 고딕" charset="0"/>
-              </a:rPr>
-              <a:t>그다음 Canvas의 크기와 위치를 0으로 초기화합니다.</a:t>
-            </a:r>
-            <a:endParaRPr lang="ko-KR" altLang="en-US" sz="1800">
-              <a:latin typeface="맑은 고딕" charset="0"/>
-              <a:ea typeface="맑은 고딕" charset="0"/>
-            </a:endParaRPr>
-          </a:p>
-        </p:txBody>
-      </p:sp>
+        <p:style>
+          <a:lnRef idx="1">
+            <a:schemeClr val="accent1"/>
+          </a:lnRef>
+          <a:fillRef idx="0">
+            <a:schemeClr val="accent1"/>
+          </a:fillRef>
+          <a:effectRef idx="0">
+            <a:schemeClr val="accent1"/>
+          </a:effectRef>
+          <a:fontRef idx="minor">
+            <a:schemeClr val="tx1"/>
+          </a:fontRef>
+        </p:style>
+      </p:cxnSp>
     </p:spTree>
   </p:cSld>
   <p:clrMapOvr>
@@ -10193,9 +10404,9 @@
           <p:nvPr/>
         </p:nvSpPr>
         <p:spPr>
-          <a:xfrm rot="0">
+          <a:xfrm>
             <a:off x="4339590" y="407035"/>
-            <a:ext cx="3509010" cy="554990"/>
+            <a:ext cx="3509645" cy="554990"/>
           </a:xfrm>
           <a:prstGeom prst="rect"/>
           <a:noFill/>
@@ -10244,16 +10455,16 @@
       </p:sp>
       <p:sp>
         <p:nvSpPr>
-          <p:cNvPr id="70" name="Rect 0"/>
+          <p:cNvPr id="59" name="Rect 0"/>
           <p:cNvSpPr txBox="1">
             <a:spLocks/>
           </p:cNvSpPr>
           <p:nvPr/>
         </p:nvSpPr>
         <p:spPr>
-          <a:xfrm rot="0">
-            <a:off x="6844030" y="4932045"/>
-            <a:ext cx="4245610" cy="1200785"/>
+          <a:xfrm>
+            <a:off x="1366520" y="4557395"/>
+            <a:ext cx="4014470" cy="1477645"/>
           </a:xfrm>
           <a:prstGeom prst="rect"/>
           <a:noFill/>
@@ -10280,17 +10491,7 @@
                 <a:latin typeface="맑은 고딕" charset="0"/>
                 <a:ea typeface="맑은 고딕" charset="0"/>
               </a:rPr>
-              <a:t>3</a:t>
-            </a:r>
-            <a:r>
-              <a:rPr lang="ko-KR" sz="1800" b="1">
-                <a:solidFill>
-                  <a:srgbClr val="0611F2"/>
-                </a:solidFill>
-                <a:latin typeface="맑은 고딕" charset="0"/>
-                <a:ea typeface="맑은 고딕" charset="0"/>
-              </a:rPr>
-              <a:t>2</a:t>
+              <a:t>32</a:t>
             </a:r>
             <a:r>
               <a:rPr sz="1800" b="1">
@@ -10314,25 +10515,147 @@
                 <a:latin typeface="맑은 고딕" charset="0"/>
                 <a:ea typeface="맑은 고딕" charset="0"/>
               </a:rPr>
-              <a:t>이제</a:t>
-            </a:r>
-            <a:r>
-              <a:rPr lang="ko-KR" sz="1800">
-                <a:latin typeface="맑은 고딕" charset="0"/>
-                <a:ea typeface="맑은 고딕" charset="0"/>
-              </a:rPr>
-              <a:t> Text에 Font Size와 Alignment를 설정한 다음 Horizontal Overflow와 Vertical Overflow를 Overflow로 설정합니다.</a:t>
+              <a:t>이제 Character 오브젝트에서 UI를 선택한 다음 Text를 생성합니다.</a:t>
             </a:r>
             <a:endParaRPr lang="ko-KR" altLang="en-US" sz="1800">
               <a:latin typeface="맑은 고딕" charset="0"/>
               <a:ea typeface="맑은 고딕" charset="0"/>
             </a:endParaRPr>
           </a:p>
+          <a:p>
+            <a:pPr marL="0" indent="0" rtl="0" algn="l" defTabSz="914400" eaLnBrk="1" latinLnBrk="0" hangingPunct="1">
+              <a:buFontTx/>
+              <a:buNone/>
+            </a:pPr>
+            <a:endParaRPr lang="ko-KR" altLang="en-US" sz="1800">
+              <a:latin typeface="맑은 고딕" charset="0"/>
+              <a:ea typeface="맑은 고딕" charset="0"/>
+            </a:endParaRPr>
+          </a:p>
+          <a:p>
+            <a:pPr marL="0" indent="0" rtl="0" algn="l" defTabSz="914400" eaLnBrk="1" latinLnBrk="0" hangingPunct="1">
+              <a:buFontTx/>
+              <a:buNone/>
+            </a:pPr>
+            <a:r>
+              <a:rPr lang="ko-KR" sz="1800">
+                <a:latin typeface="맑은 고딕" charset="0"/>
+                <a:ea typeface="맑은 고딕" charset="0"/>
+              </a:rPr>
+              <a:t>그리고 Billboard 스크립트를 생성하고 Canvas에 넣어줍니다.</a:t>
+            </a:r>
+            <a:endParaRPr lang="ko-KR" altLang="en-US" sz="1800">
+              <a:latin typeface="맑은 고딕" charset="0"/>
+              <a:ea typeface="맑은 고딕" charset="0"/>
+            </a:endParaRPr>
+          </a:p>
+        </p:txBody>
+      </p:sp>
+      <p:sp>
+        <p:nvSpPr>
+          <p:cNvPr id="63" name="Rect 0"/>
+          <p:cNvSpPr txBox="1">
+            <a:spLocks/>
+          </p:cNvSpPr>
+          <p:nvPr/>
+        </p:nvSpPr>
+        <p:spPr>
+          <a:xfrm>
+            <a:off x="6827520" y="2713990"/>
+            <a:ext cx="4245610" cy="923925"/>
+          </a:xfrm>
+          <a:prstGeom prst="rect"/>
+          <a:noFill/>
+          <a:ln w="0">
+            <a:noFill/>
+            <a:prstDash/>
+          </a:ln>
+        </p:spPr>
+        <p:txBody>
+          <a:bodyPr wrap="square" lIns="89535" tIns="46355" rIns="89535" bIns="46355" numCol="1" vert="horz" anchor="t">
+            <a:spAutoFit/>
+          </a:bodyPr>
+          <a:lstStyle/>
+          <a:p>
+            <a:pPr marL="0" indent="0" rtl="0" algn="l" defTabSz="914400" eaLnBrk="1" latinLnBrk="0" hangingPunct="1">
+              <a:buFontTx/>
+              <a:buNone/>
+            </a:pPr>
+            <a:r>
+              <a:rPr sz="1800" b="1">
+                <a:solidFill>
+                  <a:srgbClr val="0611F2"/>
+                </a:solidFill>
+                <a:latin typeface="맑은 고딕" charset="0"/>
+                <a:ea typeface="맑은 고딕" charset="0"/>
+              </a:rPr>
+              <a:t>33</a:t>
+            </a:r>
+            <a:r>
+              <a:rPr sz="1800" b="1">
+                <a:solidFill>
+                  <a:srgbClr val="0611F2"/>
+                </a:solidFill>
+                <a:latin typeface="맑은 고딕" charset="0"/>
+                <a:ea typeface="맑은 고딕" charset="0"/>
+              </a:rPr>
+              <a:t>.</a:t>
+            </a:r>
+            <a:r>
+              <a:rPr sz="1800">
+                <a:latin typeface="맑은 고딕" charset="0"/>
+                <a:ea typeface="맑은 고딕" charset="0"/>
+              </a:rPr>
+              <a:t> 그</a:t>
+            </a:r>
+            <a:r>
+              <a:rPr lang="ko-KR" sz="1800">
+                <a:latin typeface="맑은 고딕" charset="0"/>
+                <a:ea typeface="맑은 고딕" charset="0"/>
+              </a:rPr>
+              <a:t>런 다음 Canvas를 3차원 공간에서 표시하기 위해 Rener Mode를 World Space로 변경합니다.</a:t>
+            </a:r>
+            <a:endParaRPr lang="ko-KR" altLang="en-US" sz="1800">
+              <a:latin typeface="맑은 고딕" charset="0"/>
+              <a:ea typeface="맑은 고딕" charset="0"/>
+            </a:endParaRPr>
+          </a:p>
         </p:txBody>
       </p:sp>
       <p:pic>
         <p:nvPicPr>
-          <p:cNvPr id="72" name="그림 28" descr="C:/Users/Admin1/AppData/Roaming/PolarisOffice/ETemp/7964_20879944/fImage191682899358.png"/>
+          <p:cNvPr id="64" name="그림 4" descr="C:/Users/Admin1/AppData/Roaming/PolarisOffice/ETemp/7276_13419048/fImage217262668467.png"/>
+          <p:cNvPicPr>
+            <a:picLocks noChangeAspect="1"/>
+          </p:cNvPicPr>
+          <p:nvPr/>
+        </p:nvPicPr>
+        <p:blipFill rotWithShape="1">
+          <a:blip r:embed="rId2" cstate="hqprint">
+            <a:extLst>
+              <a:ext uri="{28A0092B-C50C-407E-A947-70E740481C1C}">
+                <a14:useLocalDpi xmlns:a14="http://schemas.microsoft.com/office/drawing/2010/main"/>
+              </a:ext>
+            </a:extLst>
+          </a:blip>
+          <a:stretch>
+            <a:fillRect/>
+          </a:stretch>
+        </p:blipFill>
+        <p:spPr>
+          <a:xfrm rot="0">
+            <a:off x="1365885" y="1390650"/>
+            <a:ext cx="2511425" cy="3030220"/>
+          </a:xfrm>
+          <a:prstGeom prst="roundRect"/>
+          <a:solidFill>
+            <a:srgbClr val="EDEDED"/>
+          </a:solidFill>
+        </p:spPr>
+      </p:pic>
+      <p:pic>
+        <p:nvPicPr>
+          <p:cNvPr id="65" name="그림 11" descr="C:/Users/Admin1/AppData/Roaming/PolarisOffice/ETemp/7276_13419048/fImage21742696334.png"/>
           <p:cNvPicPr>
             <a:picLocks noChangeAspect="1"/>
           </p:cNvPicPr>
@@ -10352,151 +10675,18 @@
         </p:blipFill>
         <p:spPr>
           <a:xfrm rot="0">
-            <a:off x="6832600" y="1375410"/>
-            <a:ext cx="4256405" cy="3425190"/>
-          </a:xfrm>
-          <a:prstGeom prst="rect"/>
-          <a:noFill/>
+            <a:off x="4402455" y="3638550"/>
+            <a:ext cx="703580" cy="791210"/>
+          </a:xfrm>
+          <a:prstGeom prst="roundRect"/>
+          <a:solidFill>
+            <a:srgbClr val="EDEDED"/>
+          </a:solidFill>
         </p:spPr>
       </p:pic>
-      <p:sp>
-        <p:nvSpPr>
-          <p:cNvPr id="73" name="텍스트 상자 3"/>
-          <p:cNvSpPr txBox="1">
-            <a:spLocks/>
-          </p:cNvSpPr>
-          <p:nvPr/>
-        </p:nvSpPr>
-        <p:spPr>
-          <a:xfrm rot="0">
-            <a:off x="1366520" y="3536950"/>
-            <a:ext cx="4005580" cy="2585085"/>
-          </a:xfrm>
-          <a:prstGeom prst="rect"/>
-          <a:noFill/>
-          <a:ln w="0">
-            <a:noFill/>
-            <a:prstDash/>
-          </a:ln>
-        </p:spPr>
-        <p:txBody>
-          <a:bodyPr wrap="square" lIns="89535" tIns="46355" rIns="89535" bIns="46355" numCol="1" vert="horz" anchor="t">
-            <a:spAutoFit/>
-          </a:bodyPr>
-          <a:lstStyle/>
-          <a:p>
-            <a:pPr marL="0" indent="0" rtl="0" algn="l" defTabSz="914400" eaLnBrk="1" latinLnBrk="0" hangingPunct="1">
-              <a:buFontTx/>
-              <a:buNone/>
-            </a:pPr>
-            <a:r>
-              <a:rPr sz="1800" b="1">
-                <a:solidFill>
-                  <a:srgbClr val="0611F2"/>
-                </a:solidFill>
-                <a:latin typeface="맑은 고딕" charset="0"/>
-                <a:ea typeface="맑은 고딕" charset="0"/>
-              </a:rPr>
-              <a:t>3</a:t>
-            </a:r>
-            <a:r>
-              <a:rPr lang="ko-KR" sz="1800" b="1">
-                <a:solidFill>
-                  <a:srgbClr val="0611F2"/>
-                </a:solidFill>
-                <a:latin typeface="맑은 고딕" charset="0"/>
-                <a:ea typeface="맑은 고딕" charset="0"/>
-              </a:rPr>
-              <a:t>1</a:t>
-            </a:r>
-            <a:r>
-              <a:rPr sz="1800" b="1">
-                <a:solidFill>
-                  <a:srgbClr val="0611F2"/>
-                </a:solidFill>
-                <a:latin typeface="맑은 고딕" charset="0"/>
-                <a:ea typeface="맑은 고딕" charset="0"/>
-              </a:rPr>
-              <a:t>.</a:t>
-            </a:r>
-            <a:r>
-              <a:rPr sz="1800">
-                <a:latin typeface="맑은 고딕" charset="0"/>
-                <a:ea typeface="맑은 고딕" charset="0"/>
-              </a:rPr>
-              <a:t> </a:t>
-            </a:r>
-            <a:r>
-              <a:rPr lang="ko-KR" sz="1800">
-                <a:latin typeface="맑은 고딕" charset="0"/>
-                <a:ea typeface="맑은 고딕" charset="0"/>
-              </a:rPr>
-              <a:t>그런 다음 Billboard 스크립트에서 text 변수를 선언합니다.</a:t>
-            </a:r>
-            <a:endParaRPr lang="ko-KR" altLang="en-US" sz="1800">
-              <a:latin typeface="맑은 고딕" charset="0"/>
-              <a:ea typeface="맑은 고딕" charset="0"/>
-            </a:endParaRPr>
-          </a:p>
-          <a:p>
-            <a:pPr marL="0" indent="0" rtl="0" algn="l" defTabSz="914400" eaLnBrk="1" latinLnBrk="0" hangingPunct="1">
-              <a:buFontTx/>
-              <a:buNone/>
-            </a:pPr>
-            <a:endParaRPr lang="ko-KR" altLang="en-US" sz="1800">
-              <a:latin typeface="맑은 고딕" charset="0"/>
-              <a:ea typeface="맑은 고딕" charset="0"/>
-            </a:endParaRPr>
-          </a:p>
-          <a:p>
-            <a:pPr marL="0" indent="0" rtl="0" algn="l" defTabSz="914400" eaLnBrk="1" latinLnBrk="0" hangingPunct="1">
-              <a:buFontTx/>
-              <a:buNone/>
-            </a:pPr>
-            <a:r>
-              <a:rPr lang="ko-KR" sz="1800">
-                <a:latin typeface="맑은 고딕" charset="0"/>
-                <a:ea typeface="맑은 고딕" charset="0"/>
-              </a:rPr>
-              <a:t>그리고 text 변수에 자신의 닉네임을 넣어줍니다.</a:t>
-            </a:r>
-            <a:endParaRPr lang="ko-KR" altLang="en-US" sz="1800">
-              <a:latin typeface="맑은 고딕" charset="0"/>
-              <a:ea typeface="맑은 고딕" charset="0"/>
-            </a:endParaRPr>
-          </a:p>
-          <a:p>
-            <a:pPr marL="0" indent="0" rtl="0" algn="l" defTabSz="914400" eaLnBrk="1" latinLnBrk="0" hangingPunct="1">
-              <a:buFontTx/>
-              <a:buNone/>
-            </a:pPr>
-            <a:endParaRPr lang="ko-KR" altLang="en-US" sz="1800">
-              <a:latin typeface="맑은 고딕" charset="0"/>
-              <a:ea typeface="맑은 고딕" charset="0"/>
-            </a:endParaRPr>
-          </a:p>
-          <a:p>
-            <a:pPr marL="0" indent="0" rtl="0" algn="l" defTabSz="914400" eaLnBrk="1" latinLnBrk="0" hangingPunct="1">
-              <a:buFontTx/>
-              <a:buNone/>
-            </a:pPr>
-            <a:r>
-              <a:rPr lang="ko-KR" sz="1800">
-                <a:latin typeface="맑은 고딕" charset="0"/>
-                <a:ea typeface="맑은 고딕" charset="0"/>
-              </a:rPr>
-              <a:t>그다음 자기 앞의 방향에 카메라의 앞 방향을 지정하여 바라볼 수 있도록 설정합니다.</a:t>
-            </a:r>
-            <a:endParaRPr lang="ko-KR" altLang="en-US" sz="1800">
-              <a:latin typeface="맑은 고딕" charset="0"/>
-              <a:ea typeface="맑은 고딕" charset="0"/>
-            </a:endParaRPr>
-          </a:p>
-        </p:txBody>
-      </p:sp>
       <p:pic>
         <p:nvPicPr>
-          <p:cNvPr id="74" name="그림 4" descr="C:/Users/Admin1/AppData/Roaming/PolarisOffice/ETemp/7964_20879944/fImage133412986962.png"/>
+          <p:cNvPr id="68" name="그림 18" descr="C:/Users/Admin1/AppData/Roaming/PolarisOffice/ETemp/7276_13419048/fImage168562729169.png"/>
           <p:cNvPicPr>
             <a:picLocks noChangeAspect="1"/>
           </p:cNvPicPr>
@@ -10516,13 +10706,175 @@
         </p:blipFill>
         <p:spPr>
           <a:xfrm rot="0">
-            <a:off x="1364615" y="1366520"/>
-            <a:ext cx="4007485" cy="2007870"/>
+            <a:off x="6817995" y="1390650"/>
+            <a:ext cx="4253865" cy="1222375"/>
           </a:xfrm>
           <a:prstGeom prst="roundRect"/>
           <a:solidFill>
             <a:srgbClr val="EDEDED"/>
           </a:solidFill>
+        </p:spPr>
+      </p:pic>
+      <p:pic>
+        <p:nvPicPr>
+          <p:cNvPr id="69" name="그림 21"/>
+          <p:cNvPicPr>
+            <a:picLocks noChangeAspect="1"/>
+          </p:cNvPicPr>
+          <p:nvPr/>
+        </p:nvPicPr>
+        <p:blipFill rotWithShape="1">
+          <a:blip r:embed="rId6" cstate="print">
+            <a:extLst>
+              <a:ext uri="{28A0092B-C50C-407E-A947-70E740481C1C}">
+                <a14:useLocalDpi xmlns:a14="http://schemas.microsoft.com/office/drawing/2010/main" val="0"/>
+              </a:ext>
+            </a:extLst>
+          </a:blip>
+          <a:stretch>
+            <a:fillRect/>
+          </a:stretch>
+        </p:blipFill>
+        <p:spPr>
+          <a:xfrm rot="0">
+            <a:off x="6822440" y="3790315"/>
+            <a:ext cx="4239895" cy="1425575"/>
+          </a:xfrm>
+          <a:prstGeom prst="roundRect"/>
+          <a:solidFill>
+            <a:srgbClr val="EDEDED"/>
+          </a:solidFill>
+        </p:spPr>
+      </p:pic>
+      <p:sp>
+        <p:nvSpPr>
+          <p:cNvPr id="70" name="텍스트 상자 24"/>
+          <p:cNvSpPr txBox="1">
+            <a:spLocks/>
+          </p:cNvSpPr>
+          <p:nvPr/>
+        </p:nvSpPr>
+        <p:spPr>
+          <a:xfrm rot="0">
+            <a:off x="6825615" y="5390515"/>
+            <a:ext cx="4245610" cy="647065"/>
+          </a:xfrm>
+          <a:prstGeom prst="rect"/>
+          <a:noFill/>
+          <a:ln w="0">
+            <a:noFill/>
+            <a:prstDash/>
+          </a:ln>
+        </p:spPr>
+        <p:txBody>
+          <a:bodyPr wrap="square" lIns="89535" tIns="46355" rIns="89535" bIns="46355" numCol="1" vert="horz" anchor="t">
+            <a:spAutoFit/>
+          </a:bodyPr>
+          <a:lstStyle/>
+          <a:p>
+            <a:pPr marL="0" indent="0" rtl="0" algn="l" defTabSz="914400" eaLnBrk="1" latinLnBrk="0" hangingPunct="1">
+              <a:buFontTx/>
+              <a:buNone/>
+            </a:pPr>
+            <a:r>
+              <a:rPr sz="1800" b="1">
+                <a:solidFill>
+                  <a:srgbClr val="0611F2"/>
+                </a:solidFill>
+                <a:latin typeface="맑은 고딕" charset="0"/>
+                <a:ea typeface="맑은 고딕" charset="0"/>
+              </a:rPr>
+              <a:t>34</a:t>
+            </a:r>
+            <a:r>
+              <a:rPr sz="1800" b="1">
+                <a:solidFill>
+                  <a:srgbClr val="0611F2"/>
+                </a:solidFill>
+                <a:latin typeface="맑은 고딕" charset="0"/>
+                <a:ea typeface="맑은 고딕" charset="0"/>
+              </a:rPr>
+              <a:t>.</a:t>
+            </a:r>
+            <a:r>
+              <a:rPr sz="1800">
+                <a:latin typeface="맑은 고딕" charset="0"/>
+                <a:ea typeface="맑은 고딕" charset="0"/>
+              </a:rPr>
+              <a:t> </a:t>
+            </a:r>
+            <a:r>
+              <a:rPr lang="ko-KR" sz="1800">
+                <a:latin typeface="맑은 고딕" charset="0"/>
+                <a:ea typeface="맑은 고딕" charset="0"/>
+              </a:rPr>
+              <a:t>그다음 Canvas의 크기와 위치를 0으로 초기화합니다.</a:t>
+            </a:r>
+            <a:endParaRPr lang="ko-KR" altLang="en-US" sz="1800">
+              <a:latin typeface="맑은 고딕" charset="0"/>
+              <a:ea typeface="맑은 고딕" charset="0"/>
+            </a:endParaRPr>
+          </a:p>
+        </p:txBody>
+      </p:sp>
+      <p:pic>
+        <p:nvPicPr>
+          <p:cNvPr id="71" name="그림 52" descr="C:/Users/Admin1/AppData/Roaming/PolarisOffice/ETemp/7276_13419048/fImage95963178145.png"/>
+          <p:cNvPicPr>
+            <a:picLocks noChangeAspect="1"/>
+          </p:cNvPicPr>
+          <p:nvPr/>
+        </p:nvPicPr>
+        <p:blipFill rotWithShape="1">
+          <a:blip r:embed="rId8" cstate="print">
+            <a:extLst>
+              <a:ext uri="{28A0092B-C50C-407E-A947-70E740481C1C}">
+                <a14:useLocalDpi xmlns:a14="http://schemas.microsoft.com/office/drawing/2010/main" val="0"/>
+              </a:ext>
+            </a:extLst>
+          </a:blip>
+          <a:stretch>
+            <a:fillRect/>
+          </a:stretch>
+        </p:blipFill>
+        <p:spPr>
+          <a:xfrm rot="0">
+            <a:off x="4076700" y="1390650"/>
+            <a:ext cx="1315085" cy="1858010"/>
+          </a:xfrm>
+          <a:prstGeom prst="roundRect"/>
+          <a:solidFill>
+            <a:srgbClr val="EDEDED"/>
+          </a:solidFill>
+        </p:spPr>
+      </p:pic>
+      <p:pic>
+        <p:nvPicPr>
+          <p:cNvPr id="72" name="그림 55" descr="C:/Users/Admin1/AppData/Roaming/PolarisOffice/ETemp/7276_13419048/fImage2242172279169.png"/>
+          <p:cNvPicPr>
+            <a:picLocks noChangeAspect="1"/>
+          </p:cNvPicPr>
+          <p:nvPr/>
+        </p:nvPicPr>
+        <p:blipFill rotWithShape="1">
+          <a:blip r:embed="rId9" cstate="hqprint">
+            <a:extLst>
+              <a:ext uri="{28A0092B-C50C-407E-A947-70E740481C1C}">
+                <a14:useLocalDpi xmlns:a14="http://schemas.microsoft.com/office/drawing/2010/main"/>
+              </a:ext>
+            </a:extLst>
+          </a:blip>
+          <a:stretch>
+            <a:fillRect/>
+          </a:stretch>
+        </p:blipFill>
+        <p:spPr>
+          <a:xfrm rot="16200000">
+            <a:off x="4511675" y="3121660"/>
+            <a:ext cx="495935" cy="386715"/>
+          </a:xfrm>
+          <a:prstGeom prst="rect"/>
+          <a:noFill/>
         </p:spPr>
       </p:pic>
     </p:spTree>
@@ -10575,8 +10927,8 @@
         </p:nvSpPr>
         <p:spPr>
           <a:xfrm rot="0">
-            <a:off x="4339590" y="407035"/>
-            <a:ext cx="3509010" cy="554990"/>
+            <a:off x="4120515" y="407035"/>
+            <a:ext cx="3947795" cy="554990"/>
           </a:xfrm>
           <a:prstGeom prst="rect"/>
           <a:noFill/>
@@ -10607,7 +10959,7 @@
                 <a:latin typeface="맑은 고딕" charset="0"/>
                 <a:ea typeface="맑은 고딕" charset="0"/>
               </a:rPr>
-              <a:t>네</a:t>
+              <a:t>다섯</a:t>
             </a:r>
             <a:r>
               <a:rPr lang="ko-KR" sz="3000" b="1">
@@ -10625,7 +10977,7 @@
       </p:sp>
       <p:sp>
         <p:nvSpPr>
-          <p:cNvPr id="74" name="텍스트 상자 1"/>
+          <p:cNvPr id="70" name="Rect 0"/>
           <p:cNvSpPr txBox="1">
             <a:spLocks/>
           </p:cNvSpPr>
@@ -10633,8 +10985,8 @@
         </p:nvSpPr>
         <p:spPr>
           <a:xfrm rot="0">
-            <a:off x="1384300" y="3013075"/>
-            <a:ext cx="4004310" cy="647065"/>
+            <a:off x="6853555" y="3817620"/>
+            <a:ext cx="4119880" cy="2308225"/>
           </a:xfrm>
           <a:prstGeom prst="rect"/>
           <a:noFill/>
@@ -10664,6 +11016,16 @@
               <a:t>3</a:t>
             </a:r>
             <a:r>
+              <a:rPr lang="ko-KR" sz="1800" b="1">
+                <a:solidFill>
+                  <a:srgbClr val="0611F2"/>
+                </a:solidFill>
+                <a:latin typeface="맑은 고딕" charset="0"/>
+                <a:ea typeface="맑은 고딕" charset="0"/>
+              </a:rPr>
+              <a:t>6</a:t>
+            </a:r>
+            <a:r>
               <a:rPr sz="1800" b="1">
                 <a:solidFill>
                   <a:srgbClr val="0611F2"/>
@@ -10671,16 +11033,6 @@
                 <a:latin typeface="맑은 고딕" charset="0"/>
                 <a:ea typeface="맑은 고딕" charset="0"/>
               </a:rPr>
-              <a:t>3</a:t>
-            </a:r>
-            <a:r>
-              <a:rPr sz="1800" b="1">
-                <a:solidFill>
-                  <a:srgbClr val="0611F2"/>
-                </a:solidFill>
-                <a:latin typeface="맑은 고딕" charset="0"/>
-                <a:ea typeface="맑은 고딕" charset="0"/>
-              </a:rPr>
               <a:t>.</a:t>
             </a:r>
             <a:r>
@@ -10695,32 +11047,73 @@
                 <a:latin typeface="맑은 고딕" charset="0"/>
                 <a:ea typeface="맑은 고딕" charset="0"/>
               </a:rPr>
-              <a:t>마지막으로</a:t>
+              <a:t>이제 Text에 Font Size와 Alignment를 </a:t>
             </a:r>
             <a:r>
               <a:rPr lang="ko-KR" sz="1800">
                 <a:latin typeface="맑은 고딕" charset="0"/>
                 <a:ea typeface="맑은 고딕" charset="0"/>
               </a:rPr>
-              <a:t> NickName Text의 위치와 크기를 설정합니다.</a:t>
+              <a:t>가운데 정렬로 배치합니다.</a:t>
             </a:r>
             <a:endParaRPr lang="ko-KR" altLang="en-US" sz="1800">
               <a:latin typeface="맑은 고딕" charset="0"/>
               <a:ea typeface="맑은 고딕" charset="0"/>
             </a:endParaRPr>
           </a:p>
+          <a:p>
+            <a:pPr marL="0" indent="0" rtl="0" algn="l" defTabSz="914400" eaLnBrk="1" latinLnBrk="0" hangingPunct="1">
+              <a:buFontTx/>
+              <a:buNone/>
+            </a:pPr>
+            <a:endParaRPr lang="ko-KR" altLang="en-US" sz="1800">
+              <a:latin typeface="맑은 고딕" charset="0"/>
+              <a:ea typeface="맑은 고딕" charset="0"/>
+            </a:endParaRPr>
+          </a:p>
+          <a:p>
+            <a:pPr marL="0" indent="0" rtl="0" algn="l" defTabSz="914400" eaLnBrk="1" latinLnBrk="0" hangingPunct="1">
+              <a:buFontTx/>
+              <a:buNone/>
+            </a:pPr>
+            <a:r>
+              <a:rPr lang="ko-KR" sz="1800">
+                <a:latin typeface="맑은 고딕" charset="0"/>
+                <a:ea typeface="맑은 고딕" charset="0"/>
+              </a:rPr>
+              <a:t>그런 다음</a:t>
+            </a:r>
+            <a:r>
+              <a:rPr lang="ko-KR" sz="1800">
+                <a:latin typeface="맑은 고딕" charset="0"/>
+                <a:ea typeface="맑은 고딕" charset="0"/>
+              </a:rPr>
+              <a:t> Horizontal Overflow와 Vertical Overflow를 Overflow로 설정</a:t>
+            </a:r>
+            <a:r>
+              <a:rPr lang="ko-KR" sz="1800">
+                <a:latin typeface="맑은 고딕" charset="0"/>
+                <a:ea typeface="맑은 고딕" charset="0"/>
+              </a:rPr>
+              <a:t>하고 Color를 초록색 RGB (0,255,0)로 설정합니다.</a:t>
+            </a:r>
+            <a:endParaRPr lang="ko-KR" altLang="en-US" sz="1800">
+              <a:latin typeface="맑은 고딕" charset="0"/>
+              <a:ea typeface="맑은 고딕" charset="0"/>
+            </a:endParaRPr>
+          </a:p>
         </p:txBody>
       </p:sp>
       <p:pic>
         <p:nvPicPr>
-          <p:cNvPr id="75" name="그림 2" descr="C:/Users/Admin1/AppData/Roaming/PolarisOffice/ETemp/7964_20879944/fImage136812881478.png"/>
+          <p:cNvPr id="72" name="그림 28" descr="C:/Users/Admin1/AppData/Roaming/PolarisOffice/ETemp/7276_13419048/fImage191682899358.png"/>
           <p:cNvPicPr>
             <a:picLocks noChangeAspect="1"/>
           </p:cNvPicPr>
           <p:nvPr/>
         </p:nvPicPr>
         <p:blipFill rotWithShape="1">
-          <a:blip r:embed="rId4" cstate="hqprint">
+          <a:blip r:embed="rId3" cstate="hqprint">
             <a:extLst>
               <a:ext uri="{28A0092B-C50C-407E-A947-70E740481C1C}">
                 <a14:useLocalDpi xmlns:a14="http://schemas.microsoft.com/office/drawing/2010/main"/>
@@ -10733,8 +11126,8 @@
         </p:blipFill>
         <p:spPr>
           <a:xfrm rot="0">
-            <a:off x="1378585" y="1418590"/>
-            <a:ext cx="4010025" cy="1487805"/>
+            <a:off x="6858000" y="1419225"/>
+            <a:ext cx="4115435" cy="2258060"/>
           </a:xfrm>
           <a:prstGeom prst="roundRect"/>
           <a:solidFill>
@@ -10742,19 +11135,154 @@
           </a:solidFill>
         </p:spPr>
       </p:pic>
+      <p:sp>
+        <p:nvSpPr>
+          <p:cNvPr id="73" name="텍스트 상자 3"/>
+          <p:cNvSpPr txBox="1">
+            <a:spLocks/>
+          </p:cNvSpPr>
+          <p:nvPr/>
+        </p:nvSpPr>
+        <p:spPr>
+          <a:xfrm>
+            <a:off x="1366520" y="3536950"/>
+            <a:ext cx="4006215" cy="2585085"/>
+          </a:xfrm>
+          <a:prstGeom prst="rect"/>
+          <a:noFill/>
+          <a:ln w="0">
+            <a:noFill/>
+            <a:prstDash/>
+          </a:ln>
+        </p:spPr>
+        <p:txBody>
+          <a:bodyPr wrap="square" lIns="89535" tIns="46355" rIns="89535" bIns="46355" numCol="1" vert="horz" anchor="t">
+            <a:spAutoFit/>
+          </a:bodyPr>
+          <a:lstStyle/>
+          <a:p>
+            <a:pPr marL="0" indent="0" rtl="0" algn="l" defTabSz="914400" eaLnBrk="1" latinLnBrk="0" hangingPunct="1">
+              <a:buFontTx/>
+              <a:buNone/>
+            </a:pPr>
+            <a:r>
+              <a:rPr sz="1800" b="1">
+                <a:solidFill>
+                  <a:srgbClr val="0611F2"/>
+                </a:solidFill>
+                <a:latin typeface="맑은 고딕" charset="0"/>
+                <a:ea typeface="맑은 고딕" charset="0"/>
+              </a:rPr>
+              <a:t>3</a:t>
+            </a:r>
+            <a:r>
+              <a:rPr lang="ko-KR" sz="1800" b="1">
+                <a:solidFill>
+                  <a:srgbClr val="0611F2"/>
+                </a:solidFill>
+                <a:latin typeface="맑은 고딕" charset="0"/>
+                <a:ea typeface="맑은 고딕" charset="0"/>
+              </a:rPr>
+              <a:t>5</a:t>
+            </a:r>
+            <a:r>
+              <a:rPr sz="1800" b="1">
+                <a:solidFill>
+                  <a:srgbClr val="0611F2"/>
+                </a:solidFill>
+                <a:latin typeface="맑은 고딕" charset="0"/>
+                <a:ea typeface="맑은 고딕" charset="0"/>
+              </a:rPr>
+              <a:t>.</a:t>
+            </a:r>
+            <a:r>
+              <a:rPr sz="1800">
+                <a:latin typeface="맑은 고딕" charset="0"/>
+                <a:ea typeface="맑은 고딕" charset="0"/>
+              </a:rPr>
+              <a:t> </a:t>
+            </a:r>
+            <a:r>
+              <a:rPr lang="ko-KR" sz="1800">
+                <a:latin typeface="맑은 고딕" charset="0"/>
+                <a:ea typeface="맑은 고딕" charset="0"/>
+              </a:rPr>
+              <a:t>그런 다음 Billboard 스크립트에서 text 변수를 선언합니다.</a:t>
+            </a:r>
+            <a:endParaRPr lang="ko-KR" altLang="en-US" sz="1800">
+              <a:latin typeface="맑은 고딕" charset="0"/>
+              <a:ea typeface="맑은 고딕" charset="0"/>
+            </a:endParaRPr>
+          </a:p>
+          <a:p>
+            <a:pPr marL="0" indent="0" rtl="0" algn="l" defTabSz="914400" eaLnBrk="1" latinLnBrk="0" hangingPunct="1">
+              <a:buFontTx/>
+              <a:buNone/>
+            </a:pPr>
+            <a:endParaRPr lang="ko-KR" altLang="en-US" sz="1800">
+              <a:latin typeface="맑은 고딕" charset="0"/>
+              <a:ea typeface="맑은 고딕" charset="0"/>
+            </a:endParaRPr>
+          </a:p>
+          <a:p>
+            <a:pPr marL="0" indent="0" rtl="0" algn="l" defTabSz="914400" eaLnBrk="1" latinLnBrk="0" hangingPunct="1">
+              <a:buFontTx/>
+              <a:buNone/>
+            </a:pPr>
+            <a:r>
+              <a:rPr lang="ko-KR" sz="1800">
+                <a:latin typeface="맑은 고딕" charset="0"/>
+                <a:ea typeface="맑은 고딕" charset="0"/>
+              </a:rPr>
+              <a:t>그리고 text 변수에 자신의 닉네임을 넣어줍니다.</a:t>
+            </a:r>
+            <a:endParaRPr lang="ko-KR" altLang="en-US" sz="1800">
+              <a:latin typeface="맑은 고딕" charset="0"/>
+              <a:ea typeface="맑은 고딕" charset="0"/>
+            </a:endParaRPr>
+          </a:p>
+          <a:p>
+            <a:pPr marL="0" indent="0" rtl="0" algn="l" defTabSz="914400" eaLnBrk="1" latinLnBrk="0" hangingPunct="1">
+              <a:buFontTx/>
+              <a:buNone/>
+            </a:pPr>
+            <a:endParaRPr lang="ko-KR" altLang="en-US" sz="1800">
+              <a:latin typeface="맑은 고딕" charset="0"/>
+              <a:ea typeface="맑은 고딕" charset="0"/>
+            </a:endParaRPr>
+          </a:p>
+          <a:p>
+            <a:pPr marL="0" indent="0" rtl="0" algn="l" defTabSz="914400" eaLnBrk="1" latinLnBrk="0" hangingPunct="1">
+              <a:buFontTx/>
+              <a:buNone/>
+            </a:pPr>
+            <a:r>
+              <a:rPr lang="ko-KR" sz="1800">
+                <a:latin typeface="맑은 고딕" charset="0"/>
+                <a:ea typeface="맑은 고딕" charset="0"/>
+              </a:rPr>
+              <a:t>그다음 자기 앞의 방향에 카메라의 앞 방향을 지정하여 바라볼 수 있도록 설정합니다.</a:t>
+            </a:r>
+            <a:endParaRPr lang="ko-KR" altLang="en-US" sz="1800">
+              <a:latin typeface="맑은 고딕" charset="0"/>
+              <a:ea typeface="맑은 고딕" charset="0"/>
+            </a:endParaRPr>
+          </a:p>
+        </p:txBody>
+      </p:sp>
       <p:pic>
         <p:nvPicPr>
-          <p:cNvPr id="76" name="그림 14" descr="C:/Users/Admin1/AppData/Roaming/PolarisOffice/ETemp/7964_20879944/fImage747921941.png"/>
+          <p:cNvPr id="74" name="그림 4" descr="C:/Users/Admin1/AppData/Roaming/PolarisOffice/ETemp/7276_13419048/fImage133412986962.png"/>
           <p:cNvPicPr>
             <a:picLocks noChangeAspect="1"/>
           </p:cNvPicPr>
           <p:nvPr/>
         </p:nvPicPr>
         <p:blipFill rotWithShape="1">
-          <a:blip r:embed="rId5" cstate="print">
+          <a:blip r:embed="rId5" cstate="hqprint">
             <a:extLst>
               <a:ext uri="{28A0092B-C50C-407E-A947-70E740481C1C}">
-                <a14:useLocalDpi xmlns:a14="http://schemas.microsoft.com/office/drawing/2010/main" val="0"/>
+                <a14:useLocalDpi xmlns:a14="http://schemas.microsoft.com/office/drawing/2010/main"/>
               </a:ext>
             </a:extLst>
           </a:blip>
@@ -10764,8 +11292,8 @@
         </p:blipFill>
         <p:spPr>
           <a:xfrm rot="0">
-            <a:off x="6815455" y="1409700"/>
-            <a:ext cx="4169410" cy="1151255"/>
+            <a:off x="1364615" y="1428750"/>
+            <a:ext cx="4008120" cy="1946275"/>
           </a:xfrm>
           <a:prstGeom prst="roundRect"/>
           <a:solidFill>
@@ -10773,9 +11301,219 @@
           </a:solidFill>
         </p:spPr>
       </p:pic>
+    </p:spTree>
+  </p:cSld>
+  <p:clrMapOvr>
+    <a:masterClrMapping/>
+  </p:clrMapOvr>
+  <mc:AlternateContent xmlns:mc="http://schemas.openxmlformats.org/markup-compatibility/2006">
+    <mc:Choice xmlns:p14="http://schemas.microsoft.com/office/powerpoint/2010/main" Requires="p14">
+      <p:transition spd="slow" p14:dur="2000"/>
+    </mc:Choice>
+    <mc:Fallback>
+      <p:transition spd="slow"/>
+    </mc:Fallback>
+  </mc:AlternateContent>
+  <p:timing>
+    <p:tnLst>
+      <p:par>
+        <p:cTn id="1" dur="indefinite" restart="never" nodeType="tmRoot"/>
+      </p:par>
+    </p:tnLst>
+  </p:timing>
+</p:sld>
+</file>
+
+<file path=ppt/slides/slide16.xml><?xml version="1.0" encoding="utf-8"?>
+<p:sld xmlns:a="http://schemas.openxmlformats.org/drawingml/2006/main" xmlns:r="http://schemas.openxmlformats.org/officeDocument/2006/relationships" xmlns:p="http://schemas.openxmlformats.org/presentationml/2006/main" xmlns:p14="http://schemas.microsoft.com/office/powerpoint/2010/main">
+  <p:cSld>
+    <p:spTree>
+      <p:nvGrpSpPr>
+        <p:cNvPr id="1" name=""/>
+        <p:cNvGrpSpPr/>
+        <p:nvPr/>
+      </p:nvGrpSpPr>
+      <p:grpSpPr>
+        <a:xfrm>
+          <a:off x="0" y="0"/>
+          <a:ext cx="0" cy="0"/>
+          <a:chOff x="0" y="0"/>
+          <a:chExt cx="0" cy="0"/>
+        </a:xfrm>
+      </p:grpSpPr>
+      <p:sp>
+        <p:nvSpPr>
+          <p:cNvPr id="27" name="Rect 0"/>
+          <p:cNvSpPr txBox="1">
+            <a:spLocks/>
+          </p:cNvSpPr>
+          <p:nvPr/>
+        </p:nvSpPr>
+        <p:spPr>
+          <a:xfrm rot="0">
+            <a:off x="4101465" y="407035"/>
+            <a:ext cx="3985895" cy="554990"/>
+          </a:xfrm>
+          <a:prstGeom prst="rect"/>
+          <a:noFill/>
+          <a:ln w="0">
+            <a:noFill/>
+            <a:prstDash/>
+          </a:ln>
+        </p:spPr>
+        <p:txBody>
+          <a:bodyPr wrap="square" lIns="89535" tIns="46355" rIns="89535" bIns="46355" numCol="1" vert="horz" anchor="t">
+            <a:spAutoFit/>
+          </a:bodyPr>
+          <a:lstStyle/>
+          <a:p>
+            <a:pPr marL="0" indent="0" algn="l" latinLnBrk="0" hangingPunct="1">
+              <a:buFontTx/>
+              <a:buNone/>
+            </a:pPr>
+            <a:r>
+              <a:rPr lang="ko-KR" sz="3000" b="1">
+                <a:latin typeface="맑은 고딕" charset="0"/>
+                <a:ea typeface="맑은 고딕" charset="0"/>
+              </a:rPr>
+              <a:t>열</a:t>
+            </a:r>
+            <a:r>
+              <a:rPr lang="ko-KR" sz="3000" b="1">
+                <a:latin typeface="맑은 고딕" charset="0"/>
+                <a:ea typeface="맑은 고딕" charset="0"/>
+              </a:rPr>
+              <a:t>여섯</a:t>
+            </a:r>
+            <a:r>
+              <a:rPr lang="ko-KR" sz="3000" b="1">
+                <a:latin typeface="맑은 고딕" charset="0"/>
+                <a:ea typeface="맑은 고딕" charset="0"/>
+              </a:rPr>
+              <a:t> 번째 튜토리얼</a:t>
+            </a:r>
+            <a:endParaRPr lang="ko-KR" altLang="en-US" sz="3000" b="1">
+              <a:latin typeface="맑은 고딕" charset="0"/>
+              <a:ea typeface="맑은 고딕" charset="0"/>
+            </a:endParaRPr>
+          </a:p>
+        </p:txBody>
+      </p:sp>
+      <p:sp>
+        <p:nvSpPr>
+          <p:cNvPr id="74" name="텍스트 상자 1"/>
+          <p:cNvSpPr txBox="1">
+            <a:spLocks/>
+          </p:cNvSpPr>
+          <p:nvPr/>
+        </p:nvSpPr>
+        <p:spPr>
+          <a:xfrm rot="0">
+            <a:off x="1384300" y="2974975"/>
+            <a:ext cx="4004945" cy="647065"/>
+          </a:xfrm>
+          <a:prstGeom prst="rect"/>
+          <a:noFill/>
+          <a:ln w="0">
+            <a:noFill/>
+            <a:prstDash/>
+          </a:ln>
+        </p:spPr>
+        <p:txBody>
+          <a:bodyPr wrap="square" lIns="89535" tIns="46355" rIns="89535" bIns="46355" numCol="1" vert="horz" anchor="t">
+            <a:spAutoFit/>
+          </a:bodyPr>
+          <a:lstStyle/>
+          <a:p>
+            <a:pPr marL="0" indent="0" rtl="0" algn="l" defTabSz="914400" eaLnBrk="1" latinLnBrk="0" hangingPunct="1">
+              <a:buFontTx/>
+              <a:buNone/>
+            </a:pPr>
+            <a:r>
+              <a:rPr sz="1800" b="1">
+                <a:solidFill>
+                  <a:srgbClr val="0611F2"/>
+                </a:solidFill>
+                <a:latin typeface="맑은 고딕" charset="0"/>
+                <a:ea typeface="맑은 고딕" charset="0"/>
+              </a:rPr>
+              <a:t>3</a:t>
+            </a:r>
+            <a:r>
+              <a:rPr sz="1800" b="1">
+                <a:solidFill>
+                  <a:srgbClr val="0611F2"/>
+                </a:solidFill>
+                <a:latin typeface="맑은 고딕" charset="0"/>
+                <a:ea typeface="맑은 고딕" charset="0"/>
+              </a:rPr>
+              <a:t>7</a:t>
+            </a:r>
+            <a:r>
+              <a:rPr sz="1800" b="1">
+                <a:solidFill>
+                  <a:srgbClr val="0611F2"/>
+                </a:solidFill>
+                <a:latin typeface="맑은 고딕" charset="0"/>
+                <a:ea typeface="맑은 고딕" charset="0"/>
+              </a:rPr>
+              <a:t>.</a:t>
+            </a:r>
+            <a:r>
+              <a:rPr sz="1800">
+                <a:latin typeface="맑은 고딕" charset="0"/>
+                <a:ea typeface="맑은 고딕" charset="0"/>
+              </a:rPr>
+              <a:t> </a:t>
+            </a:r>
+            <a:r>
+              <a:rPr lang="ko-KR" sz="1800">
+                <a:latin typeface="맑은 고딕" charset="0"/>
+                <a:ea typeface="맑은 고딕" charset="0"/>
+              </a:rPr>
+              <a:t>마지막으로 NickName Text의 위치와 크기를 설정합니다.</a:t>
+            </a:r>
+            <a:endParaRPr lang="ko-KR" altLang="en-US" sz="1800">
+              <a:latin typeface="맑은 고딕" charset="0"/>
+              <a:ea typeface="맑은 고딕" charset="0"/>
+            </a:endParaRPr>
+          </a:p>
+        </p:txBody>
+      </p:sp>
       <p:pic>
         <p:nvPicPr>
-          <p:cNvPr id="77" name="그림 17" descr="C:/Users/Admin1/AppData/Roaming/PolarisOffice/ETemp/7964_20879944/fImage51412208467.png"/>
+          <p:cNvPr id="76" name="그림 14" descr="C:/Users/Admin1/AppData/Roaming/PolarisOffice/ETemp/7276_13419048/fImage747921941.png"/>
+          <p:cNvPicPr>
+            <a:picLocks noChangeAspect="1"/>
+          </p:cNvPicPr>
+          <p:nvPr/>
+        </p:nvPicPr>
+        <p:blipFill rotWithShape="1">
+          <a:blip r:embed="rId5" cstate="hqprint">
+            <a:extLst>
+              <a:ext uri="{28A0092B-C50C-407E-A947-70E740481C1C}">
+                <a14:useLocalDpi xmlns:a14="http://schemas.microsoft.com/office/drawing/2010/main"/>
+              </a:ext>
+            </a:extLst>
+          </a:blip>
+          <a:stretch>
+            <a:fillRect/>
+          </a:stretch>
+        </p:blipFill>
+        <p:spPr>
+          <a:xfrm rot="0">
+            <a:off x="6815455" y="1409700"/>
+            <a:ext cx="4170045" cy="1151890"/>
+          </a:xfrm>
+          <a:prstGeom prst="roundRect"/>
+          <a:solidFill>
+            <a:srgbClr val="EDEDED"/>
+          </a:solidFill>
+        </p:spPr>
+      </p:pic>
+      <p:pic>
+        <p:nvPicPr>
+          <p:cNvPr id="77" name="그림 17"/>
           <p:cNvPicPr>
             <a:picLocks noChangeAspect="1"/>
           </p:cNvPicPr>
@@ -10813,12 +11551,11 @@
         <p:spPr>
           <a:xfrm rot="0" flipV="1">
             <a:off x="8173085" y="2291715"/>
-            <a:ext cx="2725420" cy="1609725"/>
+            <a:ext cx="2726055" cy="1610360"/>
           </a:xfrm>
           <a:prstGeom prst="straightConnector1"/>
           <a:ln w="6350" cap="flat" cmpd="sng">
             <a:prstDash/>
-            <a:headEnd type="none" w="med" len="med"/>
             <a:tailEnd type="triangle" w="med" len="med"/>
           </a:ln>
         </p:spPr>
@@ -10846,9 +11583,9 @@
           <p:nvPr/>
         </p:nvSpPr>
         <p:spPr>
-          <a:xfrm rot="0">
+          <a:xfrm>
             <a:off x="6818630" y="4335780"/>
-            <a:ext cx="4166235" cy="1754505"/>
+            <a:ext cx="4166870" cy="1754505"/>
           </a:xfrm>
           <a:prstGeom prst="rect"/>
           <a:noFill/>
@@ -10885,7 +11622,7 @@
                 <a:latin typeface="맑은 고딕" charset="0"/>
                 <a:ea typeface="맑은 고딕" charset="0"/>
               </a:rPr>
-              <a:t>5</a:t>
+              <a:t>9</a:t>
             </a:r>
             <a:r>
               <a:rPr sz="1800" b="1">
@@ -10947,7 +11684,7 @@
       </p:sp>
       <p:pic>
         <p:nvPicPr>
-          <p:cNvPr id="80" name="그림 23" descr="C:/Users/Admin1/AppData/Roaming/PolarisOffice/ETemp/7964_20879944/fImage47032256334.png"/>
+          <p:cNvPr id="80" name="그림 23"/>
           <p:cNvPicPr>
             <a:picLocks noChangeAspect="1"/>
           </p:cNvPicPr>
@@ -10985,9 +11722,9 @@
           <p:nvPr/>
         </p:nvSpPr>
         <p:spPr>
-          <a:xfrm rot="0">
+          <a:xfrm>
             <a:off x="1378585" y="5271135"/>
-            <a:ext cx="3996055" cy="677545"/>
+            <a:ext cx="3996690" cy="677545"/>
           </a:xfrm>
           <a:prstGeom prst="rect"/>
           <a:noFill/>
@@ -10997,7 +11734,7 @@
           </a:ln>
         </p:spPr>
         <p:txBody>
-          <a:bodyPr wrap="square" lIns="89535" tIns="46355" rIns="89535" bIns="46355" vert="horz" anchor="t">
+          <a:bodyPr wrap="square" lIns="89535" tIns="46355" rIns="89535" bIns="46355" numCol="1" vert="horz" anchor="t">
             <a:spAutoFit/>
           </a:bodyPr>
           <a:lstStyle/>
@@ -11014,7 +11751,17 @@
                 <a:latin typeface="맑은 고딕" charset="0"/>
                 <a:ea typeface="맑은 고딕" charset="0"/>
               </a:rPr>
-              <a:t>34</a:t>
+              <a:t>3</a:t>
+            </a:r>
+            <a:r>
+              <a:rPr lang="ko-KR" sz="2000" b="1">
+                <a:solidFill>
+                  <a:srgbClr val="0611F2"/>
+                </a:solidFill>
+                <a:latin typeface="맑은 고딕" charset="0"/>
+                <a:ea typeface="맑은 고딕" charset="0"/>
+              </a:rPr>
+              <a:t>8</a:t>
             </a:r>
             <a:r>
               <a:rPr sz="2000" b="1">
@@ -11054,6 +11801,37 @@
           </a:p>
         </p:txBody>
       </p:sp>
+      <p:pic>
+        <p:nvPicPr>
+          <p:cNvPr id="82" name="그림 56" descr="C:/Users/Admin1/AppData/Roaming/PolarisOffice/ETemp/7276_13419048/fImage129503193281.png"/>
+          <p:cNvPicPr>
+            <a:picLocks noChangeAspect="1"/>
+          </p:cNvPicPr>
+          <p:nvPr/>
+        </p:nvPicPr>
+        <p:blipFill rotWithShape="1">
+          <a:blip r:embed="rId8" cstate="print">
+            <a:extLst>
+              <a:ext uri="{28A0092B-C50C-407E-A947-70E740481C1C}">
+                <a14:useLocalDpi xmlns:a14="http://schemas.microsoft.com/office/drawing/2010/main" val="0"/>
+              </a:ext>
+            </a:extLst>
+          </a:blip>
+          <a:stretch>
+            <a:fillRect/>
+          </a:stretch>
+        </p:blipFill>
+        <p:spPr>
+          <a:xfrm rot="0">
+            <a:off x="1371600" y="1419225"/>
+            <a:ext cx="4010660" cy="1448435"/>
+          </a:xfrm>
+          <a:prstGeom prst="roundRect"/>
+          <a:solidFill>
+            <a:srgbClr val="EDEDED"/>
+          </a:solidFill>
+        </p:spPr>
+      </p:pic>
     </p:spTree>
   </p:cSld>
   <p:clrMapOvr>
@@ -11140,7 +11918,7 @@
       </p:sp>
       <p:pic>
         <p:nvPicPr>
-          <p:cNvPr id="30" name="그림 18" descr="C:/Users/Admin1/AppData/Roaming/PolarisOffice/ETemp/1892_13668960/fImage58051529169.png"/>
+          <p:cNvPr id="30" name="그림 18"/>
           <p:cNvPicPr>
             <a:picLocks noChangeAspect="1"/>
           </p:cNvPicPr>
@@ -11402,7 +12180,7 @@
       </p:sp>
       <p:pic>
         <p:nvPicPr>
-          <p:cNvPr id="36" name="그림 17" descr="C:/Users/Admin1/AppData/Roaming/PolarisOffice/ETemp/1892_13668960/fImage120802301478.png"/>
+          <p:cNvPr id="36" name="그림 17"/>
           <p:cNvPicPr>
             <a:picLocks noChangeAspect="1"/>
           </p:cNvPicPr>
@@ -11433,7 +12211,7 @@
       </p:pic>
       <p:pic>
         <p:nvPicPr>
-          <p:cNvPr id="37" name="그림 19" descr="C:/Users/Admin1/AppData/Roaming/PolarisOffice/ETemp/1892_13668960/fImage121462319358.png"/>
+          <p:cNvPr id="37" name="그림 19"/>
           <p:cNvPicPr>
             <a:picLocks noChangeAspect="1"/>
           </p:cNvPicPr>
@@ -11464,7 +12242,7 @@
       </p:pic>
       <p:pic>
         <p:nvPicPr>
-          <p:cNvPr id="38" name="그림 23" descr="C:/Users/Admin1/AppData/Roaming/PolarisOffice/ETemp/1892_13668960/fImage68982326962.png"/>
+          <p:cNvPr id="38" name="그림 23"/>
           <p:cNvPicPr>
             <a:picLocks noChangeAspect="1"/>
           </p:cNvPicPr>
@@ -11495,7 +12273,7 @@
       </p:pic>
       <p:pic>
         <p:nvPicPr>
-          <p:cNvPr id="39" name="그림 26" descr="C:/Users/Admin1/AppData/Roaming/PolarisOffice/ETemp/1892_13668960/fImage44642334464.png"/>
+          <p:cNvPr id="39" name="그림 26"/>
           <p:cNvPicPr>
             <a:picLocks noChangeAspect="1"/>
           </p:cNvPicPr>
@@ -11766,7 +12544,7 @@
       </p:sp>
       <p:pic>
         <p:nvPicPr>
-          <p:cNvPr id="45" name="그림 35" descr="C:/Users/Admin1/AppData/Roaming/PolarisOffice/ETemp/1892_13668960/fImage75692385705.png"/>
+          <p:cNvPr id="45" name="그림 35"/>
           <p:cNvPicPr>
             <a:picLocks noChangeAspect="1"/>
           </p:cNvPicPr>
@@ -11797,7 +12575,7 @@
       </p:pic>
       <p:pic>
         <p:nvPicPr>
-          <p:cNvPr id="46" name="그림 36" descr="C:/Users/Admin1/AppData/Roaming/PolarisOffice/ETemp/1892_13668960/fImage123222398145.png"/>
+          <p:cNvPr id="46" name="그림 36"/>
           <p:cNvPicPr>
             <a:picLocks noChangeAspect="1"/>
           </p:cNvPicPr>
@@ -11828,7 +12606,7 @@
       </p:pic>
       <p:pic>
         <p:nvPicPr>
-          <p:cNvPr id="47" name="그림 39" descr="C:/Users/Admin1/AppData/Roaming/PolarisOffice/ETemp/1892_13668960/fImage50392403281.png"/>
+          <p:cNvPr id="47" name="그림 39"/>
           <p:cNvPicPr>
             <a:picLocks noChangeAspect="1"/>
           </p:cNvPicPr>
@@ -11937,7 +12715,7 @@
       </p:sp>
       <p:pic>
         <p:nvPicPr>
-          <p:cNvPr id="49" name="그림 50" descr="C:/Users/Admin1/AppData/Roaming/PolarisOffice/ETemp/1892_13668960/fImage330251699169.png"/>
+          <p:cNvPr id="49" name="그림 50"/>
           <p:cNvPicPr>
             <a:picLocks noChangeAspect="1"/>
           </p:cNvPicPr>
@@ -11968,7 +12746,7 @@
       </p:pic>
       <p:pic>
         <p:nvPicPr>
-          <p:cNvPr id="50" name="그림 51" descr="C:/Users/Admin1/AppData/Roaming/PolarisOffice/ETemp/1892_13668960/fImage56051705724.png"/>
+          <p:cNvPr id="50" name="그림 51"/>
           <p:cNvPicPr>
             <a:picLocks noChangeAspect="1"/>
           </p:cNvPicPr>
@@ -12118,7 +12896,7 @@
       </p:sp>
       <p:pic>
         <p:nvPicPr>
-          <p:cNvPr id="52" name="그림 53" descr="C:/Users/Admin1/AppData/Roaming/PolarisOffice/ETemp/1892_13668960/fImage41652486827.png"/>
+          <p:cNvPr id="52" name="그림 53"/>
           <p:cNvPicPr>
             <a:picLocks noChangeAspect="1"/>
           </p:cNvPicPr>
@@ -12509,7 +13287,7 @@
       </p:sp>
       <p:pic>
         <p:nvPicPr>
-          <p:cNvPr id="46" name="그림 43" descr="C:/Users/Admin1/AppData/Roaming/PolarisOffice/ETemp/1892_13668960/fImage71392429961.png"/>
+          <p:cNvPr id="46" name="그림 43"/>
           <p:cNvPicPr>
             <a:picLocks noChangeAspect="1"/>
           </p:cNvPicPr>
@@ -12540,7 +13318,7 @@
       </p:pic>
       <p:pic>
         <p:nvPicPr>
-          <p:cNvPr id="47" name="그림 47" descr="C:/Users/Admin1/AppData/Roaming/PolarisOffice/ETemp/1892_13668960/fImage6758244491.png"/>
+          <p:cNvPr id="47" name="그림 47"/>
           <p:cNvPicPr>
             <a:picLocks noChangeAspect="1"/>
           </p:cNvPicPr>
@@ -12671,7 +13449,7 @@
         <p:spPr>
           <a:xfrm>
             <a:off x="1454785" y="4135120"/>
-            <a:ext cx="3909695" cy="2061845"/>
+            <a:ext cx="3910330" cy="2061845"/>
           </a:xfrm>
           <a:prstGeom prst="rect"/>
           <a:noFill/>
@@ -12698,17 +13476,7 @@
                 <a:latin typeface="맑은 고딕" charset="0"/>
                 <a:ea typeface="맑은 고딕" charset="0"/>
               </a:rPr>
-              <a:t>1</a:t>
-            </a:r>
-            <a:r>
-              <a:rPr lang="ko-KR" sz="2000" b="1">
-                <a:solidFill>
-                  <a:srgbClr val="0611F2"/>
-                </a:solidFill>
-                <a:latin typeface="맑은 고딕" charset="0"/>
-                <a:ea typeface="맑은 고딕" charset="0"/>
-              </a:rPr>
-              <a:t>2</a:t>
+              <a:t>12</a:t>
             </a:r>
             <a:r>
               <a:rPr sz="2000" b="1">
@@ -12752,7 +13520,14 @@
                 <a:latin typeface="맑은 고딕" charset="0"/>
                 <a:ea typeface="맑은 고딕" charset="0"/>
               </a:rPr>
-              <a:t>이제 키 입력과 마우스 회전에 따라 오브젝트가 이동 및 회전할 수 있도록 설정합니다.</a:t>
+              <a:t>그리고</a:t>
+            </a:r>
+            <a:r>
+              <a:rPr lang="ko-KR" sz="1800">
+                <a:latin typeface="맑은 고딕" charset="0"/>
+                <a:ea typeface="맑은 고딕" charset="0"/>
+              </a:rPr>
+              <a:t> 키 입력과 마우스 회전에 따라 오브젝트가 이동 및 회전할 수 있도록 설정합니다.</a:t>
             </a:r>
             <a:endParaRPr lang="ko-KR" altLang="en-US" sz="1800">
               <a:latin typeface="맑은 고딕" charset="0"/>
@@ -12763,7 +13538,7 @@
       </p:sp>
       <p:pic>
         <p:nvPicPr>
-          <p:cNvPr id="32" name="그림 57" descr="C:/Users/Admin1/AppData/Roaming/PolarisOffice/ETemp/1892_13668960/fImage101552502995.png"/>
+          <p:cNvPr id="32" name="그림 57"/>
           <p:cNvPicPr>
             <a:picLocks noChangeAspect="1"/>
           </p:cNvPicPr>
@@ -12801,9 +13576,9 @@
           <p:nvPr/>
         </p:nvSpPr>
         <p:spPr>
-          <a:xfrm rot="0">
+          <a:xfrm>
             <a:off x="6831965" y="3924935"/>
-            <a:ext cx="4125595" cy="2338705"/>
+            <a:ext cx="4126230" cy="2338705"/>
           </a:xfrm>
           <a:prstGeom prst="rect"/>
           <a:noFill/>
@@ -12830,17 +13605,7 @@
                 <a:latin typeface="맑은 고딕" charset="0"/>
                 <a:ea typeface="맑은 고딕" charset="0"/>
               </a:rPr>
-              <a:t>1</a:t>
-            </a:r>
-            <a:r>
-              <a:rPr lang="ko-KR" sz="2000" b="1">
-                <a:solidFill>
-                  <a:srgbClr val="0611F2"/>
-                </a:solidFill>
-                <a:latin typeface="맑은 고딕" charset="0"/>
-                <a:ea typeface="맑은 고딕" charset="0"/>
-              </a:rPr>
-              <a:t>3</a:t>
+              <a:t>13</a:t>
             </a:r>
             <a:r>
               <a:rPr sz="2000" b="1">
@@ -12884,6 +13649,13 @@
                 <a:latin typeface="맑은 고딕" charset="0"/>
                 <a:ea typeface="맑은 고딕" charset="0"/>
               </a:rPr>
+              <a:t>그다음 </a:t>
+            </a:r>
+            <a:r>
+              <a:rPr lang="ko-KR" sz="1800">
+                <a:latin typeface="맑은 고딕" charset="0"/>
+                <a:ea typeface="맑은 고딕" charset="0"/>
+              </a:rPr>
               <a:t>포톤 객체는 Resources 라는 폴더에서 불러올 수 있으며, 포톤 객체를 불러오게 되면 포톤 서버에 객체가 올라가게 됩니다.</a:t>
             </a:r>
             <a:endParaRPr lang="ko-KR" altLang="en-US" sz="1800">
@@ -12895,7 +13667,7 @@
       </p:sp>
       <p:pic>
         <p:nvPicPr>
-          <p:cNvPr id="34" name="그림 63" descr="C:/Users/Admin1/AppData/Roaming/PolarisOffice/ETemp/1892_13668960/fImage61771851478.png"/>
+          <p:cNvPr id="34" name="그림 63"/>
           <p:cNvPicPr>
             <a:picLocks noChangeAspect="1"/>
           </p:cNvPicPr>
@@ -13015,6 +13787,300 @@
           </a:p>
         </p:txBody>
       </p:sp>
+      <p:sp>
+        <p:nvSpPr>
+          <p:cNvPr id="28" name="텍스트 상자 1"/>
+          <p:cNvSpPr txBox="1">
+            <a:spLocks/>
+          </p:cNvSpPr>
+          <p:nvPr/>
+        </p:nvSpPr>
+        <p:spPr>
+          <a:xfrm rot="0">
+            <a:off x="1263650" y="4519295"/>
+            <a:ext cx="4112260" cy="1784985"/>
+          </a:xfrm>
+          <a:prstGeom prst="rect"/>
+          <a:noFill/>
+          <a:ln w="0">
+            <a:noFill/>
+            <a:prstDash/>
+          </a:ln>
+        </p:spPr>
+        <p:txBody>
+          <a:bodyPr wrap="square" lIns="89535" tIns="46355" rIns="89535" bIns="46355" vert="horz" anchor="t">
+            <a:spAutoFit/>
+          </a:bodyPr>
+          <a:lstStyle/>
+          <a:p>
+            <a:pPr marL="0" indent="0" rtl="0" algn="l" defTabSz="914400" eaLnBrk="1" latinLnBrk="0" hangingPunct="1">
+              <a:buFontTx/>
+              <a:buNone/>
+            </a:pPr>
+            <a:r>
+              <a:rPr sz="2000" b="1">
+                <a:solidFill>
+                  <a:srgbClr val="0611F2"/>
+                </a:solidFill>
+                <a:latin typeface="맑은 고딕" charset="0"/>
+                <a:ea typeface="맑은 고딕" charset="0"/>
+              </a:rPr>
+              <a:t>14</a:t>
+            </a:r>
+            <a:r>
+              <a:rPr sz="2000" b="1">
+                <a:solidFill>
+                  <a:srgbClr val="0611F2"/>
+                </a:solidFill>
+                <a:latin typeface="맑은 고딕" charset="0"/>
+                <a:ea typeface="맑은 고딕" charset="0"/>
+              </a:rPr>
+              <a:t>. </a:t>
+            </a:r>
+            <a:r>
+              <a:rPr sz="1800">
+                <a:latin typeface="맑은 고딕" charset="0"/>
+                <a:ea typeface="맑은 고딕" charset="0"/>
+              </a:rPr>
+              <a:t>그런 다음 Window에서 Asset Store를 선택합니다. </a:t>
+            </a:r>
+            <a:endParaRPr lang="ko-KR" altLang="en-US" sz="1800">
+              <a:latin typeface="맑은 고딕" charset="0"/>
+              <a:ea typeface="맑은 고딕" charset="0"/>
+            </a:endParaRPr>
+          </a:p>
+          <a:p>
+            <a:pPr marL="0" indent="0" rtl="0" algn="l" defTabSz="914400" eaLnBrk="1" latinLnBrk="0" hangingPunct="1">
+              <a:buFontTx/>
+              <a:buNone/>
+            </a:pPr>
+            <a:endParaRPr lang="ko-KR" altLang="en-US" sz="1800">
+              <a:latin typeface="맑은 고딕" charset="0"/>
+              <a:ea typeface="맑은 고딕" charset="0"/>
+            </a:endParaRPr>
+          </a:p>
+          <a:p>
+            <a:pPr marL="0" indent="0" rtl="0" algn="l" defTabSz="914400" eaLnBrk="1" latinLnBrk="0" hangingPunct="1">
+              <a:buFontTx/>
+              <a:buNone/>
+            </a:pPr>
+            <a:r>
+              <a:rPr sz="1800">
+                <a:latin typeface="맑은 고딕" charset="0"/>
+                <a:ea typeface="맑은 고딕" charset="0"/>
+              </a:rPr>
+              <a:t>그리고 Asset Store에서 </a:t>
+            </a:r>
+            <a:r>
+              <a:rPr lang="ko-KR" sz="1800">
+                <a:latin typeface="맑은 고딕" charset="0"/>
+                <a:ea typeface="맑은 고딕" charset="0"/>
+              </a:rPr>
+              <a:t>Photon Voice 2</a:t>
+            </a:r>
+            <a:r>
+              <a:rPr sz="1800">
+                <a:latin typeface="맑은 고딕" charset="0"/>
+                <a:ea typeface="맑은 고딕" charset="0"/>
+              </a:rPr>
+              <a:t>를 검색하고</a:t>
+            </a:r>
+            <a:r>
+              <a:rPr sz="1800">
+                <a:latin typeface="맑은 고딕" charset="0"/>
+                <a:ea typeface="맑은 고딕" charset="0"/>
+              </a:rPr>
+              <a:t> </a:t>
+            </a:r>
+            <a:r>
+              <a:rPr lang="ko-KR" sz="1800">
+                <a:latin typeface="맑은 고딕" charset="0"/>
+                <a:ea typeface="맑은 고딕" charset="0"/>
+              </a:rPr>
+              <a:t>Photon Voice 2</a:t>
+            </a:r>
+            <a:r>
+              <a:rPr sz="1800">
+                <a:latin typeface="맑은 고딕" charset="0"/>
+                <a:ea typeface="맑은 고딕" charset="0"/>
+              </a:rPr>
+              <a:t> - FREE 에셋을 선택합니다.</a:t>
+            </a:r>
+            <a:endParaRPr lang="ko-KR" altLang="en-US" sz="1800">
+              <a:latin typeface="맑은 고딕" charset="0"/>
+              <a:ea typeface="맑은 고딕" charset="0"/>
+            </a:endParaRPr>
+          </a:p>
+        </p:txBody>
+      </p:sp>
+      <p:pic>
+        <p:nvPicPr>
+          <p:cNvPr id="29" name="그림 2" descr="C:/Users/Admin1/AppData/Roaming/PolarisOffice/ETemp/7276_13419048/fImage1104821541.png"/>
+          <p:cNvPicPr>
+            <a:picLocks noChangeAspect="1"/>
+          </p:cNvPicPr>
+          <p:nvPr/>
+        </p:nvPicPr>
+        <p:blipFill rotWithShape="1">
+          <a:blip r:embed="rId6" cstate="hqprint">
+            <a:extLst>
+              <a:ext uri="{28A0092B-C50C-407E-A947-70E740481C1C}">
+                <a14:useLocalDpi xmlns:a14="http://schemas.microsoft.com/office/drawing/2010/main"/>
+              </a:ext>
+            </a:extLst>
+          </a:blip>
+          <a:stretch>
+            <a:fillRect/>
+          </a:stretch>
+        </p:blipFill>
+        <p:spPr>
+          <a:xfrm rot="0">
+            <a:off x="1263650" y="1361440"/>
+            <a:ext cx="1954530" cy="3002915"/>
+          </a:xfrm>
+          <a:prstGeom prst="rect"/>
+          <a:noFill/>
+        </p:spPr>
+      </p:pic>
+      <p:pic>
+        <p:nvPicPr>
+          <p:cNvPr id="30" name="그림 4" descr="C:/Users/Admin1/AppData/Roaming/PolarisOffice/ETemp/7276_13419048/fImage441292178467.png"/>
+          <p:cNvPicPr>
+            <a:picLocks noChangeAspect="1"/>
+          </p:cNvPicPr>
+          <p:nvPr/>
+        </p:nvPicPr>
+        <p:blipFill rotWithShape="1">
+          <a:blip r:embed="rId7" cstate="print">
+            <a:extLst>
+              <a:ext uri="{28A0092B-C50C-407E-A947-70E740481C1C}">
+                <a14:useLocalDpi xmlns:a14="http://schemas.microsoft.com/office/drawing/2010/main" val="0"/>
+              </a:ext>
+            </a:extLst>
+          </a:blip>
+          <a:stretch>
+            <a:fillRect/>
+          </a:stretch>
+        </p:blipFill>
+        <p:spPr>
+          <a:xfrm rot="0">
+            <a:off x="3465830" y="1362710"/>
+            <a:ext cx="1913255" cy="2993390"/>
+          </a:xfrm>
+          <a:prstGeom prst="rect"/>
+          <a:noFill/>
+        </p:spPr>
+      </p:pic>
+      <p:pic>
+        <p:nvPicPr>
+          <p:cNvPr id="31" name="그림 7" descr="C:/Users/Admin1/AppData/Roaming/PolarisOffice/ETemp/7276_13419048/fImage3449292186334.png"/>
+          <p:cNvPicPr>
+            <a:picLocks noChangeAspect="1"/>
+          </p:cNvPicPr>
+          <p:nvPr/>
+        </p:nvPicPr>
+        <p:blipFill rotWithShape="1">
+          <a:blip r:embed="rId8" cstate="print">
+            <a:extLst>
+              <a:ext uri="{28A0092B-C50C-407E-A947-70E740481C1C}">
+                <a14:useLocalDpi xmlns:a14="http://schemas.microsoft.com/office/drawing/2010/main" val="0"/>
+              </a:ext>
+            </a:extLst>
+          </a:blip>
+          <a:stretch>
+            <a:fillRect/>
+          </a:stretch>
+        </p:blipFill>
+        <p:spPr>
+          <a:xfrm rot="0">
+            <a:off x="6824345" y="1320165"/>
+            <a:ext cx="4124325" cy="4118610"/>
+          </a:xfrm>
+          <a:prstGeom prst="rect"/>
+          <a:noFill/>
+        </p:spPr>
+      </p:pic>
+      <p:sp>
+        <p:nvSpPr>
+          <p:cNvPr id="32" name="텍스트 상자 10"/>
+          <p:cNvSpPr txBox="1">
+            <a:spLocks/>
+          </p:cNvSpPr>
+          <p:nvPr/>
+        </p:nvSpPr>
+        <p:spPr>
+          <a:xfrm rot="0">
+            <a:off x="6816090" y="5716270"/>
+            <a:ext cx="4123690" cy="584835"/>
+          </a:xfrm>
+          <a:prstGeom prst="rect"/>
+          <a:noFill/>
+        </p:spPr>
+        <p:txBody>
+          <a:bodyPr wrap="square" lIns="0" tIns="0" rIns="0" bIns="0" vert="horz" anchor="t">
+            <a:noAutofit/>
+          </a:bodyPr>
+          <a:lstStyle/>
+          <a:p>
+            <a:pPr marL="0" indent="0" rtl="0" algn="l" defTabSz="914400" eaLnBrk="1" latinLnBrk="0" hangingPunct="1">
+              <a:buFontTx/>
+              <a:buNone/>
+            </a:pPr>
+            <a:r>
+              <a:rPr sz="2000" b="1">
+                <a:solidFill>
+                  <a:srgbClr val="0611F2"/>
+                </a:solidFill>
+                <a:latin typeface="맑은 고딕" charset="0"/>
+                <a:ea typeface="맑은 고딕" charset="0"/>
+              </a:rPr>
+              <a:t>15</a:t>
+            </a:r>
+            <a:r>
+              <a:rPr sz="2000" b="1">
+                <a:solidFill>
+                  <a:srgbClr val="0611F2"/>
+                </a:solidFill>
+                <a:latin typeface="맑은 고딕" charset="0"/>
+                <a:ea typeface="맑은 고딕" charset="0"/>
+              </a:rPr>
+              <a:t>. </a:t>
+            </a:r>
+            <a:r>
+              <a:rPr lang="ko-KR" sz="1800">
+                <a:latin typeface="맑은 고딕" charset="0"/>
+                <a:ea typeface="맑은 고딕" charset="0"/>
+              </a:rPr>
+              <a:t>마지막으로</a:t>
+            </a:r>
+            <a:r>
+              <a:rPr sz="1800">
+                <a:latin typeface="맑은 고딕" charset="0"/>
+                <a:ea typeface="맑은 고딕" charset="0"/>
+              </a:rPr>
+              <a:t> </a:t>
+            </a:r>
+            <a:r>
+              <a:rPr lang="ko-KR" sz="1800">
+                <a:latin typeface="맑은 고딕" charset="0"/>
+                <a:ea typeface="맑은 고딕" charset="0"/>
+              </a:rPr>
+              <a:t>Photon Voice 2</a:t>
+            </a:r>
+            <a:r>
+              <a:rPr sz="1800">
+                <a:latin typeface="맑은 고딕" charset="0"/>
+                <a:ea typeface="맑은 고딕" charset="0"/>
+              </a:rPr>
+              <a:t> - FREE 에셋을 Import합니다.</a:t>
+            </a:r>
+            <a:endParaRPr lang="ko-KR" altLang="en-US" sz="1800">
+              <a:latin typeface="맑은 고딕" charset="0"/>
+              <a:ea typeface="맑은 고딕" charset="0"/>
+            </a:endParaRPr>
+          </a:p>
+        </p:txBody>
+      </p:sp>
     </p:spTree>
   </p:cSld>
   <p:clrMapOvr>
@@ -13039,7 +14105,7 @@
 </file>
 
 <file path=ppt/slides/slide7.xml><?xml version="1.0" encoding="utf-8"?>
-<p:sld xmlns:a="http://schemas.openxmlformats.org/drawingml/2006/main" xmlns:r="http://schemas.openxmlformats.org/officeDocument/2006/relationships" xmlns:p="http://schemas.openxmlformats.org/presentationml/2006/main" xmlns:p14="http://schemas.microsoft.com/office/powerpoint/2010/main">
+<p:sld xmlns:a="http://schemas.openxmlformats.org/drawingml/2006/main" xmlns:r="http://schemas.openxmlformats.org/officeDocument/2006/relationships" xmlns:p="http://schemas.openxmlformats.org/presentationml/2006/main">
   <p:cSld>
     <p:spTree>
       <p:nvGrpSpPr>
@@ -13108,7 +14174,7 @@
       </p:sp>
       <p:sp>
         <p:nvSpPr>
-          <p:cNvPr id="28" name="텍스트 상자 13"/>
+          <p:cNvPr id="28" name="Rect 0"/>
           <p:cNvSpPr txBox="1">
             <a:spLocks/>
           </p:cNvSpPr>
@@ -13116,8 +14182,8 @@
         </p:nvSpPr>
         <p:spPr>
           <a:xfrm rot="0">
-            <a:off x="6899275" y="2674620"/>
-            <a:ext cx="4149725" cy="647065"/>
+            <a:off x="1271270" y="5308600"/>
+            <a:ext cx="4112260" cy="954405"/>
           </a:xfrm>
           <a:prstGeom prst="rect"/>
           <a:noFill/>
@@ -13137,104 +14203,45 @@
               <a:buNone/>
             </a:pPr>
             <a:r>
-              <a:rPr sz="1800" b="1">
+              <a:rPr sz="2000" b="1">
                 <a:solidFill>
                   <a:srgbClr val="0611F2"/>
                 </a:solidFill>
                 <a:latin typeface="맑은 고딕" charset="0"/>
                 <a:ea typeface="맑은 고딕" charset="0"/>
               </a:rPr>
-              <a:t>1</a:t>
-            </a:r>
-            <a:r>
-              <a:rPr lang="ko-KR" sz="1800" b="1">
+              <a:t>16</a:t>
+            </a:r>
+            <a:r>
+              <a:rPr sz="2000" b="1">
                 <a:solidFill>
                   <a:srgbClr val="0611F2"/>
                 </a:solidFill>
                 <a:latin typeface="맑은 고딕" charset="0"/>
                 <a:ea typeface="맑은 고딕" charset="0"/>
               </a:rPr>
-              <a:t>6</a:t>
-            </a:r>
-            <a:r>
-              <a:rPr sz="1800" b="1">
-                <a:solidFill>
-                  <a:srgbClr val="0611F2"/>
-                </a:solidFill>
-                <a:latin typeface="맑은 고딕" charset="0"/>
-                <a:ea typeface="맑은 고딕" charset="0"/>
-              </a:rPr>
-              <a:t>.</a:t>
+              <a:t>. </a:t>
             </a:r>
             <a:r>
               <a:rPr sz="1800">
                 <a:latin typeface="맑은 고딕" charset="0"/>
                 <a:ea typeface="맑은 고딕" charset="0"/>
               </a:rPr>
-              <a:t> </a:t>
+              <a:t>이제 </a:t>
+            </a:r>
+            <a:r>
+              <a:rPr lang="ko-KR" sz="1800">
+                <a:latin typeface="맑은 고딕" charset="0"/>
+                <a:ea typeface="맑은 고딕" charset="0"/>
+              </a:rPr>
+              <a:t>Photon Voice 2</a:t>
             </a:r>
             <a:r>
               <a:rPr sz="1800">
                 <a:latin typeface="맑은 고딕" charset="0"/>
                 <a:ea typeface="맑은 고딕" charset="0"/>
               </a:rPr>
-              <a:t>그</a:t>
-            </a:r>
-            <a:r>
-              <a:rPr lang="ko-KR" sz="1800">
-                <a:latin typeface="맑은 고딕" charset="0"/>
-                <a:ea typeface="맑은 고딕" charset="0"/>
-              </a:rPr>
-              <a:t>런 다음</a:t>
-            </a:r>
-            <a:r>
-              <a:rPr sz="1800">
-                <a:latin typeface="맑은 고딕" charset="0"/>
-                <a:ea typeface="맑은 고딕" charset="0"/>
-              </a:rPr>
-              <a:t> 포톤 사이트에서 </a:t>
-            </a:r>
-            <a:r>
-              <a:rPr lang="ko-KR" sz="1800">
-                <a:latin typeface="맑은 고딕" charset="0"/>
-                <a:ea typeface="맑은 고딕" charset="0"/>
-              </a:rPr>
-              <a:t>새 어플리케이션 만들기를</a:t>
-            </a:r>
-            <a:r>
-              <a:rPr sz="1800">
-                <a:latin typeface="맑은 고딕" charset="0"/>
-                <a:ea typeface="맑은 고딕" charset="0"/>
-              </a:rPr>
-              <a:t> </a:t>
-            </a:r>
-            <a:r>
-              <a:rPr sz="1800">
-                <a:latin typeface="맑은 고딕" charset="0"/>
-                <a:ea typeface="맑은 고딕" charset="0"/>
-              </a:rPr>
-              <a:t>선</a:t>
-            </a:r>
-            <a:r>
-              <a:rPr lang="ko-KR" sz="1800">
-                <a:latin typeface="맑은 고딕" charset="0"/>
-                <a:ea typeface="맑은 고딕" charset="0"/>
-              </a:rPr>
-              <a:t>택</a:t>
-            </a:r>
-            <a:r>
-              <a:rPr sz="1800">
-                <a:latin typeface="맑은 고딕" charset="0"/>
-                <a:ea typeface="맑은 고딕" charset="0"/>
-              </a:rPr>
-              <a:t>합니</a:t>
-            </a:r>
-            <a:r>
-              <a:rPr lang="ko-KR" sz="1800">
-                <a:latin typeface="맑은 고딕" charset="0"/>
-                <a:ea typeface="맑은 고딕" charset="0"/>
-              </a:rPr>
-              <a:t>다.</a:t>
+              <a:t> - FREE에 있는 파일을 내 프로젝트에 포함시킵니다.</a:t>
             </a:r>
             <a:endParaRPr lang="ko-KR" altLang="en-US" sz="1800">
               <a:latin typeface="맑은 고딕" charset="0"/>
@@ -13245,17 +14252,17 @@
       </p:sp>
       <p:pic>
         <p:nvPicPr>
-          <p:cNvPr id="29" name="그림 14"/>
+          <p:cNvPr id="33" name="그림 13" descr="C:/Users/Admin1/AppData/Roaming/PolarisOffice/ETemp/7276_13419048/fImage403863016500.png"/>
           <p:cNvPicPr>
             <a:picLocks noChangeAspect="1"/>
           </p:cNvPicPr>
           <p:nvPr/>
         </p:nvPicPr>
         <p:blipFill rotWithShape="1">
-          <a:blip r:embed="rId2" cstate="hqprint">
+          <a:blip r:embed="rId2" cstate="print">
             <a:extLst>
               <a:ext uri="{28A0092B-C50C-407E-A947-70E740481C1C}">
-                <a14:useLocalDpi xmlns:a14="http://schemas.microsoft.com/office/drawing/2010/main"/>
+                <a14:useLocalDpi xmlns:a14="http://schemas.microsoft.com/office/drawing/2010/main" val="0"/>
               </a:ext>
             </a:extLst>
           </a:blip>
@@ -13265,28 +14272,26 @@
         </p:blipFill>
         <p:spPr>
           <a:xfrm rot="0">
-            <a:off x="6901180" y="1403350"/>
-            <a:ext cx="4156075" cy="1176655"/>
-          </a:xfrm>
-          <a:prstGeom prst="roundRect"/>
-          <a:solidFill>
-            <a:srgbClr val="EDEDED"/>
-          </a:solidFill>
+            <a:off x="1271905" y="1355090"/>
+            <a:ext cx="4123690" cy="3867150"/>
+          </a:xfrm>
+          <a:prstGeom prst="rect"/>
+          <a:noFill/>
         </p:spPr>
       </p:pic>
       <p:pic>
         <p:nvPicPr>
-          <p:cNvPr id="30" name="그림 23"/>
+          <p:cNvPr id="34" name="그림 15" descr="C:/Users/Admin1/AppData/Roaming/PolarisOffice/ETemp/7276_13419048/fImage69113029169.png"/>
           <p:cNvPicPr>
             <a:picLocks noChangeAspect="1"/>
           </p:cNvPicPr>
           <p:nvPr/>
         </p:nvPicPr>
         <p:blipFill rotWithShape="1">
-          <a:blip r:embed="rId3" cstate="hqprint">
+          <a:blip r:embed="rId3" cstate="print">
             <a:extLst>
               <a:ext uri="{28A0092B-C50C-407E-A947-70E740481C1C}">
-                <a14:useLocalDpi xmlns:a14="http://schemas.microsoft.com/office/drawing/2010/main"/>
+                <a14:useLocalDpi xmlns:a14="http://schemas.microsoft.com/office/drawing/2010/main" val="0"/>
               </a:ext>
             </a:extLst>
           </a:blip>
@@ -13296,125 +14301,18 @@
         </p:blipFill>
         <p:spPr>
           <a:xfrm rot="0">
-            <a:off x="6898640" y="3470910"/>
-            <a:ext cx="4152265" cy="1725295"/>
-          </a:xfrm>
-          <a:prstGeom prst="rect"/>
-          <a:noFill/>
+            <a:off x="8174355" y="1342390"/>
+            <a:ext cx="2788920" cy="1268095"/>
+          </a:xfrm>
+          <a:prstGeom prst="roundRect"/>
+          <a:solidFill>
+            <a:srgbClr val="EDEDED"/>
+          </a:solidFill>
         </p:spPr>
       </p:pic>
-      <p:sp>
-        <p:nvSpPr>
-          <p:cNvPr id="31" name="텍스트 상자 26"/>
-          <p:cNvSpPr txBox="1">
-            <a:spLocks/>
-          </p:cNvSpPr>
-          <p:nvPr/>
-        </p:nvSpPr>
-        <p:spPr>
-          <a:xfrm rot="0">
-            <a:off x="6908165" y="5318760"/>
-            <a:ext cx="4142105" cy="923925"/>
-          </a:xfrm>
-          <a:prstGeom prst="rect"/>
-          <a:noFill/>
-          <a:ln w="0">
-            <a:noFill/>
-            <a:prstDash/>
-          </a:ln>
-        </p:spPr>
-        <p:txBody>
-          <a:bodyPr wrap="square" lIns="89535" tIns="46355" rIns="89535" bIns="46355" vert="horz" anchor="t">
-            <a:spAutoFit/>
-          </a:bodyPr>
-          <a:lstStyle/>
-          <a:p>
-            <a:pPr marL="0" indent="0" rtl="0" algn="l" defTabSz="914400" eaLnBrk="1" latinLnBrk="0" hangingPunct="1">
-              <a:buFontTx/>
-              <a:buNone/>
-            </a:pPr>
-            <a:r>
-              <a:rPr sz="1800" b="1">
-                <a:solidFill>
-                  <a:srgbClr val="0611F2"/>
-                </a:solidFill>
-                <a:latin typeface="맑은 고딕" charset="0"/>
-                <a:ea typeface="맑은 고딕" charset="0"/>
-              </a:rPr>
-              <a:t>1</a:t>
-            </a:r>
-            <a:r>
-              <a:rPr lang="ko-KR" sz="1800" b="1">
-                <a:solidFill>
-                  <a:srgbClr val="0611F2"/>
-                </a:solidFill>
-                <a:latin typeface="맑은 고딕" charset="0"/>
-                <a:ea typeface="맑은 고딕" charset="0"/>
-              </a:rPr>
-              <a:t>7</a:t>
-            </a:r>
-            <a:r>
-              <a:rPr sz="1800" b="1">
-                <a:solidFill>
-                  <a:srgbClr val="0611F2"/>
-                </a:solidFill>
-                <a:latin typeface="맑은 고딕" charset="0"/>
-                <a:ea typeface="맑은 고딕" charset="0"/>
-              </a:rPr>
-              <a:t>.</a:t>
-            </a:r>
-            <a:r>
-              <a:rPr sz="1800">
-                <a:latin typeface="맑은 고딕" charset="0"/>
-                <a:ea typeface="맑은 고딕" charset="0"/>
-              </a:rPr>
-              <a:t> </a:t>
-            </a:r>
-            <a:r>
-              <a:rPr sz="1800">
-                <a:latin typeface="맑은 고딕" charset="0"/>
-                <a:ea typeface="맑은 고딕" charset="0"/>
-              </a:rPr>
-              <a:t>그</a:t>
-            </a:r>
-            <a:r>
-              <a:rPr lang="ko-KR" sz="1800">
-                <a:latin typeface="맑은 고딕" charset="0"/>
-                <a:ea typeface="맑은 고딕" charset="0"/>
-              </a:rPr>
-              <a:t>다음으로</a:t>
-            </a:r>
-            <a:r>
-              <a:rPr sz="1800">
-                <a:latin typeface="맑은 고딕" charset="0"/>
-                <a:ea typeface="맑은 고딕" charset="0"/>
-              </a:rPr>
-              <a:t> </a:t>
-            </a:r>
-            <a:r>
-              <a:rPr sz="1800">
-                <a:latin typeface="맑은 고딕" charset="0"/>
-                <a:ea typeface="맑은 고딕" charset="0"/>
-              </a:rPr>
-              <a:t>Photon 종류</a:t>
-            </a:r>
-            <a:r>
-              <a:rPr lang="ko-KR" sz="1800">
-                <a:latin typeface="맑은 고딕" charset="0"/>
-                <a:ea typeface="맑은 고딕" charset="0"/>
-              </a:rPr>
-              <a:t>를 Voice로 선택하고 이름을 정의한 다음 작성하기를 선택합니다.</a:t>
-            </a:r>
-            <a:endParaRPr lang="ko-KR" altLang="en-US" sz="1800">
-              <a:latin typeface="맑은 고딕" charset="0"/>
-              <a:ea typeface="맑은 고딕" charset="0"/>
-            </a:endParaRPr>
-          </a:p>
-        </p:txBody>
-      </p:sp>
       <p:pic>
         <p:nvPicPr>
-          <p:cNvPr id="32" name="그림 29"/>
+          <p:cNvPr id="35" name="그림 18" descr="C:/Users/Admin1/AppData/Roaming/PolarisOffice/ETemp/7276_13419048/fImage58853035724.png"/>
           <p:cNvPicPr>
             <a:picLocks noChangeAspect="1"/>
           </p:cNvPicPr>
@@ -13434,8 +14332,8 @@
         </p:blipFill>
         <p:spPr>
           <a:xfrm rot="0">
-            <a:off x="3745230" y="1417955"/>
-            <a:ext cx="1643380" cy="1733550"/>
+            <a:off x="6823710" y="1350645"/>
+            <a:ext cx="1244600" cy="1266190"/>
           </a:xfrm>
           <a:prstGeom prst="roundRect"/>
           <a:solidFill>
@@ -13443,19 +14341,114 @@
           </a:solidFill>
         </p:spPr>
       </p:pic>
+      <p:sp>
+        <p:nvSpPr>
+          <p:cNvPr id="36" name="텍스트 상자 21"/>
+          <p:cNvSpPr txBox="1">
+            <a:spLocks/>
+          </p:cNvSpPr>
+          <p:nvPr/>
+        </p:nvSpPr>
+        <p:spPr>
+          <a:xfrm rot="0">
+            <a:off x="6833870" y="2748280"/>
+            <a:ext cx="4130040" cy="954405"/>
+          </a:xfrm>
+          <a:prstGeom prst="rect"/>
+          <a:noFill/>
+          <a:ln w="0">
+            <a:noFill/>
+            <a:prstDash/>
+          </a:ln>
+        </p:spPr>
+        <p:txBody>
+          <a:bodyPr wrap="square" lIns="89535" tIns="46355" rIns="89535" bIns="46355" vert="horz" anchor="t">
+            <a:spAutoFit/>
+          </a:bodyPr>
+          <a:lstStyle/>
+          <a:p>
+            <a:pPr marL="0" indent="0" rtl="0" algn="l" defTabSz="914400" eaLnBrk="1" latinLnBrk="0" hangingPunct="1">
+              <a:buFontTx/>
+              <a:buNone/>
+            </a:pPr>
+            <a:r>
+              <a:rPr sz="2000" b="1">
+                <a:solidFill>
+                  <a:srgbClr val="0611F2"/>
+                </a:solidFill>
+                <a:latin typeface="맑은 고딕" charset="0"/>
+                <a:ea typeface="맑은 고딕" charset="0"/>
+              </a:rPr>
+              <a:t>1</a:t>
+            </a:r>
+            <a:r>
+              <a:rPr lang="ko-KR" sz="2000" b="1">
+                <a:solidFill>
+                  <a:srgbClr val="0611F2"/>
+                </a:solidFill>
+                <a:latin typeface="맑은 고딕" charset="0"/>
+                <a:ea typeface="맑은 고딕" charset="0"/>
+              </a:rPr>
+              <a:t>7</a:t>
+            </a:r>
+            <a:r>
+              <a:rPr sz="2000" b="1">
+                <a:solidFill>
+                  <a:srgbClr val="0611F2"/>
+                </a:solidFill>
+                <a:latin typeface="맑은 고딕" charset="0"/>
+                <a:ea typeface="맑은 고딕" charset="0"/>
+              </a:rPr>
+              <a:t>. </a:t>
+            </a:r>
+            <a:r>
+              <a:rPr sz="1800">
+                <a:latin typeface="맑은 고딕" charset="0"/>
+                <a:ea typeface="맑은 고딕" charset="0"/>
+              </a:rPr>
+              <a:t>그</a:t>
+            </a:r>
+            <a:r>
+              <a:rPr lang="ko-KR" sz="1800">
+                <a:latin typeface="맑은 고딕" charset="0"/>
+                <a:ea typeface="맑은 고딕" charset="0"/>
+              </a:rPr>
+              <a:t>런 다음</a:t>
+            </a:r>
+            <a:r>
+              <a:rPr sz="1800">
+                <a:latin typeface="맑은 고딕" charset="0"/>
+                <a:ea typeface="맑은 고딕" charset="0"/>
+              </a:rPr>
+              <a:t> </a:t>
+            </a:r>
+            <a:r>
+              <a:rPr lang="ko-KR" sz="1800">
+                <a:latin typeface="맑은 고딕" charset="0"/>
+                <a:ea typeface="맑은 고딕" charset="0"/>
+              </a:rPr>
+              <a:t>Resources 폴더에 있는 Game World 오브젝트를 월드 공간에 배치합니다.</a:t>
+            </a:r>
+            <a:endParaRPr lang="ko-KR" altLang="en-US" sz="1800">
+              <a:latin typeface="맑은 고딕" charset="0"/>
+              <a:ea typeface="맑은 고딕" charset="0"/>
+            </a:endParaRPr>
+          </a:p>
+        </p:txBody>
+      </p:sp>
       <p:pic>
         <p:nvPicPr>
-          <p:cNvPr id="33" name="그림 31"/>
+          <p:cNvPr id="37" name="그림 23" descr="C:/Users/Admin1/AppData/Roaming/PolarisOffice/ETemp/7276_13419048/fImage43693061478.png"/>
           <p:cNvPicPr>
             <a:picLocks noChangeAspect="1"/>
           </p:cNvPicPr>
           <p:nvPr/>
         </p:nvPicPr>
         <p:blipFill rotWithShape="1">
-          <a:blip r:embed="rId5" cstate="hqprint">
+          <a:blip r:embed="rId5" cstate="print">
             <a:extLst>
               <a:ext uri="{28A0092B-C50C-407E-A947-70E740481C1C}">
-                <a14:useLocalDpi xmlns:a14="http://schemas.microsoft.com/office/drawing/2010/main"/>
+                <a14:useLocalDpi xmlns:a14="http://schemas.microsoft.com/office/drawing/2010/main" val="0"/>
               </a:ext>
             </a:extLst>
           </a:blip>
@@ -13465,8 +14458,8 @@
         </p:blipFill>
         <p:spPr>
           <a:xfrm rot="0">
-            <a:off x="1258570" y="1417320"/>
-            <a:ext cx="2339975" cy="1725295"/>
+            <a:off x="6819900" y="3876675"/>
+            <a:ext cx="4144010" cy="1305560"/>
           </a:xfrm>
           <a:prstGeom prst="roundRect"/>
           <a:solidFill>
@@ -13476,7 +14469,7 @@
       </p:pic>
       <p:sp>
         <p:nvSpPr>
-          <p:cNvPr id="34" name="텍스트 상자 36"/>
+          <p:cNvPr id="38" name="텍스트 상자 26"/>
           <p:cNvSpPr txBox="1">
             <a:spLocks/>
           </p:cNvSpPr>
@@ -13484,8 +14477,8 @@
         </p:nvSpPr>
         <p:spPr>
           <a:xfrm rot="0">
-            <a:off x="1257300" y="4480560"/>
-            <a:ext cx="4130040" cy="1754505"/>
+            <a:off x="6829425" y="5306060"/>
+            <a:ext cx="4130040" cy="954405"/>
           </a:xfrm>
           <a:prstGeom prst="rect"/>
           <a:noFill/>
@@ -13505,7 +14498,7 @@
               <a:buNone/>
             </a:pPr>
             <a:r>
-              <a:rPr sz="1800" b="1">
+              <a:rPr sz="2000" b="1">
                 <a:solidFill>
                   <a:srgbClr val="0611F2"/>
                 </a:solidFill>
@@ -13515,125 +14508,60 @@
               <a:t>1</a:t>
             </a:r>
             <a:r>
-              <a:rPr sz="1800" b="1">
+              <a:rPr lang="ko-KR" sz="2000" b="1">
                 <a:solidFill>
                   <a:srgbClr val="0611F2"/>
                 </a:solidFill>
                 <a:latin typeface="맑은 고딕" charset="0"/>
                 <a:ea typeface="맑은 고딕" charset="0"/>
               </a:rPr>
-              <a:t>5</a:t>
-            </a:r>
-            <a:r>
-              <a:rPr sz="1800" b="1">
+              <a:t>8</a:t>
+            </a:r>
+            <a:r>
+              <a:rPr sz="2000" b="1">
                 <a:solidFill>
                   <a:srgbClr val="0611F2"/>
                 </a:solidFill>
                 <a:latin typeface="맑은 고딕" charset="0"/>
                 <a:ea typeface="맑은 고딕" charset="0"/>
               </a:rPr>
-              <a:t>.</a:t>
+              <a:t>. </a:t>
             </a:r>
             <a:r>
               <a:rPr sz="1800">
                 <a:latin typeface="맑은 고딕" charset="0"/>
                 <a:ea typeface="맑은 고딕" charset="0"/>
               </a:rPr>
+              <a:t>그</a:t>
+            </a:r>
+            <a:r>
+              <a:rPr lang="ko-KR" sz="1800">
+                <a:latin typeface="맑은 고딕" charset="0"/>
+                <a:ea typeface="맑은 고딕" charset="0"/>
+              </a:rPr>
+              <a:t>다음</a:t>
+            </a:r>
+            <a:r>
+              <a:rPr sz="1800">
+                <a:latin typeface="맑은 고딕" charset="0"/>
+                <a:ea typeface="맑은 고딕" charset="0"/>
+              </a:rPr>
               <a:t> </a:t>
             </a:r>
             <a:r>
-              <a:rPr sz="1800">
-                <a:latin typeface="맑은 고딕" charset="0"/>
-                <a:ea typeface="맑은 고딕" charset="0"/>
-              </a:rPr>
-              <a:t>그리</a:t>
-            </a:r>
-            <a:r>
               <a:rPr lang="ko-KR" sz="1800">
                 <a:latin typeface="맑은 고딕" charset="0"/>
                 <a:ea typeface="맑은 고딕" charset="0"/>
               </a:rPr>
-              <a:t>고</a:t>
-            </a:r>
-            <a:r>
-              <a:rPr sz="1800">
-                <a:latin typeface="맑은 고딕" charset="0"/>
-                <a:ea typeface="맑은 고딕" charset="0"/>
-              </a:rPr>
-              <a:t> </a:t>
-            </a:r>
-            <a:r>
-              <a:rPr lang="ko-KR" sz="1800">
-                <a:latin typeface="맑은 고딕" charset="0"/>
-                <a:ea typeface="맑은 고딕" charset="0"/>
-              </a:rPr>
-              <a:t>빈 게임 오브젝트를 생성하고 Network Voice Manager라는 이름으로 정의합니다.</a:t>
+              <a:t>character 오브젝트에 Photon Animator View 컴포넌트를 추가합니다.</a:t>
             </a:r>
             <a:endParaRPr lang="ko-KR" altLang="en-US" sz="1800">
               <a:latin typeface="맑은 고딕" charset="0"/>
               <a:ea typeface="맑은 고딕" charset="0"/>
             </a:endParaRPr>
           </a:p>
-          <a:p>
-            <a:pPr marL="0" indent="0" rtl="0" algn="l" defTabSz="914400" eaLnBrk="1" latinLnBrk="0" hangingPunct="1">
-              <a:buFontTx/>
-              <a:buNone/>
-            </a:pPr>
-            <a:endParaRPr lang="ko-KR" altLang="en-US" sz="1800">
-              <a:latin typeface="맑은 고딕" charset="0"/>
-              <a:ea typeface="맑은 고딕" charset="0"/>
-            </a:endParaRPr>
-          </a:p>
-          <a:p>
-            <a:pPr marL="0" indent="0" rtl="0" algn="l" defTabSz="914400" eaLnBrk="1" latinLnBrk="0" hangingPunct="1">
-              <a:buFontTx/>
-              <a:buNone/>
-            </a:pPr>
-            <a:r>
-              <a:rPr lang="ko-KR" sz="1800">
-                <a:latin typeface="맑은 고딕" charset="0"/>
-                <a:ea typeface="맑은 고딕" charset="0"/>
-              </a:rPr>
-              <a:t>그다음 Photon Voice Network 컴포넌트를 추가합니다.</a:t>
-            </a:r>
-            <a:endParaRPr lang="ko-KR" altLang="en-US" sz="1800">
-              <a:latin typeface="맑은 고딕" charset="0"/>
-              <a:ea typeface="맑은 고딕" charset="0"/>
-            </a:endParaRPr>
-          </a:p>
-        </p:txBody>
-      </p:sp>
-      <p:pic>
-        <p:nvPicPr>
-          <p:cNvPr id="36" name="그림 45"/>
-          <p:cNvPicPr>
-            <a:picLocks noChangeAspect="1"/>
-          </p:cNvPicPr>
-          <p:nvPr/>
-        </p:nvPicPr>
-        <p:blipFill rotWithShape="1">
-          <a:blip r:embed="rId6" cstate="hqprint">
-            <a:extLst>
-              <a:ext uri="{28A0092B-C50C-407E-A947-70E740481C1C}">
-                <a14:useLocalDpi xmlns:a14="http://schemas.microsoft.com/office/drawing/2010/main"/>
-              </a:ext>
-            </a:extLst>
-          </a:blip>
-          <a:stretch>
-            <a:fillRect/>
-          </a:stretch>
-        </p:blipFill>
-        <p:spPr>
-          <a:xfrm rot="0">
-            <a:off x="1263650" y="3291840"/>
-            <a:ext cx="4131310" cy="1040130"/>
-          </a:xfrm>
-          <a:prstGeom prst="roundRect"/>
-          <a:solidFill>
-            <a:srgbClr val="EDEDED"/>
-          </a:solidFill>
-        </p:spPr>
-      </p:pic>
+        </p:txBody>
+      </p:sp>
     </p:spTree>
   </p:cSld>
   <p:clrMapOvr>
@@ -13683,9 +14611,9 @@
           <p:nvPr/>
         </p:nvSpPr>
         <p:spPr>
-          <a:xfrm rot="0">
+          <a:xfrm>
             <a:off x="4350385" y="390525"/>
-            <a:ext cx="3504565" cy="554990"/>
+            <a:ext cx="3505200" cy="554990"/>
           </a:xfrm>
           <a:prstGeom prst="rect"/>
           <a:noFill/>
@@ -13727,16 +14655,16 @@
       </p:sp>
       <p:sp>
         <p:nvSpPr>
-          <p:cNvPr id="28" name="Rect 0"/>
+          <p:cNvPr id="28" name="텍스트 상자 13"/>
           <p:cNvSpPr txBox="1">
             <a:spLocks/>
           </p:cNvSpPr>
           <p:nvPr/>
         </p:nvSpPr>
         <p:spPr>
-          <a:xfrm rot="0">
-            <a:off x="1254125" y="4678680"/>
-            <a:ext cx="4117340" cy="1477645"/>
+          <a:xfrm>
+            <a:off x="6899275" y="2674620"/>
+            <a:ext cx="4150360" cy="647065"/>
           </a:xfrm>
           <a:prstGeom prst="rect"/>
           <a:noFill/>
@@ -13746,7 +14674,7 @@
           </a:ln>
         </p:spPr>
         <p:txBody>
-          <a:bodyPr wrap="square" lIns="89535" tIns="46355" rIns="89535" bIns="46355" vert="horz" anchor="t">
+          <a:bodyPr wrap="square" lIns="89535" tIns="46355" rIns="89535" bIns="46355" numCol="1" vert="horz" anchor="t">
             <a:spAutoFit/>
           </a:bodyPr>
           <a:lstStyle/>
@@ -13763,17 +14691,7 @@
                 <a:latin typeface="맑은 고딕" charset="0"/>
                 <a:ea typeface="맑은 고딕" charset="0"/>
               </a:rPr>
-              <a:t>1</a:t>
-            </a:r>
-            <a:r>
-              <a:rPr lang="ko-KR" sz="1800" b="1">
-                <a:solidFill>
-                  <a:srgbClr val="0611F2"/>
-                </a:solidFill>
-                <a:latin typeface="맑은 고딕" charset="0"/>
-                <a:ea typeface="맑은 고딕" charset="0"/>
-              </a:rPr>
-              <a:t>8</a:t>
+              <a:t>20</a:t>
             </a:r>
             <a:r>
               <a:rPr sz="1800" b="1">
@@ -13790,161 +14708,67 @@
                 <a:latin typeface="맑은 고딕" charset="0"/>
                 <a:ea typeface="맑은 고딕" charset="0"/>
               </a:rPr>
-              <a:t> </a:t>
+              <a:t> 그</a:t>
+            </a:r>
+            <a:r>
+              <a:rPr lang="ko-KR" sz="1800">
+                <a:latin typeface="맑은 고딕" charset="0"/>
+                <a:ea typeface="맑은 고딕" charset="0"/>
+              </a:rPr>
+              <a:t>런 다음</a:t>
             </a:r>
             <a:r>
               <a:rPr sz="1800">
                 <a:latin typeface="맑은 고딕" charset="0"/>
                 <a:ea typeface="맑은 고딕" charset="0"/>
               </a:rPr>
-              <a:t>이</a:t>
+              <a:t> 포톤 사이트에서 </a:t>
             </a:r>
             <a:r>
               <a:rPr lang="ko-KR" sz="1800">
                 <a:latin typeface="맑은 고딕" charset="0"/>
                 <a:ea typeface="맑은 고딕" charset="0"/>
               </a:rPr>
-              <a:t>제</a:t>
+              <a:t>새 어플리케이션 만들기를</a:t>
             </a:r>
             <a:r>
               <a:rPr sz="1800">
                 <a:latin typeface="맑은 고딕" charset="0"/>
                 <a:ea typeface="맑은 고딕" charset="0"/>
               </a:rPr>
-              <a:t> Window에서 Photon Unity Networking을 선택합니다.</a:t>
+              <a:t> 선</a:t>
+            </a:r>
+            <a:r>
+              <a:rPr lang="ko-KR" sz="1800">
+                <a:latin typeface="맑은 고딕" charset="0"/>
+                <a:ea typeface="맑은 고딕" charset="0"/>
+              </a:rPr>
+              <a:t>택</a:t>
+            </a:r>
+            <a:r>
+              <a:rPr sz="1800">
+                <a:latin typeface="맑은 고딕" charset="0"/>
+                <a:ea typeface="맑은 고딕" charset="0"/>
+              </a:rPr>
+              <a:t>합니</a:t>
+            </a:r>
+            <a:r>
+              <a:rPr lang="ko-KR" sz="1800">
+                <a:latin typeface="맑은 고딕" charset="0"/>
+                <a:ea typeface="맑은 고딕" charset="0"/>
+              </a:rPr>
+              <a:t>다.</a:t>
             </a:r>
             <a:endParaRPr lang="ko-KR" altLang="en-US" sz="1800">
               <a:latin typeface="맑은 고딕" charset="0"/>
               <a:ea typeface="맑은 고딕" charset="0"/>
             </a:endParaRPr>
           </a:p>
-          <a:p>
-            <a:pPr marL="0" indent="0" rtl="0" algn="l" defTabSz="914400" eaLnBrk="1" latinLnBrk="0" hangingPunct="1">
-              <a:buFontTx/>
-              <a:buNone/>
-            </a:pPr>
-            <a:endParaRPr lang="ko-KR" altLang="en-US" sz="1800">
-              <a:latin typeface="맑은 고딕" charset="0"/>
-              <a:ea typeface="맑은 고딕" charset="0"/>
-            </a:endParaRPr>
-          </a:p>
-          <a:p>
-            <a:pPr marL="0" indent="0" rtl="0" algn="l" defTabSz="914400" eaLnBrk="1" latinLnBrk="0" hangingPunct="1">
-              <a:buFontTx/>
-              <a:buNone/>
-            </a:pPr>
-            <a:r>
-              <a:rPr sz="1800">
-                <a:latin typeface="맑은 고딕" charset="0"/>
-                <a:ea typeface="맑은 고딕" charset="0"/>
-              </a:rPr>
-              <a:t>그다음 Highlight Server Settings를 선택합니다.</a:t>
-            </a:r>
-            <a:endParaRPr lang="ko-KR" altLang="en-US" sz="1800">
-              <a:latin typeface="맑은 고딕" charset="0"/>
-              <a:ea typeface="맑은 고딕" charset="0"/>
-            </a:endParaRPr>
-          </a:p>
-        </p:txBody>
-      </p:sp>
-      <p:sp>
-        <p:nvSpPr>
-          <p:cNvPr id="31" name="Rect 0"/>
-          <p:cNvSpPr txBox="1">
-            <a:spLocks/>
-          </p:cNvSpPr>
-          <p:nvPr/>
-        </p:nvSpPr>
-        <p:spPr>
-          <a:xfrm rot="0">
-            <a:off x="6808470" y="3197225"/>
-            <a:ext cx="4257040" cy="647065"/>
-          </a:xfrm>
-          <a:prstGeom prst="rect"/>
-          <a:noFill/>
-          <a:ln w="0">
-            <a:noFill/>
-            <a:prstDash/>
-          </a:ln>
-        </p:spPr>
-        <p:txBody>
-          <a:bodyPr wrap="square" lIns="89535" tIns="46355" rIns="89535" bIns="46355" vert="horz" anchor="t">
-            <a:spAutoFit/>
-          </a:bodyPr>
-          <a:lstStyle/>
-          <a:p>
-            <a:pPr marL="0" indent="0" rtl="0" algn="l" defTabSz="914400" eaLnBrk="1" latinLnBrk="0" hangingPunct="1">
-              <a:buFontTx/>
-              <a:buNone/>
-            </a:pPr>
-            <a:r>
-              <a:rPr sz="1800" b="1">
-                <a:solidFill>
-                  <a:srgbClr val="0611F2"/>
-                </a:solidFill>
-                <a:latin typeface="맑은 고딕" charset="0"/>
-                <a:ea typeface="맑은 고딕" charset="0"/>
-              </a:rPr>
-              <a:t>1</a:t>
-            </a:r>
-            <a:r>
-              <a:rPr lang="ko-KR" sz="1800" b="1">
-                <a:solidFill>
-                  <a:srgbClr val="0611F2"/>
-                </a:solidFill>
-                <a:latin typeface="맑은 고딕" charset="0"/>
-                <a:ea typeface="맑은 고딕" charset="0"/>
-              </a:rPr>
-              <a:t>9</a:t>
-            </a:r>
-            <a:r>
-              <a:rPr sz="1800" b="1">
-                <a:solidFill>
-                  <a:srgbClr val="0611F2"/>
-                </a:solidFill>
-                <a:latin typeface="맑은 고딕" charset="0"/>
-                <a:ea typeface="맑은 고딕" charset="0"/>
-              </a:rPr>
-              <a:t>.</a:t>
-            </a:r>
-            <a:r>
-              <a:rPr sz="1800">
-                <a:latin typeface="맑은 고딕" charset="0"/>
-                <a:ea typeface="맑은 고딕" charset="0"/>
-              </a:rPr>
-              <a:t> </a:t>
-            </a:r>
-            <a:r>
-              <a:rPr sz="1800">
-                <a:latin typeface="맑은 고딕" charset="0"/>
-                <a:ea typeface="맑은 고딕" charset="0"/>
-              </a:rPr>
-              <a:t>그</a:t>
-            </a:r>
-            <a:r>
-              <a:rPr lang="ko-KR" sz="1800">
-                <a:latin typeface="맑은 고딕" charset="0"/>
-                <a:ea typeface="맑은 고딕" charset="0"/>
-              </a:rPr>
-              <a:t>런 다음</a:t>
-            </a:r>
-            <a:r>
-              <a:rPr sz="1800">
-                <a:latin typeface="맑은 고딕" charset="0"/>
-                <a:ea typeface="맑은 고딕" charset="0"/>
-              </a:rPr>
-              <a:t> 포톤 클라우드 설정에서 보이스 앱 ID를 넣어주면 됩니다.</a:t>
-            </a:r>
-            <a:endParaRPr lang="ko-KR" altLang="en-US" sz="1800">
-              <a:latin typeface="맑은 고딕" charset="0"/>
-              <a:ea typeface="맑은 고딕" charset="0"/>
-            </a:endParaRPr>
-          </a:p>
         </p:txBody>
       </p:sp>
       <p:pic>
         <p:nvPicPr>
-          <p:cNvPr id="32" name="그림 38"/>
+          <p:cNvPr id="29" name="그림 14"/>
           <p:cNvPicPr>
             <a:picLocks noChangeAspect="1"/>
           </p:cNvPicPr>
@@ -13964,16 +14788,18 @@
         </p:blipFill>
         <p:spPr>
           <a:xfrm rot="0">
-            <a:off x="1254125" y="1413510"/>
-            <a:ext cx="4117340" cy="3145155"/>
-          </a:xfrm>
-          <a:prstGeom prst="rect"/>
-          <a:noFill/>
+            <a:off x="6901180" y="1403350"/>
+            <a:ext cx="4156075" cy="1176655"/>
+          </a:xfrm>
+          <a:prstGeom prst="roundRect"/>
+          <a:solidFill>
+            <a:srgbClr val="EDEDED"/>
+          </a:solidFill>
         </p:spPr>
       </p:pic>
       <p:pic>
         <p:nvPicPr>
-          <p:cNvPr id="33" name="그림 51"/>
+          <p:cNvPr id="30" name="그림 23"/>
           <p:cNvPicPr>
             <a:picLocks noChangeAspect="1"/>
           </p:cNvPicPr>
@@ -13993,25 +14819,108 @@
         </p:blipFill>
         <p:spPr>
           <a:xfrm rot="0">
-            <a:off x="6800215" y="1421765"/>
-            <a:ext cx="4265930" cy="1687830"/>
-          </a:xfrm>
-          <a:prstGeom prst="roundRect"/>
-          <a:solidFill>
-            <a:srgbClr val="EDEDED"/>
-          </a:solidFill>
+            <a:off x="6898640" y="3470910"/>
+            <a:ext cx="4152265" cy="1725295"/>
+          </a:xfrm>
+          <a:prstGeom prst="rect"/>
+          <a:noFill/>
         </p:spPr>
       </p:pic>
+      <p:sp>
+        <p:nvSpPr>
+          <p:cNvPr id="31" name="텍스트 상자 26"/>
+          <p:cNvSpPr txBox="1">
+            <a:spLocks/>
+          </p:cNvSpPr>
+          <p:nvPr/>
+        </p:nvSpPr>
+        <p:spPr>
+          <a:xfrm>
+            <a:off x="6908165" y="5318760"/>
+            <a:ext cx="4142740" cy="923925"/>
+          </a:xfrm>
+          <a:prstGeom prst="rect"/>
+          <a:noFill/>
+          <a:ln w="0">
+            <a:noFill/>
+            <a:prstDash/>
+          </a:ln>
+        </p:spPr>
+        <p:txBody>
+          <a:bodyPr wrap="square" lIns="89535" tIns="46355" rIns="89535" bIns="46355" numCol="1" vert="horz" anchor="t">
+            <a:spAutoFit/>
+          </a:bodyPr>
+          <a:lstStyle/>
+          <a:p>
+            <a:pPr marL="0" indent="0" rtl="0" algn="l" defTabSz="914400" eaLnBrk="1" latinLnBrk="0" hangingPunct="1">
+              <a:buFontTx/>
+              <a:buNone/>
+            </a:pPr>
+            <a:r>
+              <a:rPr sz="1800" b="1">
+                <a:solidFill>
+                  <a:srgbClr val="0611F2"/>
+                </a:solidFill>
+                <a:latin typeface="맑은 고딕" charset="0"/>
+                <a:ea typeface="맑은 고딕" charset="0"/>
+              </a:rPr>
+              <a:t>21</a:t>
+            </a:r>
+            <a:r>
+              <a:rPr sz="1800" b="1">
+                <a:solidFill>
+                  <a:srgbClr val="0611F2"/>
+                </a:solidFill>
+                <a:latin typeface="맑은 고딕" charset="0"/>
+                <a:ea typeface="맑은 고딕" charset="0"/>
+              </a:rPr>
+              <a:t>.</a:t>
+            </a:r>
+            <a:r>
+              <a:rPr sz="1800">
+                <a:latin typeface="맑은 고딕" charset="0"/>
+                <a:ea typeface="맑은 고딕" charset="0"/>
+              </a:rPr>
+              <a:t> 그</a:t>
+            </a:r>
+            <a:r>
+              <a:rPr lang="ko-KR" sz="1800">
+                <a:latin typeface="맑은 고딕" charset="0"/>
+                <a:ea typeface="맑은 고딕" charset="0"/>
+              </a:rPr>
+              <a:t>다음으로</a:t>
+            </a:r>
+            <a:r>
+              <a:rPr sz="1800">
+                <a:latin typeface="맑은 고딕" charset="0"/>
+                <a:ea typeface="맑은 고딕" charset="0"/>
+              </a:rPr>
+              <a:t> Photon 종류</a:t>
+            </a:r>
+            <a:r>
+              <a:rPr lang="ko-KR" sz="1800">
+                <a:latin typeface="맑은 고딕" charset="0"/>
+                <a:ea typeface="맑은 고딕" charset="0"/>
+              </a:rPr>
+              <a:t>를 Voice로 선택하고 이름을 정의한 다음 작성하기를 선택합니다.</a:t>
+            </a:r>
+            <a:endParaRPr lang="ko-KR" altLang="en-US" sz="1800">
+              <a:latin typeface="맑은 고딕" charset="0"/>
+              <a:ea typeface="맑은 고딕" charset="0"/>
+            </a:endParaRPr>
+          </a:p>
+        </p:txBody>
+      </p:sp>
       <p:pic>
         <p:nvPicPr>
-          <p:cNvPr id="34" name="그림 53"/>
+          <p:cNvPr id="33" name="그림 31" descr="C:/Users/Admin1/AppData/Roaming/PolarisOffice/ETemp/7276_13419048/fImage330252146500.png"/>
           <p:cNvPicPr>
             <a:picLocks noChangeAspect="1"/>
           </p:cNvPicPr>
           <p:nvPr/>
         </p:nvPicPr>
         <p:blipFill rotWithShape="1">
-          <a:blip r:embed="rId4" cstate="hqprint">
+          <a:blip r:embed="rId5" cstate="hqprint">
             <a:extLst>
               <a:ext uri="{28A0092B-C50C-407E-A947-70E740481C1C}">
                 <a14:useLocalDpi xmlns:a14="http://schemas.microsoft.com/office/drawing/2010/main"/>
@@ -14024,8 +14933,8 @@
         </p:blipFill>
         <p:spPr>
           <a:xfrm rot="0">
-            <a:off x="8421370" y="3973830"/>
-            <a:ext cx="2644140" cy="1155700"/>
+            <a:off x="1258570" y="1398270"/>
+            <a:ext cx="1656715" cy="1850390"/>
           </a:xfrm>
           <a:prstGeom prst="roundRect"/>
           <a:solidFill>
@@ -14033,16 +14942,176 @@
           </a:solidFill>
         </p:spPr>
       </p:pic>
+      <p:sp>
+        <p:nvSpPr>
+          <p:cNvPr id="34" name="텍스트 상자 36"/>
+          <p:cNvSpPr txBox="1">
+            <a:spLocks/>
+          </p:cNvSpPr>
+          <p:nvPr/>
+        </p:nvSpPr>
+        <p:spPr>
+          <a:xfrm>
+            <a:off x="1257300" y="4480560"/>
+            <a:ext cx="4130675" cy="1754505"/>
+          </a:xfrm>
+          <a:prstGeom prst="rect"/>
+          <a:noFill/>
+          <a:ln w="0">
+            <a:noFill/>
+            <a:prstDash/>
+          </a:ln>
+        </p:spPr>
+        <p:txBody>
+          <a:bodyPr wrap="square" lIns="89535" tIns="46355" rIns="89535" bIns="46355" numCol="1" vert="horz" anchor="t">
+            <a:spAutoFit/>
+          </a:bodyPr>
+          <a:lstStyle/>
+          <a:p>
+            <a:pPr marL="0" indent="0" rtl="0" algn="l" defTabSz="914400" eaLnBrk="1" latinLnBrk="0" hangingPunct="1">
+              <a:buFontTx/>
+              <a:buNone/>
+            </a:pPr>
+            <a:r>
+              <a:rPr sz="1800" b="1">
+                <a:solidFill>
+                  <a:srgbClr val="0611F2"/>
+                </a:solidFill>
+                <a:latin typeface="맑은 고딕" charset="0"/>
+                <a:ea typeface="맑은 고딕" charset="0"/>
+              </a:rPr>
+              <a:t>1</a:t>
+            </a:r>
+            <a:r>
+              <a:rPr sz="1800" b="1">
+                <a:solidFill>
+                  <a:srgbClr val="0611F2"/>
+                </a:solidFill>
+                <a:latin typeface="맑은 고딕" charset="0"/>
+                <a:ea typeface="맑은 고딕" charset="0"/>
+              </a:rPr>
+              <a:t>9</a:t>
+            </a:r>
+            <a:r>
+              <a:rPr sz="1800" b="1">
+                <a:solidFill>
+                  <a:srgbClr val="0611F2"/>
+                </a:solidFill>
+                <a:latin typeface="맑은 고딕" charset="0"/>
+                <a:ea typeface="맑은 고딕" charset="0"/>
+              </a:rPr>
+              <a:t>.</a:t>
+            </a:r>
+            <a:r>
+              <a:rPr sz="1800">
+                <a:latin typeface="맑은 고딕" charset="0"/>
+                <a:ea typeface="맑은 고딕" charset="0"/>
+              </a:rPr>
+              <a:t> 그리</a:t>
+            </a:r>
+            <a:r>
+              <a:rPr lang="ko-KR" sz="1800">
+                <a:latin typeface="맑은 고딕" charset="0"/>
+                <a:ea typeface="맑은 고딕" charset="0"/>
+              </a:rPr>
+              <a:t>고</a:t>
+            </a:r>
+            <a:r>
+              <a:rPr sz="1800">
+                <a:latin typeface="맑은 고딕" charset="0"/>
+                <a:ea typeface="맑은 고딕" charset="0"/>
+              </a:rPr>
+              <a:t> </a:t>
+            </a:r>
+            <a:r>
+              <a:rPr lang="ko-KR" sz="1800">
+                <a:latin typeface="맑은 고딕" charset="0"/>
+                <a:ea typeface="맑은 고딕" charset="0"/>
+              </a:rPr>
+              <a:t>빈 게임 오브젝트를 생성하고 Network Voice Manager라는 이름으로 정의합니다.</a:t>
+            </a:r>
+            <a:endParaRPr lang="ko-KR" altLang="en-US" sz="1800">
+              <a:latin typeface="맑은 고딕" charset="0"/>
+              <a:ea typeface="맑은 고딕" charset="0"/>
+            </a:endParaRPr>
+          </a:p>
+          <a:p>
+            <a:pPr marL="0" indent="0" rtl="0" algn="l" defTabSz="914400" eaLnBrk="1" latinLnBrk="0" hangingPunct="1">
+              <a:buFontTx/>
+              <a:buNone/>
+            </a:pPr>
+            <a:endParaRPr lang="ko-KR" altLang="en-US" sz="1800">
+              <a:latin typeface="맑은 고딕" charset="0"/>
+              <a:ea typeface="맑은 고딕" charset="0"/>
+            </a:endParaRPr>
+          </a:p>
+          <a:p>
+            <a:pPr marL="0" indent="0" rtl="0" algn="l" defTabSz="914400" eaLnBrk="1" latinLnBrk="0" hangingPunct="1">
+              <a:buFontTx/>
+              <a:buNone/>
+            </a:pPr>
+            <a:r>
+              <a:rPr lang="ko-KR" sz="1800">
+                <a:latin typeface="맑은 고딕" charset="0"/>
+                <a:ea typeface="맑은 고딕" charset="0"/>
+              </a:rPr>
+              <a:t>이제</a:t>
+            </a:r>
+            <a:r>
+              <a:rPr lang="ko-KR" sz="1800">
+                <a:latin typeface="맑은 고딕" charset="0"/>
+                <a:ea typeface="맑은 고딕" charset="0"/>
+              </a:rPr>
+              <a:t> Photon Voice Network 컴포넌트를 추가합니다.</a:t>
+            </a:r>
+            <a:endParaRPr lang="ko-KR" altLang="en-US" sz="1800">
+              <a:latin typeface="맑은 고딕" charset="0"/>
+              <a:ea typeface="맑은 고딕" charset="0"/>
+            </a:endParaRPr>
+          </a:p>
+        </p:txBody>
+      </p:sp>
       <p:pic>
         <p:nvPicPr>
-          <p:cNvPr id="35" name="그림 54"/>
+          <p:cNvPr id="36" name="그림 45" descr="C:/Users/Admin1/AppData/Roaming/PolarisOffice/ETemp/7276_13419048/fImage57722359169.png"/>
           <p:cNvPicPr>
             <a:picLocks noChangeAspect="1"/>
           </p:cNvPicPr>
           <p:nvPr/>
         </p:nvPicPr>
         <p:blipFill rotWithShape="1">
-          <a:blip r:embed="rId5" cstate="print">
+          <a:blip r:embed="rId6" cstate="hqprint">
+            <a:extLst>
+              <a:ext uri="{28A0092B-C50C-407E-A947-70E740481C1C}">
+                <a14:useLocalDpi xmlns:a14="http://schemas.microsoft.com/office/drawing/2010/main"/>
+              </a:ext>
+            </a:extLst>
+          </a:blip>
+          <a:stretch>
+            <a:fillRect/>
+          </a:stretch>
+        </p:blipFill>
+        <p:spPr>
+          <a:xfrm rot="0">
+            <a:off x="1244600" y="3400425"/>
+            <a:ext cx="4156710" cy="934085"/>
+          </a:xfrm>
+          <a:prstGeom prst="roundRect"/>
+          <a:solidFill>
+            <a:srgbClr val="EDEDED"/>
+          </a:solidFill>
+        </p:spPr>
+      </p:pic>
+      <p:pic>
+        <p:nvPicPr>
+          <p:cNvPr id="37" name="그림 29" descr="C:/Users/Admin1/AppData/Roaming/PolarisOffice/ETemp/7276_13419048/fImage71093089358.png"/>
+          <p:cNvPicPr>
+            <a:picLocks noChangeAspect="1"/>
+          </p:cNvPicPr>
+          <p:nvPr/>
+        </p:nvPicPr>
+        <p:blipFill rotWithShape="1">
+          <a:blip r:embed="rId8" cstate="print">
             <a:extLst>
               <a:ext uri="{28A0092B-C50C-407E-A947-70E740481C1C}">
                 <a14:useLocalDpi xmlns:a14="http://schemas.microsoft.com/office/drawing/2010/main" val="0"/>
@@ -14055,8 +15124,8 @@
         </p:blipFill>
         <p:spPr>
           <a:xfrm rot="0">
-            <a:off x="6796405" y="3982085"/>
-            <a:ext cx="1417320" cy="1155700"/>
+            <a:off x="3114675" y="1390650"/>
+            <a:ext cx="2277110" cy="1867535"/>
           </a:xfrm>
           <a:prstGeom prst="roundRect"/>
           <a:solidFill>
@@ -14064,84 +15133,6 @@
           </a:solidFill>
         </p:spPr>
       </p:pic>
-      <p:sp>
-        <p:nvSpPr>
-          <p:cNvPr id="36" name="텍스트 상자 55"/>
-          <p:cNvSpPr txBox="1">
-            <a:spLocks/>
-          </p:cNvSpPr>
-          <p:nvPr/>
-        </p:nvSpPr>
-        <p:spPr>
-          <a:xfrm rot="0">
-            <a:off x="6805295" y="5231130"/>
-            <a:ext cx="4260215" cy="923925"/>
-          </a:xfrm>
-          <a:prstGeom prst="rect"/>
-          <a:noFill/>
-          <a:ln w="0">
-            <a:noFill/>
-            <a:prstDash/>
-          </a:ln>
-        </p:spPr>
-        <p:txBody>
-          <a:bodyPr wrap="square" lIns="89535" tIns="46355" rIns="89535" bIns="46355" vert="horz" anchor="t">
-            <a:spAutoFit/>
-          </a:bodyPr>
-          <a:lstStyle/>
-          <a:p>
-            <a:pPr marL="0" indent="0" rtl="0" algn="l" defTabSz="914400" eaLnBrk="1" latinLnBrk="0" hangingPunct="1">
-              <a:buFontTx/>
-              <a:buNone/>
-            </a:pPr>
-            <a:r>
-              <a:rPr sz="1800" b="1">
-                <a:solidFill>
-                  <a:srgbClr val="0611F2"/>
-                </a:solidFill>
-                <a:latin typeface="맑은 고딕" charset="0"/>
-                <a:ea typeface="맑은 고딕" charset="0"/>
-              </a:rPr>
-              <a:t>20</a:t>
-            </a:r>
-            <a:r>
-              <a:rPr sz="1800" b="1">
-                <a:solidFill>
-                  <a:srgbClr val="0611F2"/>
-                </a:solidFill>
-                <a:latin typeface="맑은 고딕" charset="0"/>
-                <a:ea typeface="맑은 고딕" charset="0"/>
-              </a:rPr>
-              <a:t>.</a:t>
-            </a:r>
-            <a:r>
-              <a:rPr sz="1800">
-                <a:latin typeface="맑은 고딕" charset="0"/>
-                <a:ea typeface="맑은 고딕" charset="0"/>
-              </a:rPr>
-              <a:t> </a:t>
-            </a:r>
-            <a:r>
-              <a:rPr sz="1800">
-                <a:latin typeface="맑은 고딕" charset="0"/>
-                <a:ea typeface="맑은 고딕" charset="0"/>
-              </a:rPr>
-              <a:t>그</a:t>
-            </a:r>
-            <a:r>
-              <a:rPr lang="ko-KR" sz="1800">
-                <a:latin typeface="맑은 고딕" charset="0"/>
-                <a:ea typeface="맑은 고딕" charset="0"/>
-              </a:rPr>
-              <a:t>리고 Network Voice Manager 오브젝트에 Recorder 컴포넌트를 추가합니다.</a:t>
-            </a:r>
-            <a:endParaRPr lang="ko-KR" altLang="en-US" sz="1800">
-              <a:latin typeface="맑은 고딕" charset="0"/>
-              <a:ea typeface="맑은 고딕" charset="0"/>
-            </a:endParaRPr>
-          </a:p>
-        </p:txBody>
-      </p:sp>
     </p:spTree>
   </p:cSld>
   <p:clrMapOvr>
@@ -14191,9 +15182,9 @@
           <p:nvPr/>
         </p:nvSpPr>
         <p:spPr>
-          <a:xfrm rot="0">
+          <a:xfrm>
             <a:off x="4350385" y="390525"/>
-            <a:ext cx="3504565" cy="554990"/>
+            <a:ext cx="3505200" cy="554990"/>
           </a:xfrm>
           <a:prstGeom prst="rect"/>
           <a:noFill/>
@@ -14235,7 +15226,7 @@
       </p:sp>
       <p:sp>
         <p:nvSpPr>
-          <p:cNvPr id="37" name="텍스트 상자 56"/>
+          <p:cNvPr id="28" name="Rect 0"/>
           <p:cNvSpPr txBox="1">
             <a:spLocks/>
           </p:cNvSpPr>
@@ -14243,8 +15234,8 @@
         </p:nvSpPr>
         <p:spPr>
           <a:xfrm rot="0">
-            <a:off x="1172210" y="4396105"/>
-            <a:ext cx="4223385" cy="1754505"/>
+            <a:off x="1254125" y="4678680"/>
+            <a:ext cx="4118610" cy="1477645"/>
           </a:xfrm>
           <a:prstGeom prst="rect"/>
           <a:noFill/>
@@ -14254,7 +15245,7 @@
           </a:ln>
         </p:spPr>
         <p:txBody>
-          <a:bodyPr wrap="square" lIns="89535" tIns="46355" rIns="89535" bIns="46355" vert="horz" anchor="t">
+          <a:bodyPr wrap="square" lIns="89535" tIns="46355" rIns="89535" bIns="46355" numCol="1" vert="horz" anchor="t">
             <a:spAutoFit/>
           </a:bodyPr>
           <a:lstStyle/>
@@ -14271,7 +15262,7 @@
                 <a:latin typeface="맑은 고딕" charset="0"/>
                 <a:ea typeface="맑은 고딕" charset="0"/>
               </a:rPr>
-              <a:t>21</a:t>
+              <a:t>22</a:t>
             </a:r>
             <a:r>
               <a:rPr sz="1800" b="1">
@@ -14288,21 +15279,21 @@
                 <a:latin typeface="맑은 고딕" charset="0"/>
                 <a:ea typeface="맑은 고딕" charset="0"/>
               </a:rPr>
-              <a:t> </a:t>
+              <a:t> 이</a:t>
+            </a:r>
+            <a:r>
+              <a:rPr lang="ko-KR" sz="1800">
+                <a:latin typeface="맑은 고딕" charset="0"/>
+                <a:ea typeface="맑은 고딕" charset="0"/>
+              </a:rPr>
+              <a:t>제</a:t>
             </a:r>
             <a:r>
               <a:rPr sz="1800">
                 <a:latin typeface="맑은 고딕" charset="0"/>
                 <a:ea typeface="맑은 고딕" charset="0"/>
               </a:rPr>
-              <a:t>이</a:t>
-            </a:r>
-            <a:r>
-              <a:rPr lang="ko-KR" sz="1800">
-                <a:latin typeface="맑은 고딕" charset="0"/>
-                <a:ea typeface="맑은 고딕" charset="0"/>
-              </a:rPr>
-              <a:t>제 Photon Voice Network 컴포넌트를 선택합니다.</a:t>
+              <a:t> Window에서 Photon Unity Networking을 선택합니다.</a:t>
             </a:r>
             <a:endParaRPr lang="ko-KR" altLang="en-US" sz="1800">
               <a:latin typeface="맑은 고딕" charset="0"/>
@@ -14325,60 +15316,32 @@
               <a:buNone/>
             </a:pPr>
             <a:r>
+              <a:rPr sz="1800">
+                <a:latin typeface="맑은 고딕" charset="0"/>
+                <a:ea typeface="맑은 고딕" charset="0"/>
+              </a:rPr>
+              <a:t>그다음</a:t>
+            </a:r>
+            <a:r>
+              <a:rPr sz="1800">
+                <a:latin typeface="맑은 고딕" charset="0"/>
+                <a:ea typeface="맑은 고딕" charset="0"/>
+              </a:rPr>
+              <a:t>으</a:t>
+            </a:r>
+            <a:r>
               <a:rPr lang="ko-KR" sz="1800">
                 <a:latin typeface="맑은 고딕" charset="0"/>
                 <a:ea typeface="맑은 고딕" charset="0"/>
               </a:rPr>
-              <a:t>그다음으로 </a:t>
+              <a:t>로</a:t>
             </a:r>
             <a:r>
               <a:rPr sz="1800">
                 <a:latin typeface="맑은 고딕" charset="0"/>
                 <a:ea typeface="맑은 고딕" charset="0"/>
               </a:rPr>
-              <a:t>Primary Recorder</a:t>
-            </a:r>
-            <a:r>
-              <a:rPr lang="ko-KR" sz="1800">
-                <a:latin typeface="맑은 고딕" charset="0"/>
-                <a:ea typeface="맑은 고딕" charset="0"/>
-              </a:rPr>
-              <a:t>에</a:t>
-            </a:r>
-            <a:r>
-              <a:rPr sz="1800">
-                <a:latin typeface="맑은 고딕" charset="0"/>
-                <a:ea typeface="맑은 고딕" charset="0"/>
-              </a:rPr>
-              <a:t> 현재 Recorder 컴포넌트가 추가</a:t>
-            </a:r>
-            <a:r>
-              <a:rPr lang="ko-KR" sz="1800">
-                <a:latin typeface="맑은 고딕" charset="0"/>
-                <a:ea typeface="맑은 고딕" charset="0"/>
-              </a:rPr>
-              <a:t>된 Network Voice Manager</a:t>
-            </a:r>
-            <a:r>
-              <a:rPr sz="1800">
-                <a:latin typeface="맑은 고딕" charset="0"/>
-                <a:ea typeface="맑은 고딕" charset="0"/>
-              </a:rPr>
-              <a:t> 오브젝트를 넣</a:t>
-            </a:r>
-            <a:r>
-              <a:rPr sz="1800">
-                <a:latin typeface="맑은 고딕" charset="0"/>
-                <a:ea typeface="맑은 고딕" charset="0"/>
-              </a:rPr>
-              <a:t>어줍니</a:t>
-            </a:r>
-            <a:r>
-              <a:rPr lang="ko-KR" sz="1800">
-                <a:latin typeface="맑은 고딕" charset="0"/>
-                <a:ea typeface="맑은 고딕" charset="0"/>
-              </a:rPr>
-              <a:t>다.</a:t>
+              <a:t> Highlight Server Settings를 선택합니다.</a:t>
             </a:r>
             <a:endParaRPr lang="ko-KR" altLang="en-US" sz="1800">
               <a:latin typeface="맑은 고딕" charset="0"/>
@@ -14387,9 +15350,87 @@
           </a:p>
         </p:txBody>
       </p:sp>
+      <p:sp>
+        <p:nvSpPr>
+          <p:cNvPr id="31" name="Rect 0"/>
+          <p:cNvSpPr txBox="1">
+            <a:spLocks/>
+          </p:cNvSpPr>
+          <p:nvPr/>
+        </p:nvSpPr>
+        <p:spPr>
+          <a:xfrm>
+            <a:off x="6808470" y="3197225"/>
+            <a:ext cx="4257675" cy="647065"/>
+          </a:xfrm>
+          <a:prstGeom prst="rect"/>
+          <a:noFill/>
+          <a:ln w="0">
+            <a:noFill/>
+            <a:prstDash/>
+          </a:ln>
+        </p:spPr>
+        <p:txBody>
+          <a:bodyPr wrap="square" lIns="89535" tIns="46355" rIns="89535" bIns="46355" numCol="1" vert="horz" anchor="t">
+            <a:spAutoFit/>
+          </a:bodyPr>
+          <a:lstStyle/>
+          <a:p>
+            <a:pPr marL="0" indent="0" rtl="0" algn="l" defTabSz="914400" eaLnBrk="1" latinLnBrk="0" hangingPunct="1">
+              <a:buFontTx/>
+              <a:buNone/>
+            </a:pPr>
+            <a:r>
+              <a:rPr sz="1800" b="1">
+                <a:solidFill>
+                  <a:srgbClr val="0611F2"/>
+                </a:solidFill>
+                <a:latin typeface="맑은 고딕" charset="0"/>
+                <a:ea typeface="맑은 고딕" charset="0"/>
+              </a:rPr>
+              <a:t>23</a:t>
+            </a:r>
+            <a:r>
+              <a:rPr sz="1800" b="1">
+                <a:solidFill>
+                  <a:srgbClr val="0611F2"/>
+                </a:solidFill>
+                <a:latin typeface="맑은 고딕" charset="0"/>
+                <a:ea typeface="맑은 고딕" charset="0"/>
+              </a:rPr>
+              <a:t>.</a:t>
+            </a:r>
+            <a:r>
+              <a:rPr sz="1800">
+                <a:latin typeface="맑은 고딕" charset="0"/>
+                <a:ea typeface="맑은 고딕" charset="0"/>
+              </a:rPr>
+              <a:t> 그</a:t>
+            </a:r>
+            <a:r>
+              <a:rPr lang="ko-KR" sz="1800">
+                <a:latin typeface="맑은 고딕" charset="0"/>
+                <a:ea typeface="맑은 고딕" charset="0"/>
+              </a:rPr>
+              <a:t>런 다음</a:t>
+            </a:r>
+            <a:r>
+              <a:rPr sz="1800">
+                <a:latin typeface="맑은 고딕" charset="0"/>
+                <a:ea typeface="맑은 고딕" charset="0"/>
+              </a:rPr>
+              <a:t> 포톤 클라우드 설정에서 보이스 앱 ID를 넣어주면 됩니다.</a:t>
+            </a:r>
+            <a:endParaRPr lang="ko-KR" altLang="en-US" sz="1800">
+              <a:latin typeface="맑은 고딕" charset="0"/>
+              <a:ea typeface="맑은 고딕" charset="0"/>
+            </a:endParaRPr>
+          </a:p>
+        </p:txBody>
+      </p:sp>
       <p:pic>
         <p:nvPicPr>
-          <p:cNvPr id="38" name="그림 57"/>
+          <p:cNvPr id="32" name="그림 38"/>
           <p:cNvPicPr>
             <a:picLocks noChangeAspect="1"/>
           </p:cNvPicPr>
@@ -14409,8 +15450,8 @@
         </p:blipFill>
         <p:spPr>
           <a:xfrm rot="0">
-            <a:off x="2876550" y="1421765"/>
-            <a:ext cx="2519045" cy="2868295"/>
+            <a:off x="1254125" y="1413510"/>
+            <a:ext cx="4117340" cy="3145155"/>
           </a:xfrm>
           <a:prstGeom prst="rect"/>
           <a:noFill/>
@@ -14418,17 +15459,17 @@
       </p:pic>
       <p:pic>
         <p:nvPicPr>
-          <p:cNvPr id="41" name="그림 61"/>
+          <p:cNvPr id="33" name="그림 51"/>
           <p:cNvPicPr>
             <a:picLocks noChangeAspect="1"/>
           </p:cNvPicPr>
           <p:nvPr/>
         </p:nvPicPr>
         <p:blipFill rotWithShape="1">
-          <a:blip r:embed="rId3" cstate="print">
+          <a:blip r:embed="rId3" cstate="hqprint">
             <a:extLst>
               <a:ext uri="{28A0092B-C50C-407E-A947-70E740481C1C}">
-                <a14:useLocalDpi xmlns:a14="http://schemas.microsoft.com/office/drawing/2010/main" val="0"/>
+                <a14:useLocalDpi xmlns:a14="http://schemas.microsoft.com/office/drawing/2010/main"/>
               </a:ext>
             </a:extLst>
           </a:blip>
@@ -14438,48 +15479,18 @@
         </p:blipFill>
         <p:spPr>
           <a:xfrm rot="0">
-            <a:off x="1173480" y="1820545"/>
-            <a:ext cx="1417320" cy="2054225"/>
-          </a:xfrm>
-          <a:prstGeom prst="rect"/>
-          <a:noFill/>
+            <a:off x="6800215" y="1421765"/>
+            <a:ext cx="4265930" cy="1687830"/>
+          </a:xfrm>
+          <a:prstGeom prst="roundRect"/>
+          <a:solidFill>
+            <a:srgbClr val="EDEDED"/>
+          </a:solidFill>
         </p:spPr>
       </p:pic>
-      <p:cxnSp>
-        <p:nvCxnSpPr>
-          <p:cNvPr id="40" name="도형 59"/>
-          <p:cNvCxnSpPr/>
-          <p:nvPr/>
-        </p:nvCxnSpPr>
-        <p:spPr>
-          <a:xfrm rot="0" flipV="1">
-            <a:off x="2577465" y="3300095"/>
-            <a:ext cx="2710180" cy="333375"/>
-          </a:xfrm>
-          <a:prstGeom prst="straightConnector1"/>
-          <a:ln w="6350" cap="flat" cmpd="sng">
-            <a:prstDash/>
-            <a:tailEnd type="triangle" w="med" len="med"/>
-          </a:ln>
-        </p:spPr>
-        <p:style>
-          <a:lnRef idx="1">
-            <a:schemeClr val="accent1"/>
-          </a:lnRef>
-          <a:fillRef idx="0">
-            <a:schemeClr val="accent1"/>
-          </a:fillRef>
-          <a:effectRef idx="0">
-            <a:schemeClr val="accent1"/>
-          </a:effectRef>
-          <a:fontRef idx="minor">
-            <a:schemeClr val="tx1"/>
-          </a:fontRef>
-        </p:style>
-      </p:cxnSp>
       <p:pic>
         <p:nvPicPr>
-          <p:cNvPr id="43" name="그림 70"/>
+          <p:cNvPr id="34" name="그림 53" descr="C:/Users/Admin1/AppData/Roaming/PolarisOffice/ETemp/7276_13419048/fImage47782419358.png"/>
           <p:cNvPicPr>
             <a:picLocks noChangeAspect="1"/>
           </p:cNvPicPr>
@@ -14499,16 +15510,18 @@
         </p:blipFill>
         <p:spPr>
           <a:xfrm rot="0">
-            <a:off x="8437880" y="1421130"/>
-            <a:ext cx="2428240" cy="2303780"/>
-          </a:xfrm>
-          <a:prstGeom prst="rect"/>
-          <a:noFill/>
+            <a:off x="6800850" y="4000500"/>
+            <a:ext cx="4265295" cy="1096010"/>
+          </a:xfrm>
+          <a:prstGeom prst="roundRect"/>
+          <a:solidFill>
+            <a:srgbClr val="EDEDED"/>
+          </a:solidFill>
         </p:spPr>
       </p:pic>
       <p:sp>
         <p:nvSpPr>
-          <p:cNvPr id="44" name="텍스트 상자 71"/>
+          <p:cNvPr id="36" name="텍스트 상자 55"/>
           <p:cNvSpPr txBox="1">
             <a:spLocks/>
           </p:cNvSpPr>
@@ -14516,8 +15529,8 @@
         </p:nvSpPr>
         <p:spPr>
           <a:xfrm rot="0">
-            <a:off x="6816725" y="3872865"/>
-            <a:ext cx="4059555" cy="2308225"/>
+            <a:off x="6805295" y="5231130"/>
+            <a:ext cx="4253865" cy="923925"/>
           </a:xfrm>
           <a:prstGeom prst="rect"/>
           <a:noFill/>
@@ -14527,7 +15540,7 @@
           </a:ln>
         </p:spPr>
         <p:txBody>
-          <a:bodyPr wrap="square" lIns="89535" tIns="46355" rIns="89535" bIns="46355" vert="horz" anchor="t">
+          <a:bodyPr wrap="square" lIns="89535" tIns="46355" rIns="89535" bIns="46355" numCol="1" vert="horz" anchor="t">
             <a:spAutoFit/>
           </a:bodyPr>
           <a:lstStyle/>
@@ -14544,7 +15557,7 @@
                 <a:latin typeface="맑은 고딕" charset="0"/>
                 <a:ea typeface="맑은 고딕" charset="0"/>
               </a:rPr>
-              <a:t>22</a:t>
+              <a:t>24</a:t>
             </a:r>
             <a:r>
               <a:rPr sz="1800" b="1">
@@ -14564,153 +15577,26 @@
               <a:t> </a:t>
             </a:r>
             <a:r>
-              <a:rPr sz="1800">
-                <a:latin typeface="맑은 고딕" charset="0"/>
-                <a:ea typeface="맑은 고딕" charset="0"/>
-              </a:rPr>
-              <a:t>그</a:t>
-            </a:r>
-            <a:r>
               <a:rPr lang="ko-KR" sz="1800">
                 <a:latin typeface="맑은 고딕" charset="0"/>
                 <a:ea typeface="맑은 고딕" charset="0"/>
               </a:rPr>
-              <a:t>런 다음 Recoder 컴포넌트를 선택합니다.</a:t>
+              <a:t>그리고</a:t>
+            </a:r>
+            <a:r>
+              <a:rPr lang="ko-KR" sz="1800">
+                <a:latin typeface="맑은 고딕" charset="0"/>
+                <a:ea typeface="맑은 고딕" charset="0"/>
+              </a:rPr>
+              <a:t> Network Voice Manager 오브젝트에 Recorder 컴포넌트를 추가합니다.</a:t>
             </a:r>
             <a:endParaRPr lang="ko-KR" altLang="en-US" sz="1800">
               <a:latin typeface="맑은 고딕" charset="0"/>
               <a:ea typeface="맑은 고딕" charset="0"/>
             </a:endParaRPr>
           </a:p>
-          <a:p>
-            <a:pPr marL="0" indent="0" rtl="0" algn="l" defTabSz="914400" eaLnBrk="1" latinLnBrk="0" hangingPunct="1">
-              <a:buFontTx/>
-              <a:buNone/>
-            </a:pPr>
-            <a:endParaRPr lang="ko-KR" altLang="en-US" sz="1800">
-              <a:latin typeface="맑은 고딕" charset="0"/>
-              <a:ea typeface="맑은 고딕" charset="0"/>
-            </a:endParaRPr>
-          </a:p>
-          <a:p>
-            <a:pPr marL="0" indent="0" rtl="0" algn="l" defTabSz="914400" eaLnBrk="1" latinLnBrk="0" hangingPunct="1">
-              <a:buFontTx/>
-              <a:buNone/>
-            </a:pPr>
-            <a:r>
-              <a:rPr lang="ko-KR" sz="1800">
-                <a:latin typeface="맑은 고딕" charset="0"/>
-                <a:ea typeface="맑은 고딕" charset="0"/>
-              </a:rPr>
-              <a:t>그리고 T</a:t>
-            </a:r>
-            <a:r>
-              <a:rPr sz="1800">
-                <a:latin typeface="맑은 고딕" charset="0"/>
-                <a:ea typeface="맑은 고딕" charset="0"/>
-              </a:rPr>
-              <a:t>ransmit Enabled</a:t>
-            </a:r>
-            <a:r>
-              <a:rPr lang="ko-KR" sz="1800">
-                <a:latin typeface="맑은 고딕" charset="0"/>
-                <a:ea typeface="맑은 고딕" charset="0"/>
-              </a:rPr>
-              <a:t>와 Debug Echo</a:t>
-            </a:r>
-            <a:r>
-              <a:rPr sz="1800">
-                <a:latin typeface="맑은 고딕" charset="0"/>
-                <a:ea typeface="맑은 고딕" charset="0"/>
-              </a:rPr>
-              <a:t> </a:t>
-            </a:r>
-            <a:r>
-              <a:rPr lang="ko-KR" sz="1800">
-                <a:latin typeface="맑은 고딕" charset="0"/>
-                <a:ea typeface="맑은 고딕" charset="0"/>
-              </a:rPr>
-              <a:t>활성화합니다.</a:t>
-            </a:r>
-            <a:endParaRPr lang="ko-KR" altLang="en-US" sz="1800">
-              <a:latin typeface="맑은 고딕" charset="0"/>
-              <a:ea typeface="맑은 고딕" charset="0"/>
-            </a:endParaRPr>
-          </a:p>
-          <a:p>
-            <a:pPr marL="0" indent="0" rtl="0" algn="l" defTabSz="914400" eaLnBrk="1" latinLnBrk="0" hangingPunct="1">
-              <a:buFontTx/>
-              <a:buNone/>
-            </a:pPr>
-            <a:endParaRPr lang="ko-KR" altLang="en-US" sz="1800">
-              <a:latin typeface="맑은 고딕" charset="0"/>
-              <a:ea typeface="맑은 고딕" charset="0"/>
-            </a:endParaRPr>
-          </a:p>
-          <a:p>
-            <a:pPr marL="0" indent="0" rtl="0" algn="l" defTabSz="914400" eaLnBrk="1" latinLnBrk="0" hangingPunct="1">
-              <a:buFontTx/>
-              <a:buNone/>
-            </a:pPr>
-            <a:r>
-              <a:rPr lang="ko-KR" sz="1800">
-                <a:latin typeface="맑은 고딕" charset="0"/>
-                <a:ea typeface="맑은 고딕" charset="0"/>
-              </a:rPr>
-              <a:t>그러면 </a:t>
-            </a:r>
-            <a:r>
-              <a:rPr sz="1800">
-                <a:latin typeface="맑은 고딕" charset="0"/>
-                <a:ea typeface="맑은 고딕" charset="0"/>
-              </a:rPr>
-              <a:t>녹음된 오디오의 전송 여부</a:t>
-            </a:r>
-            <a:r>
-              <a:rPr lang="ko-KR" sz="1800">
-                <a:latin typeface="맑은 고딕" charset="0"/>
-                <a:ea typeface="맑은 고딕" charset="0"/>
-              </a:rPr>
-              <a:t>가 활성화됩니다.</a:t>
-            </a:r>
-            <a:endParaRPr lang="ko-KR" altLang="en-US" sz="1800">
-              <a:latin typeface="맑은 고딕" charset="0"/>
-              <a:ea typeface="맑은 고딕" charset="0"/>
-            </a:endParaRPr>
-          </a:p>
-        </p:txBody>
-      </p:sp>
-      <p:pic>
-        <p:nvPicPr>
-          <p:cNvPr id="45" name="그림 74"/>
-          <p:cNvPicPr>
-            <a:picLocks noChangeAspect="1"/>
-          </p:cNvPicPr>
-          <p:nvPr/>
-        </p:nvPicPr>
-        <p:blipFill rotWithShape="1">
-          <a:blip r:embed="rId5" cstate="print">
-            <a:extLst>
-              <a:ext uri="{28A0092B-C50C-407E-A947-70E740481C1C}">
-                <a14:useLocalDpi xmlns:a14="http://schemas.microsoft.com/office/drawing/2010/main" val="0"/>
-              </a:ext>
-            </a:extLst>
-          </a:blip>
-          <a:stretch>
-            <a:fillRect/>
-          </a:stretch>
-        </p:blipFill>
-        <p:spPr>
-          <a:xfrm rot="0">
-            <a:off x="6806565" y="1828800"/>
-            <a:ext cx="1417320" cy="1480185"/>
-          </a:xfrm>
-          <a:prstGeom prst="roundRect"/>
-          <a:solidFill>
-            <a:srgbClr val="EDEDED"/>
-          </a:solidFill>
-        </p:spPr>
-      </p:pic>
+        </p:txBody>
+      </p:sp>
     </p:spTree>
   </p:cSld>
   <p:clrMapOvr>

--- a/Assets/Class/Photon Server/PPT Data/Photon Synchronization.pptx
+++ b/Assets/Class/Photon Server/PPT Data/Photon Synchronization.pptx
@@ -2,7 +2,7 @@
 <file path=ppt/presentation.xml><?xml version="1.0" encoding="utf-8"?>
 <p:presentation xmlns:a="http://schemas.openxmlformats.org/drawingml/2006/main" xmlns:r="http://schemas.openxmlformats.org/officeDocument/2006/relationships" xmlns:p="http://schemas.openxmlformats.org/presentationml/2006/main" xmlns:p14="http://schemas.microsoft.com/office/powerpoint/2010/main" saveSubsetFonts="1" firstSlideNum="0">
   <p:sldMasterIdLst>
-    <p:sldMasterId id="2147486888" r:id="rId12"/>
+    <p:sldMasterId id="2147486898" r:id="rId12"/>
   </p:sldMasterIdLst>
   <p:notesMasterIdLst>
     <p:notesMasterId r:id="rId14"/>
@@ -24,6 +24,7 @@
     <p:sldId id="320" r:id="rId29"/>
     <p:sldId id="321" r:id="rId30"/>
     <p:sldId id="322" r:id="rId31"/>
+    <p:sldId id="324" r:id="rId32"/>
   </p:sldIdLst>
   <p:sldSz cx="12192000" cy="6858000"/>
   <p:notesSz cx="6858000" cy="9144000"/>
@@ -1618,6 +1619,148 @@
 </p:notes>
 </file>
 
+<file path=ppt/notesSlides/notesSlide17.xml><?xml version="1.0" encoding="utf-8"?>
+<p:notes xmlns:a="http://schemas.openxmlformats.org/drawingml/2006/main" xmlns:r="http://schemas.openxmlformats.org/officeDocument/2006/relationships" xmlns:p="http://schemas.openxmlformats.org/presentationml/2006/main">
+  <p:cSld>
+    <p:spTree>
+      <p:nvGrpSpPr>
+        <p:cNvPr id="1" name=""/>
+        <p:cNvGrpSpPr/>
+        <p:nvPr/>
+      </p:nvGrpSpPr>
+      <p:grpSpPr>
+        <a:xfrm>
+          <a:off x="0" y="0"/>
+          <a:ext cx="0" cy="0"/>
+          <a:chOff x="0" y="0"/>
+          <a:chExt cx="0" cy="0"/>
+        </a:xfrm>
+      </p:grpSpPr>
+      <p:sp>
+        <p:nvSpPr>
+          <p:cNvPr id="2" name="슬라이드 이미지 개체 틀 3"/>
+          <p:cNvSpPr>
+            <a:spLocks noChangeAspect="1"/>
+          </p:cNvSpPr>
+          <p:nvPr>
+            <p:ph type="sldImg" idx="2"/>
+          </p:nvPr>
+        </p:nvSpPr>
+        <p:spPr>
+          <a:xfrm rot="0">
+            <a:off x="685800" y="1143000"/>
+            <a:ext cx="5494655" cy="3094355"/>
+          </a:xfrm>
+          <a:prstGeom prst="rect"/>
+          <a:noFill/>
+          <a:ln w="12700" cap="flat" cmpd="sng">
+            <a:solidFill>
+              <a:srgbClr val="000000">
+                <a:alpha val="100000"/>
+              </a:srgbClr>
+            </a:solidFill>
+            <a:prstDash val="solid"/>
+          </a:ln>
+        </p:spPr>
+        <p:txBody>
+          <a:bodyPr wrap="square" lIns="91440" tIns="45720" rIns="91440" bIns="45720" numCol="1" vert="horz" anchor="ctr">
+            <a:noAutofit/>
+          </a:bodyPr>
+          <a:lstStyle/>
+          <a:p>
+            <a:pPr marL="0" indent="0" latinLnBrk="0">
+              <a:buFontTx/>
+              <a:buNone/>
+            </a:pPr>
+          </a:p>
+        </p:txBody>
+      </p:sp>
+      <p:sp>
+        <p:nvSpPr>
+          <p:cNvPr id="3" name="슬라이드 노트 개체 틀 4"/>
+          <p:cNvSpPr txBox="1">
+            <a:spLocks/>
+          </p:cNvSpPr>
+          <p:nvPr>
+            <p:ph type="body" idx="3"/>
+          </p:nvPr>
+        </p:nvSpPr>
+        <p:spPr>
+          <a:xfrm rot="0">
+            <a:off x="685800" y="4400550"/>
+            <a:ext cx="5494655" cy="3608705"/>
+          </a:xfrm>
+          <a:prstGeom prst="rect"/>
+        </p:spPr>
+        <p:txBody>
+          <a:bodyPr wrap="square" lIns="91440" tIns="45720" rIns="91440" bIns="45720" numCol="1" vert="horz" anchor="t">
+            <a:noAutofit/>
+          </a:bodyPr>
+          <a:lstStyle/>
+          <a:p>
+            <a:pPr marL="0" indent="0" latinLnBrk="0">
+              <a:buFontTx/>
+              <a:buNone/>
+            </a:pPr>
+          </a:p>
+        </p:txBody>
+      </p:sp>
+      <p:sp>
+        <p:nvSpPr>
+          <p:cNvPr id="4" name="슬라이드 번호 개체 틀 6"/>
+          <p:cNvSpPr txBox="1">
+            <a:spLocks/>
+          </p:cNvSpPr>
+          <p:nvPr>
+            <p:ph type="sldNum" idx="5"/>
+          </p:nvPr>
+        </p:nvSpPr>
+        <p:spPr>
+          <a:xfrm rot="0">
+            <a:off x="3884930" y="8685530"/>
+            <a:ext cx="2980055" cy="466725"/>
+          </a:xfrm>
+          <a:prstGeom prst="rect"/>
+        </p:spPr>
+        <p:txBody>
+          <a:bodyPr wrap="square" lIns="91440" tIns="45720" rIns="91440" bIns="45720" numCol="1" vert="horz" anchor="b">
+            <a:noAutofit/>
+          </a:bodyPr>
+          <a:lstStyle>
+            <a:lvl1pPr marL="0" indent="0" algn="r" latinLnBrk="0">
+              <a:buFontTx/>
+              <a:buNone/>
+              <a:defRPr lang="en-GB" altLang="en-US" sz="1200"/>
+            </a:lvl1pPr>
+          </a:lstStyle>
+          <a:p>
+            <a:pPr marL="0" indent="0" latinLnBrk="0">
+              <a:buFontTx/>
+              <a:buNone/>
+            </a:pPr>
+            <a:fld id="{B9320F77-B9A0-41C5-862A-B4B631284C64}" type="slidenum">
+              <a:rPr lang="ko-KR" altLang="en-US"/>
+              <a:t>‹#›</a:t>
+            </a:fld>
+          </a:p>
+        </p:txBody>
+      </p:sp>
+    </p:spTree>
+  </p:cSld>
+  <p:clrMapOvr>
+    <a:masterClrMapping/>
+  </p:clrMapOvr>
+  <mc:AlternateContent xmlns:mc="http://schemas.openxmlformats.org/markup-compatibility/2006">
+    <mc:Choice xmlns:p14="http://schemas.microsoft.com/office/powerpoint/2010/main" Requires="p14">
+      <p:transition spd="slow" p14:dur="0"/>
+    </mc:Choice>
+    <mc:Fallback>
+      <p:transition spd="slow"/>
+    </mc:Fallback>
+  </mc:AlternateContent>
+</p:notes>
+</file>
+
 <file path=ppt/notesSlides/notesSlide2.xml><?xml version="1.0" encoding="utf-8"?>
 <p:notes xmlns:a="http://schemas.openxmlformats.org/drawingml/2006/main" xmlns:r="http://schemas.openxmlformats.org/officeDocument/2006/relationships" xmlns:p="http://schemas.openxmlformats.org/presentationml/2006/main">
   <p:cSld>
@@ -8455,7 +8598,7 @@
       </p:sp>
       <p:pic>
         <p:nvPicPr>
-          <p:cNvPr id="38" name="그림 57" descr="C:/Users/Admin1/AppData/Roaming/PolarisOffice/ETemp/7276_13419048/fImage318592564464.png"/>
+          <p:cNvPr id="38" name="그림 57"/>
           <p:cNvPicPr>
             <a:picLocks noChangeAspect="1"/>
           </p:cNvPicPr>
@@ -8484,7 +8627,7 @@
       </p:pic>
       <p:pic>
         <p:nvPicPr>
-          <p:cNvPr id="43" name="그림 70" descr="C:/Users/Admin1/AppData/Roaming/PolarisOffice/ETemp/7276_13419048/fImage376762648145.png"/>
+          <p:cNvPr id="43" name="그림 70"/>
           <p:cNvPicPr>
             <a:picLocks noChangeAspect="1"/>
           </p:cNvPicPr>
@@ -8649,7 +8792,7 @@
       </p:sp>
       <p:pic>
         <p:nvPicPr>
-          <p:cNvPr id="46" name="그림 34" descr="C:/Users/Admin1/AppData/Roaming/PolarisOffice/ETemp/7276_13419048/fImage71093116962.png"/>
+          <p:cNvPr id="46" name="그림 34"/>
           <p:cNvPicPr>
             <a:picLocks noChangeAspect="1"/>
           </p:cNvPicPr>
@@ -8712,7 +8855,7 @@
       </p:cxnSp>
       <p:pic>
         <p:nvPicPr>
-          <p:cNvPr id="47" name="그림 35" descr="C:/Users/Admin1/AppData/Roaming/PolarisOffice/ETemp/7276_13419048/fImage71093124464.png"/>
+          <p:cNvPr id="47" name="그림 35"/>
           <p:cNvPicPr>
             <a:picLocks noChangeAspect="1"/>
           </p:cNvPicPr>
@@ -9159,7 +9302,7 @@
       </p:pic>
       <p:pic>
         <p:nvPicPr>
-          <p:cNvPr id="49" name="그림 84" descr="C:/Users/Admin1/AppData/Roaming/PolarisOffice/ETemp/7276_13419048/fImage52992859961.png"/>
+          <p:cNvPr id="49" name="그림 84"/>
           <p:cNvPicPr>
             <a:picLocks noChangeAspect="1"/>
           </p:cNvPicPr>
@@ -9190,7 +9333,7 @@
       </p:pic>
       <p:pic>
         <p:nvPicPr>
-          <p:cNvPr id="50" name="그림 38" descr="C:/Users/Admin1/AppData/Roaming/PolarisOffice/ETemp/7276_13419048/fImage68982326962.png"/>
+          <p:cNvPr id="50" name="그림 38"/>
           <p:cNvPicPr>
             <a:picLocks noChangeAspect="1"/>
           </p:cNvPicPr>
@@ -9538,7 +9681,7 @@
       </p:pic>
       <p:pic>
         <p:nvPicPr>
-          <p:cNvPr id="54" name="그림 93" descr="C:/Users/Admin1/AppData/Roaming/PolarisOffice/ETemp/7276_13419048/fImage48473031942.png"/>
+          <p:cNvPr id="54" name="그림 93"/>
           <p:cNvPicPr>
             <a:picLocks noChangeAspect="1"/>
           </p:cNvPicPr>
@@ -9712,7 +9855,7 @@
       </p:sp>
       <p:pic>
         <p:nvPicPr>
-          <p:cNvPr id="56" name="그림 39" descr="C:/Users/Admin1/AppData/Roaming/PolarisOffice/ETemp/7276_13419048/fImage68982326962.png"/>
+          <p:cNvPr id="56" name="그림 39"/>
           <p:cNvPicPr>
             <a:picLocks noChangeAspect="1"/>
           </p:cNvPicPr>
@@ -9841,7 +9984,7 @@
       </p:sp>
       <p:pic>
         <p:nvPicPr>
-          <p:cNvPr id="57" name="그림 97"/>
+          <p:cNvPr id="57" name="그림 97" descr="C:/Users/Admin1/AppData/Roaming/PolarisOffice/ETemp/15444_16111816/fImage180123184827.png"/>
           <p:cNvPicPr>
             <a:picLocks noChangeAspect="1"/>
           </p:cNvPicPr>
@@ -9861,8 +10004,8 @@
         </p:blipFill>
         <p:spPr>
           <a:xfrm rot="0">
-            <a:off x="1222375" y="3034030"/>
-            <a:ext cx="4224020" cy="1198880"/>
+            <a:off x="1214120" y="2726690"/>
+            <a:ext cx="4164965" cy="2146935"/>
           </a:xfrm>
           <a:prstGeom prst="roundRect"/>
           <a:solidFill>
@@ -9879,9 +10022,9 @@
           <p:nvPr/>
         </p:nvSpPr>
         <p:spPr>
-          <a:xfrm>
-            <a:off x="1210310" y="4444365"/>
-            <a:ext cx="4244975" cy="1754505"/>
+          <a:xfrm rot="0">
+            <a:off x="1210310" y="5009515"/>
+            <a:ext cx="4168775" cy="1200785"/>
           </a:xfrm>
           <a:prstGeom prst="rect"/>
           <a:noFill/>
@@ -9908,97 +10051,88 @@
                 <a:latin typeface="맑은 고딕" charset="0"/>
                 <a:ea typeface="맑은 고딕" charset="0"/>
               </a:rPr>
-              <a:t>30</a:t>
-            </a:r>
-            <a:r>
-              <a:rPr sz="1800" b="1">
-                <a:solidFill>
-                  <a:srgbClr val="0611F2"/>
-                </a:solidFill>
-                <a:latin typeface="맑은 고딕" charset="0"/>
-                <a:ea typeface="맑은 고딕" charset="0"/>
-              </a:rPr>
-              <a:t>.</a:t>
+              <a:t>30.</a:t>
             </a:r>
             <a:r>
               <a:rPr sz="1800">
                 <a:latin typeface="맑은 고딕" charset="0"/>
                 <a:ea typeface="맑은 고딕" charset="0"/>
               </a:rPr>
-              <a:t> 마지막으로 Character 오브젝트</a:t>
+              <a:t> </a:t>
+            </a:r>
+            <a:r>
+              <a:rPr sz="1800">
+                <a:latin typeface="맑은 고딕" charset="0"/>
+                <a:ea typeface="맑은 고딕" charset="0"/>
+              </a:rPr>
+              <a:t>이</a:t>
             </a:r>
             <a:r>
               <a:rPr lang="ko-KR" sz="1800">
                 <a:latin typeface="맑은 고딕" charset="0"/>
                 <a:ea typeface="맑은 고딕" charset="0"/>
               </a:rPr>
-              <a:t>를 선택합니다.</a:t>
+              <a:t>제</a:t>
+            </a:r>
+            <a:r>
+              <a:rPr sz="1800">
+                <a:latin typeface="맑은 고딕" charset="0"/>
+                <a:ea typeface="맑은 고딕" charset="0"/>
+              </a:rPr>
+              <a:t> Character 오브젝트</a:t>
+            </a:r>
+            <a:r>
+              <a:rPr lang="ko-KR" sz="1800">
+                <a:latin typeface="맑은 고딕" charset="0"/>
+                <a:ea typeface="맑은 고딕" charset="0"/>
+              </a:rPr>
+              <a:t>를 선택</a:t>
+            </a:r>
+            <a:r>
+              <a:rPr lang="ko-KR" sz="1800">
+                <a:latin typeface="맑은 고딕" charset="0"/>
+                <a:ea typeface="맑은 고딕" charset="0"/>
+              </a:rPr>
+              <a:t>한 다음</a:t>
+            </a:r>
+            <a:r>
+              <a:rPr sz="1800">
+                <a:latin typeface="맑은 고딕" charset="0"/>
+                <a:ea typeface="맑은 고딕" charset="0"/>
+              </a:rPr>
+              <a:t> Photon Voice View 컴포넌트</a:t>
+            </a:r>
+            <a:r>
+              <a:rPr lang="ko-KR" sz="1800">
+                <a:latin typeface="맑은 고딕" charset="0"/>
+                <a:ea typeface="맑은 고딕" charset="0"/>
+              </a:rPr>
+              <a:t>에 있는 </a:t>
+            </a:r>
+            <a:r>
+              <a:rPr sz="1800">
+                <a:latin typeface="맑은 고딕" charset="0"/>
+                <a:ea typeface="맑은 고딕" charset="0"/>
+              </a:rPr>
+              <a:t>Speaker In Use에 </a:t>
+            </a:r>
+            <a:r>
+              <a:rPr lang="ko-KR" sz="1800">
+                <a:latin typeface="맑은 고딕" charset="0"/>
+                <a:ea typeface="맑은 고딕" charset="0"/>
+              </a:rPr>
+              <a:t>Character 오브젝트를 넣어줍니다.</a:t>
             </a:r>
             <a:endParaRPr lang="ko-KR" altLang="en-US" sz="1800">
               <a:latin typeface="맑은 고딕" charset="0"/>
               <a:ea typeface="맑은 고딕" charset="0"/>
             </a:endParaRPr>
           </a:p>
-          <a:p>
-            <a:pPr marL="0" indent="0" rtl="0" algn="l" defTabSz="914400" eaLnBrk="1" latinLnBrk="0" hangingPunct="1">
-              <a:buFontTx/>
-              <a:buNone/>
-            </a:pPr>
-            <a:endParaRPr lang="ko-KR" altLang="en-US" sz="1800">
-              <a:latin typeface="맑은 고딕" charset="0"/>
-              <a:ea typeface="맑은 고딕" charset="0"/>
-            </a:endParaRPr>
-          </a:p>
-          <a:p>
-            <a:pPr marL="0" indent="0" rtl="0" algn="l" defTabSz="914400" eaLnBrk="1" latinLnBrk="0" hangingPunct="1">
-              <a:buFontTx/>
-              <a:buNone/>
-            </a:pPr>
-            <a:r>
-              <a:rPr lang="ko-KR" sz="1800">
-                <a:latin typeface="맑은 고딕" charset="0"/>
-                <a:ea typeface="맑은 고딕" charset="0"/>
-              </a:rPr>
-              <a:t>그리고</a:t>
-            </a:r>
-            <a:r>
-              <a:rPr sz="1800">
-                <a:latin typeface="맑은 고딕" charset="0"/>
-                <a:ea typeface="맑은 고딕" charset="0"/>
-              </a:rPr>
-              <a:t> Photon Voice View 컴포넌트</a:t>
-            </a:r>
-            <a:r>
-              <a:rPr lang="ko-KR" sz="1800">
-                <a:latin typeface="맑은 고딕" charset="0"/>
-                <a:ea typeface="맑은 고딕" charset="0"/>
-              </a:rPr>
-              <a:t>에 있는 </a:t>
-            </a:r>
-            <a:r>
-              <a:rPr sz="1800">
-                <a:latin typeface="맑은 고딕" charset="0"/>
-                <a:ea typeface="맑은 고딕" charset="0"/>
-              </a:rPr>
-              <a:t>Speaker In Use에 </a:t>
-            </a:r>
-            <a:r>
-              <a:rPr lang="ko-KR" sz="1800">
-                <a:latin typeface="맑은 고딕" charset="0"/>
-                <a:ea typeface="맑은 고딕" charset="0"/>
-              </a:rPr>
-              <a:t>Character 오브젝트를 넣어줍니다.</a:t>
-            </a:r>
-            <a:endParaRPr lang="ko-KR" altLang="en-US" sz="1800">
-              <a:latin typeface="맑은 고딕" charset="0"/>
-              <a:ea typeface="맑은 고딕" charset="0"/>
-            </a:endParaRPr>
-          </a:p>
         </p:txBody>
       </p:sp>
       <p:pic>
         <p:nvPicPr>
-          <p:cNvPr id="61" name="그림 105" descr="C:/Users/Admin1/AppData/Roaming/PolarisOffice/ETemp/7276_13419048/fImage89153225436.png"/>
+          <p:cNvPr id="61" name="그림 105"/>
           <p:cNvPicPr>
             <a:picLocks noChangeAspect="1"/>
           </p:cNvPicPr>
@@ -10037,8 +10171,8 @@
         </p:nvSpPr>
         <p:spPr>
           <a:xfrm rot="0">
-            <a:off x="6818630" y="3061970"/>
-            <a:ext cx="4164330" cy="3138805"/>
+            <a:off x="6818630" y="3070225"/>
+            <a:ext cx="4155440" cy="3138805"/>
           </a:xfrm>
           <a:prstGeom prst="rect"/>
           <a:noFill/>
@@ -10065,17 +10199,7 @@
                 <a:latin typeface="맑은 고딕" charset="0"/>
                 <a:ea typeface="맑은 고딕" charset="0"/>
               </a:rPr>
-              <a:t>31</a:t>
-            </a:r>
-            <a:r>
-              <a:rPr sz="1800" b="1">
-                <a:solidFill>
-                  <a:srgbClr val="0611F2"/>
-                </a:solidFill>
-                <a:latin typeface="맑은 고딕" charset="0"/>
-                <a:ea typeface="맑은 고딕" charset="0"/>
-              </a:rPr>
-              <a:t>.</a:t>
+              <a:t>31.</a:t>
             </a:r>
             <a:r>
               <a:rPr sz="1800">
@@ -10089,42 +10213,21 @@
                 <a:latin typeface="맑은 고딕" charset="0"/>
                 <a:ea typeface="맑은 고딕" charset="0"/>
               </a:rPr>
-              <a:t>이</a:t>
+              <a:t>그리</a:t>
             </a:r>
             <a:r>
               <a:rPr lang="ko-KR" sz="1800">
                 <a:latin typeface="맑은 고딕" charset="0"/>
                 <a:ea typeface="맑은 고딕" charset="0"/>
               </a:rPr>
-              <a:t>제</a:t>
+              <a:t>고</a:t>
             </a:r>
             <a:r>
               <a:rPr lang="ko-KR" sz="1800">
                 <a:latin typeface="맑은 고딕" charset="0"/>
                 <a:ea typeface="맑은 고딕" charset="0"/>
               </a:rPr>
-              <a:t> Character</a:t>
-            </a:r>
-            <a:r>
-              <a:rPr lang="ko-KR" sz="1800">
-                <a:latin typeface="맑은 고딕" charset="0"/>
-                <a:ea typeface="맑은 고딕" charset="0"/>
-              </a:rPr>
-              <a:t> 오브젝트</a:t>
-            </a:r>
-            <a:r>
-              <a:rPr lang="ko-KR" sz="1800">
-                <a:latin typeface="맑은 고딕" charset="0"/>
-                <a:ea typeface="맑은 고딕" charset="0"/>
-              </a:rPr>
-              <a:t>를 선택</a:t>
-            </a:r>
-            <a:r>
-              <a:rPr lang="ko-KR" sz="1800">
-                <a:latin typeface="맑은 고딕" charset="0"/>
-                <a:ea typeface="맑은 고딕" charset="0"/>
-              </a:rPr>
-              <a:t>합니다.</a:t>
+              <a:t> Character 오브젝트를 선택합니다.</a:t>
             </a:r>
             <a:endParaRPr lang="ko-KR" altLang="en-US" sz="1800">
               <a:latin typeface="맑은 고딕" charset="0"/>
@@ -10151,21 +10254,7 @@
                 <a:latin typeface="맑은 고딕" charset="0"/>
                 <a:ea typeface="맑은 고딕" charset="0"/>
               </a:rPr>
-              <a:t>그런 다음</a:t>
-            </a:r>
-            <a:r>
-              <a:rPr lang="ko-KR" sz="1800">
-                <a:latin typeface="맑은 고딕" charset="0"/>
-                <a:ea typeface="맑은 고딕" charset="0"/>
-              </a:rPr>
-              <a:t> Prefab 씬에서 PhotonControl 스크립트에 있는 Speed와 Angle Speed</a:t>
-            </a:r>
-            <a:r>
-              <a:rPr lang="ko-KR" sz="1800">
-                <a:latin typeface="맑은 고딕" charset="0"/>
-                <a:ea typeface="맑은 고딕" charset="0"/>
-              </a:rPr>
-              <a:t>의 값을 설정합니다.</a:t>
+              <a:t>그런 다음 Prefab 씬에서 PhotonControl 스크립트에 있는 Speed와 Angle Speed의 값을 설정합니다.</a:t>
             </a:r>
             <a:endParaRPr lang="ko-KR" altLang="en-US" sz="1800">
               <a:latin typeface="맑은 고딕" charset="0"/>
@@ -10192,35 +10281,7 @@
                 <a:latin typeface="맑은 고딕" charset="0"/>
                 <a:ea typeface="맑은 고딕" charset="0"/>
               </a:rPr>
-              <a:t>그다음</a:t>
-            </a:r>
-            <a:r>
-              <a:rPr lang="ko-KR" sz="1800">
-                <a:latin typeface="맑은 고딕" charset="0"/>
-                <a:ea typeface="맑은 고딕" charset="0"/>
-              </a:rPr>
-              <a:t>으로</a:t>
-            </a:r>
-            <a:r>
-              <a:rPr lang="ko-KR" sz="1800">
-                <a:latin typeface="맑은 고딕" charset="0"/>
-                <a:ea typeface="맑은 고딕" charset="0"/>
-              </a:rPr>
-              <a:t> Character 오브젝트 하위에 있는 </a:t>
-            </a:r>
-            <a:r>
-              <a:rPr lang="ko-KR" sz="1800">
-                <a:latin typeface="맑은 고딕" charset="0"/>
-                <a:ea typeface="맑은 고딕" charset="0"/>
-              </a:rPr>
-              <a:t>Main </a:t>
-            </a:r>
-            <a:r>
-              <a:rPr lang="ko-KR" sz="1800">
-                <a:latin typeface="맑은 고딕" charset="0"/>
-                <a:ea typeface="맑은 고딕" charset="0"/>
-              </a:rPr>
-              <a:t>Camera 오브젝트를 넣어줍니다.</a:t>
+              <a:t>그다음으로 Character 오브젝트 하위에 있는 Main Camera 오브젝트를 넣어줍니다.</a:t>
             </a:r>
             <a:endParaRPr lang="ko-KR" altLang="en-US" sz="1800">
               <a:latin typeface="맑은 고딕" charset="0"/>
@@ -10231,7 +10292,7 @@
       </p:sp>
       <p:pic>
         <p:nvPicPr>
-          <p:cNvPr id="65" name="그림 44" descr="C:/Users/Admin1/AppData/Roaming/PolarisOffice/ETemp/7276_13419048/fImage68982326962.png"/>
+          <p:cNvPr id="65" name="그림 44" descr="C:/Users/Admin1/AppData/Roaming/PolarisOffice/ETemp/15444_16111816/fImage68982326962.png"/>
           <p:cNvPicPr>
             <a:picLocks noChangeAspect="1"/>
           </p:cNvPicPr>
@@ -10251,8 +10312,8 @@
         </p:blipFill>
         <p:spPr>
           <a:xfrm rot="0">
-            <a:off x="1220470" y="1397635"/>
-            <a:ext cx="4247515" cy="1441450"/>
+            <a:off x="1222375" y="1338580"/>
+            <a:ext cx="4156710" cy="1130935"/>
           </a:xfrm>
           <a:prstGeom prst="roundRect"/>
           <a:solidFill>
@@ -10268,8 +10329,8 @@
         </p:nvCxnSpPr>
         <p:spPr>
           <a:xfrm rot="0">
-            <a:off x="2495550" y="2771775"/>
-            <a:ext cx="2809240" cy="920750"/>
+            <a:off x="2510790" y="2419350"/>
+            <a:ext cx="2710815" cy="1471930"/>
           </a:xfrm>
           <a:prstGeom prst="straightConnector1"/>
           <a:ln w="6350" cap="flat" cmpd="sng">
@@ -10294,7 +10355,7 @@
       </p:cxnSp>
       <p:pic>
         <p:nvPicPr>
-          <p:cNvPr id="66" name="그림 45" descr="C:/Users/Admin1/AppData/Roaming/PolarisOffice/ETemp/7276_13419048/fImage81063165705.png"/>
+          <p:cNvPr id="66" name="그림 45"/>
           <p:cNvPicPr>
             <a:picLocks noChangeAspect="1"/>
           </p:cNvPicPr>
@@ -10462,9 +10523,9 @@
           <p:nvPr/>
         </p:nvSpPr>
         <p:spPr>
-          <a:xfrm>
-            <a:off x="1366520" y="4557395"/>
-            <a:ext cx="4014470" cy="1477645"/>
+          <a:xfrm rot="0">
+            <a:off x="1222375" y="4557395"/>
+            <a:ext cx="4182110" cy="1477645"/>
           </a:xfrm>
           <a:prstGeom prst="rect"/>
           <a:noFill/>
@@ -10491,17 +10552,7 @@
                 <a:latin typeface="맑은 고딕" charset="0"/>
                 <a:ea typeface="맑은 고딕" charset="0"/>
               </a:rPr>
-              <a:t>32</a:t>
-            </a:r>
-            <a:r>
-              <a:rPr sz="1800" b="1">
-                <a:solidFill>
-                  <a:srgbClr val="0611F2"/>
-                </a:solidFill>
-                <a:latin typeface="맑은 고딕" charset="0"/>
-                <a:ea typeface="맑은 고딕" charset="0"/>
-              </a:rPr>
-              <a:t>.</a:t>
+              <a:t>32.</a:t>
             </a:r>
             <a:r>
               <a:rPr sz="1800">
@@ -10560,9 +10611,9 @@
           <p:nvPr/>
         </p:nvSpPr>
         <p:spPr>
-          <a:xfrm>
+          <a:xfrm rot="0">
             <a:off x="6827520" y="2713990"/>
-            <a:ext cx="4245610" cy="923925"/>
+            <a:ext cx="4146550" cy="923925"/>
           </a:xfrm>
           <a:prstGeom prst="rect"/>
           <a:noFill/>
@@ -10589,17 +10640,7 @@
                 <a:latin typeface="맑은 고딕" charset="0"/>
                 <a:ea typeface="맑은 고딕" charset="0"/>
               </a:rPr>
-              <a:t>33</a:t>
-            </a:r>
-            <a:r>
-              <a:rPr sz="1800" b="1">
-                <a:solidFill>
-                  <a:srgbClr val="0611F2"/>
-                </a:solidFill>
-                <a:latin typeface="맑은 고딕" charset="0"/>
-                <a:ea typeface="맑은 고딕" charset="0"/>
-              </a:rPr>
-              <a:t>.</a:t>
+              <a:t>33.</a:t>
             </a:r>
             <a:r>
               <a:rPr sz="1800">
@@ -10624,7 +10665,7 @@
       </p:sp>
       <p:pic>
         <p:nvPicPr>
-          <p:cNvPr id="64" name="그림 4" descr="C:/Users/Admin1/AppData/Roaming/PolarisOffice/ETemp/7276_13419048/fImage217262668467.png"/>
+          <p:cNvPr id="64" name="그림 4" descr="C:/Users/Admin1/AppData/Roaming/PolarisOffice/ETemp/15444_16111816/fImage217262668467.png"/>
           <p:cNvPicPr>
             <a:picLocks noChangeAspect="1"/>
           </p:cNvPicPr>
@@ -10644,8 +10685,8 @@
         </p:blipFill>
         <p:spPr>
           <a:xfrm rot="0">
-            <a:off x="1365885" y="1390650"/>
-            <a:ext cx="2511425" cy="3030220"/>
+            <a:off x="1230630" y="1390650"/>
+            <a:ext cx="2647315" cy="3030855"/>
           </a:xfrm>
           <a:prstGeom prst="roundRect"/>
           <a:solidFill>
@@ -10655,7 +10696,7 @@
       </p:pic>
       <p:pic>
         <p:nvPicPr>
-          <p:cNvPr id="65" name="그림 11" descr="C:/Users/Admin1/AppData/Roaming/PolarisOffice/ETemp/7276_13419048/fImage21742696334.png"/>
+          <p:cNvPr id="65" name="그림 11"/>
           <p:cNvPicPr>
             <a:picLocks noChangeAspect="1"/>
           </p:cNvPicPr>
@@ -10686,7 +10727,7 @@
       </p:pic>
       <p:pic>
         <p:nvPicPr>
-          <p:cNvPr id="68" name="그림 18" descr="C:/Users/Admin1/AppData/Roaming/PolarisOffice/ETemp/7276_13419048/fImage168562729169.png"/>
+          <p:cNvPr id="68" name="그림 18" descr="C:/Users/Admin1/AppData/Roaming/PolarisOffice/ETemp/15444_16111816/fImage168562729169.png"/>
           <p:cNvPicPr>
             <a:picLocks noChangeAspect="1"/>
           </p:cNvPicPr>
@@ -10707,7 +10748,7 @@
         <p:spPr>
           <a:xfrm rot="0">
             <a:off x="6817995" y="1390650"/>
-            <a:ext cx="4253865" cy="1222375"/>
+            <a:ext cx="4147820" cy="1223010"/>
           </a:xfrm>
           <a:prstGeom prst="roundRect"/>
           <a:solidFill>
@@ -10717,17 +10758,17 @@
       </p:pic>
       <p:pic>
         <p:nvPicPr>
-          <p:cNvPr id="69" name="그림 21"/>
+          <p:cNvPr id="69" name="그림 21" descr="C:/Users/Admin1/AppData/Roaming/PolarisOffice/ETemp/15444_16111816/fImage119622735724.png"/>
           <p:cNvPicPr>
             <a:picLocks noChangeAspect="1"/>
           </p:cNvPicPr>
           <p:nvPr/>
         </p:nvPicPr>
         <p:blipFill rotWithShape="1">
-          <a:blip r:embed="rId6" cstate="print">
+          <a:blip r:embed="rId6" cstate="hqprint">
             <a:extLst>
               <a:ext uri="{28A0092B-C50C-407E-A947-70E740481C1C}">
-                <a14:useLocalDpi xmlns:a14="http://schemas.microsoft.com/office/drawing/2010/main" val="0"/>
+                <a14:useLocalDpi xmlns:a14="http://schemas.microsoft.com/office/drawing/2010/main"/>
               </a:ext>
             </a:extLst>
           </a:blip>
@@ -10738,7 +10779,7 @@
         <p:spPr>
           <a:xfrm rot="0">
             <a:off x="6822440" y="3790315"/>
-            <a:ext cx="4239895" cy="1425575"/>
+            <a:ext cx="4143375" cy="1426210"/>
           </a:xfrm>
           <a:prstGeom prst="roundRect"/>
           <a:solidFill>
@@ -10757,7 +10798,7 @@
         <p:spPr>
           <a:xfrm rot="0">
             <a:off x="6825615" y="5390515"/>
-            <a:ext cx="4245610" cy="647065"/>
+            <a:ext cx="4148455" cy="647065"/>
           </a:xfrm>
           <a:prstGeom prst="rect"/>
           <a:noFill/>
@@ -10784,17 +10825,7 @@
                 <a:latin typeface="맑은 고딕" charset="0"/>
                 <a:ea typeface="맑은 고딕" charset="0"/>
               </a:rPr>
-              <a:t>34</a:t>
-            </a:r>
-            <a:r>
-              <a:rPr sz="1800" b="1">
-                <a:solidFill>
-                  <a:srgbClr val="0611F2"/>
-                </a:solidFill>
-                <a:latin typeface="맑은 고딕" charset="0"/>
-                <a:ea typeface="맑은 고딕" charset="0"/>
-              </a:rPr>
-              <a:t>.</a:t>
+              <a:t>34.</a:t>
             </a:r>
             <a:r>
               <a:rPr sz="1800">
@@ -10819,7 +10850,7 @@
       </p:sp>
       <p:pic>
         <p:nvPicPr>
-          <p:cNvPr id="71" name="그림 52" descr="C:/Users/Admin1/AppData/Roaming/PolarisOffice/ETemp/7276_13419048/fImage95963178145.png"/>
+          <p:cNvPr id="71" name="그림 52"/>
           <p:cNvPicPr>
             <a:picLocks noChangeAspect="1"/>
           </p:cNvPicPr>
@@ -10850,7 +10881,7 @@
       </p:pic>
       <p:pic>
         <p:nvPicPr>
-          <p:cNvPr id="72" name="그림 55" descr="C:/Users/Admin1/AppData/Roaming/PolarisOffice/ETemp/7276_13419048/fImage2242172279169.png"/>
+          <p:cNvPr id="72" name="그림 55"/>
           <p:cNvPicPr>
             <a:picLocks noChangeAspect="1"/>
           </p:cNvPicPr>
@@ -11106,7 +11137,7 @@
       </p:sp>
       <p:pic>
         <p:nvPicPr>
-          <p:cNvPr id="72" name="그림 28" descr="C:/Users/Admin1/AppData/Roaming/PolarisOffice/ETemp/7276_13419048/fImage191682899358.png"/>
+          <p:cNvPr id="72" name="그림 28"/>
           <p:cNvPicPr>
             <a:picLocks noChangeAspect="1"/>
           </p:cNvPicPr>
@@ -11272,7 +11303,7 @@
       </p:sp>
       <p:pic>
         <p:nvPicPr>
-          <p:cNvPr id="74" name="그림 4" descr="C:/Users/Admin1/AppData/Roaming/PolarisOffice/ETemp/7276_13419048/fImage133412986962.png"/>
+          <p:cNvPr id="74" name="그림 4"/>
           <p:cNvPicPr>
             <a:picLocks noChangeAspect="1"/>
           </p:cNvPicPr>
@@ -11409,8 +11440,8 @@
         </p:nvSpPr>
         <p:spPr>
           <a:xfrm rot="0">
-            <a:off x="1384300" y="2974975"/>
-            <a:ext cx="4004945" cy="647065"/>
+            <a:off x="1238885" y="3082925"/>
+            <a:ext cx="4150995" cy="647065"/>
           </a:xfrm>
           <a:prstGeom prst="rect"/>
           <a:noFill/>
@@ -11437,27 +11468,7 @@
                 <a:latin typeface="맑은 고딕" charset="0"/>
                 <a:ea typeface="맑은 고딕" charset="0"/>
               </a:rPr>
-              <a:t>3</a:t>
-            </a:r>
-            <a:r>
-              <a:rPr sz="1800" b="1">
-                <a:solidFill>
-                  <a:srgbClr val="0611F2"/>
-                </a:solidFill>
-                <a:latin typeface="맑은 고딕" charset="0"/>
-                <a:ea typeface="맑은 고딕" charset="0"/>
-              </a:rPr>
-              <a:t>7</a:t>
-            </a:r>
-            <a:r>
-              <a:rPr sz="1800" b="1">
-                <a:solidFill>
-                  <a:srgbClr val="0611F2"/>
-                </a:solidFill>
-                <a:latin typeface="맑은 고딕" charset="0"/>
-                <a:ea typeface="맑은 고딕" charset="0"/>
-              </a:rPr>
-              <a:t>.</a:t>
+              <a:t>37.</a:t>
             </a:r>
             <a:r>
               <a:rPr sz="1800">
@@ -11482,7 +11493,7 @@
       </p:sp>
       <p:pic>
         <p:nvPicPr>
-          <p:cNvPr id="76" name="그림 14" descr="C:/Users/Admin1/AppData/Roaming/PolarisOffice/ETemp/7276_13419048/fImage747921941.png"/>
+          <p:cNvPr id="76" name="그림 14"/>
           <p:cNvPicPr>
             <a:picLocks noChangeAspect="1"/>
           </p:cNvPicPr>
@@ -11513,17 +11524,17 @@
       </p:pic>
       <p:pic>
         <p:nvPicPr>
-          <p:cNvPr id="77" name="그림 17"/>
+          <p:cNvPr id="77" name="그림 17" descr="C:/Users/Admin1/AppData/Roaming/PolarisOffice/ETemp/15444_16111816/fImage51412208467.png"/>
           <p:cNvPicPr>
             <a:picLocks noChangeAspect="1"/>
           </p:cNvPicPr>
           <p:nvPr/>
         </p:nvPicPr>
         <p:blipFill rotWithShape="1">
-          <a:blip r:embed="rId6" cstate="print">
+          <a:blip r:embed="rId6" cstate="hqprint">
             <a:extLst>
               <a:ext uri="{28A0092B-C50C-407E-A947-70E740481C1C}">
-                <a14:useLocalDpi xmlns:a14="http://schemas.microsoft.com/office/drawing/2010/main" val="0"/>
+                <a14:useLocalDpi xmlns:a14="http://schemas.microsoft.com/office/drawing/2010/main"/>
               </a:ext>
             </a:extLst>
           </a:blip>
@@ -11534,7 +11545,7 @@
         <p:spPr>
           <a:xfrm rot="0">
             <a:off x="6811010" y="2758440"/>
-            <a:ext cx="4182110" cy="1454150"/>
+            <a:ext cx="4182745" cy="1506855"/>
           </a:xfrm>
           <a:prstGeom prst="roundRect"/>
           <a:solidFill>
@@ -11550,8 +11561,8 @@
         </p:nvCxnSpPr>
         <p:spPr>
           <a:xfrm rot="0" flipV="1">
-            <a:off x="8173085" y="2291715"/>
-            <a:ext cx="2726055" cy="1610360"/>
+            <a:off x="8163560" y="2291715"/>
+            <a:ext cx="2736215" cy="1657350"/>
           </a:xfrm>
           <a:prstGeom prst="straightConnector1"/>
           <a:ln w="6350" cap="flat" cmpd="sng">
@@ -11583,9 +11594,9 @@
           <p:nvPr/>
         </p:nvSpPr>
         <p:spPr>
-          <a:xfrm>
-            <a:off x="6818630" y="4335780"/>
-            <a:ext cx="4166870" cy="1754505"/>
+          <a:xfrm rot="0">
+            <a:off x="6818630" y="4368800"/>
+            <a:ext cx="4167505" cy="1755140"/>
           </a:xfrm>
           <a:prstGeom prst="rect"/>
           <a:noFill/>
@@ -11684,7 +11695,7 @@
       </p:sp>
       <p:pic>
         <p:nvPicPr>
-          <p:cNvPr id="80" name="그림 23"/>
+          <p:cNvPr id="80" name="그림 23" descr="C:/Users/Admin1/AppData/Roaming/PolarisOffice/ETemp/15444_16111816/fImage47032256334.png"/>
           <p:cNvPicPr>
             <a:picLocks noChangeAspect="1"/>
           </p:cNvPicPr>
@@ -11704,8 +11715,8 @@
         </p:blipFill>
         <p:spPr>
           <a:xfrm rot="0">
-            <a:off x="1377315" y="3789045"/>
-            <a:ext cx="4014470" cy="1350645"/>
+            <a:off x="1238885" y="3855085"/>
+            <a:ext cx="4153535" cy="1449070"/>
           </a:xfrm>
           <a:prstGeom prst="roundRect"/>
           <a:solidFill>
@@ -11722,9 +11733,9 @@
           <p:nvPr/>
         </p:nvSpPr>
         <p:spPr>
-          <a:xfrm>
-            <a:off x="1378585" y="5271135"/>
-            <a:ext cx="3996690" cy="677545"/>
+          <a:xfrm rot="0">
+            <a:off x="1238885" y="5453380"/>
+            <a:ext cx="4145280" cy="677545"/>
           </a:xfrm>
           <a:prstGeom prst="rect"/>
           <a:noFill/>
@@ -11751,17 +11762,7 @@
                 <a:latin typeface="맑은 고딕" charset="0"/>
                 <a:ea typeface="맑은 고딕" charset="0"/>
               </a:rPr>
-              <a:t>3</a:t>
-            </a:r>
-            <a:r>
-              <a:rPr lang="ko-KR" sz="2000" b="1">
-                <a:solidFill>
-                  <a:srgbClr val="0611F2"/>
-                </a:solidFill>
-                <a:latin typeface="맑은 고딕" charset="0"/>
-                <a:ea typeface="맑은 고딕" charset="0"/>
-              </a:rPr>
-              <a:t>8</a:t>
+              <a:t>38</a:t>
             </a:r>
             <a:r>
               <a:rPr sz="2000" b="1">
@@ -11803,14 +11804,333 @@
       </p:sp>
       <p:pic>
         <p:nvPicPr>
-          <p:cNvPr id="82" name="그림 56" descr="C:/Users/Admin1/AppData/Roaming/PolarisOffice/ETemp/7276_13419048/fImage129503193281.png"/>
+          <p:cNvPr id="82" name="그림 56" descr="C:/Users/Admin1/AppData/Roaming/PolarisOffice/ETemp/15444_16111816/fImage129503193281.png"/>
           <p:cNvPicPr>
             <a:picLocks noChangeAspect="1"/>
           </p:cNvPicPr>
           <p:nvPr/>
         </p:nvPicPr>
         <p:blipFill rotWithShape="1">
-          <a:blip r:embed="rId8" cstate="print">
+          <a:blip r:embed="rId8" cstate="hqprint">
+            <a:extLst>
+              <a:ext uri="{28A0092B-C50C-407E-A947-70E740481C1C}">
+                <a14:useLocalDpi xmlns:a14="http://schemas.microsoft.com/office/drawing/2010/main"/>
+              </a:ext>
+            </a:extLst>
+          </a:blip>
+          <a:stretch>
+            <a:fillRect/>
+          </a:stretch>
+        </p:blipFill>
+        <p:spPr>
+          <a:xfrm rot="0">
+            <a:off x="1238885" y="1419225"/>
+            <a:ext cx="4144010" cy="1565910"/>
+          </a:xfrm>
+          <a:prstGeom prst="roundRect"/>
+          <a:solidFill>
+            <a:srgbClr val="EDEDED"/>
+          </a:solidFill>
+        </p:spPr>
+      </p:pic>
+    </p:spTree>
+  </p:cSld>
+  <p:clrMapOvr>
+    <a:masterClrMapping/>
+  </p:clrMapOvr>
+  <mc:AlternateContent xmlns:mc="http://schemas.openxmlformats.org/markup-compatibility/2006">
+    <mc:Choice xmlns:p14="http://schemas.microsoft.com/office/powerpoint/2010/main" Requires="p14">
+      <p:transition spd="slow" p14:dur="2000"/>
+    </mc:Choice>
+    <mc:Fallback>
+      <p:transition spd="slow"/>
+    </mc:Fallback>
+  </mc:AlternateContent>
+  <p:timing>
+    <p:tnLst>
+      <p:par>
+        <p:cTn id="1" dur="indefinite" restart="never" nodeType="tmRoot"/>
+      </p:par>
+    </p:tnLst>
+  </p:timing>
+</p:sld>
+</file>
+
+<file path=ppt/slides/slide17.xml><?xml version="1.0" encoding="utf-8"?>
+<p:sld xmlns:a="http://schemas.openxmlformats.org/drawingml/2006/main" xmlns:r="http://schemas.openxmlformats.org/officeDocument/2006/relationships" xmlns:p="http://schemas.openxmlformats.org/presentationml/2006/main">
+  <p:cSld>
+    <p:spTree>
+      <p:nvGrpSpPr>
+        <p:cNvPr id="1" name=""/>
+        <p:cNvGrpSpPr/>
+        <p:nvPr/>
+      </p:nvGrpSpPr>
+      <p:grpSpPr>
+        <a:xfrm>
+          <a:off x="0" y="0"/>
+          <a:ext cx="0" cy="0"/>
+          <a:chOff x="0" y="0"/>
+          <a:chExt cx="0" cy="0"/>
+        </a:xfrm>
+      </p:grpSpPr>
+      <p:sp>
+        <p:nvSpPr>
+          <p:cNvPr id="27" name="Rect 0"/>
+          <p:cNvSpPr txBox="1">
+            <a:spLocks/>
+          </p:cNvSpPr>
+          <p:nvPr/>
+        </p:nvSpPr>
+        <p:spPr>
+          <a:xfrm rot="0">
+            <a:off x="4101465" y="407035"/>
+            <a:ext cx="3986530" cy="554990"/>
+          </a:xfrm>
+          <a:prstGeom prst="rect"/>
+          <a:noFill/>
+          <a:ln w="0">
+            <a:noFill/>
+            <a:prstDash/>
+          </a:ln>
+        </p:spPr>
+        <p:txBody>
+          <a:bodyPr wrap="square" lIns="89535" tIns="46355" rIns="89535" bIns="46355" numCol="1" vert="horz" anchor="t">
+            <a:spAutoFit/>
+          </a:bodyPr>
+          <a:lstStyle/>
+          <a:p>
+            <a:pPr marL="0" indent="0" algn="l" latinLnBrk="0" hangingPunct="1">
+              <a:buFontTx/>
+              <a:buNone/>
+            </a:pPr>
+            <a:r>
+              <a:rPr lang="ko-KR" sz="3000" b="1">
+                <a:latin typeface="맑은 고딕" charset="0"/>
+                <a:ea typeface="맑은 고딕" charset="0"/>
+              </a:rPr>
+              <a:t>열</a:t>
+            </a:r>
+            <a:r>
+              <a:rPr lang="ko-KR" sz="3000" b="1">
+                <a:latin typeface="맑은 고딕" charset="0"/>
+                <a:ea typeface="맑은 고딕" charset="0"/>
+              </a:rPr>
+              <a:t>일곱</a:t>
+            </a:r>
+            <a:r>
+              <a:rPr lang="ko-KR" sz="3000" b="1">
+                <a:latin typeface="맑은 고딕" charset="0"/>
+                <a:ea typeface="맑은 고딕" charset="0"/>
+              </a:rPr>
+              <a:t> 번째 튜토리얼</a:t>
+            </a:r>
+            <a:endParaRPr lang="ko-KR" altLang="en-US" sz="3000" b="1">
+              <a:latin typeface="맑은 고딕" charset="0"/>
+              <a:ea typeface="맑은 고딕" charset="0"/>
+            </a:endParaRPr>
+          </a:p>
+        </p:txBody>
+      </p:sp>
+      <p:sp>
+        <p:nvSpPr>
+          <p:cNvPr id="79" name="Rect 0"/>
+          <p:cNvSpPr txBox="1">
+            <a:spLocks/>
+          </p:cNvSpPr>
+          <p:nvPr/>
+        </p:nvSpPr>
+        <p:spPr>
+          <a:xfrm rot="0">
+            <a:off x="6818630" y="2856230"/>
+            <a:ext cx="4163695" cy="923925"/>
+          </a:xfrm>
+          <a:prstGeom prst="rect"/>
+          <a:noFill/>
+          <a:ln w="0">
+            <a:noFill/>
+            <a:prstDash/>
+          </a:ln>
+        </p:spPr>
+        <p:txBody>
+          <a:bodyPr wrap="square" lIns="89535" tIns="46355" rIns="89535" bIns="46355" numCol="1" vert="horz" anchor="t">
+            <a:spAutoFit/>
+          </a:bodyPr>
+          <a:lstStyle/>
+          <a:p>
+            <a:pPr marL="0" indent="0" rtl="0" algn="l" defTabSz="914400" eaLnBrk="1" latinLnBrk="0" hangingPunct="1">
+              <a:buFontTx/>
+              <a:buNone/>
+            </a:pPr>
+            <a:r>
+              <a:rPr sz="1800" b="1">
+                <a:solidFill>
+                  <a:srgbClr val="0611F2"/>
+                </a:solidFill>
+                <a:latin typeface="맑은 고딕" charset="0"/>
+                <a:ea typeface="맑은 고딕" charset="0"/>
+              </a:rPr>
+              <a:t>41</a:t>
+            </a:r>
+            <a:r>
+              <a:rPr sz="1800" b="1">
+                <a:solidFill>
+                  <a:srgbClr val="0611F2"/>
+                </a:solidFill>
+                <a:latin typeface="맑은 고딕" charset="0"/>
+                <a:ea typeface="맑은 고딕" charset="0"/>
+              </a:rPr>
+              <a:t>.</a:t>
+            </a:r>
+            <a:r>
+              <a:rPr sz="1800">
+                <a:latin typeface="맑은 고딕" charset="0"/>
+                <a:ea typeface="맑은 고딕" charset="0"/>
+              </a:rPr>
+              <a:t> </a:t>
+            </a:r>
+            <a:r>
+              <a:rPr lang="ko-KR" sz="1800">
+                <a:latin typeface="맑은 고딕" charset="0"/>
+                <a:ea typeface="맑은 고딕" charset="0"/>
+              </a:rPr>
+              <a:t>그</a:t>
+            </a:r>
+            <a:r>
+              <a:rPr lang="ko-KR" sz="1800">
+                <a:latin typeface="맑은 고딕" charset="0"/>
+                <a:ea typeface="맑은 고딕" charset="0"/>
+              </a:rPr>
+              <a:t>리고</a:t>
+            </a:r>
+            <a:r>
+              <a:rPr lang="ko-KR" sz="1800">
+                <a:latin typeface="맑은 고딕" charset="0"/>
+                <a:ea typeface="맑은 고딕" charset="0"/>
+              </a:rPr>
+              <a:t> Character 오브젝트에</a:t>
+            </a:r>
+            <a:r>
+              <a:rPr lang="ko-KR" sz="1800">
+                <a:latin typeface="맑은 고딕" charset="0"/>
+                <a:ea typeface="맑은 고딕" charset="0"/>
+              </a:rPr>
+              <a:t> Animator 폴더에 있는 Photon Animator를 넣어줍니다.</a:t>
+            </a:r>
+            <a:endParaRPr lang="ko-KR" altLang="en-US" sz="1800">
+              <a:latin typeface="맑은 고딕" charset="0"/>
+              <a:ea typeface="맑은 고딕" charset="0"/>
+            </a:endParaRPr>
+          </a:p>
+        </p:txBody>
+      </p:sp>
+      <p:sp>
+        <p:nvSpPr>
+          <p:cNvPr id="81" name="Rect 0"/>
+          <p:cNvSpPr txBox="1">
+            <a:spLocks/>
+          </p:cNvSpPr>
+          <p:nvPr/>
+        </p:nvSpPr>
+        <p:spPr>
+          <a:xfrm rot="0">
+            <a:off x="1255395" y="3866515"/>
+            <a:ext cx="4123690" cy="2338705"/>
+          </a:xfrm>
+          <a:prstGeom prst="rect"/>
+          <a:noFill/>
+          <a:ln w="0">
+            <a:noFill/>
+            <a:prstDash/>
+          </a:ln>
+        </p:spPr>
+        <p:txBody>
+          <a:bodyPr wrap="square" lIns="89535" tIns="46355" rIns="89535" bIns="46355" numCol="1" vert="horz" anchor="t">
+            <a:spAutoFit/>
+          </a:bodyPr>
+          <a:lstStyle/>
+          <a:p>
+            <a:pPr marL="0" indent="0" rtl="0" algn="l" defTabSz="914400" eaLnBrk="1" latinLnBrk="0" hangingPunct="1">
+              <a:buFontTx/>
+              <a:buNone/>
+            </a:pPr>
+            <a:r>
+              <a:rPr lang="ko-KR" sz="2000" b="1">
+                <a:solidFill>
+                  <a:srgbClr val="0611F2"/>
+                </a:solidFill>
+                <a:latin typeface="맑은 고딕" charset="0"/>
+                <a:ea typeface="맑은 고딕" charset="0"/>
+              </a:rPr>
+              <a:t>40</a:t>
+            </a:r>
+            <a:r>
+              <a:rPr sz="2000" b="1">
+                <a:solidFill>
+                  <a:srgbClr val="0611F2"/>
+                </a:solidFill>
+                <a:latin typeface="맑은 고딕" charset="0"/>
+                <a:ea typeface="맑은 고딕" charset="0"/>
+              </a:rPr>
+              <a:t>. </a:t>
+            </a:r>
+            <a:r>
+              <a:rPr sz="1800">
+                <a:latin typeface="맑은 고딕" charset="0"/>
+                <a:ea typeface="맑은 고딕" charset="0"/>
+              </a:rPr>
+              <a:t>이</a:t>
+            </a:r>
+            <a:r>
+              <a:rPr lang="ko-KR" sz="1800">
+                <a:latin typeface="맑은 고딕" charset="0"/>
+                <a:ea typeface="맑은 고딕" charset="0"/>
+              </a:rPr>
+              <a:t>제 GameManager 스크립트에서 ExitGame( ) 함수를 선언하고 PhotonNetwork.LeaveRoom() 함수를 정의합니다.</a:t>
+            </a:r>
+            <a:endParaRPr lang="ko-KR" altLang="en-US" sz="1800">
+              <a:latin typeface="맑은 고딕" charset="0"/>
+              <a:ea typeface="맑은 고딕" charset="0"/>
+            </a:endParaRPr>
+          </a:p>
+          <a:p>
+            <a:pPr marL="0" indent="0" rtl="0" algn="l" defTabSz="914400" eaLnBrk="1" latinLnBrk="0" hangingPunct="1">
+              <a:buFontTx/>
+              <a:buNone/>
+            </a:pPr>
+            <a:endParaRPr lang="ko-KR" altLang="en-US" sz="1800">
+              <a:latin typeface="맑은 고딕" charset="0"/>
+              <a:ea typeface="맑은 고딕" charset="0"/>
+            </a:endParaRPr>
+          </a:p>
+          <a:p>
+            <a:pPr marL="0" indent="0" rtl="0" algn="l" defTabSz="914400" eaLnBrk="1" latinLnBrk="0" hangingPunct="1">
+              <a:buFontTx/>
+              <a:buNone/>
+            </a:pPr>
+            <a:r>
+              <a:rPr lang="ko-KR" sz="1800">
+                <a:latin typeface="맑은 고딕" charset="0"/>
+                <a:ea typeface="맑은 고딕" charset="0"/>
+              </a:rPr>
+              <a:t>그런 다음 현재 룸에서 빠져나왔을 때 Photon Room이라는 씬으로 다시 이동하도록 설정합니다.</a:t>
+            </a:r>
+            <a:endParaRPr lang="ko-KR" altLang="en-US" sz="1800">
+              <a:latin typeface="맑은 고딕" charset="0"/>
+              <a:ea typeface="맑은 고딕" charset="0"/>
+            </a:endParaRPr>
+          </a:p>
+        </p:txBody>
+      </p:sp>
+      <p:pic>
+        <p:nvPicPr>
+          <p:cNvPr id="82" name="그림 5" descr="C:/Users/Admin1/AppData/Roaming/PolarisOffice/ETemp/15444_16111816/fImage449931541.png"/>
+          <p:cNvPicPr>
+            <a:picLocks noChangeAspect="1"/>
+          </p:cNvPicPr>
+          <p:nvPr/>
+        </p:nvPicPr>
+        <p:blipFill rotWithShape="1">
+          <a:blip r:embed="rId2" cstate="print">
             <a:extLst>
               <a:ext uri="{28A0092B-C50C-407E-A947-70E740481C1C}">
                 <a14:useLocalDpi xmlns:a14="http://schemas.microsoft.com/office/drawing/2010/main" val="0"/>
@@ -11823,8 +12143,8 @@
         </p:blipFill>
         <p:spPr>
           <a:xfrm rot="0">
-            <a:off x="1371600" y="1419225"/>
-            <a:ext cx="4010660" cy="1448435"/>
+            <a:off x="1247140" y="1430020"/>
+            <a:ext cx="4131945" cy="2311400"/>
           </a:xfrm>
           <a:prstGeom prst="roundRect"/>
           <a:solidFill>
@@ -11832,6 +12152,234 @@
           </a:solidFill>
         </p:spPr>
       </p:pic>
+      <p:pic>
+        <p:nvPicPr>
+          <p:cNvPr id="83" name="그림 12" descr="C:/Users/Admin1/AppData/Roaming/PolarisOffice/ETemp/15444_16111816/fImage41143168467.png"/>
+          <p:cNvPicPr>
+            <a:picLocks noChangeAspect="1"/>
+          </p:cNvPicPr>
+          <p:nvPr/>
+        </p:nvPicPr>
+        <p:blipFill rotWithShape="1">
+          <a:blip r:embed="rId3" cstate="print">
+            <a:extLst>
+              <a:ext uri="{28A0092B-C50C-407E-A947-70E740481C1C}">
+                <a14:useLocalDpi xmlns:a14="http://schemas.microsoft.com/office/drawing/2010/main" val="0"/>
+              </a:ext>
+            </a:extLst>
+          </a:blip>
+          <a:stretch>
+            <a:fillRect/>
+          </a:stretch>
+        </p:blipFill>
+        <p:spPr>
+          <a:xfrm rot="0">
+            <a:off x="8080375" y="1421765"/>
+            <a:ext cx="2901950" cy="1272540"/>
+          </a:xfrm>
+          <a:prstGeom prst="roundRect"/>
+          <a:solidFill>
+            <a:srgbClr val="EDEDED"/>
+          </a:solidFill>
+        </p:spPr>
+      </p:pic>
+      <p:pic>
+        <p:nvPicPr>
+          <p:cNvPr id="84" name="그림 15" descr="C:/Users/Admin1/AppData/Roaming/PolarisOffice/ETemp/15444_16111816/fImage87093176334.png"/>
+          <p:cNvPicPr>
+            <a:picLocks noChangeAspect="1"/>
+          </p:cNvPicPr>
+          <p:nvPr/>
+        </p:nvPicPr>
+        <p:blipFill rotWithShape="1">
+          <a:blip r:embed="rId4" cstate="print">
+            <a:extLst>
+              <a:ext uri="{28A0092B-C50C-407E-A947-70E740481C1C}">
+                <a14:useLocalDpi xmlns:a14="http://schemas.microsoft.com/office/drawing/2010/main" val="0"/>
+              </a:ext>
+            </a:extLst>
+          </a:blip>
+          <a:stretch>
+            <a:fillRect/>
+          </a:stretch>
+        </p:blipFill>
+        <p:spPr>
+          <a:xfrm rot="0">
+            <a:off x="6819265" y="1424305"/>
+            <a:ext cx="1137285" cy="1288415"/>
+          </a:xfrm>
+          <a:prstGeom prst="roundRect"/>
+          <a:solidFill>
+            <a:srgbClr val="EDEDED"/>
+          </a:solidFill>
+        </p:spPr>
+      </p:pic>
+      <p:cxnSp>
+        <p:nvCxnSpPr>
+          <p:cNvPr id="85" name="도형 18"/>
+          <p:cNvCxnSpPr/>
+          <p:nvPr/>
+        </p:nvCxnSpPr>
+        <p:spPr>
+          <a:xfrm rot="0" flipH="1" flipV="1">
+            <a:off x="7498715" y="1496060"/>
+            <a:ext cx="690245" cy="574675"/>
+          </a:xfrm>
+          <a:prstGeom prst="straightConnector1"/>
+          <a:ln w="6350" cap="flat" cmpd="sng">
+            <a:prstDash/>
+            <a:headEnd type="none" w="med" len="med"/>
+            <a:tailEnd type="triangle" w="med" len="med"/>
+          </a:ln>
+        </p:spPr>
+        <p:style>
+          <a:lnRef idx="1">
+            <a:schemeClr val="accent1"/>
+          </a:lnRef>
+          <a:fillRef idx="0">
+            <a:schemeClr val="accent1"/>
+          </a:fillRef>
+          <a:effectRef idx="0">
+            <a:schemeClr val="accent1"/>
+          </a:effectRef>
+          <a:fontRef idx="minor">
+            <a:schemeClr val="tx1"/>
+          </a:fontRef>
+        </p:style>
+      </p:cxnSp>
+      <p:pic>
+        <p:nvPicPr>
+          <p:cNvPr id="86" name="그림 19" descr="C:/Users/Admin1/AppData/Roaming/PolarisOffice/ETemp/15444_16111816/fImage62203196500.png"/>
+          <p:cNvPicPr>
+            <a:picLocks noChangeAspect="1"/>
+          </p:cNvPicPr>
+          <p:nvPr/>
+        </p:nvPicPr>
+        <p:blipFill rotWithShape="1">
+          <a:blip r:embed="rId5" cstate="print">
+            <a:extLst>
+              <a:ext uri="{28A0092B-C50C-407E-A947-70E740481C1C}">
+                <a14:useLocalDpi xmlns:a14="http://schemas.microsoft.com/office/drawing/2010/main" val="0"/>
+              </a:ext>
+            </a:extLst>
+          </a:blip>
+          <a:stretch>
+            <a:fillRect/>
+          </a:stretch>
+        </p:blipFill>
+        <p:spPr>
+          <a:xfrm rot="0">
+            <a:off x="6814185" y="3931920"/>
+            <a:ext cx="4159885" cy="1489075"/>
+          </a:xfrm>
+          <a:prstGeom prst="roundRect"/>
+          <a:solidFill>
+            <a:srgbClr val="EDEDED"/>
+          </a:solidFill>
+        </p:spPr>
+      </p:pic>
+      <p:sp>
+        <p:nvSpPr>
+          <p:cNvPr id="87" name="텍스트 상자 22"/>
+          <p:cNvSpPr txBox="1">
+            <a:spLocks/>
+          </p:cNvSpPr>
+          <p:nvPr/>
+        </p:nvSpPr>
+        <p:spPr>
+          <a:xfrm rot="0">
+            <a:off x="6815455" y="5546090"/>
+            <a:ext cx="4163695" cy="647065"/>
+          </a:xfrm>
+          <a:prstGeom prst="rect"/>
+          <a:noFill/>
+          <a:ln w="0">
+            <a:noFill/>
+            <a:prstDash/>
+          </a:ln>
+        </p:spPr>
+        <p:txBody>
+          <a:bodyPr wrap="square" lIns="89535" tIns="46355" rIns="89535" bIns="46355" numCol="1" vert="horz" anchor="t">
+            <a:spAutoFit/>
+          </a:bodyPr>
+          <a:lstStyle/>
+          <a:p>
+            <a:pPr marL="0" indent="0" rtl="0" algn="l" defTabSz="914400" eaLnBrk="1" latinLnBrk="0" hangingPunct="1">
+              <a:buFontTx/>
+              <a:buNone/>
+            </a:pPr>
+            <a:r>
+              <a:rPr sz="1800" b="1">
+                <a:solidFill>
+                  <a:srgbClr val="0611F2"/>
+                </a:solidFill>
+                <a:latin typeface="맑은 고딕" charset="0"/>
+                <a:ea typeface="맑은 고딕" charset="0"/>
+              </a:rPr>
+              <a:t>4</a:t>
+            </a:r>
+            <a:r>
+              <a:rPr lang="ko-KR" sz="1800" b="1">
+                <a:solidFill>
+                  <a:srgbClr val="0611F2"/>
+                </a:solidFill>
+                <a:latin typeface="맑은 고딕" charset="0"/>
+                <a:ea typeface="맑은 고딕" charset="0"/>
+              </a:rPr>
+              <a:t>2</a:t>
+            </a:r>
+            <a:r>
+              <a:rPr sz="1800" b="1">
+                <a:solidFill>
+                  <a:srgbClr val="0611F2"/>
+                </a:solidFill>
+                <a:latin typeface="맑은 고딕" charset="0"/>
+                <a:ea typeface="맑은 고딕" charset="0"/>
+              </a:rPr>
+              <a:t>.</a:t>
+            </a:r>
+            <a:r>
+              <a:rPr sz="1800">
+                <a:latin typeface="맑은 고딕" charset="0"/>
+                <a:ea typeface="맑은 고딕" charset="0"/>
+              </a:rPr>
+              <a:t> </a:t>
+            </a:r>
+            <a:r>
+              <a:rPr lang="ko-KR" sz="1800">
+                <a:latin typeface="맑은 고딕" charset="0"/>
+                <a:ea typeface="맑은 고딕" charset="0"/>
+              </a:rPr>
+              <a:t>그</a:t>
+            </a:r>
+            <a:r>
+              <a:rPr lang="ko-KR" sz="1800">
+                <a:latin typeface="맑은 고딕" charset="0"/>
+                <a:ea typeface="맑은 고딕" charset="0"/>
+              </a:rPr>
+              <a:t>다음</a:t>
+            </a:r>
+            <a:r>
+              <a:rPr lang="ko-KR" sz="1800">
+                <a:latin typeface="맑은 고딕" charset="0"/>
+                <a:ea typeface="맑은 고딕" charset="0"/>
+              </a:rPr>
+              <a:t> Character 오브젝트에 </a:t>
+            </a:r>
+            <a:r>
+              <a:rPr lang="ko-KR" sz="1800">
+                <a:latin typeface="맑은 고딕" charset="0"/>
+                <a:ea typeface="맑은 고딕" charset="0"/>
+              </a:rPr>
+              <a:t>Capsule Collider를 추가합니다.</a:t>
+            </a:r>
+            <a:endParaRPr lang="ko-KR" altLang="en-US" sz="1800">
+              <a:latin typeface="맑은 고딕" charset="0"/>
+              <a:ea typeface="맑은 고딕" charset="0"/>
+            </a:endParaRPr>
+          </a:p>
+        </p:txBody>
+      </p:sp>
     </p:spTree>
   </p:cSld>
   <p:clrMapOvr>
@@ -11918,7 +12466,7 @@
       </p:sp>
       <p:pic>
         <p:nvPicPr>
-          <p:cNvPr id="30" name="그림 18"/>
+          <p:cNvPr id="30" name="그림 18" descr="C:/Users/Admin1/AppData/Roaming/PolarisOffice/ETemp/15444_16111816/fImage58051529169.png"/>
           <p:cNvPicPr>
             <a:picLocks noChangeAspect="1"/>
           </p:cNvPicPr>
@@ -11939,7 +12487,7 @@
         <p:spPr>
           <a:xfrm rot="0">
             <a:off x="1496695" y="1412875"/>
-            <a:ext cx="3875405" cy="1304290"/>
+            <a:ext cx="3876040" cy="1455420"/>
           </a:xfrm>
           <a:prstGeom prst="roundRect"/>
           <a:solidFill>
@@ -11956,9 +12504,9 @@
           <p:nvPr/>
         </p:nvSpPr>
         <p:spPr>
-          <a:xfrm>
-            <a:off x="1490980" y="2893695"/>
-            <a:ext cx="3872865" cy="3169285"/>
+          <a:xfrm rot="0">
+            <a:off x="1499235" y="2993390"/>
+            <a:ext cx="3873500" cy="3169920"/>
           </a:xfrm>
           <a:prstGeom prst="rect"/>
           <a:noFill/>
@@ -11985,17 +12533,7 @@
                 <a:latin typeface="맑은 고딕" charset="0"/>
                 <a:ea typeface="맑은 고딕" charset="0"/>
               </a:rPr>
-              <a:t>4</a:t>
-            </a:r>
-            <a:r>
-              <a:rPr sz="2000" b="1">
-                <a:solidFill>
-                  <a:srgbClr val="0611F2"/>
-                </a:solidFill>
-                <a:latin typeface="맑은 고딕" charset="0"/>
-                <a:ea typeface="맑은 고딕" charset="0"/>
-              </a:rPr>
-              <a:t>. </a:t>
+              <a:t>4. </a:t>
             </a:r>
             <a:r>
               <a:rPr sz="1800">
@@ -12009,14 +12547,7 @@
                 <a:latin typeface="맑은 고딕" charset="0"/>
                 <a:ea typeface="맑은 고딕" charset="0"/>
               </a:rPr>
-              <a:t>음</a:t>
-            </a:r>
-            <a:r>
-              <a:rPr lang="ko-KR" sz="1800">
-                <a:latin typeface="맑은 고딕" charset="0"/>
-                <a:ea typeface="맑은 고딕" charset="0"/>
-              </a:rPr>
-              <a:t> Character 오브젝트에 Photon Transform View 컴포넌트를 추가힙니다. </a:t>
+              <a:t>음 Character 오브젝트에 Photon Transform View 컴포넌트를 추가힙니다. </a:t>
             </a:r>
             <a:endParaRPr lang="ko-KR" altLang="en-US" sz="1800">
               <a:latin typeface="맑은 고딕" charset="0"/>
@@ -12180,17 +12711,17 @@
       </p:sp>
       <p:pic>
         <p:nvPicPr>
-          <p:cNvPr id="36" name="그림 17"/>
+          <p:cNvPr id="36" name="그림 17" descr="C:/Users/Admin1/AppData/Roaming/PolarisOffice/ETemp/15444_16111816/fImage120802301478.png"/>
           <p:cNvPicPr>
             <a:picLocks noChangeAspect="1"/>
           </p:cNvPicPr>
           <p:nvPr/>
         </p:nvPicPr>
         <p:blipFill rotWithShape="1">
-          <a:blip r:embed="rId11" cstate="print">
+          <a:blip r:embed="rId11" cstate="hqprint">
             <a:extLst>
               <a:ext uri="{28A0092B-C50C-407E-A947-70E740481C1C}">
-                <a14:useLocalDpi xmlns:a14="http://schemas.microsoft.com/office/drawing/2010/main" val="0"/>
+                <a14:useLocalDpi xmlns:a14="http://schemas.microsoft.com/office/drawing/2010/main"/>
               </a:ext>
             </a:extLst>
           </a:blip>
@@ -12201,7 +12732,7 @@
         <p:spPr>
           <a:xfrm rot="0">
             <a:off x="6816725" y="1404620"/>
-            <a:ext cx="1397000" cy="1314450"/>
+            <a:ext cx="1272540" cy="1315085"/>
           </a:xfrm>
           <a:prstGeom prst="roundRect"/>
           <a:solidFill>
@@ -12211,17 +12742,17 @@
       </p:pic>
       <p:pic>
         <p:nvPicPr>
-          <p:cNvPr id="37" name="그림 19"/>
+          <p:cNvPr id="37" name="그림 19" descr="C:/Users/Admin1/AppData/Roaming/PolarisOffice/ETemp/15444_16111816/fImage121462319358.png"/>
           <p:cNvPicPr>
             <a:picLocks noChangeAspect="1"/>
           </p:cNvPicPr>
           <p:nvPr/>
         </p:nvPicPr>
         <p:blipFill rotWithShape="1">
-          <a:blip r:embed="rId12" cstate="print">
+          <a:blip r:embed="rId12" cstate="hqprint">
             <a:extLst>
               <a:ext uri="{28A0092B-C50C-407E-A947-70E740481C1C}">
-                <a14:useLocalDpi xmlns:a14="http://schemas.microsoft.com/office/drawing/2010/main" val="0"/>
+                <a14:useLocalDpi xmlns:a14="http://schemas.microsoft.com/office/drawing/2010/main"/>
               </a:ext>
             </a:extLst>
           </a:blip>
@@ -12231,8 +12762,8 @@
         </p:blipFill>
         <p:spPr>
           <a:xfrm rot="0">
-            <a:off x="8346440" y="1412875"/>
-            <a:ext cx="2619375" cy="1314450"/>
+            <a:off x="8221345" y="1412875"/>
+            <a:ext cx="2745105" cy="1315085"/>
           </a:xfrm>
           <a:prstGeom prst="roundRect"/>
           <a:solidFill>
@@ -12312,8 +12843,8 @@
         </p:nvSpPr>
         <p:spPr>
           <a:xfrm rot="0">
-            <a:off x="6813550" y="5381625"/>
-            <a:ext cx="4140835" cy="677545"/>
+            <a:off x="6813550" y="5489575"/>
+            <a:ext cx="4141470" cy="678180"/>
           </a:xfrm>
           <a:prstGeom prst="rect"/>
           <a:noFill/>
@@ -12364,28 +12895,14 @@
                 <a:latin typeface="맑은 고딕" charset="0"/>
                 <a:ea typeface="맑은 고딕" charset="0"/>
               </a:rPr>
-              <a:t> </a:t>
-            </a:r>
-            <a:r>
-              <a:rPr sz="1800">
-                <a:latin typeface="맑은 고딕" charset="0"/>
-                <a:ea typeface="맑은 고딕" charset="0"/>
-              </a:rPr>
-              <a:t>c</a:t>
+              <a:t> c</a:t>
             </a:r>
             <a:r>
               <a:rPr lang="ko-KR" sz="1800">
                 <a:latin typeface="맑은 고딕" charset="0"/>
                 <a:ea typeface="맑은 고딕" charset="0"/>
               </a:rPr>
-              <a:t>haracter</a:t>
-            </a:r>
-            <a:r>
-              <a:rPr lang="ko-KR" sz="1800">
-                <a:latin typeface="맑은 고딕" charset="0"/>
-                <a:ea typeface="맑은 고딕" charset="0"/>
-              </a:rPr>
-              <a:t> 오브젝트를 Resources 폴더에 넣어줍니다.</a:t>
+              <a:t>haracter 오브젝트를 Resources 폴더에 넣어줍니다.</a:t>
             </a:r>
             <a:endParaRPr lang="ko-KR" altLang="en-US" sz="1800">
               <a:latin typeface="맑은 고딕" charset="0"/>
@@ -13062,8 +13579,8 @@
         </p:nvSpPr>
         <p:spPr>
           <a:xfrm rot="0">
-            <a:off x="1238885" y="3263265"/>
-            <a:ext cx="4142740" cy="2892425"/>
+            <a:off x="1238885" y="3354705"/>
+            <a:ext cx="4143375" cy="2893060"/>
           </a:xfrm>
           <a:prstGeom prst="rect"/>
           <a:noFill/>
@@ -13107,21 +13624,7 @@
                 <a:latin typeface="맑은 고딕" charset="0"/>
                 <a:ea typeface="맑은 고딕" charset="0"/>
               </a:rPr>
-              <a:t>그리고 Photon</a:t>
-            </a:r>
-            <a:r>
-              <a:rPr lang="ko-KR" sz="1800">
-                <a:latin typeface="맑은 고딕" charset="0"/>
-                <a:ea typeface="맑은 고딕" charset="0"/>
-              </a:rPr>
-              <a:t>System</a:t>
-            </a:r>
-            <a:r>
-              <a:rPr lang="ko-KR" sz="1800">
-                <a:latin typeface="맑은 고딕" charset="0"/>
-                <a:ea typeface="맑은 고딕" charset="0"/>
-              </a:rPr>
-              <a:t> 스크립트는 MonoBehaviourPun 클래스를 상속받도록 설정합니다.</a:t>
+              <a:t>그리고 PhotonSystem 스크립트는 MonoBehaviourPun 클래스를 상속받도록 설정합니다.</a:t>
             </a:r>
             <a:endParaRPr lang="ko-KR" altLang="en-US" sz="1800">
               <a:latin typeface="맑은 고딕" charset="0"/>
@@ -13194,8 +13697,8 @@
         </p:nvSpPr>
         <p:spPr>
           <a:xfrm rot="0">
-            <a:off x="6840855" y="4366260"/>
-            <a:ext cx="4116705" cy="1784985"/>
+            <a:off x="6824345" y="4457700"/>
+            <a:ext cx="4124325" cy="1784985"/>
           </a:xfrm>
           <a:prstGeom prst="rect"/>
           <a:noFill/>
@@ -13222,17 +13725,7 @@
                 <a:latin typeface="맑은 고딕" charset="0"/>
                 <a:ea typeface="맑은 고딕" charset="0"/>
               </a:rPr>
-              <a:t>1</a:t>
-            </a:r>
-            <a:r>
-              <a:rPr lang="ko-KR" sz="2000" b="1">
-                <a:solidFill>
-                  <a:srgbClr val="0611F2"/>
-                </a:solidFill>
-                <a:latin typeface="맑은 고딕" charset="0"/>
-                <a:ea typeface="맑은 고딕" charset="0"/>
-              </a:rPr>
-              <a:t>1</a:t>
+              <a:t>11</a:t>
             </a:r>
             <a:r>
               <a:rPr sz="2000" b="1">
@@ -13287,17 +13780,17 @@
       </p:sp>
       <p:pic>
         <p:nvPicPr>
-          <p:cNvPr id="46" name="그림 43"/>
+          <p:cNvPr id="46" name="그림 43" descr="C:/Users/Admin1/AppData/Roaming/PolarisOffice/ETemp/15444_16111816/fImage71392429961.png"/>
           <p:cNvPicPr>
             <a:picLocks noChangeAspect="1"/>
           </p:cNvPicPr>
           <p:nvPr/>
         </p:nvPicPr>
         <p:blipFill rotWithShape="1">
-          <a:blip r:embed="rId5" cstate="print">
+          <a:blip r:embed="rId5" cstate="hqprint">
             <a:extLst>
               <a:ext uri="{28A0092B-C50C-407E-A947-70E740481C1C}">
-                <a14:useLocalDpi xmlns:a14="http://schemas.microsoft.com/office/drawing/2010/main" val="0"/>
+                <a14:useLocalDpi xmlns:a14="http://schemas.microsoft.com/office/drawing/2010/main"/>
               </a:ext>
             </a:extLst>
           </a:blip>
@@ -13308,27 +13801,25 @@
         <p:spPr>
           <a:xfrm rot="0">
             <a:off x="1238885" y="1394460"/>
-            <a:ext cx="4135755" cy="1723390"/>
-          </a:xfrm>
-          <a:prstGeom prst="roundRect"/>
-          <a:solidFill>
-            <a:srgbClr val="EDEDED"/>
-          </a:solidFill>
+            <a:ext cx="4136390" cy="1848485"/>
+          </a:xfrm>
+          <a:prstGeom prst="rect"/>
+          <a:noFill/>
         </p:spPr>
       </p:pic>
       <p:pic>
         <p:nvPicPr>
-          <p:cNvPr id="47" name="그림 47"/>
+          <p:cNvPr id="47" name="그림 47" descr="C:/Users/Admin1/AppData/Roaming/PolarisOffice/ETemp/15444_16111816/fImage6758244491.png"/>
           <p:cNvPicPr>
             <a:picLocks noChangeAspect="1"/>
           </p:cNvPicPr>
           <p:nvPr/>
         </p:nvPicPr>
         <p:blipFill rotWithShape="1">
-          <a:blip r:embed="rId6" cstate="print">
+          <a:blip r:embed="rId6" cstate="hqprint">
             <a:extLst>
               <a:ext uri="{28A0092B-C50C-407E-A947-70E740481C1C}">
-                <a14:useLocalDpi xmlns:a14="http://schemas.microsoft.com/office/drawing/2010/main" val="0"/>
+                <a14:useLocalDpi xmlns:a14="http://schemas.microsoft.com/office/drawing/2010/main"/>
               </a:ext>
             </a:extLst>
           </a:blip>
@@ -13339,12 +13830,10 @@
         <p:spPr>
           <a:xfrm rot="0">
             <a:off x="6833235" y="1405890"/>
-            <a:ext cx="4115435" cy="2834640"/>
-          </a:xfrm>
-          <a:prstGeom prst="roundRect"/>
-          <a:solidFill>
-            <a:srgbClr val="EDEDED"/>
-          </a:solidFill>
+            <a:ext cx="4116070" cy="2875915"/>
+          </a:xfrm>
+          <a:prstGeom prst="rect"/>
+          <a:noFill/>
         </p:spPr>
       </p:pic>
     </p:spTree>
@@ -13447,9 +13936,9 @@
           <p:nvPr/>
         </p:nvSpPr>
         <p:spPr>
-          <a:xfrm>
-            <a:off x="1454785" y="4135120"/>
-            <a:ext cx="3910330" cy="2061845"/>
+          <a:xfrm rot="0">
+            <a:off x="1230630" y="4201795"/>
+            <a:ext cx="4135120" cy="2061845"/>
           </a:xfrm>
           <a:prstGeom prst="rect"/>
           <a:noFill/>
@@ -13520,14 +14009,7 @@
                 <a:latin typeface="맑은 고딕" charset="0"/>
                 <a:ea typeface="맑은 고딕" charset="0"/>
               </a:rPr>
-              <a:t>그리고</a:t>
-            </a:r>
-            <a:r>
-              <a:rPr lang="ko-KR" sz="1800">
-                <a:latin typeface="맑은 고딕" charset="0"/>
-                <a:ea typeface="맑은 고딕" charset="0"/>
-              </a:rPr>
-              <a:t> 키 입력과 마우스 회전에 따라 오브젝트가 이동 및 회전할 수 있도록 설정합니다.</a:t>
+              <a:t>그리고 키 입력과 마우스 회전에 따라 오브젝트가 이동 및 회전할 수 있도록 설정합니다.</a:t>
             </a:r>
             <a:endParaRPr lang="ko-KR" altLang="en-US" sz="1800">
               <a:latin typeface="맑은 고딕" charset="0"/>
@@ -13538,17 +14020,17 @@
       </p:sp>
       <p:pic>
         <p:nvPicPr>
-          <p:cNvPr id="32" name="그림 57"/>
+          <p:cNvPr id="32" name="그림 57" descr="C:/Users/Admin1/AppData/Roaming/PolarisOffice/ETemp/15444_16111816/fImage101552502995.png"/>
           <p:cNvPicPr>
             <a:picLocks noChangeAspect="1"/>
           </p:cNvPicPr>
           <p:nvPr/>
         </p:nvPicPr>
         <p:blipFill rotWithShape="1">
-          <a:blip r:embed="rId8" cstate="print">
+          <a:blip r:embed="rId8" cstate="hqprint">
             <a:extLst>
               <a:ext uri="{28A0092B-C50C-407E-A947-70E740481C1C}">
-                <a14:useLocalDpi xmlns:a14="http://schemas.microsoft.com/office/drawing/2010/main" val="0"/>
+                <a14:useLocalDpi xmlns:a14="http://schemas.microsoft.com/office/drawing/2010/main"/>
               </a:ext>
             </a:extLst>
           </a:blip>
@@ -13558,13 +14040,11 @@
         </p:blipFill>
         <p:spPr>
           <a:xfrm rot="0">
-            <a:off x="1454785" y="1446530"/>
-            <a:ext cx="3907790" cy="2593975"/>
-          </a:xfrm>
-          <a:prstGeom prst="roundRect"/>
-          <a:solidFill>
-            <a:srgbClr val="EDEDED"/>
-          </a:solidFill>
+            <a:off x="1238885" y="1438275"/>
+            <a:ext cx="4124325" cy="2602865"/>
+          </a:xfrm>
+          <a:prstGeom prst="rect"/>
+          <a:noFill/>
         </p:spPr>
       </p:pic>
       <p:sp>
@@ -13667,7 +14147,7 @@
       </p:sp>
       <p:pic>
         <p:nvPicPr>
-          <p:cNvPr id="34" name="그림 63"/>
+          <p:cNvPr id="34" name="그림 63" descr="C:/Users/Admin1/AppData/Roaming/PolarisOffice/ETemp/15444_16111816/fImage61771851478.png"/>
           <p:cNvPicPr>
             <a:picLocks noChangeAspect="1"/>
           </p:cNvPicPr>
@@ -13688,12 +14168,10 @@
         <p:spPr>
           <a:xfrm rot="0">
             <a:off x="6833235" y="1437640"/>
-            <a:ext cx="4124325" cy="2353945"/>
-          </a:xfrm>
-          <a:prstGeom prst="roundRect"/>
-          <a:solidFill>
-            <a:srgbClr val="EDEDED"/>
-          </a:solidFill>
+            <a:ext cx="4115435" cy="2354580"/>
+          </a:xfrm>
+          <a:prstGeom prst="rect"/>
+          <a:noFill/>
         </p:spPr>
       </p:pic>
     </p:spTree>
@@ -13797,8 +14275,8 @@
         </p:nvSpPr>
         <p:spPr>
           <a:xfrm rot="0">
-            <a:off x="1263650" y="4519295"/>
-            <a:ext cx="4112260" cy="1784985"/>
+            <a:off x="1229995" y="4519295"/>
+            <a:ext cx="4146550" cy="1784985"/>
           </a:xfrm>
           <a:prstGeom prst="rect"/>
           <a:noFill/>
@@ -13808,7 +14286,7 @@
           </a:ln>
         </p:spPr>
         <p:txBody>
-          <a:bodyPr wrap="square" lIns="89535" tIns="46355" rIns="89535" bIns="46355" vert="horz" anchor="t">
+          <a:bodyPr wrap="square" lIns="89535" tIns="46355" rIns="89535" bIns="46355" numCol="1" vert="horz" anchor="t">
             <a:spAutoFit/>
           </a:bodyPr>
           <a:lstStyle/>
@@ -13825,17 +14303,7 @@
                 <a:latin typeface="맑은 고딕" charset="0"/>
                 <a:ea typeface="맑은 고딕" charset="0"/>
               </a:rPr>
-              <a:t>14</a:t>
-            </a:r>
-            <a:r>
-              <a:rPr sz="2000" b="1">
-                <a:solidFill>
-                  <a:srgbClr val="0611F2"/>
-                </a:solidFill>
-                <a:latin typeface="맑은 고딕" charset="0"/>
-                <a:ea typeface="맑은 고딕" charset="0"/>
-              </a:rPr>
-              <a:t>. </a:t>
+              <a:t>14. </a:t>
             </a:r>
             <a:r>
               <a:rPr sz="1800">
@@ -13883,14 +14351,7 @@
                 <a:latin typeface="맑은 고딕" charset="0"/>
                 <a:ea typeface="맑은 고딕" charset="0"/>
               </a:rPr>
-              <a:t>를 검색하고</a:t>
-            </a:r>
-            <a:r>
-              <a:rPr sz="1800">
-                <a:latin typeface="맑은 고딕" charset="0"/>
-                <a:ea typeface="맑은 고딕" charset="0"/>
-              </a:rPr>
-              <a:t> </a:t>
+              <a:t>를 검색하고 </a:t>
             </a:r>
             <a:r>
               <a:rPr lang="ko-KR" sz="1800">
@@ -13915,7 +14376,7 @@
       </p:sp>
       <p:pic>
         <p:nvPicPr>
-          <p:cNvPr id="29" name="그림 2" descr="C:/Users/Admin1/AppData/Roaming/PolarisOffice/ETemp/7276_13419048/fImage1104821541.png"/>
+          <p:cNvPr id="29" name="그림 2" descr="C:/Users/Admin1/AppData/Roaming/PolarisOffice/ETemp/15444_16111816/fImage1104821541.png"/>
           <p:cNvPicPr>
             <a:picLocks noChangeAspect="1"/>
           </p:cNvPicPr>
@@ -13935,8 +14396,8 @@
         </p:blipFill>
         <p:spPr>
           <a:xfrm rot="0">
-            <a:off x="1263650" y="1361440"/>
-            <a:ext cx="1954530" cy="3002915"/>
+            <a:off x="1238885" y="1361440"/>
+            <a:ext cx="1979930" cy="3003550"/>
           </a:xfrm>
           <a:prstGeom prst="rect"/>
           <a:noFill/>
@@ -13944,7 +14405,7 @@
       </p:pic>
       <p:pic>
         <p:nvPicPr>
-          <p:cNvPr id="30" name="그림 4" descr="C:/Users/Admin1/AppData/Roaming/PolarisOffice/ETemp/7276_13419048/fImage441292178467.png"/>
+          <p:cNvPr id="30" name="그림 4"/>
           <p:cNvPicPr>
             <a:picLocks noChangeAspect="1"/>
           </p:cNvPicPr>
@@ -13973,7 +14434,7 @@
       </p:pic>
       <p:pic>
         <p:nvPicPr>
-          <p:cNvPr id="31" name="그림 7" descr="C:/Users/Admin1/AppData/Roaming/PolarisOffice/ETemp/7276_13419048/fImage3449292186334.png"/>
+          <p:cNvPr id="31" name="그림 7"/>
           <p:cNvPicPr>
             <a:picLocks noChangeAspect="1"/>
           </p:cNvPicPr>
@@ -14105,7 +14566,7 @@
 </file>
 
 <file path=ppt/slides/slide7.xml><?xml version="1.0" encoding="utf-8"?>
-<p:sld xmlns:a="http://schemas.openxmlformats.org/drawingml/2006/main" xmlns:r="http://schemas.openxmlformats.org/officeDocument/2006/relationships" xmlns:p="http://schemas.openxmlformats.org/presentationml/2006/main">
+<p:sld xmlns:a="http://schemas.openxmlformats.org/drawingml/2006/main" xmlns:r="http://schemas.openxmlformats.org/officeDocument/2006/relationships" xmlns:p="http://schemas.openxmlformats.org/presentationml/2006/main" xmlns:p14="http://schemas.microsoft.com/office/powerpoint/2010/main">
   <p:cSld>
     <p:spTree>
       <p:nvGrpSpPr>
@@ -14252,7 +14713,7 @@
       </p:sp>
       <p:pic>
         <p:nvPicPr>
-          <p:cNvPr id="33" name="그림 13" descr="C:/Users/Admin1/AppData/Roaming/PolarisOffice/ETemp/7276_13419048/fImage403863016500.png"/>
+          <p:cNvPr id="33" name="그림 13"/>
           <p:cNvPicPr>
             <a:picLocks noChangeAspect="1"/>
           </p:cNvPicPr>
@@ -14281,7 +14742,7 @@
       </p:pic>
       <p:pic>
         <p:nvPicPr>
-          <p:cNvPr id="34" name="그림 15" descr="C:/Users/Admin1/AppData/Roaming/PolarisOffice/ETemp/7276_13419048/fImage69113029169.png"/>
+          <p:cNvPr id="34" name="그림 15"/>
           <p:cNvPicPr>
             <a:picLocks noChangeAspect="1"/>
           </p:cNvPicPr>
@@ -14312,7 +14773,7 @@
       </p:pic>
       <p:pic>
         <p:nvPicPr>
-          <p:cNvPr id="35" name="그림 18" descr="C:/Users/Admin1/AppData/Roaming/PolarisOffice/ETemp/7276_13419048/fImage58853035724.png"/>
+          <p:cNvPr id="35" name="그림 18"/>
           <p:cNvPicPr>
             <a:picLocks noChangeAspect="1"/>
           </p:cNvPicPr>
@@ -14438,7 +14899,7 @@
       </p:sp>
       <p:pic>
         <p:nvPicPr>
-          <p:cNvPr id="37" name="그림 23" descr="C:/Users/Admin1/AppData/Roaming/PolarisOffice/ETemp/7276_13419048/fImage43693061478.png"/>
+          <p:cNvPr id="37" name="그림 23"/>
           <p:cNvPicPr>
             <a:picLocks noChangeAspect="1"/>
           </p:cNvPicPr>
@@ -14913,7 +15374,7 @@
       </p:sp>
       <p:pic>
         <p:nvPicPr>
-          <p:cNvPr id="33" name="그림 31" descr="C:/Users/Admin1/AppData/Roaming/PolarisOffice/ETemp/7276_13419048/fImage330252146500.png"/>
+          <p:cNvPr id="33" name="그림 31"/>
           <p:cNvPicPr>
             <a:picLocks noChangeAspect="1"/>
           </p:cNvPicPr>
@@ -15073,7 +15534,7 @@
       </p:sp>
       <p:pic>
         <p:nvPicPr>
-          <p:cNvPr id="36" name="그림 45" descr="C:/Users/Admin1/AppData/Roaming/PolarisOffice/ETemp/7276_13419048/fImage57722359169.png"/>
+          <p:cNvPr id="36" name="그림 45"/>
           <p:cNvPicPr>
             <a:picLocks noChangeAspect="1"/>
           </p:cNvPicPr>
@@ -15104,7 +15565,7 @@
       </p:pic>
       <p:pic>
         <p:nvPicPr>
-          <p:cNvPr id="37" name="그림 29" descr="C:/Users/Admin1/AppData/Roaming/PolarisOffice/ETemp/7276_13419048/fImage71093089358.png"/>
+          <p:cNvPr id="37" name="그림 29"/>
           <p:cNvPicPr>
             <a:picLocks noChangeAspect="1"/>
           </p:cNvPicPr>
@@ -15234,8 +15695,8 @@
         </p:nvSpPr>
         <p:spPr>
           <a:xfrm rot="0">
-            <a:off x="1254125" y="4678680"/>
-            <a:ext cx="4118610" cy="1477645"/>
+            <a:off x="1255395" y="4678680"/>
+            <a:ext cx="4117975" cy="1477645"/>
           </a:xfrm>
           <a:prstGeom prst="rect"/>
           <a:noFill/>
@@ -15262,17 +15723,7 @@
                 <a:latin typeface="맑은 고딕" charset="0"/>
                 <a:ea typeface="맑은 고딕" charset="0"/>
               </a:rPr>
-              <a:t>22</a:t>
-            </a:r>
-            <a:r>
-              <a:rPr sz="1800" b="1">
-                <a:solidFill>
-                  <a:srgbClr val="0611F2"/>
-                </a:solidFill>
-                <a:latin typeface="맑은 고딕" charset="0"/>
-                <a:ea typeface="맑은 고딕" charset="0"/>
-              </a:rPr>
-              <a:t>.</a:t>
+              <a:t>22.</a:t>
             </a:r>
             <a:r>
               <a:rPr sz="1800">
@@ -15320,14 +15771,7 @@
                 <a:latin typeface="맑은 고딕" charset="0"/>
                 <a:ea typeface="맑은 고딕" charset="0"/>
               </a:rPr>
-              <a:t>그다음</a:t>
-            </a:r>
-            <a:r>
-              <a:rPr sz="1800">
-                <a:latin typeface="맑은 고딕" charset="0"/>
-                <a:ea typeface="맑은 고딕" charset="0"/>
-              </a:rPr>
-              <a:t>으</a:t>
+              <a:t>그다음으</a:t>
             </a:r>
             <a:r>
               <a:rPr lang="ko-KR" sz="1800">
@@ -15490,7 +15934,7 @@
       </p:pic>
       <p:pic>
         <p:nvPicPr>
-          <p:cNvPr id="34" name="그림 53" descr="C:/Users/Admin1/AppData/Roaming/PolarisOffice/ETemp/7276_13419048/fImage47782419358.png"/>
+          <p:cNvPr id="34" name="그림 53" descr="C:/Users/Admin1/AppData/Roaming/PolarisOffice/ETemp/15444_16111816/fImage47782419358.png"/>
           <p:cNvPicPr>
             <a:picLocks noChangeAspect="1"/>
           </p:cNvPicPr>
@@ -15510,8 +15954,8 @@
         </p:blipFill>
         <p:spPr>
           <a:xfrm rot="0">
-            <a:off x="6800850" y="4000500"/>
-            <a:ext cx="4265295" cy="1096010"/>
+            <a:off x="6800850" y="3992245"/>
+            <a:ext cx="4265930" cy="1096645"/>
           </a:xfrm>
           <a:prstGeom prst="roundRect"/>
           <a:solidFill>
@@ -15529,8 +15973,8 @@
         </p:nvSpPr>
         <p:spPr>
           <a:xfrm rot="0">
-            <a:off x="6805295" y="5231130"/>
-            <a:ext cx="4253865" cy="923925"/>
+            <a:off x="6813550" y="5231130"/>
+            <a:ext cx="4254500" cy="924560"/>
           </a:xfrm>
           <a:prstGeom prst="rect"/>
           <a:noFill/>
@@ -15557,17 +16001,7 @@
                 <a:latin typeface="맑은 고딕" charset="0"/>
                 <a:ea typeface="맑은 고딕" charset="0"/>
               </a:rPr>
-              <a:t>24</a:t>
-            </a:r>
-            <a:r>
-              <a:rPr sz="1800" b="1">
-                <a:solidFill>
-                  <a:srgbClr val="0611F2"/>
-                </a:solidFill>
-                <a:latin typeface="맑은 고딕" charset="0"/>
-                <a:ea typeface="맑은 고딕" charset="0"/>
-              </a:rPr>
-              <a:t>.</a:t>
+              <a:t>24.</a:t>
             </a:r>
             <a:r>
               <a:rPr sz="1800">
@@ -15581,14 +16015,7 @@
                 <a:latin typeface="맑은 고딕" charset="0"/>
                 <a:ea typeface="맑은 고딕" charset="0"/>
               </a:rPr>
-              <a:t>그리고</a:t>
-            </a:r>
-            <a:r>
-              <a:rPr lang="ko-KR" sz="1800">
-                <a:latin typeface="맑은 고딕" charset="0"/>
-                <a:ea typeface="맑은 고딕" charset="0"/>
-              </a:rPr>
-              <a:t> Network Voice Manager 오브젝트에 Recorder 컴포넌트를 추가합니다.</a:t>
+              <a:t>그리고 Network Voice Manager 오브젝트에 Recorder 컴포넌트를 추가합니다.</a:t>
             </a:r>
             <a:endParaRPr lang="ko-KR" altLang="en-US" sz="1800">
               <a:latin typeface="맑은 고딕" charset="0"/>

--- a/Assets/Class/Photon Server/PPT Data/Photon Synchronization.pptx
+++ b/Assets/Class/Photon Server/PPT Data/Photon Synchronization.pptx
@@ -2,29 +2,29 @@
 <file path=ppt/presentation.xml><?xml version="1.0" encoding="utf-8"?>
 <p:presentation xmlns:a="http://schemas.openxmlformats.org/drawingml/2006/main" xmlns:r="http://schemas.openxmlformats.org/officeDocument/2006/relationships" xmlns:p="http://schemas.openxmlformats.org/presentationml/2006/main" xmlns:p14="http://schemas.microsoft.com/office/powerpoint/2010/main" saveSubsetFonts="1" firstSlideNum="0">
   <p:sldMasterIdLst>
-    <p:sldMasterId id="2147486898" r:id="rId12"/>
+    <p:sldMasterId id="2147486899" r:id="rId12"/>
   </p:sldMasterIdLst>
   <p:notesMasterIdLst>
     <p:notesMasterId r:id="rId14"/>
   </p:notesMasterIdLst>
   <p:sldIdLst>
     <p:sldId id="309" r:id="rId16"/>
-    <p:sldId id="307" r:id="rId17"/>
-    <p:sldId id="310" r:id="rId18"/>
-    <p:sldId id="311" r:id="rId19"/>
-    <p:sldId id="312" r:id="rId20"/>
-    <p:sldId id="313" r:id="rId21"/>
-    <p:sldId id="323" r:id="rId22"/>
-    <p:sldId id="314" r:id="rId23"/>
-    <p:sldId id="315" r:id="rId24"/>
-    <p:sldId id="316" r:id="rId25"/>
-    <p:sldId id="317" r:id="rId26"/>
-    <p:sldId id="318" r:id="rId27"/>
-    <p:sldId id="319" r:id="rId28"/>
-    <p:sldId id="320" r:id="rId29"/>
-    <p:sldId id="321" r:id="rId30"/>
-    <p:sldId id="322" r:id="rId31"/>
-    <p:sldId id="324" r:id="rId32"/>
+    <p:sldId id="307" r:id="rId18"/>
+    <p:sldId id="310" r:id="rId20"/>
+    <p:sldId id="311" r:id="rId22"/>
+    <p:sldId id="312" r:id="rId23"/>
+    <p:sldId id="313" r:id="rId25"/>
+    <p:sldId id="323" r:id="rId27"/>
+    <p:sldId id="314" r:id="rId29"/>
+    <p:sldId id="315" r:id="rId31"/>
+    <p:sldId id="316" r:id="rId33"/>
+    <p:sldId id="317" r:id="rId35"/>
+    <p:sldId id="318" r:id="rId37"/>
+    <p:sldId id="319" r:id="rId39"/>
+    <p:sldId id="320" r:id="rId41"/>
+    <p:sldId id="321" r:id="rId43"/>
+    <p:sldId id="322" r:id="rId45"/>
+    <p:sldId id="324" r:id="rId47"/>
   </p:sldIdLst>
   <p:sldSz cx="12192000" cy="6858000"/>
   <p:notesSz cx="6858000" cy="9144000"/>
@@ -13780,36 +13780,7 @@
       </p:sp>
       <p:pic>
         <p:nvPicPr>
-          <p:cNvPr id="46" name="그림 43" descr="C:/Users/Admin1/AppData/Roaming/PolarisOffice/ETemp/15444_16111816/fImage71392429961.png"/>
-          <p:cNvPicPr>
-            <a:picLocks noChangeAspect="1"/>
-          </p:cNvPicPr>
-          <p:nvPr/>
-        </p:nvPicPr>
-        <p:blipFill rotWithShape="1">
-          <a:blip r:embed="rId5" cstate="hqprint">
-            <a:extLst>
-              <a:ext uri="{28A0092B-C50C-407E-A947-70E740481C1C}">
-                <a14:useLocalDpi xmlns:a14="http://schemas.microsoft.com/office/drawing/2010/main"/>
-              </a:ext>
-            </a:extLst>
-          </a:blip>
-          <a:stretch>
-            <a:fillRect/>
-          </a:stretch>
-        </p:blipFill>
-        <p:spPr>
-          <a:xfrm rot="0">
-            <a:off x="1238885" y="1394460"/>
-            <a:ext cx="4136390" cy="1848485"/>
-          </a:xfrm>
-          <a:prstGeom prst="rect"/>
-          <a:noFill/>
-        </p:spPr>
-      </p:pic>
-      <p:pic>
-        <p:nvPicPr>
-          <p:cNvPr id="47" name="그림 47" descr="C:/Users/Admin1/AppData/Roaming/PolarisOffice/ETemp/15444_16111816/fImage6758244491.png"/>
+          <p:cNvPr id="47" name="그림 47" descr="C:/Users/Admin1/AppData/Roaming/PolarisOffice/ETemp/14060_13615360/fImage6758244491.png"/>
           <p:cNvPicPr>
             <a:picLocks noChangeAspect="1"/>
           </p:cNvPicPr>
@@ -13830,10 +13801,43 @@
         <p:spPr>
           <a:xfrm rot="0">
             <a:off x="6833235" y="1405890"/>
-            <a:ext cx="4116070" cy="2875915"/>
-          </a:xfrm>
-          <a:prstGeom prst="rect"/>
-          <a:noFill/>
+            <a:ext cx="4116705" cy="2876550"/>
+          </a:xfrm>
+          <a:prstGeom prst="roundRect"/>
+          <a:solidFill>
+            <a:srgbClr val="EDEDED"/>
+          </a:solidFill>
+        </p:spPr>
+      </p:pic>
+      <p:pic>
+        <p:nvPicPr>
+          <p:cNvPr id="48" name="그림 1" descr="C:/Users/Admin1/AppData/Roaming/PolarisOffice/ETemp/14060_13615360/fImage1238124541.png"/>
+          <p:cNvPicPr>
+            <a:picLocks noChangeAspect="1"/>
+          </p:cNvPicPr>
+          <p:nvPr/>
+        </p:nvPicPr>
+        <p:blipFill rotWithShape="1">
+          <a:blip r:embed="rId7" cstate="print">
+            <a:extLst>
+              <a:ext uri="{28A0092B-C50C-407E-A947-70E740481C1C}">
+                <a14:useLocalDpi xmlns:a14="http://schemas.microsoft.com/office/drawing/2010/main" val="0"/>
+              </a:ext>
+            </a:extLst>
+          </a:blip>
+          <a:stretch>
+            <a:fillRect/>
+          </a:stretch>
+        </p:blipFill>
+        <p:spPr>
+          <a:xfrm rot="0">
+            <a:off x="1230630" y="1407160"/>
+            <a:ext cx="4140200" cy="1868805"/>
+          </a:xfrm>
+          <a:prstGeom prst="roundRect"/>
+          <a:solidFill>
+            <a:srgbClr val="EDEDED"/>
+          </a:solidFill>
         </p:spPr>
       </p:pic>
     </p:spTree>

--- a/Assets/Class/Photon Server/PPT Data/Photon Synchronization.pptx
+++ b/Assets/Class/Photon Server/PPT Data/Photon Synchronization.pptx
@@ -2,29 +2,30 @@
 <file path=ppt/presentation.xml><?xml version="1.0" encoding="utf-8"?>
 <p:presentation xmlns:a="http://schemas.openxmlformats.org/drawingml/2006/main" xmlns:r="http://schemas.openxmlformats.org/officeDocument/2006/relationships" xmlns:p="http://schemas.openxmlformats.org/presentationml/2006/main" xmlns:p14="http://schemas.microsoft.com/office/powerpoint/2010/main" saveSubsetFonts="1" firstSlideNum="0">
   <p:sldMasterIdLst>
-    <p:sldMasterId id="2147486899" r:id="rId12"/>
+    <p:sldMasterId id="2147486906" r:id="rId12"/>
   </p:sldMasterIdLst>
   <p:notesMasterIdLst>
     <p:notesMasterId r:id="rId14"/>
   </p:notesMasterIdLst>
   <p:sldIdLst>
     <p:sldId id="309" r:id="rId16"/>
-    <p:sldId id="307" r:id="rId18"/>
-    <p:sldId id="310" r:id="rId20"/>
-    <p:sldId id="311" r:id="rId22"/>
-    <p:sldId id="312" r:id="rId23"/>
-    <p:sldId id="313" r:id="rId25"/>
-    <p:sldId id="323" r:id="rId27"/>
-    <p:sldId id="314" r:id="rId29"/>
-    <p:sldId id="315" r:id="rId31"/>
-    <p:sldId id="316" r:id="rId33"/>
-    <p:sldId id="317" r:id="rId35"/>
-    <p:sldId id="318" r:id="rId37"/>
-    <p:sldId id="319" r:id="rId39"/>
-    <p:sldId id="320" r:id="rId41"/>
-    <p:sldId id="321" r:id="rId43"/>
-    <p:sldId id="322" r:id="rId45"/>
-    <p:sldId id="324" r:id="rId47"/>
+    <p:sldId id="307" r:id="rId17"/>
+    <p:sldId id="310" r:id="rId18"/>
+    <p:sldId id="311" r:id="rId19"/>
+    <p:sldId id="312" r:id="rId20"/>
+    <p:sldId id="313" r:id="rId21"/>
+    <p:sldId id="323" r:id="rId22"/>
+    <p:sldId id="314" r:id="rId23"/>
+    <p:sldId id="315" r:id="rId24"/>
+    <p:sldId id="316" r:id="rId25"/>
+    <p:sldId id="317" r:id="rId26"/>
+    <p:sldId id="318" r:id="rId27"/>
+    <p:sldId id="319" r:id="rId28"/>
+    <p:sldId id="320" r:id="rId29"/>
+    <p:sldId id="321" r:id="rId30"/>
+    <p:sldId id="322" r:id="rId31"/>
+    <p:sldId id="324" r:id="rId32"/>
+    <p:sldId id="325" r:id="rId33"/>
   </p:sldIdLst>
   <p:sldSz cx="12192000" cy="6858000"/>
   <p:notesSz cx="6858000" cy="9144000"/>
@@ -1761,6 +1762,148 @@
 </p:notes>
 </file>
 
+<file path=ppt/notesSlides/notesSlide18.xml><?xml version="1.0" encoding="utf-8"?>
+<p:notes xmlns:a="http://schemas.openxmlformats.org/drawingml/2006/main" xmlns:r="http://schemas.openxmlformats.org/officeDocument/2006/relationships" xmlns:p="http://schemas.openxmlformats.org/presentationml/2006/main">
+  <p:cSld>
+    <p:spTree>
+      <p:nvGrpSpPr>
+        <p:cNvPr id="1" name=""/>
+        <p:cNvGrpSpPr/>
+        <p:nvPr/>
+      </p:nvGrpSpPr>
+      <p:grpSpPr>
+        <a:xfrm>
+          <a:off x="0" y="0"/>
+          <a:ext cx="0" cy="0"/>
+          <a:chOff x="0" y="0"/>
+          <a:chExt cx="0" cy="0"/>
+        </a:xfrm>
+      </p:grpSpPr>
+      <p:sp>
+        <p:nvSpPr>
+          <p:cNvPr id="2" name="슬라이드 이미지 개체 틀 3"/>
+          <p:cNvSpPr>
+            <a:spLocks noChangeAspect="1"/>
+          </p:cNvSpPr>
+          <p:nvPr>
+            <p:ph type="sldImg" idx="2"/>
+          </p:nvPr>
+        </p:nvSpPr>
+        <p:spPr>
+          <a:xfrm rot="0">
+            <a:off x="685800" y="1143000"/>
+            <a:ext cx="5495290" cy="3094990"/>
+          </a:xfrm>
+          <a:prstGeom prst="rect"/>
+          <a:noFill/>
+          <a:ln w="12700" cap="flat" cmpd="sng">
+            <a:solidFill>
+              <a:srgbClr val="000000">
+                <a:alpha val="100000"/>
+              </a:srgbClr>
+            </a:solidFill>
+            <a:prstDash val="solid"/>
+          </a:ln>
+        </p:spPr>
+        <p:txBody>
+          <a:bodyPr wrap="square" lIns="91440" tIns="45720" rIns="91440" bIns="45720" numCol="1" vert="horz" anchor="ctr">
+            <a:noAutofit/>
+          </a:bodyPr>
+          <a:lstStyle/>
+          <a:p>
+            <a:pPr marL="0" indent="0" latinLnBrk="0">
+              <a:buFontTx/>
+              <a:buNone/>
+            </a:pPr>
+          </a:p>
+        </p:txBody>
+      </p:sp>
+      <p:sp>
+        <p:nvSpPr>
+          <p:cNvPr id="3" name="슬라이드 노트 개체 틀 4"/>
+          <p:cNvSpPr txBox="1">
+            <a:spLocks/>
+          </p:cNvSpPr>
+          <p:nvPr>
+            <p:ph type="body" idx="3"/>
+          </p:nvPr>
+        </p:nvSpPr>
+        <p:spPr>
+          <a:xfrm rot="0">
+            <a:off x="685800" y="4400550"/>
+            <a:ext cx="5495290" cy="3609340"/>
+          </a:xfrm>
+          <a:prstGeom prst="rect"/>
+        </p:spPr>
+        <p:txBody>
+          <a:bodyPr wrap="square" lIns="91440" tIns="45720" rIns="91440" bIns="45720" numCol="1" vert="horz" anchor="t">
+            <a:noAutofit/>
+          </a:bodyPr>
+          <a:lstStyle/>
+          <a:p>
+            <a:pPr marL="0" indent="0" latinLnBrk="0">
+              <a:buFontTx/>
+              <a:buNone/>
+            </a:pPr>
+          </a:p>
+        </p:txBody>
+      </p:sp>
+      <p:sp>
+        <p:nvSpPr>
+          <p:cNvPr id="4" name="슬라이드 번호 개체 틀 6"/>
+          <p:cNvSpPr txBox="1">
+            <a:spLocks/>
+          </p:cNvSpPr>
+          <p:nvPr>
+            <p:ph type="sldNum" idx="5"/>
+          </p:nvPr>
+        </p:nvSpPr>
+        <p:spPr>
+          <a:xfrm rot="0">
+            <a:off x="3884930" y="8685530"/>
+            <a:ext cx="2980690" cy="467360"/>
+          </a:xfrm>
+          <a:prstGeom prst="rect"/>
+        </p:spPr>
+        <p:txBody>
+          <a:bodyPr wrap="square" lIns="91440" tIns="45720" rIns="91440" bIns="45720" numCol="1" vert="horz" anchor="b">
+            <a:noAutofit/>
+          </a:bodyPr>
+          <a:lstStyle>
+            <a:lvl1pPr marL="0" indent="0" algn="r" latinLnBrk="0">
+              <a:buFontTx/>
+              <a:buNone/>
+              <a:defRPr lang="en-GB" altLang="en-US" sz="1200"/>
+            </a:lvl1pPr>
+          </a:lstStyle>
+          <a:p>
+            <a:pPr marL="0" indent="0" latinLnBrk="0">
+              <a:buFontTx/>
+              <a:buNone/>
+            </a:pPr>
+            <a:fld id="{B9320F77-B9A0-41C5-862A-B4B631284C64}" type="slidenum">
+              <a:rPr lang="ko-KR" altLang="en-US"/>
+              <a:t>‹#›</a:t>
+            </a:fld>
+          </a:p>
+        </p:txBody>
+      </p:sp>
+    </p:spTree>
+  </p:cSld>
+  <p:clrMapOvr>
+    <a:masterClrMapping/>
+  </p:clrMapOvr>
+  <mc:AlternateContent xmlns:mc="http://schemas.openxmlformats.org/markup-compatibility/2006">
+    <mc:Choice xmlns:p14="http://schemas.microsoft.com/office/powerpoint/2010/main" Requires="p14">
+      <p:transition spd="slow" p14:dur="0"/>
+    </mc:Choice>
+    <mc:Fallback>
+      <p:transition spd="slow"/>
+    </mc:Fallback>
+  </mc:AlternateContent>
+</p:notes>
+</file>
+
 <file path=ppt/notesSlides/notesSlide2.xml><?xml version="1.0" encoding="utf-8"?>
 <p:notes xmlns:a="http://schemas.openxmlformats.org/drawingml/2006/main" xmlns:r="http://schemas.openxmlformats.org/officeDocument/2006/relationships" xmlns:p="http://schemas.openxmlformats.org/presentationml/2006/main">
   <p:cSld>
@@ -9984,7 +10127,7 @@
       </p:sp>
       <p:pic>
         <p:nvPicPr>
-          <p:cNvPr id="57" name="그림 97" descr="C:/Users/Admin1/AppData/Roaming/PolarisOffice/ETemp/15444_16111816/fImage180123184827.png"/>
+          <p:cNvPr id="57" name="그림 97"/>
           <p:cNvPicPr>
             <a:picLocks noChangeAspect="1"/>
           </p:cNvPicPr>
@@ -10292,7 +10435,7 @@
       </p:sp>
       <p:pic>
         <p:nvPicPr>
-          <p:cNvPr id="65" name="그림 44" descr="C:/Users/Admin1/AppData/Roaming/PolarisOffice/ETemp/15444_16111816/fImage68982326962.png"/>
+          <p:cNvPr id="65" name="그림 44"/>
           <p:cNvPicPr>
             <a:picLocks noChangeAspect="1"/>
           </p:cNvPicPr>
@@ -10665,7 +10808,7 @@
       </p:sp>
       <p:pic>
         <p:nvPicPr>
-          <p:cNvPr id="64" name="그림 4" descr="C:/Users/Admin1/AppData/Roaming/PolarisOffice/ETemp/15444_16111816/fImage217262668467.png"/>
+          <p:cNvPr id="64" name="그림 4"/>
           <p:cNvPicPr>
             <a:picLocks noChangeAspect="1"/>
           </p:cNvPicPr>
@@ -10727,7 +10870,7 @@
       </p:pic>
       <p:pic>
         <p:nvPicPr>
-          <p:cNvPr id="68" name="그림 18" descr="C:/Users/Admin1/AppData/Roaming/PolarisOffice/ETemp/15444_16111816/fImage168562729169.png"/>
+          <p:cNvPr id="68" name="그림 18"/>
           <p:cNvPicPr>
             <a:picLocks noChangeAspect="1"/>
           </p:cNvPicPr>
@@ -10758,7 +10901,7 @@
       </p:pic>
       <p:pic>
         <p:nvPicPr>
-          <p:cNvPr id="69" name="그림 21" descr="C:/Users/Admin1/AppData/Roaming/PolarisOffice/ETemp/15444_16111816/fImage119622735724.png"/>
+          <p:cNvPr id="69" name="그림 21"/>
           <p:cNvPicPr>
             <a:picLocks noChangeAspect="1"/>
           </p:cNvPicPr>
@@ -11524,7 +11667,7 @@
       </p:pic>
       <p:pic>
         <p:nvPicPr>
-          <p:cNvPr id="77" name="그림 17" descr="C:/Users/Admin1/AppData/Roaming/PolarisOffice/ETemp/15444_16111816/fImage51412208467.png"/>
+          <p:cNvPr id="77" name="그림 17"/>
           <p:cNvPicPr>
             <a:picLocks noChangeAspect="1"/>
           </p:cNvPicPr>
@@ -11695,7 +11838,7 @@
       </p:sp>
       <p:pic>
         <p:nvPicPr>
-          <p:cNvPr id="80" name="그림 23" descr="C:/Users/Admin1/AppData/Roaming/PolarisOffice/ETemp/15444_16111816/fImage47032256334.png"/>
+          <p:cNvPr id="80" name="그림 23"/>
           <p:cNvPicPr>
             <a:picLocks noChangeAspect="1"/>
           </p:cNvPicPr>
@@ -11804,7 +11947,7 @@
       </p:sp>
       <p:pic>
         <p:nvPicPr>
-          <p:cNvPr id="82" name="그림 56" descr="C:/Users/Admin1/AppData/Roaming/PolarisOffice/ETemp/15444_16111816/fImage129503193281.png"/>
+          <p:cNvPr id="82" name="그림 56"/>
           <p:cNvPicPr>
             <a:picLocks noChangeAspect="1"/>
           </p:cNvPicPr>
@@ -11857,7 +12000,7 @@
 </file>
 
 <file path=ppt/slides/slide17.xml><?xml version="1.0" encoding="utf-8"?>
-<p:sld xmlns:a="http://schemas.openxmlformats.org/drawingml/2006/main" xmlns:r="http://schemas.openxmlformats.org/officeDocument/2006/relationships" xmlns:p="http://schemas.openxmlformats.org/presentationml/2006/main">
+<p:sld xmlns:a="http://schemas.openxmlformats.org/drawingml/2006/main" xmlns:r="http://schemas.openxmlformats.org/officeDocument/2006/relationships" xmlns:p="http://schemas.openxmlformats.org/presentationml/2006/main" xmlns:p14="http://schemas.microsoft.com/office/powerpoint/2010/main">
   <p:cSld>
     <p:spTree>
       <p:nvGrpSpPr>
@@ -12123,7 +12266,7 @@
       </p:sp>
       <p:pic>
         <p:nvPicPr>
-          <p:cNvPr id="82" name="그림 5" descr="C:/Users/Admin1/AppData/Roaming/PolarisOffice/ETemp/15444_16111816/fImage449931541.png"/>
+          <p:cNvPr id="82" name="그림 5"/>
           <p:cNvPicPr>
             <a:picLocks noChangeAspect="1"/>
           </p:cNvPicPr>
@@ -12154,7 +12297,7 @@
       </p:pic>
       <p:pic>
         <p:nvPicPr>
-          <p:cNvPr id="83" name="그림 12" descr="C:/Users/Admin1/AppData/Roaming/PolarisOffice/ETemp/15444_16111816/fImage41143168467.png"/>
+          <p:cNvPr id="83" name="그림 12"/>
           <p:cNvPicPr>
             <a:picLocks noChangeAspect="1"/>
           </p:cNvPicPr>
@@ -12185,7 +12328,7 @@
       </p:pic>
       <p:pic>
         <p:nvPicPr>
-          <p:cNvPr id="84" name="그림 15" descr="C:/Users/Admin1/AppData/Roaming/PolarisOffice/ETemp/15444_16111816/fImage87093176334.png"/>
+          <p:cNvPr id="84" name="그림 15"/>
           <p:cNvPicPr>
             <a:picLocks noChangeAspect="1"/>
           </p:cNvPicPr>
@@ -12249,7 +12392,7 @@
       </p:cxnSp>
       <p:pic>
         <p:nvPicPr>
-          <p:cNvPr id="86" name="그림 19" descr="C:/Users/Admin1/AppData/Roaming/PolarisOffice/ETemp/15444_16111816/fImage62203196500.png"/>
+          <p:cNvPr id="86" name="그림 19"/>
           <p:cNvPicPr>
             <a:picLocks noChangeAspect="1"/>
           </p:cNvPicPr>
@@ -12380,6 +12523,428 @@
           </a:p>
         </p:txBody>
       </p:sp>
+    </p:spTree>
+  </p:cSld>
+  <p:clrMapOvr>
+    <a:masterClrMapping/>
+  </p:clrMapOvr>
+  <mc:AlternateContent xmlns:mc="http://schemas.openxmlformats.org/markup-compatibility/2006">
+    <mc:Choice xmlns:p14="http://schemas.microsoft.com/office/powerpoint/2010/main" Requires="p14">
+      <p:transition spd="slow" p14:dur="2000"/>
+    </mc:Choice>
+    <mc:Fallback>
+      <p:transition spd="slow"/>
+    </mc:Fallback>
+  </mc:AlternateContent>
+  <p:timing>
+    <p:tnLst>
+      <p:par>
+        <p:cTn id="1" dur="indefinite" restart="never" nodeType="tmRoot"/>
+      </p:par>
+    </p:tnLst>
+  </p:timing>
+</p:sld>
+</file>
+
+<file path=ppt/slides/slide18.xml><?xml version="1.0" encoding="utf-8"?>
+<p:sld xmlns:a="http://schemas.openxmlformats.org/drawingml/2006/main" xmlns:r="http://schemas.openxmlformats.org/officeDocument/2006/relationships" xmlns:p="http://schemas.openxmlformats.org/presentationml/2006/main">
+  <p:cSld>
+    <p:spTree>
+      <p:nvGrpSpPr>
+        <p:cNvPr id="1" name=""/>
+        <p:cNvGrpSpPr/>
+        <p:nvPr/>
+      </p:nvGrpSpPr>
+      <p:grpSpPr>
+        <a:xfrm>
+          <a:off x="0" y="0"/>
+          <a:ext cx="0" cy="0"/>
+          <a:chOff x="0" y="0"/>
+          <a:chExt cx="0" cy="0"/>
+        </a:xfrm>
+      </p:grpSpPr>
+      <p:sp>
+        <p:nvSpPr>
+          <p:cNvPr id="27" name="Rect 0"/>
+          <p:cNvSpPr txBox="1">
+            <a:spLocks/>
+          </p:cNvSpPr>
+          <p:nvPr/>
+        </p:nvSpPr>
+        <p:spPr>
+          <a:xfrm rot="0">
+            <a:off x="4101465" y="407035"/>
+            <a:ext cx="3987165" cy="554990"/>
+          </a:xfrm>
+          <a:prstGeom prst="rect"/>
+          <a:noFill/>
+          <a:ln w="0">
+            <a:noFill/>
+            <a:prstDash/>
+          </a:ln>
+        </p:spPr>
+        <p:txBody>
+          <a:bodyPr wrap="square" lIns="89535" tIns="46355" rIns="89535" bIns="46355" numCol="1" vert="horz" anchor="t">
+            <a:spAutoFit/>
+          </a:bodyPr>
+          <a:lstStyle/>
+          <a:p>
+            <a:pPr marL="0" indent="0" algn="l" latinLnBrk="0" hangingPunct="1">
+              <a:buFontTx/>
+              <a:buNone/>
+            </a:pPr>
+            <a:r>
+              <a:rPr lang="ko-KR" sz="3000" b="1">
+                <a:latin typeface="맑은 고딕" charset="0"/>
+                <a:ea typeface="맑은 고딕" charset="0"/>
+              </a:rPr>
+              <a:t>열</a:t>
+            </a:r>
+            <a:r>
+              <a:rPr lang="ko-KR" sz="3000" b="1">
+                <a:latin typeface="맑은 고딕" charset="0"/>
+                <a:ea typeface="맑은 고딕" charset="0"/>
+              </a:rPr>
+              <a:t>여덟</a:t>
+            </a:r>
+            <a:r>
+              <a:rPr lang="ko-KR" sz="3000" b="1">
+                <a:latin typeface="맑은 고딕" charset="0"/>
+                <a:ea typeface="맑은 고딕" charset="0"/>
+              </a:rPr>
+              <a:t> 번째 튜토리얼</a:t>
+            </a:r>
+            <a:endParaRPr lang="ko-KR" altLang="en-US" sz="3000" b="1">
+              <a:latin typeface="맑은 고딕" charset="0"/>
+              <a:ea typeface="맑은 고딕" charset="0"/>
+            </a:endParaRPr>
+          </a:p>
+        </p:txBody>
+      </p:sp>
+      <p:sp>
+        <p:nvSpPr>
+          <p:cNvPr id="87" name="Rect 0"/>
+          <p:cNvSpPr txBox="1">
+            <a:spLocks/>
+          </p:cNvSpPr>
+          <p:nvPr/>
+        </p:nvSpPr>
+        <p:spPr>
+          <a:xfrm rot="0">
+            <a:off x="6798945" y="4714240"/>
+            <a:ext cx="4164330" cy="1477645"/>
+          </a:xfrm>
+          <a:prstGeom prst="rect"/>
+          <a:noFill/>
+          <a:ln w="0">
+            <a:noFill/>
+            <a:prstDash/>
+          </a:ln>
+        </p:spPr>
+        <p:txBody>
+          <a:bodyPr wrap="square" lIns="89535" tIns="46355" rIns="89535" bIns="46355" numCol="1" vert="horz" anchor="t">
+            <a:spAutoFit/>
+          </a:bodyPr>
+          <a:lstStyle/>
+          <a:p>
+            <a:pPr marL="0" indent="0" rtl="0" algn="l" defTabSz="914400" eaLnBrk="1" latinLnBrk="0" hangingPunct="1">
+              <a:buFontTx/>
+              <a:buNone/>
+            </a:pPr>
+            <a:r>
+              <a:rPr sz="1800" b="1">
+                <a:solidFill>
+                  <a:srgbClr val="0611F2"/>
+                </a:solidFill>
+                <a:latin typeface="맑은 고딕" charset="0"/>
+                <a:ea typeface="맑은 고딕" charset="0"/>
+              </a:rPr>
+              <a:t>4</a:t>
+            </a:r>
+            <a:r>
+              <a:rPr lang="ko-KR" sz="1800" b="1">
+                <a:solidFill>
+                  <a:srgbClr val="0611F2"/>
+                </a:solidFill>
+                <a:latin typeface="맑은 고딕" charset="0"/>
+                <a:ea typeface="맑은 고딕" charset="0"/>
+              </a:rPr>
+              <a:t>4</a:t>
+            </a:r>
+            <a:r>
+              <a:rPr sz="1800" b="1">
+                <a:solidFill>
+                  <a:srgbClr val="0611F2"/>
+                </a:solidFill>
+                <a:latin typeface="맑은 고딕" charset="0"/>
+                <a:ea typeface="맑은 고딕" charset="0"/>
+              </a:rPr>
+              <a:t>.</a:t>
+            </a:r>
+            <a:r>
+              <a:rPr sz="1800">
+                <a:latin typeface="맑은 고딕" charset="0"/>
+                <a:ea typeface="맑은 고딕" charset="0"/>
+              </a:rPr>
+              <a:t> </a:t>
+            </a:r>
+            <a:r>
+              <a:rPr lang="ko-KR" sz="1800">
+                <a:latin typeface="맑은 고딕" charset="0"/>
+                <a:ea typeface="맑은 고딕" charset="0"/>
+              </a:rPr>
+              <a:t>그다음</a:t>
+            </a:r>
+            <a:r>
+              <a:rPr lang="ko-KR" sz="1800">
+                <a:latin typeface="맑은 고딕" charset="0"/>
+                <a:ea typeface="맑은 고딕" charset="0"/>
+              </a:rPr>
+              <a:t>으로</a:t>
+            </a:r>
+            <a:r>
+              <a:rPr lang="ko-KR" sz="1800">
+                <a:latin typeface="맑은 고딕" charset="0"/>
+                <a:ea typeface="맑은 고딕" charset="0"/>
+              </a:rPr>
+              <a:t> </a:t>
+            </a:r>
+            <a:r>
+              <a:rPr lang="ko-KR" sz="1800">
+                <a:latin typeface="맑은 고딕" charset="0"/>
+                <a:ea typeface="맑은 고딕" charset="0"/>
+              </a:rPr>
+              <a:t>PlayfabDataSave( ) 함수를 선언합니다.</a:t>
+            </a:r>
+            <a:endParaRPr lang="ko-KR" altLang="en-US" sz="1800">
+              <a:latin typeface="맑은 고딕" charset="0"/>
+              <a:ea typeface="맑은 고딕" charset="0"/>
+            </a:endParaRPr>
+          </a:p>
+          <a:p>
+            <a:pPr marL="0" indent="0" rtl="0" algn="l" defTabSz="914400" eaLnBrk="1" latinLnBrk="0" hangingPunct="1">
+              <a:buFontTx/>
+              <a:buNone/>
+            </a:pPr>
+            <a:endParaRPr lang="ko-KR" altLang="en-US" sz="1800">
+              <a:latin typeface="맑은 고딕" charset="0"/>
+              <a:ea typeface="맑은 고딕" charset="0"/>
+            </a:endParaRPr>
+          </a:p>
+          <a:p>
+            <a:pPr marL="0" indent="0" rtl="0" algn="l" defTabSz="914400" eaLnBrk="1" latinLnBrk="0" hangingPunct="1">
+              <a:buFontTx/>
+              <a:buNone/>
+            </a:pPr>
+            <a:r>
+              <a:rPr lang="ko-KR" sz="1800">
+                <a:latin typeface="맑은 고딕" charset="0"/>
+                <a:ea typeface="맑은 고딕" charset="0"/>
+              </a:rPr>
+              <a:t>그런 다음 Playfab 통계에 있는 Score 순위표에 score라는 변수를 저장합니다.</a:t>
+            </a:r>
+            <a:endParaRPr lang="ko-KR" altLang="en-US" sz="1800">
+              <a:latin typeface="맑은 고딕" charset="0"/>
+              <a:ea typeface="맑은 고딕" charset="0"/>
+            </a:endParaRPr>
+          </a:p>
+        </p:txBody>
+      </p:sp>
+      <p:pic>
+        <p:nvPicPr>
+          <p:cNvPr id="88" name="그림 9" descr="C:/Users/Admin1/AppData/Roaming/PolarisOffice/ETemp/13916_20827792/fImage119633328467.png"/>
+          <p:cNvPicPr>
+            <a:picLocks noChangeAspect="1"/>
+          </p:cNvPicPr>
+          <p:nvPr/>
+        </p:nvPicPr>
+        <p:blipFill rotWithShape="1">
+          <a:blip r:embed="rId2" cstate="hqprint">
+            <a:extLst>
+              <a:ext uri="{28A0092B-C50C-407E-A947-70E740481C1C}">
+                <a14:useLocalDpi xmlns:a14="http://schemas.microsoft.com/office/drawing/2010/main"/>
+              </a:ext>
+            </a:extLst>
+          </a:blip>
+          <a:stretch>
+            <a:fillRect/>
+          </a:stretch>
+        </p:blipFill>
+        <p:spPr>
+          <a:xfrm rot="0">
+            <a:off x="1238885" y="1479550"/>
+            <a:ext cx="4131945" cy="2020570"/>
+          </a:xfrm>
+          <a:prstGeom prst="roundRect"/>
+          <a:solidFill>
+            <a:srgbClr val="EDEDED"/>
+          </a:solidFill>
+        </p:spPr>
+      </p:pic>
+      <p:sp>
+        <p:nvSpPr>
+          <p:cNvPr id="89" name="텍스트 상자 10"/>
+          <p:cNvSpPr txBox="1">
+            <a:spLocks/>
+          </p:cNvSpPr>
+          <p:nvPr/>
+        </p:nvSpPr>
+        <p:spPr>
+          <a:xfrm rot="0">
+            <a:off x="1239520" y="3607435"/>
+            <a:ext cx="4132580" cy="2585085"/>
+          </a:xfrm>
+          <a:prstGeom prst="rect"/>
+          <a:noFill/>
+          <a:ln w="0">
+            <a:noFill/>
+            <a:prstDash/>
+          </a:ln>
+        </p:spPr>
+        <p:txBody>
+          <a:bodyPr wrap="square" lIns="89535" tIns="46355" rIns="89535" bIns="46355" vert="horz" anchor="t">
+            <a:spAutoFit/>
+          </a:bodyPr>
+          <a:lstStyle/>
+          <a:p>
+            <a:pPr marL="0" indent="0" rtl="0" algn="l" defTabSz="914400" eaLnBrk="1" latinLnBrk="0" hangingPunct="1">
+              <a:buFontTx/>
+              <a:buNone/>
+            </a:pPr>
+            <a:r>
+              <a:rPr sz="1800" b="1">
+                <a:solidFill>
+                  <a:srgbClr val="0611F2"/>
+                </a:solidFill>
+                <a:latin typeface="맑은 고딕" charset="0"/>
+                <a:ea typeface="맑은 고딕" charset="0"/>
+              </a:rPr>
+              <a:t>43</a:t>
+            </a:r>
+            <a:r>
+              <a:rPr sz="1800" b="1">
+                <a:solidFill>
+                  <a:srgbClr val="0611F2"/>
+                </a:solidFill>
+                <a:latin typeface="맑은 고딕" charset="0"/>
+                <a:ea typeface="맑은 고딕" charset="0"/>
+              </a:rPr>
+              <a:t>.</a:t>
+            </a:r>
+            <a:r>
+              <a:rPr sz="1800">
+                <a:latin typeface="맑은 고딕" charset="0"/>
+                <a:ea typeface="맑은 고딕" charset="0"/>
+              </a:rPr>
+              <a:t> </a:t>
+            </a:r>
+            <a:r>
+              <a:rPr sz="1800">
+                <a:solidFill>
+                  <a:schemeClr val="tx1"/>
+                </a:solidFill>
+                <a:latin typeface="맑은 고딕" charset="0"/>
+                <a:ea typeface="맑은 고딕" charset="0"/>
+              </a:rPr>
+              <a:t>이제 CharacterSystem 스크립트에서 Photon View 데이터를 실시간으로 동기화하기 위해 OnPhotonSerializeView( ) 함수를 선언합니다.</a:t>
+            </a:r>
+            <a:endParaRPr lang="ko-KR" altLang="en-US" sz="1800">
+              <a:solidFill>
+                <a:schemeClr val="tx1"/>
+              </a:solidFill>
+              <a:latin typeface="맑은 고딕" charset="0"/>
+              <a:ea typeface="맑은 고딕" charset="0"/>
+            </a:endParaRPr>
+          </a:p>
+          <a:p>
+            <a:pPr marL="0" indent="0" rtl="0" algn="l" defTabSz="914400" eaLnBrk="1" latinLnBrk="0" hangingPunct="1">
+              <a:buFontTx/>
+              <a:buNone/>
+            </a:pPr>
+            <a:endParaRPr lang="ko-KR" altLang="en-US" sz="1800">
+              <a:solidFill>
+                <a:schemeClr val="tx1"/>
+              </a:solidFill>
+              <a:latin typeface="맑은 고딕" charset="0"/>
+              <a:ea typeface="맑은 고딕" charset="0"/>
+            </a:endParaRPr>
+          </a:p>
+          <a:p>
+            <a:pPr marL="0" indent="0" rtl="0" algn="l" defTabSz="914400" eaLnBrk="1" latinLnBrk="0" hangingPunct="1">
+              <a:buFontTx/>
+              <a:buNone/>
+            </a:pPr>
+            <a:r>
+              <a:rPr sz="1800">
+                <a:solidFill>
+                  <a:schemeClr val="tx1"/>
+                </a:solidFill>
+                <a:latin typeface="맑은 고딕" charset="0"/>
+                <a:ea typeface="맑은 고딕" charset="0"/>
+              </a:rPr>
+              <a:t>그</a:t>
+            </a:r>
+            <a:r>
+              <a:rPr lang="ko-KR" sz="1800">
+                <a:solidFill>
+                  <a:schemeClr val="tx1"/>
+                </a:solidFill>
+                <a:latin typeface="맑은 고딕" charset="0"/>
+                <a:ea typeface="맑은 고딕" charset="0"/>
+              </a:rPr>
+              <a:t>러고 나서</a:t>
+            </a:r>
+            <a:r>
+              <a:rPr sz="1800">
+                <a:solidFill>
+                  <a:schemeClr val="tx1"/>
+                </a:solidFill>
+                <a:latin typeface="맑은 고딕" charset="0"/>
+                <a:ea typeface="맑은 고딕" charset="0"/>
+              </a:rPr>
+              <a:t> 로컬 오브젝트의 데이터를 보내주고, 원격 오브젝트가 데이터를 받을 수 있도록 설정합니다.</a:t>
+            </a:r>
+            <a:endParaRPr lang="ko-KR" altLang="en-US" sz="1800">
+              <a:solidFill>
+                <a:schemeClr val="tx1"/>
+              </a:solidFill>
+              <a:latin typeface="맑은 고딕" charset="0"/>
+              <a:ea typeface="맑은 고딕" charset="0"/>
+            </a:endParaRPr>
+          </a:p>
+        </p:txBody>
+      </p:sp>
+      <p:pic>
+        <p:nvPicPr>
+          <p:cNvPr id="90" name="그림 13" descr="C:/Users/Admin1/AppData/Roaming/PolarisOffice/ETemp/13916_20827792/fImage134573346334.png"/>
+          <p:cNvPicPr>
+            <a:picLocks noChangeAspect="1"/>
+          </p:cNvPicPr>
+          <p:nvPr/>
+        </p:nvPicPr>
+        <p:blipFill rotWithShape="1">
+          <a:blip r:embed="rId3" cstate="print">
+            <a:extLst>
+              <a:ext uri="{28A0092B-C50C-407E-A947-70E740481C1C}">
+                <a14:useLocalDpi xmlns:a14="http://schemas.microsoft.com/office/drawing/2010/main" val="0"/>
+              </a:ext>
+            </a:extLst>
+          </a:blip>
+          <a:stretch>
+            <a:fillRect/>
+          </a:stretch>
+        </p:blipFill>
+        <p:spPr>
+          <a:xfrm rot="0">
+            <a:off x="6808470" y="1479550"/>
+            <a:ext cx="4157345" cy="3101340"/>
+          </a:xfrm>
+          <a:prstGeom prst="roundRect"/>
+          <a:solidFill>
+            <a:srgbClr val="EDEDED"/>
+          </a:solidFill>
+        </p:spPr>
+      </p:pic>
     </p:spTree>
   </p:cSld>
   <p:clrMapOvr>
@@ -12466,7 +13031,7 @@
       </p:sp>
       <p:pic>
         <p:nvPicPr>
-          <p:cNvPr id="30" name="그림 18" descr="C:/Users/Admin1/AppData/Roaming/PolarisOffice/ETemp/15444_16111816/fImage58051529169.png"/>
+          <p:cNvPr id="30" name="그림 18"/>
           <p:cNvPicPr>
             <a:picLocks noChangeAspect="1"/>
           </p:cNvPicPr>
@@ -12711,7 +13276,7 @@
       </p:sp>
       <p:pic>
         <p:nvPicPr>
-          <p:cNvPr id="36" name="그림 17" descr="C:/Users/Admin1/AppData/Roaming/PolarisOffice/ETemp/15444_16111816/fImage120802301478.png"/>
+          <p:cNvPr id="36" name="그림 17"/>
           <p:cNvPicPr>
             <a:picLocks noChangeAspect="1"/>
           </p:cNvPicPr>
@@ -12742,7 +13307,7 @@
       </p:pic>
       <p:pic>
         <p:nvPicPr>
-          <p:cNvPr id="37" name="그림 19" descr="C:/Users/Admin1/AppData/Roaming/PolarisOffice/ETemp/15444_16111816/fImage121462319358.png"/>
+          <p:cNvPr id="37" name="그림 19"/>
           <p:cNvPicPr>
             <a:picLocks noChangeAspect="1"/>
           </p:cNvPicPr>
@@ -13579,8 +14144,8 @@
         </p:nvSpPr>
         <p:spPr>
           <a:xfrm rot="0">
-            <a:off x="1238885" y="3354705"/>
-            <a:ext cx="4143375" cy="2893060"/>
+            <a:off x="1238885" y="3629025"/>
+            <a:ext cx="4144010" cy="2615565"/>
           </a:xfrm>
           <a:prstGeom prst="rect"/>
           <a:noFill/>
@@ -13624,7 +14189,28 @@
                 <a:latin typeface="맑은 고딕" charset="0"/>
                 <a:ea typeface="맑은 고딕" charset="0"/>
               </a:rPr>
-              <a:t>그리고 PhotonSystem 스크립트는 MonoBehaviourPun 클래스를 상속받도록 설정합니다.</a:t>
+              <a:t>그리고 </a:t>
+            </a:r>
+            <a:r>
+              <a:rPr lang="ko-KR" sz="1800">
+                <a:latin typeface="맑은 고딕" charset="0"/>
+                <a:ea typeface="맑은 고딕" charset="0"/>
+              </a:rPr>
+              <a:t>Character</a:t>
+            </a:r>
+            <a:r>
+              <a:rPr lang="ko-KR" sz="1800">
+                <a:latin typeface="맑은 고딕" charset="0"/>
+                <a:ea typeface="맑은 고딕" charset="0"/>
+              </a:rPr>
+              <a:t>System 스크립트</a:t>
+            </a:r>
+            <a:r>
+              <a:rPr lang="ko-KR" sz="1800">
+                <a:latin typeface="맑은 고딕" charset="0"/>
+                <a:ea typeface="맑은 고딕" charset="0"/>
+              </a:rPr>
+              <a:t>에서 Text 변수를 선언합니다.</a:t>
             </a:r>
             <a:endParaRPr lang="ko-KR" altLang="en-US" sz="1800">
               <a:latin typeface="맑은 고딕" charset="0"/>
@@ -13651,7 +14237,21 @@
                 <a:latin typeface="맑은 고딕" charset="0"/>
                 <a:ea typeface="맑은 고딕" charset="0"/>
               </a:rPr>
-              <a:t>그런 다음 이동 속도를 조절하는 float 변수와 회전 조절하는 float 변수를 선언합니다.</a:t>
+              <a:t>그런 다음 이동 속도를 조절하는 float 변수와 회전 </a:t>
+            </a:r>
+            <a:r>
+              <a:rPr lang="ko-KR" sz="1800">
+                <a:latin typeface="맑은 고딕" charset="0"/>
+                <a:ea typeface="맑은 고딕" charset="0"/>
+              </a:rPr>
+              <a:t>속도를 </a:t>
+            </a:r>
+            <a:r>
+              <a:rPr lang="ko-KR" sz="1800">
+                <a:latin typeface="맑은 고딕" charset="0"/>
+                <a:ea typeface="맑은 고딕" charset="0"/>
+              </a:rPr>
+              <a:t>조절하는 float 변수를 선언합니다.</a:t>
             </a:r>
             <a:endParaRPr lang="ko-KR" altLang="en-US" sz="1800">
               <a:latin typeface="맑은 고딕" charset="0"/>
@@ -13697,8 +14297,8 @@
         </p:nvSpPr>
         <p:spPr>
           <a:xfrm rot="0">
-            <a:off x="6824345" y="4457700"/>
-            <a:ext cx="4124325" cy="1784985"/>
+            <a:off x="6832600" y="4183380"/>
+            <a:ext cx="4107815" cy="2061845"/>
           </a:xfrm>
           <a:prstGeom prst="rect"/>
           <a:noFill/>
@@ -13742,7 +14342,14 @@
                 <a:latin typeface="맑은 고딕" charset="0"/>
                 <a:ea typeface="맑은 고딕" charset="0"/>
               </a:rPr>
-              <a:t>그다음으로 Start( ) 함수에서 현재 자신의 클라이언트이면 Main Camera를 비활성화하도록 설정합니다.</a:t>
+              <a:t>이제</a:t>
+            </a:r>
+            <a:r>
+              <a:rPr lang="ko-KR" sz="1800">
+                <a:latin typeface="맑은 고딕" charset="0"/>
+                <a:ea typeface="맑은 고딕" charset="0"/>
+              </a:rPr>
+              <a:t> Start( ) 함수에서 현재 자신의 클라이언트이면 Main Camera를 비활성화하도록 설정합니다.</a:t>
             </a:r>
             <a:endParaRPr lang="ko-KR" altLang="en-US" sz="1800">
               <a:latin typeface="맑은 고딕" charset="0"/>
@@ -13769,7 +14376,35 @@
                 <a:latin typeface="맑은 고딕" charset="0"/>
                 <a:ea typeface="맑은 고딕" charset="0"/>
               </a:rPr>
-              <a:t>만약에 그게 아니라면 가져온 Camera 오브젝트를 비활성화합니다.</a:t>
+              <a:t>그다음으로</a:t>
+            </a:r>
+            <a:r>
+              <a:rPr lang="ko-KR" sz="1800">
+                <a:latin typeface="맑은 고딕" charset="0"/>
+                <a:ea typeface="맑은 고딕" charset="0"/>
+              </a:rPr>
+              <a:t> </a:t>
+            </a:r>
+            <a:r>
+              <a:rPr lang="ko-KR" sz="1800">
+                <a:latin typeface="맑은 고딕" charset="0"/>
+                <a:ea typeface="맑은 고딕" charset="0"/>
+              </a:rPr>
+              <a:t>현재 클라이언트가 자신이 아니라면</a:t>
+            </a:r>
+            <a:r>
+              <a:rPr lang="ko-KR" sz="1800">
+                <a:latin typeface="맑은 고딕" charset="0"/>
+                <a:ea typeface="맑은 고딕" charset="0"/>
+              </a:rPr>
+              <a:t> Camera 오브젝트를 비활성화</a:t>
+            </a:r>
+            <a:r>
+              <a:rPr lang="ko-KR" sz="1800">
+                <a:latin typeface="맑은 고딕" charset="0"/>
+                <a:ea typeface="맑은 고딕" charset="0"/>
+              </a:rPr>
+              <a:t>합니다.</a:t>
             </a:r>
             <a:endParaRPr lang="ko-KR" altLang="en-US" sz="1800">
               <a:latin typeface="맑은 고딕" charset="0"/>
@@ -13780,7 +14415,7 @@
       </p:sp>
       <p:pic>
         <p:nvPicPr>
-          <p:cNvPr id="47" name="그림 47" descr="C:/Users/Admin1/AppData/Roaming/PolarisOffice/ETemp/14060_13615360/fImage6758244491.png"/>
+          <p:cNvPr id="47" name="그림 47" descr="C:/Users/Admin1/AppData/Roaming/PolarisOffice/ETemp/13916_20827792/fImage6758244491.png"/>
           <p:cNvPicPr>
             <a:picLocks noChangeAspect="1"/>
           </p:cNvPicPr>
@@ -13800,8 +14435,8 @@
         </p:blipFill>
         <p:spPr>
           <a:xfrm rot="0">
-            <a:off x="6833235" y="1405890"/>
-            <a:ext cx="4116705" cy="2876550"/>
+            <a:off x="6833235" y="1438275"/>
+            <a:ext cx="4117340" cy="2569210"/>
           </a:xfrm>
           <a:prstGeom prst="roundRect"/>
           <a:solidFill>
@@ -13811,14 +14446,14 @@
       </p:pic>
       <p:pic>
         <p:nvPicPr>
-          <p:cNvPr id="48" name="그림 1" descr="C:/Users/Admin1/AppData/Roaming/PolarisOffice/ETemp/14060_13615360/fImage1238124541.png"/>
+          <p:cNvPr id="48" name="그림 1" descr="C:/Users/Admin1/AppData/Roaming/PolarisOffice/ETemp/13916_20827792/fImage1534524541.png"/>
           <p:cNvPicPr>
             <a:picLocks noChangeAspect="1"/>
           </p:cNvPicPr>
           <p:nvPr/>
         </p:nvPicPr>
         <p:blipFill rotWithShape="1">
-          <a:blip r:embed="rId7" cstate="print">
+          <a:blip r:embed="rId8" cstate="print">
             <a:extLst>
               <a:ext uri="{28A0092B-C50C-407E-A947-70E740481C1C}">
                 <a14:useLocalDpi xmlns:a14="http://schemas.microsoft.com/office/drawing/2010/main" val="0"/>
@@ -13831,8 +14466,8 @@
         </p:blipFill>
         <p:spPr>
           <a:xfrm rot="0">
-            <a:off x="1230630" y="1407160"/>
-            <a:ext cx="4140200" cy="1868805"/>
+            <a:off x="1238885" y="1445895"/>
+            <a:ext cx="4131945" cy="2054225"/>
           </a:xfrm>
           <a:prstGeom prst="roundRect"/>
           <a:solidFill>
@@ -14024,7 +14659,7 @@
       </p:sp>
       <p:pic>
         <p:nvPicPr>
-          <p:cNvPr id="32" name="그림 57" descr="C:/Users/Admin1/AppData/Roaming/PolarisOffice/ETemp/15444_16111816/fImage101552502995.png"/>
+          <p:cNvPr id="32" name="그림 57" descr="C:/Users/Admin1/AppData/Roaming/PolarisOffice/ETemp/13916_20827792/fImage101552502995.png"/>
           <p:cNvPicPr>
             <a:picLocks noChangeAspect="1"/>
           </p:cNvPicPr>
@@ -14045,7 +14680,7 @@
         <p:spPr>
           <a:xfrm rot="0">
             <a:off x="1238885" y="1438275"/>
-            <a:ext cx="4124325" cy="2602865"/>
+            <a:ext cx="4124960" cy="2603500"/>
           </a:xfrm>
           <a:prstGeom prst="rect"/>
           <a:noFill/>
@@ -14151,7 +14786,7 @@
       </p:sp>
       <p:pic>
         <p:nvPicPr>
-          <p:cNvPr id="34" name="그림 63" descr="C:/Users/Admin1/AppData/Roaming/PolarisOffice/ETemp/15444_16111816/fImage61771851478.png"/>
+          <p:cNvPr id="34" name="그림 63"/>
           <p:cNvPicPr>
             <a:picLocks noChangeAspect="1"/>
           </p:cNvPicPr>
@@ -14380,7 +15015,7 @@
       </p:sp>
       <p:pic>
         <p:nvPicPr>
-          <p:cNvPr id="29" name="그림 2" descr="C:/Users/Admin1/AppData/Roaming/PolarisOffice/ETemp/15444_16111816/fImage1104821541.png"/>
+          <p:cNvPr id="29" name="그림 2"/>
           <p:cNvPicPr>
             <a:picLocks noChangeAspect="1"/>
           </p:cNvPicPr>
@@ -15938,7 +16573,7 @@
       </p:pic>
       <p:pic>
         <p:nvPicPr>
-          <p:cNvPr id="34" name="그림 53" descr="C:/Users/Admin1/AppData/Roaming/PolarisOffice/ETemp/15444_16111816/fImage47782419358.png"/>
+          <p:cNvPr id="34" name="그림 53"/>
           <p:cNvPicPr>
             <a:picLocks noChangeAspect="1"/>
           </p:cNvPicPr>
